--- a/PowerPoint/report_hokada.pptx
+++ b/PowerPoint/report_hokada.pptx
@@ -2430,150 +2430,128 @@
 </file>
 
 <file path=ppt/diagrams/colors4.xml><?xml version="1.0" encoding="utf-8"?>
-<dgm:colorsDef xmlns:dgm="http://schemas.openxmlformats.org/drawingml/2006/diagram" xmlns:a="http://schemas.openxmlformats.org/drawingml/2006/main" uniqueId="urn:microsoft.com/office/officeart/2005/8/colors/accent0_2">
+<dgm:colorsDef xmlns:dgm="http://schemas.openxmlformats.org/drawingml/2006/diagram" xmlns:a="http://schemas.openxmlformats.org/drawingml/2006/main" uniqueId="urn:microsoft.com/office/officeart/2005/8/colors/colorful2">
   <dgm:title val=""/>
   <dgm:desc val=""/>
   <dgm:catLst>
-    <dgm:cat type="mainScheme" pri="10200"/>
+    <dgm:cat type="colorful" pri="10200"/>
   </dgm:catLst>
   <dgm:styleLbl name="node0">
     <dgm:fillClrLst meth="repeat">
-      <a:schemeClr val="lt1"/>
+      <a:schemeClr val="accent1"/>
     </dgm:fillClrLst>
     <dgm:linClrLst meth="repeat">
-      <a:schemeClr val="dk2">
-        <a:shade val="80000"/>
-      </a:schemeClr>
-    </dgm:linClrLst>
-    <dgm:effectClrLst/>
-    <dgm:txLinClrLst/>
-    <dgm:txFillClrLst meth="repeat">
-      <a:schemeClr val="dk2"/>
-    </dgm:txFillClrLst>
-    <dgm:txEffectClrLst/>
-  </dgm:styleLbl>
-  <dgm:styleLbl name="node1">
-    <dgm:fillClrLst meth="repeat">
       <a:schemeClr val="lt1"/>
-    </dgm:fillClrLst>
-    <dgm:linClrLst meth="repeat">
-      <a:schemeClr val="dk2">
-        <a:shade val="80000"/>
-      </a:schemeClr>
-    </dgm:linClrLst>
-    <dgm:effectClrLst/>
-    <dgm:txLinClrLst/>
-    <dgm:txFillClrLst meth="repeat">
-      <a:schemeClr val="dk2"/>
-    </dgm:txFillClrLst>
-    <dgm:txEffectClrLst/>
-  </dgm:styleLbl>
-  <dgm:styleLbl name="alignNode1">
-    <dgm:fillClrLst meth="repeat">
-      <a:schemeClr val="lt1"/>
-    </dgm:fillClrLst>
-    <dgm:linClrLst meth="repeat">
-      <a:schemeClr val="dk2">
-        <a:shade val="80000"/>
-      </a:schemeClr>
-    </dgm:linClrLst>
-    <dgm:effectClrLst/>
-    <dgm:txLinClrLst/>
-    <dgm:txFillClrLst meth="repeat">
-      <a:schemeClr val="dk2"/>
-    </dgm:txFillClrLst>
-    <dgm:txEffectClrLst/>
-  </dgm:styleLbl>
-  <dgm:styleLbl name="lnNode1">
-    <dgm:fillClrLst meth="repeat">
-      <a:schemeClr val="lt1"/>
-    </dgm:fillClrLst>
-    <dgm:linClrLst meth="repeat">
-      <a:schemeClr val="dk2">
-        <a:shade val="80000"/>
-      </a:schemeClr>
-    </dgm:linClrLst>
-    <dgm:effectClrLst/>
-    <dgm:txLinClrLst/>
-    <dgm:txFillClrLst meth="repeat">
-      <a:schemeClr val="dk2"/>
-    </dgm:txFillClrLst>
-    <dgm:txEffectClrLst/>
-  </dgm:styleLbl>
-  <dgm:styleLbl name="vennNode1">
-    <dgm:fillClrLst meth="repeat">
-      <a:schemeClr val="lt1">
-        <a:alpha val="50000"/>
-      </a:schemeClr>
-    </dgm:fillClrLst>
-    <dgm:linClrLst meth="repeat">
-      <a:schemeClr val="dk2">
-        <a:shade val="80000"/>
-      </a:schemeClr>
     </dgm:linClrLst>
     <dgm:effectClrLst/>
     <dgm:txLinClrLst/>
     <dgm:txFillClrLst/>
     <dgm:txEffectClrLst/>
   </dgm:styleLbl>
-  <dgm:styleLbl name="node2">
-    <dgm:fillClrLst meth="repeat">
-      <a:schemeClr val="lt1"/>
+  <dgm:styleLbl name="node1">
+    <dgm:fillClrLst>
+      <a:schemeClr val="accent2"/>
+      <a:schemeClr val="accent3"/>
     </dgm:fillClrLst>
     <dgm:linClrLst meth="repeat">
-      <a:schemeClr val="dk2">
-        <a:shade val="80000"/>
-      </a:schemeClr>
+      <a:schemeClr val="lt1"/>
     </dgm:linClrLst>
     <dgm:effectClrLst/>
     <dgm:txLinClrLst/>
-    <dgm:txFillClrLst meth="repeat">
-      <a:schemeClr val="dk2"/>
-    </dgm:txFillClrLst>
+    <dgm:txFillClrLst/>
     <dgm:txEffectClrLst/>
   </dgm:styleLbl>
-  <dgm:styleLbl name="node3">
-    <dgm:fillClrLst meth="repeat">
-      <a:schemeClr val="lt1"/>
+  <dgm:styleLbl name="alignNode1">
+    <dgm:fillClrLst>
+      <a:schemeClr val="accent2"/>
+      <a:schemeClr val="accent3"/>
     </dgm:fillClrLst>
-    <dgm:linClrLst meth="repeat">
-      <a:schemeClr val="dk2">
-        <a:shade val="80000"/>
-      </a:schemeClr>
+    <dgm:linClrLst>
+      <a:schemeClr val="accent2"/>
+      <a:schemeClr val="accent3"/>
     </dgm:linClrLst>
     <dgm:effectClrLst/>
     <dgm:txLinClrLst/>
-    <dgm:txFillClrLst meth="repeat">
-      <a:schemeClr val="dk2"/>
-    </dgm:txFillClrLst>
+    <dgm:txFillClrLst/>
     <dgm:txEffectClrLst/>
   </dgm:styleLbl>
-  <dgm:styleLbl name="node4">
-    <dgm:fillClrLst meth="repeat">
-      <a:schemeClr val="lt1"/>
+  <dgm:styleLbl name="lnNode1">
+    <dgm:fillClrLst>
+      <a:schemeClr val="accent2"/>
+      <a:schemeClr val="accent3"/>
     </dgm:fillClrLst>
     <dgm:linClrLst meth="repeat">
-      <a:schemeClr val="dk2">
-        <a:shade val="80000"/>
-      </a:schemeClr>
+      <a:schemeClr val="lt1"/>
     </dgm:linClrLst>
     <dgm:effectClrLst/>
     <dgm:txLinClrLst/>
-    <dgm:txFillClrLst meth="repeat">
-      <a:schemeClr val="dk2"/>
-    </dgm:txFillClrLst>
+    <dgm:txFillClrLst/>
     <dgm:txEffectClrLst/>
   </dgm:styleLbl>
-  <dgm:styleLbl name="fgImgPlace1">
-    <dgm:fillClrLst meth="repeat">
-      <a:schemeClr val="dk2">
-        <a:tint val="40000"/>
+  <dgm:styleLbl name="vennNode1">
+    <dgm:fillClrLst>
+      <a:schemeClr val="accent2">
+        <a:alpha val="50000"/>
+      </a:schemeClr>
+      <a:schemeClr val="accent3">
+        <a:alpha val="50000"/>
       </a:schemeClr>
     </dgm:fillClrLst>
     <dgm:linClrLst meth="repeat">
-      <a:schemeClr val="dk2">
-        <a:shade val="80000"/>
+      <a:schemeClr val="lt1"/>
+    </dgm:linClrLst>
+    <dgm:effectClrLst/>
+    <dgm:txLinClrLst/>
+    <dgm:txFillClrLst/>
+    <dgm:txEffectClrLst/>
+  </dgm:styleLbl>
+  <dgm:styleLbl name="node2">
+    <dgm:fillClrLst>
+      <a:schemeClr val="accent3"/>
+    </dgm:fillClrLst>
+    <dgm:linClrLst meth="repeat">
+      <a:schemeClr val="lt1"/>
+    </dgm:linClrLst>
+    <dgm:effectClrLst/>
+    <dgm:txLinClrLst/>
+    <dgm:txFillClrLst/>
+    <dgm:txEffectClrLst/>
+  </dgm:styleLbl>
+  <dgm:styleLbl name="node3">
+    <dgm:fillClrLst>
+      <a:schemeClr val="accent4"/>
+    </dgm:fillClrLst>
+    <dgm:linClrLst meth="repeat">
+      <a:schemeClr val="lt1"/>
+    </dgm:linClrLst>
+    <dgm:effectClrLst/>
+    <dgm:txLinClrLst/>
+    <dgm:txFillClrLst/>
+    <dgm:txEffectClrLst/>
+  </dgm:styleLbl>
+  <dgm:styleLbl name="node4">
+    <dgm:fillClrLst>
+      <a:schemeClr val="accent5"/>
+    </dgm:fillClrLst>
+    <dgm:linClrLst meth="repeat">
+      <a:schemeClr val="lt1"/>
+    </dgm:linClrLst>
+    <dgm:effectClrLst/>
+    <dgm:txLinClrLst/>
+    <dgm:txFillClrLst/>
+    <dgm:txEffectClrLst/>
+  </dgm:styleLbl>
+  <dgm:styleLbl name="fgImgPlace1">
+    <dgm:fillClrLst>
+      <a:schemeClr val="accent2">
+        <a:tint val="50000"/>
       </a:schemeClr>
+      <a:schemeClr val="accent3">
+        <a:tint val="50000"/>
+      </a:schemeClr>
+    </dgm:fillClrLst>
+    <dgm:linClrLst meth="repeat">
+      <a:schemeClr val="lt1"/>
     </dgm:linClrLst>
     <dgm:effectClrLst/>
     <dgm:txLinClrLst/>
@@ -2583,15 +2561,16 @@
     <dgm:txEffectClrLst/>
   </dgm:styleLbl>
   <dgm:styleLbl name="alignImgPlace1">
-    <dgm:fillClrLst meth="repeat">
-      <a:schemeClr val="dk2">
-        <a:tint val="40000"/>
+    <dgm:fillClrLst>
+      <a:schemeClr val="accent2">
+        <a:tint val="50000"/>
+      </a:schemeClr>
+      <a:schemeClr val="accent3">
+        <a:tint val="20000"/>
       </a:schemeClr>
     </dgm:fillClrLst>
     <dgm:linClrLst meth="repeat">
-      <a:schemeClr val="dk2">
-        <a:shade val="80000"/>
-      </a:schemeClr>
+      <a:schemeClr val="lt1"/>
     </dgm:linClrLst>
     <dgm:effectClrLst/>
     <dgm:txLinClrLst/>
@@ -2601,15 +2580,16 @@
     <dgm:txEffectClrLst/>
   </dgm:styleLbl>
   <dgm:styleLbl name="bgImgPlace1">
-    <dgm:fillClrLst meth="repeat">
-      <a:schemeClr val="dk2">
-        <a:tint val="40000"/>
+    <dgm:fillClrLst>
+      <a:schemeClr val="accent2">
+        <a:tint val="50000"/>
+      </a:schemeClr>
+      <a:schemeClr val="accent3">
+        <a:tint val="20000"/>
       </a:schemeClr>
     </dgm:fillClrLst>
     <dgm:linClrLst meth="repeat">
-      <a:schemeClr val="dk2">
-        <a:shade val="80000"/>
-      </a:schemeClr>
+      <a:schemeClr val="lt1"/>
     </dgm:linClrLst>
     <dgm:effectClrLst/>
     <dgm:txLinClrLst/>
@@ -2619,65 +2599,53 @@
     <dgm:txEffectClrLst/>
   </dgm:styleLbl>
   <dgm:styleLbl name="sibTrans2D1">
-    <dgm:fillClrLst meth="repeat">
-      <a:schemeClr val="dk2">
-        <a:tint val="60000"/>
-      </a:schemeClr>
+    <dgm:fillClrLst>
+      <a:schemeClr val="accent2"/>
+      <a:schemeClr val="accent3"/>
     </dgm:fillClrLst>
     <dgm:linClrLst meth="repeat">
-      <a:schemeClr val="dk2">
-        <a:tint val="60000"/>
-      </a:schemeClr>
+      <a:schemeClr val="lt1"/>
+    </dgm:linClrLst>
+    <dgm:effectClrLst/>
+    <dgm:txLinClrLst/>
+    <dgm:txFillClrLst/>
+    <dgm:txEffectClrLst/>
+  </dgm:styleLbl>
+  <dgm:styleLbl name="fgSibTrans2D1">
+    <dgm:fillClrLst>
+      <a:schemeClr val="accent2"/>
+      <a:schemeClr val="accent3"/>
+    </dgm:fillClrLst>
+    <dgm:linClrLst meth="repeat">
+      <a:schemeClr val="lt1"/>
     </dgm:linClrLst>
     <dgm:effectClrLst/>
     <dgm:txLinClrLst/>
     <dgm:txFillClrLst meth="repeat">
-      <a:schemeClr val="dk2"/>
+      <a:schemeClr val="lt1"/>
     </dgm:txFillClrLst>
     <dgm:txEffectClrLst/>
   </dgm:styleLbl>
-  <dgm:styleLbl name="fgSibTrans2D1">
-    <dgm:fillClrLst meth="repeat">
-      <a:schemeClr val="dk2">
-        <a:tint val="60000"/>
-      </a:schemeClr>
+  <dgm:styleLbl name="bgSibTrans2D1">
+    <dgm:fillClrLst>
+      <a:schemeClr val="accent2"/>
+      <a:schemeClr val="accent3"/>
     </dgm:fillClrLst>
     <dgm:linClrLst meth="repeat">
-      <a:schemeClr val="dk2">
-        <a:tint val="60000"/>
-      </a:schemeClr>
+      <a:schemeClr val="lt1"/>
     </dgm:linClrLst>
     <dgm:effectClrLst/>
     <dgm:txLinClrLst/>
     <dgm:txFillClrLst meth="repeat">
-      <a:schemeClr val="dk2"/>
+      <a:schemeClr val="lt1"/>
     </dgm:txFillClrLst>
     <dgm:txEffectClrLst/>
   </dgm:styleLbl>
-  <dgm:styleLbl name="bgSibTrans2D1">
-    <dgm:fillClrLst meth="repeat">
-      <a:schemeClr val="dk2">
-        <a:tint val="60000"/>
-      </a:schemeClr>
-    </dgm:fillClrLst>
-    <dgm:linClrLst meth="repeat">
-      <a:schemeClr val="dk2">
-        <a:tint val="60000"/>
-      </a:schemeClr>
-    </dgm:linClrLst>
-    <dgm:effectClrLst/>
-    <dgm:txLinClrLst/>
-    <dgm:txFillClrLst meth="repeat">
-      <a:schemeClr val="dk2"/>
-    </dgm:txFillClrLst>
-    <dgm:txEffectClrLst/>
-  </dgm:styleLbl>
   <dgm:styleLbl name="sibTrans1D1">
-    <dgm:fillClrLst meth="repeat">
-      <a:schemeClr val="dk2"/>
-    </dgm:fillClrLst>
-    <dgm:linClrLst meth="repeat">
-      <a:schemeClr val="dk2"/>
+    <dgm:fillClrLst/>
+    <dgm:linClrLst>
+      <a:schemeClr val="accent2"/>
+      <a:schemeClr val="accent3"/>
     </dgm:linClrLst>
     <dgm:effectClrLst/>
     <dgm:txLinClrLst/>
@@ -2688,159 +2656,11 @@
   </dgm:styleLbl>
   <dgm:styleLbl name="callout">
     <dgm:fillClrLst meth="repeat">
-      <a:schemeClr val="dk2"/>
+      <a:schemeClr val="accent2"/>
     </dgm:fillClrLst>
     <dgm:linClrLst meth="repeat">
-      <a:schemeClr val="dk2"/>
-    </dgm:linClrLst>
-    <dgm:effectClrLst/>
-    <dgm:txLinClrLst/>
-    <dgm:txFillClrLst meth="repeat">
-      <a:schemeClr val="tx1"/>
-    </dgm:txFillClrLst>
-    <dgm:txEffectClrLst/>
-  </dgm:styleLbl>
-  <dgm:styleLbl name="asst0">
-    <dgm:fillClrLst meth="repeat">
-      <a:schemeClr val="lt1"/>
-    </dgm:fillClrLst>
-    <dgm:linClrLst meth="repeat">
-      <a:schemeClr val="dk2">
-        <a:shade val="80000"/>
-      </a:schemeClr>
-    </dgm:linClrLst>
-    <dgm:effectClrLst/>
-    <dgm:txLinClrLst/>
-    <dgm:txFillClrLst meth="repeat">
-      <a:schemeClr val="dk2"/>
-    </dgm:txFillClrLst>
-    <dgm:txEffectClrLst/>
-  </dgm:styleLbl>
-  <dgm:styleLbl name="asst1">
-    <dgm:fillClrLst meth="repeat">
-      <a:schemeClr val="lt1"/>
-    </dgm:fillClrLst>
-    <dgm:linClrLst meth="repeat">
-      <a:schemeClr val="dk2">
-        <a:shade val="80000"/>
-      </a:schemeClr>
-    </dgm:linClrLst>
-    <dgm:effectClrLst/>
-    <dgm:txLinClrLst/>
-    <dgm:txFillClrLst meth="repeat">
-      <a:schemeClr val="dk2"/>
-    </dgm:txFillClrLst>
-    <dgm:txEffectClrLst/>
-  </dgm:styleLbl>
-  <dgm:styleLbl name="asst2">
-    <dgm:fillClrLst meth="repeat">
-      <a:schemeClr val="lt1"/>
-    </dgm:fillClrLst>
-    <dgm:linClrLst meth="repeat">
-      <a:schemeClr val="dk2">
-        <a:shade val="80000"/>
-      </a:schemeClr>
-    </dgm:linClrLst>
-    <dgm:effectClrLst/>
-    <dgm:txLinClrLst/>
-    <dgm:txFillClrLst meth="repeat">
-      <a:schemeClr val="dk2"/>
-    </dgm:txFillClrLst>
-    <dgm:txEffectClrLst/>
-  </dgm:styleLbl>
-  <dgm:styleLbl name="asst3">
-    <dgm:fillClrLst meth="repeat">
-      <a:schemeClr val="lt1"/>
-    </dgm:fillClrLst>
-    <dgm:linClrLst meth="repeat">
-      <a:schemeClr val="dk2">
-        <a:shade val="80000"/>
-      </a:schemeClr>
-    </dgm:linClrLst>
-    <dgm:effectClrLst/>
-    <dgm:txLinClrLst/>
-    <dgm:txFillClrLst meth="repeat">
-      <a:schemeClr val="dk2"/>
-    </dgm:txFillClrLst>
-    <dgm:txEffectClrLst/>
-  </dgm:styleLbl>
-  <dgm:styleLbl name="asst4">
-    <dgm:fillClrLst meth="repeat">
-      <a:schemeClr val="lt1"/>
-    </dgm:fillClrLst>
-    <dgm:linClrLst meth="repeat">
-      <a:schemeClr val="dk2">
-        <a:shade val="80000"/>
-      </a:schemeClr>
-    </dgm:linClrLst>
-    <dgm:effectClrLst/>
-    <dgm:txLinClrLst/>
-    <dgm:txFillClrLst meth="repeat">
-      <a:schemeClr val="dk2"/>
-    </dgm:txFillClrLst>
-    <dgm:txEffectClrLst/>
-  </dgm:styleLbl>
-  <dgm:styleLbl name="parChTrans2D1">
-    <dgm:fillClrLst meth="repeat">
-      <a:schemeClr val="dk2">
-        <a:tint val="60000"/>
-      </a:schemeClr>
-    </dgm:fillClrLst>
-    <dgm:linClrLst meth="repeat">
-      <a:schemeClr val="dk2">
-        <a:tint val="60000"/>
-      </a:schemeClr>
-    </dgm:linClrLst>
-    <dgm:effectClrLst/>
-    <dgm:txLinClrLst/>
-    <dgm:txFillClrLst/>
-    <dgm:txEffectClrLst/>
-  </dgm:styleLbl>
-  <dgm:styleLbl name="parChTrans2D2">
-    <dgm:fillClrLst meth="repeat">
-      <a:schemeClr val="dk2"/>
-    </dgm:fillClrLst>
-    <dgm:linClrLst meth="repeat">
-      <a:schemeClr val="dk2"/>
-    </dgm:linClrLst>
-    <dgm:effectClrLst/>
-    <dgm:txLinClrLst/>
-    <dgm:txFillClrLst/>
-    <dgm:txEffectClrLst/>
-  </dgm:styleLbl>
-  <dgm:styleLbl name="parChTrans2D3">
-    <dgm:fillClrLst meth="repeat">
-      <a:schemeClr val="dk2"/>
-    </dgm:fillClrLst>
-    <dgm:linClrLst meth="repeat">
-      <a:schemeClr val="dk2"/>
-    </dgm:linClrLst>
-    <dgm:effectClrLst/>
-    <dgm:txLinClrLst/>
-    <dgm:txFillClrLst/>
-    <dgm:txEffectClrLst/>
-  </dgm:styleLbl>
-  <dgm:styleLbl name="parChTrans2D4">
-    <dgm:fillClrLst meth="repeat">
-      <a:schemeClr val="dk2"/>
-    </dgm:fillClrLst>
-    <dgm:linClrLst meth="repeat">
-      <a:schemeClr val="dk2"/>
-    </dgm:linClrLst>
-    <dgm:effectClrLst/>
-    <dgm:txLinClrLst/>
-    <dgm:txFillClrLst meth="repeat">
-      <a:schemeClr val="lt1"/>
-    </dgm:txFillClrLst>
-    <dgm:txEffectClrLst/>
-  </dgm:styleLbl>
-  <dgm:styleLbl name="parChTrans1D1">
-    <dgm:fillClrLst meth="repeat">
-      <a:schemeClr val="dk2"/>
-    </dgm:fillClrLst>
-    <dgm:linClrLst meth="repeat">
-      <a:schemeClr val="dk2">
-        <a:shade val="60000"/>
+      <a:schemeClr val="accent2">
+        <a:tint val="50000"/>
       </a:schemeClr>
     </dgm:linClrLst>
     <dgm:effectClrLst/>
@@ -2850,14 +2670,128 @@
     </dgm:txFillClrLst>
     <dgm:txEffectClrLst/>
   </dgm:styleLbl>
-  <dgm:styleLbl name="parChTrans1D2">
+  <dgm:styleLbl name="asst0">
     <dgm:fillClrLst meth="repeat">
-      <a:schemeClr val="dk2"/>
+      <a:schemeClr val="accent2"/>
     </dgm:fillClrLst>
     <dgm:linClrLst meth="repeat">
-      <a:schemeClr val="dk2">
-        <a:shade val="60000"/>
+      <a:schemeClr val="lt1">
+        <a:shade val="80000"/>
       </a:schemeClr>
+    </dgm:linClrLst>
+    <dgm:effectClrLst/>
+    <dgm:txLinClrLst/>
+    <dgm:txFillClrLst/>
+    <dgm:txEffectClrLst/>
+  </dgm:styleLbl>
+  <dgm:styleLbl name="asst1">
+    <dgm:fillClrLst meth="repeat">
+      <a:schemeClr val="accent3"/>
+    </dgm:fillClrLst>
+    <dgm:linClrLst meth="repeat">
+      <a:schemeClr val="lt1">
+        <a:shade val="80000"/>
+      </a:schemeClr>
+    </dgm:linClrLst>
+    <dgm:effectClrLst/>
+    <dgm:txLinClrLst/>
+    <dgm:txFillClrLst/>
+    <dgm:txEffectClrLst/>
+  </dgm:styleLbl>
+  <dgm:styleLbl name="asst2">
+    <dgm:fillClrLst>
+      <a:schemeClr val="accent4"/>
+    </dgm:fillClrLst>
+    <dgm:linClrLst meth="repeat">
+      <a:schemeClr val="lt1"/>
+    </dgm:linClrLst>
+    <dgm:effectClrLst/>
+    <dgm:txLinClrLst/>
+    <dgm:txFillClrLst/>
+    <dgm:txEffectClrLst/>
+  </dgm:styleLbl>
+  <dgm:styleLbl name="asst3">
+    <dgm:fillClrLst>
+      <a:schemeClr val="accent5"/>
+    </dgm:fillClrLst>
+    <dgm:linClrLst meth="repeat">
+      <a:schemeClr val="lt1"/>
+    </dgm:linClrLst>
+    <dgm:effectClrLst/>
+    <dgm:txLinClrLst/>
+    <dgm:txFillClrLst/>
+    <dgm:txEffectClrLst/>
+  </dgm:styleLbl>
+  <dgm:styleLbl name="asst4">
+    <dgm:fillClrLst>
+      <a:schemeClr val="accent6"/>
+    </dgm:fillClrLst>
+    <dgm:linClrLst meth="repeat">
+      <a:schemeClr val="lt1"/>
+    </dgm:linClrLst>
+    <dgm:effectClrLst/>
+    <dgm:txLinClrLst/>
+    <dgm:txFillClrLst/>
+    <dgm:txEffectClrLst/>
+  </dgm:styleLbl>
+  <dgm:styleLbl name="parChTrans2D1">
+    <dgm:fillClrLst meth="repeat">
+      <a:schemeClr val="accent2"/>
+    </dgm:fillClrLst>
+    <dgm:linClrLst meth="repeat">
+      <a:schemeClr val="lt1"/>
+    </dgm:linClrLst>
+    <dgm:effectClrLst/>
+    <dgm:txLinClrLst/>
+    <dgm:txFillClrLst meth="repeat">
+      <a:schemeClr val="lt1"/>
+    </dgm:txFillClrLst>
+    <dgm:txEffectClrLst/>
+  </dgm:styleLbl>
+  <dgm:styleLbl name="parChTrans2D2">
+    <dgm:fillClrLst meth="repeat">
+      <a:schemeClr val="accent3"/>
+    </dgm:fillClrLst>
+    <dgm:linClrLst meth="repeat">
+      <a:schemeClr val="lt1"/>
+    </dgm:linClrLst>
+    <dgm:effectClrLst/>
+    <dgm:txLinClrLst/>
+    <dgm:txFillClrLst/>
+    <dgm:txEffectClrLst/>
+  </dgm:styleLbl>
+  <dgm:styleLbl name="parChTrans2D3">
+    <dgm:fillClrLst meth="repeat">
+      <a:schemeClr val="accent4"/>
+    </dgm:fillClrLst>
+    <dgm:linClrLst meth="repeat">
+      <a:schemeClr val="lt1"/>
+    </dgm:linClrLst>
+    <dgm:effectClrLst/>
+    <dgm:txLinClrLst/>
+    <dgm:txFillClrLst/>
+    <dgm:txEffectClrLst/>
+  </dgm:styleLbl>
+  <dgm:styleLbl name="parChTrans2D4">
+    <dgm:fillClrLst meth="repeat">
+      <a:schemeClr val="accent5"/>
+    </dgm:fillClrLst>
+    <dgm:linClrLst meth="repeat">
+      <a:schemeClr val="lt1"/>
+    </dgm:linClrLst>
+    <dgm:effectClrLst/>
+    <dgm:txLinClrLst/>
+    <dgm:txFillClrLst meth="repeat">
+      <a:schemeClr val="lt1"/>
+    </dgm:txFillClrLst>
+    <dgm:txEffectClrLst/>
+  </dgm:styleLbl>
+  <dgm:styleLbl name="parChTrans1D1">
+    <dgm:fillClrLst meth="repeat">
+      <a:schemeClr val="accent2"/>
+    </dgm:fillClrLst>
+    <dgm:linClrLst meth="repeat">
+      <a:schemeClr val="accent2"/>
     </dgm:linClrLst>
     <dgm:effectClrLst/>
     <dgm:txLinClrLst/>
@@ -2866,14 +2800,14 @@
     </dgm:txFillClrLst>
     <dgm:txEffectClrLst/>
   </dgm:styleLbl>
-  <dgm:styleLbl name="parChTrans1D3">
+  <dgm:styleLbl name="parChTrans1D2">
     <dgm:fillClrLst meth="repeat">
-      <a:schemeClr val="dk2"/>
+      <a:schemeClr val="accent2">
+        <a:tint val="90000"/>
+      </a:schemeClr>
     </dgm:fillClrLst>
     <dgm:linClrLst meth="repeat">
-      <a:schemeClr val="dk2">
-        <a:shade val="80000"/>
-      </a:schemeClr>
+      <a:schemeClr val="accent3"/>
     </dgm:linClrLst>
     <dgm:effectClrLst/>
     <dgm:txLinClrLst/>
@@ -2882,14 +2816,14 @@
     </dgm:txFillClrLst>
     <dgm:txEffectClrLst/>
   </dgm:styleLbl>
-  <dgm:styleLbl name="parChTrans1D4">
+  <dgm:styleLbl name="parChTrans1D3">
     <dgm:fillClrLst meth="repeat">
-      <a:schemeClr val="dk2"/>
+      <a:schemeClr val="accent2">
+        <a:tint val="70000"/>
+      </a:schemeClr>
     </dgm:fillClrLst>
     <dgm:linClrLst meth="repeat">
-      <a:schemeClr val="dk2">
-        <a:shade val="80000"/>
-      </a:schemeClr>
+      <a:schemeClr val="accent4"/>
     </dgm:linClrLst>
     <dgm:effectClrLst/>
     <dgm:txLinClrLst/>
@@ -2898,266 +2832,31 @@
     </dgm:txFillClrLst>
     <dgm:txEffectClrLst/>
   </dgm:styleLbl>
-  <dgm:styleLbl name="fgAcc1">
+  <dgm:styleLbl name="parChTrans1D4">
     <dgm:fillClrLst meth="repeat">
-      <a:schemeClr val="dk2">
-        <a:alpha val="90000"/>
-        <a:tint val="40000"/>
+      <a:schemeClr val="accent2">
+        <a:tint val="50000"/>
       </a:schemeClr>
     </dgm:fillClrLst>
     <dgm:linClrLst meth="repeat">
-      <a:schemeClr val="dk2"/>
+      <a:schemeClr val="accent5"/>
     </dgm:linClrLst>
     <dgm:effectClrLst/>
     <dgm:txLinClrLst/>
     <dgm:txFillClrLst meth="repeat">
-      <a:schemeClr val="dk2"/>
+      <a:schemeClr val="tx1"/>
     </dgm:txFillClrLst>
     <dgm:txEffectClrLst/>
   </dgm:styleLbl>
-  <dgm:styleLbl name="conFgAcc1">
-    <dgm:fillClrLst meth="repeat">
-      <a:schemeClr val="dk2">
-        <a:alpha val="90000"/>
-        <a:tint val="40000"/>
-      </a:schemeClr>
-    </dgm:fillClrLst>
-    <dgm:linClrLst meth="repeat">
-      <a:schemeClr val="dk2"/>
-    </dgm:linClrLst>
-    <dgm:effectClrLst/>
-    <dgm:txLinClrLst/>
-    <dgm:txFillClrLst meth="repeat">
-      <a:schemeClr val="dk2"/>
-    </dgm:txFillClrLst>
-    <dgm:txEffectClrLst/>
-  </dgm:styleLbl>
-  <dgm:styleLbl name="alignAcc1">
-    <dgm:fillClrLst meth="repeat">
-      <a:schemeClr val="dk2">
-        <a:alpha val="90000"/>
-        <a:tint val="40000"/>
-      </a:schemeClr>
-    </dgm:fillClrLst>
-    <dgm:linClrLst meth="repeat">
-      <a:schemeClr val="dk2"/>
-    </dgm:linClrLst>
-    <dgm:effectClrLst/>
-    <dgm:txLinClrLst/>
-    <dgm:txFillClrLst meth="repeat">
-      <a:schemeClr val="dk2"/>
-    </dgm:txFillClrLst>
-    <dgm:txEffectClrLst/>
-  </dgm:styleLbl>
-  <dgm:styleLbl name="trAlignAcc1">
-    <dgm:fillClrLst meth="repeat">
-      <a:schemeClr val="dk2">
-        <a:alpha val="40000"/>
-        <a:tint val="40000"/>
-      </a:schemeClr>
-    </dgm:fillClrLst>
-    <dgm:linClrLst meth="repeat">
-      <a:schemeClr val="dk2"/>
-    </dgm:linClrLst>
-    <dgm:effectClrLst/>
-    <dgm:txLinClrLst/>
-    <dgm:txFillClrLst meth="repeat">
-      <a:schemeClr val="dk2"/>
-    </dgm:txFillClrLst>
-    <dgm:txEffectClrLst/>
-  </dgm:styleLbl>
-  <dgm:styleLbl name="bgAcc1">
-    <dgm:fillClrLst meth="repeat">
-      <a:schemeClr val="dk2">
-        <a:alpha val="90000"/>
-        <a:tint val="40000"/>
-      </a:schemeClr>
-    </dgm:fillClrLst>
-    <dgm:linClrLst meth="repeat">
-      <a:schemeClr val="dk2"/>
-    </dgm:linClrLst>
-    <dgm:effectClrLst/>
-    <dgm:txLinClrLst/>
-    <dgm:txFillClrLst meth="repeat">
-      <a:schemeClr val="dk2"/>
-    </dgm:txFillClrLst>
-    <dgm:txEffectClrLst/>
-  </dgm:styleLbl>
-  <dgm:styleLbl name="solidFgAcc1">
-    <dgm:fillClrLst meth="repeat">
-      <a:schemeClr val="lt1"/>
-    </dgm:fillClrLst>
-    <dgm:linClrLst meth="repeat">
-      <a:schemeClr val="dk2"/>
-    </dgm:linClrLst>
-    <dgm:effectClrLst/>
-    <dgm:txLinClrLst/>
-    <dgm:txFillClrLst meth="repeat">
-      <a:schemeClr val="dk2"/>
-    </dgm:txFillClrLst>
-    <dgm:txEffectClrLst/>
-  </dgm:styleLbl>
-  <dgm:styleLbl name="solidAlignAcc1">
-    <dgm:fillClrLst meth="repeat">
-      <a:schemeClr val="lt1"/>
-    </dgm:fillClrLst>
-    <dgm:linClrLst meth="repeat">
-      <a:schemeClr val="dk2"/>
-    </dgm:linClrLst>
-    <dgm:effectClrLst/>
-    <dgm:txLinClrLst/>
-    <dgm:txFillClrLst meth="repeat">
-      <a:schemeClr val="dk2"/>
-    </dgm:txFillClrLst>
-    <dgm:txEffectClrLst/>
-  </dgm:styleLbl>
-  <dgm:styleLbl name="solidBgAcc1">
-    <dgm:fillClrLst meth="repeat">
-      <a:schemeClr val="lt1"/>
-    </dgm:fillClrLst>
-    <dgm:linClrLst meth="repeat">
-      <a:schemeClr val="dk2"/>
-    </dgm:linClrLst>
-    <dgm:effectClrLst/>
-    <dgm:txLinClrLst/>
-    <dgm:txFillClrLst meth="repeat">
-      <a:schemeClr val="dk2"/>
-    </dgm:txFillClrLst>
-    <dgm:txEffectClrLst/>
-  </dgm:styleLbl>
-  <dgm:styleLbl name="fgAccFollowNode1">
+  <dgm:styleLbl name="fgAcc1">
     <dgm:fillClrLst meth="repeat">
       <a:schemeClr val="lt1">
         <a:alpha val="90000"/>
-        <a:tint val="40000"/>
       </a:schemeClr>
     </dgm:fillClrLst>
-    <dgm:linClrLst meth="repeat">
-      <a:schemeClr val="dk2">
-        <a:alpha val="90000"/>
-      </a:schemeClr>
-    </dgm:linClrLst>
-    <dgm:effectClrLst/>
-    <dgm:txLinClrLst/>
-    <dgm:txFillClrLst meth="repeat">
-      <a:schemeClr val="dk2"/>
-    </dgm:txFillClrLst>
-    <dgm:txEffectClrLst/>
-  </dgm:styleLbl>
-  <dgm:styleLbl name="alignAccFollowNode1">
-    <dgm:fillClrLst meth="repeat">
-      <a:schemeClr val="lt1">
-        <a:alpha val="90000"/>
-        <a:tint val="40000"/>
-      </a:schemeClr>
-    </dgm:fillClrLst>
-    <dgm:linClrLst meth="repeat">
-      <a:schemeClr val="dk2">
-        <a:alpha val="90000"/>
-      </a:schemeClr>
-    </dgm:linClrLst>
-    <dgm:effectClrLst/>
-    <dgm:txLinClrLst/>
-    <dgm:txFillClrLst meth="repeat">
-      <a:schemeClr val="dk2"/>
-    </dgm:txFillClrLst>
-    <dgm:txEffectClrLst/>
-  </dgm:styleLbl>
-  <dgm:styleLbl name="bgAccFollowNode1">
-    <dgm:fillClrLst meth="repeat">
-      <a:schemeClr val="lt1">
-        <a:alpha val="90000"/>
-        <a:tint val="40000"/>
-      </a:schemeClr>
-    </dgm:fillClrLst>
-    <dgm:linClrLst meth="repeat">
-      <a:schemeClr val="dk2">
-        <a:alpha val="90000"/>
-      </a:schemeClr>
-    </dgm:linClrLst>
-    <dgm:effectClrLst/>
-    <dgm:txLinClrLst/>
-    <dgm:txFillClrLst meth="repeat">
-      <a:schemeClr val="dk2"/>
-    </dgm:txFillClrLst>
-    <dgm:txEffectClrLst/>
-  </dgm:styleLbl>
-  <dgm:styleLbl name="fgAcc0">
-    <dgm:fillClrLst meth="repeat">
-      <a:schemeClr val="dk2">
-        <a:alpha val="90000"/>
-        <a:tint val="40000"/>
-      </a:schemeClr>
-    </dgm:fillClrLst>
-    <dgm:linClrLst meth="repeat">
-      <a:schemeClr val="dk2"/>
-    </dgm:linClrLst>
-    <dgm:effectClrLst/>
-    <dgm:txLinClrLst/>
-    <dgm:txFillClrLst meth="repeat">
-      <a:schemeClr val="dk2"/>
-    </dgm:txFillClrLst>
-    <dgm:txEffectClrLst/>
-  </dgm:styleLbl>
-  <dgm:styleLbl name="fgAcc2">
-    <dgm:fillClrLst meth="repeat">
-      <a:schemeClr val="dk2">
-        <a:alpha val="90000"/>
-        <a:tint val="40000"/>
-      </a:schemeClr>
-    </dgm:fillClrLst>
-    <dgm:linClrLst meth="repeat">
-      <a:schemeClr val="dk2"/>
-    </dgm:linClrLst>
-    <dgm:effectClrLst/>
-    <dgm:txLinClrLst/>
-    <dgm:txFillClrLst meth="repeat">
-      <a:schemeClr val="dk2"/>
-    </dgm:txFillClrLst>
-    <dgm:txEffectClrLst/>
-  </dgm:styleLbl>
-  <dgm:styleLbl name="fgAcc3">
-    <dgm:fillClrLst meth="repeat">
-      <a:schemeClr val="dk2">
-        <a:alpha val="90000"/>
-        <a:tint val="40000"/>
-      </a:schemeClr>
-    </dgm:fillClrLst>
-    <dgm:linClrLst meth="repeat">
-      <a:schemeClr val="dk2"/>
-    </dgm:linClrLst>
-    <dgm:effectClrLst/>
-    <dgm:txLinClrLst/>
-    <dgm:txFillClrLst meth="repeat">
-      <a:schemeClr val="dk2"/>
-    </dgm:txFillClrLst>
-    <dgm:txEffectClrLst/>
-  </dgm:styleLbl>
-  <dgm:styleLbl name="fgAcc4">
-    <dgm:fillClrLst meth="repeat">
-      <a:schemeClr val="dk2">
-        <a:alpha val="90000"/>
-        <a:tint val="40000"/>
-      </a:schemeClr>
-    </dgm:fillClrLst>
-    <dgm:linClrLst meth="repeat">
-      <a:schemeClr val="dk2"/>
-    </dgm:linClrLst>
-    <dgm:effectClrLst/>
-    <dgm:txLinClrLst/>
-    <dgm:txFillClrLst meth="repeat">
-      <a:schemeClr val="dk2"/>
-    </dgm:txFillClrLst>
-    <dgm:txEffectClrLst/>
-  </dgm:styleLbl>
-  <dgm:styleLbl name="bgShp">
-    <dgm:fillClrLst meth="repeat">
-      <a:schemeClr val="dk2">
-        <a:tint val="40000"/>
-      </a:schemeClr>
-    </dgm:fillClrLst>
-    <dgm:linClrLst meth="repeat">
-      <a:schemeClr val="dk2"/>
+    <dgm:linClrLst>
+      <a:schemeClr val="accent2"/>
+      <a:schemeClr val="accent3"/>
     </dgm:linClrLst>
     <dgm:effectClrLst/>
     <dgm:txLinClrLst/>
@@ -3166,43 +2865,319 @@
     </dgm:txFillClrLst>
     <dgm:txEffectClrLst/>
   </dgm:styleLbl>
-  <dgm:styleLbl name="dkBgShp">
+  <dgm:styleLbl name="conFgAcc1">
     <dgm:fillClrLst meth="repeat">
-      <a:schemeClr val="dk2">
-        <a:shade val="80000"/>
+      <a:schemeClr val="lt1">
+        <a:alpha val="90000"/>
       </a:schemeClr>
     </dgm:fillClrLst>
-    <dgm:linClrLst meth="repeat">
-      <a:schemeClr val="dk2"/>
+    <dgm:linClrLst>
+      <a:schemeClr val="accent2"/>
+      <a:schemeClr val="accent3"/>
     </dgm:linClrLst>
     <dgm:effectClrLst/>
     <dgm:txLinClrLst/>
     <dgm:txFillClrLst meth="repeat">
-      <a:schemeClr val="lt2"/>
+      <a:schemeClr val="dk1"/>
     </dgm:txFillClrLst>
     <dgm:txEffectClrLst/>
   </dgm:styleLbl>
+  <dgm:styleLbl name="alignAcc1">
+    <dgm:fillClrLst meth="repeat">
+      <a:schemeClr val="lt1">
+        <a:alpha val="90000"/>
+      </a:schemeClr>
+    </dgm:fillClrLst>
+    <dgm:linClrLst>
+      <a:schemeClr val="accent2"/>
+      <a:schemeClr val="accent3"/>
+    </dgm:linClrLst>
+    <dgm:effectClrLst/>
+    <dgm:txLinClrLst/>
+    <dgm:txFillClrLst meth="repeat">
+      <a:schemeClr val="dk1"/>
+    </dgm:txFillClrLst>
+    <dgm:txEffectClrLst/>
+  </dgm:styleLbl>
+  <dgm:styleLbl name="trAlignAcc1">
+    <dgm:fillClrLst meth="repeat">
+      <a:schemeClr val="lt1">
+        <a:alpha val="40000"/>
+      </a:schemeClr>
+    </dgm:fillClrLst>
+    <dgm:linClrLst meth="repeat">
+      <a:schemeClr val="accent2"/>
+    </dgm:linClrLst>
+    <dgm:effectClrLst/>
+    <dgm:txLinClrLst/>
+    <dgm:txFillClrLst meth="repeat">
+      <a:schemeClr val="dk1"/>
+    </dgm:txFillClrLst>
+    <dgm:txEffectClrLst/>
+  </dgm:styleLbl>
+  <dgm:styleLbl name="bgAcc1">
+    <dgm:fillClrLst meth="repeat">
+      <a:schemeClr val="lt1">
+        <a:alpha val="90000"/>
+      </a:schemeClr>
+    </dgm:fillClrLst>
+    <dgm:linClrLst>
+      <a:schemeClr val="accent2"/>
+      <a:schemeClr val="accent3"/>
+    </dgm:linClrLst>
+    <dgm:effectClrLst/>
+    <dgm:txLinClrLst/>
+    <dgm:txFillClrLst meth="repeat">
+      <a:schemeClr val="dk1"/>
+    </dgm:txFillClrLst>
+    <dgm:txEffectClrLst/>
+  </dgm:styleLbl>
+  <dgm:styleLbl name="solidFgAcc1">
+    <dgm:fillClrLst meth="repeat">
+      <a:schemeClr val="lt1"/>
+    </dgm:fillClrLst>
+    <dgm:linClrLst>
+      <a:schemeClr val="accent2"/>
+      <a:schemeClr val="accent3"/>
+    </dgm:linClrLst>
+    <dgm:effectClrLst/>
+    <dgm:txLinClrLst/>
+    <dgm:txFillClrLst meth="repeat">
+      <a:schemeClr val="dk1"/>
+    </dgm:txFillClrLst>
+    <dgm:txEffectClrLst/>
+  </dgm:styleLbl>
+  <dgm:styleLbl name="solidAlignAcc1">
+    <dgm:fillClrLst meth="repeat">
+      <a:schemeClr val="lt1"/>
+    </dgm:fillClrLst>
+    <dgm:linClrLst>
+      <a:schemeClr val="accent2"/>
+      <a:schemeClr val="accent3"/>
+    </dgm:linClrLst>
+    <dgm:effectClrLst/>
+    <dgm:txLinClrLst/>
+    <dgm:txFillClrLst meth="repeat">
+      <a:schemeClr val="dk1"/>
+    </dgm:txFillClrLst>
+    <dgm:txEffectClrLst/>
+  </dgm:styleLbl>
+  <dgm:styleLbl name="solidBgAcc1">
+    <dgm:fillClrLst meth="repeat">
+      <a:schemeClr val="lt1"/>
+    </dgm:fillClrLst>
+    <dgm:linClrLst>
+      <a:schemeClr val="accent2"/>
+      <a:schemeClr val="accent3"/>
+    </dgm:linClrLst>
+    <dgm:effectClrLst/>
+    <dgm:txLinClrLst/>
+    <dgm:txFillClrLst meth="repeat">
+      <a:schemeClr val="dk1"/>
+    </dgm:txFillClrLst>
+    <dgm:txEffectClrLst/>
+  </dgm:styleLbl>
+  <dgm:styleLbl name="fgAccFollowNode1">
+    <dgm:fillClrLst>
+      <a:schemeClr val="accent2">
+        <a:tint val="40000"/>
+        <a:alpha val="90000"/>
+      </a:schemeClr>
+      <a:schemeClr val="accent3">
+        <a:tint val="40000"/>
+        <a:alpha val="90000"/>
+      </a:schemeClr>
+    </dgm:fillClrLst>
+    <dgm:linClrLst>
+      <a:schemeClr val="accent2">
+        <a:tint val="40000"/>
+        <a:alpha val="90000"/>
+      </a:schemeClr>
+      <a:schemeClr val="accent3">
+        <a:tint val="40000"/>
+        <a:alpha val="90000"/>
+      </a:schemeClr>
+    </dgm:linClrLst>
+    <dgm:effectClrLst/>
+    <dgm:txLinClrLst/>
+    <dgm:txFillClrLst meth="repeat">
+      <a:schemeClr val="dk1"/>
+    </dgm:txFillClrLst>
+    <dgm:txEffectClrLst/>
+  </dgm:styleLbl>
+  <dgm:styleLbl name="alignAccFollowNode1">
+    <dgm:fillClrLst>
+      <a:schemeClr val="accent2">
+        <a:tint val="40000"/>
+        <a:alpha val="90000"/>
+      </a:schemeClr>
+      <a:schemeClr val="accent3">
+        <a:tint val="40000"/>
+        <a:alpha val="90000"/>
+      </a:schemeClr>
+    </dgm:fillClrLst>
+    <dgm:linClrLst>
+      <a:schemeClr val="accent2">
+        <a:tint val="40000"/>
+        <a:alpha val="90000"/>
+      </a:schemeClr>
+      <a:schemeClr val="accent3">
+        <a:tint val="40000"/>
+        <a:alpha val="90000"/>
+      </a:schemeClr>
+    </dgm:linClrLst>
+    <dgm:effectClrLst/>
+    <dgm:txLinClrLst/>
+    <dgm:txFillClrLst meth="repeat">
+      <a:schemeClr val="dk1"/>
+    </dgm:txFillClrLst>
+    <dgm:txEffectClrLst/>
+  </dgm:styleLbl>
+  <dgm:styleLbl name="bgAccFollowNode1">
+    <dgm:fillClrLst>
+      <a:schemeClr val="accent2">
+        <a:tint val="40000"/>
+        <a:alpha val="90000"/>
+      </a:schemeClr>
+      <a:schemeClr val="accent3">
+        <a:tint val="40000"/>
+        <a:alpha val="90000"/>
+      </a:schemeClr>
+    </dgm:fillClrLst>
+    <dgm:linClrLst>
+      <a:schemeClr val="accent2">
+        <a:tint val="40000"/>
+        <a:alpha val="90000"/>
+      </a:schemeClr>
+      <a:schemeClr val="accent3">
+        <a:tint val="40000"/>
+        <a:alpha val="90000"/>
+      </a:schemeClr>
+    </dgm:linClrLst>
+    <dgm:effectClrLst/>
+    <dgm:txLinClrLst/>
+    <dgm:txFillClrLst meth="repeat">
+      <a:schemeClr val="dk1"/>
+    </dgm:txFillClrLst>
+    <dgm:txEffectClrLst/>
+  </dgm:styleLbl>
+  <dgm:styleLbl name="fgAcc0">
+    <dgm:fillClrLst meth="repeat">
+      <a:schemeClr val="lt1">
+        <a:alpha val="90000"/>
+      </a:schemeClr>
+    </dgm:fillClrLst>
+    <dgm:linClrLst>
+      <a:schemeClr val="accent1"/>
+    </dgm:linClrLst>
+    <dgm:effectClrLst/>
+    <dgm:txLinClrLst/>
+    <dgm:txFillClrLst meth="repeat">
+      <a:schemeClr val="dk1"/>
+    </dgm:txFillClrLst>
+    <dgm:txEffectClrLst/>
+  </dgm:styleLbl>
+  <dgm:styleLbl name="fgAcc2">
+    <dgm:fillClrLst meth="repeat">
+      <a:schemeClr val="lt1">
+        <a:alpha val="90000"/>
+      </a:schemeClr>
+    </dgm:fillClrLst>
+    <dgm:linClrLst>
+      <a:schemeClr val="accent3"/>
+    </dgm:linClrLst>
+    <dgm:effectClrLst/>
+    <dgm:txLinClrLst/>
+    <dgm:txFillClrLst meth="repeat">
+      <a:schemeClr val="dk1"/>
+    </dgm:txFillClrLst>
+    <dgm:txEffectClrLst/>
+  </dgm:styleLbl>
+  <dgm:styleLbl name="fgAcc3">
+    <dgm:fillClrLst meth="repeat">
+      <a:schemeClr val="lt1">
+        <a:alpha val="90000"/>
+      </a:schemeClr>
+    </dgm:fillClrLst>
+    <dgm:linClrLst>
+      <a:schemeClr val="accent4"/>
+    </dgm:linClrLst>
+    <dgm:effectClrLst/>
+    <dgm:txLinClrLst/>
+    <dgm:txFillClrLst meth="repeat">
+      <a:schemeClr val="dk1"/>
+    </dgm:txFillClrLst>
+    <dgm:txEffectClrLst/>
+  </dgm:styleLbl>
+  <dgm:styleLbl name="fgAcc4">
+    <dgm:fillClrLst meth="repeat">
+      <a:schemeClr val="lt1">
+        <a:alpha val="90000"/>
+      </a:schemeClr>
+    </dgm:fillClrLst>
+    <dgm:linClrLst>
+      <a:schemeClr val="accent5"/>
+    </dgm:linClrLst>
+    <dgm:effectClrLst/>
+    <dgm:txLinClrLst/>
+    <dgm:txFillClrLst meth="repeat">
+      <a:schemeClr val="dk1"/>
+    </dgm:txFillClrLst>
+    <dgm:txEffectClrLst/>
+  </dgm:styleLbl>
+  <dgm:styleLbl name="bgShp">
+    <dgm:fillClrLst meth="repeat">
+      <a:schemeClr val="accent2">
+        <a:tint val="40000"/>
+      </a:schemeClr>
+    </dgm:fillClrLst>
+    <dgm:linClrLst meth="repeat">
+      <a:schemeClr val="dk1"/>
+    </dgm:linClrLst>
+    <dgm:effectClrLst/>
+    <dgm:txLinClrLst/>
+    <dgm:txFillClrLst meth="repeat">
+      <a:schemeClr val="dk1"/>
+    </dgm:txFillClrLst>
+    <dgm:txEffectClrLst/>
+  </dgm:styleLbl>
+  <dgm:styleLbl name="dkBgShp">
+    <dgm:fillClrLst meth="repeat">
+      <a:schemeClr val="accent2">
+        <a:shade val="90000"/>
+      </a:schemeClr>
+    </dgm:fillClrLst>
+    <dgm:linClrLst meth="repeat">
+      <a:schemeClr val="dk1"/>
+    </dgm:linClrLst>
+    <dgm:effectClrLst/>
+    <dgm:txLinClrLst/>
+    <dgm:txFillClrLst meth="repeat">
+      <a:schemeClr val="lt1"/>
+    </dgm:txFillClrLst>
+    <dgm:txEffectClrLst/>
+  </dgm:styleLbl>
   <dgm:styleLbl name="trBgShp">
     <dgm:fillClrLst meth="repeat">
-      <a:schemeClr val="dk2">
+      <a:schemeClr val="accent2">
         <a:tint val="50000"/>
         <a:alpha val="40000"/>
       </a:schemeClr>
     </dgm:fillClrLst>
     <dgm:linClrLst meth="repeat">
-      <a:schemeClr val="dk2"/>
+      <a:schemeClr val="accent2"/>
     </dgm:linClrLst>
     <dgm:effectClrLst/>
     <dgm:txLinClrLst/>
     <dgm:txFillClrLst meth="repeat">
-      <a:schemeClr val="lt2"/>
+      <a:schemeClr val="lt1"/>
     </dgm:txFillClrLst>
     <dgm:txEffectClrLst/>
   </dgm:styleLbl>
   <dgm:styleLbl name="fgShp">
     <dgm:fillClrLst meth="repeat">
-      <a:schemeClr val="dk2">
-        <a:tint val="60000"/>
+      <a:schemeClr val="accent2">
+        <a:tint val="40000"/>
       </a:schemeClr>
     </dgm:fillClrLst>
     <dgm:linClrLst meth="repeat">
@@ -3211,7 +3186,7 @@
     <dgm:effectClrLst/>
     <dgm:txLinClrLst/>
     <dgm:txFillClrLst meth="repeat">
-      <a:schemeClr val="dk2"/>
+      <a:schemeClr val="dk1"/>
     </dgm:txFillClrLst>
     <dgm:txEffectClrLst/>
   </dgm:styleLbl>
@@ -3222,7 +3197,7 @@
       </a:schemeClr>
     </dgm:fillClrLst>
     <dgm:linClrLst meth="repeat">
-      <a:schemeClr val="dk2">
+      <a:schemeClr val="dk1">
         <a:alpha val="0"/>
       </a:schemeClr>
     </dgm:linClrLst>
@@ -3930,7 +3905,7 @@
 <dgm:dataModel xmlns:dgm="http://schemas.openxmlformats.org/drawingml/2006/diagram" xmlns:a="http://schemas.openxmlformats.org/drawingml/2006/main">
   <dgm:ptLst>
     <dgm:pt modelId="{D56B3E43-2FAE-4E52-962F-BE90A509F449}" type="doc">
-      <dgm:prSet loTypeId="urn:microsoft.com/office/officeart/2005/8/layout/vProcess5" loCatId="process" qsTypeId="urn:microsoft.com/office/officeart/2005/8/quickstyle/simple1" qsCatId="simple" csTypeId="urn:microsoft.com/office/officeart/2005/8/colors/accent0_2" csCatId="mainScheme" phldr="1"/>
+      <dgm:prSet loTypeId="urn:microsoft.com/office/officeart/2005/8/layout/vProcess5" loCatId="process" qsTypeId="urn:microsoft.com/office/officeart/2005/8/quickstyle/simple1" qsCatId="simple" csTypeId="urn:microsoft.com/office/officeart/2005/8/colors/colorful2" csCatId="colorful" phldr="1"/>
       <dgm:spPr/>
       <dgm:t>
         <a:bodyPr/>
@@ -3948,8 +3923,12 @@
         <a:lstStyle/>
         <a:p>
           <a:r>
+            <a:rPr kumimoji="1" lang="en-US" altLang="ja-JP" sz="2800" dirty="0" smtClean="0"/>
+            <a:t> A. </a:t>
+          </a:r>
+          <a:r>
             <a:rPr kumimoji="1" lang="ja-JP" altLang="en-US" sz="2800" dirty="0" smtClean="0"/>
-            <a:t>設計、実装、テスト</a:t>
+            <a:t>設計</a:t>
           </a:r>
           <a:endParaRPr kumimoji="1" lang="ja-JP" altLang="en-US" sz="2800" dirty="0"/>
         </a:p>
@@ -3974,61 +3953,7 @@
         </a:solidFill>
         <a:ln>
           <a:solidFill>
-            <a:schemeClr val="bg1">
-              <a:alpha val="90000"/>
-            </a:schemeClr>
-          </a:solidFill>
-        </a:ln>
-      </dgm:spPr>
-      <dgm:t>
-        <a:bodyPr/>
-        <a:lstStyle/>
-        <a:p>
-          <a:endParaRPr kumimoji="1" lang="ja-JP" altLang="en-US"/>
-        </a:p>
-      </dgm:t>
-    </dgm:pt>
-    <dgm:pt modelId="{9B93A955-1842-46E6-8D75-FEFF6A18B4EF}">
-      <dgm:prSet phldrT="[テキスト]" custT="1"/>
-      <dgm:spPr/>
-      <dgm:t>
-        <a:bodyPr/>
-        <a:lstStyle/>
-        <a:p>
-          <a:r>
-            <a:rPr kumimoji="1" lang="en-US" altLang="ja-JP" sz="2800" dirty="0" smtClean="0"/>
-            <a:t>NC3</a:t>
-          </a:r>
-          <a:r>
-            <a:rPr kumimoji="1" lang="ja-JP" altLang="en-US" sz="2800" dirty="0" smtClean="0"/>
-            <a:t>レポジトリに取込み</a:t>
-          </a:r>
-          <a:endParaRPr kumimoji="1" lang="ja-JP" altLang="en-US" sz="2800" dirty="0"/>
-        </a:p>
-      </dgm:t>
-    </dgm:pt>
-    <dgm:pt modelId="{74EEDB63-9097-4C2B-B05B-132A07DBE9E4}" type="parTrans" cxnId="{CF557895-F0D9-4405-B8D8-FE70C8D71049}">
-      <dgm:prSet/>
-      <dgm:spPr/>
-      <dgm:t>
-        <a:bodyPr/>
-        <a:lstStyle/>
-        <a:p>
-          <a:endParaRPr kumimoji="1" lang="ja-JP" altLang="en-US"/>
-        </a:p>
-      </dgm:t>
-    </dgm:pt>
-    <dgm:pt modelId="{79D67AF4-55B5-4A9F-9F9A-05599896D476}" type="sibTrans" cxnId="{CF557895-F0D9-4405-B8D8-FE70C8D71049}">
-      <dgm:prSet/>
-      <dgm:spPr>
-        <a:solidFill>
-          <a:srgbClr val="26AB1F"/>
-        </a:solidFill>
-        <a:ln>
-          <a:solidFill>
-            <a:schemeClr val="bg1">
-              <a:alpha val="90000"/>
-            </a:schemeClr>
+            <a:schemeClr val="bg1"/>
           </a:solidFill>
         </a:ln>
       </dgm:spPr>
@@ -4049,7 +3974,15 @@
         <a:p>
           <a:r>
             <a:rPr kumimoji="1" lang="ja-JP" altLang="en-US" sz="2800" dirty="0" smtClean="0"/>
-            <a:t> レビュー</a:t>
+            <a:t> </a:t>
+          </a:r>
+          <a:r>
+            <a:rPr kumimoji="1" lang="en-US" altLang="ja-JP" sz="2800" dirty="0" smtClean="0"/>
+            <a:t>D. </a:t>
+          </a:r>
+          <a:r>
+            <a:rPr kumimoji="1" lang="ja-JP" altLang="en-US" sz="2800" dirty="0" smtClean="0"/>
+            <a:t>レビュー</a:t>
           </a:r>
           <a:endParaRPr kumimoji="1" lang="ja-JP" altLang="en-US" sz="2800" dirty="0"/>
         </a:p>
@@ -4077,6 +4010,128 @@
         </a:p>
       </dgm:t>
     </dgm:pt>
+    <dgm:pt modelId="{7C1DB073-F82D-4F23-B687-12AAAE1C0BD0}">
+      <dgm:prSet phldrT="[テキスト]" custT="1"/>
+      <dgm:spPr/>
+      <dgm:t>
+        <a:bodyPr/>
+        <a:lstStyle/>
+        <a:p>
+          <a:r>
+            <a:rPr kumimoji="1" lang="ja-JP" altLang="en-US" sz="2800" dirty="0" smtClean="0"/>
+            <a:t> </a:t>
+          </a:r>
+          <a:r>
+            <a:rPr kumimoji="1" lang="en-US" altLang="ja-JP" sz="2800" dirty="0" smtClean="0"/>
+            <a:t>B. </a:t>
+          </a:r>
+          <a:r>
+            <a:rPr kumimoji="1" lang="ja-JP" altLang="en-US" sz="2800" dirty="0" smtClean="0"/>
+            <a:t>実装</a:t>
+          </a:r>
+          <a:r>
+            <a:rPr kumimoji="1" lang="en-US" altLang="ja-JP" sz="2800" dirty="0" smtClean="0"/>
+            <a:t>, </a:t>
+          </a:r>
+          <a:r>
+            <a:rPr kumimoji="1" lang="ja-JP" altLang="en-US" sz="2800" dirty="0" smtClean="0"/>
+            <a:t>テスト</a:t>
+          </a:r>
+          <a:endParaRPr kumimoji="1" lang="ja-JP" altLang="en-US" sz="2800" dirty="0"/>
+        </a:p>
+      </dgm:t>
+    </dgm:pt>
+    <dgm:pt modelId="{61793B87-F471-4CDD-AA21-3D8FD1DE5E01}" type="parTrans" cxnId="{8B6D260D-A334-436B-B798-4C64FE6BEBD5}">
+      <dgm:prSet/>
+      <dgm:spPr/>
+      <dgm:t>
+        <a:bodyPr/>
+        <a:lstStyle/>
+        <a:p>
+          <a:endParaRPr kumimoji="1" lang="ja-JP" altLang="en-US"/>
+        </a:p>
+      </dgm:t>
+    </dgm:pt>
+    <dgm:pt modelId="{BD98E73C-AAA6-4DA5-93B6-6DF4DC152A30}" type="sibTrans" cxnId="{8B6D260D-A334-436B-B798-4C64FE6BEBD5}">
+      <dgm:prSet/>
+      <dgm:spPr>
+        <a:solidFill>
+          <a:srgbClr val="26AB1F"/>
+        </a:solidFill>
+        <a:ln>
+          <a:solidFill>
+            <a:schemeClr val="bg1">
+              <a:alpha val="90000"/>
+            </a:schemeClr>
+          </a:solidFill>
+        </a:ln>
+      </dgm:spPr>
+      <dgm:t>
+        <a:bodyPr/>
+        <a:lstStyle/>
+        <a:p>
+          <a:endParaRPr kumimoji="1" lang="ja-JP" altLang="en-US"/>
+        </a:p>
+      </dgm:t>
+    </dgm:pt>
+    <dgm:pt modelId="{B75DCB25-29DA-4B72-8E0D-5DB1E2C76043}">
+      <dgm:prSet phldrT="[テキスト]" custT="1"/>
+      <dgm:spPr/>
+      <dgm:t>
+        <a:bodyPr/>
+        <a:lstStyle/>
+        <a:p>
+          <a:r>
+            <a:rPr kumimoji="1" lang="en-US" altLang="ja-JP" sz="2800" dirty="0" smtClean="0"/>
+            <a:t> C. </a:t>
+          </a:r>
+          <a:r>
+            <a:rPr kumimoji="1" lang="ja-JP" altLang="en-US" sz="2800" dirty="0" smtClean="0"/>
+            <a:t>レポジトリ取込み</a:t>
+          </a:r>
+          <a:r>
+            <a:rPr kumimoji="1" lang="en-US" altLang="ja-JP" sz="2800" dirty="0" smtClean="0"/>
+            <a:t>, </a:t>
+          </a:r>
+          <a:r>
+            <a:rPr kumimoji="1" lang="ja-JP" altLang="en-US" sz="2800" dirty="0" smtClean="0"/>
+            <a:t>テスト</a:t>
+          </a:r>
+          <a:endParaRPr kumimoji="1" lang="ja-JP" altLang="en-US" sz="2800" dirty="0"/>
+        </a:p>
+      </dgm:t>
+    </dgm:pt>
+    <dgm:pt modelId="{C010EDAA-DDB9-44C7-B016-15B51BAD19AC}" type="parTrans" cxnId="{31EF02E4-F094-4E6C-B430-0993C4C631DD}">
+      <dgm:prSet/>
+      <dgm:spPr/>
+      <dgm:t>
+        <a:bodyPr/>
+        <a:lstStyle/>
+        <a:p>
+          <a:endParaRPr kumimoji="1" lang="ja-JP" altLang="en-US"/>
+        </a:p>
+      </dgm:t>
+    </dgm:pt>
+    <dgm:pt modelId="{7A2B3D62-CDA8-410F-ABDD-046A4CE93685}" type="sibTrans" cxnId="{31EF02E4-F094-4E6C-B430-0993C4C631DD}">
+      <dgm:prSet/>
+      <dgm:spPr>
+        <a:solidFill>
+          <a:srgbClr val="26AB1F"/>
+        </a:solidFill>
+        <a:ln>
+          <a:solidFill>
+            <a:schemeClr val="bg1"/>
+          </a:solidFill>
+        </a:ln>
+      </dgm:spPr>
+      <dgm:t>
+        <a:bodyPr/>
+        <a:lstStyle/>
+        <a:p>
+          <a:endParaRPr kumimoji="1" lang="ja-JP" altLang="en-US"/>
+        </a:p>
+      </dgm:t>
+    </dgm:pt>
     <dgm:pt modelId="{870738DE-50B9-49A3-9A78-7C2B51BF5842}" type="pres">
       <dgm:prSet presAssocID="{D56B3E43-2FAE-4E52-962F-BE90A509F449}" presName="outerComposite" presStyleCnt="0">
         <dgm:presLayoutVars>
@@ -4086,15 +4141,29 @@
         </dgm:presLayoutVars>
       </dgm:prSet>
       <dgm:spPr/>
+      <dgm:t>
+        <a:bodyPr/>
+        <a:lstStyle/>
+        <a:p>
+          <a:endParaRPr kumimoji="1" lang="ja-JP" altLang="en-US"/>
+        </a:p>
+      </dgm:t>
     </dgm:pt>
     <dgm:pt modelId="{333DE63F-D1C3-43E9-A013-EE91608B3202}" type="pres">
       <dgm:prSet presAssocID="{D56B3E43-2FAE-4E52-962F-BE90A509F449}" presName="dummyMaxCanvas" presStyleCnt="0">
         <dgm:presLayoutVars/>
       </dgm:prSet>
       <dgm:spPr/>
+      <dgm:t>
+        <a:bodyPr/>
+        <a:lstStyle/>
+        <a:p>
+          <a:endParaRPr kumimoji="1" lang="ja-JP" altLang="en-US"/>
+        </a:p>
+      </dgm:t>
     </dgm:pt>
-    <dgm:pt modelId="{A3A12645-2F7E-494C-96AB-C24BC86057FE}" type="pres">
-      <dgm:prSet presAssocID="{D56B3E43-2FAE-4E52-962F-BE90A509F449}" presName="ThreeNodes_1" presStyleLbl="node1" presStyleIdx="0" presStyleCnt="3" custScaleX="75490" custLinFactNeighborX="-12255">
+    <dgm:pt modelId="{5632D2DD-3879-44D7-8835-CF6675CEE121}" type="pres">
+      <dgm:prSet presAssocID="{D56B3E43-2FAE-4E52-962F-BE90A509F449}" presName="FourNodes_1" presStyleLbl="node1" presStyleIdx="0" presStyleCnt="4">
         <dgm:presLayoutVars>
           <dgm:bulletEnabled val="1"/>
         </dgm:presLayoutVars>
@@ -4108,8 +4177,8 @@
         </a:p>
       </dgm:t>
     </dgm:pt>
-    <dgm:pt modelId="{8F8FD134-8154-4D98-83E2-789BD7E044C1}" type="pres">
-      <dgm:prSet presAssocID="{D56B3E43-2FAE-4E52-962F-BE90A509F449}" presName="ThreeNodes_2" presStyleLbl="node1" presStyleIdx="1" presStyleCnt="3" custScaleX="80881" custLinFactNeighborX="-11030" custLinFactNeighborY="980">
+    <dgm:pt modelId="{9AC6D0EA-4024-4CB3-95D5-69AA70217AAE}" type="pres">
+      <dgm:prSet presAssocID="{D56B3E43-2FAE-4E52-962F-BE90A509F449}" presName="FourNodes_2" presStyleLbl="node1" presStyleIdx="1" presStyleCnt="4">
         <dgm:presLayoutVars>
           <dgm:bulletEnabled val="1"/>
         </dgm:presLayoutVars>
@@ -4123,32 +4192,8 @@
         </a:p>
       </dgm:t>
     </dgm:pt>
-    <dgm:pt modelId="{4C569B7F-A108-455D-A7C3-E942E91994AE}" type="pres">
-      <dgm:prSet presAssocID="{D56B3E43-2FAE-4E52-962F-BE90A509F449}" presName="ThreeNodes_3" presStyleLbl="node1" presStyleIdx="2" presStyleCnt="3" custScaleX="70588" custLinFactNeighborX="-1716" custLinFactNeighborY="1961">
-        <dgm:presLayoutVars>
-          <dgm:bulletEnabled val="1"/>
-        </dgm:presLayoutVars>
-      </dgm:prSet>
-      <dgm:spPr/>
-    </dgm:pt>
-    <dgm:pt modelId="{03EFE2AF-8A63-418B-88A0-68E82FDE743D}" type="pres">
-      <dgm:prSet presAssocID="{D56B3E43-2FAE-4E52-962F-BE90A509F449}" presName="ThreeConn_1-2" presStyleLbl="fgAccFollowNode1" presStyleIdx="0" presStyleCnt="2" custScaleX="67483" custScaleY="73477" custLinFactX="-13342" custLinFactY="71731" custLinFactNeighborX="-100000" custLinFactNeighborY="100000">
-        <dgm:presLayoutVars>
-          <dgm:bulletEnabled val="1"/>
-        </dgm:presLayoutVars>
-      </dgm:prSet>
-      <dgm:spPr/>
-    </dgm:pt>
-    <dgm:pt modelId="{5C8D8530-4916-4560-A413-39006FC9BAA8}" type="pres">
-      <dgm:prSet presAssocID="{D56B3E43-2FAE-4E52-962F-BE90A509F449}" presName="ThreeConn_2-3" presStyleLbl="fgAccFollowNode1" presStyleIdx="1" presStyleCnt="2" custScaleX="61541" custScaleY="78993" custLinFactX="-100000" custLinFactY="-84968" custLinFactNeighborX="-169154" custLinFactNeighborY="-100000">
-        <dgm:presLayoutVars>
-          <dgm:bulletEnabled val="1"/>
-        </dgm:presLayoutVars>
-      </dgm:prSet>
-      <dgm:spPr/>
-    </dgm:pt>
-    <dgm:pt modelId="{FB7AF8B2-EDDE-4554-83E6-703D14FA82D8}" type="pres">
-      <dgm:prSet presAssocID="{D56B3E43-2FAE-4E52-962F-BE90A509F449}" presName="ThreeNodes_1_text" presStyleLbl="node1" presStyleIdx="2" presStyleCnt="3">
+    <dgm:pt modelId="{9DA06B50-A28B-465E-989A-880E4A93B624}" type="pres">
+      <dgm:prSet presAssocID="{D56B3E43-2FAE-4E52-962F-BE90A509F449}" presName="FourNodes_3" presStyleLbl="node1" presStyleIdx="2" presStyleCnt="4">
         <dgm:presLayoutVars>
           <dgm:bulletEnabled val="1"/>
         </dgm:presLayoutVars>
@@ -4162,8 +4207,8 @@
         </a:p>
       </dgm:t>
     </dgm:pt>
-    <dgm:pt modelId="{614E5F5D-A08C-4914-BD95-A11D50A5A382}" type="pres">
-      <dgm:prSet presAssocID="{D56B3E43-2FAE-4E52-962F-BE90A509F449}" presName="ThreeNodes_2_text" presStyleLbl="node1" presStyleIdx="2" presStyleCnt="3">
+    <dgm:pt modelId="{5CCE1078-C9E8-4B33-A2C2-042F087613F0}" type="pres">
+      <dgm:prSet presAssocID="{D56B3E43-2FAE-4E52-962F-BE90A509F449}" presName="FourNodes_4" presStyleLbl="node1" presStyleIdx="3" presStyleCnt="4">
         <dgm:presLayoutVars>
           <dgm:bulletEnabled val="1"/>
         </dgm:presLayoutVars>
@@ -4177,37 +4222,141 @@
         </a:p>
       </dgm:t>
     </dgm:pt>
-    <dgm:pt modelId="{6586FC85-8A4A-47FC-A52F-E3379E2D8509}" type="pres">
-      <dgm:prSet presAssocID="{D56B3E43-2FAE-4E52-962F-BE90A509F449}" presName="ThreeNodes_3_text" presStyleLbl="node1" presStyleIdx="2" presStyleCnt="3">
+    <dgm:pt modelId="{36DA9816-1BE9-4BFC-9A7A-873258B108EC}" type="pres">
+      <dgm:prSet presAssocID="{D56B3E43-2FAE-4E52-962F-BE90A509F449}" presName="FourConn_1-2" presStyleLbl="fgAccFollowNode1" presStyleIdx="0" presStyleCnt="3">
         <dgm:presLayoutVars>
           <dgm:bulletEnabled val="1"/>
         </dgm:presLayoutVars>
       </dgm:prSet>
       <dgm:spPr/>
+      <dgm:t>
+        <a:bodyPr/>
+        <a:lstStyle/>
+        <a:p>
+          <a:endParaRPr kumimoji="1" lang="ja-JP" altLang="en-US"/>
+        </a:p>
+      </dgm:t>
+    </dgm:pt>
+    <dgm:pt modelId="{64160254-0D01-4896-AA1C-E2121044D9D1}" type="pres">
+      <dgm:prSet presAssocID="{D56B3E43-2FAE-4E52-962F-BE90A509F449}" presName="FourConn_2-3" presStyleLbl="fgAccFollowNode1" presStyleIdx="1" presStyleCnt="3">
+        <dgm:presLayoutVars>
+          <dgm:bulletEnabled val="1"/>
+        </dgm:presLayoutVars>
+      </dgm:prSet>
+      <dgm:spPr/>
+      <dgm:t>
+        <a:bodyPr/>
+        <a:lstStyle/>
+        <a:p>
+          <a:endParaRPr kumimoji="1" lang="ja-JP" altLang="en-US"/>
+        </a:p>
+      </dgm:t>
+    </dgm:pt>
+    <dgm:pt modelId="{CA4D40A9-DDC8-4275-B3DB-F6C4B61A9326}" type="pres">
+      <dgm:prSet presAssocID="{D56B3E43-2FAE-4E52-962F-BE90A509F449}" presName="FourConn_3-4" presStyleLbl="fgAccFollowNode1" presStyleIdx="2" presStyleCnt="3">
+        <dgm:presLayoutVars>
+          <dgm:bulletEnabled val="1"/>
+        </dgm:presLayoutVars>
+      </dgm:prSet>
+      <dgm:spPr/>
+      <dgm:t>
+        <a:bodyPr/>
+        <a:lstStyle/>
+        <a:p>
+          <a:endParaRPr kumimoji="1" lang="ja-JP" altLang="en-US"/>
+        </a:p>
+      </dgm:t>
+    </dgm:pt>
+    <dgm:pt modelId="{4836BAD7-0DE6-42BB-B8A0-D0FF43E04A23}" type="pres">
+      <dgm:prSet presAssocID="{D56B3E43-2FAE-4E52-962F-BE90A509F449}" presName="FourNodes_1_text" presStyleLbl="node1" presStyleIdx="3" presStyleCnt="4">
+        <dgm:presLayoutVars>
+          <dgm:bulletEnabled val="1"/>
+        </dgm:presLayoutVars>
+      </dgm:prSet>
+      <dgm:spPr/>
+      <dgm:t>
+        <a:bodyPr/>
+        <a:lstStyle/>
+        <a:p>
+          <a:endParaRPr kumimoji="1" lang="ja-JP" altLang="en-US"/>
+        </a:p>
+      </dgm:t>
+    </dgm:pt>
+    <dgm:pt modelId="{897A66AF-11C1-4396-8E59-B142166A476F}" type="pres">
+      <dgm:prSet presAssocID="{D56B3E43-2FAE-4E52-962F-BE90A509F449}" presName="FourNodes_2_text" presStyleLbl="node1" presStyleIdx="3" presStyleCnt="4">
+        <dgm:presLayoutVars>
+          <dgm:bulletEnabled val="1"/>
+        </dgm:presLayoutVars>
+      </dgm:prSet>
+      <dgm:spPr/>
+      <dgm:t>
+        <a:bodyPr/>
+        <a:lstStyle/>
+        <a:p>
+          <a:endParaRPr kumimoji="1" lang="ja-JP" altLang="en-US"/>
+        </a:p>
+      </dgm:t>
+    </dgm:pt>
+    <dgm:pt modelId="{3AB208E9-7FC4-4B99-A514-16B9C2602D1A}" type="pres">
+      <dgm:prSet presAssocID="{D56B3E43-2FAE-4E52-962F-BE90A509F449}" presName="FourNodes_3_text" presStyleLbl="node1" presStyleIdx="3" presStyleCnt="4">
+        <dgm:presLayoutVars>
+          <dgm:bulletEnabled val="1"/>
+        </dgm:presLayoutVars>
+      </dgm:prSet>
+      <dgm:spPr/>
+      <dgm:t>
+        <a:bodyPr/>
+        <a:lstStyle/>
+        <a:p>
+          <a:endParaRPr kumimoji="1" lang="ja-JP" altLang="en-US"/>
+        </a:p>
+      </dgm:t>
+    </dgm:pt>
+    <dgm:pt modelId="{12E063A8-6515-4288-9573-4019C9977CE5}" type="pres">
+      <dgm:prSet presAssocID="{D56B3E43-2FAE-4E52-962F-BE90A509F449}" presName="FourNodes_4_text" presStyleLbl="node1" presStyleIdx="3" presStyleCnt="4">
+        <dgm:presLayoutVars>
+          <dgm:bulletEnabled val="1"/>
+        </dgm:presLayoutVars>
+      </dgm:prSet>
+      <dgm:spPr/>
+      <dgm:t>
+        <a:bodyPr/>
+        <a:lstStyle/>
+        <a:p>
+          <a:endParaRPr kumimoji="1" lang="ja-JP" altLang="en-US"/>
+        </a:p>
+      </dgm:t>
     </dgm:pt>
   </dgm:ptLst>
   <dgm:cxnLst>
-    <dgm:cxn modelId="{5657837D-B0E9-4616-A340-BC0F2895DBE1}" type="presOf" srcId="{162A4E0D-FF0A-4EB7-B187-E172033B0A71}" destId="{6586FC85-8A4A-47FC-A52F-E3379E2D8509}" srcOrd="1" destOrd="0" presId="urn:microsoft.com/office/officeart/2005/8/layout/vProcess5"/>
+    <dgm:cxn modelId="{8B6D260D-A334-436B-B798-4C64FE6BEBD5}" srcId="{D56B3E43-2FAE-4E52-962F-BE90A509F449}" destId="{7C1DB073-F82D-4F23-B687-12AAAE1C0BD0}" srcOrd="1" destOrd="0" parTransId="{61793B87-F471-4CDD-AA21-3D8FD1DE5E01}" sibTransId="{BD98E73C-AAA6-4DA5-93B6-6DF4DC152A30}"/>
+    <dgm:cxn modelId="{2E63361D-C8F8-4850-A17E-8BFFBE8D7161}" type="presOf" srcId="{791E105B-2D40-45C8-8587-365084ABF1CD}" destId="{5632D2DD-3879-44D7-8835-CF6675CEE121}" srcOrd="0" destOrd="0" presId="urn:microsoft.com/office/officeart/2005/8/layout/vProcess5"/>
+    <dgm:cxn modelId="{9D76E945-61C4-4221-81FF-7052DFF4919A}" type="presOf" srcId="{D56B3E43-2FAE-4E52-962F-BE90A509F449}" destId="{870738DE-50B9-49A3-9A78-7C2B51BF5842}" srcOrd="0" destOrd="0" presId="urn:microsoft.com/office/officeart/2005/8/layout/vProcess5"/>
+    <dgm:cxn modelId="{839FEEF3-2CE5-4920-8C1B-A4232A15DBA2}" type="presOf" srcId="{8CD1317B-4CED-4DFF-8694-2184512038E6}" destId="{36DA9816-1BE9-4BFC-9A7A-873258B108EC}" srcOrd="0" destOrd="0" presId="urn:microsoft.com/office/officeart/2005/8/layout/vProcess5"/>
+    <dgm:cxn modelId="{FA4557C3-2F3D-4709-8403-47899DEE4C8C}" type="presOf" srcId="{791E105B-2D40-45C8-8587-365084ABF1CD}" destId="{4836BAD7-0DE6-42BB-B8A0-D0FF43E04A23}" srcOrd="1" destOrd="0" presId="urn:microsoft.com/office/officeart/2005/8/layout/vProcess5"/>
     <dgm:cxn modelId="{94A30E57-122A-4C1E-81BA-7EBDC776A356}" srcId="{D56B3E43-2FAE-4E52-962F-BE90A509F449}" destId="{791E105B-2D40-45C8-8587-365084ABF1CD}" srcOrd="0" destOrd="0" parTransId="{70A5435A-A734-4D1B-B84C-9A72CADEB15E}" sibTransId="{8CD1317B-4CED-4DFF-8694-2184512038E6}"/>
-    <dgm:cxn modelId="{9D76E945-61C4-4221-81FF-7052DFF4919A}" type="presOf" srcId="{D56B3E43-2FAE-4E52-962F-BE90A509F449}" destId="{870738DE-50B9-49A3-9A78-7C2B51BF5842}" srcOrd="0" destOrd="0" presId="urn:microsoft.com/office/officeart/2005/8/layout/vProcess5"/>
-    <dgm:cxn modelId="{A20E88E5-D5F1-43FF-BBD9-022E14ED0617}" type="presOf" srcId="{791E105B-2D40-45C8-8587-365084ABF1CD}" destId="{A3A12645-2F7E-494C-96AB-C24BC86057FE}" srcOrd="0" destOrd="0" presId="urn:microsoft.com/office/officeart/2005/8/layout/vProcess5"/>
-    <dgm:cxn modelId="{071D2723-1715-4582-B76A-6676F9262D7C}" type="presOf" srcId="{8CD1317B-4CED-4DFF-8694-2184512038E6}" destId="{03EFE2AF-8A63-418B-88A0-68E82FDE743D}" srcOrd="0" destOrd="0" presId="urn:microsoft.com/office/officeart/2005/8/layout/vProcess5"/>
-    <dgm:cxn modelId="{A8EAAB5E-0A44-41C8-8CB5-29A267D5978A}" type="presOf" srcId="{9B93A955-1842-46E6-8D75-FEFF6A18B4EF}" destId="{614E5F5D-A08C-4914-BD95-A11D50A5A382}" srcOrd="1" destOrd="0" presId="urn:microsoft.com/office/officeart/2005/8/layout/vProcess5"/>
-    <dgm:cxn modelId="{823DB93B-1E98-4DC6-AC02-25100A2FD8F3}" type="presOf" srcId="{9B93A955-1842-46E6-8D75-FEFF6A18B4EF}" destId="{8F8FD134-8154-4D98-83E2-789BD7E044C1}" srcOrd="0" destOrd="0" presId="urn:microsoft.com/office/officeart/2005/8/layout/vProcess5"/>
-    <dgm:cxn modelId="{CF557895-F0D9-4405-B8D8-FE70C8D71049}" srcId="{D56B3E43-2FAE-4E52-962F-BE90A509F449}" destId="{9B93A955-1842-46E6-8D75-FEFF6A18B4EF}" srcOrd="1" destOrd="0" parTransId="{74EEDB63-9097-4C2B-B05B-132A07DBE9E4}" sibTransId="{79D67AF4-55B5-4A9F-9F9A-05599896D476}"/>
-    <dgm:cxn modelId="{F8853679-02D0-4584-9103-9DBAD7532994}" srcId="{D56B3E43-2FAE-4E52-962F-BE90A509F449}" destId="{162A4E0D-FF0A-4EB7-B187-E172033B0A71}" srcOrd="2" destOrd="0" parTransId="{99C54616-36AD-497D-8AA9-2B54CFBAC714}" sibTransId="{C3641393-5D1F-4584-A583-7A54375269E0}"/>
-    <dgm:cxn modelId="{D9B9FADA-CF34-4C2F-9C29-4E8B5EDBCB23}" type="presOf" srcId="{162A4E0D-FF0A-4EB7-B187-E172033B0A71}" destId="{4C569B7F-A108-455D-A7C3-E942E91994AE}" srcOrd="0" destOrd="0" presId="urn:microsoft.com/office/officeart/2005/8/layout/vProcess5"/>
-    <dgm:cxn modelId="{5A63C53F-98EC-4C6A-8A85-48687A060269}" type="presOf" srcId="{79D67AF4-55B5-4A9F-9F9A-05599896D476}" destId="{5C8D8530-4916-4560-A413-39006FC9BAA8}" srcOrd="0" destOrd="0" presId="urn:microsoft.com/office/officeart/2005/8/layout/vProcess5"/>
-    <dgm:cxn modelId="{B0A3F7DC-375D-4CD8-AFC7-F33821799D5B}" type="presOf" srcId="{791E105B-2D40-45C8-8587-365084ABF1CD}" destId="{FB7AF8B2-EDDE-4554-83E6-703D14FA82D8}" srcOrd="1" destOrd="0" presId="urn:microsoft.com/office/officeart/2005/8/layout/vProcess5"/>
+    <dgm:cxn modelId="{FFF2AC17-D331-45C6-A8BE-7D55748F5369}" type="presOf" srcId="{162A4E0D-FF0A-4EB7-B187-E172033B0A71}" destId="{12E063A8-6515-4288-9573-4019C9977CE5}" srcOrd="1" destOrd="0" presId="urn:microsoft.com/office/officeart/2005/8/layout/vProcess5"/>
+    <dgm:cxn modelId="{7AB56688-4E34-4361-A5C2-578404A0D12C}" type="presOf" srcId="{162A4E0D-FF0A-4EB7-B187-E172033B0A71}" destId="{5CCE1078-C9E8-4B33-A2C2-042F087613F0}" srcOrd="0" destOrd="0" presId="urn:microsoft.com/office/officeart/2005/8/layout/vProcess5"/>
+    <dgm:cxn modelId="{F8853679-02D0-4584-9103-9DBAD7532994}" srcId="{D56B3E43-2FAE-4E52-962F-BE90A509F449}" destId="{162A4E0D-FF0A-4EB7-B187-E172033B0A71}" srcOrd="3" destOrd="0" parTransId="{99C54616-36AD-497D-8AA9-2B54CFBAC714}" sibTransId="{C3641393-5D1F-4584-A583-7A54375269E0}"/>
+    <dgm:cxn modelId="{46CB6A1B-1EA5-460E-B963-340E5D108EC4}" type="presOf" srcId="{B75DCB25-29DA-4B72-8E0D-5DB1E2C76043}" destId="{3AB208E9-7FC4-4B99-A514-16B9C2602D1A}" srcOrd="1" destOrd="0" presId="urn:microsoft.com/office/officeart/2005/8/layout/vProcess5"/>
+    <dgm:cxn modelId="{6461A95D-F63D-4D24-98B0-712AFDB4B913}" type="presOf" srcId="{7C1DB073-F82D-4F23-B687-12AAAE1C0BD0}" destId="{897A66AF-11C1-4396-8E59-B142166A476F}" srcOrd="1" destOrd="0" presId="urn:microsoft.com/office/officeart/2005/8/layout/vProcess5"/>
+    <dgm:cxn modelId="{31EF02E4-F094-4E6C-B430-0993C4C631DD}" srcId="{D56B3E43-2FAE-4E52-962F-BE90A509F449}" destId="{B75DCB25-29DA-4B72-8E0D-5DB1E2C76043}" srcOrd="2" destOrd="0" parTransId="{C010EDAA-DDB9-44C7-B016-15B51BAD19AC}" sibTransId="{7A2B3D62-CDA8-410F-ABDD-046A4CE93685}"/>
+    <dgm:cxn modelId="{DF816C09-F00E-4B0E-8B23-CC71B227CA6B}" type="presOf" srcId="{7C1DB073-F82D-4F23-B687-12AAAE1C0BD0}" destId="{9AC6D0EA-4024-4CB3-95D5-69AA70217AAE}" srcOrd="0" destOrd="0" presId="urn:microsoft.com/office/officeart/2005/8/layout/vProcess5"/>
+    <dgm:cxn modelId="{0121883F-AB21-489E-9EA3-03509BAFE55C}" type="presOf" srcId="{B75DCB25-29DA-4B72-8E0D-5DB1E2C76043}" destId="{9DA06B50-A28B-465E-989A-880E4A93B624}" srcOrd="0" destOrd="0" presId="urn:microsoft.com/office/officeart/2005/8/layout/vProcess5"/>
+    <dgm:cxn modelId="{8980D15A-BC6B-49D8-A41B-22BB5CF22F68}" type="presOf" srcId="{BD98E73C-AAA6-4DA5-93B6-6DF4DC152A30}" destId="{64160254-0D01-4896-AA1C-E2121044D9D1}" srcOrd="0" destOrd="0" presId="urn:microsoft.com/office/officeart/2005/8/layout/vProcess5"/>
+    <dgm:cxn modelId="{EE6543C0-67BA-4FD0-9980-8A75023003C4}" type="presOf" srcId="{7A2B3D62-CDA8-410F-ABDD-046A4CE93685}" destId="{CA4D40A9-DDC8-4275-B3DB-F6C4B61A9326}" srcOrd="0" destOrd="0" presId="urn:microsoft.com/office/officeart/2005/8/layout/vProcess5"/>
     <dgm:cxn modelId="{0F6F189A-527F-481F-ACCA-BFA9FE4A1D88}" type="presParOf" srcId="{870738DE-50B9-49A3-9A78-7C2B51BF5842}" destId="{333DE63F-D1C3-43E9-A013-EE91608B3202}" srcOrd="0" destOrd="0" presId="urn:microsoft.com/office/officeart/2005/8/layout/vProcess5"/>
-    <dgm:cxn modelId="{99FE9589-6B22-4D60-8CFB-234AF69CA6EE}" type="presParOf" srcId="{870738DE-50B9-49A3-9A78-7C2B51BF5842}" destId="{A3A12645-2F7E-494C-96AB-C24BC86057FE}" srcOrd="1" destOrd="0" presId="urn:microsoft.com/office/officeart/2005/8/layout/vProcess5"/>
-    <dgm:cxn modelId="{4FC80EA9-6F5B-435B-BB28-C599CFF4F706}" type="presParOf" srcId="{870738DE-50B9-49A3-9A78-7C2B51BF5842}" destId="{8F8FD134-8154-4D98-83E2-789BD7E044C1}" srcOrd="2" destOrd="0" presId="urn:microsoft.com/office/officeart/2005/8/layout/vProcess5"/>
-    <dgm:cxn modelId="{D2491B1B-7728-4723-982E-3CB3C15A8BA8}" type="presParOf" srcId="{870738DE-50B9-49A3-9A78-7C2B51BF5842}" destId="{4C569B7F-A108-455D-A7C3-E942E91994AE}" srcOrd="3" destOrd="0" presId="urn:microsoft.com/office/officeart/2005/8/layout/vProcess5"/>
-    <dgm:cxn modelId="{AA61B2D4-D48B-462E-8826-D43C00E9F366}" type="presParOf" srcId="{870738DE-50B9-49A3-9A78-7C2B51BF5842}" destId="{03EFE2AF-8A63-418B-88A0-68E82FDE743D}" srcOrd="4" destOrd="0" presId="urn:microsoft.com/office/officeart/2005/8/layout/vProcess5"/>
-    <dgm:cxn modelId="{F473C4FE-7F3C-4A6B-9FDB-3DC30996B151}" type="presParOf" srcId="{870738DE-50B9-49A3-9A78-7C2B51BF5842}" destId="{5C8D8530-4916-4560-A413-39006FC9BAA8}" srcOrd="5" destOrd="0" presId="urn:microsoft.com/office/officeart/2005/8/layout/vProcess5"/>
-    <dgm:cxn modelId="{3E860887-0D6F-406D-8940-EBDBF1B4DD33}" type="presParOf" srcId="{870738DE-50B9-49A3-9A78-7C2B51BF5842}" destId="{FB7AF8B2-EDDE-4554-83E6-703D14FA82D8}" srcOrd="6" destOrd="0" presId="urn:microsoft.com/office/officeart/2005/8/layout/vProcess5"/>
-    <dgm:cxn modelId="{BA40A5E0-01EC-47EB-B348-C2E2449A43ED}" type="presParOf" srcId="{870738DE-50B9-49A3-9A78-7C2B51BF5842}" destId="{614E5F5D-A08C-4914-BD95-A11D50A5A382}" srcOrd="7" destOrd="0" presId="urn:microsoft.com/office/officeart/2005/8/layout/vProcess5"/>
-    <dgm:cxn modelId="{B6F68973-3162-4BE5-8B66-E069D98DC382}" type="presParOf" srcId="{870738DE-50B9-49A3-9A78-7C2B51BF5842}" destId="{6586FC85-8A4A-47FC-A52F-E3379E2D8509}" srcOrd="8" destOrd="0" presId="urn:microsoft.com/office/officeart/2005/8/layout/vProcess5"/>
+    <dgm:cxn modelId="{7E2A76DC-C1FB-4FFF-8EF0-5329C2C6A982}" type="presParOf" srcId="{870738DE-50B9-49A3-9A78-7C2B51BF5842}" destId="{5632D2DD-3879-44D7-8835-CF6675CEE121}" srcOrd="1" destOrd="0" presId="urn:microsoft.com/office/officeart/2005/8/layout/vProcess5"/>
+    <dgm:cxn modelId="{61492DEE-0C0F-47F7-803C-0246B3C239F0}" type="presParOf" srcId="{870738DE-50B9-49A3-9A78-7C2B51BF5842}" destId="{9AC6D0EA-4024-4CB3-95D5-69AA70217AAE}" srcOrd="2" destOrd="0" presId="urn:microsoft.com/office/officeart/2005/8/layout/vProcess5"/>
+    <dgm:cxn modelId="{55630569-CD46-409B-A600-9DA832DABB3F}" type="presParOf" srcId="{870738DE-50B9-49A3-9A78-7C2B51BF5842}" destId="{9DA06B50-A28B-465E-989A-880E4A93B624}" srcOrd="3" destOrd="0" presId="urn:microsoft.com/office/officeart/2005/8/layout/vProcess5"/>
+    <dgm:cxn modelId="{C8657616-EF79-452C-A14B-0C3D34558AEA}" type="presParOf" srcId="{870738DE-50B9-49A3-9A78-7C2B51BF5842}" destId="{5CCE1078-C9E8-4B33-A2C2-042F087613F0}" srcOrd="4" destOrd="0" presId="urn:microsoft.com/office/officeart/2005/8/layout/vProcess5"/>
+    <dgm:cxn modelId="{020A0BCE-21D8-4C7F-9409-6B3DF3D1F30C}" type="presParOf" srcId="{870738DE-50B9-49A3-9A78-7C2B51BF5842}" destId="{36DA9816-1BE9-4BFC-9A7A-873258B108EC}" srcOrd="5" destOrd="0" presId="urn:microsoft.com/office/officeart/2005/8/layout/vProcess5"/>
+    <dgm:cxn modelId="{D406B6BB-A59F-465D-9287-FF1606C38356}" type="presParOf" srcId="{870738DE-50B9-49A3-9A78-7C2B51BF5842}" destId="{64160254-0D01-4896-AA1C-E2121044D9D1}" srcOrd="6" destOrd="0" presId="urn:microsoft.com/office/officeart/2005/8/layout/vProcess5"/>
+    <dgm:cxn modelId="{572E92ED-037B-44D1-94F3-6E0D6DC7201F}" type="presParOf" srcId="{870738DE-50B9-49A3-9A78-7C2B51BF5842}" destId="{CA4D40A9-DDC8-4275-B3DB-F6C4B61A9326}" srcOrd="7" destOrd="0" presId="urn:microsoft.com/office/officeart/2005/8/layout/vProcess5"/>
+    <dgm:cxn modelId="{7A041FD4-C20C-4639-9AD6-057B1A49DD43}" type="presParOf" srcId="{870738DE-50B9-49A3-9A78-7C2B51BF5842}" destId="{4836BAD7-0DE6-42BB-B8A0-D0FF43E04A23}" srcOrd="8" destOrd="0" presId="urn:microsoft.com/office/officeart/2005/8/layout/vProcess5"/>
+    <dgm:cxn modelId="{81AEDBB9-780B-417A-9053-43C14EF2539D}" type="presParOf" srcId="{870738DE-50B9-49A3-9A78-7C2B51BF5842}" destId="{897A66AF-11C1-4396-8E59-B142166A476F}" srcOrd="9" destOrd="0" presId="urn:microsoft.com/office/officeart/2005/8/layout/vProcess5"/>
+    <dgm:cxn modelId="{15AE1B47-F855-4210-BE06-79F2FC923263}" type="presParOf" srcId="{870738DE-50B9-49A3-9A78-7C2B51BF5842}" destId="{3AB208E9-7FC4-4B99-A514-16B9C2602D1A}" srcOrd="10" destOrd="0" presId="urn:microsoft.com/office/officeart/2005/8/layout/vProcess5"/>
+    <dgm:cxn modelId="{F3C8B69E-F62F-46A8-9FDF-94F6FE19ABF4}" type="presParOf" srcId="{870738DE-50B9-49A3-9A78-7C2B51BF5842}" destId="{12E063A8-6515-4288-9573-4019C9977CE5}" srcOrd="11" destOrd="0" presId="urn:microsoft.com/office/officeart/2005/8/layout/vProcess5"/>
   </dgm:cxnLst>
   <dgm:bg/>
   <dgm:whole/>
@@ -5274,7 +5423,7 @@
       <dsp:cNvGrpSpPr/>
     </dsp:nvGrpSpPr>
     <dsp:grpSpPr/>
-    <dsp:sp modelId="{A3A12645-2F7E-494C-96AB-C24BC86057FE}">
+    <dsp:sp modelId="{5632D2DD-3879-44D7-8835-CF6675CEE121}">
       <dsp:nvSpPr>
         <dsp:cNvPr id="0" name=""/>
         <dsp:cNvSpPr/>
@@ -5282,7 +5431,7 @@
       <dsp:spPr>
         <a:xfrm>
           <a:off x="0" y="0"/>
-          <a:ext cx="4435680" cy="1101722"/>
+          <a:ext cx="5530213" cy="807929"/>
         </a:xfrm>
         <a:prstGeom prst="roundRect">
           <a:avLst>
@@ -5290,7 +5439,7 @@
           </a:avLst>
         </a:prstGeom>
         <a:solidFill>
-          <a:schemeClr val="lt1">
+          <a:schemeClr val="accent2">
             <a:hueOff val="0"/>
             <a:satOff val="0"/>
             <a:lumOff val="0"/>
@@ -5299,8 +5448,90 @@
         </a:solidFill>
         <a:ln w="25400" cap="flat" cmpd="sng" algn="ctr">
           <a:solidFill>
-            <a:schemeClr val="dk2">
-              <a:shade val="80000"/>
+            <a:schemeClr val="lt1">
+              <a:hueOff val="0"/>
+              <a:satOff val="0"/>
+              <a:lumOff val="0"/>
+              <a:alphaOff val="0"/>
+            </a:schemeClr>
+          </a:solidFill>
+          <a:prstDash val="solid"/>
+        </a:ln>
+        <a:effectLst/>
+      </dsp:spPr>
+      <dsp:style>
+        <a:lnRef idx="2">
+          <a:scrgbClr r="0" g="0" b="0"/>
+        </a:lnRef>
+        <a:fillRef idx="1">
+          <a:scrgbClr r="0" g="0" b="0"/>
+        </a:fillRef>
+        <a:effectRef idx="0">
+          <a:scrgbClr r="0" g="0" b="0"/>
+        </a:effectRef>
+        <a:fontRef idx="minor">
+          <a:schemeClr val="lt1"/>
+        </a:fontRef>
+      </dsp:style>
+      <dsp:txBody>
+        <a:bodyPr spcFirstLastPara="0" vert="horz" wrap="square" lIns="106680" tIns="106680" rIns="106680" bIns="106680" numCol="1" spcCol="1270" anchor="ctr" anchorCtr="0">
+          <a:noAutofit/>
+        </a:bodyPr>
+        <a:lstStyle/>
+        <a:p>
+          <a:pPr lvl="0" algn="l" defTabSz="1244600">
+            <a:lnSpc>
+              <a:spcPct val="90000"/>
+            </a:lnSpc>
+            <a:spcBef>
+              <a:spcPct val="0"/>
+            </a:spcBef>
+            <a:spcAft>
+              <a:spcPct val="35000"/>
+            </a:spcAft>
+          </a:pPr>
+          <a:r>
+            <a:rPr kumimoji="1" lang="en-US" altLang="ja-JP" sz="2800" kern="1200" dirty="0" smtClean="0"/>
+            <a:t> A. </a:t>
+          </a:r>
+          <a:r>
+            <a:rPr kumimoji="1" lang="ja-JP" altLang="en-US" sz="2800" kern="1200" dirty="0" smtClean="0"/>
+            <a:t>設計</a:t>
+          </a:r>
+          <a:endParaRPr kumimoji="1" lang="ja-JP" altLang="en-US" sz="2800" kern="1200" dirty="0"/>
+        </a:p>
+      </dsp:txBody>
+      <dsp:txXfrm>
+        <a:off x="0" y="0"/>
+        <a:ext cx="4637451" cy="807929"/>
+      </dsp:txXfrm>
+    </dsp:sp>
+    <dsp:sp modelId="{9AC6D0EA-4024-4CB3-95D5-69AA70217AAE}">
+      <dsp:nvSpPr>
+        <dsp:cNvPr id="0" name=""/>
+        <dsp:cNvSpPr/>
+      </dsp:nvSpPr>
+      <dsp:spPr>
+        <a:xfrm>
+          <a:off x="463155" y="954826"/>
+          <a:ext cx="5530213" cy="807929"/>
+        </a:xfrm>
+        <a:prstGeom prst="roundRect">
+          <a:avLst>
+            <a:gd name="adj" fmla="val 10000"/>
+          </a:avLst>
+        </a:prstGeom>
+        <a:solidFill>
+          <a:schemeClr val="accent2">
+            <a:hueOff val="1560506"/>
+            <a:satOff val="-1946"/>
+            <a:lumOff val="458"/>
+            <a:alphaOff val="0"/>
+          </a:schemeClr>
+        </a:solidFill>
+        <a:ln w="25400" cap="flat" cmpd="sng" algn="ctr">
+          <a:solidFill>
+            <a:schemeClr val="lt1">
               <a:hueOff val="0"/>
               <a:satOff val="0"/>
               <a:lumOff val="0"/>
@@ -5344,25 +5575,41 @@
           </a:pPr>
           <a:r>
             <a:rPr kumimoji="1" lang="ja-JP" altLang="en-US" sz="2800" kern="1200" dirty="0" smtClean="0"/>
-            <a:t>設計、実装、テスト</a:t>
+            <a:t> </a:t>
+          </a:r>
+          <a:r>
+            <a:rPr kumimoji="1" lang="en-US" altLang="ja-JP" sz="2800" kern="1200" dirty="0" smtClean="0"/>
+            <a:t>B. </a:t>
+          </a:r>
+          <a:r>
+            <a:rPr kumimoji="1" lang="ja-JP" altLang="en-US" sz="2800" kern="1200" dirty="0" smtClean="0"/>
+            <a:t>実装</a:t>
+          </a:r>
+          <a:r>
+            <a:rPr kumimoji="1" lang="en-US" altLang="ja-JP" sz="2800" kern="1200" dirty="0" smtClean="0"/>
+            <a:t>, </a:t>
+          </a:r>
+          <a:r>
+            <a:rPr kumimoji="1" lang="ja-JP" altLang="en-US" sz="2800" kern="1200" dirty="0" smtClean="0"/>
+            <a:t>テスト</a:t>
           </a:r>
           <a:endParaRPr kumimoji="1" lang="ja-JP" altLang="en-US" sz="2800" kern="1200" dirty="0"/>
         </a:p>
       </dsp:txBody>
       <dsp:txXfrm>
-        <a:off x="0" y="0"/>
-        <a:ext cx="3586940" cy="1101722"/>
+        <a:off x="463155" y="954826"/>
+        <a:ext cx="4541903" cy="807929"/>
       </dsp:txXfrm>
     </dsp:sp>
-    <dsp:sp modelId="{8F8FD134-8154-4D98-83E2-789BD7E044C1}">
+    <dsp:sp modelId="{9DA06B50-A28B-465E-989A-880E4A93B624}">
       <dsp:nvSpPr>
         <dsp:cNvPr id="0" name=""/>
         <dsp:cNvSpPr/>
       </dsp:nvSpPr>
       <dsp:spPr>
         <a:xfrm>
-          <a:off x="432053" y="1296139"/>
-          <a:ext cx="4752447" cy="1101722"/>
+          <a:off x="919398" y="1909652"/>
+          <a:ext cx="5530213" cy="807929"/>
         </a:xfrm>
         <a:prstGeom prst="roundRect">
           <a:avLst>
@@ -5370,17 +5617,16 @@
           </a:avLst>
         </a:prstGeom>
         <a:solidFill>
-          <a:schemeClr val="lt1">
-            <a:hueOff val="0"/>
-            <a:satOff val="0"/>
-            <a:lumOff val="0"/>
+          <a:schemeClr val="accent2">
+            <a:hueOff val="3121013"/>
+            <a:satOff val="-3893"/>
+            <a:lumOff val="915"/>
             <a:alphaOff val="0"/>
           </a:schemeClr>
         </a:solidFill>
         <a:ln w="25400" cap="flat" cmpd="sng" algn="ctr">
           <a:solidFill>
-            <a:schemeClr val="dk2">
-              <a:shade val="80000"/>
+            <a:schemeClr val="lt1">
               <a:hueOff val="0"/>
               <a:satOff val="0"/>
               <a:lumOff val="0"/>
@@ -5424,29 +5670,37 @@
           </a:pPr>
           <a:r>
             <a:rPr kumimoji="1" lang="en-US" altLang="ja-JP" sz="2800" kern="1200" dirty="0" smtClean="0"/>
-            <a:t>NC3</a:t>
+            <a:t> C. </a:t>
           </a:r>
           <a:r>
             <a:rPr kumimoji="1" lang="ja-JP" altLang="en-US" sz="2800" kern="1200" dirty="0" smtClean="0"/>
-            <a:t>レポジトリに取込み</a:t>
+            <a:t>レポジトリ取込み</a:t>
+          </a:r>
+          <a:r>
+            <a:rPr kumimoji="1" lang="en-US" altLang="ja-JP" sz="2800" kern="1200" dirty="0" smtClean="0"/>
+            <a:t>, </a:t>
+          </a:r>
+          <a:r>
+            <a:rPr kumimoji="1" lang="ja-JP" altLang="en-US" sz="2800" kern="1200" dirty="0" smtClean="0"/>
+            <a:t>テスト</a:t>
           </a:r>
           <a:endParaRPr kumimoji="1" lang="ja-JP" altLang="en-US" sz="2800" kern="1200" dirty="0"/>
         </a:p>
       </dsp:txBody>
       <dsp:txXfrm>
-        <a:off x="432053" y="1296139"/>
-        <a:ext cx="3753909" cy="1101722"/>
+        <a:off x="919398" y="1909652"/>
+        <a:ext cx="4548816" cy="807929"/>
       </dsp:txXfrm>
     </dsp:sp>
-    <dsp:sp modelId="{4C569B7F-A108-455D-A7C3-E942E91994AE}">
+    <dsp:sp modelId="{5CCE1078-C9E8-4B33-A2C2-042F087613F0}">
       <dsp:nvSpPr>
         <dsp:cNvPr id="0" name=""/>
         <dsp:cNvSpPr/>
       </dsp:nvSpPr>
       <dsp:spPr>
         <a:xfrm>
-          <a:off x="1800188" y="2570685"/>
-          <a:ext cx="4147646" cy="1101722"/>
+          <a:off x="1382553" y="2864478"/>
+          <a:ext cx="5530213" cy="807929"/>
         </a:xfrm>
         <a:prstGeom prst="roundRect">
           <a:avLst>
@@ -5454,17 +5708,16 @@
           </a:avLst>
         </a:prstGeom>
         <a:solidFill>
-          <a:schemeClr val="lt1">
-            <a:hueOff val="0"/>
-            <a:satOff val="0"/>
-            <a:lumOff val="0"/>
+          <a:schemeClr val="accent2">
+            <a:hueOff val="4681519"/>
+            <a:satOff val="-5839"/>
+            <a:lumOff val="1373"/>
             <a:alphaOff val="0"/>
           </a:schemeClr>
         </a:solidFill>
         <a:ln w="25400" cap="flat" cmpd="sng" algn="ctr">
           <a:solidFill>
-            <a:schemeClr val="dk2">
-              <a:shade val="80000"/>
+            <a:schemeClr val="lt1">
               <a:hueOff val="0"/>
               <a:satOff val="0"/>
               <a:lumOff val="0"/>
@@ -5508,25 +5761,97 @@
           </a:pPr>
           <a:r>
             <a:rPr kumimoji="1" lang="ja-JP" altLang="en-US" sz="2800" kern="1200" dirty="0" smtClean="0"/>
-            <a:t> レビュー</a:t>
+            <a:t> </a:t>
+          </a:r>
+          <a:r>
+            <a:rPr kumimoji="1" lang="en-US" altLang="ja-JP" sz="2800" kern="1200" dirty="0" smtClean="0"/>
+            <a:t>D. </a:t>
+          </a:r>
+          <a:r>
+            <a:rPr kumimoji="1" lang="ja-JP" altLang="en-US" sz="2800" kern="1200" dirty="0" smtClean="0"/>
+            <a:t>レビュー</a:t>
           </a:r>
           <a:endParaRPr kumimoji="1" lang="ja-JP" altLang="en-US" sz="2800" kern="1200" dirty="0"/>
         </a:p>
       </dsp:txBody>
       <dsp:txXfrm>
-        <a:off x="1800188" y="2570685"/>
-        <a:ext cx="3276183" cy="1101722"/>
+        <a:off x="1382553" y="2864478"/>
+        <a:ext cx="4541903" cy="807929"/>
       </dsp:txXfrm>
     </dsp:sp>
-    <dsp:sp modelId="{03EFE2AF-8A63-418B-88A0-68E82FDE743D}">
+    <dsp:sp modelId="{36DA9816-1BE9-4BFC-9A7A-873258B108EC}">
       <dsp:nvSpPr>
         <dsp:cNvPr id="0" name=""/>
         <dsp:cNvSpPr/>
       </dsp:nvSpPr>
       <dsp:spPr>
         <a:xfrm>
-          <a:off x="4464498" y="2160240"/>
-          <a:ext cx="483258" cy="526183"/>
+          <a:off x="5005059" y="618800"/>
+          <a:ext cx="525154" cy="525154"/>
+        </a:xfrm>
+        <a:prstGeom prst="downArrow">
+          <a:avLst>
+            <a:gd name="adj1" fmla="val 55000"/>
+            <a:gd name="adj2" fmla="val 45000"/>
+          </a:avLst>
+        </a:prstGeom>
+        <a:solidFill>
+          <a:srgbClr val="26AB1F"/>
+        </a:solidFill>
+        <a:ln w="25400" cap="flat" cmpd="sng" algn="ctr">
+          <a:solidFill>
+            <a:schemeClr val="bg1"/>
+          </a:solidFill>
+          <a:prstDash val="solid"/>
+        </a:ln>
+        <a:effectLst/>
+      </dsp:spPr>
+      <dsp:style>
+        <a:lnRef idx="2">
+          <a:scrgbClr r="0" g="0" b="0"/>
+        </a:lnRef>
+        <a:fillRef idx="1">
+          <a:scrgbClr r="0" g="0" b="0"/>
+        </a:fillRef>
+        <a:effectRef idx="0">
+          <a:scrgbClr r="0" g="0" b="0"/>
+        </a:effectRef>
+        <a:fontRef idx="minor"/>
+      </dsp:style>
+      <dsp:txBody>
+        <a:bodyPr spcFirstLastPara="0" vert="horz" wrap="square" lIns="29210" tIns="29210" rIns="29210" bIns="29210" numCol="1" spcCol="1270" anchor="ctr" anchorCtr="0">
+          <a:noAutofit/>
+        </a:bodyPr>
+        <a:lstStyle/>
+        <a:p>
+          <a:pPr lvl="0" algn="ctr" defTabSz="1022350">
+            <a:lnSpc>
+              <a:spcPct val="90000"/>
+            </a:lnSpc>
+            <a:spcBef>
+              <a:spcPct val="0"/>
+            </a:spcBef>
+            <a:spcAft>
+              <a:spcPct val="35000"/>
+            </a:spcAft>
+          </a:pPr>
+          <a:endParaRPr kumimoji="1" lang="ja-JP" altLang="en-US" sz="2300" kern="1200"/>
+        </a:p>
+      </dsp:txBody>
+      <dsp:txXfrm>
+        <a:off x="5005059" y="618800"/>
+        <a:ext cx="525154" cy="525154"/>
+      </dsp:txXfrm>
+    </dsp:sp>
+    <dsp:sp modelId="{64160254-0D01-4896-AA1C-E2121044D9D1}">
+      <dsp:nvSpPr>
+        <dsp:cNvPr id="0" name=""/>
+        <dsp:cNvSpPr/>
+      </dsp:nvSpPr>
+      <dsp:spPr>
+        <a:xfrm>
+          <a:off x="5468214" y="1573626"/>
+          <a:ext cx="525154" cy="525154"/>
         </a:xfrm>
         <a:prstGeom prst="downArrow">
           <a:avLst>
@@ -5560,12 +5885,12 @@
         <a:fontRef idx="minor"/>
       </dsp:style>
       <dsp:txBody>
-        <a:bodyPr spcFirstLastPara="0" vert="horz" wrap="square" lIns="33020" tIns="33020" rIns="33020" bIns="33020" numCol="1" spcCol="1270" anchor="ctr" anchorCtr="0">
+        <a:bodyPr spcFirstLastPara="0" vert="horz" wrap="square" lIns="29210" tIns="29210" rIns="29210" bIns="29210" numCol="1" spcCol="1270" anchor="ctr" anchorCtr="0">
           <a:noAutofit/>
         </a:bodyPr>
         <a:lstStyle/>
         <a:p>
-          <a:pPr lvl="0" algn="ctr" defTabSz="1155700">
+          <a:pPr lvl="0" algn="ctr" defTabSz="1022350">
             <a:lnSpc>
               <a:spcPct val="90000"/>
             </a:lnSpc>
@@ -5576,23 +5901,23 @@
               <a:spcPct val="35000"/>
             </a:spcAft>
           </a:pPr>
-          <a:endParaRPr kumimoji="1" lang="ja-JP" altLang="en-US" sz="2600" kern="1200"/>
+          <a:endParaRPr kumimoji="1" lang="ja-JP" altLang="en-US" sz="2300" kern="1200"/>
         </a:p>
       </dsp:txBody>
       <dsp:txXfrm>
-        <a:off x="4464498" y="2160240"/>
-        <a:ext cx="483258" cy="526183"/>
+        <a:off x="5468214" y="1573626"/>
+        <a:ext cx="525154" cy="525154"/>
       </dsp:txXfrm>
     </dsp:sp>
-    <dsp:sp modelId="{5C8D8530-4916-4560-A413-39006FC9BAA8}">
+    <dsp:sp modelId="{CA4D40A9-DDC8-4275-B3DB-F6C4B61A9326}">
       <dsp:nvSpPr>
         <dsp:cNvPr id="0" name=""/>
         <dsp:cNvSpPr/>
       </dsp:nvSpPr>
       <dsp:spPr>
         <a:xfrm>
-          <a:off x="3888431" y="864096"/>
-          <a:ext cx="440707" cy="565684"/>
+          <a:off x="5924457" y="2528452"/>
+          <a:ext cx="525154" cy="525154"/>
         </a:xfrm>
         <a:prstGeom prst="downArrow">
           <a:avLst>
@@ -5605,9 +5930,7 @@
         </a:solidFill>
         <a:ln w="25400" cap="flat" cmpd="sng" algn="ctr">
           <a:solidFill>
-            <a:schemeClr val="bg1">
-              <a:alpha val="90000"/>
-            </a:schemeClr>
+            <a:schemeClr val="bg1"/>
           </a:solidFill>
           <a:prstDash val="solid"/>
         </a:ln>
@@ -5626,12 +5949,12 @@
         <a:fontRef idx="minor"/>
       </dsp:style>
       <dsp:txBody>
-        <a:bodyPr spcFirstLastPara="0" vert="horz" wrap="square" lIns="36830" tIns="36830" rIns="36830" bIns="36830" numCol="1" spcCol="1270" anchor="ctr" anchorCtr="0">
+        <a:bodyPr spcFirstLastPara="0" vert="horz" wrap="square" lIns="29210" tIns="29210" rIns="29210" bIns="29210" numCol="1" spcCol="1270" anchor="ctr" anchorCtr="0">
           <a:noAutofit/>
         </a:bodyPr>
         <a:lstStyle/>
         <a:p>
-          <a:pPr lvl="0" algn="ctr" defTabSz="1289050">
+          <a:pPr lvl="0" algn="ctr" defTabSz="1022350">
             <a:lnSpc>
               <a:spcPct val="90000"/>
             </a:lnSpc>
@@ -5642,12 +5965,12 @@
               <a:spcPct val="35000"/>
             </a:spcAft>
           </a:pPr>
-          <a:endParaRPr kumimoji="1" lang="ja-JP" altLang="en-US" sz="2900" kern="1200"/>
+          <a:endParaRPr kumimoji="1" lang="ja-JP" altLang="en-US" sz="2300" kern="1200"/>
         </a:p>
       </dsp:txBody>
       <dsp:txXfrm>
-        <a:off x="3888431" y="864096"/>
-        <a:ext cx="440707" cy="565684"/>
+        <a:off x="5924457" y="2528452"/>
+        <a:ext cx="525154" cy="525154"/>
       </dsp:txXfrm>
     </dsp:sp>
   </dsp:spTree>
@@ -14291,7 +14614,7 @@
             <a:fld id="{768736D5-E0D3-4111-8C4C-E5098B8E037F}" type="datetimeFigureOut">
               <a:rPr kumimoji="1" lang="ja-JP" altLang="en-US" smtClean="0"/>
               <a:pPr/>
-              <a:t>2014/11/13</a:t>
+              <a:t>2014/11/14</a:t>
             </a:fld>
             <a:endParaRPr kumimoji="1" lang="ja-JP" altLang="en-US"/>
           </a:p>
@@ -14953,7 +15276,7 @@
             <a:fld id="{E90ED720-0104-4369-84BC-D37694168613}" type="datetimeFigureOut">
               <a:rPr kumimoji="1" lang="ja-JP" altLang="en-US" smtClean="0"/>
               <a:pPr/>
-              <a:t>2014/11/13</a:t>
+              <a:t>2014/11/14</a:t>
             </a:fld>
             <a:endParaRPr kumimoji="1" lang="ja-JP" altLang="en-US"/>
           </a:p>
@@ -15152,7 +15475,7 @@
             <a:fld id="{E90ED720-0104-4369-84BC-D37694168613}" type="datetimeFigureOut">
               <a:rPr kumimoji="1" lang="ja-JP" altLang="en-US" smtClean="0"/>
               <a:pPr/>
-              <a:t>2014/11/13</a:t>
+              <a:t>2014/11/14</a:t>
             </a:fld>
             <a:endParaRPr kumimoji="1" lang="ja-JP" altLang="en-US"/>
           </a:p>
@@ -15361,7 +15684,7 @@
             <a:fld id="{E90ED720-0104-4369-84BC-D37694168613}" type="datetimeFigureOut">
               <a:rPr kumimoji="1" lang="ja-JP" altLang="en-US" smtClean="0"/>
               <a:pPr/>
-              <a:t>2014/11/13</a:t>
+              <a:t>2014/11/14</a:t>
             </a:fld>
             <a:endParaRPr kumimoji="1" lang="ja-JP" altLang="en-US"/>
           </a:p>
@@ -15560,7 +15883,7 @@
             <a:fld id="{E90ED720-0104-4369-84BC-D37694168613}" type="datetimeFigureOut">
               <a:rPr kumimoji="1" lang="ja-JP" altLang="en-US" smtClean="0"/>
               <a:pPr/>
-              <a:t>2014/11/13</a:t>
+              <a:t>2014/11/14</a:t>
             </a:fld>
             <a:endParaRPr kumimoji="1" lang="ja-JP" altLang="en-US"/>
           </a:p>
@@ -15803,7 +16126,7 @@
             <a:fld id="{E90ED720-0104-4369-84BC-D37694168613}" type="datetimeFigureOut">
               <a:rPr kumimoji="1" lang="ja-JP" altLang="en-US" smtClean="0"/>
               <a:pPr/>
-              <a:t>2014/11/13</a:t>
+              <a:t>2014/11/14</a:t>
             </a:fld>
             <a:endParaRPr kumimoji="1" lang="ja-JP" altLang="en-US"/>
           </a:p>
@@ -16152,7 +16475,7 @@
             <a:fld id="{E90ED720-0104-4369-84BC-D37694168613}" type="datetimeFigureOut">
               <a:rPr kumimoji="1" lang="ja-JP" altLang="en-US" smtClean="0"/>
               <a:pPr/>
-              <a:t>2014/11/13</a:t>
+              <a:t>2014/11/14</a:t>
             </a:fld>
             <a:endParaRPr kumimoji="1" lang="ja-JP" altLang="en-US"/>
           </a:p>
@@ -16635,7 +16958,7 @@
             <a:fld id="{E90ED720-0104-4369-84BC-D37694168613}" type="datetimeFigureOut">
               <a:rPr kumimoji="1" lang="ja-JP" altLang="en-US" smtClean="0"/>
               <a:pPr/>
-              <a:t>2014/11/13</a:t>
+              <a:t>2014/11/14</a:t>
             </a:fld>
             <a:endParaRPr kumimoji="1" lang="ja-JP" altLang="en-US"/>
           </a:p>
@@ -16750,7 +17073,7 @@
             <a:fld id="{E90ED720-0104-4369-84BC-D37694168613}" type="datetimeFigureOut">
               <a:rPr kumimoji="1" lang="ja-JP" altLang="en-US" smtClean="0"/>
               <a:pPr/>
-              <a:t>2014/11/13</a:t>
+              <a:t>2014/11/14</a:t>
             </a:fld>
             <a:endParaRPr kumimoji="1" lang="ja-JP" altLang="en-US"/>
           </a:p>
@@ -16842,7 +17165,7 @@
             <a:fld id="{E90ED720-0104-4369-84BC-D37694168613}" type="datetimeFigureOut">
               <a:rPr kumimoji="1" lang="ja-JP" altLang="en-US" smtClean="0"/>
               <a:pPr/>
-              <a:t>2014/11/13</a:t>
+              <a:t>2014/11/14</a:t>
             </a:fld>
             <a:endParaRPr kumimoji="1" lang="ja-JP" altLang="en-US"/>
           </a:p>
@@ -17148,7 +17471,7 @@
             <a:fld id="{E90ED720-0104-4369-84BC-D37694168613}" type="datetimeFigureOut">
               <a:rPr kumimoji="1" lang="ja-JP" altLang="en-US" smtClean="0"/>
               <a:pPr/>
-              <a:t>2014/11/13</a:t>
+              <a:t>2014/11/14</a:t>
             </a:fld>
             <a:endParaRPr kumimoji="1" lang="ja-JP" altLang="en-US"/>
           </a:p>
@@ -17398,7 +17721,7 @@
             <a:fld id="{E90ED720-0104-4369-84BC-D37694168613}" type="datetimeFigureOut">
               <a:rPr kumimoji="1" lang="ja-JP" altLang="en-US" smtClean="0"/>
               <a:pPr/>
-              <a:t>2014/11/13</a:t>
+              <a:t>2014/11/14</a:t>
             </a:fld>
             <a:endParaRPr kumimoji="1" lang="ja-JP" altLang="en-US"/>
           </a:p>
@@ -17640,7 +17963,7 @@
             <a:fld id="{E90ED720-0104-4369-84BC-D37694168613}" type="datetimeFigureOut">
               <a:rPr kumimoji="1" lang="ja-JP" altLang="en-US" smtClean="0"/>
               <a:pPr/>
-              <a:t>2014/11/13</a:t>
+              <a:t>2014/11/14</a:t>
             </a:fld>
             <a:endParaRPr kumimoji="1" lang="ja-JP" altLang="en-US"/>
           </a:p>
@@ -19184,14 +19507,7 @@
                 <a:latin typeface="HGPｺﾞｼｯｸE" pitchFamily="50" charset="-128"/>
                 <a:ea typeface="HGPｺﾞｼｯｸE" pitchFamily="50" charset="-128"/>
               </a:rPr>
-              <a:t>(HTML, CSS, Javascript, PHP</a:t>
-            </a:r>
-            <a:r>
-              <a:rPr lang="en-US" altLang="ja-JP" sz="1200" dirty="0" smtClean="0">
-                <a:latin typeface="HGPｺﾞｼｯｸE" pitchFamily="50" charset="-128"/>
-                <a:ea typeface="HGPｺﾞｼｯｸE" pitchFamily="50" charset="-128"/>
-              </a:rPr>
-              <a:t>)</a:t>
+              <a:t>(HTML, CSS, Javascript, PHP)</a:t>
             </a:r>
             <a:endParaRPr lang="ja-JP" altLang="en-US" sz="1200" dirty="0" smtClean="0">
               <a:latin typeface="HGPｺﾞｼｯｸE" pitchFamily="50" charset="-128"/>
@@ -20708,7 +21024,21 @@
                 <a:latin typeface="HGPｺﾞｼｯｸE" pitchFamily="50" charset="-128"/>
                 <a:ea typeface="HGPｺﾞｼｯｸE" pitchFamily="50" charset="-128"/>
               </a:rPr>
-              <a:t>ローカル開発環境</a:t>
+              <a:t>ローカル開発</a:t>
+            </a:r>
+            <a:r>
+              <a:rPr kumimoji="1" lang="ja-JP" altLang="en-US" dirty="0" smtClean="0">
+                <a:latin typeface="HGPｺﾞｼｯｸE" pitchFamily="50" charset="-128"/>
+                <a:ea typeface="HGPｺﾞｼｯｸE" pitchFamily="50" charset="-128"/>
+              </a:rPr>
+              <a:t>環境</a:t>
+            </a:r>
+            <a:r>
+              <a:rPr lang="en-US" altLang="ja-JP" sz="1200" dirty="0" smtClean="0">
+                <a:latin typeface="HGPｺﾞｼｯｸE" pitchFamily="50" charset="-128"/>
+                <a:ea typeface="HGPｺﾞｼｯｸE" pitchFamily="50" charset="-128"/>
+              </a:rPr>
+              <a:t>※</a:t>
             </a:r>
             <a:endParaRPr kumimoji="1" lang="ja-JP" altLang="en-US" dirty="0">
               <a:latin typeface="HGPｺﾞｼｯｸE" pitchFamily="50" charset="-128"/>
@@ -22090,7 +22420,7 @@
         </p:blipFill>
         <p:spPr bwMode="auto">
           <a:xfrm>
-            <a:off x="1115616" y="1412776"/>
+            <a:off x="899592" y="1412776"/>
             <a:ext cx="817806" cy="673487"/>
           </a:xfrm>
           <a:prstGeom prst="rect">
@@ -22116,7 +22446,7 @@
         </p:blipFill>
         <p:spPr bwMode="auto">
           <a:xfrm>
-            <a:off x="1979712" y="1400070"/>
+            <a:off x="1691680" y="1412776"/>
             <a:ext cx="390316" cy="554661"/>
           </a:xfrm>
           <a:prstGeom prst="rect">
@@ -22192,14 +22522,23 @@
             <p:ph type="title"/>
           </p:nvPr>
         </p:nvSpPr>
-        <p:spPr/>
+        <p:spPr>
+          <a:xfrm>
+            <a:off x="539552" y="332656"/>
+            <a:ext cx="8229600" cy="1143000"/>
+          </a:xfrm>
+        </p:spPr>
         <p:txBody>
           <a:bodyPr/>
           <a:lstStyle/>
           <a:p>
             <a:r>
               <a:rPr kumimoji="1" lang="ja-JP" altLang="en-US" dirty="0" smtClean="0"/>
-              <a:t>開発フロー</a:t>
+              <a:t>開発</a:t>
+            </a:r>
+            <a:r>
+              <a:rPr kumimoji="1" lang="ja-JP" altLang="en-US" dirty="0" smtClean="0"/>
+              <a:t>フロー</a:t>
             </a:r>
             <a:endParaRPr kumimoji="1" lang="ja-JP" altLang="en-US" dirty="0"/>
           </a:p>
@@ -22223,14 +22562,14 @@
       </p:graphicFrame>
       <p:sp>
         <p:nvSpPr>
-          <p:cNvPr id="6" name="下矢印 5"/>
+          <p:cNvPr id="7" name="下矢印 6"/>
           <p:cNvSpPr/>
           <p:nvPr/>
         </p:nvSpPr>
         <p:spPr>
           <a:xfrm rot="10800000">
-            <a:off x="971601" y="3284984"/>
-            <a:ext cx="432048" cy="2304256"/>
+            <a:off x="1907705" y="4005064"/>
+            <a:ext cx="360040" cy="432048"/>
           </a:xfrm>
           <a:prstGeom prst="downArrow">
             <a:avLst>
@@ -22245,103 +22584,6 @@
             <a:solidFill>
               <a:schemeClr val="bg1"/>
             </a:solidFill>
-          </a:ln>
-        </p:spPr>
-        <p:style>
-          <a:lnRef idx="2">
-            <a:schemeClr val="accent1">
-              <a:shade val="50000"/>
-            </a:schemeClr>
-          </a:lnRef>
-          <a:fillRef idx="1">
-            <a:schemeClr val="accent1"/>
-          </a:fillRef>
-          <a:effectRef idx="0">
-            <a:schemeClr val="accent1"/>
-          </a:effectRef>
-          <a:fontRef idx="minor">
-            <a:schemeClr val="lt1"/>
-          </a:fontRef>
-        </p:style>
-        <p:txBody>
-          <a:bodyPr rtlCol="0" anchor="ctr"/>
-          <a:lstStyle/>
-          <a:p>
-            <a:pPr algn="ctr"/>
-            <a:endParaRPr kumimoji="1" lang="ja-JP" altLang="en-US"/>
-          </a:p>
-        </p:txBody>
-      </p:sp>
-      <p:sp>
-        <p:nvSpPr>
-          <p:cNvPr id="7" name="下矢印 6"/>
-          <p:cNvSpPr/>
-          <p:nvPr/>
-        </p:nvSpPr>
-        <p:spPr>
-          <a:xfrm rot="10800000">
-            <a:off x="1475657" y="3284984"/>
-            <a:ext cx="432048" cy="504056"/>
-          </a:xfrm>
-          <a:prstGeom prst="downArrow">
-            <a:avLst>
-              <a:gd name="adj1" fmla="val 50000"/>
-              <a:gd name="adj2" fmla="val 46502"/>
-            </a:avLst>
-          </a:prstGeom>
-          <a:solidFill>
-            <a:srgbClr val="FF0000"/>
-          </a:solidFill>
-          <a:ln>
-            <a:solidFill>
-              <a:schemeClr val="bg1"/>
-            </a:solidFill>
-          </a:ln>
-        </p:spPr>
-        <p:style>
-          <a:lnRef idx="2">
-            <a:schemeClr val="accent1">
-              <a:shade val="50000"/>
-            </a:schemeClr>
-          </a:lnRef>
-          <a:fillRef idx="1">
-            <a:schemeClr val="accent1"/>
-          </a:fillRef>
-          <a:effectRef idx="0">
-            <a:schemeClr val="accent1"/>
-          </a:effectRef>
-          <a:fontRef idx="minor">
-            <a:schemeClr val="lt1"/>
-          </a:fontRef>
-        </p:style>
-        <p:txBody>
-          <a:bodyPr rtlCol="0" anchor="ctr"/>
-          <a:lstStyle/>
-          <a:p>
-            <a:pPr algn="ctr"/>
-            <a:endParaRPr kumimoji="1" lang="ja-JP" altLang="en-US"/>
-          </a:p>
-        </p:txBody>
-      </p:sp>
-      <p:sp>
-        <p:nvSpPr>
-          <p:cNvPr id="8" name="正方形/長方形 7"/>
-          <p:cNvSpPr/>
-          <p:nvPr/>
-        </p:nvSpPr>
-        <p:spPr>
-          <a:xfrm>
-            <a:off x="1115616" y="5373216"/>
-            <a:ext cx="1728192" cy="216024"/>
-          </a:xfrm>
-          <a:prstGeom prst="rect">
-            <a:avLst/>
-          </a:prstGeom>
-          <a:solidFill>
-            <a:srgbClr val="FF0000"/>
-          </a:solidFill>
-          <a:ln>
-            <a:noFill/>
           </a:ln>
         </p:spPr>
         <p:style>
@@ -22412,7 +22654,7 @@
         </p:blipFill>
         <p:spPr bwMode="auto">
           <a:xfrm>
-            <a:off x="6300192" y="4149080"/>
+            <a:off x="7452320" y="4725144"/>
             <a:ext cx="720080" cy="386549"/>
           </a:xfrm>
           <a:prstGeom prst="rect">
@@ -22444,7 +22686,7 @@
         </p:blipFill>
         <p:spPr bwMode="auto">
           <a:xfrm>
-            <a:off x="6300192" y="3645024"/>
+            <a:off x="7452320" y="4293096"/>
             <a:ext cx="1152128" cy="404882"/>
           </a:xfrm>
           <a:prstGeom prst="rect">
@@ -22502,8 +22744,8 @@
         </p:blipFill>
         <p:spPr bwMode="auto">
           <a:xfrm>
-            <a:off x="5508104" y="2348880"/>
-            <a:ext cx="1949747" cy="288032"/>
+            <a:off x="6588225" y="2348880"/>
+            <a:ext cx="1728192" cy="255302"/>
           </a:xfrm>
           <a:prstGeom prst="rect">
             <a:avLst/>
@@ -22534,7 +22776,7 @@
         </p:blipFill>
         <p:spPr bwMode="auto">
           <a:xfrm>
-            <a:off x="5508104" y="2708920"/>
+            <a:off x="6588224" y="2636912"/>
             <a:ext cx="576064" cy="576064"/>
           </a:xfrm>
           <a:prstGeom prst="rect">
@@ -22560,7 +22802,7 @@
         </p:blipFill>
         <p:spPr bwMode="auto">
           <a:xfrm>
-            <a:off x="6228184" y="2708920"/>
+            <a:off x="7020272" y="3429000"/>
             <a:ext cx="1251450" cy="576064"/>
           </a:xfrm>
           <a:prstGeom prst="rect">
@@ -22575,6 +22817,163 @@
           </a:ln>
         </p:spPr>
       </p:pic>
+      <p:sp>
+        <p:nvSpPr>
+          <p:cNvPr id="18" name="曲折矢印 17"/>
+          <p:cNvSpPr/>
+          <p:nvPr/>
+        </p:nvSpPr>
+        <p:spPr>
+          <a:xfrm rot="16200000">
+            <a:off x="359532" y="3753036"/>
+            <a:ext cx="2808312" cy="1440160"/>
+          </a:xfrm>
+          <a:prstGeom prst="bentArrow">
+            <a:avLst>
+              <a:gd name="adj1" fmla="val 13584"/>
+              <a:gd name="adj2" fmla="val 13071"/>
+              <a:gd name="adj3" fmla="val 11660"/>
+              <a:gd name="adj4" fmla="val 31437"/>
+            </a:avLst>
+          </a:prstGeom>
+          <a:solidFill>
+            <a:srgbClr val="FF0000"/>
+          </a:solidFill>
+          <a:ln>
+            <a:solidFill>
+              <a:schemeClr val="bg1"/>
+            </a:solidFill>
+          </a:ln>
+        </p:spPr>
+        <p:style>
+          <a:lnRef idx="2">
+            <a:schemeClr val="accent1">
+              <a:shade val="50000"/>
+            </a:schemeClr>
+          </a:lnRef>
+          <a:fillRef idx="1">
+            <a:schemeClr val="accent1"/>
+          </a:fillRef>
+          <a:effectRef idx="0">
+            <a:schemeClr val="accent1"/>
+          </a:effectRef>
+          <a:fontRef idx="minor">
+            <a:schemeClr val="lt1"/>
+          </a:fontRef>
+        </p:style>
+        <p:txBody>
+          <a:bodyPr rtlCol="0" anchor="ctr"/>
+          <a:lstStyle/>
+          <a:p>
+            <a:pPr algn="ctr"/>
+            <a:endParaRPr lang="ja-JP" altLang="en-US"/>
+          </a:p>
+        </p:txBody>
+      </p:sp>
+      <p:sp>
+        <p:nvSpPr>
+          <p:cNvPr id="19" name="下矢印 18"/>
+          <p:cNvSpPr/>
+          <p:nvPr/>
+        </p:nvSpPr>
+        <p:spPr>
+          <a:xfrm rot="10800000">
+            <a:off x="1475656" y="3068960"/>
+            <a:ext cx="360040" cy="432048"/>
+          </a:xfrm>
+          <a:prstGeom prst="downArrow">
+            <a:avLst>
+              <a:gd name="adj1" fmla="val 50000"/>
+              <a:gd name="adj2" fmla="val 46502"/>
+            </a:avLst>
+          </a:prstGeom>
+          <a:solidFill>
+            <a:srgbClr val="FF0000"/>
+          </a:solidFill>
+          <a:ln>
+            <a:solidFill>
+              <a:schemeClr val="bg1"/>
+            </a:solidFill>
+          </a:ln>
+        </p:spPr>
+        <p:style>
+          <a:lnRef idx="2">
+            <a:schemeClr val="accent1">
+              <a:shade val="50000"/>
+            </a:schemeClr>
+          </a:lnRef>
+          <a:fillRef idx="1">
+            <a:schemeClr val="accent1"/>
+          </a:fillRef>
+          <a:effectRef idx="0">
+            <a:schemeClr val="accent1"/>
+          </a:effectRef>
+          <a:fontRef idx="minor">
+            <a:schemeClr val="lt1"/>
+          </a:fontRef>
+        </p:style>
+        <p:txBody>
+          <a:bodyPr rtlCol="0" anchor="ctr"/>
+          <a:lstStyle/>
+          <a:p>
+            <a:pPr algn="ctr"/>
+            <a:endParaRPr kumimoji="1" lang="ja-JP" altLang="en-US"/>
+          </a:p>
+        </p:txBody>
+      </p:sp>
+      <p:sp>
+        <p:nvSpPr>
+          <p:cNvPr id="20" name="曲折矢印 19"/>
+          <p:cNvSpPr/>
+          <p:nvPr/>
+        </p:nvSpPr>
+        <p:spPr>
+          <a:xfrm rot="16200000">
+            <a:off x="1223628" y="4257092"/>
+            <a:ext cx="1512168" cy="1008112"/>
+          </a:xfrm>
+          <a:prstGeom prst="bentArrow">
+            <a:avLst>
+              <a:gd name="adj1" fmla="val 19081"/>
+              <a:gd name="adj2" fmla="val 18110"/>
+              <a:gd name="adj3" fmla="val 17157"/>
+              <a:gd name="adj4" fmla="val 31437"/>
+            </a:avLst>
+          </a:prstGeom>
+          <a:solidFill>
+            <a:srgbClr val="FF0000"/>
+          </a:solidFill>
+          <a:ln>
+            <a:solidFill>
+              <a:schemeClr val="bg1"/>
+            </a:solidFill>
+          </a:ln>
+        </p:spPr>
+        <p:style>
+          <a:lnRef idx="2">
+            <a:schemeClr val="accent1">
+              <a:shade val="50000"/>
+            </a:schemeClr>
+          </a:lnRef>
+          <a:fillRef idx="1">
+            <a:schemeClr val="accent1"/>
+          </a:fillRef>
+          <a:effectRef idx="0">
+            <a:schemeClr val="accent1"/>
+          </a:effectRef>
+          <a:fontRef idx="minor">
+            <a:schemeClr val="lt1"/>
+          </a:fontRef>
+        </p:style>
+        <p:txBody>
+          <a:bodyPr rtlCol="0" anchor="ctr"/>
+          <a:lstStyle/>
+          <a:p>
+            <a:pPr algn="ctr"/>
+            <a:endParaRPr lang="ja-JP" altLang="en-US"/>
+          </a:p>
+        </p:txBody>
+      </p:sp>
     </p:spTree>
   </p:cSld>
   <p:clrMapOvr>

--- a/PowerPoint/report_hokada.pptx
+++ b/PowerPoint/report_hokada.pptx
@@ -4329,22 +4329,22 @@
     </dgm:pt>
   </dgm:ptLst>
   <dgm:cxnLst>
-    <dgm:cxn modelId="{8B6D260D-A334-436B-B798-4C64FE6BEBD5}" srcId="{D56B3E43-2FAE-4E52-962F-BE90A509F449}" destId="{7C1DB073-F82D-4F23-B687-12AAAE1C0BD0}" srcOrd="1" destOrd="0" parTransId="{61793B87-F471-4CDD-AA21-3D8FD1DE5E01}" sibTransId="{BD98E73C-AAA6-4DA5-93B6-6DF4DC152A30}"/>
-    <dgm:cxn modelId="{2E63361D-C8F8-4850-A17E-8BFFBE8D7161}" type="presOf" srcId="{791E105B-2D40-45C8-8587-365084ABF1CD}" destId="{5632D2DD-3879-44D7-8835-CF6675CEE121}" srcOrd="0" destOrd="0" presId="urn:microsoft.com/office/officeart/2005/8/layout/vProcess5"/>
-    <dgm:cxn modelId="{9D76E945-61C4-4221-81FF-7052DFF4919A}" type="presOf" srcId="{D56B3E43-2FAE-4E52-962F-BE90A509F449}" destId="{870738DE-50B9-49A3-9A78-7C2B51BF5842}" srcOrd="0" destOrd="0" presId="urn:microsoft.com/office/officeart/2005/8/layout/vProcess5"/>
-    <dgm:cxn modelId="{839FEEF3-2CE5-4920-8C1B-A4232A15DBA2}" type="presOf" srcId="{8CD1317B-4CED-4DFF-8694-2184512038E6}" destId="{36DA9816-1BE9-4BFC-9A7A-873258B108EC}" srcOrd="0" destOrd="0" presId="urn:microsoft.com/office/officeart/2005/8/layout/vProcess5"/>
-    <dgm:cxn modelId="{FA4557C3-2F3D-4709-8403-47899DEE4C8C}" type="presOf" srcId="{791E105B-2D40-45C8-8587-365084ABF1CD}" destId="{4836BAD7-0DE6-42BB-B8A0-D0FF43E04A23}" srcOrd="1" destOrd="0" presId="urn:microsoft.com/office/officeart/2005/8/layout/vProcess5"/>
-    <dgm:cxn modelId="{94A30E57-122A-4C1E-81BA-7EBDC776A356}" srcId="{D56B3E43-2FAE-4E52-962F-BE90A509F449}" destId="{791E105B-2D40-45C8-8587-365084ABF1CD}" srcOrd="0" destOrd="0" parTransId="{70A5435A-A734-4D1B-B84C-9A72CADEB15E}" sibTransId="{8CD1317B-4CED-4DFF-8694-2184512038E6}"/>
-    <dgm:cxn modelId="{FFF2AC17-D331-45C6-A8BE-7D55748F5369}" type="presOf" srcId="{162A4E0D-FF0A-4EB7-B187-E172033B0A71}" destId="{12E063A8-6515-4288-9573-4019C9977CE5}" srcOrd="1" destOrd="0" presId="urn:microsoft.com/office/officeart/2005/8/layout/vProcess5"/>
-    <dgm:cxn modelId="{7AB56688-4E34-4361-A5C2-578404A0D12C}" type="presOf" srcId="{162A4E0D-FF0A-4EB7-B187-E172033B0A71}" destId="{5CCE1078-C9E8-4B33-A2C2-042F087613F0}" srcOrd="0" destOrd="0" presId="urn:microsoft.com/office/officeart/2005/8/layout/vProcess5"/>
-    <dgm:cxn modelId="{F8853679-02D0-4584-9103-9DBAD7532994}" srcId="{D56B3E43-2FAE-4E52-962F-BE90A509F449}" destId="{162A4E0D-FF0A-4EB7-B187-E172033B0A71}" srcOrd="3" destOrd="0" parTransId="{99C54616-36AD-497D-8AA9-2B54CFBAC714}" sibTransId="{C3641393-5D1F-4584-A583-7A54375269E0}"/>
-    <dgm:cxn modelId="{46CB6A1B-1EA5-460E-B963-340E5D108EC4}" type="presOf" srcId="{B75DCB25-29DA-4B72-8E0D-5DB1E2C76043}" destId="{3AB208E9-7FC4-4B99-A514-16B9C2602D1A}" srcOrd="1" destOrd="0" presId="urn:microsoft.com/office/officeart/2005/8/layout/vProcess5"/>
     <dgm:cxn modelId="{6461A95D-F63D-4D24-98B0-712AFDB4B913}" type="presOf" srcId="{7C1DB073-F82D-4F23-B687-12AAAE1C0BD0}" destId="{897A66AF-11C1-4396-8E59-B142166A476F}" srcOrd="1" destOrd="0" presId="urn:microsoft.com/office/officeart/2005/8/layout/vProcess5"/>
     <dgm:cxn modelId="{31EF02E4-F094-4E6C-B430-0993C4C631DD}" srcId="{D56B3E43-2FAE-4E52-962F-BE90A509F449}" destId="{B75DCB25-29DA-4B72-8E0D-5DB1E2C76043}" srcOrd="2" destOrd="0" parTransId="{C010EDAA-DDB9-44C7-B016-15B51BAD19AC}" sibTransId="{7A2B3D62-CDA8-410F-ABDD-046A4CE93685}"/>
     <dgm:cxn modelId="{DF816C09-F00E-4B0E-8B23-CC71B227CA6B}" type="presOf" srcId="{7C1DB073-F82D-4F23-B687-12AAAE1C0BD0}" destId="{9AC6D0EA-4024-4CB3-95D5-69AA70217AAE}" srcOrd="0" destOrd="0" presId="urn:microsoft.com/office/officeart/2005/8/layout/vProcess5"/>
+    <dgm:cxn modelId="{EE6543C0-67BA-4FD0-9980-8A75023003C4}" type="presOf" srcId="{7A2B3D62-CDA8-410F-ABDD-046A4CE93685}" destId="{CA4D40A9-DDC8-4275-B3DB-F6C4B61A9326}" srcOrd="0" destOrd="0" presId="urn:microsoft.com/office/officeart/2005/8/layout/vProcess5"/>
+    <dgm:cxn modelId="{7AB56688-4E34-4361-A5C2-578404A0D12C}" type="presOf" srcId="{162A4E0D-FF0A-4EB7-B187-E172033B0A71}" destId="{5CCE1078-C9E8-4B33-A2C2-042F087613F0}" srcOrd="0" destOrd="0" presId="urn:microsoft.com/office/officeart/2005/8/layout/vProcess5"/>
+    <dgm:cxn modelId="{FFF2AC17-D331-45C6-A8BE-7D55748F5369}" type="presOf" srcId="{162A4E0D-FF0A-4EB7-B187-E172033B0A71}" destId="{12E063A8-6515-4288-9573-4019C9977CE5}" srcOrd="1" destOrd="0" presId="urn:microsoft.com/office/officeart/2005/8/layout/vProcess5"/>
+    <dgm:cxn modelId="{2E63361D-C8F8-4850-A17E-8BFFBE8D7161}" type="presOf" srcId="{791E105B-2D40-45C8-8587-365084ABF1CD}" destId="{5632D2DD-3879-44D7-8835-CF6675CEE121}" srcOrd="0" destOrd="0" presId="urn:microsoft.com/office/officeart/2005/8/layout/vProcess5"/>
+    <dgm:cxn modelId="{F8853679-02D0-4584-9103-9DBAD7532994}" srcId="{D56B3E43-2FAE-4E52-962F-BE90A509F449}" destId="{162A4E0D-FF0A-4EB7-B187-E172033B0A71}" srcOrd="3" destOrd="0" parTransId="{99C54616-36AD-497D-8AA9-2B54CFBAC714}" sibTransId="{C3641393-5D1F-4584-A583-7A54375269E0}"/>
     <dgm:cxn modelId="{0121883F-AB21-489E-9EA3-03509BAFE55C}" type="presOf" srcId="{B75DCB25-29DA-4B72-8E0D-5DB1E2C76043}" destId="{9DA06B50-A28B-465E-989A-880E4A93B624}" srcOrd="0" destOrd="0" presId="urn:microsoft.com/office/officeart/2005/8/layout/vProcess5"/>
+    <dgm:cxn modelId="{9D76E945-61C4-4221-81FF-7052DFF4919A}" type="presOf" srcId="{D56B3E43-2FAE-4E52-962F-BE90A509F449}" destId="{870738DE-50B9-49A3-9A78-7C2B51BF5842}" srcOrd="0" destOrd="0" presId="urn:microsoft.com/office/officeart/2005/8/layout/vProcess5"/>
+    <dgm:cxn modelId="{8B6D260D-A334-436B-B798-4C64FE6BEBD5}" srcId="{D56B3E43-2FAE-4E52-962F-BE90A509F449}" destId="{7C1DB073-F82D-4F23-B687-12AAAE1C0BD0}" srcOrd="1" destOrd="0" parTransId="{61793B87-F471-4CDD-AA21-3D8FD1DE5E01}" sibTransId="{BD98E73C-AAA6-4DA5-93B6-6DF4DC152A30}"/>
     <dgm:cxn modelId="{8980D15A-BC6B-49D8-A41B-22BB5CF22F68}" type="presOf" srcId="{BD98E73C-AAA6-4DA5-93B6-6DF4DC152A30}" destId="{64160254-0D01-4896-AA1C-E2121044D9D1}" srcOrd="0" destOrd="0" presId="urn:microsoft.com/office/officeart/2005/8/layout/vProcess5"/>
-    <dgm:cxn modelId="{EE6543C0-67BA-4FD0-9980-8A75023003C4}" type="presOf" srcId="{7A2B3D62-CDA8-410F-ABDD-046A4CE93685}" destId="{CA4D40A9-DDC8-4275-B3DB-F6C4B61A9326}" srcOrd="0" destOrd="0" presId="urn:microsoft.com/office/officeart/2005/8/layout/vProcess5"/>
+    <dgm:cxn modelId="{FA4557C3-2F3D-4709-8403-47899DEE4C8C}" type="presOf" srcId="{791E105B-2D40-45C8-8587-365084ABF1CD}" destId="{4836BAD7-0DE6-42BB-B8A0-D0FF43E04A23}" srcOrd="1" destOrd="0" presId="urn:microsoft.com/office/officeart/2005/8/layout/vProcess5"/>
+    <dgm:cxn modelId="{94A30E57-122A-4C1E-81BA-7EBDC776A356}" srcId="{D56B3E43-2FAE-4E52-962F-BE90A509F449}" destId="{791E105B-2D40-45C8-8587-365084ABF1CD}" srcOrd="0" destOrd="0" parTransId="{70A5435A-A734-4D1B-B84C-9A72CADEB15E}" sibTransId="{8CD1317B-4CED-4DFF-8694-2184512038E6}"/>
+    <dgm:cxn modelId="{839FEEF3-2CE5-4920-8C1B-A4232A15DBA2}" type="presOf" srcId="{8CD1317B-4CED-4DFF-8694-2184512038E6}" destId="{36DA9816-1BE9-4BFC-9A7A-873258B108EC}" srcOrd="0" destOrd="0" presId="urn:microsoft.com/office/officeart/2005/8/layout/vProcess5"/>
+    <dgm:cxn modelId="{46CB6A1B-1EA5-460E-B963-340E5D108EC4}" type="presOf" srcId="{B75DCB25-29DA-4B72-8E0D-5DB1E2C76043}" destId="{3AB208E9-7FC4-4B99-A514-16B9C2602D1A}" srcOrd="1" destOrd="0" presId="urn:microsoft.com/office/officeart/2005/8/layout/vProcess5"/>
     <dgm:cxn modelId="{0F6F189A-527F-481F-ACCA-BFA9FE4A1D88}" type="presParOf" srcId="{870738DE-50B9-49A3-9A78-7C2B51BF5842}" destId="{333DE63F-D1C3-43E9-A013-EE91608B3202}" srcOrd="0" destOrd="0" presId="urn:microsoft.com/office/officeart/2005/8/layout/vProcess5"/>
     <dgm:cxn modelId="{7E2A76DC-C1FB-4FFF-8EF0-5329C2C6A982}" type="presParOf" srcId="{870738DE-50B9-49A3-9A78-7C2B51BF5842}" destId="{5632D2DD-3879-44D7-8835-CF6675CEE121}" srcOrd="1" destOrd="0" presId="urn:microsoft.com/office/officeart/2005/8/layout/vProcess5"/>
     <dgm:cxn modelId="{61492DEE-0C0F-47F7-803C-0246B3C239F0}" type="presParOf" srcId="{870738DE-50B9-49A3-9A78-7C2B51BF5842}" destId="{9AC6D0EA-4024-4CB3-95D5-69AA70217AAE}" srcOrd="2" destOrd="0" presId="urn:microsoft.com/office/officeart/2005/8/layout/vProcess5"/>
@@ -21024,14 +21024,7 @@
                 <a:latin typeface="HGPｺﾞｼｯｸE" pitchFamily="50" charset="-128"/>
                 <a:ea typeface="HGPｺﾞｼｯｸE" pitchFamily="50" charset="-128"/>
               </a:rPr>
-              <a:t>ローカル開発</a:t>
-            </a:r>
-            <a:r>
-              <a:rPr kumimoji="1" lang="ja-JP" altLang="en-US" dirty="0" smtClean="0">
-                <a:latin typeface="HGPｺﾞｼｯｸE" pitchFamily="50" charset="-128"/>
-                <a:ea typeface="HGPｺﾞｼｯｸE" pitchFamily="50" charset="-128"/>
-              </a:rPr>
-              <a:t>環境</a:t>
+              <a:t>ローカル開発環境</a:t>
             </a:r>
             <a:r>
               <a:rPr lang="en-US" altLang="ja-JP" sz="1200" dirty="0" smtClean="0">
@@ -22534,11 +22527,7 @@
           <a:p>
             <a:r>
               <a:rPr kumimoji="1" lang="ja-JP" altLang="en-US" dirty="0" smtClean="0"/>
-              <a:t>開発</a:t>
-            </a:r>
-            <a:r>
-              <a:rPr kumimoji="1" lang="ja-JP" altLang="en-US" dirty="0" smtClean="0"/>
-              <a:t>フロー</a:t>
+              <a:t>開発フロー</a:t>
             </a:r>
             <a:endParaRPr kumimoji="1" lang="ja-JP" altLang="en-US" dirty="0"/>
           </a:p>
@@ -23146,6 +23135,70 @@
           </a:ln>
         </p:spPr>
       </p:pic>
+      <p:pic>
+        <p:nvPicPr>
+          <p:cNvPr id="1026" name="Picture 2"/>
+          <p:cNvPicPr>
+            <a:picLocks noChangeAspect="1" noChangeArrowheads="1"/>
+          </p:cNvPicPr>
+          <p:nvPr/>
+        </p:nvPicPr>
+        <p:blipFill>
+          <a:blip r:embed="rId6" cstate="print"/>
+          <a:srcRect/>
+          <a:stretch>
+            <a:fillRect/>
+          </a:stretch>
+        </p:blipFill>
+        <p:spPr bwMode="auto">
+          <a:xfrm>
+            <a:off x="539552" y="2420888"/>
+            <a:ext cx="1190625" cy="1828800"/>
+          </a:xfrm>
+          <a:prstGeom prst="rect">
+            <a:avLst/>
+          </a:prstGeom>
+          <a:noFill/>
+          <a:ln w="9525">
+            <a:noFill/>
+            <a:miter lim="800000"/>
+            <a:headEnd/>
+            <a:tailEnd/>
+          </a:ln>
+        </p:spPr>
+      </p:pic>
+      <p:pic>
+        <p:nvPicPr>
+          <p:cNvPr id="1027" name="Picture 3"/>
+          <p:cNvPicPr>
+            <a:picLocks noChangeAspect="1" noChangeArrowheads="1"/>
+          </p:cNvPicPr>
+          <p:nvPr/>
+        </p:nvPicPr>
+        <p:blipFill>
+          <a:blip r:embed="rId7" cstate="print"/>
+          <a:srcRect/>
+          <a:stretch>
+            <a:fillRect/>
+          </a:stretch>
+        </p:blipFill>
+        <p:spPr bwMode="auto">
+          <a:xfrm>
+            <a:off x="1763688" y="2420888"/>
+            <a:ext cx="1583477" cy="2160240"/>
+          </a:xfrm>
+          <a:prstGeom prst="rect">
+            <a:avLst/>
+          </a:prstGeom>
+          <a:noFill/>
+          <a:ln w="9525">
+            <a:noFill/>
+            <a:miter lim="800000"/>
+            <a:headEnd/>
+            <a:tailEnd/>
+          </a:ln>
+        </p:spPr>
+      </p:pic>
     </p:spTree>
   </p:cSld>
   <p:clrMapOvr>

--- a/PowerPoint/report_hokada.pptx
+++ b/PowerPoint/report_hokada.pptx
@@ -14614,7 +14614,7 @@
             <a:fld id="{768736D5-E0D3-4111-8C4C-E5098B8E037F}" type="datetimeFigureOut">
               <a:rPr kumimoji="1" lang="ja-JP" altLang="en-US" smtClean="0"/>
               <a:pPr/>
-              <a:t>2014/11/14</a:t>
+              <a:t>2014/11/17</a:t>
             </a:fld>
             <a:endParaRPr kumimoji="1" lang="ja-JP" altLang="en-US"/>
           </a:p>
@@ -15276,7 +15276,7 @@
             <a:fld id="{E90ED720-0104-4369-84BC-D37694168613}" type="datetimeFigureOut">
               <a:rPr kumimoji="1" lang="ja-JP" altLang="en-US" smtClean="0"/>
               <a:pPr/>
-              <a:t>2014/11/14</a:t>
+              <a:t>2014/11/17</a:t>
             </a:fld>
             <a:endParaRPr kumimoji="1" lang="ja-JP" altLang="en-US"/>
           </a:p>
@@ -15475,7 +15475,7 @@
             <a:fld id="{E90ED720-0104-4369-84BC-D37694168613}" type="datetimeFigureOut">
               <a:rPr kumimoji="1" lang="ja-JP" altLang="en-US" smtClean="0"/>
               <a:pPr/>
-              <a:t>2014/11/14</a:t>
+              <a:t>2014/11/17</a:t>
             </a:fld>
             <a:endParaRPr kumimoji="1" lang="ja-JP" altLang="en-US"/>
           </a:p>
@@ -15684,7 +15684,7 @@
             <a:fld id="{E90ED720-0104-4369-84BC-D37694168613}" type="datetimeFigureOut">
               <a:rPr kumimoji="1" lang="ja-JP" altLang="en-US" smtClean="0"/>
               <a:pPr/>
-              <a:t>2014/11/14</a:t>
+              <a:t>2014/11/17</a:t>
             </a:fld>
             <a:endParaRPr kumimoji="1" lang="ja-JP" altLang="en-US"/>
           </a:p>
@@ -15883,7 +15883,7 @@
             <a:fld id="{E90ED720-0104-4369-84BC-D37694168613}" type="datetimeFigureOut">
               <a:rPr kumimoji="1" lang="ja-JP" altLang="en-US" smtClean="0"/>
               <a:pPr/>
-              <a:t>2014/11/14</a:t>
+              <a:t>2014/11/17</a:t>
             </a:fld>
             <a:endParaRPr kumimoji="1" lang="ja-JP" altLang="en-US"/>
           </a:p>
@@ -16126,7 +16126,7 @@
             <a:fld id="{E90ED720-0104-4369-84BC-D37694168613}" type="datetimeFigureOut">
               <a:rPr kumimoji="1" lang="ja-JP" altLang="en-US" smtClean="0"/>
               <a:pPr/>
-              <a:t>2014/11/14</a:t>
+              <a:t>2014/11/17</a:t>
             </a:fld>
             <a:endParaRPr kumimoji="1" lang="ja-JP" altLang="en-US"/>
           </a:p>
@@ -16475,7 +16475,7 @@
             <a:fld id="{E90ED720-0104-4369-84BC-D37694168613}" type="datetimeFigureOut">
               <a:rPr kumimoji="1" lang="ja-JP" altLang="en-US" smtClean="0"/>
               <a:pPr/>
-              <a:t>2014/11/14</a:t>
+              <a:t>2014/11/17</a:t>
             </a:fld>
             <a:endParaRPr kumimoji="1" lang="ja-JP" altLang="en-US"/>
           </a:p>
@@ -16958,7 +16958,7 @@
             <a:fld id="{E90ED720-0104-4369-84BC-D37694168613}" type="datetimeFigureOut">
               <a:rPr kumimoji="1" lang="ja-JP" altLang="en-US" smtClean="0"/>
               <a:pPr/>
-              <a:t>2014/11/14</a:t>
+              <a:t>2014/11/17</a:t>
             </a:fld>
             <a:endParaRPr kumimoji="1" lang="ja-JP" altLang="en-US"/>
           </a:p>
@@ -17073,7 +17073,7 @@
             <a:fld id="{E90ED720-0104-4369-84BC-D37694168613}" type="datetimeFigureOut">
               <a:rPr kumimoji="1" lang="ja-JP" altLang="en-US" smtClean="0"/>
               <a:pPr/>
-              <a:t>2014/11/14</a:t>
+              <a:t>2014/11/17</a:t>
             </a:fld>
             <a:endParaRPr kumimoji="1" lang="ja-JP" altLang="en-US"/>
           </a:p>
@@ -17165,7 +17165,7 @@
             <a:fld id="{E90ED720-0104-4369-84BC-D37694168613}" type="datetimeFigureOut">
               <a:rPr kumimoji="1" lang="ja-JP" altLang="en-US" smtClean="0"/>
               <a:pPr/>
-              <a:t>2014/11/14</a:t>
+              <a:t>2014/11/17</a:t>
             </a:fld>
             <a:endParaRPr kumimoji="1" lang="ja-JP" altLang="en-US"/>
           </a:p>
@@ -17471,7 +17471,7 @@
             <a:fld id="{E90ED720-0104-4369-84BC-D37694168613}" type="datetimeFigureOut">
               <a:rPr kumimoji="1" lang="ja-JP" altLang="en-US" smtClean="0"/>
               <a:pPr/>
-              <a:t>2014/11/14</a:t>
+              <a:t>2014/11/17</a:t>
             </a:fld>
             <a:endParaRPr kumimoji="1" lang="ja-JP" altLang="en-US"/>
           </a:p>
@@ -17721,7 +17721,7 @@
             <a:fld id="{E90ED720-0104-4369-84BC-D37694168613}" type="datetimeFigureOut">
               <a:rPr kumimoji="1" lang="ja-JP" altLang="en-US" smtClean="0"/>
               <a:pPr/>
-              <a:t>2014/11/14</a:t>
+              <a:t>2014/11/17</a:t>
             </a:fld>
             <a:endParaRPr kumimoji="1" lang="ja-JP" altLang="en-US"/>
           </a:p>
@@ -17963,7 +17963,7 @@
             <a:fld id="{E90ED720-0104-4369-84BC-D37694168613}" type="datetimeFigureOut">
               <a:rPr kumimoji="1" lang="ja-JP" altLang="en-US" smtClean="0"/>
               <a:pPr/>
-              <a:t>2014/11/14</a:t>
+              <a:t>2014/11/17</a:t>
             </a:fld>
             <a:endParaRPr kumimoji="1" lang="ja-JP" altLang="en-US"/>
           </a:p>
@@ -21702,7 +21702,7 @@
             </a:r>
             <a:r>
               <a:rPr kumimoji="1" lang="en-US" altLang="ja-JP" dirty="0" smtClean="0"/>
-              <a:t>ver.5</a:t>
+              <a:t>ver.4</a:t>
             </a:r>
             <a:endParaRPr kumimoji="1" lang="ja-JP" altLang="en-US" dirty="0"/>
           </a:p>
@@ -21968,7 +21968,7 @@
             </a:r>
             <a:r>
               <a:rPr kumimoji="1" lang="en-US" altLang="ja-JP" dirty="0" smtClean="0"/>
-              <a:t>ver.5</a:t>
+              <a:t>ver.4</a:t>
             </a:r>
             <a:endParaRPr kumimoji="1" lang="ja-JP" altLang="en-US" dirty="0"/>
           </a:p>

--- a/PowerPoint/report_hokada.pptx
+++ b/PowerPoint/report_hokada.pptx
@@ -5,7 +5,7 @@
     <p:sldMasterId id="2147483648" r:id="rId1"/>
   </p:sldMasterIdLst>
   <p:notesMasterIdLst>
-    <p:notesMasterId r:id="rId11"/>
+    <p:notesMasterId r:id="rId17"/>
   </p:notesMasterIdLst>
   <p:sldIdLst>
     <p:sldId id="256" r:id="rId2"/>
@@ -17,6 +17,12 @@
     <p:sldId id="262" r:id="rId8"/>
     <p:sldId id="263" r:id="rId9"/>
     <p:sldId id="264" r:id="rId10"/>
+    <p:sldId id="265" r:id="rId11"/>
+    <p:sldId id="266" r:id="rId12"/>
+    <p:sldId id="267" r:id="rId13"/>
+    <p:sldId id="268" r:id="rId14"/>
+    <p:sldId id="269" r:id="rId15"/>
+    <p:sldId id="270" r:id="rId16"/>
   </p:sldIdLst>
   <p:sldSz cx="9144000" cy="6858000" type="screen4x3"/>
   <p:notesSz cx="6858000" cy="9144000"/>
@@ -3177,6 +3183,788 @@
   <dgm:styleLbl name="fgShp">
     <dgm:fillClrLst meth="repeat">
       <a:schemeClr val="accent2">
+        <a:tint val="40000"/>
+      </a:schemeClr>
+    </dgm:fillClrLst>
+    <dgm:linClrLst meth="repeat">
+      <a:schemeClr val="lt1"/>
+    </dgm:linClrLst>
+    <dgm:effectClrLst/>
+    <dgm:txLinClrLst/>
+    <dgm:txFillClrLst meth="repeat">
+      <a:schemeClr val="dk1"/>
+    </dgm:txFillClrLst>
+    <dgm:txEffectClrLst/>
+  </dgm:styleLbl>
+  <dgm:styleLbl name="revTx">
+    <dgm:fillClrLst meth="repeat">
+      <a:schemeClr val="lt1">
+        <a:alpha val="0"/>
+      </a:schemeClr>
+    </dgm:fillClrLst>
+    <dgm:linClrLst meth="repeat">
+      <a:schemeClr val="dk1">
+        <a:alpha val="0"/>
+      </a:schemeClr>
+    </dgm:linClrLst>
+    <dgm:effectClrLst/>
+    <dgm:txLinClrLst/>
+    <dgm:txFillClrLst meth="repeat">
+      <a:schemeClr val="tx1"/>
+    </dgm:txFillClrLst>
+    <dgm:txEffectClrLst/>
+  </dgm:styleLbl>
+</dgm:colorsDef>
+</file>
+
+<file path=ppt/diagrams/colors5.xml><?xml version="1.0" encoding="utf-8"?>
+<dgm:colorsDef xmlns:dgm="http://schemas.openxmlformats.org/drawingml/2006/diagram" xmlns:a="http://schemas.openxmlformats.org/drawingml/2006/main" uniqueId="urn:microsoft.com/office/officeart/2005/8/colors/colorful5">
+  <dgm:title val=""/>
+  <dgm:desc val=""/>
+  <dgm:catLst>
+    <dgm:cat type="colorful" pri="10500"/>
+  </dgm:catLst>
+  <dgm:styleLbl name="node0">
+    <dgm:fillClrLst meth="repeat">
+      <a:schemeClr val="accent4"/>
+    </dgm:fillClrLst>
+    <dgm:linClrLst meth="repeat">
+      <a:schemeClr val="lt1"/>
+    </dgm:linClrLst>
+    <dgm:effectClrLst/>
+    <dgm:txLinClrLst/>
+    <dgm:txFillClrLst/>
+    <dgm:txEffectClrLst/>
+  </dgm:styleLbl>
+  <dgm:styleLbl name="node1">
+    <dgm:fillClrLst>
+      <a:schemeClr val="accent5"/>
+      <a:schemeClr val="accent6"/>
+    </dgm:fillClrLst>
+    <dgm:linClrLst meth="repeat">
+      <a:schemeClr val="lt1"/>
+    </dgm:linClrLst>
+    <dgm:effectClrLst/>
+    <dgm:txLinClrLst/>
+    <dgm:txFillClrLst/>
+    <dgm:txEffectClrLst/>
+  </dgm:styleLbl>
+  <dgm:styleLbl name="alignNode1">
+    <dgm:fillClrLst>
+      <a:schemeClr val="accent5"/>
+      <a:schemeClr val="accent6"/>
+    </dgm:fillClrLst>
+    <dgm:linClrLst>
+      <a:schemeClr val="accent5"/>
+      <a:schemeClr val="accent6"/>
+    </dgm:linClrLst>
+    <dgm:effectClrLst/>
+    <dgm:txLinClrLst/>
+    <dgm:txFillClrLst/>
+    <dgm:txEffectClrLst/>
+  </dgm:styleLbl>
+  <dgm:styleLbl name="lnNode1">
+    <dgm:fillClrLst>
+      <a:schemeClr val="accent5"/>
+      <a:schemeClr val="accent6"/>
+    </dgm:fillClrLst>
+    <dgm:linClrLst meth="repeat">
+      <a:schemeClr val="lt1"/>
+    </dgm:linClrLst>
+    <dgm:effectClrLst/>
+    <dgm:txLinClrLst/>
+    <dgm:txFillClrLst/>
+    <dgm:txEffectClrLst/>
+  </dgm:styleLbl>
+  <dgm:styleLbl name="vennNode1">
+    <dgm:fillClrLst>
+      <a:schemeClr val="accent5">
+        <a:alpha val="50000"/>
+      </a:schemeClr>
+      <a:schemeClr val="accent6">
+        <a:alpha val="50000"/>
+      </a:schemeClr>
+    </dgm:fillClrLst>
+    <dgm:linClrLst meth="repeat">
+      <a:schemeClr val="lt1"/>
+    </dgm:linClrLst>
+    <dgm:effectClrLst/>
+    <dgm:txLinClrLst/>
+    <dgm:txFillClrLst/>
+    <dgm:txEffectClrLst/>
+  </dgm:styleLbl>
+  <dgm:styleLbl name="node2">
+    <dgm:fillClrLst>
+      <a:schemeClr val="accent6"/>
+    </dgm:fillClrLst>
+    <dgm:linClrLst meth="repeat">
+      <a:schemeClr val="lt1"/>
+    </dgm:linClrLst>
+    <dgm:effectClrLst/>
+    <dgm:txLinClrLst/>
+    <dgm:txFillClrLst/>
+    <dgm:txEffectClrLst/>
+  </dgm:styleLbl>
+  <dgm:styleLbl name="node3">
+    <dgm:fillClrLst>
+      <a:schemeClr val="accent1"/>
+    </dgm:fillClrLst>
+    <dgm:linClrLst meth="repeat">
+      <a:schemeClr val="lt1"/>
+    </dgm:linClrLst>
+    <dgm:effectClrLst/>
+    <dgm:txLinClrLst/>
+    <dgm:txFillClrLst/>
+    <dgm:txEffectClrLst/>
+  </dgm:styleLbl>
+  <dgm:styleLbl name="node4">
+    <dgm:fillClrLst>
+      <a:schemeClr val="accent2"/>
+    </dgm:fillClrLst>
+    <dgm:linClrLst meth="repeat">
+      <a:schemeClr val="lt1"/>
+    </dgm:linClrLst>
+    <dgm:effectClrLst/>
+    <dgm:txLinClrLst/>
+    <dgm:txFillClrLst/>
+    <dgm:txEffectClrLst/>
+  </dgm:styleLbl>
+  <dgm:styleLbl name="fgImgPlace1">
+    <dgm:fillClrLst>
+      <a:schemeClr val="accent5">
+        <a:tint val="50000"/>
+      </a:schemeClr>
+      <a:schemeClr val="accent6">
+        <a:tint val="50000"/>
+      </a:schemeClr>
+    </dgm:fillClrLst>
+    <dgm:linClrLst meth="repeat">
+      <a:schemeClr val="lt1"/>
+    </dgm:linClrLst>
+    <dgm:effectClrLst/>
+    <dgm:txLinClrLst/>
+    <dgm:txFillClrLst meth="repeat">
+      <a:schemeClr val="lt1"/>
+    </dgm:txFillClrLst>
+    <dgm:txEffectClrLst/>
+  </dgm:styleLbl>
+  <dgm:styleLbl name="alignImgPlace1">
+    <dgm:fillClrLst>
+      <a:schemeClr val="accent5">
+        <a:tint val="50000"/>
+      </a:schemeClr>
+      <a:schemeClr val="accent6">
+        <a:tint val="20000"/>
+      </a:schemeClr>
+    </dgm:fillClrLst>
+    <dgm:linClrLst meth="repeat">
+      <a:schemeClr val="lt1"/>
+    </dgm:linClrLst>
+    <dgm:effectClrLst/>
+    <dgm:txLinClrLst/>
+    <dgm:txFillClrLst meth="repeat">
+      <a:schemeClr val="lt1"/>
+    </dgm:txFillClrLst>
+    <dgm:txEffectClrLst/>
+  </dgm:styleLbl>
+  <dgm:styleLbl name="bgImgPlace1">
+    <dgm:fillClrLst>
+      <a:schemeClr val="accent5">
+        <a:tint val="50000"/>
+      </a:schemeClr>
+      <a:schemeClr val="accent6">
+        <a:tint val="20000"/>
+      </a:schemeClr>
+    </dgm:fillClrLst>
+    <dgm:linClrLst meth="repeat">
+      <a:schemeClr val="lt1"/>
+    </dgm:linClrLst>
+    <dgm:effectClrLst/>
+    <dgm:txLinClrLst/>
+    <dgm:txFillClrLst meth="repeat">
+      <a:schemeClr val="lt1"/>
+    </dgm:txFillClrLst>
+    <dgm:txEffectClrLst/>
+  </dgm:styleLbl>
+  <dgm:styleLbl name="sibTrans2D1">
+    <dgm:fillClrLst>
+      <a:schemeClr val="accent5"/>
+      <a:schemeClr val="accent6"/>
+    </dgm:fillClrLst>
+    <dgm:linClrLst meth="repeat">
+      <a:schemeClr val="lt1"/>
+    </dgm:linClrLst>
+    <dgm:effectClrLst/>
+    <dgm:txLinClrLst/>
+    <dgm:txFillClrLst/>
+    <dgm:txEffectClrLst/>
+  </dgm:styleLbl>
+  <dgm:styleLbl name="fgSibTrans2D1">
+    <dgm:fillClrLst>
+      <a:schemeClr val="accent5"/>
+      <a:schemeClr val="accent6"/>
+    </dgm:fillClrLst>
+    <dgm:linClrLst meth="repeat">
+      <a:schemeClr val="lt1"/>
+    </dgm:linClrLst>
+    <dgm:effectClrLst/>
+    <dgm:txLinClrLst/>
+    <dgm:txFillClrLst meth="repeat">
+      <a:schemeClr val="lt1"/>
+    </dgm:txFillClrLst>
+    <dgm:txEffectClrLst/>
+  </dgm:styleLbl>
+  <dgm:styleLbl name="bgSibTrans2D1">
+    <dgm:fillClrLst>
+      <a:schemeClr val="accent5"/>
+      <a:schemeClr val="accent6"/>
+    </dgm:fillClrLst>
+    <dgm:linClrLst meth="repeat">
+      <a:schemeClr val="lt1"/>
+    </dgm:linClrLst>
+    <dgm:effectClrLst/>
+    <dgm:txLinClrLst/>
+    <dgm:txFillClrLst meth="repeat">
+      <a:schemeClr val="lt1"/>
+    </dgm:txFillClrLst>
+    <dgm:txEffectClrLst/>
+  </dgm:styleLbl>
+  <dgm:styleLbl name="sibTrans1D1">
+    <dgm:fillClrLst/>
+    <dgm:linClrLst>
+      <a:schemeClr val="accent5"/>
+      <a:schemeClr val="accent6"/>
+    </dgm:linClrLst>
+    <dgm:effectClrLst/>
+    <dgm:txLinClrLst/>
+    <dgm:txFillClrLst meth="repeat">
+      <a:schemeClr val="tx1"/>
+    </dgm:txFillClrLst>
+    <dgm:txEffectClrLst/>
+  </dgm:styleLbl>
+  <dgm:styleLbl name="callout">
+    <dgm:fillClrLst meth="repeat">
+      <a:schemeClr val="accent5"/>
+    </dgm:fillClrLst>
+    <dgm:linClrLst meth="repeat">
+      <a:schemeClr val="accent5">
+        <a:tint val="50000"/>
+      </a:schemeClr>
+    </dgm:linClrLst>
+    <dgm:effectClrLst/>
+    <dgm:txLinClrLst/>
+    <dgm:txFillClrLst meth="repeat">
+      <a:schemeClr val="tx1"/>
+    </dgm:txFillClrLst>
+    <dgm:txEffectClrLst/>
+  </dgm:styleLbl>
+  <dgm:styleLbl name="asst0">
+    <dgm:fillClrLst meth="repeat">
+      <a:schemeClr val="accent5"/>
+    </dgm:fillClrLst>
+    <dgm:linClrLst meth="repeat">
+      <a:schemeClr val="lt1">
+        <a:shade val="80000"/>
+      </a:schemeClr>
+    </dgm:linClrLst>
+    <dgm:effectClrLst/>
+    <dgm:txLinClrLst/>
+    <dgm:txFillClrLst/>
+    <dgm:txEffectClrLst/>
+  </dgm:styleLbl>
+  <dgm:styleLbl name="asst1">
+    <dgm:fillClrLst meth="repeat">
+      <a:schemeClr val="accent6"/>
+    </dgm:fillClrLst>
+    <dgm:linClrLst meth="repeat">
+      <a:schemeClr val="lt1">
+        <a:shade val="80000"/>
+      </a:schemeClr>
+    </dgm:linClrLst>
+    <dgm:effectClrLst/>
+    <dgm:txLinClrLst/>
+    <dgm:txFillClrLst/>
+    <dgm:txEffectClrLst/>
+  </dgm:styleLbl>
+  <dgm:styleLbl name="asst2">
+    <dgm:fillClrLst>
+      <a:schemeClr val="accent1"/>
+    </dgm:fillClrLst>
+    <dgm:linClrLst meth="repeat">
+      <a:schemeClr val="lt1"/>
+    </dgm:linClrLst>
+    <dgm:effectClrLst/>
+    <dgm:txLinClrLst/>
+    <dgm:txFillClrLst/>
+    <dgm:txEffectClrLst/>
+  </dgm:styleLbl>
+  <dgm:styleLbl name="asst3">
+    <dgm:fillClrLst>
+      <a:schemeClr val="accent2"/>
+    </dgm:fillClrLst>
+    <dgm:linClrLst meth="repeat">
+      <a:schemeClr val="lt1"/>
+    </dgm:linClrLst>
+    <dgm:effectClrLst/>
+    <dgm:txLinClrLst/>
+    <dgm:txFillClrLst/>
+    <dgm:txEffectClrLst/>
+  </dgm:styleLbl>
+  <dgm:styleLbl name="asst4">
+    <dgm:fillClrLst>
+      <a:schemeClr val="accent3"/>
+    </dgm:fillClrLst>
+    <dgm:linClrLst meth="repeat">
+      <a:schemeClr val="lt1"/>
+    </dgm:linClrLst>
+    <dgm:effectClrLst/>
+    <dgm:txLinClrLst/>
+    <dgm:txFillClrLst/>
+    <dgm:txEffectClrLst/>
+  </dgm:styleLbl>
+  <dgm:styleLbl name="parChTrans2D1">
+    <dgm:fillClrLst meth="repeat">
+      <a:schemeClr val="accent5"/>
+    </dgm:fillClrLst>
+    <dgm:linClrLst meth="repeat">
+      <a:schemeClr val="lt1"/>
+    </dgm:linClrLst>
+    <dgm:effectClrLst/>
+    <dgm:txLinClrLst/>
+    <dgm:txFillClrLst meth="repeat">
+      <a:schemeClr val="lt1"/>
+    </dgm:txFillClrLst>
+    <dgm:txEffectClrLst/>
+  </dgm:styleLbl>
+  <dgm:styleLbl name="parChTrans2D2">
+    <dgm:fillClrLst meth="repeat">
+      <a:schemeClr val="accent6"/>
+    </dgm:fillClrLst>
+    <dgm:linClrLst meth="repeat">
+      <a:schemeClr val="lt1"/>
+    </dgm:linClrLst>
+    <dgm:effectClrLst/>
+    <dgm:txLinClrLst/>
+    <dgm:txFillClrLst/>
+    <dgm:txEffectClrLst/>
+  </dgm:styleLbl>
+  <dgm:styleLbl name="parChTrans2D3">
+    <dgm:fillClrLst meth="repeat">
+      <a:schemeClr val="accent6"/>
+    </dgm:fillClrLst>
+    <dgm:linClrLst meth="repeat">
+      <a:schemeClr val="lt1"/>
+    </dgm:linClrLst>
+    <dgm:effectClrLst/>
+    <dgm:txLinClrLst/>
+    <dgm:txFillClrLst/>
+    <dgm:txEffectClrLst/>
+  </dgm:styleLbl>
+  <dgm:styleLbl name="parChTrans2D4">
+    <dgm:fillClrLst meth="repeat">
+      <a:schemeClr val="accent1"/>
+    </dgm:fillClrLst>
+    <dgm:linClrLst meth="repeat">
+      <a:schemeClr val="lt1"/>
+    </dgm:linClrLst>
+    <dgm:effectClrLst/>
+    <dgm:txLinClrLst/>
+    <dgm:txFillClrLst meth="repeat">
+      <a:schemeClr val="lt1"/>
+    </dgm:txFillClrLst>
+    <dgm:txEffectClrLst/>
+  </dgm:styleLbl>
+  <dgm:styleLbl name="parChTrans1D1">
+    <dgm:fillClrLst meth="repeat">
+      <a:schemeClr val="accent5"/>
+    </dgm:fillClrLst>
+    <dgm:linClrLst meth="repeat">
+      <a:schemeClr val="accent5"/>
+    </dgm:linClrLst>
+    <dgm:effectClrLst/>
+    <dgm:txLinClrLst/>
+    <dgm:txFillClrLst meth="repeat">
+      <a:schemeClr val="tx1"/>
+    </dgm:txFillClrLst>
+    <dgm:txEffectClrLst/>
+  </dgm:styleLbl>
+  <dgm:styleLbl name="parChTrans1D2">
+    <dgm:fillClrLst meth="repeat">
+      <a:schemeClr val="accent6">
+        <a:tint val="90000"/>
+      </a:schemeClr>
+    </dgm:fillClrLst>
+    <dgm:linClrLst meth="repeat">
+      <a:schemeClr val="accent6"/>
+    </dgm:linClrLst>
+    <dgm:effectClrLst/>
+    <dgm:txLinClrLst/>
+    <dgm:txFillClrLst meth="repeat">
+      <a:schemeClr val="tx1"/>
+    </dgm:txFillClrLst>
+    <dgm:txEffectClrLst/>
+  </dgm:styleLbl>
+  <dgm:styleLbl name="parChTrans1D3">
+    <dgm:fillClrLst meth="repeat">
+      <a:schemeClr val="accent6">
+        <a:tint val="70000"/>
+      </a:schemeClr>
+    </dgm:fillClrLst>
+    <dgm:linClrLst meth="repeat">
+      <a:schemeClr val="accent1"/>
+    </dgm:linClrLst>
+    <dgm:effectClrLst/>
+    <dgm:txLinClrLst/>
+    <dgm:txFillClrLst meth="repeat">
+      <a:schemeClr val="tx1"/>
+    </dgm:txFillClrLst>
+    <dgm:txEffectClrLst/>
+  </dgm:styleLbl>
+  <dgm:styleLbl name="parChTrans1D4">
+    <dgm:fillClrLst meth="repeat">
+      <a:schemeClr val="accent6">
+        <a:tint val="50000"/>
+      </a:schemeClr>
+    </dgm:fillClrLst>
+    <dgm:linClrLst meth="repeat">
+      <a:schemeClr val="accent2"/>
+    </dgm:linClrLst>
+    <dgm:effectClrLst/>
+    <dgm:txLinClrLst/>
+    <dgm:txFillClrLst meth="repeat">
+      <a:schemeClr val="tx1"/>
+    </dgm:txFillClrLst>
+    <dgm:txEffectClrLst/>
+  </dgm:styleLbl>
+  <dgm:styleLbl name="fgAcc1">
+    <dgm:fillClrLst meth="repeat">
+      <a:schemeClr val="lt1">
+        <a:alpha val="90000"/>
+      </a:schemeClr>
+    </dgm:fillClrLst>
+    <dgm:linClrLst>
+      <a:schemeClr val="accent5"/>
+      <a:schemeClr val="accent6"/>
+    </dgm:linClrLst>
+    <dgm:effectClrLst/>
+    <dgm:txLinClrLst/>
+    <dgm:txFillClrLst meth="repeat">
+      <a:schemeClr val="dk1"/>
+    </dgm:txFillClrLst>
+    <dgm:txEffectClrLst/>
+  </dgm:styleLbl>
+  <dgm:styleLbl name="conFgAcc1">
+    <dgm:fillClrLst meth="repeat">
+      <a:schemeClr val="lt1">
+        <a:alpha val="90000"/>
+      </a:schemeClr>
+    </dgm:fillClrLst>
+    <dgm:linClrLst>
+      <a:schemeClr val="accent5"/>
+      <a:schemeClr val="accent6"/>
+    </dgm:linClrLst>
+    <dgm:effectClrLst/>
+    <dgm:txLinClrLst/>
+    <dgm:txFillClrLst meth="repeat">
+      <a:schemeClr val="dk1"/>
+    </dgm:txFillClrLst>
+    <dgm:txEffectClrLst/>
+  </dgm:styleLbl>
+  <dgm:styleLbl name="alignAcc1">
+    <dgm:fillClrLst meth="repeat">
+      <a:schemeClr val="lt1">
+        <a:alpha val="90000"/>
+      </a:schemeClr>
+    </dgm:fillClrLst>
+    <dgm:linClrLst>
+      <a:schemeClr val="accent5"/>
+      <a:schemeClr val="accent6"/>
+    </dgm:linClrLst>
+    <dgm:effectClrLst/>
+    <dgm:txLinClrLst/>
+    <dgm:txFillClrLst meth="repeat">
+      <a:schemeClr val="dk1"/>
+    </dgm:txFillClrLst>
+    <dgm:txEffectClrLst/>
+  </dgm:styleLbl>
+  <dgm:styleLbl name="trAlignAcc1">
+    <dgm:fillClrLst meth="repeat">
+      <a:schemeClr val="lt1">
+        <a:alpha val="40000"/>
+      </a:schemeClr>
+    </dgm:fillClrLst>
+    <dgm:linClrLst meth="repeat">
+      <a:schemeClr val="accent5"/>
+    </dgm:linClrLst>
+    <dgm:effectClrLst/>
+    <dgm:txLinClrLst/>
+    <dgm:txFillClrLst meth="repeat">
+      <a:schemeClr val="dk1"/>
+    </dgm:txFillClrLst>
+    <dgm:txEffectClrLst/>
+  </dgm:styleLbl>
+  <dgm:styleLbl name="bgAcc1">
+    <dgm:fillClrLst meth="repeat">
+      <a:schemeClr val="lt1">
+        <a:alpha val="90000"/>
+      </a:schemeClr>
+    </dgm:fillClrLst>
+    <dgm:linClrLst>
+      <a:schemeClr val="accent5"/>
+      <a:schemeClr val="accent6"/>
+    </dgm:linClrLst>
+    <dgm:effectClrLst/>
+    <dgm:txLinClrLst/>
+    <dgm:txFillClrLst meth="repeat">
+      <a:schemeClr val="dk1"/>
+    </dgm:txFillClrLst>
+    <dgm:txEffectClrLst/>
+  </dgm:styleLbl>
+  <dgm:styleLbl name="solidFgAcc1">
+    <dgm:fillClrLst meth="repeat">
+      <a:schemeClr val="lt1"/>
+    </dgm:fillClrLst>
+    <dgm:linClrLst>
+      <a:schemeClr val="accent5"/>
+      <a:schemeClr val="accent6"/>
+    </dgm:linClrLst>
+    <dgm:effectClrLst/>
+    <dgm:txLinClrLst/>
+    <dgm:txFillClrLst meth="repeat">
+      <a:schemeClr val="dk1"/>
+    </dgm:txFillClrLst>
+    <dgm:txEffectClrLst/>
+  </dgm:styleLbl>
+  <dgm:styleLbl name="solidAlignAcc1">
+    <dgm:fillClrLst meth="repeat">
+      <a:schemeClr val="lt1"/>
+    </dgm:fillClrLst>
+    <dgm:linClrLst>
+      <a:schemeClr val="accent5"/>
+      <a:schemeClr val="accent6"/>
+    </dgm:linClrLst>
+    <dgm:effectClrLst/>
+    <dgm:txLinClrLst/>
+    <dgm:txFillClrLst meth="repeat">
+      <a:schemeClr val="dk1"/>
+    </dgm:txFillClrLst>
+    <dgm:txEffectClrLst/>
+  </dgm:styleLbl>
+  <dgm:styleLbl name="solidBgAcc1">
+    <dgm:fillClrLst meth="repeat">
+      <a:schemeClr val="lt1"/>
+    </dgm:fillClrLst>
+    <dgm:linClrLst>
+      <a:schemeClr val="accent5"/>
+      <a:schemeClr val="accent6"/>
+    </dgm:linClrLst>
+    <dgm:effectClrLst/>
+    <dgm:txLinClrLst/>
+    <dgm:txFillClrLst meth="repeat">
+      <a:schemeClr val="dk1"/>
+    </dgm:txFillClrLst>
+    <dgm:txEffectClrLst/>
+  </dgm:styleLbl>
+  <dgm:styleLbl name="fgAccFollowNode1">
+    <dgm:fillClrLst>
+      <a:schemeClr val="accent5">
+        <a:tint val="40000"/>
+        <a:alpha val="90000"/>
+      </a:schemeClr>
+      <a:schemeClr val="accent6">
+        <a:tint val="40000"/>
+        <a:alpha val="90000"/>
+      </a:schemeClr>
+    </dgm:fillClrLst>
+    <dgm:linClrLst>
+      <a:schemeClr val="accent5">
+        <a:tint val="40000"/>
+        <a:alpha val="90000"/>
+      </a:schemeClr>
+      <a:schemeClr val="accent5">
+        <a:tint val="40000"/>
+        <a:alpha val="90000"/>
+      </a:schemeClr>
+    </dgm:linClrLst>
+    <dgm:effectClrLst/>
+    <dgm:txLinClrLst/>
+    <dgm:txFillClrLst meth="repeat">
+      <a:schemeClr val="dk1"/>
+    </dgm:txFillClrLst>
+    <dgm:txEffectClrLst/>
+  </dgm:styleLbl>
+  <dgm:styleLbl name="alignAccFollowNode1">
+    <dgm:fillClrLst>
+      <a:schemeClr val="accent5">
+        <a:tint val="40000"/>
+        <a:alpha val="90000"/>
+      </a:schemeClr>
+      <a:schemeClr val="accent6">
+        <a:tint val="40000"/>
+        <a:alpha val="90000"/>
+      </a:schemeClr>
+    </dgm:fillClrLst>
+    <dgm:linClrLst>
+      <a:schemeClr val="accent5">
+        <a:tint val="40000"/>
+        <a:alpha val="90000"/>
+      </a:schemeClr>
+      <a:schemeClr val="accent6">
+        <a:tint val="40000"/>
+        <a:alpha val="90000"/>
+      </a:schemeClr>
+    </dgm:linClrLst>
+    <dgm:effectClrLst/>
+    <dgm:txLinClrLst/>
+    <dgm:txFillClrLst meth="repeat">
+      <a:schemeClr val="dk1"/>
+    </dgm:txFillClrLst>
+    <dgm:txEffectClrLst/>
+  </dgm:styleLbl>
+  <dgm:styleLbl name="bgAccFollowNode1">
+    <dgm:fillClrLst>
+      <a:schemeClr val="accent5">
+        <a:tint val="40000"/>
+        <a:alpha val="90000"/>
+      </a:schemeClr>
+      <a:schemeClr val="accent6">
+        <a:tint val="40000"/>
+        <a:alpha val="90000"/>
+      </a:schemeClr>
+    </dgm:fillClrLst>
+    <dgm:linClrLst>
+      <a:schemeClr val="accent5">
+        <a:tint val="40000"/>
+        <a:alpha val="90000"/>
+      </a:schemeClr>
+      <a:schemeClr val="accent6">
+        <a:tint val="40000"/>
+        <a:alpha val="90000"/>
+      </a:schemeClr>
+    </dgm:linClrLst>
+    <dgm:effectClrLst/>
+    <dgm:txLinClrLst/>
+    <dgm:txFillClrLst meth="repeat">
+      <a:schemeClr val="dk1"/>
+    </dgm:txFillClrLst>
+    <dgm:txEffectClrLst/>
+  </dgm:styleLbl>
+  <dgm:styleLbl name="fgAcc0">
+    <dgm:fillClrLst meth="repeat">
+      <a:schemeClr val="lt1">
+        <a:alpha val="90000"/>
+      </a:schemeClr>
+    </dgm:fillClrLst>
+    <dgm:linClrLst>
+      <a:schemeClr val="accent4"/>
+    </dgm:linClrLst>
+    <dgm:effectClrLst/>
+    <dgm:txLinClrLst/>
+    <dgm:txFillClrLst meth="repeat">
+      <a:schemeClr val="dk1"/>
+    </dgm:txFillClrLst>
+    <dgm:txEffectClrLst/>
+  </dgm:styleLbl>
+  <dgm:styleLbl name="fgAcc2">
+    <dgm:fillClrLst meth="repeat">
+      <a:schemeClr val="lt1">
+        <a:alpha val="90000"/>
+      </a:schemeClr>
+    </dgm:fillClrLst>
+    <dgm:linClrLst>
+      <a:schemeClr val="accent6"/>
+    </dgm:linClrLst>
+    <dgm:effectClrLst/>
+    <dgm:txLinClrLst/>
+    <dgm:txFillClrLst meth="repeat">
+      <a:schemeClr val="dk1"/>
+    </dgm:txFillClrLst>
+    <dgm:txEffectClrLst/>
+  </dgm:styleLbl>
+  <dgm:styleLbl name="fgAcc3">
+    <dgm:fillClrLst meth="repeat">
+      <a:schemeClr val="lt1">
+        <a:alpha val="90000"/>
+      </a:schemeClr>
+    </dgm:fillClrLst>
+    <dgm:linClrLst>
+      <a:schemeClr val="accent1"/>
+    </dgm:linClrLst>
+    <dgm:effectClrLst/>
+    <dgm:txLinClrLst/>
+    <dgm:txFillClrLst meth="repeat">
+      <a:schemeClr val="dk1"/>
+    </dgm:txFillClrLst>
+    <dgm:txEffectClrLst/>
+  </dgm:styleLbl>
+  <dgm:styleLbl name="fgAcc4">
+    <dgm:fillClrLst meth="repeat">
+      <a:schemeClr val="lt1">
+        <a:alpha val="90000"/>
+      </a:schemeClr>
+    </dgm:fillClrLst>
+    <dgm:linClrLst>
+      <a:schemeClr val="accent2"/>
+    </dgm:linClrLst>
+    <dgm:effectClrLst/>
+    <dgm:txLinClrLst/>
+    <dgm:txFillClrLst meth="repeat">
+      <a:schemeClr val="dk1"/>
+    </dgm:txFillClrLst>
+    <dgm:txEffectClrLst/>
+  </dgm:styleLbl>
+  <dgm:styleLbl name="bgShp">
+    <dgm:fillClrLst meth="repeat">
+      <a:schemeClr val="accent5">
+        <a:tint val="40000"/>
+      </a:schemeClr>
+    </dgm:fillClrLst>
+    <dgm:linClrLst meth="repeat">
+      <a:schemeClr val="dk1"/>
+    </dgm:linClrLst>
+    <dgm:effectClrLst/>
+    <dgm:txLinClrLst/>
+    <dgm:txFillClrLst meth="repeat">
+      <a:schemeClr val="dk1"/>
+    </dgm:txFillClrLst>
+    <dgm:txEffectClrLst/>
+  </dgm:styleLbl>
+  <dgm:styleLbl name="dkBgShp">
+    <dgm:fillClrLst meth="repeat">
+      <a:schemeClr val="accent5">
+        <a:shade val="90000"/>
+      </a:schemeClr>
+    </dgm:fillClrLst>
+    <dgm:linClrLst meth="repeat">
+      <a:schemeClr val="dk1"/>
+    </dgm:linClrLst>
+    <dgm:effectClrLst/>
+    <dgm:txLinClrLst/>
+    <dgm:txFillClrLst meth="repeat">
+      <a:schemeClr val="lt1"/>
+    </dgm:txFillClrLst>
+    <dgm:txEffectClrLst/>
+  </dgm:styleLbl>
+  <dgm:styleLbl name="trBgShp">
+    <dgm:fillClrLst meth="repeat">
+      <a:schemeClr val="accent5">
+        <a:tint val="50000"/>
+        <a:alpha val="40000"/>
+      </a:schemeClr>
+    </dgm:fillClrLst>
+    <dgm:linClrLst meth="repeat">
+      <a:schemeClr val="accent5"/>
+    </dgm:linClrLst>
+    <dgm:effectClrLst/>
+    <dgm:txLinClrLst/>
+    <dgm:txFillClrLst meth="repeat">
+      <a:schemeClr val="lt1"/>
+    </dgm:txFillClrLst>
+    <dgm:txEffectClrLst/>
+  </dgm:styleLbl>
+  <dgm:styleLbl name="fgShp">
+    <dgm:fillClrLst meth="repeat">
+      <a:schemeClr val="accent5">
         <a:tint val="40000"/>
       </a:schemeClr>
     </dgm:fillClrLst>
@@ -4357,6 +5145,271 @@
     <dgm:cxn modelId="{81AEDBB9-780B-417A-9053-43C14EF2539D}" type="presParOf" srcId="{870738DE-50B9-49A3-9A78-7C2B51BF5842}" destId="{897A66AF-11C1-4396-8E59-B142166A476F}" srcOrd="9" destOrd="0" presId="urn:microsoft.com/office/officeart/2005/8/layout/vProcess5"/>
     <dgm:cxn modelId="{15AE1B47-F855-4210-BE06-79F2FC923263}" type="presParOf" srcId="{870738DE-50B9-49A3-9A78-7C2B51BF5842}" destId="{3AB208E9-7FC4-4B99-A514-16B9C2602D1A}" srcOrd="10" destOrd="0" presId="urn:microsoft.com/office/officeart/2005/8/layout/vProcess5"/>
     <dgm:cxn modelId="{F3C8B69E-F62F-46A8-9FDF-94F6FE19ABF4}" type="presParOf" srcId="{870738DE-50B9-49A3-9A78-7C2B51BF5842}" destId="{12E063A8-6515-4288-9573-4019C9977CE5}" srcOrd="11" destOrd="0" presId="urn:microsoft.com/office/officeart/2005/8/layout/vProcess5"/>
+  </dgm:cxnLst>
+  <dgm:bg/>
+  <dgm:whole/>
+  <dgm:extLst>
+    <a:ext uri="http://schemas.microsoft.com/office/drawing/2008/diagram">
+      <dsp:dataModelExt xmlns:dsp="http://schemas.microsoft.com/office/drawing/2008/diagram" xmlns="" relId="rId6" minVer="http://schemas.openxmlformats.org/drawingml/2006/diagram"/>
+    </a:ext>
+  </dgm:extLst>
+</dgm:dataModel>
+</file>
+
+<file path=ppt/diagrams/data5.xml><?xml version="1.0" encoding="utf-8"?>
+<dgm:dataModel xmlns:dgm="http://schemas.openxmlformats.org/drawingml/2006/diagram" xmlns:a="http://schemas.openxmlformats.org/drawingml/2006/main">
+  <dgm:ptLst>
+    <dgm:pt modelId="{24E355AE-7F39-4B55-870F-2EE774EDA01A}" type="doc">
+      <dgm:prSet loTypeId="urn:microsoft.com/office/officeart/2005/8/layout/process2" loCatId="process" qsTypeId="urn:microsoft.com/office/officeart/2005/8/quickstyle/simple1" qsCatId="simple" csTypeId="urn:microsoft.com/office/officeart/2005/8/colors/colorful5" csCatId="colorful" phldr="1"/>
+      <dgm:spPr/>
+    </dgm:pt>
+    <dgm:pt modelId="{7DB8D309-F5AD-4713-A223-7E7CEF990F43}">
+      <dgm:prSet phldrT="[テキスト]" custT="1"/>
+      <dgm:spPr>
+        <a:solidFill>
+          <a:srgbClr val="92D050"/>
+        </a:solidFill>
+      </dgm:spPr>
+      <dgm:t>
+        <a:bodyPr/>
+        <a:lstStyle/>
+        <a:p>
+          <a:r>
+            <a:rPr kumimoji="1" lang="en-US" altLang="ja-JP" sz="3200" dirty="0" smtClean="0"/>
+            <a:t>View</a:t>
+          </a:r>
+          <a:endParaRPr kumimoji="1" lang="ja-JP" altLang="en-US" sz="3200" dirty="0"/>
+        </a:p>
+      </dgm:t>
+    </dgm:pt>
+    <dgm:pt modelId="{9552FCDE-5E35-44FE-9968-5BA5B9095752}" type="parTrans" cxnId="{4756A28F-B9C0-4760-90DC-39E56B045B27}">
+      <dgm:prSet/>
+      <dgm:spPr/>
+      <dgm:t>
+        <a:bodyPr/>
+        <a:lstStyle/>
+        <a:p>
+          <a:endParaRPr kumimoji="1" lang="ja-JP" altLang="en-US"/>
+        </a:p>
+      </dgm:t>
+    </dgm:pt>
+    <dgm:pt modelId="{CDCB47A9-9BBF-4EF3-BDAB-3598EEE4BB0E}" type="sibTrans" cxnId="{4756A28F-B9C0-4760-90DC-39E56B045B27}">
+      <dgm:prSet/>
+      <dgm:spPr>
+        <a:noFill/>
+        <a:ln>
+          <a:noFill/>
+        </a:ln>
+      </dgm:spPr>
+      <dgm:t>
+        <a:bodyPr/>
+        <a:lstStyle/>
+        <a:p>
+          <a:endParaRPr kumimoji="1" lang="ja-JP" altLang="en-US"/>
+        </a:p>
+      </dgm:t>
+    </dgm:pt>
+    <dgm:pt modelId="{3FC66FEA-F2EB-43DF-8348-E20CC060D3F2}">
+      <dgm:prSet phldrT="[テキスト]" custT="1"/>
+      <dgm:spPr>
+        <a:solidFill>
+          <a:srgbClr val="FFC000"/>
+        </a:solidFill>
+      </dgm:spPr>
+      <dgm:t>
+        <a:bodyPr/>
+        <a:lstStyle/>
+        <a:p>
+          <a:r>
+            <a:rPr kumimoji="1" lang="en-US" altLang="ja-JP" sz="3200" dirty="0" smtClean="0"/>
+            <a:t>Model</a:t>
+          </a:r>
+          <a:endParaRPr kumimoji="1" lang="ja-JP" altLang="en-US" sz="3200" dirty="0"/>
+        </a:p>
+      </dgm:t>
+    </dgm:pt>
+    <dgm:pt modelId="{D3BCB293-C8A7-4BE7-B75C-F9F81E47AA8A}" type="parTrans" cxnId="{B8D3C5E8-2662-4DF1-BB30-A1A146DEB9BC}">
+      <dgm:prSet/>
+      <dgm:spPr/>
+      <dgm:t>
+        <a:bodyPr/>
+        <a:lstStyle/>
+        <a:p>
+          <a:endParaRPr kumimoji="1" lang="ja-JP" altLang="en-US"/>
+        </a:p>
+      </dgm:t>
+    </dgm:pt>
+    <dgm:pt modelId="{18F4883B-E19D-47CB-AD87-F0C6033CA00E}" type="sibTrans" cxnId="{B8D3C5E8-2662-4DF1-BB30-A1A146DEB9BC}">
+      <dgm:prSet/>
+      <dgm:spPr/>
+      <dgm:t>
+        <a:bodyPr/>
+        <a:lstStyle/>
+        <a:p>
+          <a:endParaRPr kumimoji="1" lang="ja-JP" altLang="en-US"/>
+        </a:p>
+      </dgm:t>
+    </dgm:pt>
+    <dgm:pt modelId="{C30F128F-5FC6-4FB2-8E28-F3A6CA49493C}">
+      <dgm:prSet phldrT="[テキスト]" custT="1"/>
+      <dgm:spPr/>
+      <dgm:t>
+        <a:bodyPr/>
+        <a:lstStyle/>
+        <a:p>
+          <a:r>
+            <a:rPr kumimoji="1" lang="en-US" altLang="ja-JP" sz="2000" dirty="0" smtClean="0"/>
+            <a:t>Template</a:t>
+          </a:r>
+        </a:p>
+        <a:p>
+          <a:r>
+            <a:rPr kumimoji="1" lang="en-US" altLang="ja-JP" sz="2000" dirty="0" smtClean="0"/>
+            <a:t>(HTML)</a:t>
+          </a:r>
+          <a:endParaRPr kumimoji="1" lang="ja-JP" altLang="en-US" sz="2000" dirty="0"/>
+        </a:p>
+      </dgm:t>
+    </dgm:pt>
+    <dgm:pt modelId="{1181AF34-004D-4230-B511-69E383AE5B9A}" type="sibTrans" cxnId="{01E87A44-6414-46CD-A591-4C7FC2204524}">
+      <dgm:prSet/>
+      <dgm:spPr/>
+      <dgm:t>
+        <a:bodyPr/>
+        <a:lstStyle/>
+        <a:p>
+          <a:endParaRPr kumimoji="1" lang="ja-JP" altLang="en-US"/>
+        </a:p>
+      </dgm:t>
+    </dgm:pt>
+    <dgm:pt modelId="{E391476E-2D1C-48FE-8A1A-985C75082D05}" type="parTrans" cxnId="{01E87A44-6414-46CD-A591-4C7FC2204524}">
+      <dgm:prSet/>
+      <dgm:spPr/>
+      <dgm:t>
+        <a:bodyPr/>
+        <a:lstStyle/>
+        <a:p>
+          <a:endParaRPr kumimoji="1" lang="ja-JP" altLang="en-US"/>
+        </a:p>
+      </dgm:t>
+    </dgm:pt>
+    <dgm:pt modelId="{8A2EDBEC-4208-4DA0-B355-1EEFECC04BA4}" type="pres">
+      <dgm:prSet presAssocID="{24E355AE-7F39-4B55-870F-2EE774EDA01A}" presName="linearFlow" presStyleCnt="0">
+        <dgm:presLayoutVars>
+          <dgm:resizeHandles val="exact"/>
+        </dgm:presLayoutVars>
+      </dgm:prSet>
+      <dgm:spPr/>
+    </dgm:pt>
+    <dgm:pt modelId="{3DC283DF-D7B0-4A65-A0D0-EB6E206D1F32}" type="pres">
+      <dgm:prSet presAssocID="{C30F128F-5FC6-4FB2-8E28-F3A6CA49493C}" presName="node" presStyleLbl="node1" presStyleIdx="0" presStyleCnt="3" custScaleX="292926" custScaleY="49637" custLinFactNeighborX="-7511" custLinFactNeighborY="4543">
+        <dgm:presLayoutVars>
+          <dgm:bulletEnabled val="1"/>
+        </dgm:presLayoutVars>
+      </dgm:prSet>
+      <dgm:spPr/>
+      <dgm:t>
+        <a:bodyPr/>
+        <a:lstStyle/>
+        <a:p>
+          <a:endParaRPr kumimoji="1" lang="ja-JP" altLang="en-US"/>
+        </a:p>
+      </dgm:t>
+    </dgm:pt>
+    <dgm:pt modelId="{221C45B9-0A70-4B8B-AC8A-BD7900775BE0}" type="pres">
+      <dgm:prSet presAssocID="{1181AF34-004D-4230-B511-69E383AE5B9A}" presName="sibTrans" presStyleLbl="sibTrans2D1" presStyleIdx="0" presStyleCnt="2" custScaleY="58003"/>
+      <dgm:spPr/>
+      <dgm:t>
+        <a:bodyPr/>
+        <a:lstStyle/>
+        <a:p>
+          <a:endParaRPr kumimoji="1" lang="ja-JP" altLang="en-US"/>
+        </a:p>
+      </dgm:t>
+    </dgm:pt>
+    <dgm:pt modelId="{8966A13B-CEF6-4C39-8E30-303821340200}" type="pres">
+      <dgm:prSet presAssocID="{1181AF34-004D-4230-B511-69E383AE5B9A}" presName="connectorText" presStyleLbl="sibTrans2D1" presStyleIdx="0" presStyleCnt="2"/>
+      <dgm:spPr/>
+      <dgm:t>
+        <a:bodyPr/>
+        <a:lstStyle/>
+        <a:p>
+          <a:endParaRPr kumimoji="1" lang="ja-JP" altLang="en-US"/>
+        </a:p>
+      </dgm:t>
+    </dgm:pt>
+    <dgm:pt modelId="{32096418-5AFE-43BA-A159-3E2DC8CFD86F}" type="pres">
+      <dgm:prSet presAssocID="{7DB8D309-F5AD-4713-A223-7E7CEF990F43}" presName="node" presStyleLbl="node1" presStyleIdx="1" presStyleCnt="3" custScaleX="292926" custScaleY="49637" custLinFactNeighborY="-33398">
+        <dgm:presLayoutVars>
+          <dgm:bulletEnabled val="1"/>
+        </dgm:presLayoutVars>
+      </dgm:prSet>
+      <dgm:spPr/>
+      <dgm:t>
+        <a:bodyPr/>
+        <a:lstStyle/>
+        <a:p>
+          <a:endParaRPr kumimoji="1" lang="ja-JP" altLang="en-US"/>
+        </a:p>
+      </dgm:t>
+    </dgm:pt>
+    <dgm:pt modelId="{47653CA6-9F03-4706-B05E-832520DDD624}" type="pres">
+      <dgm:prSet presAssocID="{CDCB47A9-9BBF-4EF3-BDAB-3598EEE4BB0E}" presName="sibTrans" presStyleLbl="sibTrans2D1" presStyleIdx="1" presStyleCnt="2"/>
+      <dgm:spPr/>
+      <dgm:t>
+        <a:bodyPr/>
+        <a:lstStyle/>
+        <a:p>
+          <a:endParaRPr kumimoji="1" lang="ja-JP" altLang="en-US"/>
+        </a:p>
+      </dgm:t>
+    </dgm:pt>
+    <dgm:pt modelId="{CC44C0AE-FDB2-46A8-8638-E24E6C6206AE}" type="pres">
+      <dgm:prSet presAssocID="{CDCB47A9-9BBF-4EF3-BDAB-3598EEE4BB0E}" presName="connectorText" presStyleLbl="sibTrans2D1" presStyleIdx="1" presStyleCnt="2"/>
+      <dgm:spPr/>
+      <dgm:t>
+        <a:bodyPr/>
+        <a:lstStyle/>
+        <a:p>
+          <a:endParaRPr kumimoji="1" lang="ja-JP" altLang="en-US"/>
+        </a:p>
+      </dgm:t>
+    </dgm:pt>
+    <dgm:pt modelId="{953DA09D-46E1-4BB7-A273-2C8123AEFA2D}" type="pres">
+      <dgm:prSet presAssocID="{3FC66FEA-F2EB-43DF-8348-E20CC060D3F2}" presName="node" presStyleLbl="node1" presStyleIdx="2" presStyleCnt="3" custScaleX="292926" custScaleY="49637">
+        <dgm:presLayoutVars>
+          <dgm:bulletEnabled val="1"/>
+        </dgm:presLayoutVars>
+      </dgm:prSet>
+      <dgm:spPr/>
+      <dgm:t>
+        <a:bodyPr/>
+        <a:lstStyle/>
+        <a:p>
+          <a:endParaRPr kumimoji="1" lang="ja-JP" altLang="en-US"/>
+        </a:p>
+      </dgm:t>
+    </dgm:pt>
+  </dgm:ptLst>
+  <dgm:cxnLst>
+    <dgm:cxn modelId="{76594931-0370-438F-A1CE-92EE2660464B}" type="presOf" srcId="{1181AF34-004D-4230-B511-69E383AE5B9A}" destId="{8966A13B-CEF6-4C39-8E30-303821340200}" srcOrd="1" destOrd="0" presId="urn:microsoft.com/office/officeart/2005/8/layout/process2"/>
+    <dgm:cxn modelId="{6953C7C0-CAA9-4900-908D-226A4B868C2A}" type="presOf" srcId="{C30F128F-5FC6-4FB2-8E28-F3A6CA49493C}" destId="{3DC283DF-D7B0-4A65-A0D0-EB6E206D1F32}" srcOrd="0" destOrd="0" presId="urn:microsoft.com/office/officeart/2005/8/layout/process2"/>
+    <dgm:cxn modelId="{A00F0C59-7FE0-4F05-9827-7739A71BFABA}" type="presOf" srcId="{CDCB47A9-9BBF-4EF3-BDAB-3598EEE4BB0E}" destId="{CC44C0AE-FDB2-46A8-8638-E24E6C6206AE}" srcOrd="1" destOrd="0" presId="urn:microsoft.com/office/officeart/2005/8/layout/process2"/>
+    <dgm:cxn modelId="{8318C85A-D6BB-4B9B-8F21-49DDFF09C69D}" type="presOf" srcId="{7DB8D309-F5AD-4713-A223-7E7CEF990F43}" destId="{32096418-5AFE-43BA-A159-3E2DC8CFD86F}" srcOrd="0" destOrd="0" presId="urn:microsoft.com/office/officeart/2005/8/layout/process2"/>
+    <dgm:cxn modelId="{B8D3C5E8-2662-4DF1-BB30-A1A146DEB9BC}" srcId="{24E355AE-7F39-4B55-870F-2EE774EDA01A}" destId="{3FC66FEA-F2EB-43DF-8348-E20CC060D3F2}" srcOrd="2" destOrd="0" parTransId="{D3BCB293-C8A7-4BE7-B75C-F9F81E47AA8A}" sibTransId="{18F4883B-E19D-47CB-AD87-F0C6033CA00E}"/>
+    <dgm:cxn modelId="{B210BBE0-1203-44D3-86E2-50F910295F13}" type="presOf" srcId="{1181AF34-004D-4230-B511-69E383AE5B9A}" destId="{221C45B9-0A70-4B8B-AC8A-BD7900775BE0}" srcOrd="0" destOrd="0" presId="urn:microsoft.com/office/officeart/2005/8/layout/process2"/>
+    <dgm:cxn modelId="{4756A28F-B9C0-4760-90DC-39E56B045B27}" srcId="{24E355AE-7F39-4B55-870F-2EE774EDA01A}" destId="{7DB8D309-F5AD-4713-A223-7E7CEF990F43}" srcOrd="1" destOrd="0" parTransId="{9552FCDE-5E35-44FE-9968-5BA5B9095752}" sibTransId="{CDCB47A9-9BBF-4EF3-BDAB-3598EEE4BB0E}"/>
+    <dgm:cxn modelId="{51301B46-C4C4-46D6-A1F8-28384D11B2E8}" type="presOf" srcId="{24E355AE-7F39-4B55-870F-2EE774EDA01A}" destId="{8A2EDBEC-4208-4DA0-B355-1EEFECC04BA4}" srcOrd="0" destOrd="0" presId="urn:microsoft.com/office/officeart/2005/8/layout/process2"/>
+    <dgm:cxn modelId="{18AE184D-C88F-4BDE-9712-FA3678849D7D}" type="presOf" srcId="{CDCB47A9-9BBF-4EF3-BDAB-3598EEE4BB0E}" destId="{47653CA6-9F03-4706-B05E-832520DDD624}" srcOrd="0" destOrd="0" presId="urn:microsoft.com/office/officeart/2005/8/layout/process2"/>
+    <dgm:cxn modelId="{01E87A44-6414-46CD-A591-4C7FC2204524}" srcId="{24E355AE-7F39-4B55-870F-2EE774EDA01A}" destId="{C30F128F-5FC6-4FB2-8E28-F3A6CA49493C}" srcOrd="0" destOrd="0" parTransId="{E391476E-2D1C-48FE-8A1A-985C75082D05}" sibTransId="{1181AF34-004D-4230-B511-69E383AE5B9A}"/>
+    <dgm:cxn modelId="{6A28D93B-0BF4-400A-B581-D48528DA8A9C}" type="presOf" srcId="{3FC66FEA-F2EB-43DF-8348-E20CC060D3F2}" destId="{953DA09D-46E1-4BB7-A273-2C8123AEFA2D}" srcOrd="0" destOrd="0" presId="urn:microsoft.com/office/officeart/2005/8/layout/process2"/>
+    <dgm:cxn modelId="{0A4DA18E-7964-4A2B-ABD8-FD5B8F8B8452}" type="presParOf" srcId="{8A2EDBEC-4208-4DA0-B355-1EEFECC04BA4}" destId="{3DC283DF-D7B0-4A65-A0D0-EB6E206D1F32}" srcOrd="0" destOrd="0" presId="urn:microsoft.com/office/officeart/2005/8/layout/process2"/>
+    <dgm:cxn modelId="{F94E3269-D11A-4DB6-A404-10699E940721}" type="presParOf" srcId="{8A2EDBEC-4208-4DA0-B355-1EEFECC04BA4}" destId="{221C45B9-0A70-4B8B-AC8A-BD7900775BE0}" srcOrd="1" destOrd="0" presId="urn:microsoft.com/office/officeart/2005/8/layout/process2"/>
+    <dgm:cxn modelId="{EB18A7B2-31A9-405B-8983-0504F8358A7E}" type="presParOf" srcId="{221C45B9-0A70-4B8B-AC8A-BD7900775BE0}" destId="{8966A13B-CEF6-4C39-8E30-303821340200}" srcOrd="0" destOrd="0" presId="urn:microsoft.com/office/officeart/2005/8/layout/process2"/>
+    <dgm:cxn modelId="{85A3FE13-DE44-492A-9D87-69CD9707A2B0}" type="presParOf" srcId="{8A2EDBEC-4208-4DA0-B355-1EEFECC04BA4}" destId="{32096418-5AFE-43BA-A159-3E2DC8CFD86F}" srcOrd="2" destOrd="0" presId="urn:microsoft.com/office/officeart/2005/8/layout/process2"/>
+    <dgm:cxn modelId="{A6739329-A4B9-4249-AD21-CDE302E6CFD3}" type="presParOf" srcId="{8A2EDBEC-4208-4DA0-B355-1EEFECC04BA4}" destId="{47653CA6-9F03-4706-B05E-832520DDD624}" srcOrd="3" destOrd="0" presId="urn:microsoft.com/office/officeart/2005/8/layout/process2"/>
+    <dgm:cxn modelId="{F65E56C9-482B-41C7-BBF7-792C29C9C09C}" type="presParOf" srcId="{47653CA6-9F03-4706-B05E-832520DDD624}" destId="{CC44C0AE-FDB2-46A8-8638-E24E6C6206AE}" srcOrd="0" destOrd="0" presId="urn:microsoft.com/office/officeart/2005/8/layout/process2"/>
+    <dgm:cxn modelId="{A810EF79-F9FC-48CE-9901-C42F41789BE8}" type="presParOf" srcId="{8A2EDBEC-4208-4DA0-B355-1EEFECC04BA4}" destId="{953DA09D-46E1-4BB7-A273-2C8123AEFA2D}" srcOrd="4" destOrd="0" presId="urn:microsoft.com/office/officeart/2005/8/layout/process2"/>
   </dgm:cxnLst>
   <dgm:bg/>
   <dgm:whole/>
@@ -5971,6 +7024,391 @@
       <dsp:txXfrm>
         <a:off x="5924457" y="2528452"/>
         <a:ext cx="525154" cy="525154"/>
+      </dsp:txXfrm>
+    </dsp:sp>
+  </dsp:spTree>
+</dsp:drawing>
+</file>
+
+<file path=ppt/diagrams/drawing5.xml><?xml version="1.0" encoding="utf-8"?>
+<dsp:drawing xmlns:dgm="http://schemas.openxmlformats.org/drawingml/2006/diagram" xmlns:a="http://schemas.openxmlformats.org/drawingml/2006/main" xmlns:dsp="http://schemas.microsoft.com/office/drawing/2008/diagram">
+  <dsp:spTree>
+    <dsp:nvGrpSpPr>
+      <dsp:cNvPr id="0" name=""/>
+      <dsp:cNvGrpSpPr/>
+    </dsp:nvGrpSpPr>
+    <dsp:grpSpPr/>
+    <dsp:sp modelId="{3DC283DF-D7B0-4A65-A0D0-EB6E206D1F32}">
+      <dsp:nvSpPr>
+        <dsp:cNvPr id="0" name=""/>
+        <dsp:cNvSpPr/>
+      </dsp:nvSpPr>
+      <dsp:spPr>
+        <a:xfrm>
+          <a:off x="0" y="72010"/>
+          <a:ext cx="2808312" cy="859914"/>
+        </a:xfrm>
+        <a:prstGeom prst="roundRect">
+          <a:avLst>
+            <a:gd name="adj" fmla="val 10000"/>
+          </a:avLst>
+        </a:prstGeom>
+        <a:solidFill>
+          <a:schemeClr val="accent5">
+            <a:hueOff val="0"/>
+            <a:satOff val="0"/>
+            <a:lumOff val="0"/>
+            <a:alphaOff val="0"/>
+          </a:schemeClr>
+        </a:solidFill>
+        <a:ln w="25400" cap="flat" cmpd="sng" algn="ctr">
+          <a:solidFill>
+            <a:schemeClr val="lt1">
+              <a:hueOff val="0"/>
+              <a:satOff val="0"/>
+              <a:lumOff val="0"/>
+              <a:alphaOff val="0"/>
+            </a:schemeClr>
+          </a:solidFill>
+          <a:prstDash val="solid"/>
+        </a:ln>
+        <a:effectLst/>
+      </dsp:spPr>
+      <dsp:style>
+        <a:lnRef idx="2">
+          <a:scrgbClr r="0" g="0" b="0"/>
+        </a:lnRef>
+        <a:fillRef idx="1">
+          <a:scrgbClr r="0" g="0" b="0"/>
+        </a:fillRef>
+        <a:effectRef idx="0">
+          <a:scrgbClr r="0" g="0" b="0"/>
+        </a:effectRef>
+        <a:fontRef idx="minor">
+          <a:schemeClr val="lt1"/>
+        </a:fontRef>
+      </dsp:style>
+      <dsp:txBody>
+        <a:bodyPr spcFirstLastPara="0" vert="horz" wrap="square" lIns="76200" tIns="76200" rIns="76200" bIns="76200" numCol="1" spcCol="1270" anchor="ctr" anchorCtr="0">
+          <a:noAutofit/>
+        </a:bodyPr>
+        <a:lstStyle/>
+        <a:p>
+          <a:pPr lvl="0" algn="ctr" defTabSz="889000">
+            <a:lnSpc>
+              <a:spcPct val="90000"/>
+            </a:lnSpc>
+            <a:spcBef>
+              <a:spcPct val="0"/>
+            </a:spcBef>
+            <a:spcAft>
+              <a:spcPct val="35000"/>
+            </a:spcAft>
+          </a:pPr>
+          <a:r>
+            <a:rPr kumimoji="1" lang="en-US" altLang="ja-JP" sz="2000" kern="1200" dirty="0" smtClean="0"/>
+            <a:t>Template</a:t>
+          </a:r>
+        </a:p>
+        <a:p>
+          <a:pPr lvl="0" algn="ctr" defTabSz="889000">
+            <a:lnSpc>
+              <a:spcPct val="90000"/>
+            </a:lnSpc>
+            <a:spcBef>
+              <a:spcPct val="0"/>
+            </a:spcBef>
+            <a:spcAft>
+              <a:spcPct val="35000"/>
+            </a:spcAft>
+          </a:pPr>
+          <a:r>
+            <a:rPr kumimoji="1" lang="en-US" altLang="ja-JP" sz="2000" kern="1200" dirty="0" smtClean="0"/>
+            <a:t>(HTML)</a:t>
+          </a:r>
+          <a:endParaRPr kumimoji="1" lang="ja-JP" altLang="en-US" sz="2000" kern="1200" dirty="0"/>
+        </a:p>
+      </dsp:txBody>
+      <dsp:txXfrm>
+        <a:off x="0" y="72010"/>
+        <a:ext cx="2808312" cy="859914"/>
+      </dsp:txXfrm>
+    </dsp:sp>
+    <dsp:sp modelId="{221C45B9-0A70-4B8B-AC8A-BD7900775BE0}">
+      <dsp:nvSpPr>
+        <dsp:cNvPr id="0" name=""/>
+        <dsp:cNvSpPr/>
+      </dsp:nvSpPr>
+      <dsp:spPr>
+        <a:xfrm rot="5400000">
+          <a:off x="1213256" y="960365"/>
+          <a:ext cx="381798" cy="452181"/>
+        </a:xfrm>
+        <a:prstGeom prst="rightArrow">
+          <a:avLst>
+            <a:gd name="adj1" fmla="val 60000"/>
+            <a:gd name="adj2" fmla="val 50000"/>
+          </a:avLst>
+        </a:prstGeom>
+        <a:solidFill>
+          <a:schemeClr val="accent5">
+            <a:hueOff val="0"/>
+            <a:satOff val="0"/>
+            <a:lumOff val="0"/>
+            <a:alphaOff val="0"/>
+          </a:schemeClr>
+        </a:solidFill>
+        <a:ln>
+          <a:noFill/>
+        </a:ln>
+        <a:effectLst/>
+      </dsp:spPr>
+      <dsp:style>
+        <a:lnRef idx="0">
+          <a:scrgbClr r="0" g="0" b="0"/>
+        </a:lnRef>
+        <a:fillRef idx="1">
+          <a:scrgbClr r="0" g="0" b="0"/>
+        </a:fillRef>
+        <a:effectRef idx="0">
+          <a:scrgbClr r="0" g="0" b="0"/>
+        </a:effectRef>
+        <a:fontRef idx="minor">
+          <a:schemeClr val="lt1"/>
+        </a:fontRef>
+      </dsp:style>
+      <dsp:txBody>
+        <a:bodyPr spcFirstLastPara="0" vert="horz" wrap="square" lIns="0" tIns="0" rIns="0" bIns="0" numCol="1" spcCol="1270" anchor="ctr" anchorCtr="0">
+          <a:noAutofit/>
+        </a:bodyPr>
+        <a:lstStyle/>
+        <a:p>
+          <a:pPr lvl="0" algn="ctr" defTabSz="844550">
+            <a:lnSpc>
+              <a:spcPct val="90000"/>
+            </a:lnSpc>
+            <a:spcBef>
+              <a:spcPct val="0"/>
+            </a:spcBef>
+            <a:spcAft>
+              <a:spcPct val="35000"/>
+            </a:spcAft>
+          </a:pPr>
+          <a:endParaRPr kumimoji="1" lang="ja-JP" altLang="en-US" sz="1900" kern="1200"/>
+        </a:p>
+      </dsp:txBody>
+      <dsp:txXfrm rot="5400000">
+        <a:off x="1213256" y="960365"/>
+        <a:ext cx="381798" cy="452181"/>
+      </dsp:txXfrm>
+    </dsp:sp>
+    <dsp:sp modelId="{32096418-5AFE-43BA-A159-3E2DC8CFD86F}">
+      <dsp:nvSpPr>
+        <dsp:cNvPr id="0" name=""/>
+        <dsp:cNvSpPr/>
+      </dsp:nvSpPr>
+      <dsp:spPr>
+        <a:xfrm>
+          <a:off x="0" y="1440988"/>
+          <a:ext cx="2808312" cy="859914"/>
+        </a:xfrm>
+        <a:prstGeom prst="roundRect">
+          <a:avLst>
+            <a:gd name="adj" fmla="val 10000"/>
+          </a:avLst>
+        </a:prstGeom>
+        <a:solidFill>
+          <a:srgbClr val="92D050"/>
+        </a:solidFill>
+        <a:ln w="25400" cap="flat" cmpd="sng" algn="ctr">
+          <a:solidFill>
+            <a:schemeClr val="lt1">
+              <a:hueOff val="0"/>
+              <a:satOff val="0"/>
+              <a:lumOff val="0"/>
+              <a:alphaOff val="0"/>
+            </a:schemeClr>
+          </a:solidFill>
+          <a:prstDash val="solid"/>
+        </a:ln>
+        <a:effectLst/>
+      </dsp:spPr>
+      <dsp:style>
+        <a:lnRef idx="2">
+          <a:scrgbClr r="0" g="0" b="0"/>
+        </a:lnRef>
+        <a:fillRef idx="1">
+          <a:scrgbClr r="0" g="0" b="0"/>
+        </a:fillRef>
+        <a:effectRef idx="0">
+          <a:scrgbClr r="0" g="0" b="0"/>
+        </a:effectRef>
+        <a:fontRef idx="minor">
+          <a:schemeClr val="lt1"/>
+        </a:fontRef>
+      </dsp:style>
+      <dsp:txBody>
+        <a:bodyPr spcFirstLastPara="0" vert="horz" wrap="square" lIns="121920" tIns="121920" rIns="121920" bIns="121920" numCol="1" spcCol="1270" anchor="ctr" anchorCtr="0">
+          <a:noAutofit/>
+        </a:bodyPr>
+        <a:lstStyle/>
+        <a:p>
+          <a:pPr lvl="0" algn="ctr" defTabSz="1422400">
+            <a:lnSpc>
+              <a:spcPct val="90000"/>
+            </a:lnSpc>
+            <a:spcBef>
+              <a:spcPct val="0"/>
+            </a:spcBef>
+            <a:spcAft>
+              <a:spcPct val="35000"/>
+            </a:spcAft>
+          </a:pPr>
+          <a:r>
+            <a:rPr kumimoji="1" lang="en-US" altLang="ja-JP" sz="3200" kern="1200" dirty="0" smtClean="0"/>
+            <a:t>View</a:t>
+          </a:r>
+          <a:endParaRPr kumimoji="1" lang="ja-JP" altLang="en-US" sz="3200" kern="1200" dirty="0"/>
+        </a:p>
+      </dsp:txBody>
+      <dsp:txXfrm>
+        <a:off x="0" y="1440988"/>
+        <a:ext cx="2808312" cy="859914"/>
+      </dsp:txXfrm>
+    </dsp:sp>
+    <dsp:sp modelId="{47653CA6-9F03-4706-B05E-832520DDD624}">
+      <dsp:nvSpPr>
+        <dsp:cNvPr id="0" name=""/>
+        <dsp:cNvSpPr/>
+      </dsp:nvSpPr>
+      <dsp:spPr>
+        <a:xfrm rot="5400000">
+          <a:off x="970844" y="2488859"/>
+          <a:ext cx="866622" cy="779582"/>
+        </a:xfrm>
+        <a:prstGeom prst="rightArrow">
+          <a:avLst>
+            <a:gd name="adj1" fmla="val 60000"/>
+            <a:gd name="adj2" fmla="val 50000"/>
+          </a:avLst>
+        </a:prstGeom>
+        <a:noFill/>
+        <a:ln>
+          <a:noFill/>
+        </a:ln>
+        <a:effectLst/>
+      </dsp:spPr>
+      <dsp:style>
+        <a:lnRef idx="0">
+          <a:scrgbClr r="0" g="0" b="0"/>
+        </a:lnRef>
+        <a:fillRef idx="1">
+          <a:scrgbClr r="0" g="0" b="0"/>
+        </a:fillRef>
+        <a:effectRef idx="0">
+          <a:scrgbClr r="0" g="0" b="0"/>
+        </a:effectRef>
+        <a:fontRef idx="minor">
+          <a:schemeClr val="lt1"/>
+        </a:fontRef>
+      </dsp:style>
+      <dsp:txBody>
+        <a:bodyPr spcFirstLastPara="0" vert="horz" wrap="square" lIns="0" tIns="0" rIns="0" bIns="0" numCol="1" spcCol="1270" anchor="ctr" anchorCtr="0">
+          <a:noAutofit/>
+        </a:bodyPr>
+        <a:lstStyle/>
+        <a:p>
+          <a:pPr lvl="0" algn="ctr" defTabSz="2000250">
+            <a:lnSpc>
+              <a:spcPct val="90000"/>
+            </a:lnSpc>
+            <a:spcBef>
+              <a:spcPct val="0"/>
+            </a:spcBef>
+            <a:spcAft>
+              <a:spcPct val="35000"/>
+            </a:spcAft>
+          </a:pPr>
+          <a:endParaRPr kumimoji="1" lang="ja-JP" altLang="en-US" sz="4500" kern="1200"/>
+        </a:p>
+      </dsp:txBody>
+      <dsp:txXfrm rot="5400000">
+        <a:off x="970844" y="2488859"/>
+        <a:ext cx="866622" cy="779582"/>
+      </dsp:txXfrm>
+    </dsp:sp>
+    <dsp:sp modelId="{953DA09D-46E1-4BB7-A273-2C8123AEFA2D}">
+      <dsp:nvSpPr>
+        <dsp:cNvPr id="0" name=""/>
+        <dsp:cNvSpPr/>
+      </dsp:nvSpPr>
+      <dsp:spPr>
+        <a:xfrm>
+          <a:off x="0" y="3456399"/>
+          <a:ext cx="2808312" cy="859914"/>
+        </a:xfrm>
+        <a:prstGeom prst="roundRect">
+          <a:avLst>
+            <a:gd name="adj" fmla="val 10000"/>
+          </a:avLst>
+        </a:prstGeom>
+        <a:solidFill>
+          <a:srgbClr val="FFC000"/>
+        </a:solidFill>
+        <a:ln w="25400" cap="flat" cmpd="sng" algn="ctr">
+          <a:solidFill>
+            <a:schemeClr val="lt1">
+              <a:hueOff val="0"/>
+              <a:satOff val="0"/>
+              <a:lumOff val="0"/>
+              <a:alphaOff val="0"/>
+            </a:schemeClr>
+          </a:solidFill>
+          <a:prstDash val="solid"/>
+        </a:ln>
+        <a:effectLst/>
+      </dsp:spPr>
+      <dsp:style>
+        <a:lnRef idx="2">
+          <a:scrgbClr r="0" g="0" b="0"/>
+        </a:lnRef>
+        <a:fillRef idx="1">
+          <a:scrgbClr r="0" g="0" b="0"/>
+        </a:fillRef>
+        <a:effectRef idx="0">
+          <a:scrgbClr r="0" g="0" b="0"/>
+        </a:effectRef>
+        <a:fontRef idx="minor">
+          <a:schemeClr val="lt1"/>
+        </a:fontRef>
+      </dsp:style>
+      <dsp:txBody>
+        <a:bodyPr spcFirstLastPara="0" vert="horz" wrap="square" lIns="121920" tIns="121920" rIns="121920" bIns="121920" numCol="1" spcCol="1270" anchor="ctr" anchorCtr="0">
+          <a:noAutofit/>
+        </a:bodyPr>
+        <a:lstStyle/>
+        <a:p>
+          <a:pPr lvl="0" algn="ctr" defTabSz="1422400">
+            <a:lnSpc>
+              <a:spcPct val="90000"/>
+            </a:lnSpc>
+            <a:spcBef>
+              <a:spcPct val="0"/>
+            </a:spcBef>
+            <a:spcAft>
+              <a:spcPct val="35000"/>
+            </a:spcAft>
+          </a:pPr>
+          <a:r>
+            <a:rPr kumimoji="1" lang="en-US" altLang="ja-JP" sz="3200" kern="1200" dirty="0" smtClean="0"/>
+            <a:t>Model</a:t>
+          </a:r>
+          <a:endParaRPr kumimoji="1" lang="ja-JP" altLang="en-US" sz="3200" kern="1200" dirty="0"/>
+        </a:p>
+      </dsp:txBody>
+      <dsp:txXfrm>
+        <a:off x="0" y="3456399"/>
+        <a:ext cx="2808312" cy="859914"/>
       </dsp:txXfrm>
     </dsp:sp>
   </dsp:spTree>
@@ -10098,6 +11536,155 @@
 </dgm:layoutDef>
 </file>
 
+<file path=ppt/diagrams/layout5.xml><?xml version="1.0" encoding="utf-8"?>
+<dgm:layoutDef xmlns:dgm="http://schemas.openxmlformats.org/drawingml/2006/diagram" xmlns:a="http://schemas.openxmlformats.org/drawingml/2006/main" uniqueId="urn:microsoft.com/office/officeart/2005/8/layout/process2">
+  <dgm:title val=""/>
+  <dgm:desc val=""/>
+  <dgm:catLst>
+    <dgm:cat type="process" pri="13000"/>
+  </dgm:catLst>
+  <dgm:sampData useDef="1">
+    <dgm:dataModel>
+      <dgm:ptLst/>
+      <dgm:bg/>
+      <dgm:whole/>
+    </dgm:dataModel>
+  </dgm:sampData>
+  <dgm:styleData>
+    <dgm:dataModel>
+      <dgm:ptLst>
+        <dgm:pt modelId="0" type="doc"/>
+        <dgm:pt modelId="1"/>
+        <dgm:pt modelId="2"/>
+      </dgm:ptLst>
+      <dgm:cxnLst>
+        <dgm:cxn modelId="3" srcId="0" destId="1" srcOrd="0" destOrd="0"/>
+        <dgm:cxn modelId="4" srcId="0" destId="2" srcOrd="1" destOrd="0"/>
+      </dgm:cxnLst>
+      <dgm:bg/>
+      <dgm:whole/>
+    </dgm:dataModel>
+  </dgm:styleData>
+  <dgm:clrData>
+    <dgm:dataModel>
+      <dgm:ptLst>
+        <dgm:pt modelId="0" type="doc"/>
+        <dgm:pt modelId="1"/>
+        <dgm:pt modelId="2"/>
+        <dgm:pt modelId="3"/>
+        <dgm:pt modelId="4"/>
+      </dgm:ptLst>
+      <dgm:cxnLst>
+        <dgm:cxn modelId="5" srcId="0" destId="1" srcOrd="0" destOrd="0"/>
+        <dgm:cxn modelId="6" srcId="0" destId="2" srcOrd="1" destOrd="0"/>
+        <dgm:cxn modelId="7" srcId="0" destId="3" srcOrd="2" destOrd="0"/>
+        <dgm:cxn modelId="8" srcId="0" destId="4" srcOrd="3" destOrd="0"/>
+      </dgm:cxnLst>
+      <dgm:bg/>
+      <dgm:whole/>
+    </dgm:dataModel>
+  </dgm:clrData>
+  <dgm:layoutNode name="linearFlow">
+    <dgm:varLst>
+      <dgm:resizeHandles val="exact"/>
+    </dgm:varLst>
+    <dgm:alg type="lin">
+      <dgm:param type="linDir" val="fromT"/>
+    </dgm:alg>
+    <dgm:shape xmlns:r="http://schemas.openxmlformats.org/officeDocument/2006/relationships" r:blip="">
+      <dgm:adjLst/>
+    </dgm:shape>
+    <dgm:presOf/>
+    <dgm:constrLst>
+      <dgm:constr type="h" for="ch" ptType="node" refType="h"/>
+      <dgm:constr type="h" for="ch" ptType="sibTrans" refType="h" refFor="ch" refPtType="node" fact="0.5"/>
+      <dgm:constr type="w" for="ch" ptType="node" op="equ"/>
+      <dgm:constr type="primFontSz" for="ch" ptType="node" op="equ" val="65"/>
+      <dgm:constr type="primFontSz" for="des" forName="connectorText" op="equ" val="55"/>
+      <dgm:constr type="primFontSz" for="des" forName="connectorText" refType="primFontSz" refFor="ch" refPtType="node" op="lte" fact="0.8"/>
+    </dgm:constrLst>
+    <dgm:ruleLst/>
+    <dgm:forEach name="nodesForEach" axis="ch" ptType="node">
+      <dgm:layoutNode name="node">
+        <dgm:varLst>
+          <dgm:bulletEnabled val="1"/>
+        </dgm:varLst>
+        <dgm:choose name="Name0">
+          <dgm:if name="Name1" axis="root des" ptType="all node" func="maxDepth" op="gt" val="1">
+            <dgm:alg type="tx">
+              <dgm:param type="parTxLTRAlign" val="l"/>
+              <dgm:param type="parTxRTLAlign" val="r"/>
+              <dgm:param type="txAnchorVertCh" val="mid"/>
+            </dgm:alg>
+          </dgm:if>
+          <dgm:else name="Name2">
+            <dgm:alg type="tx"/>
+          </dgm:else>
+        </dgm:choose>
+        <dgm:shape xmlns:r="http://schemas.openxmlformats.org/officeDocument/2006/relationships" type="roundRect" r:blip="">
+          <dgm:adjLst>
+            <dgm:adj idx="1" val="0.1"/>
+          </dgm:adjLst>
+        </dgm:shape>
+        <dgm:presOf axis="desOrSelf" ptType="node"/>
+        <dgm:constrLst>
+          <dgm:constr type="w" refType="h" fact="1.8"/>
+          <dgm:constr type="tMarg" refType="primFontSz" fact="0.3"/>
+          <dgm:constr type="bMarg" refType="primFontSz" fact="0.3"/>
+          <dgm:constr type="lMarg" refType="primFontSz" fact="0.3"/>
+          <dgm:constr type="rMarg" refType="primFontSz" fact="0.3"/>
+        </dgm:constrLst>
+        <dgm:ruleLst>
+          <dgm:rule type="primFontSz" val="18" fact="NaN" max="NaN"/>
+          <dgm:rule type="w" val="NaN" fact="4" max="NaN"/>
+          <dgm:rule type="primFontSz" val="5" fact="NaN" max="NaN"/>
+        </dgm:ruleLst>
+      </dgm:layoutNode>
+      <dgm:forEach name="sibTransForEach" axis="followSib" ptType="sibTrans" cnt="1">
+        <dgm:layoutNode name="sibTrans">
+          <dgm:alg type="conn">
+            <dgm:param type="begPts" val="auto"/>
+            <dgm:param type="endPts" val="auto"/>
+          </dgm:alg>
+          <dgm:shape xmlns:r="http://schemas.openxmlformats.org/officeDocument/2006/relationships" type="conn" r:blip="">
+            <dgm:adjLst/>
+          </dgm:shape>
+          <dgm:presOf axis="self"/>
+          <dgm:constrLst>
+            <dgm:constr type="w" refType="h" fact="0.9"/>
+            <dgm:constr type="connDist"/>
+            <dgm:constr type="wArH" refType="w" fact="0.5"/>
+            <dgm:constr type="hArH" refType="w"/>
+            <dgm:constr type="stemThick" refType="w" fact="0.6"/>
+            <dgm:constr type="begPad" refType="connDist" fact="0.125"/>
+            <dgm:constr type="endPad" refType="connDist" fact="0.125"/>
+          </dgm:constrLst>
+          <dgm:ruleLst/>
+          <dgm:layoutNode name="connectorText">
+            <dgm:alg type="tx">
+              <dgm:param type="autoTxRot" val="upr"/>
+            </dgm:alg>
+            <dgm:shape xmlns:r="http://schemas.openxmlformats.org/officeDocument/2006/relationships" type="conn" r:blip="" hideGeom="1">
+              <dgm:adjLst/>
+            </dgm:shape>
+            <dgm:presOf axis="self"/>
+            <dgm:constrLst>
+              <dgm:constr type="lMarg"/>
+              <dgm:constr type="rMarg"/>
+              <dgm:constr type="tMarg"/>
+              <dgm:constr type="bMarg"/>
+            </dgm:constrLst>
+            <dgm:ruleLst>
+              <dgm:rule type="primFontSz" val="5" fact="NaN" max="NaN"/>
+            </dgm:ruleLst>
+          </dgm:layoutNode>
+        </dgm:layoutNode>
+      </dgm:forEach>
+    </dgm:forEach>
+  </dgm:layoutNode>
+</dgm:layoutDef>
+</file>
+
 <file path=ppt/diagrams/quickStyle1.xml><?xml version="1.0" encoding="utf-8"?>
 <dgm:styleDef xmlns:dgm="http://schemas.openxmlformats.org/drawingml/2006/diagram" xmlns:a="http://schemas.openxmlformats.org/drawingml/2006/main" uniqueId="urn:microsoft.com/office/officeart/2005/8/quickstyle/3d7">
   <dgm:title val=""/>
@@ -13498,6 +15085,1040 @@
 </file>
 
 <file path=ppt/diagrams/quickStyle4.xml><?xml version="1.0" encoding="utf-8"?>
+<dgm:styleDef xmlns:dgm="http://schemas.openxmlformats.org/drawingml/2006/diagram" xmlns:a="http://schemas.openxmlformats.org/drawingml/2006/main" uniqueId="urn:microsoft.com/office/officeart/2005/8/quickstyle/simple1">
+  <dgm:title val=""/>
+  <dgm:desc val=""/>
+  <dgm:catLst>
+    <dgm:cat type="simple" pri="10100"/>
+  </dgm:catLst>
+  <dgm:scene3d>
+    <a:camera prst="orthographicFront"/>
+    <a:lightRig rig="threePt" dir="t"/>
+  </dgm:scene3d>
+  <dgm:styleLbl name="node0">
+    <dgm:scene3d>
+      <a:camera prst="orthographicFront"/>
+      <a:lightRig rig="threePt" dir="t"/>
+    </dgm:scene3d>
+    <dgm:sp3d/>
+    <dgm:txPr/>
+    <dgm:style>
+      <a:lnRef idx="2">
+        <a:scrgbClr r="0" g="0" b="0"/>
+      </a:lnRef>
+      <a:fillRef idx="1">
+        <a:scrgbClr r="0" g="0" b="0"/>
+      </a:fillRef>
+      <a:effectRef idx="0">
+        <a:scrgbClr r="0" g="0" b="0"/>
+      </a:effectRef>
+      <a:fontRef idx="minor">
+        <a:schemeClr val="lt1"/>
+      </a:fontRef>
+    </dgm:style>
+  </dgm:styleLbl>
+  <dgm:styleLbl name="lnNode1">
+    <dgm:scene3d>
+      <a:camera prst="orthographicFront"/>
+      <a:lightRig rig="threePt" dir="t"/>
+    </dgm:scene3d>
+    <dgm:sp3d/>
+    <dgm:txPr/>
+    <dgm:style>
+      <a:lnRef idx="2">
+        <a:scrgbClr r="0" g="0" b="0"/>
+      </a:lnRef>
+      <a:fillRef idx="1">
+        <a:scrgbClr r="0" g="0" b="0"/>
+      </a:fillRef>
+      <a:effectRef idx="0">
+        <a:scrgbClr r="0" g="0" b="0"/>
+      </a:effectRef>
+      <a:fontRef idx="minor">
+        <a:schemeClr val="lt1"/>
+      </a:fontRef>
+    </dgm:style>
+  </dgm:styleLbl>
+  <dgm:styleLbl name="vennNode1">
+    <dgm:scene3d>
+      <a:camera prst="orthographicFront"/>
+      <a:lightRig rig="threePt" dir="t"/>
+    </dgm:scene3d>
+    <dgm:sp3d/>
+    <dgm:txPr/>
+    <dgm:style>
+      <a:lnRef idx="2">
+        <a:scrgbClr r="0" g="0" b="0"/>
+      </a:lnRef>
+      <a:fillRef idx="1">
+        <a:scrgbClr r="0" g="0" b="0"/>
+      </a:fillRef>
+      <a:effectRef idx="0">
+        <a:scrgbClr r="0" g="0" b="0"/>
+      </a:effectRef>
+      <a:fontRef idx="minor">
+        <a:schemeClr val="tx1"/>
+      </a:fontRef>
+    </dgm:style>
+  </dgm:styleLbl>
+  <dgm:styleLbl name="alignNode1">
+    <dgm:scene3d>
+      <a:camera prst="orthographicFront"/>
+      <a:lightRig rig="threePt" dir="t"/>
+    </dgm:scene3d>
+    <dgm:sp3d/>
+    <dgm:txPr/>
+    <dgm:style>
+      <a:lnRef idx="2">
+        <a:scrgbClr r="0" g="0" b="0"/>
+      </a:lnRef>
+      <a:fillRef idx="1">
+        <a:scrgbClr r="0" g="0" b="0"/>
+      </a:fillRef>
+      <a:effectRef idx="0">
+        <a:scrgbClr r="0" g="0" b="0"/>
+      </a:effectRef>
+      <a:fontRef idx="minor">
+        <a:schemeClr val="lt1"/>
+      </a:fontRef>
+    </dgm:style>
+  </dgm:styleLbl>
+  <dgm:styleLbl name="node1">
+    <dgm:scene3d>
+      <a:camera prst="orthographicFront"/>
+      <a:lightRig rig="threePt" dir="t"/>
+    </dgm:scene3d>
+    <dgm:sp3d/>
+    <dgm:txPr/>
+    <dgm:style>
+      <a:lnRef idx="2">
+        <a:scrgbClr r="0" g="0" b="0"/>
+      </a:lnRef>
+      <a:fillRef idx="1">
+        <a:scrgbClr r="0" g="0" b="0"/>
+      </a:fillRef>
+      <a:effectRef idx="0">
+        <a:scrgbClr r="0" g="0" b="0"/>
+      </a:effectRef>
+      <a:fontRef idx="minor">
+        <a:schemeClr val="lt1"/>
+      </a:fontRef>
+    </dgm:style>
+  </dgm:styleLbl>
+  <dgm:styleLbl name="node2">
+    <dgm:scene3d>
+      <a:camera prst="orthographicFront"/>
+      <a:lightRig rig="threePt" dir="t"/>
+    </dgm:scene3d>
+    <dgm:sp3d/>
+    <dgm:txPr/>
+    <dgm:style>
+      <a:lnRef idx="2">
+        <a:scrgbClr r="0" g="0" b="0"/>
+      </a:lnRef>
+      <a:fillRef idx="1">
+        <a:scrgbClr r="0" g="0" b="0"/>
+      </a:fillRef>
+      <a:effectRef idx="0">
+        <a:scrgbClr r="0" g="0" b="0"/>
+      </a:effectRef>
+      <a:fontRef idx="minor">
+        <a:schemeClr val="lt1"/>
+      </a:fontRef>
+    </dgm:style>
+  </dgm:styleLbl>
+  <dgm:styleLbl name="node3">
+    <dgm:scene3d>
+      <a:camera prst="orthographicFront"/>
+      <a:lightRig rig="threePt" dir="t"/>
+    </dgm:scene3d>
+    <dgm:sp3d/>
+    <dgm:txPr/>
+    <dgm:style>
+      <a:lnRef idx="2">
+        <a:scrgbClr r="0" g="0" b="0"/>
+      </a:lnRef>
+      <a:fillRef idx="1">
+        <a:scrgbClr r="0" g="0" b="0"/>
+      </a:fillRef>
+      <a:effectRef idx="0">
+        <a:scrgbClr r="0" g="0" b="0"/>
+      </a:effectRef>
+      <a:fontRef idx="minor">
+        <a:schemeClr val="lt1"/>
+      </a:fontRef>
+    </dgm:style>
+  </dgm:styleLbl>
+  <dgm:styleLbl name="node4">
+    <dgm:scene3d>
+      <a:camera prst="orthographicFront"/>
+      <a:lightRig rig="threePt" dir="t"/>
+    </dgm:scene3d>
+    <dgm:sp3d/>
+    <dgm:txPr/>
+    <dgm:style>
+      <a:lnRef idx="2">
+        <a:scrgbClr r="0" g="0" b="0"/>
+      </a:lnRef>
+      <a:fillRef idx="1">
+        <a:scrgbClr r="0" g="0" b="0"/>
+      </a:fillRef>
+      <a:effectRef idx="0">
+        <a:scrgbClr r="0" g="0" b="0"/>
+      </a:effectRef>
+      <a:fontRef idx="minor">
+        <a:schemeClr val="lt1"/>
+      </a:fontRef>
+    </dgm:style>
+  </dgm:styleLbl>
+  <dgm:styleLbl name="fgImgPlace1">
+    <dgm:scene3d>
+      <a:camera prst="orthographicFront"/>
+      <a:lightRig rig="threePt" dir="t"/>
+    </dgm:scene3d>
+    <dgm:sp3d/>
+    <dgm:txPr/>
+    <dgm:style>
+      <a:lnRef idx="2">
+        <a:scrgbClr r="0" g="0" b="0"/>
+      </a:lnRef>
+      <a:fillRef idx="1">
+        <a:scrgbClr r="0" g="0" b="0"/>
+      </a:fillRef>
+      <a:effectRef idx="0">
+        <a:scrgbClr r="0" g="0" b="0"/>
+      </a:effectRef>
+      <a:fontRef idx="minor"/>
+    </dgm:style>
+  </dgm:styleLbl>
+  <dgm:styleLbl name="alignImgPlace1">
+    <dgm:scene3d>
+      <a:camera prst="orthographicFront"/>
+      <a:lightRig rig="threePt" dir="t"/>
+    </dgm:scene3d>
+    <dgm:sp3d/>
+    <dgm:txPr/>
+    <dgm:style>
+      <a:lnRef idx="2">
+        <a:scrgbClr r="0" g="0" b="0"/>
+      </a:lnRef>
+      <a:fillRef idx="1">
+        <a:scrgbClr r="0" g="0" b="0"/>
+      </a:fillRef>
+      <a:effectRef idx="0">
+        <a:scrgbClr r="0" g="0" b="0"/>
+      </a:effectRef>
+      <a:fontRef idx="minor"/>
+    </dgm:style>
+  </dgm:styleLbl>
+  <dgm:styleLbl name="bgImgPlace1">
+    <dgm:scene3d>
+      <a:camera prst="orthographicFront"/>
+      <a:lightRig rig="threePt" dir="t"/>
+    </dgm:scene3d>
+    <dgm:sp3d/>
+    <dgm:txPr/>
+    <dgm:style>
+      <a:lnRef idx="2">
+        <a:scrgbClr r="0" g="0" b="0"/>
+      </a:lnRef>
+      <a:fillRef idx="1">
+        <a:scrgbClr r="0" g="0" b="0"/>
+      </a:fillRef>
+      <a:effectRef idx="0">
+        <a:scrgbClr r="0" g="0" b="0"/>
+      </a:effectRef>
+      <a:fontRef idx="minor"/>
+    </dgm:style>
+  </dgm:styleLbl>
+  <dgm:styleLbl name="sibTrans2D1">
+    <dgm:scene3d>
+      <a:camera prst="orthographicFront"/>
+      <a:lightRig rig="threePt" dir="t"/>
+    </dgm:scene3d>
+    <dgm:sp3d/>
+    <dgm:txPr/>
+    <dgm:style>
+      <a:lnRef idx="0">
+        <a:scrgbClr r="0" g="0" b="0"/>
+      </a:lnRef>
+      <a:fillRef idx="1">
+        <a:scrgbClr r="0" g="0" b="0"/>
+      </a:fillRef>
+      <a:effectRef idx="0">
+        <a:scrgbClr r="0" g="0" b="0"/>
+      </a:effectRef>
+      <a:fontRef idx="minor">
+        <a:schemeClr val="lt1"/>
+      </a:fontRef>
+    </dgm:style>
+  </dgm:styleLbl>
+  <dgm:styleLbl name="fgSibTrans2D1">
+    <dgm:scene3d>
+      <a:camera prst="orthographicFront"/>
+      <a:lightRig rig="threePt" dir="t"/>
+    </dgm:scene3d>
+    <dgm:sp3d/>
+    <dgm:txPr/>
+    <dgm:style>
+      <a:lnRef idx="0">
+        <a:scrgbClr r="0" g="0" b="0"/>
+      </a:lnRef>
+      <a:fillRef idx="1">
+        <a:scrgbClr r="0" g="0" b="0"/>
+      </a:fillRef>
+      <a:effectRef idx="0">
+        <a:scrgbClr r="0" g="0" b="0"/>
+      </a:effectRef>
+      <a:fontRef idx="minor">
+        <a:schemeClr val="lt1"/>
+      </a:fontRef>
+    </dgm:style>
+  </dgm:styleLbl>
+  <dgm:styleLbl name="bgSibTrans2D1">
+    <dgm:scene3d>
+      <a:camera prst="orthographicFront"/>
+      <a:lightRig rig="threePt" dir="t"/>
+    </dgm:scene3d>
+    <dgm:sp3d/>
+    <dgm:txPr/>
+    <dgm:style>
+      <a:lnRef idx="0">
+        <a:scrgbClr r="0" g="0" b="0"/>
+      </a:lnRef>
+      <a:fillRef idx="1">
+        <a:scrgbClr r="0" g="0" b="0"/>
+      </a:fillRef>
+      <a:effectRef idx="0">
+        <a:scrgbClr r="0" g="0" b="0"/>
+      </a:effectRef>
+      <a:fontRef idx="minor">
+        <a:schemeClr val="lt1"/>
+      </a:fontRef>
+    </dgm:style>
+  </dgm:styleLbl>
+  <dgm:styleLbl name="sibTrans1D1">
+    <dgm:scene3d>
+      <a:camera prst="orthographicFront"/>
+      <a:lightRig rig="threePt" dir="t"/>
+    </dgm:scene3d>
+    <dgm:sp3d/>
+    <dgm:txPr/>
+    <dgm:style>
+      <a:lnRef idx="1">
+        <a:scrgbClr r="0" g="0" b="0"/>
+      </a:lnRef>
+      <a:fillRef idx="0">
+        <a:scrgbClr r="0" g="0" b="0"/>
+      </a:fillRef>
+      <a:effectRef idx="0">
+        <a:scrgbClr r="0" g="0" b="0"/>
+      </a:effectRef>
+      <a:fontRef idx="minor"/>
+    </dgm:style>
+  </dgm:styleLbl>
+  <dgm:styleLbl name="callout">
+    <dgm:scene3d>
+      <a:camera prst="orthographicFront"/>
+      <a:lightRig rig="threePt" dir="t"/>
+    </dgm:scene3d>
+    <dgm:sp3d/>
+    <dgm:txPr/>
+    <dgm:style>
+      <a:lnRef idx="2">
+        <a:scrgbClr r="0" g="0" b="0"/>
+      </a:lnRef>
+      <a:fillRef idx="1">
+        <a:scrgbClr r="0" g="0" b="0"/>
+      </a:fillRef>
+      <a:effectRef idx="0">
+        <a:scrgbClr r="0" g="0" b="0"/>
+      </a:effectRef>
+      <a:fontRef idx="minor"/>
+    </dgm:style>
+  </dgm:styleLbl>
+  <dgm:styleLbl name="asst0">
+    <dgm:scene3d>
+      <a:camera prst="orthographicFront"/>
+      <a:lightRig rig="threePt" dir="t"/>
+    </dgm:scene3d>
+    <dgm:sp3d/>
+    <dgm:txPr/>
+    <dgm:style>
+      <a:lnRef idx="2">
+        <a:scrgbClr r="0" g="0" b="0"/>
+      </a:lnRef>
+      <a:fillRef idx="1">
+        <a:scrgbClr r="0" g="0" b="0"/>
+      </a:fillRef>
+      <a:effectRef idx="0">
+        <a:scrgbClr r="0" g="0" b="0"/>
+      </a:effectRef>
+      <a:fontRef idx="minor">
+        <a:schemeClr val="lt1"/>
+      </a:fontRef>
+    </dgm:style>
+  </dgm:styleLbl>
+  <dgm:styleLbl name="asst1">
+    <dgm:scene3d>
+      <a:camera prst="orthographicFront"/>
+      <a:lightRig rig="threePt" dir="t"/>
+    </dgm:scene3d>
+    <dgm:sp3d/>
+    <dgm:txPr/>
+    <dgm:style>
+      <a:lnRef idx="2">
+        <a:scrgbClr r="0" g="0" b="0"/>
+      </a:lnRef>
+      <a:fillRef idx="1">
+        <a:scrgbClr r="0" g="0" b="0"/>
+      </a:fillRef>
+      <a:effectRef idx="0">
+        <a:scrgbClr r="0" g="0" b="0"/>
+      </a:effectRef>
+      <a:fontRef idx="minor">
+        <a:schemeClr val="lt1"/>
+      </a:fontRef>
+    </dgm:style>
+  </dgm:styleLbl>
+  <dgm:styleLbl name="asst2">
+    <dgm:scene3d>
+      <a:camera prst="orthographicFront"/>
+      <a:lightRig rig="threePt" dir="t"/>
+    </dgm:scene3d>
+    <dgm:sp3d/>
+    <dgm:txPr/>
+    <dgm:style>
+      <a:lnRef idx="2">
+        <a:scrgbClr r="0" g="0" b="0"/>
+      </a:lnRef>
+      <a:fillRef idx="1">
+        <a:scrgbClr r="0" g="0" b="0"/>
+      </a:fillRef>
+      <a:effectRef idx="0">
+        <a:scrgbClr r="0" g="0" b="0"/>
+      </a:effectRef>
+      <a:fontRef idx="minor">
+        <a:schemeClr val="lt1"/>
+      </a:fontRef>
+    </dgm:style>
+  </dgm:styleLbl>
+  <dgm:styleLbl name="asst3">
+    <dgm:scene3d>
+      <a:camera prst="orthographicFront"/>
+      <a:lightRig rig="threePt" dir="t"/>
+    </dgm:scene3d>
+    <dgm:sp3d/>
+    <dgm:txPr/>
+    <dgm:style>
+      <a:lnRef idx="2">
+        <a:scrgbClr r="0" g="0" b="0"/>
+      </a:lnRef>
+      <a:fillRef idx="1">
+        <a:scrgbClr r="0" g="0" b="0"/>
+      </a:fillRef>
+      <a:effectRef idx="0">
+        <a:scrgbClr r="0" g="0" b="0"/>
+      </a:effectRef>
+      <a:fontRef idx="minor">
+        <a:schemeClr val="lt1"/>
+      </a:fontRef>
+    </dgm:style>
+  </dgm:styleLbl>
+  <dgm:styleLbl name="asst4">
+    <dgm:scene3d>
+      <a:camera prst="orthographicFront"/>
+      <a:lightRig rig="threePt" dir="t"/>
+    </dgm:scene3d>
+    <dgm:sp3d/>
+    <dgm:txPr/>
+    <dgm:style>
+      <a:lnRef idx="2">
+        <a:scrgbClr r="0" g="0" b="0"/>
+      </a:lnRef>
+      <a:fillRef idx="1">
+        <a:scrgbClr r="0" g="0" b="0"/>
+      </a:fillRef>
+      <a:effectRef idx="0">
+        <a:scrgbClr r="0" g="0" b="0"/>
+      </a:effectRef>
+      <a:fontRef idx="minor">
+        <a:schemeClr val="lt1"/>
+      </a:fontRef>
+    </dgm:style>
+  </dgm:styleLbl>
+  <dgm:styleLbl name="parChTrans2D1">
+    <dgm:scene3d>
+      <a:camera prst="orthographicFront"/>
+      <a:lightRig rig="threePt" dir="t"/>
+    </dgm:scene3d>
+    <dgm:sp3d/>
+    <dgm:txPr/>
+    <dgm:style>
+      <a:lnRef idx="2">
+        <a:scrgbClr r="0" g="0" b="0"/>
+      </a:lnRef>
+      <a:fillRef idx="1">
+        <a:scrgbClr r="0" g="0" b="0"/>
+      </a:fillRef>
+      <a:effectRef idx="0">
+        <a:scrgbClr r="0" g="0" b="0"/>
+      </a:effectRef>
+      <a:fontRef idx="minor">
+        <a:schemeClr val="lt1"/>
+      </a:fontRef>
+    </dgm:style>
+  </dgm:styleLbl>
+  <dgm:styleLbl name="parChTrans2D2">
+    <dgm:scene3d>
+      <a:camera prst="orthographicFront"/>
+      <a:lightRig rig="threePt" dir="t"/>
+    </dgm:scene3d>
+    <dgm:sp3d/>
+    <dgm:txPr/>
+    <dgm:style>
+      <a:lnRef idx="2">
+        <a:scrgbClr r="0" g="0" b="0"/>
+      </a:lnRef>
+      <a:fillRef idx="1">
+        <a:scrgbClr r="0" g="0" b="0"/>
+      </a:fillRef>
+      <a:effectRef idx="0">
+        <a:scrgbClr r="0" g="0" b="0"/>
+      </a:effectRef>
+      <a:fontRef idx="minor">
+        <a:schemeClr val="lt1"/>
+      </a:fontRef>
+    </dgm:style>
+  </dgm:styleLbl>
+  <dgm:styleLbl name="parChTrans2D3">
+    <dgm:scene3d>
+      <a:camera prst="orthographicFront"/>
+      <a:lightRig rig="threePt" dir="t"/>
+    </dgm:scene3d>
+    <dgm:sp3d/>
+    <dgm:txPr/>
+    <dgm:style>
+      <a:lnRef idx="2">
+        <a:scrgbClr r="0" g="0" b="0"/>
+      </a:lnRef>
+      <a:fillRef idx="1">
+        <a:scrgbClr r="0" g="0" b="0"/>
+      </a:fillRef>
+      <a:effectRef idx="0">
+        <a:scrgbClr r="0" g="0" b="0"/>
+      </a:effectRef>
+      <a:fontRef idx="minor">
+        <a:schemeClr val="lt1"/>
+      </a:fontRef>
+    </dgm:style>
+  </dgm:styleLbl>
+  <dgm:styleLbl name="parChTrans2D4">
+    <dgm:scene3d>
+      <a:camera prst="orthographicFront"/>
+      <a:lightRig rig="threePt" dir="t"/>
+    </dgm:scene3d>
+    <dgm:sp3d/>
+    <dgm:txPr/>
+    <dgm:style>
+      <a:lnRef idx="2">
+        <a:scrgbClr r="0" g="0" b="0"/>
+      </a:lnRef>
+      <a:fillRef idx="1">
+        <a:scrgbClr r="0" g="0" b="0"/>
+      </a:fillRef>
+      <a:effectRef idx="0">
+        <a:scrgbClr r="0" g="0" b="0"/>
+      </a:effectRef>
+      <a:fontRef idx="minor">
+        <a:schemeClr val="lt1"/>
+      </a:fontRef>
+    </dgm:style>
+  </dgm:styleLbl>
+  <dgm:styleLbl name="parChTrans1D1">
+    <dgm:scene3d>
+      <a:camera prst="orthographicFront"/>
+      <a:lightRig rig="threePt" dir="t"/>
+    </dgm:scene3d>
+    <dgm:sp3d/>
+    <dgm:txPr/>
+    <dgm:style>
+      <a:lnRef idx="2">
+        <a:scrgbClr r="0" g="0" b="0"/>
+      </a:lnRef>
+      <a:fillRef idx="0">
+        <a:scrgbClr r="0" g="0" b="0"/>
+      </a:fillRef>
+      <a:effectRef idx="0">
+        <a:scrgbClr r="0" g="0" b="0"/>
+      </a:effectRef>
+      <a:fontRef idx="minor"/>
+    </dgm:style>
+  </dgm:styleLbl>
+  <dgm:styleLbl name="parChTrans1D2">
+    <dgm:scene3d>
+      <a:camera prst="orthographicFront"/>
+      <a:lightRig rig="threePt" dir="t"/>
+    </dgm:scene3d>
+    <dgm:sp3d/>
+    <dgm:txPr/>
+    <dgm:style>
+      <a:lnRef idx="2">
+        <a:scrgbClr r="0" g="0" b="0"/>
+      </a:lnRef>
+      <a:fillRef idx="0">
+        <a:scrgbClr r="0" g="0" b="0"/>
+      </a:fillRef>
+      <a:effectRef idx="0">
+        <a:scrgbClr r="0" g="0" b="0"/>
+      </a:effectRef>
+      <a:fontRef idx="minor"/>
+    </dgm:style>
+  </dgm:styleLbl>
+  <dgm:styleLbl name="parChTrans1D3">
+    <dgm:scene3d>
+      <a:camera prst="orthographicFront"/>
+      <a:lightRig rig="threePt" dir="t"/>
+    </dgm:scene3d>
+    <dgm:sp3d/>
+    <dgm:txPr/>
+    <dgm:style>
+      <a:lnRef idx="2">
+        <a:scrgbClr r="0" g="0" b="0"/>
+      </a:lnRef>
+      <a:fillRef idx="0">
+        <a:scrgbClr r="0" g="0" b="0"/>
+      </a:fillRef>
+      <a:effectRef idx="0">
+        <a:scrgbClr r="0" g="0" b="0"/>
+      </a:effectRef>
+      <a:fontRef idx="minor"/>
+    </dgm:style>
+  </dgm:styleLbl>
+  <dgm:styleLbl name="parChTrans1D4">
+    <dgm:scene3d>
+      <a:camera prst="orthographicFront"/>
+      <a:lightRig rig="threePt" dir="t"/>
+    </dgm:scene3d>
+    <dgm:sp3d/>
+    <dgm:txPr/>
+    <dgm:style>
+      <a:lnRef idx="2">
+        <a:scrgbClr r="0" g="0" b="0"/>
+      </a:lnRef>
+      <a:fillRef idx="0">
+        <a:scrgbClr r="0" g="0" b="0"/>
+      </a:fillRef>
+      <a:effectRef idx="0">
+        <a:scrgbClr r="0" g="0" b="0"/>
+      </a:effectRef>
+      <a:fontRef idx="minor"/>
+    </dgm:style>
+  </dgm:styleLbl>
+  <dgm:styleLbl name="fgAcc1">
+    <dgm:scene3d>
+      <a:camera prst="orthographicFront"/>
+      <a:lightRig rig="threePt" dir="t"/>
+    </dgm:scene3d>
+    <dgm:sp3d/>
+    <dgm:txPr/>
+    <dgm:style>
+      <a:lnRef idx="2">
+        <a:scrgbClr r="0" g="0" b="0"/>
+      </a:lnRef>
+      <a:fillRef idx="1">
+        <a:scrgbClr r="0" g="0" b="0"/>
+      </a:fillRef>
+      <a:effectRef idx="0">
+        <a:scrgbClr r="0" g="0" b="0"/>
+      </a:effectRef>
+      <a:fontRef idx="minor"/>
+    </dgm:style>
+  </dgm:styleLbl>
+  <dgm:styleLbl name="conFgAcc1">
+    <dgm:scene3d>
+      <a:camera prst="orthographicFront"/>
+      <a:lightRig rig="threePt" dir="t"/>
+    </dgm:scene3d>
+    <dgm:sp3d/>
+    <dgm:txPr/>
+    <dgm:style>
+      <a:lnRef idx="2">
+        <a:scrgbClr r="0" g="0" b="0"/>
+      </a:lnRef>
+      <a:fillRef idx="1">
+        <a:scrgbClr r="0" g="0" b="0"/>
+      </a:fillRef>
+      <a:effectRef idx="0">
+        <a:scrgbClr r="0" g="0" b="0"/>
+      </a:effectRef>
+      <a:fontRef idx="minor"/>
+    </dgm:style>
+  </dgm:styleLbl>
+  <dgm:styleLbl name="alignAcc1">
+    <dgm:scene3d>
+      <a:camera prst="orthographicFront"/>
+      <a:lightRig rig="threePt" dir="t"/>
+    </dgm:scene3d>
+    <dgm:sp3d/>
+    <dgm:txPr/>
+    <dgm:style>
+      <a:lnRef idx="2">
+        <a:scrgbClr r="0" g="0" b="0"/>
+      </a:lnRef>
+      <a:fillRef idx="1">
+        <a:scrgbClr r="0" g="0" b="0"/>
+      </a:fillRef>
+      <a:effectRef idx="0">
+        <a:scrgbClr r="0" g="0" b="0"/>
+      </a:effectRef>
+      <a:fontRef idx="minor"/>
+    </dgm:style>
+  </dgm:styleLbl>
+  <dgm:styleLbl name="trAlignAcc1">
+    <dgm:scene3d>
+      <a:camera prst="orthographicFront"/>
+      <a:lightRig rig="threePt" dir="t"/>
+    </dgm:scene3d>
+    <dgm:sp3d/>
+    <dgm:txPr/>
+    <dgm:style>
+      <a:lnRef idx="1">
+        <a:scrgbClr r="0" g="0" b="0"/>
+      </a:lnRef>
+      <a:fillRef idx="1">
+        <a:scrgbClr r="0" g="0" b="0"/>
+      </a:fillRef>
+      <a:effectRef idx="0">
+        <a:scrgbClr r="0" g="0" b="0"/>
+      </a:effectRef>
+      <a:fontRef idx="minor"/>
+    </dgm:style>
+  </dgm:styleLbl>
+  <dgm:styleLbl name="bgAcc1">
+    <dgm:scene3d>
+      <a:camera prst="orthographicFront"/>
+      <a:lightRig rig="threePt" dir="t"/>
+    </dgm:scene3d>
+    <dgm:sp3d/>
+    <dgm:txPr/>
+    <dgm:style>
+      <a:lnRef idx="2">
+        <a:scrgbClr r="0" g="0" b="0"/>
+      </a:lnRef>
+      <a:fillRef idx="1">
+        <a:scrgbClr r="0" g="0" b="0"/>
+      </a:fillRef>
+      <a:effectRef idx="0">
+        <a:scrgbClr r="0" g="0" b="0"/>
+      </a:effectRef>
+      <a:fontRef idx="minor"/>
+    </dgm:style>
+  </dgm:styleLbl>
+  <dgm:styleLbl name="solidFgAcc1">
+    <dgm:scene3d>
+      <a:camera prst="orthographicFront"/>
+      <a:lightRig rig="threePt" dir="t"/>
+    </dgm:scene3d>
+    <dgm:sp3d/>
+    <dgm:txPr/>
+    <dgm:style>
+      <a:lnRef idx="2">
+        <a:scrgbClr r="0" g="0" b="0"/>
+      </a:lnRef>
+      <a:fillRef idx="1">
+        <a:scrgbClr r="0" g="0" b="0"/>
+      </a:fillRef>
+      <a:effectRef idx="0">
+        <a:scrgbClr r="0" g="0" b="0"/>
+      </a:effectRef>
+      <a:fontRef idx="minor"/>
+    </dgm:style>
+  </dgm:styleLbl>
+  <dgm:styleLbl name="solidAlignAcc1">
+    <dgm:scene3d>
+      <a:camera prst="orthographicFront"/>
+      <a:lightRig rig="threePt" dir="t"/>
+    </dgm:scene3d>
+    <dgm:sp3d/>
+    <dgm:txPr/>
+    <dgm:style>
+      <a:lnRef idx="2">
+        <a:scrgbClr r="0" g="0" b="0"/>
+      </a:lnRef>
+      <a:fillRef idx="1">
+        <a:scrgbClr r="0" g="0" b="0"/>
+      </a:fillRef>
+      <a:effectRef idx="0">
+        <a:scrgbClr r="0" g="0" b="0"/>
+      </a:effectRef>
+      <a:fontRef idx="minor"/>
+    </dgm:style>
+  </dgm:styleLbl>
+  <dgm:styleLbl name="solidBgAcc1">
+    <dgm:scene3d>
+      <a:camera prst="orthographicFront"/>
+      <a:lightRig rig="threePt" dir="t"/>
+    </dgm:scene3d>
+    <dgm:sp3d/>
+    <dgm:txPr/>
+    <dgm:style>
+      <a:lnRef idx="2">
+        <a:scrgbClr r="0" g="0" b="0"/>
+      </a:lnRef>
+      <a:fillRef idx="1">
+        <a:scrgbClr r="0" g="0" b="0"/>
+      </a:fillRef>
+      <a:effectRef idx="0">
+        <a:scrgbClr r="0" g="0" b="0"/>
+      </a:effectRef>
+      <a:fontRef idx="minor"/>
+    </dgm:style>
+  </dgm:styleLbl>
+  <dgm:styleLbl name="fgAccFollowNode1">
+    <dgm:scene3d>
+      <a:camera prst="orthographicFront"/>
+      <a:lightRig rig="threePt" dir="t"/>
+    </dgm:scene3d>
+    <dgm:sp3d/>
+    <dgm:txPr/>
+    <dgm:style>
+      <a:lnRef idx="2">
+        <a:scrgbClr r="0" g="0" b="0"/>
+      </a:lnRef>
+      <a:fillRef idx="1">
+        <a:scrgbClr r="0" g="0" b="0"/>
+      </a:fillRef>
+      <a:effectRef idx="0">
+        <a:scrgbClr r="0" g="0" b="0"/>
+      </a:effectRef>
+      <a:fontRef idx="minor"/>
+    </dgm:style>
+  </dgm:styleLbl>
+  <dgm:styleLbl name="alignAccFollowNode1">
+    <dgm:scene3d>
+      <a:camera prst="orthographicFront"/>
+      <a:lightRig rig="threePt" dir="t"/>
+    </dgm:scene3d>
+    <dgm:sp3d/>
+    <dgm:txPr/>
+    <dgm:style>
+      <a:lnRef idx="2">
+        <a:scrgbClr r="0" g="0" b="0"/>
+      </a:lnRef>
+      <a:fillRef idx="1">
+        <a:scrgbClr r="0" g="0" b="0"/>
+      </a:fillRef>
+      <a:effectRef idx="0">
+        <a:scrgbClr r="0" g="0" b="0"/>
+      </a:effectRef>
+      <a:fontRef idx="minor"/>
+    </dgm:style>
+  </dgm:styleLbl>
+  <dgm:styleLbl name="bgAccFollowNode1">
+    <dgm:scene3d>
+      <a:camera prst="orthographicFront"/>
+      <a:lightRig rig="threePt" dir="t"/>
+    </dgm:scene3d>
+    <dgm:sp3d/>
+    <dgm:txPr/>
+    <dgm:style>
+      <a:lnRef idx="2">
+        <a:scrgbClr r="0" g="0" b="0"/>
+      </a:lnRef>
+      <a:fillRef idx="1">
+        <a:scrgbClr r="0" g="0" b="0"/>
+      </a:fillRef>
+      <a:effectRef idx="0">
+        <a:scrgbClr r="0" g="0" b="0"/>
+      </a:effectRef>
+      <a:fontRef idx="minor"/>
+    </dgm:style>
+  </dgm:styleLbl>
+  <dgm:styleLbl name="fgAcc0">
+    <dgm:scene3d>
+      <a:camera prst="orthographicFront"/>
+      <a:lightRig rig="threePt" dir="t"/>
+    </dgm:scene3d>
+    <dgm:sp3d/>
+    <dgm:txPr/>
+    <dgm:style>
+      <a:lnRef idx="2">
+        <a:scrgbClr r="0" g="0" b="0"/>
+      </a:lnRef>
+      <a:fillRef idx="1">
+        <a:scrgbClr r="0" g="0" b="0"/>
+      </a:fillRef>
+      <a:effectRef idx="0">
+        <a:scrgbClr r="0" g="0" b="0"/>
+      </a:effectRef>
+      <a:fontRef idx="minor"/>
+    </dgm:style>
+  </dgm:styleLbl>
+  <dgm:styleLbl name="fgAcc2">
+    <dgm:scene3d>
+      <a:camera prst="orthographicFront"/>
+      <a:lightRig rig="threePt" dir="t"/>
+    </dgm:scene3d>
+    <dgm:sp3d/>
+    <dgm:txPr/>
+    <dgm:style>
+      <a:lnRef idx="2">
+        <a:scrgbClr r="0" g="0" b="0"/>
+      </a:lnRef>
+      <a:fillRef idx="1">
+        <a:scrgbClr r="0" g="0" b="0"/>
+      </a:fillRef>
+      <a:effectRef idx="0">
+        <a:scrgbClr r="0" g="0" b="0"/>
+      </a:effectRef>
+      <a:fontRef idx="minor"/>
+    </dgm:style>
+  </dgm:styleLbl>
+  <dgm:styleLbl name="fgAcc3">
+    <dgm:scene3d>
+      <a:camera prst="orthographicFront"/>
+      <a:lightRig rig="threePt" dir="t"/>
+    </dgm:scene3d>
+    <dgm:sp3d/>
+    <dgm:txPr/>
+    <dgm:style>
+      <a:lnRef idx="2">
+        <a:scrgbClr r="0" g="0" b="0"/>
+      </a:lnRef>
+      <a:fillRef idx="1">
+        <a:scrgbClr r="0" g="0" b="0"/>
+      </a:fillRef>
+      <a:effectRef idx="0">
+        <a:scrgbClr r="0" g="0" b="0"/>
+      </a:effectRef>
+      <a:fontRef idx="minor"/>
+    </dgm:style>
+  </dgm:styleLbl>
+  <dgm:styleLbl name="fgAcc4">
+    <dgm:scene3d>
+      <a:camera prst="orthographicFront"/>
+      <a:lightRig rig="threePt" dir="t"/>
+    </dgm:scene3d>
+    <dgm:sp3d/>
+    <dgm:txPr/>
+    <dgm:style>
+      <a:lnRef idx="2">
+        <a:scrgbClr r="0" g="0" b="0"/>
+      </a:lnRef>
+      <a:fillRef idx="1">
+        <a:scrgbClr r="0" g="0" b="0"/>
+      </a:fillRef>
+      <a:effectRef idx="0">
+        <a:scrgbClr r="0" g="0" b="0"/>
+      </a:effectRef>
+      <a:fontRef idx="minor"/>
+    </dgm:style>
+  </dgm:styleLbl>
+  <dgm:styleLbl name="bgShp">
+    <dgm:scene3d>
+      <a:camera prst="orthographicFront"/>
+      <a:lightRig rig="threePt" dir="t"/>
+    </dgm:scene3d>
+    <dgm:sp3d/>
+    <dgm:txPr/>
+    <dgm:style>
+      <a:lnRef idx="0">
+        <a:scrgbClr r="0" g="0" b="0"/>
+      </a:lnRef>
+      <a:fillRef idx="1">
+        <a:scrgbClr r="0" g="0" b="0"/>
+      </a:fillRef>
+      <a:effectRef idx="0">
+        <a:scrgbClr r="0" g="0" b="0"/>
+      </a:effectRef>
+      <a:fontRef idx="minor"/>
+    </dgm:style>
+  </dgm:styleLbl>
+  <dgm:styleLbl name="dkBgShp">
+    <dgm:scene3d>
+      <a:camera prst="orthographicFront"/>
+      <a:lightRig rig="threePt" dir="t"/>
+    </dgm:scene3d>
+    <dgm:sp3d/>
+    <dgm:txPr/>
+    <dgm:style>
+      <a:lnRef idx="0">
+        <a:scrgbClr r="0" g="0" b="0"/>
+      </a:lnRef>
+      <a:fillRef idx="1">
+        <a:scrgbClr r="0" g="0" b="0"/>
+      </a:fillRef>
+      <a:effectRef idx="0">
+        <a:scrgbClr r="0" g="0" b="0"/>
+      </a:effectRef>
+      <a:fontRef idx="minor"/>
+    </dgm:style>
+  </dgm:styleLbl>
+  <dgm:styleLbl name="trBgShp">
+    <dgm:scene3d>
+      <a:camera prst="orthographicFront"/>
+      <a:lightRig rig="threePt" dir="t"/>
+    </dgm:scene3d>
+    <dgm:sp3d/>
+    <dgm:txPr/>
+    <dgm:style>
+      <a:lnRef idx="0">
+        <a:scrgbClr r="0" g="0" b="0"/>
+      </a:lnRef>
+      <a:fillRef idx="1">
+        <a:scrgbClr r="0" g="0" b="0"/>
+      </a:fillRef>
+      <a:effectRef idx="0">
+        <a:scrgbClr r="0" g="0" b="0"/>
+      </a:effectRef>
+      <a:fontRef idx="minor"/>
+    </dgm:style>
+  </dgm:styleLbl>
+  <dgm:styleLbl name="fgShp">
+    <dgm:scene3d>
+      <a:camera prst="orthographicFront"/>
+      <a:lightRig rig="threePt" dir="t"/>
+    </dgm:scene3d>
+    <dgm:sp3d/>
+    <dgm:txPr/>
+    <dgm:style>
+      <a:lnRef idx="2">
+        <a:scrgbClr r="0" g="0" b="0"/>
+      </a:lnRef>
+      <a:fillRef idx="1">
+        <a:scrgbClr r="0" g="0" b="0"/>
+      </a:fillRef>
+      <a:effectRef idx="0">
+        <a:scrgbClr r="0" g="0" b="0"/>
+      </a:effectRef>
+      <a:fontRef idx="minor"/>
+    </dgm:style>
+  </dgm:styleLbl>
+  <dgm:styleLbl name="revTx">
+    <dgm:scene3d>
+      <a:camera prst="orthographicFront"/>
+      <a:lightRig rig="threePt" dir="t"/>
+    </dgm:scene3d>
+    <dgm:sp3d/>
+    <dgm:txPr/>
+    <dgm:style>
+      <a:lnRef idx="0">
+        <a:scrgbClr r="0" g="0" b="0"/>
+      </a:lnRef>
+      <a:fillRef idx="0">
+        <a:scrgbClr r="0" g="0" b="0"/>
+      </a:fillRef>
+      <a:effectRef idx="0">
+        <a:scrgbClr r="0" g="0" b="0"/>
+      </a:effectRef>
+      <a:fontRef idx="minor"/>
+    </dgm:style>
+  </dgm:styleLbl>
+</dgm:styleDef>
+</file>
+
+<file path=ppt/diagrams/quickStyle5.xml><?xml version="1.0" encoding="utf-8"?>
 <dgm:styleDef xmlns:dgm="http://schemas.openxmlformats.org/drawingml/2006/diagram" xmlns:a="http://schemas.openxmlformats.org/drawingml/2006/main" uniqueId="urn:microsoft.com/office/officeart/2005/8/quickstyle/simple1">
   <dgm:title val=""/>
   <dgm:desc val=""/>
@@ -14614,7 +17235,7 @@
             <a:fld id="{768736D5-E0D3-4111-8C4C-E5098B8E037F}" type="datetimeFigureOut">
               <a:rPr kumimoji="1" lang="ja-JP" altLang="en-US" smtClean="0"/>
               <a:pPr/>
-              <a:t>2014/11/17</a:t>
+              <a:t>2014/11/19</a:t>
             </a:fld>
             <a:endParaRPr kumimoji="1" lang="ja-JP" altLang="en-US"/>
           </a:p>
@@ -15276,7 +17897,7 @@
             <a:fld id="{E90ED720-0104-4369-84BC-D37694168613}" type="datetimeFigureOut">
               <a:rPr kumimoji="1" lang="ja-JP" altLang="en-US" smtClean="0"/>
               <a:pPr/>
-              <a:t>2014/11/17</a:t>
+              <a:t>2014/11/19</a:t>
             </a:fld>
             <a:endParaRPr kumimoji="1" lang="ja-JP" altLang="en-US"/>
           </a:p>
@@ -15475,7 +18096,7 @@
             <a:fld id="{E90ED720-0104-4369-84BC-D37694168613}" type="datetimeFigureOut">
               <a:rPr kumimoji="1" lang="ja-JP" altLang="en-US" smtClean="0"/>
               <a:pPr/>
-              <a:t>2014/11/17</a:t>
+              <a:t>2014/11/19</a:t>
             </a:fld>
             <a:endParaRPr kumimoji="1" lang="ja-JP" altLang="en-US"/>
           </a:p>
@@ -15684,7 +18305,7 @@
             <a:fld id="{E90ED720-0104-4369-84BC-D37694168613}" type="datetimeFigureOut">
               <a:rPr kumimoji="1" lang="ja-JP" altLang="en-US" smtClean="0"/>
               <a:pPr/>
-              <a:t>2014/11/17</a:t>
+              <a:t>2014/11/19</a:t>
             </a:fld>
             <a:endParaRPr kumimoji="1" lang="ja-JP" altLang="en-US"/>
           </a:p>
@@ -15883,7 +18504,7 @@
             <a:fld id="{E90ED720-0104-4369-84BC-D37694168613}" type="datetimeFigureOut">
               <a:rPr kumimoji="1" lang="ja-JP" altLang="en-US" smtClean="0"/>
               <a:pPr/>
-              <a:t>2014/11/17</a:t>
+              <a:t>2014/11/19</a:t>
             </a:fld>
             <a:endParaRPr kumimoji="1" lang="ja-JP" altLang="en-US"/>
           </a:p>
@@ -16126,7 +18747,7 @@
             <a:fld id="{E90ED720-0104-4369-84BC-D37694168613}" type="datetimeFigureOut">
               <a:rPr kumimoji="1" lang="ja-JP" altLang="en-US" smtClean="0"/>
               <a:pPr/>
-              <a:t>2014/11/17</a:t>
+              <a:t>2014/11/19</a:t>
             </a:fld>
             <a:endParaRPr kumimoji="1" lang="ja-JP" altLang="en-US"/>
           </a:p>
@@ -16475,7 +19096,7 @@
             <a:fld id="{E90ED720-0104-4369-84BC-D37694168613}" type="datetimeFigureOut">
               <a:rPr kumimoji="1" lang="ja-JP" altLang="en-US" smtClean="0"/>
               <a:pPr/>
-              <a:t>2014/11/17</a:t>
+              <a:t>2014/11/19</a:t>
             </a:fld>
             <a:endParaRPr kumimoji="1" lang="ja-JP" altLang="en-US"/>
           </a:p>
@@ -16958,7 +19579,7 @@
             <a:fld id="{E90ED720-0104-4369-84BC-D37694168613}" type="datetimeFigureOut">
               <a:rPr kumimoji="1" lang="ja-JP" altLang="en-US" smtClean="0"/>
               <a:pPr/>
-              <a:t>2014/11/17</a:t>
+              <a:t>2014/11/19</a:t>
             </a:fld>
             <a:endParaRPr kumimoji="1" lang="ja-JP" altLang="en-US"/>
           </a:p>
@@ -17073,7 +19694,7 @@
             <a:fld id="{E90ED720-0104-4369-84BC-D37694168613}" type="datetimeFigureOut">
               <a:rPr kumimoji="1" lang="ja-JP" altLang="en-US" smtClean="0"/>
               <a:pPr/>
-              <a:t>2014/11/17</a:t>
+              <a:t>2014/11/19</a:t>
             </a:fld>
             <a:endParaRPr kumimoji="1" lang="ja-JP" altLang="en-US"/>
           </a:p>
@@ -17165,7 +19786,7 @@
             <a:fld id="{E90ED720-0104-4369-84BC-D37694168613}" type="datetimeFigureOut">
               <a:rPr kumimoji="1" lang="ja-JP" altLang="en-US" smtClean="0"/>
               <a:pPr/>
-              <a:t>2014/11/17</a:t>
+              <a:t>2014/11/19</a:t>
             </a:fld>
             <a:endParaRPr kumimoji="1" lang="ja-JP" altLang="en-US"/>
           </a:p>
@@ -17471,7 +20092,7 @@
             <a:fld id="{E90ED720-0104-4369-84BC-D37694168613}" type="datetimeFigureOut">
               <a:rPr kumimoji="1" lang="ja-JP" altLang="en-US" smtClean="0"/>
               <a:pPr/>
-              <a:t>2014/11/17</a:t>
+              <a:t>2014/11/19</a:t>
             </a:fld>
             <a:endParaRPr kumimoji="1" lang="ja-JP" altLang="en-US"/>
           </a:p>
@@ -17721,7 +20342,7 @@
             <a:fld id="{E90ED720-0104-4369-84BC-D37694168613}" type="datetimeFigureOut">
               <a:rPr kumimoji="1" lang="ja-JP" altLang="en-US" smtClean="0"/>
               <a:pPr/>
-              <a:t>2014/11/17</a:t>
+              <a:t>2014/11/19</a:t>
             </a:fld>
             <a:endParaRPr kumimoji="1" lang="ja-JP" altLang="en-US"/>
           </a:p>
@@ -17963,7 +20584,7 @@
             <a:fld id="{E90ED720-0104-4369-84BC-D37694168613}" type="datetimeFigureOut">
               <a:rPr kumimoji="1" lang="ja-JP" altLang="en-US" smtClean="0"/>
               <a:pPr/>
-              <a:t>2014/11/17</a:t>
+              <a:t>2014/11/19</a:t>
             </a:fld>
             <a:endParaRPr kumimoji="1" lang="ja-JP" altLang="en-US"/>
           </a:p>
@@ -18425,6 +21046,1258 @@
           </a:p>
         </p:txBody>
       </p:sp>
+    </p:spTree>
+  </p:cSld>
+  <p:clrMapOvr>
+    <a:masterClrMapping/>
+  </p:clrMapOvr>
+</p:sld>
+</file>
+
+<file path=ppt/slides/slide10.xml><?xml version="1.0" encoding="utf-8"?>
+<p:sld xmlns:a="http://schemas.openxmlformats.org/drawingml/2006/main" xmlns:r="http://schemas.openxmlformats.org/officeDocument/2006/relationships" xmlns:p="http://schemas.openxmlformats.org/presentationml/2006/main">
+  <p:cSld>
+    <p:spTree>
+      <p:nvGrpSpPr>
+        <p:cNvPr id="1" name=""/>
+        <p:cNvGrpSpPr/>
+        <p:nvPr/>
+      </p:nvGrpSpPr>
+      <p:grpSpPr>
+        <a:xfrm>
+          <a:off x="0" y="0"/>
+          <a:ext cx="0" cy="0"/>
+          <a:chOff x="0" y="0"/>
+          <a:chExt cx="0" cy="0"/>
+        </a:xfrm>
+      </p:grpSpPr>
+      <p:sp>
+        <p:nvSpPr>
+          <p:cNvPr id="2" name="タイトル 1"/>
+          <p:cNvSpPr>
+            <a:spLocks noGrp="1"/>
+          </p:cNvSpPr>
+          <p:nvPr>
+            <p:ph type="title"/>
+          </p:nvPr>
+        </p:nvSpPr>
+        <p:spPr/>
+        <p:txBody>
+          <a:bodyPr/>
+          <a:lstStyle/>
+          <a:p>
+            <a:r>
+              <a:rPr lang="ja-JP" altLang="en-US" dirty="0" smtClean="0"/>
+              <a:t>双方向データバンディング</a:t>
+            </a:r>
+            <a:endParaRPr kumimoji="1" lang="ja-JP" altLang="en-US" dirty="0"/>
+          </a:p>
+        </p:txBody>
+      </p:sp>
+      <p:graphicFrame>
+        <p:nvGraphicFramePr>
+          <p:cNvPr id="4" name="図表 3"/>
+          <p:cNvGraphicFramePr/>
+          <p:nvPr/>
+        </p:nvGraphicFramePr>
+        <p:xfrm>
+          <a:off x="3203848" y="1700808"/>
+          <a:ext cx="2808312" cy="4320480"/>
+        </p:xfrm>
+        <a:graphic>
+          <a:graphicData uri="http://schemas.openxmlformats.org/drawingml/2006/diagram">
+            <dgm:relIds xmlns:dgm="http://schemas.openxmlformats.org/drawingml/2006/diagram" xmlns:r="http://schemas.openxmlformats.org/officeDocument/2006/relationships" r:dm="rId2" r:lo="rId3" r:qs="rId4" r:cs="rId5"/>
+          </a:graphicData>
+        </a:graphic>
+      </p:graphicFrame>
+      <p:sp>
+        <p:nvSpPr>
+          <p:cNvPr id="5" name="U ターン矢印 4"/>
+          <p:cNvSpPr/>
+          <p:nvPr/>
+        </p:nvSpPr>
+        <p:spPr>
+          <a:xfrm rot="5400000" flipH="1">
+            <a:off x="5328084" y="4113076"/>
+            <a:ext cx="2448272" cy="936104"/>
+          </a:xfrm>
+          <a:prstGeom prst="uturnArrow">
+            <a:avLst>
+              <a:gd name="adj1" fmla="val 37536"/>
+              <a:gd name="adj2" fmla="val 25000"/>
+              <a:gd name="adj3" fmla="val 30879"/>
+              <a:gd name="adj4" fmla="val 60303"/>
+              <a:gd name="adj5" fmla="val 100000"/>
+            </a:avLst>
+          </a:prstGeom>
+          <a:solidFill>
+            <a:srgbClr val="FFC000"/>
+          </a:solidFill>
+          <a:ln>
+            <a:noFill/>
+          </a:ln>
+        </p:spPr>
+        <p:style>
+          <a:lnRef idx="2">
+            <a:schemeClr val="accent1">
+              <a:shade val="50000"/>
+            </a:schemeClr>
+          </a:lnRef>
+          <a:fillRef idx="1">
+            <a:schemeClr val="accent1"/>
+          </a:fillRef>
+          <a:effectRef idx="0">
+            <a:schemeClr val="accent1"/>
+          </a:effectRef>
+          <a:fontRef idx="minor">
+            <a:schemeClr val="lt1"/>
+          </a:fontRef>
+        </p:style>
+        <p:txBody>
+          <a:bodyPr rtlCol="0" anchor="ctr"/>
+          <a:lstStyle/>
+          <a:p>
+            <a:pPr algn="ctr"/>
+            <a:endParaRPr kumimoji="1" lang="ja-JP" altLang="en-US">
+              <a:solidFill>
+                <a:schemeClr val="tx1"/>
+              </a:solidFill>
+            </a:endParaRPr>
+          </a:p>
+        </p:txBody>
+      </p:sp>
+      <p:sp>
+        <p:nvSpPr>
+          <p:cNvPr id="6" name="U ターン矢印 5"/>
+          <p:cNvSpPr/>
+          <p:nvPr/>
+        </p:nvSpPr>
+        <p:spPr>
+          <a:xfrm rot="5400000" flipV="1">
+            <a:off x="1403648" y="4221088"/>
+            <a:ext cx="2448272" cy="864096"/>
+          </a:xfrm>
+          <a:prstGeom prst="uturnArrow">
+            <a:avLst>
+              <a:gd name="adj1" fmla="val 35764"/>
+              <a:gd name="adj2" fmla="val 25000"/>
+              <a:gd name="adj3" fmla="val 35166"/>
+              <a:gd name="adj4" fmla="val 74020"/>
+              <a:gd name="adj5" fmla="val 100000"/>
+            </a:avLst>
+          </a:prstGeom>
+          <a:solidFill>
+            <a:srgbClr val="92D050"/>
+          </a:solidFill>
+          <a:ln>
+            <a:noFill/>
+          </a:ln>
+        </p:spPr>
+        <p:style>
+          <a:lnRef idx="2">
+            <a:schemeClr val="accent1">
+              <a:shade val="50000"/>
+            </a:schemeClr>
+          </a:lnRef>
+          <a:fillRef idx="1">
+            <a:schemeClr val="accent1"/>
+          </a:fillRef>
+          <a:effectRef idx="0">
+            <a:schemeClr val="accent1"/>
+          </a:effectRef>
+          <a:fontRef idx="minor">
+            <a:schemeClr val="lt1"/>
+          </a:fontRef>
+        </p:style>
+        <p:txBody>
+          <a:bodyPr rtlCol="0" anchor="ctr"/>
+          <a:lstStyle/>
+          <a:p>
+            <a:pPr algn="ctr"/>
+            <a:endParaRPr kumimoji="1" lang="ja-JP" altLang="en-US">
+              <a:solidFill>
+                <a:schemeClr val="tx1"/>
+              </a:solidFill>
+            </a:endParaRPr>
+          </a:p>
+        </p:txBody>
+      </p:sp>
+      <p:sp>
+        <p:nvSpPr>
+          <p:cNvPr id="7" name="角丸四角形 6"/>
+          <p:cNvSpPr/>
+          <p:nvPr/>
+        </p:nvSpPr>
+        <p:spPr>
+          <a:xfrm>
+            <a:off x="3059832" y="4149080"/>
+            <a:ext cx="3024336" cy="864096"/>
+          </a:xfrm>
+          <a:prstGeom prst="roundRect">
+            <a:avLst/>
+          </a:prstGeom>
+          <a:ln>
+            <a:solidFill>
+              <a:srgbClr val="00B0F0"/>
+            </a:solidFill>
+            <a:prstDash val="dash"/>
+          </a:ln>
+        </p:spPr>
+        <p:style>
+          <a:lnRef idx="2">
+            <a:schemeClr val="accent6"/>
+          </a:lnRef>
+          <a:fillRef idx="1">
+            <a:schemeClr val="lt1"/>
+          </a:fillRef>
+          <a:effectRef idx="0">
+            <a:schemeClr val="accent6"/>
+          </a:effectRef>
+          <a:fontRef idx="minor">
+            <a:schemeClr val="dk1"/>
+          </a:fontRef>
+        </p:style>
+        <p:txBody>
+          <a:bodyPr rtlCol="0" anchor="ctr"/>
+          <a:lstStyle/>
+          <a:p>
+            <a:pPr algn="ctr"/>
+            <a:r>
+              <a:rPr kumimoji="1" lang="ja-JP" altLang="en-US" sz="2400" dirty="0" smtClean="0">
+                <a:latin typeface="+mj-ea"/>
+                <a:ea typeface="+mj-ea"/>
+              </a:rPr>
+              <a:t>継続的な更新</a:t>
+            </a:r>
+            <a:endParaRPr kumimoji="1" lang="ja-JP" altLang="en-US" sz="2400" dirty="0">
+              <a:latin typeface="+mj-ea"/>
+              <a:ea typeface="+mj-ea"/>
+            </a:endParaRPr>
+          </a:p>
+        </p:txBody>
+      </p:sp>
+      <p:sp>
+        <p:nvSpPr>
+          <p:cNvPr id="8" name="角丸四角形 7"/>
+          <p:cNvSpPr/>
+          <p:nvPr/>
+        </p:nvSpPr>
+        <p:spPr>
+          <a:xfrm>
+            <a:off x="6876256" y="4005064"/>
+            <a:ext cx="2051720" cy="1080120"/>
+          </a:xfrm>
+          <a:prstGeom prst="roundRect">
+            <a:avLst/>
+          </a:prstGeom>
+          <a:noFill/>
+          <a:ln>
+            <a:noFill/>
+          </a:ln>
+        </p:spPr>
+        <p:style>
+          <a:lnRef idx="2">
+            <a:schemeClr val="accent1">
+              <a:shade val="50000"/>
+            </a:schemeClr>
+          </a:lnRef>
+          <a:fillRef idx="1">
+            <a:schemeClr val="accent1"/>
+          </a:fillRef>
+          <a:effectRef idx="0">
+            <a:schemeClr val="accent1"/>
+          </a:effectRef>
+          <a:fontRef idx="minor">
+            <a:schemeClr val="lt1"/>
+          </a:fontRef>
+        </p:style>
+        <p:txBody>
+          <a:bodyPr rtlCol="0" anchor="ctr"/>
+          <a:lstStyle/>
+          <a:p>
+            <a:pPr algn="ctr"/>
+            <a:r>
+              <a:rPr lang="en-US" altLang="ja-JP" sz="2000" dirty="0" smtClean="0">
+                <a:solidFill>
+                  <a:sysClr val="windowText" lastClr="000000"/>
+                </a:solidFill>
+                <a:latin typeface="HGPｺﾞｼｯｸE" pitchFamily="50" charset="-128"/>
+                <a:ea typeface="HGPｺﾞｼｯｸE" pitchFamily="50" charset="-128"/>
+              </a:rPr>
+              <a:t>Model</a:t>
+            </a:r>
+            <a:r>
+              <a:rPr lang="ja-JP" altLang="en-US" sz="2000" dirty="0" smtClean="0">
+                <a:solidFill>
+                  <a:sysClr val="windowText" lastClr="000000"/>
+                </a:solidFill>
+                <a:latin typeface="HGPｺﾞｼｯｸE" pitchFamily="50" charset="-128"/>
+                <a:ea typeface="HGPｺﾞｼｯｸE" pitchFamily="50" charset="-128"/>
+              </a:rPr>
+              <a:t>の更新を</a:t>
+            </a:r>
+            <a:endParaRPr lang="en-US" altLang="ja-JP" sz="2000" dirty="0" smtClean="0">
+              <a:solidFill>
+                <a:sysClr val="windowText" lastClr="000000"/>
+              </a:solidFill>
+              <a:latin typeface="HGPｺﾞｼｯｸE" pitchFamily="50" charset="-128"/>
+              <a:ea typeface="HGPｺﾞｼｯｸE" pitchFamily="50" charset="-128"/>
+            </a:endParaRPr>
+          </a:p>
+          <a:p>
+            <a:pPr algn="ctr"/>
+            <a:r>
+              <a:rPr lang="en-US" altLang="ja-JP" sz="2000" dirty="0" smtClean="0">
+                <a:solidFill>
+                  <a:sysClr val="windowText" lastClr="000000"/>
+                </a:solidFill>
+                <a:latin typeface="HGPｺﾞｼｯｸE" pitchFamily="50" charset="-128"/>
+                <a:ea typeface="HGPｺﾞｼｯｸE" pitchFamily="50" charset="-128"/>
+              </a:rPr>
+              <a:t>View</a:t>
+            </a:r>
+            <a:r>
+              <a:rPr lang="ja-JP" altLang="en-US" sz="2000" dirty="0" smtClean="0">
+                <a:solidFill>
+                  <a:sysClr val="windowText" lastClr="000000"/>
+                </a:solidFill>
+                <a:latin typeface="HGPｺﾞｼｯｸE" pitchFamily="50" charset="-128"/>
+                <a:ea typeface="HGPｺﾞｼｯｸE" pitchFamily="50" charset="-128"/>
+              </a:rPr>
+              <a:t>に反映</a:t>
+            </a:r>
+            <a:endParaRPr kumimoji="1" lang="ja-JP" altLang="en-US" sz="2000" dirty="0">
+              <a:solidFill>
+                <a:sysClr val="windowText" lastClr="000000"/>
+              </a:solidFill>
+              <a:latin typeface="HGPｺﾞｼｯｸE" pitchFamily="50" charset="-128"/>
+              <a:ea typeface="HGPｺﾞｼｯｸE" pitchFamily="50" charset="-128"/>
+            </a:endParaRPr>
+          </a:p>
+        </p:txBody>
+      </p:sp>
+      <p:sp>
+        <p:nvSpPr>
+          <p:cNvPr id="9" name="角丸四角形 8"/>
+          <p:cNvSpPr/>
+          <p:nvPr/>
+        </p:nvSpPr>
+        <p:spPr>
+          <a:xfrm>
+            <a:off x="323528" y="4005064"/>
+            <a:ext cx="2051720" cy="1080120"/>
+          </a:xfrm>
+          <a:prstGeom prst="roundRect">
+            <a:avLst/>
+          </a:prstGeom>
+          <a:noFill/>
+          <a:ln>
+            <a:noFill/>
+          </a:ln>
+        </p:spPr>
+        <p:style>
+          <a:lnRef idx="2">
+            <a:schemeClr val="accent1">
+              <a:shade val="50000"/>
+            </a:schemeClr>
+          </a:lnRef>
+          <a:fillRef idx="1">
+            <a:schemeClr val="accent1"/>
+          </a:fillRef>
+          <a:effectRef idx="0">
+            <a:schemeClr val="accent1"/>
+          </a:effectRef>
+          <a:fontRef idx="minor">
+            <a:schemeClr val="lt1"/>
+          </a:fontRef>
+        </p:style>
+        <p:txBody>
+          <a:bodyPr rtlCol="0" anchor="ctr"/>
+          <a:lstStyle/>
+          <a:p>
+            <a:pPr algn="ctr"/>
+            <a:r>
+              <a:rPr lang="en-US" altLang="ja-JP" sz="2000" dirty="0" smtClean="0">
+                <a:solidFill>
+                  <a:sysClr val="windowText" lastClr="000000"/>
+                </a:solidFill>
+                <a:latin typeface="HGPｺﾞｼｯｸE" pitchFamily="50" charset="-128"/>
+                <a:ea typeface="HGPｺﾞｼｯｸE" pitchFamily="50" charset="-128"/>
+              </a:rPr>
+              <a:t>View</a:t>
+            </a:r>
+            <a:r>
+              <a:rPr lang="ja-JP" altLang="en-US" sz="2000" dirty="0" smtClean="0">
+                <a:solidFill>
+                  <a:sysClr val="windowText" lastClr="000000"/>
+                </a:solidFill>
+                <a:latin typeface="HGPｺﾞｼｯｸE" pitchFamily="50" charset="-128"/>
+                <a:ea typeface="HGPｺﾞｼｯｸE" pitchFamily="50" charset="-128"/>
+              </a:rPr>
+              <a:t>の更新を</a:t>
+            </a:r>
+            <a:endParaRPr lang="en-US" altLang="ja-JP" sz="2000" dirty="0" smtClean="0">
+              <a:solidFill>
+                <a:sysClr val="windowText" lastClr="000000"/>
+              </a:solidFill>
+              <a:latin typeface="HGPｺﾞｼｯｸE" pitchFamily="50" charset="-128"/>
+              <a:ea typeface="HGPｺﾞｼｯｸE" pitchFamily="50" charset="-128"/>
+            </a:endParaRPr>
+          </a:p>
+          <a:p>
+            <a:pPr algn="ctr"/>
+            <a:r>
+              <a:rPr lang="en-US" altLang="ja-JP" sz="2000" dirty="0" smtClean="0">
+                <a:solidFill>
+                  <a:sysClr val="windowText" lastClr="000000"/>
+                </a:solidFill>
+                <a:latin typeface="HGPｺﾞｼｯｸE" pitchFamily="50" charset="-128"/>
+                <a:ea typeface="HGPｺﾞｼｯｸE" pitchFamily="50" charset="-128"/>
+              </a:rPr>
+              <a:t>Model</a:t>
+            </a:r>
+            <a:r>
+              <a:rPr lang="ja-JP" altLang="en-US" sz="2000" dirty="0" smtClean="0">
+                <a:solidFill>
+                  <a:sysClr val="windowText" lastClr="000000"/>
+                </a:solidFill>
+                <a:latin typeface="HGPｺﾞｼｯｸE" pitchFamily="50" charset="-128"/>
+                <a:ea typeface="HGPｺﾞｼｯｸE" pitchFamily="50" charset="-128"/>
+              </a:rPr>
+              <a:t>に反映</a:t>
+            </a:r>
+            <a:endParaRPr kumimoji="1" lang="ja-JP" altLang="en-US" sz="2000" dirty="0">
+              <a:solidFill>
+                <a:sysClr val="windowText" lastClr="000000"/>
+              </a:solidFill>
+              <a:latin typeface="HGPｺﾞｼｯｸE" pitchFamily="50" charset="-128"/>
+              <a:ea typeface="HGPｺﾞｼｯｸE" pitchFamily="50" charset="-128"/>
+            </a:endParaRPr>
+          </a:p>
+        </p:txBody>
+      </p:sp>
+    </p:spTree>
+  </p:cSld>
+  <p:clrMapOvr>
+    <a:masterClrMapping/>
+  </p:clrMapOvr>
+</p:sld>
+</file>
+
+<file path=ppt/slides/slide11.xml><?xml version="1.0" encoding="utf-8"?>
+<p:sld xmlns:a="http://schemas.openxmlformats.org/drawingml/2006/main" xmlns:r="http://schemas.openxmlformats.org/officeDocument/2006/relationships" xmlns:p="http://schemas.openxmlformats.org/presentationml/2006/main">
+  <p:cSld>
+    <p:spTree>
+      <p:nvGrpSpPr>
+        <p:cNvPr id="1" name=""/>
+        <p:cNvGrpSpPr/>
+        <p:nvPr/>
+      </p:nvGrpSpPr>
+      <p:grpSpPr>
+        <a:xfrm>
+          <a:off x="0" y="0"/>
+          <a:ext cx="0" cy="0"/>
+          <a:chOff x="0" y="0"/>
+          <a:chExt cx="0" cy="0"/>
+        </a:xfrm>
+      </p:grpSpPr>
+      <p:sp>
+        <p:nvSpPr>
+          <p:cNvPr id="2" name="タイトル 1"/>
+          <p:cNvSpPr>
+            <a:spLocks noGrp="1"/>
+          </p:cNvSpPr>
+          <p:nvPr>
+            <p:ph type="title"/>
+          </p:nvPr>
+        </p:nvSpPr>
+        <p:spPr/>
+        <p:txBody>
+          <a:bodyPr/>
+          <a:lstStyle/>
+          <a:p>
+            <a:endParaRPr kumimoji="1" lang="ja-JP" altLang="en-US"/>
+          </a:p>
+        </p:txBody>
+      </p:sp>
+      <p:pic>
+        <p:nvPicPr>
+          <p:cNvPr id="5123" name="図 4"/>
+          <p:cNvPicPr>
+            <a:picLocks noChangeAspect="1" noChangeArrowheads="1"/>
+          </p:cNvPicPr>
+          <p:nvPr/>
+        </p:nvPicPr>
+        <p:blipFill>
+          <a:blip r:embed="rId2" cstate="print"/>
+          <a:srcRect l="28133" t="21303" r="28151" b="72607"/>
+          <a:stretch>
+            <a:fillRect/>
+          </a:stretch>
+        </p:blipFill>
+        <p:spPr bwMode="auto">
+          <a:xfrm>
+            <a:off x="1259632" y="1556792"/>
+            <a:ext cx="6722729" cy="748740"/>
+          </a:xfrm>
+          <a:prstGeom prst="rect">
+            <a:avLst/>
+          </a:prstGeom>
+          <a:noFill/>
+        </p:spPr>
+      </p:pic>
+      <p:pic>
+        <p:nvPicPr>
+          <p:cNvPr id="5122" name="図 2"/>
+          <p:cNvPicPr>
+            <a:picLocks noChangeAspect="1" noChangeArrowheads="1"/>
+          </p:cNvPicPr>
+          <p:nvPr/>
+        </p:nvPicPr>
+        <p:blipFill>
+          <a:blip r:embed="rId3" cstate="print"/>
+          <a:srcRect l="28204" t="21117" r="28215" b="70412"/>
+          <a:stretch>
+            <a:fillRect/>
+          </a:stretch>
+        </p:blipFill>
+        <p:spPr bwMode="auto">
+          <a:xfrm>
+            <a:off x="1259632" y="2996952"/>
+            <a:ext cx="6722726" cy="1035491"/>
+          </a:xfrm>
+          <a:prstGeom prst="rect">
+            <a:avLst/>
+          </a:prstGeom>
+          <a:noFill/>
+        </p:spPr>
+      </p:pic>
+      <p:pic>
+        <p:nvPicPr>
+          <p:cNvPr id="5121" name="図 3"/>
+          <p:cNvPicPr>
+            <a:picLocks noChangeAspect="1" noChangeArrowheads="1"/>
+          </p:cNvPicPr>
+          <p:nvPr/>
+        </p:nvPicPr>
+        <p:blipFill>
+          <a:blip r:embed="rId4" cstate="print"/>
+          <a:srcRect l="28281" t="21269" r="28241" b="70325"/>
+          <a:stretch>
+            <a:fillRect/>
+          </a:stretch>
+        </p:blipFill>
+        <p:spPr bwMode="auto">
+          <a:xfrm>
+            <a:off x="1259632" y="4653136"/>
+            <a:ext cx="6722725" cy="1008112"/>
+          </a:xfrm>
+          <a:prstGeom prst="rect">
+            <a:avLst/>
+          </a:prstGeom>
+          <a:noFill/>
+        </p:spPr>
+      </p:pic>
+      <p:sp>
+        <p:nvSpPr>
+          <p:cNvPr id="5124" name="Rectangle 4"/>
+          <p:cNvSpPr>
+            <a:spLocks noChangeArrowheads="1"/>
+          </p:cNvSpPr>
+          <p:nvPr/>
+        </p:nvSpPr>
+        <p:spPr bwMode="auto">
+          <a:xfrm>
+            <a:off x="0" y="0"/>
+            <a:ext cx="9144000" cy="457200"/>
+          </a:xfrm>
+          <a:prstGeom prst="rect">
+            <a:avLst/>
+          </a:prstGeom>
+          <a:noFill/>
+          <a:ln w="9525">
+            <a:noFill/>
+            <a:miter lim="800000"/>
+            <a:headEnd/>
+            <a:tailEnd/>
+          </a:ln>
+          <a:effectLst/>
+        </p:spPr>
+        <p:txBody>
+          <a:bodyPr vert="horz" wrap="none" lIns="91440" tIns="45720" rIns="91440" bIns="45720" numCol="1" anchor="ctr" anchorCtr="0" compatLnSpc="1">
+            <a:prstTxWarp prst="textNoShape">
+              <a:avLst/>
+            </a:prstTxWarp>
+            <a:spAutoFit/>
+          </a:bodyPr>
+          <a:lstStyle/>
+          <a:p>
+            <a:endParaRPr lang="ja-JP" altLang="en-US"/>
+          </a:p>
+        </p:txBody>
+      </p:sp>
+      <p:sp>
+        <p:nvSpPr>
+          <p:cNvPr id="5125" name="Rectangle 5"/>
+          <p:cNvSpPr>
+            <a:spLocks noChangeArrowheads="1"/>
+          </p:cNvSpPr>
+          <p:nvPr/>
+        </p:nvSpPr>
+        <p:spPr bwMode="auto">
+          <a:xfrm>
+            <a:off x="0" y="904875"/>
+            <a:ext cx="9144000" cy="457200"/>
+          </a:xfrm>
+          <a:prstGeom prst="rect">
+            <a:avLst/>
+          </a:prstGeom>
+          <a:noFill/>
+          <a:ln w="9525">
+            <a:noFill/>
+            <a:miter lim="800000"/>
+            <a:headEnd/>
+            <a:tailEnd/>
+          </a:ln>
+          <a:effectLst/>
+        </p:spPr>
+        <p:txBody>
+          <a:bodyPr vert="horz" wrap="none" lIns="91440" tIns="45720" rIns="91440" bIns="45720" numCol="1" anchor="ctr" anchorCtr="0" compatLnSpc="1">
+            <a:prstTxWarp prst="textNoShape">
+              <a:avLst/>
+            </a:prstTxWarp>
+            <a:spAutoFit/>
+          </a:bodyPr>
+          <a:lstStyle/>
+          <a:p>
+            <a:endParaRPr lang="ja-JP" altLang="en-US"/>
+          </a:p>
+        </p:txBody>
+      </p:sp>
+      <p:sp>
+        <p:nvSpPr>
+          <p:cNvPr id="5126" name="Rectangle 6"/>
+          <p:cNvSpPr>
+            <a:spLocks noChangeArrowheads="1"/>
+          </p:cNvSpPr>
+          <p:nvPr/>
+        </p:nvSpPr>
+        <p:spPr bwMode="auto">
+          <a:xfrm>
+            <a:off x="0" y="1981200"/>
+            <a:ext cx="9144000" cy="457200"/>
+          </a:xfrm>
+          <a:prstGeom prst="rect">
+            <a:avLst/>
+          </a:prstGeom>
+          <a:noFill/>
+          <a:ln w="9525">
+            <a:noFill/>
+            <a:miter lim="800000"/>
+            <a:headEnd/>
+            <a:tailEnd/>
+          </a:ln>
+          <a:effectLst/>
+        </p:spPr>
+        <p:txBody>
+          <a:bodyPr vert="horz" wrap="none" lIns="91440" tIns="45720" rIns="91440" bIns="45720" numCol="1" anchor="ctr" anchorCtr="0" compatLnSpc="1">
+            <a:prstTxWarp prst="textNoShape">
+              <a:avLst/>
+            </a:prstTxWarp>
+            <a:spAutoFit/>
+          </a:bodyPr>
+          <a:lstStyle/>
+          <a:p>
+            <a:endParaRPr lang="ja-JP" altLang="en-US"/>
+          </a:p>
+        </p:txBody>
+      </p:sp>
+      <p:sp>
+        <p:nvSpPr>
+          <p:cNvPr id="11" name="テキスト ボックス 10"/>
+          <p:cNvSpPr txBox="1"/>
+          <p:nvPr/>
+        </p:nvSpPr>
+        <p:spPr>
+          <a:xfrm>
+            <a:off x="3275856" y="2348880"/>
+            <a:ext cx="2808312" cy="369332"/>
+          </a:xfrm>
+          <a:prstGeom prst="rect">
+            <a:avLst/>
+          </a:prstGeom>
+          <a:noFill/>
+        </p:spPr>
+        <p:txBody>
+          <a:bodyPr wrap="square" rtlCol="0">
+            <a:spAutoFit/>
+          </a:bodyPr>
+          <a:lstStyle/>
+          <a:p>
+            <a:r>
+              <a:rPr lang="en-US" altLang="ja-JP" dirty="0" smtClean="0"/>
+              <a:t>(</a:t>
+            </a:r>
+            <a:r>
+              <a:rPr lang="en-US" altLang="ja-JP" dirty="0" smtClean="0"/>
+              <a:t>a) </a:t>
+            </a:r>
+            <a:r>
+              <a:rPr lang="ja-JP" altLang="en-US" dirty="0" smtClean="0"/>
+              <a:t>入力値が正常な場合</a:t>
+            </a:r>
+            <a:endParaRPr kumimoji="1" lang="ja-JP" altLang="en-US" dirty="0"/>
+          </a:p>
+        </p:txBody>
+      </p:sp>
+      <p:sp>
+        <p:nvSpPr>
+          <p:cNvPr id="12" name="テキスト ボックス 11"/>
+          <p:cNvSpPr txBox="1"/>
+          <p:nvPr/>
+        </p:nvSpPr>
+        <p:spPr>
+          <a:xfrm>
+            <a:off x="3491880" y="3995772"/>
+            <a:ext cx="2376264" cy="369332"/>
+          </a:xfrm>
+          <a:prstGeom prst="rect">
+            <a:avLst/>
+          </a:prstGeom>
+          <a:noFill/>
+        </p:spPr>
+        <p:txBody>
+          <a:bodyPr wrap="square" rtlCol="0">
+            <a:spAutoFit/>
+          </a:bodyPr>
+          <a:lstStyle/>
+          <a:p>
+            <a:r>
+              <a:rPr lang="en-US" altLang="ja-JP" dirty="0" smtClean="0"/>
+              <a:t>(</a:t>
+            </a:r>
+            <a:r>
+              <a:rPr lang="en-US" altLang="ja-JP" dirty="0" smtClean="0"/>
+              <a:t>b</a:t>
+            </a:r>
+            <a:r>
+              <a:rPr lang="en-US" altLang="ja-JP" dirty="0" smtClean="0"/>
+              <a:t>) </a:t>
+            </a:r>
+            <a:r>
+              <a:rPr lang="ja-JP" altLang="en-US" dirty="0" smtClean="0"/>
+              <a:t>未入力の場合</a:t>
+            </a:r>
+            <a:endParaRPr kumimoji="1" lang="ja-JP" altLang="en-US" dirty="0"/>
+          </a:p>
+        </p:txBody>
+      </p:sp>
+      <p:sp>
+        <p:nvSpPr>
+          <p:cNvPr id="13" name="テキスト ボックス 12"/>
+          <p:cNvSpPr txBox="1"/>
+          <p:nvPr/>
+        </p:nvSpPr>
+        <p:spPr>
+          <a:xfrm>
+            <a:off x="3275856" y="5651956"/>
+            <a:ext cx="2736304" cy="369332"/>
+          </a:xfrm>
+          <a:prstGeom prst="rect">
+            <a:avLst/>
+          </a:prstGeom>
+          <a:noFill/>
+        </p:spPr>
+        <p:txBody>
+          <a:bodyPr wrap="square" rtlCol="0">
+            <a:spAutoFit/>
+          </a:bodyPr>
+          <a:lstStyle/>
+          <a:p>
+            <a:r>
+              <a:rPr lang="en-US" altLang="ja-JP" dirty="0" smtClean="0"/>
+              <a:t>(</a:t>
+            </a:r>
+            <a:r>
+              <a:rPr lang="ja-JP" altLang="en-US" dirty="0" smtClean="0"/>
+              <a:t>ｃ</a:t>
+            </a:r>
+            <a:r>
+              <a:rPr lang="en-US" altLang="ja-JP" dirty="0" smtClean="0"/>
+              <a:t>) </a:t>
+            </a:r>
+            <a:r>
+              <a:rPr lang="ja-JP" altLang="en-US" dirty="0" smtClean="0"/>
+              <a:t>入力値が不正な場合</a:t>
+            </a:r>
+            <a:endParaRPr kumimoji="1" lang="ja-JP" altLang="en-US" dirty="0"/>
+          </a:p>
+        </p:txBody>
+      </p:sp>
+    </p:spTree>
+  </p:cSld>
+  <p:clrMapOvr>
+    <a:masterClrMapping/>
+  </p:clrMapOvr>
+</p:sld>
+</file>
+
+<file path=ppt/slides/slide12.xml><?xml version="1.0" encoding="utf-8"?>
+<p:sld xmlns:a="http://schemas.openxmlformats.org/drawingml/2006/main" xmlns:r="http://schemas.openxmlformats.org/officeDocument/2006/relationships" xmlns:p="http://schemas.openxmlformats.org/presentationml/2006/main">
+  <p:cSld>
+    <p:spTree>
+      <p:nvGrpSpPr>
+        <p:cNvPr id="1" name=""/>
+        <p:cNvGrpSpPr/>
+        <p:nvPr/>
+      </p:nvGrpSpPr>
+      <p:grpSpPr>
+        <a:xfrm>
+          <a:off x="0" y="0"/>
+          <a:ext cx="0" cy="0"/>
+          <a:chOff x="0" y="0"/>
+          <a:chExt cx="0" cy="0"/>
+        </a:xfrm>
+      </p:grpSpPr>
+      <p:sp>
+        <p:nvSpPr>
+          <p:cNvPr id="2" name="タイトル 1"/>
+          <p:cNvSpPr>
+            <a:spLocks noGrp="1"/>
+          </p:cNvSpPr>
+          <p:nvPr>
+            <p:ph type="title"/>
+          </p:nvPr>
+        </p:nvSpPr>
+        <p:spPr/>
+        <p:txBody>
+          <a:bodyPr/>
+          <a:lstStyle/>
+          <a:p>
+            <a:endParaRPr kumimoji="1" lang="ja-JP" altLang="en-US"/>
+          </a:p>
+        </p:txBody>
+      </p:sp>
+      <p:pic>
+        <p:nvPicPr>
+          <p:cNvPr id="2050" name="Picture 2"/>
+          <p:cNvPicPr>
+            <a:picLocks noChangeAspect="1" noChangeArrowheads="1"/>
+          </p:cNvPicPr>
+          <p:nvPr/>
+        </p:nvPicPr>
+        <p:blipFill>
+          <a:blip r:embed="rId2" cstate="print"/>
+          <a:srcRect l="26278" t="10793" r="26472" b="50078"/>
+          <a:stretch>
+            <a:fillRect/>
+          </a:stretch>
+        </p:blipFill>
+        <p:spPr bwMode="auto">
+          <a:xfrm>
+            <a:off x="0" y="1052736"/>
+            <a:ext cx="5760640" cy="3816424"/>
+          </a:xfrm>
+          <a:prstGeom prst="rect">
+            <a:avLst/>
+          </a:prstGeom>
+          <a:noFill/>
+          <a:ln w="9525">
+            <a:noFill/>
+            <a:miter lim="800000"/>
+            <a:headEnd/>
+            <a:tailEnd/>
+          </a:ln>
+        </p:spPr>
+      </p:pic>
+      <p:pic>
+        <p:nvPicPr>
+          <p:cNvPr id="2051" name="Picture 3"/>
+          <p:cNvPicPr>
+            <a:picLocks noChangeAspect="1" noChangeArrowheads="1"/>
+          </p:cNvPicPr>
+          <p:nvPr/>
+        </p:nvPicPr>
+        <p:blipFill>
+          <a:blip r:embed="rId3" cstate="print"/>
+          <a:srcRect l="26278" t="10793" r="26472" b="50078"/>
+          <a:stretch>
+            <a:fillRect/>
+          </a:stretch>
+        </p:blipFill>
+        <p:spPr bwMode="auto">
+          <a:xfrm>
+            <a:off x="1331640" y="1988840"/>
+            <a:ext cx="5760640" cy="3816424"/>
+          </a:xfrm>
+          <a:prstGeom prst="rect">
+            <a:avLst/>
+          </a:prstGeom>
+          <a:noFill/>
+          <a:ln w="9525">
+            <a:noFill/>
+            <a:miter lim="800000"/>
+            <a:headEnd/>
+            <a:tailEnd/>
+          </a:ln>
+        </p:spPr>
+      </p:pic>
+      <p:pic>
+        <p:nvPicPr>
+          <p:cNvPr id="5" name="Picture 2"/>
+          <p:cNvPicPr>
+            <a:picLocks noChangeAspect="1" noChangeArrowheads="1"/>
+          </p:cNvPicPr>
+          <p:nvPr/>
+        </p:nvPicPr>
+        <p:blipFill>
+          <a:blip r:embed="rId4" cstate="print"/>
+          <a:srcRect l="26578" t="11074" r="26173" b="49798"/>
+          <a:stretch>
+            <a:fillRect/>
+          </a:stretch>
+        </p:blipFill>
+        <p:spPr bwMode="auto">
+          <a:xfrm>
+            <a:off x="3923928" y="360040"/>
+            <a:ext cx="5760640" cy="3816424"/>
+          </a:xfrm>
+          <a:prstGeom prst="rect">
+            <a:avLst/>
+          </a:prstGeom>
+          <a:noFill/>
+          <a:ln w="9525">
+            <a:noFill/>
+            <a:miter lim="800000"/>
+            <a:headEnd/>
+            <a:tailEnd/>
+          </a:ln>
+        </p:spPr>
+      </p:pic>
+      <p:pic>
+        <p:nvPicPr>
+          <p:cNvPr id="6" name="Picture 3"/>
+          <p:cNvPicPr>
+            <a:picLocks noChangeAspect="1" noChangeArrowheads="1"/>
+          </p:cNvPicPr>
+          <p:nvPr/>
+        </p:nvPicPr>
+        <p:blipFill>
+          <a:blip r:embed="rId5" cstate="print"/>
+          <a:srcRect l="26278" t="10793" r="26472" b="50078"/>
+          <a:stretch>
+            <a:fillRect/>
+          </a:stretch>
+        </p:blipFill>
+        <p:spPr bwMode="auto">
+          <a:xfrm>
+            <a:off x="3635896" y="2852936"/>
+            <a:ext cx="5760640" cy="3816424"/>
+          </a:xfrm>
+          <a:prstGeom prst="rect">
+            <a:avLst/>
+          </a:prstGeom>
+          <a:noFill/>
+          <a:ln w="9525">
+            <a:noFill/>
+            <a:miter lim="800000"/>
+            <a:headEnd/>
+            <a:tailEnd/>
+          </a:ln>
+        </p:spPr>
+      </p:pic>
+    </p:spTree>
+  </p:cSld>
+  <p:clrMapOvr>
+    <a:masterClrMapping/>
+  </p:clrMapOvr>
+</p:sld>
+</file>
+
+<file path=ppt/slides/slide13.xml><?xml version="1.0" encoding="utf-8"?>
+<p:sld xmlns:a="http://schemas.openxmlformats.org/drawingml/2006/main" xmlns:r="http://schemas.openxmlformats.org/officeDocument/2006/relationships" xmlns:p="http://schemas.openxmlformats.org/presentationml/2006/main">
+  <p:cSld>
+    <p:spTree>
+      <p:nvGrpSpPr>
+        <p:cNvPr id="1" name=""/>
+        <p:cNvGrpSpPr/>
+        <p:nvPr/>
+      </p:nvGrpSpPr>
+      <p:grpSpPr>
+        <a:xfrm>
+          <a:off x="0" y="0"/>
+          <a:ext cx="0" cy="0"/>
+          <a:chOff x="0" y="0"/>
+          <a:chExt cx="0" cy="0"/>
+        </a:xfrm>
+      </p:grpSpPr>
+      <p:sp>
+        <p:nvSpPr>
+          <p:cNvPr id="2" name="タイトル 1"/>
+          <p:cNvSpPr>
+            <a:spLocks noGrp="1"/>
+          </p:cNvSpPr>
+          <p:nvPr>
+            <p:ph type="title"/>
+          </p:nvPr>
+        </p:nvSpPr>
+        <p:spPr/>
+        <p:txBody>
+          <a:bodyPr/>
+          <a:lstStyle/>
+          <a:p>
+            <a:endParaRPr kumimoji="1" lang="ja-JP" altLang="en-US"/>
+          </a:p>
+        </p:txBody>
+      </p:sp>
+      <p:pic>
+        <p:nvPicPr>
+          <p:cNvPr id="3074" name="Picture 2"/>
+          <p:cNvPicPr>
+            <a:picLocks noChangeAspect="1" noChangeArrowheads="1"/>
+          </p:cNvPicPr>
+          <p:nvPr/>
+        </p:nvPicPr>
+        <p:blipFill>
+          <a:blip r:embed="rId2" cstate="print"/>
+          <a:srcRect/>
+          <a:stretch>
+            <a:fillRect/>
+          </a:stretch>
+        </p:blipFill>
+        <p:spPr bwMode="auto">
+          <a:xfrm>
+            <a:off x="1695450" y="1938338"/>
+            <a:ext cx="5753100" cy="2981325"/>
+          </a:xfrm>
+          <a:prstGeom prst="rect">
+            <a:avLst/>
+          </a:prstGeom>
+          <a:noFill/>
+          <a:ln w="9525">
+            <a:noFill/>
+            <a:miter lim="800000"/>
+            <a:headEnd/>
+            <a:tailEnd/>
+          </a:ln>
+        </p:spPr>
+      </p:pic>
+      <p:pic>
+        <p:nvPicPr>
+          <p:cNvPr id="3075" name="Picture 3"/>
+          <p:cNvPicPr>
+            <a:picLocks noChangeAspect="1" noChangeArrowheads="1"/>
+          </p:cNvPicPr>
+          <p:nvPr/>
+        </p:nvPicPr>
+        <p:blipFill>
+          <a:blip r:embed="rId3" cstate="print"/>
+          <a:srcRect/>
+          <a:stretch>
+            <a:fillRect/>
+          </a:stretch>
+        </p:blipFill>
+        <p:spPr bwMode="auto">
+          <a:xfrm>
+            <a:off x="971600" y="1052736"/>
+            <a:ext cx="5753100" cy="3009900"/>
+          </a:xfrm>
+          <a:prstGeom prst="rect">
+            <a:avLst/>
+          </a:prstGeom>
+          <a:noFill/>
+          <a:ln w="9525">
+            <a:noFill/>
+            <a:miter lim="800000"/>
+            <a:headEnd/>
+            <a:tailEnd/>
+          </a:ln>
+        </p:spPr>
+      </p:pic>
+    </p:spTree>
+  </p:cSld>
+  <p:clrMapOvr>
+    <a:masterClrMapping/>
+  </p:clrMapOvr>
+</p:sld>
+</file>
+
+<file path=ppt/slides/slide14.xml><?xml version="1.0" encoding="utf-8"?>
+<p:sld xmlns:a="http://schemas.openxmlformats.org/drawingml/2006/main" xmlns:r="http://schemas.openxmlformats.org/officeDocument/2006/relationships" xmlns:p="http://schemas.openxmlformats.org/presentationml/2006/main">
+  <p:cSld>
+    <p:spTree>
+      <p:nvGrpSpPr>
+        <p:cNvPr id="1" name=""/>
+        <p:cNvGrpSpPr/>
+        <p:nvPr/>
+      </p:nvGrpSpPr>
+      <p:grpSpPr>
+        <a:xfrm>
+          <a:off x="0" y="0"/>
+          <a:ext cx="0" cy="0"/>
+          <a:chOff x="0" y="0"/>
+          <a:chExt cx="0" cy="0"/>
+        </a:xfrm>
+      </p:grpSpPr>
+      <p:sp>
+        <p:nvSpPr>
+          <p:cNvPr id="2" name="タイトル 1"/>
+          <p:cNvSpPr>
+            <a:spLocks noGrp="1"/>
+          </p:cNvSpPr>
+          <p:nvPr>
+            <p:ph type="title"/>
+          </p:nvPr>
+        </p:nvSpPr>
+        <p:spPr/>
+        <p:txBody>
+          <a:bodyPr/>
+          <a:lstStyle/>
+          <a:p>
+            <a:endParaRPr kumimoji="1" lang="ja-JP" altLang="en-US"/>
+          </a:p>
+        </p:txBody>
+      </p:sp>
+      <p:pic>
+        <p:nvPicPr>
+          <p:cNvPr id="4098" name="Picture 2"/>
+          <p:cNvPicPr>
+            <a:picLocks noChangeAspect="1" noChangeArrowheads="1"/>
+          </p:cNvPicPr>
+          <p:nvPr/>
+        </p:nvPicPr>
+        <p:blipFill>
+          <a:blip r:embed="rId2" cstate="print"/>
+          <a:srcRect/>
+          <a:stretch>
+            <a:fillRect/>
+          </a:stretch>
+        </p:blipFill>
+        <p:spPr bwMode="auto">
+          <a:xfrm>
+            <a:off x="1666875" y="2357438"/>
+            <a:ext cx="5810250" cy="2143125"/>
+          </a:xfrm>
+          <a:prstGeom prst="rect">
+            <a:avLst/>
+          </a:prstGeom>
+          <a:noFill/>
+          <a:ln w="9525">
+            <a:noFill/>
+            <a:miter lim="800000"/>
+            <a:headEnd/>
+            <a:tailEnd/>
+          </a:ln>
+        </p:spPr>
+      </p:pic>
+      <p:pic>
+        <p:nvPicPr>
+          <p:cNvPr id="4099" name="Picture 3"/>
+          <p:cNvPicPr>
+            <a:picLocks noChangeAspect="1" noChangeArrowheads="1"/>
+          </p:cNvPicPr>
+          <p:nvPr/>
+        </p:nvPicPr>
+        <p:blipFill>
+          <a:blip r:embed="rId3" cstate="print"/>
+          <a:srcRect/>
+          <a:stretch>
+            <a:fillRect/>
+          </a:stretch>
+        </p:blipFill>
+        <p:spPr bwMode="auto">
+          <a:xfrm>
+            <a:off x="2033588" y="2714625"/>
+            <a:ext cx="5076825" cy="1428750"/>
+          </a:xfrm>
+          <a:prstGeom prst="rect">
+            <a:avLst/>
+          </a:prstGeom>
+          <a:noFill/>
+          <a:ln w="9525">
+            <a:noFill/>
+            <a:miter lim="800000"/>
+            <a:headEnd/>
+            <a:tailEnd/>
+          </a:ln>
+        </p:spPr>
+      </p:pic>
+    </p:spTree>
+  </p:cSld>
+  <p:clrMapOvr>
+    <a:masterClrMapping/>
+  </p:clrMapOvr>
+</p:sld>
+</file>
+
+<file path=ppt/slides/slide15.xml><?xml version="1.0" encoding="utf-8"?>
+<p:sld xmlns:a="http://schemas.openxmlformats.org/drawingml/2006/main" xmlns:r="http://schemas.openxmlformats.org/officeDocument/2006/relationships" xmlns:p="http://schemas.openxmlformats.org/presentationml/2006/main">
+  <p:cSld>
+    <p:spTree>
+      <p:nvGrpSpPr>
+        <p:cNvPr id="1" name=""/>
+        <p:cNvGrpSpPr/>
+        <p:nvPr/>
+      </p:nvGrpSpPr>
+      <p:grpSpPr>
+        <a:xfrm>
+          <a:off x="0" y="0"/>
+          <a:ext cx="0" cy="0"/>
+          <a:chOff x="0" y="0"/>
+          <a:chExt cx="0" cy="0"/>
+        </a:xfrm>
+      </p:grpSpPr>
+      <p:sp>
+        <p:nvSpPr>
+          <p:cNvPr id="2" name="タイトル 1"/>
+          <p:cNvSpPr>
+            <a:spLocks noGrp="1"/>
+          </p:cNvSpPr>
+          <p:nvPr>
+            <p:ph type="title"/>
+          </p:nvPr>
+        </p:nvSpPr>
+        <p:spPr/>
+        <p:txBody>
+          <a:bodyPr/>
+          <a:lstStyle/>
+          <a:p>
+            <a:endParaRPr kumimoji="1" lang="ja-JP" altLang="en-US"/>
+          </a:p>
+        </p:txBody>
+      </p:sp>
+      <p:pic>
+        <p:nvPicPr>
+          <p:cNvPr id="5122" name="Picture 2"/>
+          <p:cNvPicPr>
+            <a:picLocks noChangeAspect="1" noChangeArrowheads="1"/>
+          </p:cNvPicPr>
+          <p:nvPr/>
+        </p:nvPicPr>
+        <p:blipFill>
+          <a:blip r:embed="rId2" cstate="print"/>
+          <a:srcRect/>
+          <a:stretch>
+            <a:fillRect/>
+          </a:stretch>
+        </p:blipFill>
+        <p:spPr bwMode="auto">
+          <a:xfrm>
+            <a:off x="3405188" y="2709863"/>
+            <a:ext cx="2333625" cy="1438275"/>
+          </a:xfrm>
+          <a:prstGeom prst="rect">
+            <a:avLst/>
+          </a:prstGeom>
+          <a:noFill/>
+          <a:ln w="9525">
+            <a:noFill/>
+            <a:miter lim="800000"/>
+            <a:headEnd/>
+            <a:tailEnd/>
+          </a:ln>
+        </p:spPr>
+      </p:pic>
     </p:spTree>
   </p:cSld>
   <p:clrMapOvr>

--- a/PowerPoint/report_hokada.pptx
+++ b/PowerPoint/report_hokada.pptx
@@ -17235,7 +17235,7 @@
             <a:fld id="{768736D5-E0D3-4111-8C4C-E5098B8E037F}" type="datetimeFigureOut">
               <a:rPr kumimoji="1" lang="ja-JP" altLang="en-US" smtClean="0"/>
               <a:pPr/>
-              <a:t>2014/11/19</a:t>
+              <a:t>2014/11/20</a:t>
             </a:fld>
             <a:endParaRPr kumimoji="1" lang="ja-JP" altLang="en-US"/>
           </a:p>
@@ -17897,7 +17897,7 @@
             <a:fld id="{E90ED720-0104-4369-84BC-D37694168613}" type="datetimeFigureOut">
               <a:rPr kumimoji="1" lang="ja-JP" altLang="en-US" smtClean="0"/>
               <a:pPr/>
-              <a:t>2014/11/19</a:t>
+              <a:t>2014/11/20</a:t>
             </a:fld>
             <a:endParaRPr kumimoji="1" lang="ja-JP" altLang="en-US"/>
           </a:p>
@@ -18096,7 +18096,7 @@
             <a:fld id="{E90ED720-0104-4369-84BC-D37694168613}" type="datetimeFigureOut">
               <a:rPr kumimoji="1" lang="ja-JP" altLang="en-US" smtClean="0"/>
               <a:pPr/>
-              <a:t>2014/11/19</a:t>
+              <a:t>2014/11/20</a:t>
             </a:fld>
             <a:endParaRPr kumimoji="1" lang="ja-JP" altLang="en-US"/>
           </a:p>
@@ -18305,7 +18305,7 @@
             <a:fld id="{E90ED720-0104-4369-84BC-D37694168613}" type="datetimeFigureOut">
               <a:rPr kumimoji="1" lang="ja-JP" altLang="en-US" smtClean="0"/>
               <a:pPr/>
-              <a:t>2014/11/19</a:t>
+              <a:t>2014/11/20</a:t>
             </a:fld>
             <a:endParaRPr kumimoji="1" lang="ja-JP" altLang="en-US"/>
           </a:p>
@@ -18504,7 +18504,7 @@
             <a:fld id="{E90ED720-0104-4369-84BC-D37694168613}" type="datetimeFigureOut">
               <a:rPr kumimoji="1" lang="ja-JP" altLang="en-US" smtClean="0"/>
               <a:pPr/>
-              <a:t>2014/11/19</a:t>
+              <a:t>2014/11/20</a:t>
             </a:fld>
             <a:endParaRPr kumimoji="1" lang="ja-JP" altLang="en-US"/>
           </a:p>
@@ -18747,7 +18747,7 @@
             <a:fld id="{E90ED720-0104-4369-84BC-D37694168613}" type="datetimeFigureOut">
               <a:rPr kumimoji="1" lang="ja-JP" altLang="en-US" smtClean="0"/>
               <a:pPr/>
-              <a:t>2014/11/19</a:t>
+              <a:t>2014/11/20</a:t>
             </a:fld>
             <a:endParaRPr kumimoji="1" lang="ja-JP" altLang="en-US"/>
           </a:p>
@@ -19096,7 +19096,7 @@
             <a:fld id="{E90ED720-0104-4369-84BC-D37694168613}" type="datetimeFigureOut">
               <a:rPr kumimoji="1" lang="ja-JP" altLang="en-US" smtClean="0"/>
               <a:pPr/>
-              <a:t>2014/11/19</a:t>
+              <a:t>2014/11/20</a:t>
             </a:fld>
             <a:endParaRPr kumimoji="1" lang="ja-JP" altLang="en-US"/>
           </a:p>
@@ -19579,7 +19579,7 @@
             <a:fld id="{E90ED720-0104-4369-84BC-D37694168613}" type="datetimeFigureOut">
               <a:rPr kumimoji="1" lang="ja-JP" altLang="en-US" smtClean="0"/>
               <a:pPr/>
-              <a:t>2014/11/19</a:t>
+              <a:t>2014/11/20</a:t>
             </a:fld>
             <a:endParaRPr kumimoji="1" lang="ja-JP" altLang="en-US"/>
           </a:p>
@@ -19694,7 +19694,7 @@
             <a:fld id="{E90ED720-0104-4369-84BC-D37694168613}" type="datetimeFigureOut">
               <a:rPr kumimoji="1" lang="ja-JP" altLang="en-US" smtClean="0"/>
               <a:pPr/>
-              <a:t>2014/11/19</a:t>
+              <a:t>2014/11/20</a:t>
             </a:fld>
             <a:endParaRPr kumimoji="1" lang="ja-JP" altLang="en-US"/>
           </a:p>
@@ -19786,7 +19786,7 @@
             <a:fld id="{E90ED720-0104-4369-84BC-D37694168613}" type="datetimeFigureOut">
               <a:rPr kumimoji="1" lang="ja-JP" altLang="en-US" smtClean="0"/>
               <a:pPr/>
-              <a:t>2014/11/19</a:t>
+              <a:t>2014/11/20</a:t>
             </a:fld>
             <a:endParaRPr kumimoji="1" lang="ja-JP" altLang="en-US"/>
           </a:p>
@@ -20092,7 +20092,7 @@
             <a:fld id="{E90ED720-0104-4369-84BC-D37694168613}" type="datetimeFigureOut">
               <a:rPr kumimoji="1" lang="ja-JP" altLang="en-US" smtClean="0"/>
               <a:pPr/>
-              <a:t>2014/11/19</a:t>
+              <a:t>2014/11/20</a:t>
             </a:fld>
             <a:endParaRPr kumimoji="1" lang="ja-JP" altLang="en-US"/>
           </a:p>
@@ -20342,7 +20342,7 @@
             <a:fld id="{E90ED720-0104-4369-84BC-D37694168613}" type="datetimeFigureOut">
               <a:rPr kumimoji="1" lang="ja-JP" altLang="en-US" smtClean="0"/>
               <a:pPr/>
-              <a:t>2014/11/19</a:t>
+              <a:t>2014/11/20</a:t>
             </a:fld>
             <a:endParaRPr kumimoji="1" lang="ja-JP" altLang="en-US"/>
           </a:p>
@@ -20584,7 +20584,7 @@
             <a:fld id="{E90ED720-0104-4369-84BC-D37694168613}" type="datetimeFigureOut">
               <a:rPr kumimoji="1" lang="ja-JP" altLang="en-US" smtClean="0"/>
               <a:pPr/>
-              <a:t>2014/11/19</a:t>
+              <a:t>2014/11/20</a:t>
             </a:fld>
             <a:endParaRPr kumimoji="1" lang="ja-JP" altLang="en-US"/>
           </a:p>
@@ -21736,11 +21736,7 @@
           <a:p>
             <a:r>
               <a:rPr lang="en-US" altLang="ja-JP" dirty="0" smtClean="0"/>
-              <a:t>(</a:t>
-            </a:r>
-            <a:r>
-              <a:rPr lang="en-US" altLang="ja-JP" dirty="0" smtClean="0"/>
-              <a:t>a) </a:t>
+              <a:t>(a) </a:t>
             </a:r>
             <a:r>
               <a:rPr lang="ja-JP" altLang="en-US" dirty="0" smtClean="0"/>
@@ -21774,15 +21770,7 @@
           <a:p>
             <a:r>
               <a:rPr lang="en-US" altLang="ja-JP" dirty="0" smtClean="0"/>
-              <a:t>(</a:t>
-            </a:r>
-            <a:r>
-              <a:rPr lang="en-US" altLang="ja-JP" dirty="0" smtClean="0"/>
-              <a:t>b</a:t>
-            </a:r>
-            <a:r>
-              <a:rPr lang="en-US" altLang="ja-JP" dirty="0" smtClean="0"/>
-              <a:t>) </a:t>
+              <a:t>(b) </a:t>
             </a:r>
             <a:r>
               <a:rPr lang="ja-JP" altLang="en-US" dirty="0" smtClean="0"/>
@@ -22067,8 +22055,8 @@
         </p:blipFill>
         <p:spPr bwMode="auto">
           <a:xfrm>
-            <a:off x="1695450" y="1938338"/>
-            <a:ext cx="5753100" cy="2981325"/>
+            <a:off x="107504" y="1772816"/>
+            <a:ext cx="4446552" cy="2304256"/>
           </a:xfrm>
           <a:prstGeom prst="rect">
             <a:avLst/>
@@ -22099,8 +22087,8 @@
         </p:blipFill>
         <p:spPr bwMode="auto">
           <a:xfrm>
-            <a:off x="971600" y="1052736"/>
-            <a:ext cx="5753100" cy="3009900"/>
+            <a:off x="4589945" y="1772816"/>
+            <a:ext cx="4446551" cy="2326342"/>
           </a:xfrm>
           <a:prstGeom prst="rect">
             <a:avLst/>

--- a/PowerPoint/report_hokada.pptx
+++ b/PowerPoint/report_hokada.pptx
@@ -5,7 +5,7 @@
     <p:sldMasterId id="2147483648" r:id="rId1"/>
   </p:sldMasterIdLst>
   <p:notesMasterIdLst>
-    <p:notesMasterId r:id="rId17"/>
+    <p:notesMasterId r:id="rId18"/>
   </p:notesMasterIdLst>
   <p:sldIdLst>
     <p:sldId id="256" r:id="rId2"/>
@@ -23,6 +23,7 @@
     <p:sldId id="268" r:id="rId14"/>
     <p:sldId id="269" r:id="rId15"/>
     <p:sldId id="270" r:id="rId16"/>
+    <p:sldId id="271" r:id="rId17"/>
   </p:sldIdLst>
   <p:sldSz cx="9144000" cy="6858000" type="screen4x3"/>
   <p:notesSz cx="6858000" cy="9144000"/>
@@ -17235,7 +17236,7 @@
             <a:fld id="{768736D5-E0D3-4111-8C4C-E5098B8E037F}" type="datetimeFigureOut">
               <a:rPr kumimoji="1" lang="ja-JP" altLang="en-US" smtClean="0"/>
               <a:pPr/>
-              <a:t>2014/11/20</a:t>
+              <a:t>2014/11/21</a:t>
             </a:fld>
             <a:endParaRPr kumimoji="1" lang="ja-JP" altLang="en-US"/>
           </a:p>
@@ -17897,7 +17898,7 @@
             <a:fld id="{E90ED720-0104-4369-84BC-D37694168613}" type="datetimeFigureOut">
               <a:rPr kumimoji="1" lang="ja-JP" altLang="en-US" smtClean="0"/>
               <a:pPr/>
-              <a:t>2014/11/20</a:t>
+              <a:t>2014/11/21</a:t>
             </a:fld>
             <a:endParaRPr kumimoji="1" lang="ja-JP" altLang="en-US"/>
           </a:p>
@@ -18096,7 +18097,7 @@
             <a:fld id="{E90ED720-0104-4369-84BC-D37694168613}" type="datetimeFigureOut">
               <a:rPr kumimoji="1" lang="ja-JP" altLang="en-US" smtClean="0"/>
               <a:pPr/>
-              <a:t>2014/11/20</a:t>
+              <a:t>2014/11/21</a:t>
             </a:fld>
             <a:endParaRPr kumimoji="1" lang="ja-JP" altLang="en-US"/>
           </a:p>
@@ -18305,7 +18306,7 @@
             <a:fld id="{E90ED720-0104-4369-84BC-D37694168613}" type="datetimeFigureOut">
               <a:rPr kumimoji="1" lang="ja-JP" altLang="en-US" smtClean="0"/>
               <a:pPr/>
-              <a:t>2014/11/20</a:t>
+              <a:t>2014/11/21</a:t>
             </a:fld>
             <a:endParaRPr kumimoji="1" lang="ja-JP" altLang="en-US"/>
           </a:p>
@@ -18504,7 +18505,7 @@
             <a:fld id="{E90ED720-0104-4369-84BC-D37694168613}" type="datetimeFigureOut">
               <a:rPr kumimoji="1" lang="ja-JP" altLang="en-US" smtClean="0"/>
               <a:pPr/>
-              <a:t>2014/11/20</a:t>
+              <a:t>2014/11/21</a:t>
             </a:fld>
             <a:endParaRPr kumimoji="1" lang="ja-JP" altLang="en-US"/>
           </a:p>
@@ -18747,7 +18748,7 @@
             <a:fld id="{E90ED720-0104-4369-84BC-D37694168613}" type="datetimeFigureOut">
               <a:rPr kumimoji="1" lang="ja-JP" altLang="en-US" smtClean="0"/>
               <a:pPr/>
-              <a:t>2014/11/20</a:t>
+              <a:t>2014/11/21</a:t>
             </a:fld>
             <a:endParaRPr kumimoji="1" lang="ja-JP" altLang="en-US"/>
           </a:p>
@@ -19096,7 +19097,7 @@
             <a:fld id="{E90ED720-0104-4369-84BC-D37694168613}" type="datetimeFigureOut">
               <a:rPr kumimoji="1" lang="ja-JP" altLang="en-US" smtClean="0"/>
               <a:pPr/>
-              <a:t>2014/11/20</a:t>
+              <a:t>2014/11/21</a:t>
             </a:fld>
             <a:endParaRPr kumimoji="1" lang="ja-JP" altLang="en-US"/>
           </a:p>
@@ -19579,7 +19580,7 @@
             <a:fld id="{E90ED720-0104-4369-84BC-D37694168613}" type="datetimeFigureOut">
               <a:rPr kumimoji="1" lang="ja-JP" altLang="en-US" smtClean="0"/>
               <a:pPr/>
-              <a:t>2014/11/20</a:t>
+              <a:t>2014/11/21</a:t>
             </a:fld>
             <a:endParaRPr kumimoji="1" lang="ja-JP" altLang="en-US"/>
           </a:p>
@@ -19694,7 +19695,7 @@
             <a:fld id="{E90ED720-0104-4369-84BC-D37694168613}" type="datetimeFigureOut">
               <a:rPr kumimoji="1" lang="ja-JP" altLang="en-US" smtClean="0"/>
               <a:pPr/>
-              <a:t>2014/11/20</a:t>
+              <a:t>2014/11/21</a:t>
             </a:fld>
             <a:endParaRPr kumimoji="1" lang="ja-JP" altLang="en-US"/>
           </a:p>
@@ -19786,7 +19787,7 @@
             <a:fld id="{E90ED720-0104-4369-84BC-D37694168613}" type="datetimeFigureOut">
               <a:rPr kumimoji="1" lang="ja-JP" altLang="en-US" smtClean="0"/>
               <a:pPr/>
-              <a:t>2014/11/20</a:t>
+              <a:t>2014/11/21</a:t>
             </a:fld>
             <a:endParaRPr kumimoji="1" lang="ja-JP" altLang="en-US"/>
           </a:p>
@@ -20092,7 +20093,7 @@
             <a:fld id="{E90ED720-0104-4369-84BC-D37694168613}" type="datetimeFigureOut">
               <a:rPr kumimoji="1" lang="ja-JP" altLang="en-US" smtClean="0"/>
               <a:pPr/>
-              <a:t>2014/11/20</a:t>
+              <a:t>2014/11/21</a:t>
             </a:fld>
             <a:endParaRPr kumimoji="1" lang="ja-JP" altLang="en-US"/>
           </a:p>
@@ -20342,7 +20343,7 @@
             <a:fld id="{E90ED720-0104-4369-84BC-D37694168613}" type="datetimeFigureOut">
               <a:rPr kumimoji="1" lang="ja-JP" altLang="en-US" smtClean="0"/>
               <a:pPr/>
-              <a:t>2014/11/20</a:t>
+              <a:t>2014/11/21</a:t>
             </a:fld>
             <a:endParaRPr kumimoji="1" lang="ja-JP" altLang="en-US"/>
           </a:p>
@@ -20584,7 +20585,7 @@
             <a:fld id="{E90ED720-0104-4369-84BC-D37694168613}" type="datetimeFigureOut">
               <a:rPr kumimoji="1" lang="ja-JP" altLang="en-US" smtClean="0"/>
               <a:pPr/>
-              <a:t>2014/11/20</a:t>
+              <a:t>2014/11/21</a:t>
             </a:fld>
             <a:endParaRPr kumimoji="1" lang="ja-JP" altLang="en-US"/>
           </a:p>
@@ -22286,6 +22287,2395 @@
           </a:ln>
         </p:spPr>
       </p:pic>
+    </p:spTree>
+  </p:cSld>
+  <p:clrMapOvr>
+    <a:masterClrMapping/>
+  </p:clrMapOvr>
+</p:sld>
+</file>
+
+<file path=ppt/slides/slide16.xml><?xml version="1.0" encoding="utf-8"?>
+<p:sld xmlns:a="http://schemas.openxmlformats.org/drawingml/2006/main" xmlns:r="http://schemas.openxmlformats.org/officeDocument/2006/relationships" xmlns:p="http://schemas.openxmlformats.org/presentationml/2006/main">
+  <p:cSld>
+    <p:spTree>
+      <p:nvGrpSpPr>
+        <p:cNvPr id="1" name=""/>
+        <p:cNvGrpSpPr/>
+        <p:nvPr/>
+      </p:nvGrpSpPr>
+      <p:grpSpPr>
+        <a:xfrm>
+          <a:off x="0" y="0"/>
+          <a:ext cx="0" cy="0"/>
+          <a:chOff x="0" y="0"/>
+          <a:chExt cx="0" cy="0"/>
+        </a:xfrm>
+      </p:grpSpPr>
+      <p:sp>
+        <p:nvSpPr>
+          <p:cNvPr id="4" name="正方形/長方形 3"/>
+          <p:cNvSpPr/>
+          <p:nvPr/>
+        </p:nvSpPr>
+        <p:spPr>
+          <a:xfrm>
+            <a:off x="1187624" y="44624"/>
+            <a:ext cx="6120680" cy="6624736"/>
+          </a:xfrm>
+          <a:prstGeom prst="rect">
+            <a:avLst/>
+          </a:prstGeom>
+        </p:spPr>
+        <p:style>
+          <a:lnRef idx="2">
+            <a:schemeClr val="accent4"/>
+          </a:lnRef>
+          <a:fillRef idx="1">
+            <a:schemeClr val="lt1"/>
+          </a:fillRef>
+          <a:effectRef idx="0">
+            <a:schemeClr val="accent4"/>
+          </a:effectRef>
+          <a:fontRef idx="minor">
+            <a:schemeClr val="dk1"/>
+          </a:fontRef>
+        </p:style>
+        <p:txBody>
+          <a:bodyPr rtlCol="0" anchor="t"/>
+          <a:lstStyle/>
+          <a:p>
+            <a:r>
+              <a:rPr lang="ja-JP" altLang="en-US" sz="1400" dirty="0" smtClean="0">
+                <a:latin typeface="HGPｺﾞｼｯｸE" pitchFamily="50" charset="-128"/>
+                <a:ea typeface="HGPｺﾞｼｯｸE" pitchFamily="50" charset="-128"/>
+              </a:rPr>
+              <a:t>ページ</a:t>
+            </a:r>
+            <a:endParaRPr kumimoji="1" lang="ja-JP" altLang="en-US" sz="1400" dirty="0">
+              <a:latin typeface="HGPｺﾞｼｯｸE" pitchFamily="50" charset="-128"/>
+              <a:ea typeface="HGPｺﾞｼｯｸE" pitchFamily="50" charset="-128"/>
+            </a:endParaRPr>
+          </a:p>
+        </p:txBody>
+      </p:sp>
+      <p:sp>
+        <p:nvSpPr>
+          <p:cNvPr id="5" name="正方形/長方形 4"/>
+          <p:cNvSpPr/>
+          <p:nvPr/>
+        </p:nvSpPr>
+        <p:spPr>
+          <a:xfrm>
+            <a:off x="1259631" y="332656"/>
+            <a:ext cx="5976665" cy="1296144"/>
+          </a:xfrm>
+          <a:prstGeom prst="rect">
+            <a:avLst/>
+          </a:prstGeom>
+          <a:solidFill>
+            <a:schemeClr val="bg1">
+              <a:lumMod val="95000"/>
+            </a:schemeClr>
+          </a:solidFill>
+        </p:spPr>
+        <p:style>
+          <a:lnRef idx="2">
+            <a:schemeClr val="accent1"/>
+          </a:lnRef>
+          <a:fillRef idx="1">
+            <a:schemeClr val="lt1"/>
+          </a:fillRef>
+          <a:effectRef idx="0">
+            <a:schemeClr val="accent1"/>
+          </a:effectRef>
+          <a:fontRef idx="minor">
+            <a:schemeClr val="dk1"/>
+          </a:fontRef>
+        </p:style>
+        <p:txBody>
+          <a:bodyPr rtlCol="0" anchor="t"/>
+          <a:lstStyle/>
+          <a:p>
+            <a:r>
+              <a:rPr lang="ja-JP" altLang="en-US" sz="1400" dirty="0" smtClean="0">
+                <a:latin typeface="HGPｺﾞｼｯｸE" pitchFamily="50" charset="-128"/>
+                <a:ea typeface="HGPｺﾞｼｯｸE" pitchFamily="50" charset="-128"/>
+              </a:rPr>
+              <a:t>ヘッダーコンテナー</a:t>
+            </a:r>
+          </a:p>
+        </p:txBody>
+      </p:sp>
+      <p:sp>
+        <p:nvSpPr>
+          <p:cNvPr id="7" name="正方形/長方形 6"/>
+          <p:cNvSpPr/>
+          <p:nvPr/>
+        </p:nvSpPr>
+        <p:spPr>
+          <a:xfrm>
+            <a:off x="1259632" y="1700808"/>
+            <a:ext cx="1584176" cy="3528392"/>
+          </a:xfrm>
+          <a:prstGeom prst="rect">
+            <a:avLst/>
+          </a:prstGeom>
+          <a:solidFill>
+            <a:schemeClr val="bg1">
+              <a:lumMod val="95000"/>
+            </a:schemeClr>
+          </a:solidFill>
+        </p:spPr>
+        <p:style>
+          <a:lnRef idx="2">
+            <a:schemeClr val="accent1"/>
+          </a:lnRef>
+          <a:fillRef idx="1">
+            <a:schemeClr val="lt1"/>
+          </a:fillRef>
+          <a:effectRef idx="0">
+            <a:schemeClr val="accent1"/>
+          </a:effectRef>
+          <a:fontRef idx="minor">
+            <a:schemeClr val="dk1"/>
+          </a:fontRef>
+        </p:style>
+        <p:txBody>
+          <a:bodyPr rtlCol="0" anchor="t"/>
+          <a:lstStyle/>
+          <a:p>
+            <a:r>
+              <a:rPr lang="ja-JP" altLang="en-US" sz="1400" dirty="0" smtClean="0">
+                <a:latin typeface="HGPｺﾞｼｯｸE" pitchFamily="50" charset="-128"/>
+                <a:ea typeface="HGPｺﾞｼｯｸE" pitchFamily="50" charset="-128"/>
+              </a:rPr>
+              <a:t>レフトコンテナー</a:t>
+            </a:r>
+            <a:endParaRPr lang="ja-JP" altLang="en-US" sz="1400" dirty="0" smtClean="0">
+              <a:latin typeface="HGPｺﾞｼｯｸE" pitchFamily="50" charset="-128"/>
+              <a:ea typeface="HGPｺﾞｼｯｸE" pitchFamily="50" charset="-128"/>
+            </a:endParaRPr>
+          </a:p>
+        </p:txBody>
+      </p:sp>
+      <p:sp>
+        <p:nvSpPr>
+          <p:cNvPr id="9" name="正方形/長方形 8"/>
+          <p:cNvSpPr/>
+          <p:nvPr/>
+        </p:nvSpPr>
+        <p:spPr>
+          <a:xfrm>
+            <a:off x="2915816" y="1700808"/>
+            <a:ext cx="2664296" cy="3528392"/>
+          </a:xfrm>
+          <a:prstGeom prst="rect">
+            <a:avLst/>
+          </a:prstGeom>
+          <a:solidFill>
+            <a:schemeClr val="bg1">
+              <a:lumMod val="95000"/>
+            </a:schemeClr>
+          </a:solidFill>
+        </p:spPr>
+        <p:style>
+          <a:lnRef idx="2">
+            <a:schemeClr val="accent1"/>
+          </a:lnRef>
+          <a:fillRef idx="1">
+            <a:schemeClr val="lt1"/>
+          </a:fillRef>
+          <a:effectRef idx="0">
+            <a:schemeClr val="accent1"/>
+          </a:effectRef>
+          <a:fontRef idx="minor">
+            <a:schemeClr val="dk1"/>
+          </a:fontRef>
+        </p:style>
+        <p:txBody>
+          <a:bodyPr rtlCol="0" anchor="t"/>
+          <a:lstStyle/>
+          <a:p>
+            <a:r>
+              <a:rPr lang="ja-JP" altLang="en-US" sz="1400" dirty="0" smtClean="0">
+                <a:latin typeface="HGPｺﾞｼｯｸE" pitchFamily="50" charset="-128"/>
+                <a:ea typeface="HGPｺﾞｼｯｸE" pitchFamily="50" charset="-128"/>
+              </a:rPr>
+              <a:t>メインコンテナー</a:t>
+            </a:r>
+            <a:endParaRPr lang="ja-JP" altLang="en-US" sz="1400" dirty="0" smtClean="0">
+              <a:latin typeface="HGPｺﾞｼｯｸE" pitchFamily="50" charset="-128"/>
+              <a:ea typeface="HGPｺﾞｼｯｸE" pitchFamily="50" charset="-128"/>
+            </a:endParaRPr>
+          </a:p>
+        </p:txBody>
+      </p:sp>
+      <p:sp>
+        <p:nvSpPr>
+          <p:cNvPr id="10" name="正方形/長方形 9"/>
+          <p:cNvSpPr/>
+          <p:nvPr/>
+        </p:nvSpPr>
+        <p:spPr>
+          <a:xfrm>
+            <a:off x="1331640" y="620688"/>
+            <a:ext cx="5832648" cy="936104"/>
+          </a:xfrm>
+          <a:prstGeom prst="rect">
+            <a:avLst/>
+          </a:prstGeom>
+        </p:spPr>
+        <p:style>
+          <a:lnRef idx="2">
+            <a:schemeClr val="accent5"/>
+          </a:lnRef>
+          <a:fillRef idx="1">
+            <a:schemeClr val="lt1"/>
+          </a:fillRef>
+          <a:effectRef idx="0">
+            <a:schemeClr val="accent5"/>
+          </a:effectRef>
+          <a:fontRef idx="minor">
+            <a:schemeClr val="dk1"/>
+          </a:fontRef>
+        </p:style>
+        <p:txBody>
+          <a:bodyPr rtlCol="0" anchor="t"/>
+          <a:lstStyle/>
+          <a:p>
+            <a:r>
+              <a:rPr kumimoji="1" lang="ja-JP" altLang="en-US" sz="1400" dirty="0" smtClean="0">
+                <a:latin typeface="HGPｺﾞｼｯｸE" pitchFamily="50" charset="-128"/>
+                <a:ea typeface="HGPｺﾞｼｯｸE" pitchFamily="50" charset="-128"/>
+              </a:rPr>
+              <a:t>ボックス</a:t>
+            </a:r>
+            <a:endParaRPr kumimoji="1" lang="ja-JP" altLang="en-US" sz="1400" dirty="0">
+              <a:latin typeface="HGPｺﾞｼｯｸE" pitchFamily="50" charset="-128"/>
+              <a:ea typeface="HGPｺﾞｼｯｸE" pitchFamily="50" charset="-128"/>
+            </a:endParaRPr>
+          </a:p>
+        </p:txBody>
+      </p:sp>
+      <p:sp>
+        <p:nvSpPr>
+          <p:cNvPr id="12" name="正方形/長方形 11"/>
+          <p:cNvSpPr/>
+          <p:nvPr/>
+        </p:nvSpPr>
+        <p:spPr>
+          <a:xfrm>
+            <a:off x="1331640" y="1988840"/>
+            <a:ext cx="1440160" cy="3168352"/>
+          </a:xfrm>
+          <a:prstGeom prst="rect">
+            <a:avLst/>
+          </a:prstGeom>
+        </p:spPr>
+        <p:style>
+          <a:lnRef idx="2">
+            <a:schemeClr val="accent5"/>
+          </a:lnRef>
+          <a:fillRef idx="1">
+            <a:schemeClr val="lt1"/>
+          </a:fillRef>
+          <a:effectRef idx="0">
+            <a:schemeClr val="accent5"/>
+          </a:effectRef>
+          <a:fontRef idx="minor">
+            <a:schemeClr val="dk1"/>
+          </a:fontRef>
+        </p:style>
+        <p:txBody>
+          <a:bodyPr rtlCol="0" anchor="t"/>
+          <a:lstStyle/>
+          <a:p>
+            <a:r>
+              <a:rPr kumimoji="1" lang="ja-JP" altLang="en-US" sz="1400" dirty="0" smtClean="0">
+                <a:latin typeface="HGPｺﾞｼｯｸE" pitchFamily="50" charset="-128"/>
+                <a:ea typeface="HGPｺﾞｼｯｸE" pitchFamily="50" charset="-128"/>
+              </a:rPr>
+              <a:t>ボックス</a:t>
+            </a:r>
+            <a:endParaRPr kumimoji="1" lang="ja-JP" altLang="en-US" sz="1400" dirty="0">
+              <a:latin typeface="HGPｺﾞｼｯｸE" pitchFamily="50" charset="-128"/>
+              <a:ea typeface="HGPｺﾞｼｯｸE" pitchFamily="50" charset="-128"/>
+            </a:endParaRPr>
+          </a:p>
+        </p:txBody>
+      </p:sp>
+      <p:sp>
+        <p:nvSpPr>
+          <p:cNvPr id="14" name="正方形/長方形 13"/>
+          <p:cNvSpPr/>
+          <p:nvPr/>
+        </p:nvSpPr>
+        <p:spPr>
+          <a:xfrm>
+            <a:off x="2987824" y="1988840"/>
+            <a:ext cx="2520280" cy="3168352"/>
+          </a:xfrm>
+          <a:prstGeom prst="rect">
+            <a:avLst/>
+          </a:prstGeom>
+        </p:spPr>
+        <p:style>
+          <a:lnRef idx="2">
+            <a:schemeClr val="accent5"/>
+          </a:lnRef>
+          <a:fillRef idx="1">
+            <a:schemeClr val="lt1"/>
+          </a:fillRef>
+          <a:effectRef idx="0">
+            <a:schemeClr val="accent5"/>
+          </a:effectRef>
+          <a:fontRef idx="minor">
+            <a:schemeClr val="dk1"/>
+          </a:fontRef>
+        </p:style>
+        <p:txBody>
+          <a:bodyPr rtlCol="0" anchor="t"/>
+          <a:lstStyle/>
+          <a:p>
+            <a:r>
+              <a:rPr kumimoji="1" lang="ja-JP" altLang="en-US" sz="1400" dirty="0" smtClean="0">
+                <a:latin typeface="HGPｺﾞｼｯｸE" pitchFamily="50" charset="-128"/>
+                <a:ea typeface="HGPｺﾞｼｯｸE" pitchFamily="50" charset="-128"/>
+              </a:rPr>
+              <a:t>ボックス</a:t>
+            </a:r>
+            <a:endParaRPr kumimoji="1" lang="ja-JP" altLang="en-US" sz="1400" dirty="0">
+              <a:latin typeface="HGPｺﾞｼｯｸE" pitchFamily="50" charset="-128"/>
+              <a:ea typeface="HGPｺﾞｼｯｸE" pitchFamily="50" charset="-128"/>
+            </a:endParaRPr>
+          </a:p>
+        </p:txBody>
+      </p:sp>
+      <p:sp>
+        <p:nvSpPr>
+          <p:cNvPr id="15" name="正方形/長方形 14"/>
+          <p:cNvSpPr/>
+          <p:nvPr/>
+        </p:nvSpPr>
+        <p:spPr>
+          <a:xfrm>
+            <a:off x="1403648" y="908720"/>
+            <a:ext cx="2808312" cy="576064"/>
+          </a:xfrm>
+          <a:prstGeom prst="rect">
+            <a:avLst/>
+          </a:prstGeom>
+          <a:solidFill>
+            <a:schemeClr val="bg1">
+              <a:lumMod val="95000"/>
+            </a:schemeClr>
+          </a:solidFill>
+        </p:spPr>
+        <p:style>
+          <a:lnRef idx="2">
+            <a:schemeClr val="accent3"/>
+          </a:lnRef>
+          <a:fillRef idx="1">
+            <a:schemeClr val="lt1"/>
+          </a:fillRef>
+          <a:effectRef idx="0">
+            <a:schemeClr val="accent3"/>
+          </a:effectRef>
+          <a:fontRef idx="minor">
+            <a:schemeClr val="dk1"/>
+          </a:fontRef>
+        </p:style>
+        <p:txBody>
+          <a:bodyPr rtlCol="0" anchor="t"/>
+          <a:lstStyle/>
+          <a:p>
+            <a:r>
+              <a:rPr kumimoji="1" lang="ja-JP" altLang="en-US" sz="1400" dirty="0" smtClean="0">
+                <a:latin typeface="HGPｺﾞｼｯｸE" pitchFamily="50" charset="-128"/>
+                <a:ea typeface="HGPｺﾞｼｯｸE" pitchFamily="50" charset="-128"/>
+              </a:rPr>
+              <a:t>フレーム</a:t>
+            </a:r>
+            <a:endParaRPr kumimoji="1" lang="ja-JP" altLang="en-US" sz="1400" dirty="0">
+              <a:latin typeface="HGPｺﾞｼｯｸE" pitchFamily="50" charset="-128"/>
+              <a:ea typeface="HGPｺﾞｼｯｸE" pitchFamily="50" charset="-128"/>
+            </a:endParaRPr>
+          </a:p>
+        </p:txBody>
+      </p:sp>
+      <p:sp>
+        <p:nvSpPr>
+          <p:cNvPr id="17" name="正方形/長方形 16"/>
+          <p:cNvSpPr/>
+          <p:nvPr/>
+        </p:nvSpPr>
+        <p:spPr>
+          <a:xfrm>
+            <a:off x="1403648" y="2276872"/>
+            <a:ext cx="1296144" cy="1368152"/>
+          </a:xfrm>
+          <a:prstGeom prst="rect">
+            <a:avLst/>
+          </a:prstGeom>
+          <a:solidFill>
+            <a:schemeClr val="bg1">
+              <a:lumMod val="95000"/>
+            </a:schemeClr>
+          </a:solidFill>
+        </p:spPr>
+        <p:style>
+          <a:lnRef idx="2">
+            <a:schemeClr val="accent3"/>
+          </a:lnRef>
+          <a:fillRef idx="1">
+            <a:schemeClr val="lt1"/>
+          </a:fillRef>
+          <a:effectRef idx="0">
+            <a:schemeClr val="accent3"/>
+          </a:effectRef>
+          <a:fontRef idx="minor">
+            <a:schemeClr val="dk1"/>
+          </a:fontRef>
+        </p:style>
+        <p:txBody>
+          <a:bodyPr rtlCol="0" anchor="t"/>
+          <a:lstStyle/>
+          <a:p>
+            <a:r>
+              <a:rPr kumimoji="1" lang="ja-JP" altLang="en-US" sz="1400" dirty="0" smtClean="0">
+                <a:latin typeface="HGPｺﾞｼｯｸE" pitchFamily="50" charset="-128"/>
+                <a:ea typeface="HGPｺﾞｼｯｸE" pitchFamily="50" charset="-128"/>
+              </a:rPr>
+              <a:t>フレーム</a:t>
+            </a:r>
+            <a:endParaRPr kumimoji="1" lang="ja-JP" altLang="en-US" sz="1400" dirty="0">
+              <a:latin typeface="HGPｺﾞｼｯｸE" pitchFamily="50" charset="-128"/>
+              <a:ea typeface="HGPｺﾞｼｯｸE" pitchFamily="50" charset="-128"/>
+            </a:endParaRPr>
+          </a:p>
+        </p:txBody>
+      </p:sp>
+      <p:sp>
+        <p:nvSpPr>
+          <p:cNvPr id="18" name="正方形/長方形 17"/>
+          <p:cNvSpPr/>
+          <p:nvPr/>
+        </p:nvSpPr>
+        <p:spPr>
+          <a:xfrm>
+            <a:off x="3059832" y="2276871"/>
+            <a:ext cx="2376264" cy="1368153"/>
+          </a:xfrm>
+          <a:prstGeom prst="rect">
+            <a:avLst/>
+          </a:prstGeom>
+          <a:solidFill>
+            <a:schemeClr val="bg1">
+              <a:lumMod val="95000"/>
+            </a:schemeClr>
+          </a:solidFill>
+        </p:spPr>
+        <p:style>
+          <a:lnRef idx="2">
+            <a:schemeClr val="accent3"/>
+          </a:lnRef>
+          <a:fillRef idx="1">
+            <a:schemeClr val="lt1"/>
+          </a:fillRef>
+          <a:effectRef idx="0">
+            <a:schemeClr val="accent3"/>
+          </a:effectRef>
+          <a:fontRef idx="minor">
+            <a:schemeClr val="dk1"/>
+          </a:fontRef>
+        </p:style>
+        <p:txBody>
+          <a:bodyPr rtlCol="0" anchor="t"/>
+          <a:lstStyle/>
+          <a:p>
+            <a:r>
+              <a:rPr kumimoji="1" lang="ja-JP" altLang="en-US" sz="1400" dirty="0" smtClean="0">
+                <a:latin typeface="HGPｺﾞｼｯｸE" pitchFamily="50" charset="-128"/>
+                <a:ea typeface="HGPｺﾞｼｯｸE" pitchFamily="50" charset="-128"/>
+              </a:rPr>
+              <a:t>フレーム</a:t>
+            </a:r>
+            <a:endParaRPr kumimoji="1" lang="ja-JP" altLang="en-US" sz="1400" dirty="0">
+              <a:latin typeface="HGPｺﾞｼｯｸE" pitchFamily="50" charset="-128"/>
+              <a:ea typeface="HGPｺﾞｼｯｸE" pitchFamily="50" charset="-128"/>
+            </a:endParaRPr>
+          </a:p>
+        </p:txBody>
+      </p:sp>
+      <p:sp>
+        <p:nvSpPr>
+          <p:cNvPr id="20" name="正方形/長方形 19"/>
+          <p:cNvSpPr/>
+          <p:nvPr/>
+        </p:nvSpPr>
+        <p:spPr>
+          <a:xfrm>
+            <a:off x="2267744" y="980728"/>
+            <a:ext cx="1872208" cy="432048"/>
+          </a:xfrm>
+          <a:prstGeom prst="rect">
+            <a:avLst/>
+          </a:prstGeom>
+        </p:spPr>
+        <p:style>
+          <a:lnRef idx="2">
+            <a:schemeClr val="accent6"/>
+          </a:lnRef>
+          <a:fillRef idx="1">
+            <a:schemeClr val="lt1"/>
+          </a:fillRef>
+          <a:effectRef idx="0">
+            <a:schemeClr val="accent6"/>
+          </a:effectRef>
+          <a:fontRef idx="minor">
+            <a:schemeClr val="dk1"/>
+          </a:fontRef>
+        </p:style>
+        <p:txBody>
+          <a:bodyPr rtlCol="0" anchor="t"/>
+          <a:lstStyle/>
+          <a:p>
+            <a:r>
+              <a:rPr lang="ja-JP" altLang="en-US" sz="1400" dirty="0" smtClean="0">
+                <a:latin typeface="HGPｺﾞｼｯｸE" pitchFamily="50" charset="-128"/>
+                <a:ea typeface="HGPｺﾞｼｯｸE" pitchFamily="50" charset="-128"/>
+              </a:rPr>
+              <a:t>ブロック</a:t>
+            </a:r>
+            <a:endParaRPr kumimoji="1" lang="ja-JP" altLang="en-US" sz="1400" dirty="0">
+              <a:latin typeface="HGPｺﾞｼｯｸE" pitchFamily="50" charset="-128"/>
+              <a:ea typeface="HGPｺﾞｼｯｸE" pitchFamily="50" charset="-128"/>
+            </a:endParaRPr>
+          </a:p>
+        </p:txBody>
+      </p:sp>
+      <p:sp>
+        <p:nvSpPr>
+          <p:cNvPr id="22" name="正方形/長方形 21"/>
+          <p:cNvSpPr/>
+          <p:nvPr/>
+        </p:nvSpPr>
+        <p:spPr>
+          <a:xfrm>
+            <a:off x="1475656" y="2564904"/>
+            <a:ext cx="1152128" cy="1008112"/>
+          </a:xfrm>
+          <a:prstGeom prst="rect">
+            <a:avLst/>
+          </a:prstGeom>
+        </p:spPr>
+        <p:style>
+          <a:lnRef idx="2">
+            <a:schemeClr val="accent6"/>
+          </a:lnRef>
+          <a:fillRef idx="1">
+            <a:schemeClr val="lt1"/>
+          </a:fillRef>
+          <a:effectRef idx="0">
+            <a:schemeClr val="accent6"/>
+          </a:effectRef>
+          <a:fontRef idx="minor">
+            <a:schemeClr val="dk1"/>
+          </a:fontRef>
+        </p:style>
+        <p:txBody>
+          <a:bodyPr rtlCol="0" anchor="t"/>
+          <a:lstStyle/>
+          <a:p>
+            <a:r>
+              <a:rPr lang="ja-JP" altLang="en-US" sz="1400" dirty="0" smtClean="0">
+                <a:latin typeface="HGPｺﾞｼｯｸE" pitchFamily="50" charset="-128"/>
+                <a:ea typeface="HGPｺﾞｼｯｸE" pitchFamily="50" charset="-128"/>
+              </a:rPr>
+              <a:t>ブロック</a:t>
+            </a:r>
+            <a:endParaRPr kumimoji="1" lang="ja-JP" altLang="en-US" sz="1400" dirty="0">
+              <a:latin typeface="HGPｺﾞｼｯｸE" pitchFamily="50" charset="-128"/>
+              <a:ea typeface="HGPｺﾞｼｯｸE" pitchFamily="50" charset="-128"/>
+            </a:endParaRPr>
+          </a:p>
+        </p:txBody>
+      </p:sp>
+      <p:sp>
+        <p:nvSpPr>
+          <p:cNvPr id="24" name="正方形/長方形 23"/>
+          <p:cNvSpPr/>
+          <p:nvPr/>
+        </p:nvSpPr>
+        <p:spPr>
+          <a:xfrm>
+            <a:off x="3131840" y="2564904"/>
+            <a:ext cx="2232248" cy="1008112"/>
+          </a:xfrm>
+          <a:prstGeom prst="rect">
+            <a:avLst/>
+          </a:prstGeom>
+        </p:spPr>
+        <p:style>
+          <a:lnRef idx="2">
+            <a:schemeClr val="accent6"/>
+          </a:lnRef>
+          <a:fillRef idx="1">
+            <a:schemeClr val="lt1"/>
+          </a:fillRef>
+          <a:effectRef idx="0">
+            <a:schemeClr val="accent6"/>
+          </a:effectRef>
+          <a:fontRef idx="minor">
+            <a:schemeClr val="dk1"/>
+          </a:fontRef>
+        </p:style>
+        <p:txBody>
+          <a:bodyPr rtlCol="0" anchor="t"/>
+          <a:lstStyle/>
+          <a:p>
+            <a:r>
+              <a:rPr lang="ja-JP" altLang="en-US" sz="1400" dirty="0" smtClean="0">
+                <a:latin typeface="HGPｺﾞｼｯｸE" pitchFamily="50" charset="-128"/>
+                <a:ea typeface="HGPｺﾞｼｯｸE" pitchFamily="50" charset="-128"/>
+              </a:rPr>
+              <a:t>ブロック</a:t>
+            </a:r>
+            <a:endParaRPr kumimoji="1" lang="ja-JP" altLang="en-US" sz="1400" dirty="0">
+              <a:latin typeface="HGPｺﾞｼｯｸE" pitchFamily="50" charset="-128"/>
+              <a:ea typeface="HGPｺﾞｼｯｸE" pitchFamily="50" charset="-128"/>
+            </a:endParaRPr>
+          </a:p>
+        </p:txBody>
+      </p:sp>
+      <p:sp>
+        <p:nvSpPr>
+          <p:cNvPr id="31" name="正方形/長方形 30"/>
+          <p:cNvSpPr/>
+          <p:nvPr/>
+        </p:nvSpPr>
+        <p:spPr>
+          <a:xfrm>
+            <a:off x="1547664" y="2852936"/>
+            <a:ext cx="1008112" cy="288032"/>
+          </a:xfrm>
+          <a:prstGeom prst="rect">
+            <a:avLst/>
+          </a:prstGeom>
+          <a:solidFill>
+            <a:schemeClr val="bg1">
+              <a:lumMod val="95000"/>
+            </a:schemeClr>
+          </a:solidFill>
+        </p:spPr>
+        <p:style>
+          <a:lnRef idx="2">
+            <a:schemeClr val="accent2"/>
+          </a:lnRef>
+          <a:fillRef idx="1">
+            <a:schemeClr val="lt1"/>
+          </a:fillRef>
+          <a:effectRef idx="0">
+            <a:schemeClr val="accent2"/>
+          </a:effectRef>
+          <a:fontRef idx="minor">
+            <a:schemeClr val="dk1"/>
+          </a:fontRef>
+        </p:style>
+        <p:txBody>
+          <a:bodyPr rtlCol="0" anchor="t"/>
+          <a:lstStyle/>
+          <a:p>
+            <a:r>
+              <a:rPr kumimoji="1" lang="ja-JP" altLang="en-US" sz="1400" dirty="0" smtClean="0">
+                <a:latin typeface="HGPｺﾞｼｯｸE" pitchFamily="50" charset="-128"/>
+                <a:ea typeface="HGPｺﾞｼｯｸE" pitchFamily="50" charset="-128"/>
+              </a:rPr>
+              <a:t>コンテンツ</a:t>
+            </a:r>
+            <a:endParaRPr kumimoji="1" lang="ja-JP" altLang="en-US" sz="1400" dirty="0">
+              <a:latin typeface="HGPｺﾞｼｯｸE" pitchFamily="50" charset="-128"/>
+              <a:ea typeface="HGPｺﾞｼｯｸE" pitchFamily="50" charset="-128"/>
+            </a:endParaRPr>
+          </a:p>
+        </p:txBody>
+      </p:sp>
+      <p:sp>
+        <p:nvSpPr>
+          <p:cNvPr id="32" name="正方形/長方形 31"/>
+          <p:cNvSpPr/>
+          <p:nvPr/>
+        </p:nvSpPr>
+        <p:spPr>
+          <a:xfrm>
+            <a:off x="3203848" y="2852936"/>
+            <a:ext cx="2088232" cy="288032"/>
+          </a:xfrm>
+          <a:prstGeom prst="rect">
+            <a:avLst/>
+          </a:prstGeom>
+          <a:solidFill>
+            <a:schemeClr val="bg1">
+              <a:lumMod val="95000"/>
+            </a:schemeClr>
+          </a:solidFill>
+        </p:spPr>
+        <p:style>
+          <a:lnRef idx="2">
+            <a:schemeClr val="accent2"/>
+          </a:lnRef>
+          <a:fillRef idx="1">
+            <a:schemeClr val="lt1"/>
+          </a:fillRef>
+          <a:effectRef idx="0">
+            <a:schemeClr val="accent2"/>
+          </a:effectRef>
+          <a:fontRef idx="minor">
+            <a:schemeClr val="dk1"/>
+          </a:fontRef>
+        </p:style>
+        <p:txBody>
+          <a:bodyPr rtlCol="0" anchor="t"/>
+          <a:lstStyle/>
+          <a:p>
+            <a:pPr algn="ctr"/>
+            <a:r>
+              <a:rPr kumimoji="1" lang="ja-JP" altLang="en-US" sz="1400" dirty="0" smtClean="0">
+                <a:latin typeface="HGPｺﾞｼｯｸE" pitchFamily="50" charset="-128"/>
+                <a:ea typeface="HGPｺﾞｼｯｸE" pitchFamily="50" charset="-128"/>
+              </a:rPr>
+              <a:t>コンテンツ</a:t>
+            </a:r>
+            <a:endParaRPr kumimoji="1" lang="ja-JP" altLang="en-US" sz="1400" dirty="0">
+              <a:latin typeface="HGPｺﾞｼｯｸE" pitchFamily="50" charset="-128"/>
+              <a:ea typeface="HGPｺﾞｼｯｸE" pitchFamily="50" charset="-128"/>
+            </a:endParaRPr>
+          </a:p>
+        </p:txBody>
+      </p:sp>
+      <p:sp>
+        <p:nvSpPr>
+          <p:cNvPr id="34" name="正方形/長方形 33"/>
+          <p:cNvSpPr/>
+          <p:nvPr/>
+        </p:nvSpPr>
+        <p:spPr>
+          <a:xfrm>
+            <a:off x="3059832" y="1052736"/>
+            <a:ext cx="1008112" cy="288032"/>
+          </a:xfrm>
+          <a:prstGeom prst="rect">
+            <a:avLst/>
+          </a:prstGeom>
+          <a:solidFill>
+            <a:schemeClr val="bg1">
+              <a:lumMod val="95000"/>
+            </a:schemeClr>
+          </a:solidFill>
+        </p:spPr>
+        <p:style>
+          <a:lnRef idx="2">
+            <a:schemeClr val="accent2"/>
+          </a:lnRef>
+          <a:fillRef idx="1">
+            <a:schemeClr val="lt1"/>
+          </a:fillRef>
+          <a:effectRef idx="0">
+            <a:schemeClr val="accent2"/>
+          </a:effectRef>
+          <a:fontRef idx="minor">
+            <a:schemeClr val="dk1"/>
+          </a:fontRef>
+        </p:style>
+        <p:txBody>
+          <a:bodyPr rtlCol="0" anchor="t"/>
+          <a:lstStyle/>
+          <a:p>
+            <a:r>
+              <a:rPr kumimoji="1" lang="ja-JP" altLang="en-US" sz="1400" dirty="0" smtClean="0">
+                <a:latin typeface="HGPｺﾞｼｯｸE" pitchFamily="50" charset="-128"/>
+                <a:ea typeface="HGPｺﾞｼｯｸE" pitchFamily="50" charset="-128"/>
+              </a:rPr>
+              <a:t>コンテンツ</a:t>
+            </a:r>
+            <a:endParaRPr kumimoji="1" lang="ja-JP" altLang="en-US" sz="1400" dirty="0">
+              <a:latin typeface="HGPｺﾞｼｯｸE" pitchFamily="50" charset="-128"/>
+              <a:ea typeface="HGPｺﾞｼｯｸE" pitchFamily="50" charset="-128"/>
+            </a:endParaRPr>
+          </a:p>
+        </p:txBody>
+      </p:sp>
+      <p:sp>
+        <p:nvSpPr>
+          <p:cNvPr id="42" name="正方形/長方形 41"/>
+          <p:cNvSpPr/>
+          <p:nvPr/>
+        </p:nvSpPr>
+        <p:spPr>
+          <a:xfrm>
+            <a:off x="1547664" y="3212976"/>
+            <a:ext cx="1008112" cy="288032"/>
+          </a:xfrm>
+          <a:prstGeom prst="rect">
+            <a:avLst/>
+          </a:prstGeom>
+          <a:solidFill>
+            <a:schemeClr val="bg1">
+              <a:lumMod val="95000"/>
+            </a:schemeClr>
+          </a:solidFill>
+        </p:spPr>
+        <p:style>
+          <a:lnRef idx="2">
+            <a:schemeClr val="accent2"/>
+          </a:lnRef>
+          <a:fillRef idx="1">
+            <a:schemeClr val="lt1"/>
+          </a:fillRef>
+          <a:effectRef idx="0">
+            <a:schemeClr val="accent2"/>
+          </a:effectRef>
+          <a:fontRef idx="minor">
+            <a:schemeClr val="dk1"/>
+          </a:fontRef>
+        </p:style>
+        <p:txBody>
+          <a:bodyPr rtlCol="0" anchor="t"/>
+          <a:lstStyle/>
+          <a:p>
+            <a:r>
+              <a:rPr kumimoji="1" lang="ja-JP" altLang="en-US" sz="1400" dirty="0" smtClean="0">
+                <a:latin typeface="HGPｺﾞｼｯｸE" pitchFamily="50" charset="-128"/>
+                <a:ea typeface="HGPｺﾞｼｯｸE" pitchFamily="50" charset="-128"/>
+              </a:rPr>
+              <a:t>コンテンツ</a:t>
+            </a:r>
+            <a:endParaRPr kumimoji="1" lang="ja-JP" altLang="en-US" sz="1400" dirty="0">
+              <a:latin typeface="HGPｺﾞｼｯｸE" pitchFamily="50" charset="-128"/>
+              <a:ea typeface="HGPｺﾞｼｯｸE" pitchFamily="50" charset="-128"/>
+            </a:endParaRPr>
+          </a:p>
+        </p:txBody>
+      </p:sp>
+      <p:sp>
+        <p:nvSpPr>
+          <p:cNvPr id="43" name="正方形/長方形 42"/>
+          <p:cNvSpPr/>
+          <p:nvPr/>
+        </p:nvSpPr>
+        <p:spPr>
+          <a:xfrm>
+            <a:off x="1403648" y="3717032"/>
+            <a:ext cx="1296144" cy="1368152"/>
+          </a:xfrm>
+          <a:prstGeom prst="rect">
+            <a:avLst/>
+          </a:prstGeom>
+          <a:solidFill>
+            <a:schemeClr val="bg1">
+              <a:lumMod val="95000"/>
+            </a:schemeClr>
+          </a:solidFill>
+        </p:spPr>
+        <p:style>
+          <a:lnRef idx="2">
+            <a:schemeClr val="accent3"/>
+          </a:lnRef>
+          <a:fillRef idx="1">
+            <a:schemeClr val="lt1"/>
+          </a:fillRef>
+          <a:effectRef idx="0">
+            <a:schemeClr val="accent3"/>
+          </a:effectRef>
+          <a:fontRef idx="minor">
+            <a:schemeClr val="dk1"/>
+          </a:fontRef>
+        </p:style>
+        <p:txBody>
+          <a:bodyPr rtlCol="0" anchor="t"/>
+          <a:lstStyle/>
+          <a:p>
+            <a:r>
+              <a:rPr kumimoji="1" lang="ja-JP" altLang="en-US" sz="1400" dirty="0" smtClean="0">
+                <a:latin typeface="HGPｺﾞｼｯｸE" pitchFamily="50" charset="-128"/>
+                <a:ea typeface="HGPｺﾞｼｯｸE" pitchFamily="50" charset="-128"/>
+              </a:rPr>
+              <a:t>フレーム</a:t>
+            </a:r>
+            <a:endParaRPr kumimoji="1" lang="ja-JP" altLang="en-US" sz="1400" dirty="0">
+              <a:latin typeface="HGPｺﾞｼｯｸE" pitchFamily="50" charset="-128"/>
+              <a:ea typeface="HGPｺﾞｼｯｸE" pitchFamily="50" charset="-128"/>
+            </a:endParaRPr>
+          </a:p>
+        </p:txBody>
+      </p:sp>
+      <p:sp>
+        <p:nvSpPr>
+          <p:cNvPr id="44" name="正方形/長方形 43"/>
+          <p:cNvSpPr/>
+          <p:nvPr/>
+        </p:nvSpPr>
+        <p:spPr>
+          <a:xfrm>
+            <a:off x="1475656" y="4005064"/>
+            <a:ext cx="1152128" cy="1008112"/>
+          </a:xfrm>
+          <a:prstGeom prst="rect">
+            <a:avLst/>
+          </a:prstGeom>
+        </p:spPr>
+        <p:style>
+          <a:lnRef idx="2">
+            <a:schemeClr val="accent6"/>
+          </a:lnRef>
+          <a:fillRef idx="1">
+            <a:schemeClr val="lt1"/>
+          </a:fillRef>
+          <a:effectRef idx="0">
+            <a:schemeClr val="accent6"/>
+          </a:effectRef>
+          <a:fontRef idx="minor">
+            <a:schemeClr val="dk1"/>
+          </a:fontRef>
+        </p:style>
+        <p:txBody>
+          <a:bodyPr rtlCol="0" anchor="t"/>
+          <a:lstStyle/>
+          <a:p>
+            <a:r>
+              <a:rPr lang="ja-JP" altLang="en-US" sz="1400" dirty="0" smtClean="0">
+                <a:latin typeface="HGPｺﾞｼｯｸE" pitchFamily="50" charset="-128"/>
+                <a:ea typeface="HGPｺﾞｼｯｸE" pitchFamily="50" charset="-128"/>
+              </a:rPr>
+              <a:t>ブロック</a:t>
+            </a:r>
+            <a:endParaRPr kumimoji="1" lang="ja-JP" altLang="en-US" sz="1400" dirty="0">
+              <a:latin typeface="HGPｺﾞｼｯｸE" pitchFamily="50" charset="-128"/>
+              <a:ea typeface="HGPｺﾞｼｯｸE" pitchFamily="50" charset="-128"/>
+            </a:endParaRPr>
+          </a:p>
+        </p:txBody>
+      </p:sp>
+      <p:sp>
+        <p:nvSpPr>
+          <p:cNvPr id="45" name="正方形/長方形 44"/>
+          <p:cNvSpPr/>
+          <p:nvPr/>
+        </p:nvSpPr>
+        <p:spPr>
+          <a:xfrm>
+            <a:off x="1547664" y="4293096"/>
+            <a:ext cx="1008112" cy="288032"/>
+          </a:xfrm>
+          <a:prstGeom prst="rect">
+            <a:avLst/>
+          </a:prstGeom>
+          <a:solidFill>
+            <a:schemeClr val="bg1">
+              <a:lumMod val="95000"/>
+            </a:schemeClr>
+          </a:solidFill>
+        </p:spPr>
+        <p:style>
+          <a:lnRef idx="2">
+            <a:schemeClr val="accent2"/>
+          </a:lnRef>
+          <a:fillRef idx="1">
+            <a:schemeClr val="lt1"/>
+          </a:fillRef>
+          <a:effectRef idx="0">
+            <a:schemeClr val="accent2"/>
+          </a:effectRef>
+          <a:fontRef idx="minor">
+            <a:schemeClr val="dk1"/>
+          </a:fontRef>
+        </p:style>
+        <p:txBody>
+          <a:bodyPr rtlCol="0" anchor="t"/>
+          <a:lstStyle/>
+          <a:p>
+            <a:r>
+              <a:rPr kumimoji="1" lang="ja-JP" altLang="en-US" sz="1400" dirty="0" smtClean="0">
+                <a:latin typeface="HGPｺﾞｼｯｸE" pitchFamily="50" charset="-128"/>
+                <a:ea typeface="HGPｺﾞｼｯｸE" pitchFamily="50" charset="-128"/>
+              </a:rPr>
+              <a:t>コンテンツ</a:t>
+            </a:r>
+            <a:endParaRPr kumimoji="1" lang="ja-JP" altLang="en-US" sz="1400" dirty="0">
+              <a:latin typeface="HGPｺﾞｼｯｸE" pitchFamily="50" charset="-128"/>
+              <a:ea typeface="HGPｺﾞｼｯｸE" pitchFamily="50" charset="-128"/>
+            </a:endParaRPr>
+          </a:p>
+        </p:txBody>
+      </p:sp>
+      <p:sp>
+        <p:nvSpPr>
+          <p:cNvPr id="46" name="正方形/長方形 45"/>
+          <p:cNvSpPr/>
+          <p:nvPr/>
+        </p:nvSpPr>
+        <p:spPr>
+          <a:xfrm>
+            <a:off x="1547664" y="4653136"/>
+            <a:ext cx="1008112" cy="288032"/>
+          </a:xfrm>
+          <a:prstGeom prst="rect">
+            <a:avLst/>
+          </a:prstGeom>
+          <a:solidFill>
+            <a:schemeClr val="bg1">
+              <a:lumMod val="95000"/>
+            </a:schemeClr>
+          </a:solidFill>
+        </p:spPr>
+        <p:style>
+          <a:lnRef idx="2">
+            <a:schemeClr val="accent2"/>
+          </a:lnRef>
+          <a:fillRef idx="1">
+            <a:schemeClr val="lt1"/>
+          </a:fillRef>
+          <a:effectRef idx="0">
+            <a:schemeClr val="accent2"/>
+          </a:effectRef>
+          <a:fontRef idx="minor">
+            <a:schemeClr val="dk1"/>
+          </a:fontRef>
+        </p:style>
+        <p:txBody>
+          <a:bodyPr rtlCol="0" anchor="t"/>
+          <a:lstStyle/>
+          <a:p>
+            <a:r>
+              <a:rPr kumimoji="1" lang="ja-JP" altLang="en-US" sz="1400" dirty="0" smtClean="0">
+                <a:latin typeface="HGPｺﾞｼｯｸE" pitchFamily="50" charset="-128"/>
+                <a:ea typeface="HGPｺﾞｼｯｸE" pitchFamily="50" charset="-128"/>
+              </a:rPr>
+              <a:t>コンテンツ</a:t>
+            </a:r>
+            <a:endParaRPr kumimoji="1" lang="ja-JP" altLang="en-US" sz="1400" dirty="0">
+              <a:latin typeface="HGPｺﾞｼｯｸE" pitchFamily="50" charset="-128"/>
+              <a:ea typeface="HGPｺﾞｼｯｸE" pitchFamily="50" charset="-128"/>
+            </a:endParaRPr>
+          </a:p>
+        </p:txBody>
+      </p:sp>
+      <p:sp>
+        <p:nvSpPr>
+          <p:cNvPr id="50" name="正方形/長方形 49"/>
+          <p:cNvSpPr/>
+          <p:nvPr/>
+        </p:nvSpPr>
+        <p:spPr>
+          <a:xfrm>
+            <a:off x="3203848" y="3212976"/>
+            <a:ext cx="2088232" cy="288032"/>
+          </a:xfrm>
+          <a:prstGeom prst="rect">
+            <a:avLst/>
+          </a:prstGeom>
+          <a:solidFill>
+            <a:schemeClr val="bg1">
+              <a:lumMod val="95000"/>
+            </a:schemeClr>
+          </a:solidFill>
+        </p:spPr>
+        <p:style>
+          <a:lnRef idx="2">
+            <a:schemeClr val="accent2"/>
+          </a:lnRef>
+          <a:fillRef idx="1">
+            <a:schemeClr val="lt1"/>
+          </a:fillRef>
+          <a:effectRef idx="0">
+            <a:schemeClr val="accent2"/>
+          </a:effectRef>
+          <a:fontRef idx="minor">
+            <a:schemeClr val="dk1"/>
+          </a:fontRef>
+        </p:style>
+        <p:txBody>
+          <a:bodyPr rtlCol="0" anchor="t"/>
+          <a:lstStyle/>
+          <a:p>
+            <a:pPr algn="ctr"/>
+            <a:r>
+              <a:rPr kumimoji="1" lang="ja-JP" altLang="en-US" sz="1400" dirty="0" smtClean="0">
+                <a:latin typeface="HGPｺﾞｼｯｸE" pitchFamily="50" charset="-128"/>
+                <a:ea typeface="HGPｺﾞｼｯｸE" pitchFamily="50" charset="-128"/>
+              </a:rPr>
+              <a:t>コンテンツ</a:t>
+            </a:r>
+            <a:endParaRPr kumimoji="1" lang="ja-JP" altLang="en-US" sz="1400" dirty="0">
+              <a:latin typeface="HGPｺﾞｼｯｸE" pitchFamily="50" charset="-128"/>
+              <a:ea typeface="HGPｺﾞｼｯｸE" pitchFamily="50" charset="-128"/>
+            </a:endParaRPr>
+          </a:p>
+        </p:txBody>
+      </p:sp>
+      <p:sp>
+        <p:nvSpPr>
+          <p:cNvPr id="51" name="正方形/長方形 50"/>
+          <p:cNvSpPr/>
+          <p:nvPr/>
+        </p:nvSpPr>
+        <p:spPr>
+          <a:xfrm>
+            <a:off x="5652120" y="1700808"/>
+            <a:ext cx="1584176" cy="3528392"/>
+          </a:xfrm>
+          <a:prstGeom prst="rect">
+            <a:avLst/>
+          </a:prstGeom>
+          <a:solidFill>
+            <a:schemeClr val="bg1">
+              <a:lumMod val="95000"/>
+            </a:schemeClr>
+          </a:solidFill>
+        </p:spPr>
+        <p:style>
+          <a:lnRef idx="2">
+            <a:schemeClr val="accent1"/>
+          </a:lnRef>
+          <a:fillRef idx="1">
+            <a:schemeClr val="lt1"/>
+          </a:fillRef>
+          <a:effectRef idx="0">
+            <a:schemeClr val="accent1"/>
+          </a:effectRef>
+          <a:fontRef idx="minor">
+            <a:schemeClr val="dk1"/>
+          </a:fontRef>
+        </p:style>
+        <p:txBody>
+          <a:bodyPr rtlCol="0" anchor="t"/>
+          <a:lstStyle/>
+          <a:p>
+            <a:r>
+              <a:rPr lang="ja-JP" altLang="en-US" sz="1400" dirty="0" smtClean="0">
+                <a:latin typeface="HGPｺﾞｼｯｸE" pitchFamily="50" charset="-128"/>
+                <a:ea typeface="HGPｺﾞｼｯｸE" pitchFamily="50" charset="-128"/>
+              </a:rPr>
+              <a:t>ライトコンテナー</a:t>
+            </a:r>
+            <a:endParaRPr lang="ja-JP" altLang="en-US" sz="1400" dirty="0" smtClean="0">
+              <a:latin typeface="HGPｺﾞｼｯｸE" pitchFamily="50" charset="-128"/>
+              <a:ea typeface="HGPｺﾞｼｯｸE" pitchFamily="50" charset="-128"/>
+            </a:endParaRPr>
+          </a:p>
+        </p:txBody>
+      </p:sp>
+      <p:sp>
+        <p:nvSpPr>
+          <p:cNvPr id="52" name="正方形/長方形 51"/>
+          <p:cNvSpPr/>
+          <p:nvPr/>
+        </p:nvSpPr>
+        <p:spPr>
+          <a:xfrm>
+            <a:off x="5724128" y="1988840"/>
+            <a:ext cx="1440160" cy="3168352"/>
+          </a:xfrm>
+          <a:prstGeom prst="rect">
+            <a:avLst/>
+          </a:prstGeom>
+        </p:spPr>
+        <p:style>
+          <a:lnRef idx="2">
+            <a:schemeClr val="accent5"/>
+          </a:lnRef>
+          <a:fillRef idx="1">
+            <a:schemeClr val="lt1"/>
+          </a:fillRef>
+          <a:effectRef idx="0">
+            <a:schemeClr val="accent5"/>
+          </a:effectRef>
+          <a:fontRef idx="minor">
+            <a:schemeClr val="dk1"/>
+          </a:fontRef>
+        </p:style>
+        <p:txBody>
+          <a:bodyPr rtlCol="0" anchor="t"/>
+          <a:lstStyle/>
+          <a:p>
+            <a:r>
+              <a:rPr kumimoji="1" lang="ja-JP" altLang="en-US" sz="1400" dirty="0" smtClean="0">
+                <a:latin typeface="HGPｺﾞｼｯｸE" pitchFamily="50" charset="-128"/>
+                <a:ea typeface="HGPｺﾞｼｯｸE" pitchFamily="50" charset="-128"/>
+              </a:rPr>
+              <a:t>ボックス</a:t>
+            </a:r>
+            <a:endParaRPr kumimoji="1" lang="ja-JP" altLang="en-US" sz="1400" dirty="0">
+              <a:latin typeface="HGPｺﾞｼｯｸE" pitchFamily="50" charset="-128"/>
+              <a:ea typeface="HGPｺﾞｼｯｸE" pitchFamily="50" charset="-128"/>
+            </a:endParaRPr>
+          </a:p>
+        </p:txBody>
+      </p:sp>
+      <p:sp>
+        <p:nvSpPr>
+          <p:cNvPr id="53" name="正方形/長方形 52"/>
+          <p:cNvSpPr/>
+          <p:nvPr/>
+        </p:nvSpPr>
+        <p:spPr>
+          <a:xfrm>
+            <a:off x="5796136" y="2276872"/>
+            <a:ext cx="1296144" cy="1368152"/>
+          </a:xfrm>
+          <a:prstGeom prst="rect">
+            <a:avLst/>
+          </a:prstGeom>
+          <a:solidFill>
+            <a:schemeClr val="bg1">
+              <a:lumMod val="95000"/>
+            </a:schemeClr>
+          </a:solidFill>
+        </p:spPr>
+        <p:style>
+          <a:lnRef idx="2">
+            <a:schemeClr val="accent3"/>
+          </a:lnRef>
+          <a:fillRef idx="1">
+            <a:schemeClr val="lt1"/>
+          </a:fillRef>
+          <a:effectRef idx="0">
+            <a:schemeClr val="accent3"/>
+          </a:effectRef>
+          <a:fontRef idx="minor">
+            <a:schemeClr val="dk1"/>
+          </a:fontRef>
+        </p:style>
+        <p:txBody>
+          <a:bodyPr rtlCol="0" anchor="t"/>
+          <a:lstStyle/>
+          <a:p>
+            <a:r>
+              <a:rPr kumimoji="1" lang="ja-JP" altLang="en-US" sz="1400" dirty="0" smtClean="0">
+                <a:latin typeface="HGPｺﾞｼｯｸE" pitchFamily="50" charset="-128"/>
+                <a:ea typeface="HGPｺﾞｼｯｸE" pitchFamily="50" charset="-128"/>
+              </a:rPr>
+              <a:t>フレーム</a:t>
+            </a:r>
+            <a:endParaRPr kumimoji="1" lang="ja-JP" altLang="en-US" sz="1400" dirty="0">
+              <a:latin typeface="HGPｺﾞｼｯｸE" pitchFamily="50" charset="-128"/>
+              <a:ea typeface="HGPｺﾞｼｯｸE" pitchFamily="50" charset="-128"/>
+            </a:endParaRPr>
+          </a:p>
+        </p:txBody>
+      </p:sp>
+      <p:sp>
+        <p:nvSpPr>
+          <p:cNvPr id="54" name="正方形/長方形 53"/>
+          <p:cNvSpPr/>
+          <p:nvPr/>
+        </p:nvSpPr>
+        <p:spPr>
+          <a:xfrm>
+            <a:off x="5868144" y="2564904"/>
+            <a:ext cx="1152128" cy="1008112"/>
+          </a:xfrm>
+          <a:prstGeom prst="rect">
+            <a:avLst/>
+          </a:prstGeom>
+        </p:spPr>
+        <p:style>
+          <a:lnRef idx="2">
+            <a:schemeClr val="accent6"/>
+          </a:lnRef>
+          <a:fillRef idx="1">
+            <a:schemeClr val="lt1"/>
+          </a:fillRef>
+          <a:effectRef idx="0">
+            <a:schemeClr val="accent6"/>
+          </a:effectRef>
+          <a:fontRef idx="minor">
+            <a:schemeClr val="dk1"/>
+          </a:fontRef>
+        </p:style>
+        <p:txBody>
+          <a:bodyPr rtlCol="0" anchor="t"/>
+          <a:lstStyle/>
+          <a:p>
+            <a:r>
+              <a:rPr lang="ja-JP" altLang="en-US" sz="1400" dirty="0" smtClean="0">
+                <a:latin typeface="HGPｺﾞｼｯｸE" pitchFamily="50" charset="-128"/>
+                <a:ea typeface="HGPｺﾞｼｯｸE" pitchFamily="50" charset="-128"/>
+              </a:rPr>
+              <a:t>ブロック</a:t>
+            </a:r>
+            <a:endParaRPr kumimoji="1" lang="ja-JP" altLang="en-US" sz="1400" dirty="0">
+              <a:latin typeface="HGPｺﾞｼｯｸE" pitchFamily="50" charset="-128"/>
+              <a:ea typeface="HGPｺﾞｼｯｸE" pitchFamily="50" charset="-128"/>
+            </a:endParaRPr>
+          </a:p>
+        </p:txBody>
+      </p:sp>
+      <p:sp>
+        <p:nvSpPr>
+          <p:cNvPr id="55" name="正方形/長方形 54"/>
+          <p:cNvSpPr/>
+          <p:nvPr/>
+        </p:nvSpPr>
+        <p:spPr>
+          <a:xfrm>
+            <a:off x="5940152" y="2852936"/>
+            <a:ext cx="1008112" cy="288032"/>
+          </a:xfrm>
+          <a:prstGeom prst="rect">
+            <a:avLst/>
+          </a:prstGeom>
+          <a:solidFill>
+            <a:schemeClr val="bg1">
+              <a:lumMod val="95000"/>
+            </a:schemeClr>
+          </a:solidFill>
+        </p:spPr>
+        <p:style>
+          <a:lnRef idx="2">
+            <a:schemeClr val="accent2"/>
+          </a:lnRef>
+          <a:fillRef idx="1">
+            <a:schemeClr val="lt1"/>
+          </a:fillRef>
+          <a:effectRef idx="0">
+            <a:schemeClr val="accent2"/>
+          </a:effectRef>
+          <a:fontRef idx="minor">
+            <a:schemeClr val="dk1"/>
+          </a:fontRef>
+        </p:style>
+        <p:txBody>
+          <a:bodyPr rtlCol="0" anchor="t"/>
+          <a:lstStyle/>
+          <a:p>
+            <a:r>
+              <a:rPr kumimoji="1" lang="ja-JP" altLang="en-US" sz="1400" dirty="0" smtClean="0">
+                <a:latin typeface="HGPｺﾞｼｯｸE" pitchFamily="50" charset="-128"/>
+                <a:ea typeface="HGPｺﾞｼｯｸE" pitchFamily="50" charset="-128"/>
+              </a:rPr>
+              <a:t>コンテンツ</a:t>
+            </a:r>
+            <a:endParaRPr kumimoji="1" lang="ja-JP" altLang="en-US" sz="1400" dirty="0">
+              <a:latin typeface="HGPｺﾞｼｯｸE" pitchFamily="50" charset="-128"/>
+              <a:ea typeface="HGPｺﾞｼｯｸE" pitchFamily="50" charset="-128"/>
+            </a:endParaRPr>
+          </a:p>
+        </p:txBody>
+      </p:sp>
+      <p:sp>
+        <p:nvSpPr>
+          <p:cNvPr id="56" name="正方形/長方形 55"/>
+          <p:cNvSpPr/>
+          <p:nvPr/>
+        </p:nvSpPr>
+        <p:spPr>
+          <a:xfrm>
+            <a:off x="5940152" y="3212976"/>
+            <a:ext cx="1008112" cy="288032"/>
+          </a:xfrm>
+          <a:prstGeom prst="rect">
+            <a:avLst/>
+          </a:prstGeom>
+          <a:solidFill>
+            <a:schemeClr val="bg1">
+              <a:lumMod val="95000"/>
+            </a:schemeClr>
+          </a:solidFill>
+        </p:spPr>
+        <p:style>
+          <a:lnRef idx="2">
+            <a:schemeClr val="accent2"/>
+          </a:lnRef>
+          <a:fillRef idx="1">
+            <a:schemeClr val="lt1"/>
+          </a:fillRef>
+          <a:effectRef idx="0">
+            <a:schemeClr val="accent2"/>
+          </a:effectRef>
+          <a:fontRef idx="minor">
+            <a:schemeClr val="dk1"/>
+          </a:fontRef>
+        </p:style>
+        <p:txBody>
+          <a:bodyPr rtlCol="0" anchor="t"/>
+          <a:lstStyle/>
+          <a:p>
+            <a:r>
+              <a:rPr kumimoji="1" lang="ja-JP" altLang="en-US" sz="1400" dirty="0" smtClean="0">
+                <a:latin typeface="HGPｺﾞｼｯｸE" pitchFamily="50" charset="-128"/>
+                <a:ea typeface="HGPｺﾞｼｯｸE" pitchFamily="50" charset="-128"/>
+              </a:rPr>
+              <a:t>コンテンツ</a:t>
+            </a:r>
+            <a:endParaRPr kumimoji="1" lang="ja-JP" altLang="en-US" sz="1400" dirty="0">
+              <a:latin typeface="HGPｺﾞｼｯｸE" pitchFamily="50" charset="-128"/>
+              <a:ea typeface="HGPｺﾞｼｯｸE" pitchFamily="50" charset="-128"/>
+            </a:endParaRPr>
+          </a:p>
+        </p:txBody>
+      </p:sp>
+      <p:sp>
+        <p:nvSpPr>
+          <p:cNvPr id="57" name="正方形/長方形 56"/>
+          <p:cNvSpPr/>
+          <p:nvPr/>
+        </p:nvSpPr>
+        <p:spPr>
+          <a:xfrm>
+            <a:off x="5796136" y="3717032"/>
+            <a:ext cx="1296144" cy="1368152"/>
+          </a:xfrm>
+          <a:prstGeom prst="rect">
+            <a:avLst/>
+          </a:prstGeom>
+          <a:solidFill>
+            <a:schemeClr val="bg1">
+              <a:lumMod val="95000"/>
+            </a:schemeClr>
+          </a:solidFill>
+        </p:spPr>
+        <p:style>
+          <a:lnRef idx="2">
+            <a:schemeClr val="accent3"/>
+          </a:lnRef>
+          <a:fillRef idx="1">
+            <a:schemeClr val="lt1"/>
+          </a:fillRef>
+          <a:effectRef idx="0">
+            <a:schemeClr val="accent3"/>
+          </a:effectRef>
+          <a:fontRef idx="minor">
+            <a:schemeClr val="dk1"/>
+          </a:fontRef>
+        </p:style>
+        <p:txBody>
+          <a:bodyPr rtlCol="0" anchor="t"/>
+          <a:lstStyle/>
+          <a:p>
+            <a:r>
+              <a:rPr kumimoji="1" lang="ja-JP" altLang="en-US" sz="1400" dirty="0" smtClean="0">
+                <a:latin typeface="HGPｺﾞｼｯｸE" pitchFamily="50" charset="-128"/>
+                <a:ea typeface="HGPｺﾞｼｯｸE" pitchFamily="50" charset="-128"/>
+              </a:rPr>
+              <a:t>フレーム</a:t>
+            </a:r>
+            <a:endParaRPr kumimoji="1" lang="ja-JP" altLang="en-US" sz="1400" dirty="0">
+              <a:latin typeface="HGPｺﾞｼｯｸE" pitchFamily="50" charset="-128"/>
+              <a:ea typeface="HGPｺﾞｼｯｸE" pitchFamily="50" charset="-128"/>
+            </a:endParaRPr>
+          </a:p>
+        </p:txBody>
+      </p:sp>
+      <p:sp>
+        <p:nvSpPr>
+          <p:cNvPr id="58" name="正方形/長方形 57"/>
+          <p:cNvSpPr/>
+          <p:nvPr/>
+        </p:nvSpPr>
+        <p:spPr>
+          <a:xfrm>
+            <a:off x="5868144" y="4005064"/>
+            <a:ext cx="1152128" cy="1008112"/>
+          </a:xfrm>
+          <a:prstGeom prst="rect">
+            <a:avLst/>
+          </a:prstGeom>
+        </p:spPr>
+        <p:style>
+          <a:lnRef idx="2">
+            <a:schemeClr val="accent6"/>
+          </a:lnRef>
+          <a:fillRef idx="1">
+            <a:schemeClr val="lt1"/>
+          </a:fillRef>
+          <a:effectRef idx="0">
+            <a:schemeClr val="accent6"/>
+          </a:effectRef>
+          <a:fontRef idx="minor">
+            <a:schemeClr val="dk1"/>
+          </a:fontRef>
+        </p:style>
+        <p:txBody>
+          <a:bodyPr rtlCol="0" anchor="t"/>
+          <a:lstStyle/>
+          <a:p>
+            <a:r>
+              <a:rPr lang="ja-JP" altLang="en-US" sz="1400" dirty="0" smtClean="0">
+                <a:latin typeface="HGPｺﾞｼｯｸE" pitchFamily="50" charset="-128"/>
+                <a:ea typeface="HGPｺﾞｼｯｸE" pitchFamily="50" charset="-128"/>
+              </a:rPr>
+              <a:t>ブロック</a:t>
+            </a:r>
+            <a:endParaRPr kumimoji="1" lang="ja-JP" altLang="en-US" sz="1400" dirty="0">
+              <a:latin typeface="HGPｺﾞｼｯｸE" pitchFamily="50" charset="-128"/>
+              <a:ea typeface="HGPｺﾞｼｯｸE" pitchFamily="50" charset="-128"/>
+            </a:endParaRPr>
+          </a:p>
+        </p:txBody>
+      </p:sp>
+      <p:sp>
+        <p:nvSpPr>
+          <p:cNvPr id="59" name="正方形/長方形 58"/>
+          <p:cNvSpPr/>
+          <p:nvPr/>
+        </p:nvSpPr>
+        <p:spPr>
+          <a:xfrm>
+            <a:off x="5940152" y="4293096"/>
+            <a:ext cx="1008112" cy="288032"/>
+          </a:xfrm>
+          <a:prstGeom prst="rect">
+            <a:avLst/>
+          </a:prstGeom>
+          <a:solidFill>
+            <a:schemeClr val="bg1">
+              <a:lumMod val="95000"/>
+            </a:schemeClr>
+          </a:solidFill>
+        </p:spPr>
+        <p:style>
+          <a:lnRef idx="2">
+            <a:schemeClr val="accent2"/>
+          </a:lnRef>
+          <a:fillRef idx="1">
+            <a:schemeClr val="lt1"/>
+          </a:fillRef>
+          <a:effectRef idx="0">
+            <a:schemeClr val="accent2"/>
+          </a:effectRef>
+          <a:fontRef idx="minor">
+            <a:schemeClr val="dk1"/>
+          </a:fontRef>
+        </p:style>
+        <p:txBody>
+          <a:bodyPr rtlCol="0" anchor="t"/>
+          <a:lstStyle/>
+          <a:p>
+            <a:r>
+              <a:rPr kumimoji="1" lang="ja-JP" altLang="en-US" sz="1400" dirty="0" smtClean="0">
+                <a:latin typeface="HGPｺﾞｼｯｸE" pitchFamily="50" charset="-128"/>
+                <a:ea typeface="HGPｺﾞｼｯｸE" pitchFamily="50" charset="-128"/>
+              </a:rPr>
+              <a:t>コンテンツ</a:t>
+            </a:r>
+            <a:endParaRPr kumimoji="1" lang="ja-JP" altLang="en-US" sz="1400" dirty="0">
+              <a:latin typeface="HGPｺﾞｼｯｸE" pitchFamily="50" charset="-128"/>
+              <a:ea typeface="HGPｺﾞｼｯｸE" pitchFamily="50" charset="-128"/>
+            </a:endParaRPr>
+          </a:p>
+        </p:txBody>
+      </p:sp>
+      <p:sp>
+        <p:nvSpPr>
+          <p:cNvPr id="60" name="正方形/長方形 59"/>
+          <p:cNvSpPr/>
+          <p:nvPr/>
+        </p:nvSpPr>
+        <p:spPr>
+          <a:xfrm>
+            <a:off x="5940152" y="4653136"/>
+            <a:ext cx="1008112" cy="288032"/>
+          </a:xfrm>
+          <a:prstGeom prst="rect">
+            <a:avLst/>
+          </a:prstGeom>
+          <a:solidFill>
+            <a:schemeClr val="bg1">
+              <a:lumMod val="95000"/>
+            </a:schemeClr>
+          </a:solidFill>
+        </p:spPr>
+        <p:style>
+          <a:lnRef idx="2">
+            <a:schemeClr val="accent2"/>
+          </a:lnRef>
+          <a:fillRef idx="1">
+            <a:schemeClr val="lt1"/>
+          </a:fillRef>
+          <a:effectRef idx="0">
+            <a:schemeClr val="accent2"/>
+          </a:effectRef>
+          <a:fontRef idx="minor">
+            <a:schemeClr val="dk1"/>
+          </a:fontRef>
+        </p:style>
+        <p:txBody>
+          <a:bodyPr rtlCol="0" anchor="t"/>
+          <a:lstStyle/>
+          <a:p>
+            <a:r>
+              <a:rPr kumimoji="1" lang="ja-JP" altLang="en-US" sz="1400" dirty="0" smtClean="0">
+                <a:latin typeface="HGPｺﾞｼｯｸE" pitchFamily="50" charset="-128"/>
+                <a:ea typeface="HGPｺﾞｼｯｸE" pitchFamily="50" charset="-128"/>
+              </a:rPr>
+              <a:t>コンテンツ</a:t>
+            </a:r>
+            <a:endParaRPr kumimoji="1" lang="ja-JP" altLang="en-US" sz="1400" dirty="0">
+              <a:latin typeface="HGPｺﾞｼｯｸE" pitchFamily="50" charset="-128"/>
+              <a:ea typeface="HGPｺﾞｼｯｸE" pitchFamily="50" charset="-128"/>
+            </a:endParaRPr>
+          </a:p>
+        </p:txBody>
+      </p:sp>
+      <p:sp>
+        <p:nvSpPr>
+          <p:cNvPr id="61" name="正方形/長方形 60"/>
+          <p:cNvSpPr/>
+          <p:nvPr/>
+        </p:nvSpPr>
+        <p:spPr>
+          <a:xfrm>
+            <a:off x="4283968" y="908720"/>
+            <a:ext cx="2808312" cy="576064"/>
+          </a:xfrm>
+          <a:prstGeom prst="rect">
+            <a:avLst/>
+          </a:prstGeom>
+          <a:solidFill>
+            <a:schemeClr val="bg1">
+              <a:lumMod val="95000"/>
+            </a:schemeClr>
+          </a:solidFill>
+        </p:spPr>
+        <p:style>
+          <a:lnRef idx="2">
+            <a:schemeClr val="accent3"/>
+          </a:lnRef>
+          <a:fillRef idx="1">
+            <a:schemeClr val="lt1"/>
+          </a:fillRef>
+          <a:effectRef idx="0">
+            <a:schemeClr val="accent3"/>
+          </a:effectRef>
+          <a:fontRef idx="minor">
+            <a:schemeClr val="dk1"/>
+          </a:fontRef>
+        </p:style>
+        <p:txBody>
+          <a:bodyPr rtlCol="0" anchor="t"/>
+          <a:lstStyle/>
+          <a:p>
+            <a:r>
+              <a:rPr kumimoji="1" lang="ja-JP" altLang="en-US" sz="1400" dirty="0" smtClean="0">
+                <a:latin typeface="HGPｺﾞｼｯｸE" pitchFamily="50" charset="-128"/>
+                <a:ea typeface="HGPｺﾞｼｯｸE" pitchFamily="50" charset="-128"/>
+              </a:rPr>
+              <a:t>フレーム</a:t>
+            </a:r>
+            <a:endParaRPr kumimoji="1" lang="ja-JP" altLang="en-US" sz="1400" dirty="0">
+              <a:latin typeface="HGPｺﾞｼｯｸE" pitchFamily="50" charset="-128"/>
+              <a:ea typeface="HGPｺﾞｼｯｸE" pitchFamily="50" charset="-128"/>
+            </a:endParaRPr>
+          </a:p>
+        </p:txBody>
+      </p:sp>
+      <p:sp>
+        <p:nvSpPr>
+          <p:cNvPr id="62" name="正方形/長方形 61"/>
+          <p:cNvSpPr/>
+          <p:nvPr/>
+        </p:nvSpPr>
+        <p:spPr>
+          <a:xfrm>
+            <a:off x="5148064" y="980728"/>
+            <a:ext cx="1872208" cy="432048"/>
+          </a:xfrm>
+          <a:prstGeom prst="rect">
+            <a:avLst/>
+          </a:prstGeom>
+        </p:spPr>
+        <p:style>
+          <a:lnRef idx="2">
+            <a:schemeClr val="accent6"/>
+          </a:lnRef>
+          <a:fillRef idx="1">
+            <a:schemeClr val="lt1"/>
+          </a:fillRef>
+          <a:effectRef idx="0">
+            <a:schemeClr val="accent6"/>
+          </a:effectRef>
+          <a:fontRef idx="minor">
+            <a:schemeClr val="dk1"/>
+          </a:fontRef>
+        </p:style>
+        <p:txBody>
+          <a:bodyPr rtlCol="0" anchor="t"/>
+          <a:lstStyle/>
+          <a:p>
+            <a:r>
+              <a:rPr lang="ja-JP" altLang="en-US" sz="1400" dirty="0" smtClean="0">
+                <a:latin typeface="HGPｺﾞｼｯｸE" pitchFamily="50" charset="-128"/>
+                <a:ea typeface="HGPｺﾞｼｯｸE" pitchFamily="50" charset="-128"/>
+              </a:rPr>
+              <a:t>ブロック</a:t>
+            </a:r>
+            <a:endParaRPr kumimoji="1" lang="ja-JP" altLang="en-US" sz="1400" dirty="0">
+              <a:latin typeface="HGPｺﾞｼｯｸE" pitchFamily="50" charset="-128"/>
+              <a:ea typeface="HGPｺﾞｼｯｸE" pitchFamily="50" charset="-128"/>
+            </a:endParaRPr>
+          </a:p>
+        </p:txBody>
+      </p:sp>
+      <p:sp>
+        <p:nvSpPr>
+          <p:cNvPr id="63" name="正方形/長方形 62"/>
+          <p:cNvSpPr/>
+          <p:nvPr/>
+        </p:nvSpPr>
+        <p:spPr>
+          <a:xfrm>
+            <a:off x="5940152" y="1052736"/>
+            <a:ext cx="1008112" cy="288032"/>
+          </a:xfrm>
+          <a:prstGeom prst="rect">
+            <a:avLst/>
+          </a:prstGeom>
+          <a:solidFill>
+            <a:schemeClr val="bg1">
+              <a:lumMod val="95000"/>
+            </a:schemeClr>
+          </a:solidFill>
+        </p:spPr>
+        <p:style>
+          <a:lnRef idx="2">
+            <a:schemeClr val="accent2"/>
+          </a:lnRef>
+          <a:fillRef idx="1">
+            <a:schemeClr val="lt1"/>
+          </a:fillRef>
+          <a:effectRef idx="0">
+            <a:schemeClr val="accent2"/>
+          </a:effectRef>
+          <a:fontRef idx="minor">
+            <a:schemeClr val="dk1"/>
+          </a:fontRef>
+        </p:style>
+        <p:txBody>
+          <a:bodyPr rtlCol="0" anchor="t"/>
+          <a:lstStyle/>
+          <a:p>
+            <a:r>
+              <a:rPr kumimoji="1" lang="ja-JP" altLang="en-US" sz="1400" dirty="0" smtClean="0">
+                <a:latin typeface="HGPｺﾞｼｯｸE" pitchFamily="50" charset="-128"/>
+                <a:ea typeface="HGPｺﾞｼｯｸE" pitchFamily="50" charset="-128"/>
+              </a:rPr>
+              <a:t>コンテンツ</a:t>
+            </a:r>
+            <a:endParaRPr kumimoji="1" lang="ja-JP" altLang="en-US" sz="1400" dirty="0">
+              <a:latin typeface="HGPｺﾞｼｯｸE" pitchFamily="50" charset="-128"/>
+              <a:ea typeface="HGPｺﾞｼｯｸE" pitchFamily="50" charset="-128"/>
+            </a:endParaRPr>
+          </a:p>
+        </p:txBody>
+      </p:sp>
+      <p:sp>
+        <p:nvSpPr>
+          <p:cNvPr id="64" name="正方形/長方形 63"/>
+          <p:cNvSpPr/>
+          <p:nvPr/>
+        </p:nvSpPr>
+        <p:spPr>
+          <a:xfrm>
+            <a:off x="1259631" y="5301208"/>
+            <a:ext cx="5976665" cy="1296144"/>
+          </a:xfrm>
+          <a:prstGeom prst="rect">
+            <a:avLst/>
+          </a:prstGeom>
+          <a:solidFill>
+            <a:schemeClr val="bg1">
+              <a:lumMod val="95000"/>
+            </a:schemeClr>
+          </a:solidFill>
+        </p:spPr>
+        <p:style>
+          <a:lnRef idx="2">
+            <a:schemeClr val="accent1"/>
+          </a:lnRef>
+          <a:fillRef idx="1">
+            <a:schemeClr val="lt1"/>
+          </a:fillRef>
+          <a:effectRef idx="0">
+            <a:schemeClr val="accent1"/>
+          </a:effectRef>
+          <a:fontRef idx="minor">
+            <a:schemeClr val="dk1"/>
+          </a:fontRef>
+        </p:style>
+        <p:txBody>
+          <a:bodyPr rtlCol="0" anchor="t"/>
+          <a:lstStyle/>
+          <a:p>
+            <a:r>
+              <a:rPr lang="ja-JP" altLang="en-US" sz="1400" dirty="0" smtClean="0">
+                <a:latin typeface="HGPｺﾞｼｯｸE" pitchFamily="50" charset="-128"/>
+                <a:ea typeface="HGPｺﾞｼｯｸE" pitchFamily="50" charset="-128"/>
+              </a:rPr>
+              <a:t>フッターコンテナー</a:t>
+            </a:r>
+            <a:endParaRPr lang="ja-JP" altLang="en-US" sz="1400" dirty="0" smtClean="0">
+              <a:latin typeface="HGPｺﾞｼｯｸE" pitchFamily="50" charset="-128"/>
+              <a:ea typeface="HGPｺﾞｼｯｸE" pitchFamily="50" charset="-128"/>
+            </a:endParaRPr>
+          </a:p>
+        </p:txBody>
+      </p:sp>
+      <p:sp>
+        <p:nvSpPr>
+          <p:cNvPr id="65" name="正方形/長方形 64"/>
+          <p:cNvSpPr/>
+          <p:nvPr/>
+        </p:nvSpPr>
+        <p:spPr>
+          <a:xfrm>
+            <a:off x="1331640" y="5589240"/>
+            <a:ext cx="5832648" cy="936104"/>
+          </a:xfrm>
+          <a:prstGeom prst="rect">
+            <a:avLst/>
+          </a:prstGeom>
+        </p:spPr>
+        <p:style>
+          <a:lnRef idx="2">
+            <a:schemeClr val="accent5"/>
+          </a:lnRef>
+          <a:fillRef idx="1">
+            <a:schemeClr val="lt1"/>
+          </a:fillRef>
+          <a:effectRef idx="0">
+            <a:schemeClr val="accent5"/>
+          </a:effectRef>
+          <a:fontRef idx="minor">
+            <a:schemeClr val="dk1"/>
+          </a:fontRef>
+        </p:style>
+        <p:txBody>
+          <a:bodyPr rtlCol="0" anchor="t"/>
+          <a:lstStyle/>
+          <a:p>
+            <a:r>
+              <a:rPr kumimoji="1" lang="ja-JP" altLang="en-US" sz="1400" dirty="0" smtClean="0">
+                <a:latin typeface="HGPｺﾞｼｯｸE" pitchFamily="50" charset="-128"/>
+                <a:ea typeface="HGPｺﾞｼｯｸE" pitchFamily="50" charset="-128"/>
+              </a:rPr>
+              <a:t>ボックス</a:t>
+            </a:r>
+            <a:endParaRPr kumimoji="1" lang="ja-JP" altLang="en-US" sz="1400" dirty="0">
+              <a:latin typeface="HGPｺﾞｼｯｸE" pitchFamily="50" charset="-128"/>
+              <a:ea typeface="HGPｺﾞｼｯｸE" pitchFamily="50" charset="-128"/>
+            </a:endParaRPr>
+          </a:p>
+        </p:txBody>
+      </p:sp>
+      <p:sp>
+        <p:nvSpPr>
+          <p:cNvPr id="66" name="正方形/長方形 65"/>
+          <p:cNvSpPr/>
+          <p:nvPr/>
+        </p:nvSpPr>
+        <p:spPr>
+          <a:xfrm>
+            <a:off x="1403648" y="5877272"/>
+            <a:ext cx="2808312" cy="576064"/>
+          </a:xfrm>
+          <a:prstGeom prst="rect">
+            <a:avLst/>
+          </a:prstGeom>
+          <a:solidFill>
+            <a:schemeClr val="bg1">
+              <a:lumMod val="95000"/>
+            </a:schemeClr>
+          </a:solidFill>
+        </p:spPr>
+        <p:style>
+          <a:lnRef idx="2">
+            <a:schemeClr val="accent3"/>
+          </a:lnRef>
+          <a:fillRef idx="1">
+            <a:schemeClr val="lt1"/>
+          </a:fillRef>
+          <a:effectRef idx="0">
+            <a:schemeClr val="accent3"/>
+          </a:effectRef>
+          <a:fontRef idx="minor">
+            <a:schemeClr val="dk1"/>
+          </a:fontRef>
+        </p:style>
+        <p:txBody>
+          <a:bodyPr rtlCol="0" anchor="t"/>
+          <a:lstStyle/>
+          <a:p>
+            <a:r>
+              <a:rPr kumimoji="1" lang="ja-JP" altLang="en-US" sz="1400" dirty="0" smtClean="0">
+                <a:latin typeface="HGPｺﾞｼｯｸE" pitchFamily="50" charset="-128"/>
+                <a:ea typeface="HGPｺﾞｼｯｸE" pitchFamily="50" charset="-128"/>
+              </a:rPr>
+              <a:t>フレーム</a:t>
+            </a:r>
+            <a:endParaRPr kumimoji="1" lang="ja-JP" altLang="en-US" sz="1400" dirty="0">
+              <a:latin typeface="HGPｺﾞｼｯｸE" pitchFamily="50" charset="-128"/>
+              <a:ea typeface="HGPｺﾞｼｯｸE" pitchFamily="50" charset="-128"/>
+            </a:endParaRPr>
+          </a:p>
+        </p:txBody>
+      </p:sp>
+      <p:sp>
+        <p:nvSpPr>
+          <p:cNvPr id="67" name="正方形/長方形 66"/>
+          <p:cNvSpPr/>
+          <p:nvPr/>
+        </p:nvSpPr>
+        <p:spPr>
+          <a:xfrm>
+            <a:off x="2267744" y="5949280"/>
+            <a:ext cx="1872208" cy="432048"/>
+          </a:xfrm>
+          <a:prstGeom prst="rect">
+            <a:avLst/>
+          </a:prstGeom>
+        </p:spPr>
+        <p:style>
+          <a:lnRef idx="2">
+            <a:schemeClr val="accent6"/>
+          </a:lnRef>
+          <a:fillRef idx="1">
+            <a:schemeClr val="lt1"/>
+          </a:fillRef>
+          <a:effectRef idx="0">
+            <a:schemeClr val="accent6"/>
+          </a:effectRef>
+          <a:fontRef idx="minor">
+            <a:schemeClr val="dk1"/>
+          </a:fontRef>
+        </p:style>
+        <p:txBody>
+          <a:bodyPr rtlCol="0" anchor="t"/>
+          <a:lstStyle/>
+          <a:p>
+            <a:r>
+              <a:rPr lang="ja-JP" altLang="en-US" sz="1400" dirty="0" smtClean="0">
+                <a:latin typeface="HGPｺﾞｼｯｸE" pitchFamily="50" charset="-128"/>
+                <a:ea typeface="HGPｺﾞｼｯｸE" pitchFamily="50" charset="-128"/>
+              </a:rPr>
+              <a:t>ブロック</a:t>
+            </a:r>
+            <a:endParaRPr kumimoji="1" lang="ja-JP" altLang="en-US" sz="1400" dirty="0">
+              <a:latin typeface="HGPｺﾞｼｯｸE" pitchFamily="50" charset="-128"/>
+              <a:ea typeface="HGPｺﾞｼｯｸE" pitchFamily="50" charset="-128"/>
+            </a:endParaRPr>
+          </a:p>
+        </p:txBody>
+      </p:sp>
+      <p:sp>
+        <p:nvSpPr>
+          <p:cNvPr id="68" name="正方形/長方形 67"/>
+          <p:cNvSpPr/>
+          <p:nvPr/>
+        </p:nvSpPr>
+        <p:spPr>
+          <a:xfrm>
+            <a:off x="3059832" y="6021288"/>
+            <a:ext cx="1008112" cy="288032"/>
+          </a:xfrm>
+          <a:prstGeom prst="rect">
+            <a:avLst/>
+          </a:prstGeom>
+          <a:solidFill>
+            <a:schemeClr val="bg1">
+              <a:lumMod val="95000"/>
+            </a:schemeClr>
+          </a:solidFill>
+        </p:spPr>
+        <p:style>
+          <a:lnRef idx="2">
+            <a:schemeClr val="accent2"/>
+          </a:lnRef>
+          <a:fillRef idx="1">
+            <a:schemeClr val="lt1"/>
+          </a:fillRef>
+          <a:effectRef idx="0">
+            <a:schemeClr val="accent2"/>
+          </a:effectRef>
+          <a:fontRef idx="minor">
+            <a:schemeClr val="dk1"/>
+          </a:fontRef>
+        </p:style>
+        <p:txBody>
+          <a:bodyPr rtlCol="0" anchor="t"/>
+          <a:lstStyle/>
+          <a:p>
+            <a:r>
+              <a:rPr kumimoji="1" lang="ja-JP" altLang="en-US" sz="1400" dirty="0" smtClean="0">
+                <a:latin typeface="HGPｺﾞｼｯｸE" pitchFamily="50" charset="-128"/>
+                <a:ea typeface="HGPｺﾞｼｯｸE" pitchFamily="50" charset="-128"/>
+              </a:rPr>
+              <a:t>コンテンツ</a:t>
+            </a:r>
+            <a:endParaRPr kumimoji="1" lang="ja-JP" altLang="en-US" sz="1400" dirty="0">
+              <a:latin typeface="HGPｺﾞｼｯｸE" pitchFamily="50" charset="-128"/>
+              <a:ea typeface="HGPｺﾞｼｯｸE" pitchFamily="50" charset="-128"/>
+            </a:endParaRPr>
+          </a:p>
+        </p:txBody>
+      </p:sp>
+      <p:sp>
+        <p:nvSpPr>
+          <p:cNvPr id="69" name="正方形/長方形 68"/>
+          <p:cNvSpPr/>
+          <p:nvPr/>
+        </p:nvSpPr>
+        <p:spPr>
+          <a:xfrm>
+            <a:off x="4283968" y="5877272"/>
+            <a:ext cx="2808312" cy="576064"/>
+          </a:xfrm>
+          <a:prstGeom prst="rect">
+            <a:avLst/>
+          </a:prstGeom>
+          <a:solidFill>
+            <a:schemeClr val="bg1">
+              <a:lumMod val="95000"/>
+            </a:schemeClr>
+          </a:solidFill>
+        </p:spPr>
+        <p:style>
+          <a:lnRef idx="2">
+            <a:schemeClr val="accent3"/>
+          </a:lnRef>
+          <a:fillRef idx="1">
+            <a:schemeClr val="lt1"/>
+          </a:fillRef>
+          <a:effectRef idx="0">
+            <a:schemeClr val="accent3"/>
+          </a:effectRef>
+          <a:fontRef idx="minor">
+            <a:schemeClr val="dk1"/>
+          </a:fontRef>
+        </p:style>
+        <p:txBody>
+          <a:bodyPr rtlCol="0" anchor="t"/>
+          <a:lstStyle/>
+          <a:p>
+            <a:r>
+              <a:rPr kumimoji="1" lang="ja-JP" altLang="en-US" sz="1400" dirty="0" smtClean="0">
+                <a:latin typeface="HGPｺﾞｼｯｸE" pitchFamily="50" charset="-128"/>
+                <a:ea typeface="HGPｺﾞｼｯｸE" pitchFamily="50" charset="-128"/>
+              </a:rPr>
+              <a:t>フレーム</a:t>
+            </a:r>
+            <a:endParaRPr kumimoji="1" lang="ja-JP" altLang="en-US" sz="1400" dirty="0">
+              <a:latin typeface="HGPｺﾞｼｯｸE" pitchFamily="50" charset="-128"/>
+              <a:ea typeface="HGPｺﾞｼｯｸE" pitchFamily="50" charset="-128"/>
+            </a:endParaRPr>
+          </a:p>
+        </p:txBody>
+      </p:sp>
+      <p:sp>
+        <p:nvSpPr>
+          <p:cNvPr id="70" name="正方形/長方形 69"/>
+          <p:cNvSpPr/>
+          <p:nvPr/>
+        </p:nvSpPr>
+        <p:spPr>
+          <a:xfrm>
+            <a:off x="5148064" y="5949280"/>
+            <a:ext cx="1872208" cy="432048"/>
+          </a:xfrm>
+          <a:prstGeom prst="rect">
+            <a:avLst/>
+          </a:prstGeom>
+        </p:spPr>
+        <p:style>
+          <a:lnRef idx="2">
+            <a:schemeClr val="accent6"/>
+          </a:lnRef>
+          <a:fillRef idx="1">
+            <a:schemeClr val="lt1"/>
+          </a:fillRef>
+          <a:effectRef idx="0">
+            <a:schemeClr val="accent6"/>
+          </a:effectRef>
+          <a:fontRef idx="minor">
+            <a:schemeClr val="dk1"/>
+          </a:fontRef>
+        </p:style>
+        <p:txBody>
+          <a:bodyPr rtlCol="0" anchor="t"/>
+          <a:lstStyle/>
+          <a:p>
+            <a:r>
+              <a:rPr lang="ja-JP" altLang="en-US" sz="1400" dirty="0" smtClean="0">
+                <a:latin typeface="HGPｺﾞｼｯｸE" pitchFamily="50" charset="-128"/>
+                <a:ea typeface="HGPｺﾞｼｯｸE" pitchFamily="50" charset="-128"/>
+              </a:rPr>
+              <a:t>ブロック</a:t>
+            </a:r>
+            <a:endParaRPr kumimoji="1" lang="ja-JP" altLang="en-US" sz="1400" dirty="0">
+              <a:latin typeface="HGPｺﾞｼｯｸE" pitchFamily="50" charset="-128"/>
+              <a:ea typeface="HGPｺﾞｼｯｸE" pitchFamily="50" charset="-128"/>
+            </a:endParaRPr>
+          </a:p>
+        </p:txBody>
+      </p:sp>
+      <p:sp>
+        <p:nvSpPr>
+          <p:cNvPr id="71" name="正方形/長方形 70"/>
+          <p:cNvSpPr/>
+          <p:nvPr/>
+        </p:nvSpPr>
+        <p:spPr>
+          <a:xfrm>
+            <a:off x="5940152" y="6021288"/>
+            <a:ext cx="1008112" cy="288032"/>
+          </a:xfrm>
+          <a:prstGeom prst="rect">
+            <a:avLst/>
+          </a:prstGeom>
+          <a:solidFill>
+            <a:schemeClr val="bg1">
+              <a:lumMod val="95000"/>
+            </a:schemeClr>
+          </a:solidFill>
+        </p:spPr>
+        <p:style>
+          <a:lnRef idx="2">
+            <a:schemeClr val="accent2"/>
+          </a:lnRef>
+          <a:fillRef idx="1">
+            <a:schemeClr val="lt1"/>
+          </a:fillRef>
+          <a:effectRef idx="0">
+            <a:schemeClr val="accent2"/>
+          </a:effectRef>
+          <a:fontRef idx="minor">
+            <a:schemeClr val="dk1"/>
+          </a:fontRef>
+        </p:style>
+        <p:txBody>
+          <a:bodyPr rtlCol="0" anchor="t"/>
+          <a:lstStyle/>
+          <a:p>
+            <a:r>
+              <a:rPr kumimoji="1" lang="ja-JP" altLang="en-US" sz="1400" dirty="0" smtClean="0">
+                <a:latin typeface="HGPｺﾞｼｯｸE" pitchFamily="50" charset="-128"/>
+                <a:ea typeface="HGPｺﾞｼｯｸE" pitchFamily="50" charset="-128"/>
+              </a:rPr>
+              <a:t>コンテンツ</a:t>
+            </a:r>
+            <a:endParaRPr kumimoji="1" lang="ja-JP" altLang="en-US" sz="1400" dirty="0">
+              <a:latin typeface="HGPｺﾞｼｯｸE" pitchFamily="50" charset="-128"/>
+              <a:ea typeface="HGPｺﾞｼｯｸE" pitchFamily="50" charset="-128"/>
+            </a:endParaRPr>
+          </a:p>
+        </p:txBody>
+      </p:sp>
+      <p:sp>
+        <p:nvSpPr>
+          <p:cNvPr id="72" name="正方形/長方形 71"/>
+          <p:cNvSpPr/>
+          <p:nvPr/>
+        </p:nvSpPr>
+        <p:spPr>
+          <a:xfrm>
+            <a:off x="3059832" y="3717031"/>
+            <a:ext cx="2376264" cy="1368153"/>
+          </a:xfrm>
+          <a:prstGeom prst="rect">
+            <a:avLst/>
+          </a:prstGeom>
+          <a:solidFill>
+            <a:schemeClr val="bg1">
+              <a:lumMod val="95000"/>
+            </a:schemeClr>
+          </a:solidFill>
+        </p:spPr>
+        <p:style>
+          <a:lnRef idx="2">
+            <a:schemeClr val="accent3"/>
+          </a:lnRef>
+          <a:fillRef idx="1">
+            <a:schemeClr val="lt1"/>
+          </a:fillRef>
+          <a:effectRef idx="0">
+            <a:schemeClr val="accent3"/>
+          </a:effectRef>
+          <a:fontRef idx="minor">
+            <a:schemeClr val="dk1"/>
+          </a:fontRef>
+        </p:style>
+        <p:txBody>
+          <a:bodyPr rtlCol="0" anchor="t"/>
+          <a:lstStyle/>
+          <a:p>
+            <a:r>
+              <a:rPr kumimoji="1" lang="ja-JP" altLang="en-US" sz="1400" dirty="0" smtClean="0">
+                <a:latin typeface="HGPｺﾞｼｯｸE" pitchFamily="50" charset="-128"/>
+                <a:ea typeface="HGPｺﾞｼｯｸE" pitchFamily="50" charset="-128"/>
+              </a:rPr>
+              <a:t>フレーム</a:t>
+            </a:r>
+            <a:endParaRPr kumimoji="1" lang="ja-JP" altLang="en-US" sz="1400" dirty="0">
+              <a:latin typeface="HGPｺﾞｼｯｸE" pitchFamily="50" charset="-128"/>
+              <a:ea typeface="HGPｺﾞｼｯｸE" pitchFamily="50" charset="-128"/>
+            </a:endParaRPr>
+          </a:p>
+        </p:txBody>
+      </p:sp>
+      <p:sp>
+        <p:nvSpPr>
+          <p:cNvPr id="73" name="正方形/長方形 72"/>
+          <p:cNvSpPr/>
+          <p:nvPr/>
+        </p:nvSpPr>
+        <p:spPr>
+          <a:xfrm>
+            <a:off x="3131840" y="4005064"/>
+            <a:ext cx="2232248" cy="1008112"/>
+          </a:xfrm>
+          <a:prstGeom prst="rect">
+            <a:avLst/>
+          </a:prstGeom>
+        </p:spPr>
+        <p:style>
+          <a:lnRef idx="2">
+            <a:schemeClr val="accent6"/>
+          </a:lnRef>
+          <a:fillRef idx="1">
+            <a:schemeClr val="lt1"/>
+          </a:fillRef>
+          <a:effectRef idx="0">
+            <a:schemeClr val="accent6"/>
+          </a:effectRef>
+          <a:fontRef idx="minor">
+            <a:schemeClr val="dk1"/>
+          </a:fontRef>
+        </p:style>
+        <p:txBody>
+          <a:bodyPr rtlCol="0" anchor="t"/>
+          <a:lstStyle/>
+          <a:p>
+            <a:r>
+              <a:rPr lang="ja-JP" altLang="en-US" sz="1400" dirty="0" smtClean="0">
+                <a:latin typeface="HGPｺﾞｼｯｸE" pitchFamily="50" charset="-128"/>
+                <a:ea typeface="HGPｺﾞｼｯｸE" pitchFamily="50" charset="-128"/>
+              </a:rPr>
+              <a:t>ブロック</a:t>
+            </a:r>
+            <a:endParaRPr kumimoji="1" lang="ja-JP" altLang="en-US" sz="1400" dirty="0">
+              <a:latin typeface="HGPｺﾞｼｯｸE" pitchFamily="50" charset="-128"/>
+              <a:ea typeface="HGPｺﾞｼｯｸE" pitchFamily="50" charset="-128"/>
+            </a:endParaRPr>
+          </a:p>
+        </p:txBody>
+      </p:sp>
+      <p:sp>
+        <p:nvSpPr>
+          <p:cNvPr id="74" name="正方形/長方形 73"/>
+          <p:cNvSpPr/>
+          <p:nvPr/>
+        </p:nvSpPr>
+        <p:spPr>
+          <a:xfrm>
+            <a:off x="3203848" y="4293096"/>
+            <a:ext cx="2088232" cy="288032"/>
+          </a:xfrm>
+          <a:prstGeom prst="rect">
+            <a:avLst/>
+          </a:prstGeom>
+          <a:solidFill>
+            <a:schemeClr val="bg1">
+              <a:lumMod val="95000"/>
+            </a:schemeClr>
+          </a:solidFill>
+        </p:spPr>
+        <p:style>
+          <a:lnRef idx="2">
+            <a:schemeClr val="accent2"/>
+          </a:lnRef>
+          <a:fillRef idx="1">
+            <a:schemeClr val="lt1"/>
+          </a:fillRef>
+          <a:effectRef idx="0">
+            <a:schemeClr val="accent2"/>
+          </a:effectRef>
+          <a:fontRef idx="minor">
+            <a:schemeClr val="dk1"/>
+          </a:fontRef>
+        </p:style>
+        <p:txBody>
+          <a:bodyPr rtlCol="0" anchor="t"/>
+          <a:lstStyle/>
+          <a:p>
+            <a:pPr algn="ctr"/>
+            <a:r>
+              <a:rPr kumimoji="1" lang="ja-JP" altLang="en-US" sz="1400" dirty="0" smtClean="0">
+                <a:latin typeface="HGPｺﾞｼｯｸE" pitchFamily="50" charset="-128"/>
+                <a:ea typeface="HGPｺﾞｼｯｸE" pitchFamily="50" charset="-128"/>
+              </a:rPr>
+              <a:t>コンテンツ</a:t>
+            </a:r>
+            <a:endParaRPr kumimoji="1" lang="ja-JP" altLang="en-US" sz="1400" dirty="0">
+              <a:latin typeface="HGPｺﾞｼｯｸE" pitchFamily="50" charset="-128"/>
+              <a:ea typeface="HGPｺﾞｼｯｸE" pitchFamily="50" charset="-128"/>
+            </a:endParaRPr>
+          </a:p>
+        </p:txBody>
+      </p:sp>
+      <p:sp>
+        <p:nvSpPr>
+          <p:cNvPr id="75" name="正方形/長方形 74"/>
+          <p:cNvSpPr/>
+          <p:nvPr/>
+        </p:nvSpPr>
+        <p:spPr>
+          <a:xfrm>
+            <a:off x="3203848" y="4653136"/>
+            <a:ext cx="2088232" cy="288032"/>
+          </a:xfrm>
+          <a:prstGeom prst="rect">
+            <a:avLst/>
+          </a:prstGeom>
+          <a:solidFill>
+            <a:schemeClr val="bg1">
+              <a:lumMod val="95000"/>
+            </a:schemeClr>
+          </a:solidFill>
+        </p:spPr>
+        <p:style>
+          <a:lnRef idx="2">
+            <a:schemeClr val="accent2"/>
+          </a:lnRef>
+          <a:fillRef idx="1">
+            <a:schemeClr val="lt1"/>
+          </a:fillRef>
+          <a:effectRef idx="0">
+            <a:schemeClr val="accent2"/>
+          </a:effectRef>
+          <a:fontRef idx="minor">
+            <a:schemeClr val="dk1"/>
+          </a:fontRef>
+        </p:style>
+        <p:txBody>
+          <a:bodyPr rtlCol="0" anchor="t"/>
+          <a:lstStyle/>
+          <a:p>
+            <a:pPr algn="ctr"/>
+            <a:r>
+              <a:rPr kumimoji="1" lang="ja-JP" altLang="en-US" sz="1400" dirty="0" smtClean="0">
+                <a:latin typeface="HGPｺﾞｼｯｸE" pitchFamily="50" charset="-128"/>
+                <a:ea typeface="HGPｺﾞｼｯｸE" pitchFamily="50" charset="-128"/>
+              </a:rPr>
+              <a:t>コンテンツ</a:t>
+            </a:r>
+            <a:endParaRPr kumimoji="1" lang="ja-JP" altLang="en-US" sz="1400" dirty="0">
+              <a:latin typeface="HGPｺﾞｼｯｸE" pitchFamily="50" charset="-128"/>
+              <a:ea typeface="HGPｺﾞｼｯｸE" pitchFamily="50" charset="-128"/>
+            </a:endParaRPr>
+          </a:p>
+        </p:txBody>
+      </p:sp>
     </p:spTree>
   </p:cSld>
   <p:clrMapOvr>

--- a/PowerPoint/report_hokada.pptx
+++ b/PowerPoint/report_hokada.pptx
@@ -5,7 +5,7 @@
     <p:sldMasterId id="2147483648" r:id="rId1"/>
   </p:sldMasterIdLst>
   <p:notesMasterIdLst>
-    <p:notesMasterId r:id="rId18"/>
+    <p:notesMasterId r:id="rId20"/>
   </p:notesMasterIdLst>
   <p:sldIdLst>
     <p:sldId id="256" r:id="rId2"/>
@@ -24,6 +24,8 @@
     <p:sldId id="269" r:id="rId15"/>
     <p:sldId id="270" r:id="rId16"/>
     <p:sldId id="271" r:id="rId17"/>
+    <p:sldId id="272" r:id="rId18"/>
+    <p:sldId id="273" r:id="rId19"/>
   </p:sldIdLst>
   <p:sldSz cx="9144000" cy="6858000" type="screen4x3"/>
   <p:notesSz cx="6858000" cy="9144000"/>
@@ -4448,7 +4450,7 @@
         <a:bodyPr/>
         <a:lstStyle/>
         <a:p>
-          <a:endParaRPr kumimoji="1" lang="ja-JP" altLang="en-US"/>
+          <a:endParaRPr kumimoji="1" lang="ja-JP" altLang="en-US" dirty="0"/>
         </a:p>
       </dgm:t>
     </dgm:pt>
@@ -4492,7 +4494,7 @@
         <a:bodyPr/>
         <a:lstStyle/>
         <a:p>
-          <a:endParaRPr kumimoji="1" lang="ja-JP" altLang="en-US"/>
+          <a:endParaRPr kumimoji="1" lang="ja-JP" altLang="en-US" dirty="0"/>
         </a:p>
       </dgm:t>
     </dgm:pt>
@@ -4536,7 +4538,7 @@
         <a:bodyPr/>
         <a:lstStyle/>
         <a:p>
-          <a:endParaRPr kumimoji="1" lang="ja-JP" altLang="en-US"/>
+          <a:endParaRPr kumimoji="1" lang="ja-JP" altLang="en-US" dirty="0"/>
         </a:p>
       </dgm:t>
     </dgm:pt>
@@ -4750,7 +4752,7 @@
         <a:bodyPr/>
         <a:lstStyle/>
         <a:p>
-          <a:endParaRPr kumimoji="1" lang="ja-JP" altLang="en-US"/>
+          <a:endParaRPr kumimoji="1" lang="ja-JP" altLang="en-US" dirty="0"/>
         </a:p>
       </dgm:t>
     </dgm:pt>
@@ -4859,7 +4861,7 @@
         <a:bodyPr/>
         <a:lstStyle/>
         <a:p>
-          <a:endParaRPr kumimoji="1" lang="ja-JP" altLang="en-US"/>
+          <a:endParaRPr kumimoji="1" lang="ja-JP" altLang="en-US" dirty="0"/>
         </a:p>
       </dgm:t>
     </dgm:pt>
@@ -4917,7 +4919,7 @@
         <a:bodyPr/>
         <a:lstStyle/>
         <a:p>
-          <a:endParaRPr kumimoji="1" lang="ja-JP" altLang="en-US"/>
+          <a:endParaRPr kumimoji="1" lang="ja-JP" altLang="en-US" dirty="0"/>
         </a:p>
       </dgm:t>
     </dgm:pt>
@@ -5206,7 +5208,7 @@
         <a:bodyPr/>
         <a:lstStyle/>
         <a:p>
-          <a:endParaRPr kumimoji="1" lang="ja-JP" altLang="en-US"/>
+          <a:endParaRPr kumimoji="1" lang="ja-JP" altLang="en-US" dirty="0"/>
         </a:p>
       </dgm:t>
     </dgm:pt>
@@ -5279,7 +5281,7 @@
         <a:bodyPr/>
         <a:lstStyle/>
         <a:p>
-          <a:endParaRPr kumimoji="1" lang="ja-JP" altLang="en-US"/>
+          <a:endParaRPr kumimoji="1" lang="ja-JP" altLang="en-US" dirty="0"/>
         </a:p>
       </dgm:t>
     </dgm:pt>
@@ -6889,7 +6891,7 @@
               <a:spcPct val="35000"/>
             </a:spcAft>
           </a:pPr>
-          <a:endParaRPr kumimoji="1" lang="ja-JP" altLang="en-US" sz="2300" kern="1200"/>
+          <a:endParaRPr kumimoji="1" lang="ja-JP" altLang="en-US" sz="2300" kern="1200" dirty="0"/>
         </a:p>
       </dsp:txBody>
       <dsp:txXfrm>
@@ -6955,7 +6957,7 @@
               <a:spcPct val="35000"/>
             </a:spcAft>
           </a:pPr>
-          <a:endParaRPr kumimoji="1" lang="ja-JP" altLang="en-US" sz="2300" kern="1200"/>
+          <a:endParaRPr kumimoji="1" lang="ja-JP" altLang="en-US" sz="2300" kern="1200" dirty="0"/>
         </a:p>
       </dsp:txBody>
       <dsp:txXfrm>
@@ -7019,7 +7021,7 @@
               <a:spcPct val="35000"/>
             </a:spcAft>
           </a:pPr>
-          <a:endParaRPr kumimoji="1" lang="ja-JP" altLang="en-US" sz="2300" kern="1200"/>
+          <a:endParaRPr kumimoji="1" lang="ja-JP" altLang="en-US" sz="2300" kern="1200" dirty="0"/>
         </a:p>
       </dsp:txBody>
       <dsp:txXfrm>
@@ -7195,7 +7197,7 @@
               <a:spcPct val="35000"/>
             </a:spcAft>
           </a:pPr>
-          <a:endParaRPr kumimoji="1" lang="ja-JP" altLang="en-US" sz="1900" kern="1200"/>
+          <a:endParaRPr kumimoji="1" lang="ja-JP" altLang="en-US" sz="1900" kern="1200" dirty="0"/>
         </a:p>
       </dsp:txBody>
       <dsp:txXfrm rot="5400000">
@@ -7330,7 +7332,7 @@
               <a:spcPct val="35000"/>
             </a:spcAft>
           </a:pPr>
-          <a:endParaRPr kumimoji="1" lang="ja-JP" altLang="en-US" sz="4500" kern="1200"/>
+          <a:endParaRPr kumimoji="1" lang="ja-JP" altLang="en-US" sz="4500" kern="1200" dirty="0"/>
         </a:p>
       </dsp:txBody>
       <dsp:txXfrm rot="5400000">
@@ -17202,7 +17204,7 @@
             </a:lvl1pPr>
           </a:lstStyle>
           <a:p>
-            <a:endParaRPr kumimoji="1" lang="ja-JP" altLang="en-US"/>
+            <a:endParaRPr kumimoji="1" lang="ja-JP" altLang="en-US" dirty="0"/>
           </a:p>
         </p:txBody>
       </p:sp>
@@ -17238,7 +17240,7 @@
               <a:pPr/>
               <a:t>2014/11/21</a:t>
             </a:fld>
-            <a:endParaRPr kumimoji="1" lang="ja-JP" altLang="en-US"/>
+            <a:endParaRPr kumimoji="1" lang="ja-JP" altLang="en-US" dirty="0"/>
           </a:p>
         </p:txBody>
       </p:sp>
@@ -17271,7 +17273,7 @@
           <a:bodyPr vert="horz" lIns="91440" tIns="45720" rIns="91440" bIns="45720" rtlCol="0" anchor="ctr"/>
           <a:lstStyle/>
           <a:p>
-            <a:endParaRPr lang="ja-JP" altLang="en-US"/>
+            <a:endParaRPr lang="ja-JP" altLang="en-US" dirty="0"/>
           </a:p>
         </p:txBody>
       </p:sp>
@@ -17396,7 +17398,7 @@
             </a:lvl1pPr>
           </a:lstStyle>
           <a:p>
-            <a:endParaRPr kumimoji="1" lang="ja-JP" altLang="en-US"/>
+            <a:endParaRPr kumimoji="1" lang="ja-JP" altLang="en-US" dirty="0"/>
           </a:p>
         </p:txBody>
       </p:sp>
@@ -17432,7 +17434,7 @@
               <a:pPr/>
               <a:t>&lt;#&gt;</a:t>
             </a:fld>
-            <a:endParaRPr kumimoji="1" lang="ja-JP" altLang="en-US"/>
+            <a:endParaRPr kumimoji="1" lang="ja-JP" altLang="en-US" dirty="0"/>
           </a:p>
         </p:txBody>
       </p:sp>
@@ -17622,7 +17624,7 @@
               <a:pPr/>
               <a:t>5</a:t>
             </a:fld>
-            <a:endParaRPr kumimoji="1" lang="ja-JP" altLang="en-US"/>
+            <a:endParaRPr kumimoji="1" lang="ja-JP" altLang="en-US" dirty="0"/>
           </a:p>
         </p:txBody>
       </p:sp>
@@ -17704,7 +17706,7 @@
               <a:pPr/>
               <a:t>6</a:t>
             </a:fld>
-            <a:endParaRPr kumimoji="1" lang="ja-JP" altLang="en-US"/>
+            <a:endParaRPr kumimoji="1" lang="ja-JP" altLang="en-US" dirty="0"/>
           </a:p>
         </p:txBody>
       </p:sp>
@@ -17900,7 +17902,7 @@
               <a:pPr/>
               <a:t>2014/11/21</a:t>
             </a:fld>
-            <a:endParaRPr kumimoji="1" lang="ja-JP" altLang="en-US"/>
+            <a:endParaRPr kumimoji="1" lang="ja-JP" altLang="en-US" dirty="0"/>
           </a:p>
         </p:txBody>
       </p:sp>
@@ -17919,7 +17921,7 @@
           <a:bodyPr/>
           <a:lstStyle/>
           <a:p>
-            <a:endParaRPr kumimoji="1" lang="ja-JP" altLang="en-US"/>
+            <a:endParaRPr kumimoji="1" lang="ja-JP" altLang="en-US" dirty="0"/>
           </a:p>
         </p:txBody>
       </p:sp>
@@ -17943,7 +17945,7 @@
               <a:pPr/>
               <a:t>&lt;#&gt;</a:t>
             </a:fld>
-            <a:endParaRPr kumimoji="1" lang="ja-JP" altLang="en-US"/>
+            <a:endParaRPr kumimoji="1" lang="ja-JP" altLang="en-US" dirty="0"/>
           </a:p>
         </p:txBody>
       </p:sp>
@@ -18099,7 +18101,7 @@
               <a:pPr/>
               <a:t>2014/11/21</a:t>
             </a:fld>
-            <a:endParaRPr kumimoji="1" lang="ja-JP" altLang="en-US"/>
+            <a:endParaRPr kumimoji="1" lang="ja-JP" altLang="en-US" dirty="0"/>
           </a:p>
         </p:txBody>
       </p:sp>
@@ -18118,7 +18120,7 @@
           <a:bodyPr/>
           <a:lstStyle/>
           <a:p>
-            <a:endParaRPr kumimoji="1" lang="ja-JP" altLang="en-US"/>
+            <a:endParaRPr kumimoji="1" lang="ja-JP" altLang="en-US" dirty="0"/>
           </a:p>
         </p:txBody>
       </p:sp>
@@ -18142,7 +18144,7 @@
               <a:pPr/>
               <a:t>&lt;#&gt;</a:t>
             </a:fld>
-            <a:endParaRPr kumimoji="1" lang="ja-JP" altLang="en-US"/>
+            <a:endParaRPr kumimoji="1" lang="ja-JP" altLang="en-US" dirty="0"/>
           </a:p>
         </p:txBody>
       </p:sp>
@@ -18308,7 +18310,7 @@
               <a:pPr/>
               <a:t>2014/11/21</a:t>
             </a:fld>
-            <a:endParaRPr kumimoji="1" lang="ja-JP" altLang="en-US"/>
+            <a:endParaRPr kumimoji="1" lang="ja-JP" altLang="en-US" dirty="0"/>
           </a:p>
         </p:txBody>
       </p:sp>
@@ -18327,7 +18329,7 @@
           <a:bodyPr/>
           <a:lstStyle/>
           <a:p>
-            <a:endParaRPr kumimoji="1" lang="ja-JP" altLang="en-US"/>
+            <a:endParaRPr kumimoji="1" lang="ja-JP" altLang="en-US" dirty="0"/>
           </a:p>
         </p:txBody>
       </p:sp>
@@ -18351,7 +18353,7 @@
               <a:pPr/>
               <a:t>&lt;#&gt;</a:t>
             </a:fld>
-            <a:endParaRPr kumimoji="1" lang="ja-JP" altLang="en-US"/>
+            <a:endParaRPr kumimoji="1" lang="ja-JP" altLang="en-US" dirty="0"/>
           </a:p>
         </p:txBody>
       </p:sp>
@@ -18507,7 +18509,7 @@
               <a:pPr/>
               <a:t>2014/11/21</a:t>
             </a:fld>
-            <a:endParaRPr kumimoji="1" lang="ja-JP" altLang="en-US"/>
+            <a:endParaRPr kumimoji="1" lang="ja-JP" altLang="en-US" dirty="0"/>
           </a:p>
         </p:txBody>
       </p:sp>
@@ -18526,7 +18528,7 @@
           <a:bodyPr/>
           <a:lstStyle/>
           <a:p>
-            <a:endParaRPr kumimoji="1" lang="ja-JP" altLang="en-US"/>
+            <a:endParaRPr kumimoji="1" lang="ja-JP" altLang="en-US" dirty="0"/>
           </a:p>
         </p:txBody>
       </p:sp>
@@ -18550,7 +18552,7 @@
               <a:pPr/>
               <a:t>&lt;#&gt;</a:t>
             </a:fld>
-            <a:endParaRPr kumimoji="1" lang="ja-JP" altLang="en-US"/>
+            <a:endParaRPr kumimoji="1" lang="ja-JP" altLang="en-US" dirty="0"/>
           </a:p>
         </p:txBody>
       </p:sp>
@@ -18750,7 +18752,7 @@
               <a:pPr/>
               <a:t>2014/11/21</a:t>
             </a:fld>
-            <a:endParaRPr kumimoji="1" lang="ja-JP" altLang="en-US"/>
+            <a:endParaRPr kumimoji="1" lang="ja-JP" altLang="en-US" dirty="0"/>
           </a:p>
         </p:txBody>
       </p:sp>
@@ -18769,7 +18771,7 @@
           <a:bodyPr/>
           <a:lstStyle/>
           <a:p>
-            <a:endParaRPr kumimoji="1" lang="ja-JP" altLang="en-US"/>
+            <a:endParaRPr kumimoji="1" lang="ja-JP" altLang="en-US" dirty="0"/>
           </a:p>
         </p:txBody>
       </p:sp>
@@ -18793,7 +18795,7 @@
               <a:pPr/>
               <a:t>&lt;#&gt;</a:t>
             </a:fld>
-            <a:endParaRPr kumimoji="1" lang="ja-JP" altLang="en-US"/>
+            <a:endParaRPr kumimoji="1" lang="ja-JP" altLang="en-US" dirty="0"/>
           </a:p>
         </p:txBody>
       </p:sp>
@@ -19099,7 +19101,7 @@
               <a:pPr/>
               <a:t>2014/11/21</a:t>
             </a:fld>
-            <a:endParaRPr kumimoji="1" lang="ja-JP" altLang="en-US"/>
+            <a:endParaRPr kumimoji="1" lang="ja-JP" altLang="en-US" dirty="0"/>
           </a:p>
         </p:txBody>
       </p:sp>
@@ -19118,7 +19120,7 @@
           <a:bodyPr/>
           <a:lstStyle/>
           <a:p>
-            <a:endParaRPr kumimoji="1" lang="ja-JP" altLang="en-US"/>
+            <a:endParaRPr kumimoji="1" lang="ja-JP" altLang="en-US" dirty="0"/>
           </a:p>
         </p:txBody>
       </p:sp>
@@ -19142,7 +19144,7 @@
               <a:pPr/>
               <a:t>&lt;#&gt;</a:t>
             </a:fld>
-            <a:endParaRPr kumimoji="1" lang="ja-JP" altLang="en-US"/>
+            <a:endParaRPr kumimoji="1" lang="ja-JP" altLang="en-US" dirty="0"/>
           </a:p>
         </p:txBody>
       </p:sp>
@@ -19582,7 +19584,7 @@
               <a:pPr/>
               <a:t>2014/11/21</a:t>
             </a:fld>
-            <a:endParaRPr kumimoji="1" lang="ja-JP" altLang="en-US"/>
+            <a:endParaRPr kumimoji="1" lang="ja-JP" altLang="en-US" dirty="0"/>
           </a:p>
         </p:txBody>
       </p:sp>
@@ -19601,7 +19603,7 @@
           <a:bodyPr/>
           <a:lstStyle/>
           <a:p>
-            <a:endParaRPr kumimoji="1" lang="ja-JP" altLang="en-US"/>
+            <a:endParaRPr kumimoji="1" lang="ja-JP" altLang="en-US" dirty="0"/>
           </a:p>
         </p:txBody>
       </p:sp>
@@ -19625,7 +19627,7 @@
               <a:pPr/>
               <a:t>&lt;#&gt;</a:t>
             </a:fld>
-            <a:endParaRPr kumimoji="1" lang="ja-JP" altLang="en-US"/>
+            <a:endParaRPr kumimoji="1" lang="ja-JP" altLang="en-US" dirty="0"/>
           </a:p>
         </p:txBody>
       </p:sp>
@@ -19697,7 +19699,7 @@
               <a:pPr/>
               <a:t>2014/11/21</a:t>
             </a:fld>
-            <a:endParaRPr kumimoji="1" lang="ja-JP" altLang="en-US"/>
+            <a:endParaRPr kumimoji="1" lang="ja-JP" altLang="en-US" dirty="0"/>
           </a:p>
         </p:txBody>
       </p:sp>
@@ -19716,7 +19718,7 @@
           <a:bodyPr/>
           <a:lstStyle/>
           <a:p>
-            <a:endParaRPr kumimoji="1" lang="ja-JP" altLang="en-US"/>
+            <a:endParaRPr kumimoji="1" lang="ja-JP" altLang="en-US" dirty="0"/>
           </a:p>
         </p:txBody>
       </p:sp>
@@ -19740,7 +19742,7 @@
               <a:pPr/>
               <a:t>&lt;#&gt;</a:t>
             </a:fld>
-            <a:endParaRPr kumimoji="1" lang="ja-JP" altLang="en-US"/>
+            <a:endParaRPr kumimoji="1" lang="ja-JP" altLang="en-US" dirty="0"/>
           </a:p>
         </p:txBody>
       </p:sp>
@@ -19789,7 +19791,7 @@
               <a:pPr/>
               <a:t>2014/11/21</a:t>
             </a:fld>
-            <a:endParaRPr kumimoji="1" lang="ja-JP" altLang="en-US"/>
+            <a:endParaRPr kumimoji="1" lang="ja-JP" altLang="en-US" dirty="0"/>
           </a:p>
         </p:txBody>
       </p:sp>
@@ -19808,7 +19810,7 @@
           <a:bodyPr/>
           <a:lstStyle/>
           <a:p>
-            <a:endParaRPr kumimoji="1" lang="ja-JP" altLang="en-US"/>
+            <a:endParaRPr kumimoji="1" lang="ja-JP" altLang="en-US" dirty="0"/>
           </a:p>
         </p:txBody>
       </p:sp>
@@ -19832,7 +19834,7 @@
               <a:pPr/>
               <a:t>&lt;#&gt;</a:t>
             </a:fld>
-            <a:endParaRPr kumimoji="1" lang="ja-JP" altLang="en-US"/>
+            <a:endParaRPr kumimoji="1" lang="ja-JP" altLang="en-US" dirty="0"/>
           </a:p>
         </p:txBody>
       </p:sp>
@@ -20095,7 +20097,7 @@
               <a:pPr/>
               <a:t>2014/11/21</a:t>
             </a:fld>
-            <a:endParaRPr kumimoji="1" lang="ja-JP" altLang="en-US"/>
+            <a:endParaRPr kumimoji="1" lang="ja-JP" altLang="en-US" dirty="0"/>
           </a:p>
         </p:txBody>
       </p:sp>
@@ -20114,7 +20116,7 @@
           <a:bodyPr/>
           <a:lstStyle/>
           <a:p>
-            <a:endParaRPr kumimoji="1" lang="ja-JP" altLang="en-US"/>
+            <a:endParaRPr kumimoji="1" lang="ja-JP" altLang="en-US" dirty="0"/>
           </a:p>
         </p:txBody>
       </p:sp>
@@ -20138,7 +20140,7 @@
               <a:pPr/>
               <a:t>&lt;#&gt;</a:t>
             </a:fld>
-            <a:endParaRPr kumimoji="1" lang="ja-JP" altLang="en-US"/>
+            <a:endParaRPr kumimoji="1" lang="ja-JP" altLang="en-US" dirty="0"/>
           </a:p>
         </p:txBody>
       </p:sp>
@@ -20256,7 +20258,7 @@
             </a:lvl9pPr>
           </a:lstStyle>
           <a:p>
-            <a:endParaRPr kumimoji="1" lang="ja-JP" altLang="en-US"/>
+            <a:endParaRPr kumimoji="1" lang="ja-JP" altLang="en-US" dirty="0"/>
           </a:p>
         </p:txBody>
       </p:sp>
@@ -20345,7 +20347,7 @@
               <a:pPr/>
               <a:t>2014/11/21</a:t>
             </a:fld>
-            <a:endParaRPr kumimoji="1" lang="ja-JP" altLang="en-US"/>
+            <a:endParaRPr kumimoji="1" lang="ja-JP" altLang="en-US" dirty="0"/>
           </a:p>
         </p:txBody>
       </p:sp>
@@ -20364,7 +20366,7 @@
           <a:bodyPr/>
           <a:lstStyle/>
           <a:p>
-            <a:endParaRPr kumimoji="1" lang="ja-JP" altLang="en-US"/>
+            <a:endParaRPr kumimoji="1" lang="ja-JP" altLang="en-US" dirty="0"/>
           </a:p>
         </p:txBody>
       </p:sp>
@@ -20388,7 +20390,7 @@
               <a:pPr/>
               <a:t>&lt;#&gt;</a:t>
             </a:fld>
-            <a:endParaRPr kumimoji="1" lang="ja-JP" altLang="en-US"/>
+            <a:endParaRPr kumimoji="1" lang="ja-JP" altLang="en-US" dirty="0"/>
           </a:p>
         </p:txBody>
       </p:sp>
@@ -20587,7 +20589,7 @@
               <a:pPr/>
               <a:t>2014/11/21</a:t>
             </a:fld>
-            <a:endParaRPr kumimoji="1" lang="ja-JP" altLang="en-US"/>
+            <a:endParaRPr kumimoji="1" lang="ja-JP" altLang="en-US" dirty="0"/>
           </a:p>
         </p:txBody>
       </p:sp>
@@ -20624,7 +20626,7 @@
             </a:lvl1pPr>
           </a:lstStyle>
           <a:p>
-            <a:endParaRPr kumimoji="1" lang="ja-JP" altLang="en-US"/>
+            <a:endParaRPr kumimoji="1" lang="ja-JP" altLang="en-US" dirty="0"/>
           </a:p>
         </p:txBody>
       </p:sp>
@@ -20666,7 +20668,7 @@
               <a:pPr/>
               <a:t>&lt;#&gt;</a:t>
             </a:fld>
-            <a:endParaRPr kumimoji="1" lang="ja-JP" altLang="en-US"/>
+            <a:endParaRPr kumimoji="1" lang="ja-JP" altLang="en-US" dirty="0"/>
           </a:p>
         </p:txBody>
       </p:sp>
@@ -20966,9 +20968,16 @@
             <p:ph type="ctrTitle"/>
           </p:nvPr>
         </p:nvSpPr>
-        <p:spPr/>
+        <p:spPr>
+          <a:xfrm>
+            <a:off x="251520" y="2130425"/>
+            <a:ext cx="8712968" cy="1470025"/>
+          </a:xfrm>
+        </p:spPr>
         <p:txBody>
-          <a:bodyPr/>
+          <a:bodyPr>
+            <a:normAutofit fontScale="90000"/>
+          </a:bodyPr>
           <a:lstStyle/>
           <a:p>
             <a:r>
@@ -20977,7 +20986,11 @@
             </a:r>
             <a:r>
               <a:rPr kumimoji="1" lang="ja-JP" altLang="en-US" dirty="0" smtClean="0"/>
-              <a:t>開発における</a:t>
+              <a:t>プラグイン開発</a:t>
+            </a:r>
+            <a:r>
+              <a:rPr kumimoji="1" lang="ja-JP" altLang="en-US" dirty="0" smtClean="0"/>
+              <a:t>における</a:t>
             </a:r>
             <a:r>
               <a:rPr kumimoji="1" lang="en-US" altLang="ja-JP" dirty="0" smtClean="0"/>
@@ -21159,7 +21172,7 @@
           <a:lstStyle/>
           <a:p>
             <a:pPr algn="ctr"/>
-            <a:endParaRPr kumimoji="1" lang="ja-JP" altLang="en-US">
+            <a:endParaRPr kumimoji="1" lang="ja-JP" altLang="en-US" dirty="0">
               <a:solidFill>
                 <a:schemeClr val="tx1"/>
               </a:solidFill>
@@ -21215,7 +21228,7 @@
           <a:lstStyle/>
           <a:p>
             <a:pPr algn="ctr"/>
-            <a:endParaRPr kumimoji="1" lang="ja-JP" altLang="en-US">
+            <a:endParaRPr kumimoji="1" lang="ja-JP" altLang="en-US" dirty="0">
               <a:solidFill>
                 <a:schemeClr val="tx1"/>
               </a:solidFill>
@@ -21517,7 +21530,7 @@
           <a:bodyPr/>
           <a:lstStyle/>
           <a:p>
-            <a:endParaRPr kumimoji="1" lang="ja-JP" altLang="en-US"/>
+            <a:endParaRPr kumimoji="1" lang="ja-JP" altLang="en-US" dirty="0"/>
           </a:p>
         </p:txBody>
       </p:sp>
@@ -21633,7 +21646,7 @@
           </a:bodyPr>
           <a:lstStyle/>
           <a:p>
-            <a:endParaRPr lang="ja-JP" altLang="en-US"/>
+            <a:endParaRPr lang="ja-JP" altLang="en-US" dirty="0"/>
           </a:p>
         </p:txBody>
       </p:sp>
@@ -21671,7 +21684,7 @@
           </a:bodyPr>
           <a:lstStyle/>
           <a:p>
-            <a:endParaRPr lang="ja-JP" altLang="en-US"/>
+            <a:endParaRPr lang="ja-JP" altLang="en-US" dirty="0"/>
           </a:p>
         </p:txBody>
       </p:sp>
@@ -21709,7 +21722,7 @@
           </a:bodyPr>
           <a:lstStyle/>
           <a:p>
-            <a:endParaRPr lang="ja-JP" altLang="en-US"/>
+            <a:endParaRPr lang="ja-JP" altLang="en-US" dirty="0"/>
           </a:p>
         </p:txBody>
       </p:sp>
@@ -21863,7 +21876,7 @@
           <a:bodyPr/>
           <a:lstStyle/>
           <a:p>
-            <a:endParaRPr kumimoji="1" lang="ja-JP" altLang="en-US"/>
+            <a:endParaRPr kumimoji="1" lang="ja-JP" altLang="en-US" dirty="0"/>
           </a:p>
         </p:txBody>
       </p:sp>
@@ -21948,7 +21961,7 @@
         </p:blipFill>
         <p:spPr bwMode="auto">
           <a:xfrm>
-            <a:off x="3923928" y="360040"/>
+            <a:off x="3059832" y="260648"/>
             <a:ext cx="5760640" cy="3816424"/>
           </a:xfrm>
           <a:prstGeom prst="rect">
@@ -22035,7 +22048,11 @@
           <a:bodyPr/>
           <a:lstStyle/>
           <a:p>
-            <a:endParaRPr kumimoji="1" lang="ja-JP" altLang="en-US"/>
+            <a:r>
+              <a:rPr kumimoji="1" lang="ja-JP" altLang="en-US" dirty="0" smtClean="0"/>
+              <a:t>サブミットロック</a:t>
+            </a:r>
+            <a:endParaRPr kumimoji="1" lang="ja-JP" altLang="en-US" dirty="0"/>
           </a:p>
         </p:txBody>
       </p:sp>
@@ -22143,7 +22160,19 @@
           <a:bodyPr/>
           <a:lstStyle/>
           <a:p>
-            <a:endParaRPr kumimoji="1" lang="ja-JP" altLang="en-US"/>
+            <a:r>
+              <a:rPr kumimoji="1" lang="ja-JP" altLang="en-US" dirty="0" smtClean="0"/>
+              <a:t>ＮＣ２の</a:t>
+            </a:r>
+            <a:r>
+              <a:rPr kumimoji="1" lang="en-US" altLang="ja-JP" dirty="0" smtClean="0"/>
+              <a:t>iframe</a:t>
+            </a:r>
+            <a:r>
+              <a:rPr kumimoji="1" lang="ja-JP" altLang="en-US" dirty="0" smtClean="0"/>
+              <a:t>画面構成</a:t>
+            </a:r>
+            <a:endParaRPr kumimoji="1" lang="ja-JP" altLang="en-US" dirty="0"/>
           </a:p>
         </p:txBody>
       </p:sp>
@@ -22196,7 +22225,7 @@
         </p:blipFill>
         <p:spPr bwMode="auto">
           <a:xfrm>
-            <a:off x="2033588" y="2714625"/>
+            <a:off x="2123728" y="4725144"/>
             <a:ext cx="5076825" cy="1428750"/>
           </a:xfrm>
           <a:prstGeom prst="rect">
@@ -22251,7 +22280,11 @@
           <a:bodyPr/>
           <a:lstStyle/>
           <a:p>
-            <a:endParaRPr kumimoji="1" lang="ja-JP" altLang="en-US"/>
+            <a:r>
+              <a:rPr lang="ja-JP" altLang="en-US" dirty="0" smtClean="0"/>
+              <a:t>ブラウザによるエラーダイアログ</a:t>
+            </a:r>
+            <a:endParaRPr kumimoji="1" lang="ja-JP" altLang="en-US" dirty="0"/>
           </a:p>
         </p:txBody>
       </p:sp>
@@ -22452,10 +22485,6 @@
               </a:rPr>
               <a:t>レフトコンテナー</a:t>
             </a:r>
-            <a:endParaRPr lang="ja-JP" altLang="en-US" sz="1400" dirty="0" smtClean="0">
-              <a:latin typeface="HGPｺﾞｼｯｸE" pitchFamily="50" charset="-128"/>
-              <a:ea typeface="HGPｺﾞｼｯｸE" pitchFamily="50" charset="-128"/>
-            </a:endParaRPr>
           </a:p>
         </p:txBody>
       </p:sp>
@@ -22504,10 +22533,6 @@
               </a:rPr>
               <a:t>メインコンテナー</a:t>
             </a:r>
-            <a:endParaRPr lang="ja-JP" altLang="en-US" sz="1400" dirty="0" smtClean="0">
-              <a:latin typeface="HGPｺﾞｼｯｸE" pitchFamily="50" charset="-128"/>
-              <a:ea typeface="HGPｺﾞｼｯｸE" pitchFamily="50" charset="-128"/>
-            </a:endParaRPr>
           </a:p>
         </p:txBody>
       </p:sp>
@@ -23459,10 +23484,6 @@
               </a:rPr>
               <a:t>ライトコンテナー</a:t>
             </a:r>
-            <a:endParaRPr lang="ja-JP" altLang="en-US" sz="1400" dirty="0" smtClean="0">
-              <a:latin typeface="HGPｺﾞｼｯｸE" pitchFamily="50" charset="-128"/>
-              <a:ea typeface="HGPｺﾞｼｯｸE" pitchFamily="50" charset="-128"/>
-            </a:endParaRPr>
           </a:p>
         </p:txBody>
       </p:sp>
@@ -24115,10 +24136,6 @@
               </a:rPr>
               <a:t>フッターコンテナー</a:t>
             </a:r>
-            <a:endParaRPr lang="ja-JP" altLang="en-US" sz="1400" dirty="0" smtClean="0">
-              <a:latin typeface="HGPｺﾞｼｯｸE" pitchFamily="50" charset="-128"/>
-              <a:ea typeface="HGPｺﾞｼｯｸE" pitchFamily="50" charset="-128"/>
-            </a:endParaRPr>
           </a:p>
         </p:txBody>
       </p:sp>
@@ -24672,6 +24689,1919 @@
             <a:endParaRPr kumimoji="1" lang="ja-JP" altLang="en-US" sz="1400" dirty="0">
               <a:latin typeface="HGPｺﾞｼｯｸE" pitchFamily="50" charset="-128"/>
               <a:ea typeface="HGPｺﾞｼｯｸE" pitchFamily="50" charset="-128"/>
+            </a:endParaRPr>
+          </a:p>
+        </p:txBody>
+      </p:sp>
+    </p:spTree>
+  </p:cSld>
+  <p:clrMapOvr>
+    <a:masterClrMapping/>
+  </p:clrMapOvr>
+</p:sld>
+</file>
+
+<file path=ppt/slides/slide17.xml><?xml version="1.0" encoding="utf-8"?>
+<p:sld xmlns:a="http://schemas.openxmlformats.org/drawingml/2006/main" xmlns:r="http://schemas.openxmlformats.org/officeDocument/2006/relationships" xmlns:p="http://schemas.openxmlformats.org/presentationml/2006/main">
+  <p:cSld>
+    <p:spTree>
+      <p:nvGrpSpPr>
+        <p:cNvPr id="1" name=""/>
+        <p:cNvGrpSpPr/>
+        <p:nvPr/>
+      </p:nvGrpSpPr>
+      <p:grpSpPr>
+        <a:xfrm>
+          <a:off x="0" y="0"/>
+          <a:ext cx="0" cy="0"/>
+          <a:chOff x="0" y="0"/>
+          <a:chExt cx="0" cy="0"/>
+        </a:xfrm>
+      </p:grpSpPr>
+      <p:sp>
+        <p:nvSpPr>
+          <p:cNvPr id="9" name="正方形/長方形 8"/>
+          <p:cNvSpPr/>
+          <p:nvPr/>
+        </p:nvSpPr>
+        <p:spPr>
+          <a:xfrm>
+            <a:off x="107504" y="44624"/>
+            <a:ext cx="6984776" cy="3528392"/>
+          </a:xfrm>
+          <a:prstGeom prst="rect">
+            <a:avLst/>
+          </a:prstGeom>
+        </p:spPr>
+        <p:style>
+          <a:lnRef idx="2">
+            <a:schemeClr val="accent1"/>
+          </a:lnRef>
+          <a:fillRef idx="1">
+            <a:schemeClr val="lt1"/>
+          </a:fillRef>
+          <a:effectRef idx="0">
+            <a:schemeClr val="accent1"/>
+          </a:effectRef>
+          <a:fontRef idx="minor">
+            <a:schemeClr val="dk1"/>
+          </a:fontRef>
+        </p:style>
+        <p:txBody>
+          <a:bodyPr rtlCol="0" anchor="t"/>
+          <a:lstStyle/>
+          <a:p>
+            <a:r>
+              <a:rPr lang="en-US" altLang="ja-JP" dirty="0" smtClean="0">
+                <a:solidFill>
+                  <a:schemeClr val="dk1"/>
+                </a:solidFill>
+              </a:rPr>
+              <a:t>CakePHP</a:t>
+            </a:r>
+            <a:r>
+              <a:rPr lang="ja-JP" altLang="en-US" dirty="0" smtClean="0">
+                <a:solidFill>
+                  <a:schemeClr val="dk1"/>
+                </a:solidFill>
+              </a:rPr>
+              <a:t>による</a:t>
+            </a:r>
+            <a:r>
+              <a:rPr lang="en-US" altLang="ja-JP" dirty="0" smtClean="0">
+                <a:solidFill>
+                  <a:schemeClr val="dk1"/>
+                </a:solidFill>
+              </a:rPr>
+              <a:t>MVC</a:t>
+            </a:r>
+            <a:r>
+              <a:rPr lang="ja-JP" altLang="en-US" dirty="0" smtClean="0">
+                <a:solidFill>
+                  <a:schemeClr val="dk1"/>
+                </a:solidFill>
+              </a:rPr>
+              <a:t>の処理</a:t>
+            </a:r>
+            <a:endParaRPr lang="en-US" altLang="ja-JP" dirty="0" smtClean="0">
+              <a:solidFill>
+                <a:schemeClr val="dk1"/>
+              </a:solidFill>
+            </a:endParaRPr>
+          </a:p>
+        </p:txBody>
+      </p:sp>
+      <p:sp>
+        <p:nvSpPr>
+          <p:cNvPr id="5" name="正方形/長方形 4"/>
+          <p:cNvSpPr/>
+          <p:nvPr/>
+        </p:nvSpPr>
+        <p:spPr>
+          <a:xfrm>
+            <a:off x="251520" y="404664"/>
+            <a:ext cx="6672024" cy="648072"/>
+          </a:xfrm>
+          <a:prstGeom prst="rect">
+            <a:avLst/>
+          </a:prstGeom>
+        </p:spPr>
+        <p:style>
+          <a:lnRef idx="2">
+            <a:schemeClr val="accent1"/>
+          </a:lnRef>
+          <a:fillRef idx="1">
+            <a:schemeClr val="lt1"/>
+          </a:fillRef>
+          <a:effectRef idx="0">
+            <a:schemeClr val="accent1"/>
+          </a:effectRef>
+          <a:fontRef idx="minor">
+            <a:schemeClr val="dk1"/>
+          </a:fontRef>
+        </p:style>
+        <p:txBody>
+          <a:bodyPr rtlCol="0" anchor="t"/>
+          <a:lstStyle/>
+          <a:p>
+            <a:r>
+              <a:rPr lang="en-US" altLang="ja-JP" dirty="0" smtClean="0"/>
+              <a:t>1.Controller</a:t>
+            </a:r>
+            <a:r>
+              <a:rPr lang="ja-JP" altLang="en-US" dirty="0" smtClean="0"/>
+              <a:t>による処理</a:t>
+            </a:r>
+            <a:endParaRPr lang="en-US" altLang="ja-JP" dirty="0" smtClean="0"/>
+          </a:p>
+          <a:p>
+            <a:r>
+              <a:rPr lang="ja-JP" altLang="en-US" dirty="0" smtClean="0"/>
+              <a:t>　・</a:t>
+            </a:r>
+            <a:r>
+              <a:rPr kumimoji="1" lang="en-US" altLang="ja-JP" dirty="0" smtClean="0"/>
+              <a:t>Model</a:t>
+            </a:r>
+            <a:r>
+              <a:rPr kumimoji="1" lang="ja-JP" altLang="en-US" dirty="0" smtClean="0"/>
+              <a:t>を呼び出しデータ取得</a:t>
+            </a:r>
+            <a:r>
+              <a:rPr lang="ja-JP" altLang="en-US" dirty="0" smtClean="0"/>
+              <a:t>を依頼</a:t>
+            </a:r>
+            <a:r>
+              <a:rPr lang="ja-JP" altLang="en-US" dirty="0" smtClean="0"/>
+              <a:t>　</a:t>
+            </a:r>
+            <a:endParaRPr kumimoji="1" lang="ja-JP" altLang="en-US" dirty="0"/>
+          </a:p>
+        </p:txBody>
+      </p:sp>
+      <p:sp>
+        <p:nvSpPr>
+          <p:cNvPr id="6" name="正方形/長方形 5"/>
+          <p:cNvSpPr/>
+          <p:nvPr/>
+        </p:nvSpPr>
+        <p:spPr>
+          <a:xfrm>
+            <a:off x="251520" y="1124744"/>
+            <a:ext cx="6672024" cy="936104"/>
+          </a:xfrm>
+          <a:prstGeom prst="rect">
+            <a:avLst/>
+          </a:prstGeom>
+        </p:spPr>
+        <p:style>
+          <a:lnRef idx="2">
+            <a:schemeClr val="accent1"/>
+          </a:lnRef>
+          <a:fillRef idx="1">
+            <a:schemeClr val="lt1"/>
+          </a:fillRef>
+          <a:effectRef idx="0">
+            <a:schemeClr val="accent1"/>
+          </a:effectRef>
+          <a:fontRef idx="minor">
+            <a:schemeClr val="dk1"/>
+          </a:fontRef>
+        </p:style>
+        <p:txBody>
+          <a:bodyPr rtlCol="0" anchor="t"/>
+          <a:lstStyle/>
+          <a:p>
+            <a:r>
+              <a:rPr lang="en-US" altLang="ja-JP" dirty="0" smtClean="0"/>
+              <a:t>2.Model</a:t>
+            </a:r>
+            <a:r>
+              <a:rPr lang="ja-JP" altLang="en-US" dirty="0" smtClean="0"/>
+              <a:t>による処理</a:t>
+            </a:r>
+            <a:endParaRPr lang="en-US" altLang="ja-JP" dirty="0" smtClean="0"/>
+          </a:p>
+          <a:p>
+            <a:r>
+              <a:rPr lang="ja-JP" altLang="en-US" dirty="0" smtClean="0"/>
+              <a:t>　・</a:t>
+            </a:r>
+            <a:r>
+              <a:rPr lang="ja-JP" altLang="en-US" dirty="0" smtClean="0"/>
+              <a:t>依頼</a:t>
+            </a:r>
+            <a:r>
+              <a:rPr lang="ja-JP" altLang="en-US" dirty="0" smtClean="0"/>
+              <a:t>されたデータを取得するために</a:t>
+            </a:r>
+            <a:r>
+              <a:rPr lang="en-US" altLang="ja-JP" dirty="0" smtClean="0"/>
+              <a:t>DB</a:t>
+            </a:r>
+            <a:r>
+              <a:rPr lang="ja-JP" altLang="en-US" dirty="0" smtClean="0"/>
+              <a:t>に問合せ</a:t>
+            </a:r>
+            <a:endParaRPr lang="en-US" altLang="ja-JP" dirty="0" smtClean="0"/>
+          </a:p>
+          <a:p>
+            <a:r>
+              <a:rPr kumimoji="1" lang="ja-JP" altLang="en-US" dirty="0" smtClean="0"/>
+              <a:t>　・データを</a:t>
+            </a:r>
+            <a:r>
+              <a:rPr lang="en-US" altLang="ja-JP" dirty="0" smtClean="0"/>
+              <a:t>Controller</a:t>
+            </a:r>
+            <a:r>
+              <a:rPr kumimoji="1" lang="ja-JP" altLang="en-US" dirty="0" smtClean="0"/>
+              <a:t>に渡す</a:t>
+            </a:r>
+            <a:endParaRPr kumimoji="1" lang="ja-JP" altLang="en-US" dirty="0"/>
+          </a:p>
+        </p:txBody>
+      </p:sp>
+      <p:sp>
+        <p:nvSpPr>
+          <p:cNvPr id="7" name="正方形/長方形 6"/>
+          <p:cNvSpPr/>
+          <p:nvPr/>
+        </p:nvSpPr>
+        <p:spPr>
+          <a:xfrm>
+            <a:off x="251520" y="2132856"/>
+            <a:ext cx="6672024" cy="648072"/>
+          </a:xfrm>
+          <a:prstGeom prst="rect">
+            <a:avLst/>
+          </a:prstGeom>
+        </p:spPr>
+        <p:style>
+          <a:lnRef idx="2">
+            <a:schemeClr val="accent1"/>
+          </a:lnRef>
+          <a:fillRef idx="1">
+            <a:schemeClr val="lt1"/>
+          </a:fillRef>
+          <a:effectRef idx="0">
+            <a:schemeClr val="accent1"/>
+          </a:effectRef>
+          <a:fontRef idx="minor">
+            <a:schemeClr val="dk1"/>
+          </a:fontRef>
+        </p:style>
+        <p:txBody>
+          <a:bodyPr rtlCol="0" anchor="t"/>
+          <a:lstStyle/>
+          <a:p>
+            <a:r>
+              <a:rPr lang="en-US" altLang="ja-JP" dirty="0" smtClean="0"/>
+              <a:t>3.Controller</a:t>
+            </a:r>
+            <a:r>
+              <a:rPr lang="ja-JP" altLang="en-US" dirty="0" smtClean="0"/>
+              <a:t>による処理</a:t>
+            </a:r>
+            <a:endParaRPr lang="en-US" altLang="ja-JP" dirty="0" smtClean="0"/>
+          </a:p>
+          <a:p>
+            <a:r>
+              <a:rPr kumimoji="1" lang="ja-JP" altLang="en-US" dirty="0" smtClean="0"/>
+              <a:t>　</a:t>
+            </a:r>
+            <a:r>
+              <a:rPr kumimoji="1" lang="ja-JP" altLang="en-US" dirty="0" smtClean="0"/>
+              <a:t>・</a:t>
+            </a:r>
+            <a:r>
+              <a:rPr kumimoji="1" lang="en-US" altLang="ja-JP" dirty="0" smtClean="0"/>
+              <a:t>Model</a:t>
+            </a:r>
+            <a:r>
+              <a:rPr kumimoji="1" lang="ja-JP" altLang="en-US" dirty="0" smtClean="0"/>
+              <a:t>からデータを受取り</a:t>
+            </a:r>
+            <a:r>
+              <a:rPr kumimoji="1" lang="en-US" altLang="ja-JP" dirty="0" smtClean="0"/>
+              <a:t>View</a:t>
+            </a:r>
+            <a:r>
+              <a:rPr kumimoji="1" lang="ja-JP" altLang="en-US" dirty="0" smtClean="0"/>
+              <a:t>に渡す</a:t>
+            </a:r>
+            <a:endParaRPr kumimoji="1" lang="ja-JP" altLang="en-US" dirty="0"/>
+          </a:p>
+        </p:txBody>
+      </p:sp>
+      <p:sp>
+        <p:nvSpPr>
+          <p:cNvPr id="8" name="正方形/長方形 7"/>
+          <p:cNvSpPr/>
+          <p:nvPr/>
+        </p:nvSpPr>
+        <p:spPr>
+          <a:xfrm>
+            <a:off x="251520" y="2852936"/>
+            <a:ext cx="6672024" cy="648072"/>
+          </a:xfrm>
+          <a:prstGeom prst="rect">
+            <a:avLst/>
+          </a:prstGeom>
+        </p:spPr>
+        <p:style>
+          <a:lnRef idx="2">
+            <a:schemeClr val="accent1"/>
+          </a:lnRef>
+          <a:fillRef idx="1">
+            <a:schemeClr val="lt1"/>
+          </a:fillRef>
+          <a:effectRef idx="0">
+            <a:schemeClr val="accent1"/>
+          </a:effectRef>
+          <a:fontRef idx="minor">
+            <a:schemeClr val="dk1"/>
+          </a:fontRef>
+        </p:style>
+        <p:txBody>
+          <a:bodyPr rtlCol="0" anchor="t"/>
+          <a:lstStyle/>
+          <a:p>
+            <a:r>
+              <a:rPr lang="en-US" altLang="ja-JP" dirty="0" smtClean="0"/>
+              <a:t>4</a:t>
+            </a:r>
+            <a:r>
+              <a:rPr lang="en-US" altLang="ja-JP" dirty="0" smtClean="0"/>
+              <a:t>.View</a:t>
+            </a:r>
+            <a:r>
+              <a:rPr lang="ja-JP" altLang="en-US" dirty="0" smtClean="0"/>
+              <a:t>による処理</a:t>
+            </a:r>
+            <a:endParaRPr lang="en-US" altLang="ja-JP" dirty="0" smtClean="0"/>
+          </a:p>
+          <a:p>
+            <a:r>
+              <a:rPr lang="ja-JP" altLang="en-US" dirty="0" smtClean="0"/>
+              <a:t>　・</a:t>
+            </a:r>
+            <a:r>
+              <a:rPr lang="en-US" altLang="ja-JP" dirty="0" smtClean="0"/>
+              <a:t>Controller</a:t>
+            </a:r>
+            <a:r>
+              <a:rPr lang="ja-JP" altLang="en-US" dirty="0" smtClean="0"/>
+              <a:t>からデータを受取り</a:t>
+            </a:r>
+            <a:r>
+              <a:rPr lang="en-US" altLang="ja-JP" dirty="0" smtClean="0"/>
+              <a:t>iframe</a:t>
+            </a:r>
+            <a:r>
+              <a:rPr lang="ja-JP" altLang="en-US" dirty="0" smtClean="0"/>
+              <a:t>タグにデータを格納</a:t>
+            </a:r>
+            <a:endParaRPr kumimoji="1" lang="ja-JP" altLang="en-US" dirty="0"/>
+          </a:p>
+        </p:txBody>
+      </p:sp>
+    </p:spTree>
+  </p:cSld>
+  <p:clrMapOvr>
+    <a:masterClrMapping/>
+  </p:clrMapOvr>
+</p:sld>
+</file>
+
+<file path=ppt/slides/slide18.xml><?xml version="1.0" encoding="utf-8"?>
+<p:sld xmlns:a="http://schemas.openxmlformats.org/drawingml/2006/main" xmlns:r="http://schemas.openxmlformats.org/officeDocument/2006/relationships" xmlns:p="http://schemas.openxmlformats.org/presentationml/2006/main">
+  <p:cSld>
+    <p:spTree>
+      <p:nvGrpSpPr>
+        <p:cNvPr id="1" name=""/>
+        <p:cNvGrpSpPr/>
+        <p:nvPr/>
+      </p:nvGrpSpPr>
+      <p:grpSpPr>
+        <a:xfrm>
+          <a:off x="0" y="0"/>
+          <a:ext cx="0" cy="0"/>
+          <a:chOff x="0" y="0"/>
+          <a:chExt cx="0" cy="0"/>
+        </a:xfrm>
+      </p:grpSpPr>
+      <p:sp>
+        <p:nvSpPr>
+          <p:cNvPr id="1027" name="Rectangle 3"/>
+          <p:cNvSpPr>
+            <a:spLocks noChangeArrowheads="1"/>
+          </p:cNvSpPr>
+          <p:nvPr/>
+        </p:nvSpPr>
+        <p:spPr bwMode="auto">
+          <a:xfrm>
+            <a:off x="251520" y="836712"/>
+            <a:ext cx="4032448" cy="1754326"/>
+          </a:xfrm>
+          <a:prstGeom prst="rect">
+            <a:avLst/>
+          </a:prstGeom>
+          <a:solidFill>
+            <a:srgbClr val="F8F8F8"/>
+          </a:solidFill>
+          <a:ln w="9525">
+            <a:noFill/>
+            <a:miter lim="800000"/>
+            <a:headEnd/>
+            <a:tailEnd/>
+          </a:ln>
+          <a:effectLst/>
+        </p:spPr>
+        <p:txBody>
+          <a:bodyPr vert="horz" wrap="square" lIns="91440" tIns="45720" rIns="91440" bIns="45720" numCol="1" anchor="ctr" anchorCtr="0" compatLnSpc="1">
+            <a:prstTxWarp prst="textNoShape">
+              <a:avLst/>
+            </a:prstTxWarp>
+            <a:spAutoFit/>
+          </a:bodyPr>
+          <a:lstStyle/>
+          <a:p>
+            <a:pPr lvl="0" fontAlgn="base">
+              <a:spcBef>
+                <a:spcPct val="0"/>
+              </a:spcBef>
+              <a:spcAft>
+                <a:spcPct val="0"/>
+              </a:spcAft>
+            </a:pPr>
+            <a:r>
+              <a:rPr lang="en-US" altLang="ja-JP" sz="1200" b="1" u="sng" dirty="0" smtClean="0">
+                <a:solidFill>
+                  <a:srgbClr val="FF0000"/>
+                </a:solidFill>
+                <a:latin typeface="Arial" pitchFamily="34" charset="0"/>
+                <a:ea typeface="ＭＳ Ｐゴシック" pitchFamily="50" charset="-128"/>
+                <a:cs typeface="ＭＳ Ｐゴシック" pitchFamily="50" charset="-128"/>
+              </a:rPr>
+              <a:t>$</a:t>
+            </a:r>
+            <a:r>
+              <a:rPr lang="en-US" altLang="ja-JP" sz="1200" b="1" u="sng" dirty="0" smtClean="0">
+                <a:solidFill>
+                  <a:srgbClr val="FF0000"/>
+                </a:solidFill>
+                <a:latin typeface="Arial" pitchFamily="34" charset="0"/>
+                <a:ea typeface="ＭＳ Ｐゴシック" pitchFamily="50" charset="-128"/>
+                <a:cs typeface="ＭＳ Ｐゴシック" pitchFamily="50" charset="-128"/>
+              </a:rPr>
+              <a:t>scope.edit.data</a:t>
+            </a:r>
+            <a:r>
+              <a:rPr lang="en-US" altLang="ja-JP" sz="1200" b="1" dirty="0" smtClean="0">
+                <a:solidFill>
+                  <a:srgbClr val="FF0000"/>
+                </a:solidFill>
+                <a:latin typeface="Arial" pitchFamily="34" charset="0"/>
+                <a:ea typeface="ＭＳ Ｐゴシック" pitchFamily="50" charset="-128"/>
+                <a:cs typeface="ＭＳ Ｐゴシック" pitchFamily="50" charset="-128"/>
+              </a:rPr>
+              <a:t> </a:t>
+            </a:r>
+            <a:r>
+              <a:rPr lang="en-US" altLang="ja-JP" sz="1200" b="1" dirty="0" smtClean="0">
+                <a:latin typeface="Arial" pitchFamily="34" charset="0"/>
+                <a:ea typeface="ＭＳ Ｐゴシック" pitchFamily="50" charset="-128"/>
+                <a:cs typeface="ＭＳ Ｐゴシック" pitchFamily="50" charset="-128"/>
+              </a:rPr>
+              <a:t>= {</a:t>
+            </a:r>
+          </a:p>
+          <a:p>
+            <a:pPr lvl="0" fontAlgn="base">
+              <a:spcBef>
+                <a:spcPct val="0"/>
+              </a:spcBef>
+              <a:spcAft>
+                <a:spcPct val="0"/>
+              </a:spcAft>
+            </a:pPr>
+            <a:r>
+              <a:rPr lang="en-US" altLang="ja-JP" sz="1200" b="1" dirty="0" smtClean="0">
+                <a:latin typeface="Arial" pitchFamily="34" charset="0"/>
+                <a:ea typeface="ＭＳ Ｐゴシック" pitchFamily="50" charset="-128"/>
+                <a:cs typeface="ＭＳ Ｐゴシック" pitchFamily="50" charset="-128"/>
+              </a:rPr>
+              <a:t>          </a:t>
+            </a:r>
+            <a:r>
+              <a:rPr lang="en-US" altLang="ja-JP" sz="1200" b="1" u="sng" dirty="0" smtClean="0">
+                <a:solidFill>
+                  <a:srgbClr val="FF0000"/>
+                </a:solidFill>
+                <a:latin typeface="Arial" pitchFamily="34" charset="0"/>
+                <a:ea typeface="ＭＳ Ｐゴシック" pitchFamily="50" charset="-128"/>
+                <a:cs typeface="ＭＳ Ｐゴシック" pitchFamily="50" charset="-128"/>
+              </a:rPr>
+              <a:t>Iframe</a:t>
+            </a:r>
+            <a:r>
+              <a:rPr lang="en-US" altLang="ja-JP" sz="1200" b="1" dirty="0" smtClean="0">
+                <a:latin typeface="Arial" pitchFamily="34" charset="0"/>
+                <a:ea typeface="ＭＳ Ｐゴシック" pitchFamily="50" charset="-128"/>
+                <a:cs typeface="ＭＳ Ｐゴシック" pitchFamily="50" charset="-128"/>
+              </a:rPr>
+              <a:t>: {</a:t>
+            </a:r>
+          </a:p>
+          <a:p>
+            <a:pPr lvl="0" fontAlgn="base">
+              <a:spcBef>
+                <a:spcPct val="0"/>
+              </a:spcBef>
+              <a:spcAft>
+                <a:spcPct val="0"/>
+              </a:spcAft>
+            </a:pPr>
+            <a:r>
+              <a:rPr lang="en-US" altLang="ja-JP" sz="1200" b="1" dirty="0" smtClean="0">
+                <a:latin typeface="Arial" pitchFamily="34" charset="0"/>
+                <a:ea typeface="ＭＳ Ｐゴシック" pitchFamily="50" charset="-128"/>
+                <a:cs typeface="ＭＳ Ｐゴシック" pitchFamily="50" charset="-128"/>
+              </a:rPr>
+              <a:t>                    </a:t>
+            </a:r>
+            <a:r>
+              <a:rPr lang="en-US" altLang="ja-JP" sz="1200" b="1" u="sng" dirty="0" smtClean="0">
+                <a:solidFill>
+                  <a:srgbClr val="FF0000"/>
+                </a:solidFill>
+                <a:latin typeface="Arial" pitchFamily="34" charset="0"/>
+                <a:ea typeface="ＭＳ Ｐゴシック" pitchFamily="50" charset="-128"/>
+                <a:cs typeface="ＭＳ Ｐゴシック" pitchFamily="50" charset="-128"/>
+              </a:rPr>
+              <a:t>url</a:t>
+            </a:r>
+            <a:r>
+              <a:rPr lang="en-US" altLang="ja-JP" sz="1200" b="1" dirty="0" smtClean="0">
+                <a:latin typeface="Arial" pitchFamily="34" charset="0"/>
+                <a:ea typeface="ＭＳ Ｐゴシック" pitchFamily="50" charset="-128"/>
+                <a:cs typeface="ＭＳ Ｐゴシック" pitchFamily="50" charset="-128"/>
+              </a:rPr>
+              <a:t>: </a:t>
+            </a:r>
+            <a:r>
+              <a:rPr lang="en-US" altLang="ja-JP" sz="1200" b="1" u="sng" dirty="0" smtClean="0">
+                <a:solidFill>
+                  <a:srgbClr val="FF0000"/>
+                </a:solidFill>
+                <a:latin typeface="Arial" pitchFamily="34" charset="0"/>
+                <a:ea typeface="ＭＳ Ｐゴシック" pitchFamily="50" charset="-128"/>
+                <a:cs typeface="ＭＳ Ｐゴシック" pitchFamily="50" charset="-128"/>
+              </a:rPr>
+              <a:t>$scope.iframe.Iframe.url</a:t>
+            </a:r>
+            <a:r>
+              <a:rPr lang="en-US" altLang="ja-JP" sz="1200" b="1" dirty="0" smtClean="0">
+                <a:latin typeface="Arial" pitchFamily="34" charset="0"/>
+                <a:ea typeface="ＭＳ Ｐゴシック" pitchFamily="50" charset="-128"/>
+                <a:cs typeface="ＭＳ Ｐゴシック" pitchFamily="50" charset="-128"/>
+              </a:rPr>
+              <a:t>,</a:t>
+            </a:r>
+          </a:p>
+          <a:p>
+            <a:pPr lvl="0" fontAlgn="base">
+              <a:spcBef>
+                <a:spcPct val="0"/>
+              </a:spcBef>
+              <a:spcAft>
+                <a:spcPct val="0"/>
+              </a:spcAft>
+            </a:pPr>
+            <a:r>
+              <a:rPr lang="en-US" altLang="ja-JP" sz="1200" b="1" dirty="0" smtClean="0">
+                <a:latin typeface="Arial" pitchFamily="34" charset="0"/>
+                <a:ea typeface="ＭＳ Ｐゴシック" pitchFamily="50" charset="-128"/>
+                <a:cs typeface="ＭＳ Ｐゴシック" pitchFamily="50" charset="-128"/>
+              </a:rPr>
+              <a:t>                    </a:t>
+            </a:r>
+            <a:r>
+              <a:rPr lang="en-US" altLang="ja-JP" sz="1200" b="1" dirty="0" smtClean="0">
+                <a:latin typeface="Arial" pitchFamily="34" charset="0"/>
+                <a:ea typeface="ＭＳ Ｐゴシック" pitchFamily="50" charset="-128"/>
+                <a:cs typeface="ＭＳ Ｐゴシック" pitchFamily="50" charset="-128"/>
+              </a:rPr>
+              <a:t>status</a:t>
+            </a:r>
+            <a:r>
+              <a:rPr lang="en-US" altLang="ja-JP" sz="1200" b="1" dirty="0" smtClean="0">
+                <a:latin typeface="Arial" pitchFamily="34" charset="0"/>
+                <a:ea typeface="ＭＳ Ｐゴシック" pitchFamily="50" charset="-128"/>
+                <a:cs typeface="ＭＳ Ｐゴシック" pitchFamily="50" charset="-128"/>
+              </a:rPr>
+              <a:t>: $scope.iframe.Iframe.status,</a:t>
+            </a:r>
+          </a:p>
+          <a:p>
+            <a:pPr lvl="0" fontAlgn="base">
+              <a:spcBef>
+                <a:spcPct val="0"/>
+              </a:spcBef>
+              <a:spcAft>
+                <a:spcPct val="0"/>
+              </a:spcAft>
+            </a:pPr>
+            <a:r>
+              <a:rPr lang="en-US" altLang="ja-JP" sz="1200" b="1" dirty="0" smtClean="0">
+                <a:latin typeface="Arial" pitchFamily="34" charset="0"/>
+                <a:ea typeface="ＭＳ Ｐゴシック" pitchFamily="50" charset="-128"/>
+                <a:cs typeface="ＭＳ Ｐゴシック" pitchFamily="50" charset="-128"/>
+              </a:rPr>
+              <a:t>                    </a:t>
+            </a:r>
+            <a:r>
+              <a:rPr lang="en-US" altLang="ja-JP" sz="1200" b="1" dirty="0" smtClean="0">
+                <a:latin typeface="Arial" pitchFamily="34" charset="0"/>
+                <a:ea typeface="ＭＳ Ｐゴシック" pitchFamily="50" charset="-128"/>
+                <a:cs typeface="ＭＳ Ｐゴシック" pitchFamily="50" charset="-128"/>
+              </a:rPr>
+              <a:t>block_id</a:t>
+            </a:r>
+            <a:r>
+              <a:rPr lang="en-US" altLang="ja-JP" sz="1200" b="1" dirty="0" smtClean="0">
+                <a:latin typeface="Arial" pitchFamily="34" charset="0"/>
+                <a:ea typeface="ＭＳ Ｐゴシック" pitchFamily="50" charset="-128"/>
+                <a:cs typeface="ＭＳ Ｐゴシック" pitchFamily="50" charset="-128"/>
+              </a:rPr>
+              <a:t>: $scope.iframe.Iframe.block_id,</a:t>
+            </a:r>
+          </a:p>
+          <a:p>
+            <a:pPr lvl="0" fontAlgn="base">
+              <a:spcBef>
+                <a:spcPct val="0"/>
+              </a:spcBef>
+              <a:spcAft>
+                <a:spcPct val="0"/>
+              </a:spcAft>
+            </a:pPr>
+            <a:r>
+              <a:rPr lang="en-US" altLang="ja-JP" sz="1200" b="1" dirty="0" smtClean="0">
+                <a:latin typeface="Arial" pitchFamily="34" charset="0"/>
+                <a:ea typeface="ＭＳ Ｐゴシック" pitchFamily="50" charset="-128"/>
+                <a:cs typeface="ＭＳ Ｐゴシック" pitchFamily="50" charset="-128"/>
+              </a:rPr>
+              <a:t>                    </a:t>
+            </a:r>
+            <a:r>
+              <a:rPr lang="en-US" altLang="ja-JP" sz="1200" b="1" dirty="0" smtClean="0">
+                <a:latin typeface="Arial" pitchFamily="34" charset="0"/>
+                <a:ea typeface="ＭＳ Ｐゴシック" pitchFamily="50" charset="-128"/>
+                <a:cs typeface="ＭＳ Ｐゴシック" pitchFamily="50" charset="-128"/>
+              </a:rPr>
+              <a:t>id</a:t>
+            </a:r>
+            <a:r>
+              <a:rPr lang="en-US" altLang="ja-JP" sz="1200" b="1" dirty="0" smtClean="0">
+                <a:latin typeface="Arial" pitchFamily="34" charset="0"/>
+                <a:ea typeface="ＭＳ Ｐゴシック" pitchFamily="50" charset="-128"/>
+                <a:cs typeface="ＭＳ Ｐゴシック" pitchFamily="50" charset="-128"/>
+              </a:rPr>
+              <a:t>: $scope.iframe.Iframe.id</a:t>
+            </a:r>
+          </a:p>
+          <a:p>
+            <a:pPr lvl="0" fontAlgn="base">
+              <a:spcBef>
+                <a:spcPct val="0"/>
+              </a:spcBef>
+              <a:spcAft>
+                <a:spcPct val="0"/>
+              </a:spcAft>
+            </a:pPr>
+            <a:r>
+              <a:rPr lang="en-US" altLang="ja-JP" sz="1200" b="1" dirty="0" smtClean="0">
+                <a:latin typeface="Arial" pitchFamily="34" charset="0"/>
+                <a:ea typeface="ＭＳ Ｐゴシック" pitchFamily="50" charset="-128"/>
+                <a:cs typeface="ＭＳ Ｐゴシック" pitchFamily="50" charset="-128"/>
+              </a:rPr>
+              <a:t>          </a:t>
+            </a:r>
+            <a:r>
+              <a:rPr lang="en-US" altLang="ja-JP" sz="1200" b="1" dirty="0" smtClean="0">
+                <a:latin typeface="Arial" pitchFamily="34" charset="0"/>
+                <a:ea typeface="ＭＳ Ｐゴシック" pitchFamily="50" charset="-128"/>
+                <a:cs typeface="ＭＳ Ｐゴシック" pitchFamily="50" charset="-128"/>
+              </a:rPr>
+              <a:t>},</a:t>
+            </a:r>
+          </a:p>
+          <a:p>
+            <a:pPr lvl="0" fontAlgn="base">
+              <a:spcBef>
+                <a:spcPct val="0"/>
+              </a:spcBef>
+              <a:spcAft>
+                <a:spcPct val="0"/>
+              </a:spcAft>
+            </a:pPr>
+            <a:r>
+              <a:rPr lang="ja-JP" altLang="en-US" sz="1200" b="1" dirty="0" smtClean="0">
+                <a:latin typeface="Arial" pitchFamily="34" charset="0"/>
+                <a:ea typeface="ＭＳ Ｐゴシック" pitchFamily="50" charset="-128"/>
+                <a:cs typeface="ＭＳ Ｐゴシック" pitchFamily="50" charset="-128"/>
+              </a:rPr>
+              <a:t>          </a:t>
+            </a:r>
+            <a:r>
+              <a:rPr lang="en-US" altLang="ja-JP" sz="1200" b="1" dirty="0" smtClean="0">
+                <a:latin typeface="Arial" pitchFamily="34" charset="0"/>
+                <a:ea typeface="ＭＳ Ｐゴシック" pitchFamily="50" charset="-128"/>
+                <a:cs typeface="ＭＳ Ｐゴシック" pitchFamily="50" charset="-128"/>
+              </a:rPr>
+              <a:t>&lt;!- </a:t>
+            </a:r>
+            <a:r>
+              <a:rPr lang="en-US" altLang="ja-JP" sz="1200" b="1" dirty="0" smtClean="0">
+                <a:latin typeface="Arial" pitchFamily="34" charset="0"/>
+                <a:ea typeface="ＭＳ Ｐゴシック" pitchFamily="50" charset="-128"/>
+                <a:cs typeface="ＭＳ Ｐゴシック" pitchFamily="50" charset="-128"/>
+              </a:rPr>
+              <a:t>- </a:t>
+            </a:r>
+            <a:r>
+              <a:rPr lang="ja-JP" altLang="en-US" sz="1200" b="1" dirty="0" smtClean="0">
+                <a:latin typeface="Arial" pitchFamily="34" charset="0"/>
+                <a:ea typeface="ＭＳ Ｐゴシック" pitchFamily="50" charset="-128"/>
+                <a:cs typeface="ＭＳ Ｐゴシック" pitchFamily="50" charset="-128"/>
+              </a:rPr>
+              <a:t>省略</a:t>
+            </a:r>
+            <a:r>
+              <a:rPr lang="en-US" altLang="ja-JP" sz="1200" b="1" dirty="0" smtClean="0">
+                <a:latin typeface="Arial" pitchFamily="34" charset="0"/>
+                <a:ea typeface="ＭＳ Ｐゴシック" pitchFamily="50" charset="-128"/>
+                <a:cs typeface="ＭＳ Ｐゴシック" pitchFamily="50" charset="-128"/>
+              </a:rPr>
+              <a:t> - -&gt;</a:t>
+            </a:r>
+            <a:endParaRPr lang="en-US" altLang="ja-JP" sz="1200" b="1" dirty="0" smtClean="0">
+              <a:latin typeface="Arial" pitchFamily="34" charset="0"/>
+              <a:ea typeface="ＭＳ Ｐゴシック" pitchFamily="50" charset="-128"/>
+              <a:cs typeface="ＭＳ Ｐゴシック" pitchFamily="50" charset="-128"/>
+            </a:endParaRPr>
+          </a:p>
+          <a:p>
+            <a:pPr lvl="0" fontAlgn="base">
+              <a:spcBef>
+                <a:spcPct val="0"/>
+              </a:spcBef>
+              <a:spcAft>
+                <a:spcPct val="0"/>
+              </a:spcAft>
+            </a:pPr>
+            <a:r>
+              <a:rPr kumimoji="1" lang="en-US" altLang="ja-JP" sz="1200" b="1" i="0" u="none" strike="noStrike" cap="none" normalizeH="0" baseline="0" dirty="0" smtClean="0">
+                <a:ln>
+                  <a:noFill/>
+                </a:ln>
+                <a:solidFill>
+                  <a:schemeClr val="tx1"/>
+                </a:solidFill>
+                <a:effectLst/>
+                <a:latin typeface="Arial" pitchFamily="34" charset="0"/>
+                <a:ea typeface="ＭＳ Ｐゴシック" pitchFamily="50" charset="-128"/>
+                <a:cs typeface="ＭＳ Ｐゴシック" pitchFamily="50" charset="-128"/>
+              </a:rPr>
+              <a:t>};</a:t>
+            </a:r>
+            <a:endParaRPr kumimoji="1" lang="ja-JP" altLang="ja-JP" sz="1800" b="0" i="0" u="none" strike="noStrike" cap="none" normalizeH="0" baseline="0" dirty="0" smtClean="0">
+              <a:ln>
+                <a:noFill/>
+              </a:ln>
+              <a:solidFill>
+                <a:schemeClr val="tx1"/>
+              </a:solidFill>
+              <a:effectLst/>
+              <a:latin typeface="Arial" pitchFamily="34" charset="0"/>
+              <a:ea typeface="ＭＳ Ｐゴシック" pitchFamily="50" charset="-128"/>
+              <a:cs typeface="ＭＳ Ｐゴシック" pitchFamily="50" charset="-128"/>
+            </a:endParaRPr>
+          </a:p>
+        </p:txBody>
+      </p:sp>
+      <p:sp>
+        <p:nvSpPr>
+          <p:cNvPr id="1032" name="Rectangle 8"/>
+          <p:cNvSpPr>
+            <a:spLocks noChangeArrowheads="1"/>
+          </p:cNvSpPr>
+          <p:nvPr/>
+        </p:nvSpPr>
+        <p:spPr bwMode="auto">
+          <a:xfrm>
+            <a:off x="4788024" y="4077072"/>
+            <a:ext cx="4104456" cy="1384995"/>
+          </a:xfrm>
+          <a:prstGeom prst="rect">
+            <a:avLst/>
+          </a:prstGeom>
+          <a:solidFill>
+            <a:srgbClr val="F8F8F8"/>
+          </a:solidFill>
+          <a:ln w="9525">
+            <a:noFill/>
+            <a:miter lim="800000"/>
+            <a:headEnd/>
+            <a:tailEnd/>
+          </a:ln>
+          <a:effectLst/>
+        </p:spPr>
+        <p:txBody>
+          <a:bodyPr vert="horz" wrap="square" lIns="91440" tIns="45720" rIns="91440" bIns="45720" numCol="1" anchor="ctr" anchorCtr="0" compatLnSpc="1">
+            <a:prstTxWarp prst="textNoShape">
+              <a:avLst/>
+            </a:prstTxWarp>
+            <a:spAutoFit/>
+          </a:bodyPr>
+          <a:lstStyle/>
+          <a:p>
+            <a:pPr eaLnBrk="0" fontAlgn="base" hangingPunct="0">
+              <a:spcBef>
+                <a:spcPct val="0"/>
+              </a:spcBef>
+              <a:spcAft>
+                <a:spcPct val="0"/>
+              </a:spcAft>
+            </a:pPr>
+            <a:r>
+              <a:rPr lang="ja-JP" altLang="ja-JP" sz="1200" b="1" dirty="0" smtClean="0">
+                <a:latin typeface="Arial" pitchFamily="34" charset="0"/>
+                <a:ea typeface="ＭＳ Ｐゴシック" pitchFamily="50" charset="-128"/>
+                <a:cs typeface="ＭＳ Ｐゴシック" pitchFamily="50" charset="-128"/>
+              </a:rPr>
+              <a:t>&lt;?php echo $this-&gt;Form-&gt;input('Iframe.url', array</a:t>
+            </a:r>
+            <a:r>
+              <a:rPr lang="ja-JP" altLang="ja-JP" sz="1200" b="1" dirty="0" smtClean="0">
+                <a:latin typeface="Arial" pitchFamily="34" charset="0"/>
+                <a:ea typeface="ＭＳ Ｐゴシック" pitchFamily="50" charset="-128"/>
+                <a:cs typeface="ＭＳ Ｐゴシック" pitchFamily="50" charset="-128"/>
+              </a:rPr>
+              <a:t>(</a:t>
+            </a:r>
+            <a:endParaRPr lang="en-US" altLang="ja-JP" sz="1200" b="1" dirty="0" smtClean="0">
+              <a:latin typeface="Arial" pitchFamily="34" charset="0"/>
+              <a:ea typeface="ＭＳ Ｐゴシック" pitchFamily="50" charset="-128"/>
+              <a:cs typeface="ＭＳ Ｐゴシック" pitchFamily="50" charset="-128"/>
+            </a:endParaRPr>
+          </a:p>
+          <a:p>
+            <a:pPr eaLnBrk="0" fontAlgn="base" hangingPunct="0">
+              <a:spcBef>
+                <a:spcPct val="0"/>
+              </a:spcBef>
+              <a:spcAft>
+                <a:spcPct val="0"/>
+              </a:spcAft>
+            </a:pPr>
+            <a:r>
+              <a:rPr lang="en-US" altLang="ja-JP" sz="1200" b="1" dirty="0" smtClean="0">
+                <a:latin typeface="Arial" pitchFamily="34" charset="0"/>
+                <a:ea typeface="ＭＳ Ｐゴシック" pitchFamily="50" charset="-128"/>
+                <a:cs typeface="ＭＳ Ｐゴシック" pitchFamily="50" charset="-128"/>
+              </a:rPr>
+              <a:t>  </a:t>
+            </a:r>
+            <a:r>
+              <a:rPr lang="en-US" altLang="ja-JP" sz="1200" b="1" dirty="0" smtClean="0">
+                <a:latin typeface="Arial" pitchFamily="34" charset="0"/>
+                <a:ea typeface="ＭＳ Ｐゴシック" pitchFamily="50" charset="-128"/>
+                <a:cs typeface="ＭＳ Ｐゴシック" pitchFamily="50" charset="-128"/>
+              </a:rPr>
+              <a:t>          </a:t>
+            </a:r>
+            <a:r>
+              <a:rPr lang="ja-JP" altLang="ja-JP" sz="1200" b="1" dirty="0" smtClean="0">
+                <a:latin typeface="Arial" pitchFamily="34" charset="0"/>
+                <a:ea typeface="ＭＳ Ｐゴシック" pitchFamily="50" charset="-128"/>
+                <a:cs typeface="ＭＳ Ｐゴシック" pitchFamily="50" charset="-128"/>
+              </a:rPr>
+              <a:t>'label' </a:t>
+            </a:r>
+            <a:r>
+              <a:rPr lang="ja-JP" altLang="ja-JP" sz="1200" b="1" dirty="0" smtClean="0">
+                <a:latin typeface="Arial" pitchFamily="34" charset="0"/>
+                <a:ea typeface="ＭＳ Ｐゴシック" pitchFamily="50" charset="-128"/>
+                <a:cs typeface="ＭＳ Ｐゴシック" pitchFamily="50" charset="-128"/>
+              </a:rPr>
+              <a:t>=&gt; false, 'div' =&gt; false, </a:t>
+            </a:r>
+            <a:endParaRPr lang="en-US" altLang="ja-JP" sz="1200" b="1" dirty="0" smtClean="0">
+              <a:latin typeface="Arial" pitchFamily="34" charset="0"/>
+              <a:ea typeface="ＭＳ Ｐゴシック" pitchFamily="50" charset="-128"/>
+              <a:cs typeface="ＭＳ Ｐゴシック" pitchFamily="50" charset="-128"/>
+            </a:endParaRPr>
+          </a:p>
+          <a:p>
+            <a:pPr marL="0" marR="0" lvl="0" indent="0" algn="l" defTabSz="914400" rtl="0" eaLnBrk="0" fontAlgn="base" latinLnBrk="0" hangingPunct="0">
+              <a:lnSpc>
+                <a:spcPct val="100000"/>
+              </a:lnSpc>
+              <a:spcBef>
+                <a:spcPct val="0"/>
+              </a:spcBef>
+              <a:spcAft>
+                <a:spcPct val="0"/>
+              </a:spcAft>
+              <a:buClrTx/>
+              <a:buSzTx/>
+              <a:buFontTx/>
+              <a:buNone/>
+              <a:tabLst/>
+            </a:pPr>
+            <a:r>
+              <a:rPr lang="en-US" altLang="ja-JP" sz="1200" b="1" dirty="0" smtClean="0">
+                <a:latin typeface="Arial" pitchFamily="34" charset="0"/>
+                <a:ea typeface="ＭＳ Ｐゴシック" pitchFamily="50" charset="-128"/>
+                <a:cs typeface="ＭＳ Ｐゴシック" pitchFamily="50" charset="-128"/>
+              </a:rPr>
+              <a:t>            '</a:t>
+            </a:r>
+            <a:r>
+              <a:rPr lang="ja-JP" altLang="ja-JP" sz="1200" b="1" dirty="0" smtClean="0">
+                <a:latin typeface="Arial" pitchFamily="34" charset="0"/>
+                <a:ea typeface="ＭＳ Ｐゴシック" pitchFamily="50" charset="-128"/>
+                <a:cs typeface="ＭＳ Ｐゴシック" pitchFamily="50" charset="-128"/>
+              </a:rPr>
+              <a:t>type' </a:t>
+            </a:r>
+            <a:r>
+              <a:rPr lang="ja-JP" altLang="ja-JP" sz="1200" b="1" dirty="0" smtClean="0">
+                <a:latin typeface="Arial" pitchFamily="34" charset="0"/>
+                <a:ea typeface="ＭＳ Ｐゴシック" pitchFamily="50" charset="-128"/>
+                <a:cs typeface="ＭＳ Ｐゴシック" pitchFamily="50" charset="-128"/>
+              </a:rPr>
+              <a:t>=&gt; 'text'</a:t>
+            </a:r>
+            <a:r>
+              <a:rPr lang="ja-JP" altLang="ja-JP" sz="1200" b="1" dirty="0" smtClean="0">
+                <a:latin typeface="Arial" pitchFamily="34" charset="0"/>
+                <a:ea typeface="ＭＳ Ｐゴシック" pitchFamily="50" charset="-128"/>
+                <a:cs typeface="ＭＳ Ｐゴシック" pitchFamily="50" charset="-128"/>
+              </a:rPr>
+              <a:t>,</a:t>
+            </a:r>
+            <a:endParaRPr lang="en-US" altLang="ja-JP" sz="1200" b="1" dirty="0" smtClean="0">
+              <a:latin typeface="Arial" pitchFamily="34" charset="0"/>
+              <a:ea typeface="ＭＳ Ｐゴシック" pitchFamily="50" charset="-128"/>
+              <a:cs typeface="ＭＳ Ｐゴシック" pitchFamily="50" charset="-128"/>
+            </a:endParaRPr>
+          </a:p>
+          <a:p>
+            <a:pPr marL="0" marR="0" lvl="0" indent="0" algn="l" defTabSz="914400" rtl="0" eaLnBrk="0" fontAlgn="base" latinLnBrk="0" hangingPunct="0">
+              <a:lnSpc>
+                <a:spcPct val="100000"/>
+              </a:lnSpc>
+              <a:spcBef>
+                <a:spcPct val="0"/>
+              </a:spcBef>
+              <a:spcAft>
+                <a:spcPct val="0"/>
+              </a:spcAft>
+              <a:buClrTx/>
+              <a:buSzTx/>
+              <a:buFontTx/>
+              <a:buNone/>
+              <a:tabLst/>
+            </a:pPr>
+            <a:r>
+              <a:rPr lang="en-US" altLang="ja-JP" sz="1200" b="1" dirty="0" smtClean="0">
+                <a:latin typeface="Arial" pitchFamily="34" charset="0"/>
+                <a:ea typeface="ＭＳ Ｐゴシック" pitchFamily="50" charset="-128"/>
+                <a:cs typeface="ＭＳ Ｐゴシック" pitchFamily="50" charset="-128"/>
+              </a:rPr>
+              <a:t> </a:t>
+            </a:r>
+            <a:r>
+              <a:rPr lang="en-US" altLang="ja-JP" sz="1200" b="1" dirty="0" smtClean="0">
+                <a:latin typeface="Arial" pitchFamily="34" charset="0"/>
+                <a:ea typeface="ＭＳ Ｐゴシック" pitchFamily="50" charset="-128"/>
+                <a:cs typeface="ＭＳ Ｐゴシック" pitchFamily="50" charset="-128"/>
+              </a:rPr>
+              <a:t>           </a:t>
+            </a:r>
+            <a:r>
+              <a:rPr lang="ja-JP" altLang="ja-JP" sz="1200" b="1" dirty="0" smtClean="0">
+                <a:latin typeface="Arial" pitchFamily="34" charset="0"/>
+                <a:ea typeface="ＭＳ Ｐゴシック" pitchFamily="50" charset="-128"/>
+                <a:cs typeface="ＭＳ Ｐゴシック" pitchFamily="50" charset="-128"/>
+              </a:rPr>
+              <a:t>'class' </a:t>
+            </a:r>
+            <a:r>
+              <a:rPr lang="ja-JP" altLang="ja-JP" sz="1200" b="1" dirty="0" smtClean="0">
+                <a:latin typeface="Arial" pitchFamily="34" charset="0"/>
+                <a:ea typeface="ＭＳ Ｐゴシック" pitchFamily="50" charset="-128"/>
+                <a:cs typeface="ＭＳ Ｐゴシック" pitchFamily="50" charset="-128"/>
+              </a:rPr>
+              <a:t>=&gt; 'form-control'</a:t>
+            </a:r>
+            <a:r>
+              <a:rPr lang="ja-JP" altLang="ja-JP" sz="1200" b="1" dirty="0" smtClean="0">
+                <a:latin typeface="Arial" pitchFamily="34" charset="0"/>
+                <a:ea typeface="ＭＳ Ｐゴシック" pitchFamily="50" charset="-128"/>
+                <a:cs typeface="ＭＳ Ｐゴシック" pitchFamily="50" charset="-128"/>
+              </a:rPr>
+              <a:t>,</a:t>
+            </a:r>
+            <a:endParaRPr lang="en-US" altLang="ja-JP" sz="1200" b="1" dirty="0" smtClean="0">
+              <a:latin typeface="Arial" pitchFamily="34" charset="0"/>
+              <a:ea typeface="ＭＳ Ｐゴシック" pitchFamily="50" charset="-128"/>
+              <a:cs typeface="ＭＳ Ｐゴシック" pitchFamily="50" charset="-128"/>
+            </a:endParaRPr>
+          </a:p>
+          <a:p>
+            <a:pPr marL="0" marR="0" lvl="0" indent="0" algn="l" defTabSz="914400" rtl="0" eaLnBrk="0" fontAlgn="base" latinLnBrk="0" hangingPunct="0">
+              <a:lnSpc>
+                <a:spcPct val="100000"/>
+              </a:lnSpc>
+              <a:spcBef>
+                <a:spcPct val="0"/>
+              </a:spcBef>
+              <a:spcAft>
+                <a:spcPct val="0"/>
+              </a:spcAft>
+              <a:buClrTx/>
+              <a:buSzTx/>
+              <a:buFontTx/>
+              <a:buNone/>
+              <a:tabLst/>
+            </a:pPr>
+            <a:r>
+              <a:rPr lang="en-US" altLang="ja-JP" sz="1200" b="1" dirty="0" smtClean="0">
+                <a:latin typeface="Arial" pitchFamily="34" charset="0"/>
+                <a:ea typeface="ＭＳ Ｐゴシック" pitchFamily="50" charset="-128"/>
+                <a:cs typeface="ＭＳ Ｐゴシック" pitchFamily="50" charset="-128"/>
+              </a:rPr>
+              <a:t> </a:t>
+            </a:r>
+            <a:r>
+              <a:rPr lang="en-US" altLang="ja-JP" sz="1200" b="1" dirty="0" smtClean="0">
+                <a:latin typeface="Arial" pitchFamily="34" charset="0"/>
+                <a:ea typeface="ＭＳ Ｐゴシック" pitchFamily="50" charset="-128"/>
+                <a:cs typeface="ＭＳ Ｐゴシック" pitchFamily="50" charset="-128"/>
+              </a:rPr>
+              <a:t>           </a:t>
+            </a:r>
+            <a:r>
+              <a:rPr lang="ja-JP" altLang="ja-JP" sz="1200" b="1" dirty="0" smtClean="0">
+                <a:latin typeface="Arial" pitchFamily="34" charset="0"/>
+                <a:ea typeface="ＭＳ Ｐゴシック" pitchFamily="50" charset="-128"/>
+                <a:cs typeface="ＭＳ Ｐゴシック" pitchFamily="50" charset="-128"/>
+              </a:rPr>
+              <a:t>'</a:t>
+            </a:r>
+            <a:r>
+              <a:rPr lang="ja-JP" altLang="ja-JP" sz="1200" b="1" u="sng" dirty="0" smtClean="0">
+                <a:solidFill>
+                  <a:srgbClr val="FF0000"/>
+                </a:solidFill>
+                <a:latin typeface="Arial" pitchFamily="34" charset="0"/>
+                <a:ea typeface="ＭＳ Ｐゴシック" pitchFamily="50" charset="-128"/>
+                <a:cs typeface="ＭＳ Ｐゴシック" pitchFamily="50" charset="-128"/>
+              </a:rPr>
+              <a:t>ng</a:t>
+            </a:r>
+            <a:r>
+              <a:rPr lang="ja-JP" altLang="ja-JP" sz="1200" b="1" u="sng" dirty="0" smtClean="0">
+                <a:solidFill>
+                  <a:srgbClr val="FF0000"/>
+                </a:solidFill>
+                <a:latin typeface="Arial" pitchFamily="34" charset="0"/>
+                <a:ea typeface="ＭＳ Ｐゴシック" pitchFamily="50" charset="-128"/>
+                <a:cs typeface="ＭＳ Ｐゴシック" pitchFamily="50" charset="-128"/>
+              </a:rPr>
+              <a:t>-model</a:t>
+            </a:r>
+            <a:r>
+              <a:rPr lang="ja-JP" altLang="ja-JP" sz="1200" b="1" dirty="0" smtClean="0">
+                <a:latin typeface="Arial" pitchFamily="34" charset="0"/>
+                <a:ea typeface="ＭＳ Ｐゴシック" pitchFamily="50" charset="-128"/>
+                <a:cs typeface="ＭＳ Ｐゴシック" pitchFamily="50" charset="-128"/>
+              </a:rPr>
+              <a:t>' =&gt; </a:t>
+            </a:r>
+            <a:r>
+              <a:rPr lang="ja-JP" altLang="ja-JP" sz="1200" b="1" dirty="0" smtClean="0">
+                <a:solidFill>
+                  <a:srgbClr val="FF0000"/>
+                </a:solidFill>
+                <a:latin typeface="Arial" pitchFamily="34" charset="0"/>
+                <a:ea typeface="ＭＳ Ｐゴシック" pitchFamily="50" charset="-128"/>
+                <a:cs typeface="ＭＳ Ｐゴシック" pitchFamily="50" charset="-128"/>
+              </a:rPr>
+              <a:t>'</a:t>
+            </a:r>
+            <a:r>
+              <a:rPr lang="ja-JP" altLang="ja-JP" sz="1200" b="1" u="sng" dirty="0" smtClean="0">
+                <a:solidFill>
+                  <a:srgbClr val="FF0000"/>
+                </a:solidFill>
+                <a:latin typeface="Arial" pitchFamily="34" charset="0"/>
+                <a:ea typeface="ＭＳ Ｐゴシック" pitchFamily="50" charset="-128"/>
+                <a:cs typeface="ＭＳ Ｐゴシック" pitchFamily="50" charset="-128"/>
+              </a:rPr>
+              <a:t>edit.data.Iframe.url</a:t>
+            </a:r>
+            <a:r>
+              <a:rPr lang="ja-JP" altLang="ja-JP" sz="1200" b="1" dirty="0" smtClean="0">
+                <a:latin typeface="Arial" pitchFamily="34" charset="0"/>
+                <a:ea typeface="ＭＳ Ｐゴシック" pitchFamily="50" charset="-128"/>
+                <a:cs typeface="ＭＳ Ｐゴシック" pitchFamily="50" charset="-128"/>
+              </a:rPr>
+              <a:t>'</a:t>
+            </a:r>
+            <a:r>
+              <a:rPr lang="ja-JP" altLang="ja-JP" sz="1200" b="1" dirty="0" smtClean="0">
+                <a:latin typeface="Arial" pitchFamily="34" charset="0"/>
+                <a:ea typeface="ＭＳ Ｐゴシック" pitchFamily="50" charset="-128"/>
+                <a:cs typeface="ＭＳ Ｐゴシック" pitchFamily="50" charset="-128"/>
+              </a:rPr>
+              <a:t>,</a:t>
+            </a:r>
+            <a:endParaRPr lang="en-US" altLang="ja-JP" sz="1200" b="1" dirty="0" smtClean="0">
+              <a:latin typeface="Arial" pitchFamily="34" charset="0"/>
+              <a:ea typeface="ＭＳ Ｐゴシック" pitchFamily="50" charset="-128"/>
+              <a:cs typeface="ＭＳ Ｐゴシック" pitchFamily="50" charset="-128"/>
+            </a:endParaRPr>
+          </a:p>
+          <a:p>
+            <a:pPr lvl="0" eaLnBrk="0" fontAlgn="base" hangingPunct="0">
+              <a:spcBef>
+                <a:spcPct val="0"/>
+              </a:spcBef>
+              <a:spcAft>
+                <a:spcPct val="0"/>
+              </a:spcAft>
+            </a:pPr>
+            <a:r>
+              <a:rPr lang="ja-JP" altLang="en-US" sz="1200" b="1" dirty="0" smtClean="0">
+                <a:latin typeface="Arial" pitchFamily="34" charset="0"/>
+                <a:ea typeface="ＭＳ Ｐゴシック" pitchFamily="50" charset="-128"/>
+                <a:cs typeface="ＭＳ Ｐゴシック" pitchFamily="50" charset="-128"/>
+              </a:rPr>
+              <a:t>            </a:t>
+            </a:r>
+            <a:r>
+              <a:rPr lang="en-US" altLang="ja-JP" sz="1200" b="1" dirty="0" smtClean="0">
+                <a:latin typeface="Arial" pitchFamily="34" charset="0"/>
+                <a:ea typeface="ＭＳ Ｐゴシック" pitchFamily="50" charset="-128"/>
+                <a:cs typeface="ＭＳ Ｐゴシック" pitchFamily="50" charset="-128"/>
+              </a:rPr>
+              <a:t>&lt;!- - </a:t>
+            </a:r>
+            <a:r>
+              <a:rPr lang="ja-JP" altLang="en-US" sz="1200" b="1" dirty="0" smtClean="0">
+                <a:latin typeface="Arial" pitchFamily="34" charset="0"/>
+                <a:ea typeface="ＭＳ Ｐゴシック" pitchFamily="50" charset="-128"/>
+                <a:cs typeface="ＭＳ Ｐゴシック" pitchFamily="50" charset="-128"/>
+              </a:rPr>
+              <a:t>省略</a:t>
+            </a:r>
+            <a:r>
+              <a:rPr lang="en-US" altLang="ja-JP" sz="1200" b="1" dirty="0" smtClean="0">
+                <a:latin typeface="Arial" pitchFamily="34" charset="0"/>
+                <a:ea typeface="ＭＳ Ｐゴシック" pitchFamily="50" charset="-128"/>
+                <a:cs typeface="ＭＳ Ｐゴシック" pitchFamily="50" charset="-128"/>
+              </a:rPr>
+              <a:t> - -&gt;</a:t>
+            </a:r>
+            <a:endParaRPr lang="en-US" altLang="ja-JP" sz="1200" b="1" dirty="0" smtClean="0">
+              <a:latin typeface="Arial" pitchFamily="34" charset="0"/>
+              <a:ea typeface="ＭＳ Ｐゴシック" pitchFamily="50" charset="-128"/>
+              <a:cs typeface="ＭＳ Ｐゴシック" pitchFamily="50" charset="-128"/>
+            </a:endParaRPr>
+          </a:p>
+          <a:p>
+            <a:pPr marL="0" marR="0" lvl="0" indent="0" algn="l" defTabSz="914400" rtl="0" eaLnBrk="0" fontAlgn="base" latinLnBrk="0" hangingPunct="0">
+              <a:lnSpc>
+                <a:spcPct val="100000"/>
+              </a:lnSpc>
+              <a:spcBef>
+                <a:spcPct val="0"/>
+              </a:spcBef>
+              <a:spcAft>
+                <a:spcPct val="0"/>
+              </a:spcAft>
+              <a:buClrTx/>
+              <a:buSzTx/>
+              <a:buFontTx/>
+              <a:buNone/>
+              <a:tabLst/>
+            </a:pPr>
+            <a:r>
+              <a:rPr lang="en-US" altLang="ja-JP" sz="1200" b="1" dirty="0" smtClean="0">
+                <a:latin typeface="Arial" pitchFamily="34" charset="0"/>
+                <a:ea typeface="ＭＳ Ｐゴシック" pitchFamily="50" charset="-128"/>
+                <a:cs typeface="ＭＳ Ｐゴシック" pitchFamily="50" charset="-128"/>
+              </a:rPr>
+              <a:t>?&gt;</a:t>
+            </a:r>
+            <a:r>
+              <a:rPr lang="ja-JP" altLang="ja-JP" sz="1200" b="1" dirty="0" smtClean="0">
+                <a:latin typeface="Arial" pitchFamily="34" charset="0"/>
+                <a:ea typeface="ＭＳ Ｐゴシック" pitchFamily="50" charset="-128"/>
+                <a:cs typeface="ＭＳ Ｐゴシック" pitchFamily="50" charset="-128"/>
+              </a:rPr>
+              <a:t> </a:t>
+            </a:r>
+            <a:endParaRPr lang="ja-JP" altLang="ja-JP" sz="1200" b="1" dirty="0" smtClean="0">
+              <a:latin typeface="Arial" pitchFamily="34" charset="0"/>
+              <a:ea typeface="ＭＳ Ｐゴシック" pitchFamily="50" charset="-128"/>
+              <a:cs typeface="ＭＳ Ｐゴシック" pitchFamily="50" charset="-128"/>
+            </a:endParaRPr>
+          </a:p>
+        </p:txBody>
+      </p:sp>
+      <p:sp>
+        <p:nvSpPr>
+          <p:cNvPr id="1034" name="Rectangle 10"/>
+          <p:cNvSpPr>
+            <a:spLocks noChangeArrowheads="1"/>
+          </p:cNvSpPr>
+          <p:nvPr/>
+        </p:nvSpPr>
+        <p:spPr bwMode="auto">
+          <a:xfrm>
+            <a:off x="4716016" y="289683"/>
+            <a:ext cx="3888432" cy="1015663"/>
+          </a:xfrm>
+          <a:prstGeom prst="rect">
+            <a:avLst/>
+          </a:prstGeom>
+          <a:solidFill>
+            <a:srgbClr val="F8F8F8"/>
+          </a:solidFill>
+          <a:ln w="9525">
+            <a:noFill/>
+            <a:miter lim="800000"/>
+            <a:headEnd/>
+            <a:tailEnd/>
+          </a:ln>
+          <a:effectLst/>
+        </p:spPr>
+        <p:txBody>
+          <a:bodyPr vert="horz" wrap="square" lIns="91440" tIns="45720" rIns="91440" bIns="45720" numCol="1" anchor="ctr" anchorCtr="0" compatLnSpc="1">
+            <a:prstTxWarp prst="textNoShape">
+              <a:avLst/>
+            </a:prstTxWarp>
+            <a:spAutoFit/>
+          </a:bodyPr>
+          <a:lstStyle/>
+          <a:p>
+            <a:pPr marL="0" marR="0" lvl="0" indent="0" algn="l" defTabSz="914400" rtl="0" eaLnBrk="0" fontAlgn="base" latinLnBrk="0" hangingPunct="0">
+              <a:lnSpc>
+                <a:spcPct val="100000"/>
+              </a:lnSpc>
+              <a:spcBef>
+                <a:spcPct val="0"/>
+              </a:spcBef>
+              <a:spcAft>
+                <a:spcPct val="0"/>
+              </a:spcAft>
+              <a:buClrTx/>
+              <a:buSzTx/>
+              <a:buFontTx/>
+              <a:buNone/>
+              <a:tabLst/>
+            </a:pPr>
+            <a:r>
+              <a:rPr lang="en-US" altLang="ja-JP" sz="1200" b="1" dirty="0" smtClean="0">
+                <a:solidFill>
+                  <a:srgbClr val="26AB1F"/>
+                </a:solidFill>
+                <a:latin typeface="Arial" pitchFamily="34" charset="0"/>
+                <a:ea typeface="ＭＳ Ｐゴシック" pitchFamily="50" charset="-128"/>
+                <a:cs typeface="ＭＳ Ｐゴシック" pitchFamily="50" charset="-128"/>
+              </a:rPr>
+              <a:t>&lt;!– CakePHP</a:t>
+            </a:r>
+            <a:r>
+              <a:rPr lang="ja-JP" altLang="en-US" sz="1200" b="1" dirty="0" smtClean="0">
+                <a:solidFill>
+                  <a:srgbClr val="26AB1F"/>
+                </a:solidFill>
+                <a:latin typeface="Arial" pitchFamily="34" charset="0"/>
+                <a:ea typeface="ＭＳ Ｐゴシック" pitchFamily="50" charset="-128"/>
+                <a:cs typeface="ＭＳ Ｐゴシック" pitchFamily="50" charset="-128"/>
+              </a:rPr>
+              <a:t>から呼ばれた</a:t>
+            </a:r>
+            <a:r>
+              <a:rPr lang="ja-JP" altLang="en-US" sz="1200" b="1" dirty="0" smtClean="0">
+                <a:solidFill>
+                  <a:srgbClr val="26AB1F"/>
+                </a:solidFill>
+                <a:latin typeface="Arial" pitchFamily="34" charset="0"/>
+                <a:ea typeface="ＭＳ Ｐゴシック" pitchFamily="50" charset="-128"/>
+                <a:cs typeface="ＭＳ Ｐゴシック" pitchFamily="50" charset="-128"/>
+              </a:rPr>
+              <a:t>ビュー</a:t>
+            </a:r>
+            <a:r>
+              <a:rPr lang="ja-JP" altLang="en-US" sz="1200" b="1" dirty="0" smtClean="0">
+                <a:solidFill>
+                  <a:srgbClr val="26AB1F"/>
+                </a:solidFill>
+                <a:latin typeface="Arial" pitchFamily="34" charset="0"/>
+                <a:ea typeface="ＭＳ Ｐゴシック" pitchFamily="50" charset="-128"/>
+                <a:cs typeface="ＭＳ Ｐゴシック" pitchFamily="50" charset="-128"/>
+              </a:rPr>
+              <a:t>ファイル</a:t>
+            </a:r>
+            <a:r>
+              <a:rPr lang="en-US" altLang="ja-JP" sz="1200" b="1" dirty="0" smtClean="0">
+                <a:solidFill>
+                  <a:srgbClr val="26AB1F"/>
+                </a:solidFill>
+                <a:latin typeface="Arial" pitchFamily="34" charset="0"/>
+                <a:ea typeface="ＭＳ Ｐゴシック" pitchFamily="50" charset="-128"/>
+                <a:cs typeface="ＭＳ Ｐゴシック" pitchFamily="50" charset="-128"/>
+              </a:rPr>
+              <a:t>--&gt;</a:t>
+            </a:r>
+          </a:p>
+          <a:p>
+            <a:pPr marL="0" marR="0" lvl="0" indent="0" algn="l" defTabSz="914400" rtl="0" eaLnBrk="0" fontAlgn="base" latinLnBrk="0" hangingPunct="0">
+              <a:lnSpc>
+                <a:spcPct val="100000"/>
+              </a:lnSpc>
+              <a:spcBef>
+                <a:spcPct val="0"/>
+              </a:spcBef>
+              <a:spcAft>
+                <a:spcPct val="0"/>
+              </a:spcAft>
+              <a:buClrTx/>
+              <a:buSzTx/>
+              <a:buFontTx/>
+              <a:buNone/>
+              <a:tabLst/>
+            </a:pPr>
+            <a:r>
+              <a:rPr lang="ja-JP" altLang="ja-JP" sz="1200" b="1" dirty="0" smtClean="0">
+                <a:latin typeface="Arial" pitchFamily="34" charset="0"/>
+                <a:ea typeface="ＭＳ Ｐゴシック" pitchFamily="50" charset="-128"/>
+                <a:cs typeface="ＭＳ Ｐゴシック" pitchFamily="50" charset="-128"/>
+              </a:rPr>
+              <a:t>&lt;</a:t>
+            </a:r>
+            <a:r>
+              <a:rPr lang="ja-JP" altLang="ja-JP" sz="1200" b="1" dirty="0" smtClean="0">
+                <a:latin typeface="Arial" pitchFamily="34" charset="0"/>
+                <a:ea typeface="ＭＳ Ｐゴシック" pitchFamily="50" charset="-128"/>
+                <a:cs typeface="ＭＳ Ｐゴシック" pitchFamily="50" charset="-128"/>
+              </a:rPr>
+              <a:t>div id="nc-iframes-&lt;?php echo (int)$frameId; ?</a:t>
+            </a:r>
+            <a:r>
+              <a:rPr lang="ja-JP" altLang="ja-JP" sz="1200" b="1" dirty="0" smtClean="0">
+                <a:latin typeface="Arial" pitchFamily="34" charset="0"/>
+                <a:ea typeface="ＭＳ Ｐゴシック" pitchFamily="50" charset="-128"/>
+                <a:cs typeface="ＭＳ Ｐゴシック" pitchFamily="50" charset="-128"/>
+              </a:rPr>
+              <a:t>&gt;“</a:t>
+            </a:r>
+            <a:endParaRPr lang="en-US" altLang="ja-JP" sz="1200" b="1" dirty="0" smtClean="0">
+              <a:latin typeface="Arial" pitchFamily="34" charset="0"/>
+              <a:ea typeface="ＭＳ Ｐゴシック" pitchFamily="50" charset="-128"/>
+              <a:cs typeface="ＭＳ Ｐゴシック" pitchFamily="50" charset="-128"/>
+            </a:endParaRPr>
+          </a:p>
+          <a:p>
+            <a:pPr marL="0" marR="0" lvl="0" indent="0" algn="l" defTabSz="914400" rtl="0" eaLnBrk="0" fontAlgn="base" latinLnBrk="0" hangingPunct="0">
+              <a:lnSpc>
+                <a:spcPct val="100000"/>
+              </a:lnSpc>
+              <a:spcBef>
+                <a:spcPct val="0"/>
+              </a:spcBef>
+              <a:spcAft>
+                <a:spcPct val="0"/>
+              </a:spcAft>
+              <a:buClrTx/>
+              <a:buSzTx/>
+              <a:buFontTx/>
+              <a:buNone/>
+              <a:tabLst/>
+            </a:pPr>
+            <a:r>
+              <a:rPr lang="ja-JP" altLang="ja-JP" sz="1200" b="1" dirty="0" smtClean="0">
+                <a:latin typeface="Arial" pitchFamily="34" charset="0"/>
+                <a:ea typeface="ＭＳ Ｐゴシック" pitchFamily="50" charset="-128"/>
+                <a:cs typeface="ＭＳ Ｐゴシック" pitchFamily="50" charset="-128"/>
+              </a:rPr>
+              <a:t> </a:t>
+            </a:r>
+            <a:r>
+              <a:rPr lang="en-US" altLang="ja-JP" sz="1200" b="1" dirty="0" smtClean="0">
+                <a:latin typeface="Arial" pitchFamily="34" charset="0"/>
+                <a:ea typeface="ＭＳ Ｐゴシック" pitchFamily="50" charset="-128"/>
+                <a:cs typeface="ＭＳ Ｐゴシック" pitchFamily="50" charset="-128"/>
+              </a:rPr>
+              <a:t>        </a:t>
+            </a:r>
+            <a:r>
+              <a:rPr lang="ja-JP" altLang="ja-JP" sz="1200" b="1" u="sng" dirty="0" smtClean="0">
+                <a:solidFill>
+                  <a:srgbClr val="FF0000"/>
+                </a:solidFill>
+                <a:latin typeface="Arial" pitchFamily="34" charset="0"/>
+                <a:ea typeface="ＭＳ Ｐゴシック" pitchFamily="50" charset="-128"/>
+                <a:cs typeface="ＭＳ Ｐゴシック" pitchFamily="50" charset="-128"/>
+              </a:rPr>
+              <a:t>ng</a:t>
+            </a:r>
+            <a:r>
+              <a:rPr lang="ja-JP" altLang="ja-JP" sz="1200" b="1" u="sng" dirty="0" smtClean="0">
+                <a:solidFill>
+                  <a:srgbClr val="FF0000"/>
+                </a:solidFill>
+                <a:latin typeface="Arial" pitchFamily="34" charset="0"/>
+                <a:ea typeface="ＭＳ Ｐゴシック" pitchFamily="50" charset="-128"/>
+                <a:cs typeface="ＭＳ Ｐゴシック" pitchFamily="50" charset="-128"/>
+              </a:rPr>
+              <a:t>-controller</a:t>
+            </a:r>
+            <a:r>
+              <a:rPr lang="ja-JP" altLang="ja-JP" sz="1200" b="1" dirty="0" smtClean="0">
+                <a:latin typeface="Arial" pitchFamily="34" charset="0"/>
+                <a:ea typeface="ＭＳ Ｐゴシック" pitchFamily="50" charset="-128"/>
+                <a:cs typeface="ＭＳ Ｐゴシック" pitchFamily="50" charset="-128"/>
+              </a:rPr>
+              <a:t>="</a:t>
+            </a:r>
+            <a:r>
+              <a:rPr lang="ja-JP" altLang="ja-JP" sz="1200" b="1" u="sng" dirty="0" smtClean="0">
+                <a:solidFill>
+                  <a:srgbClr val="FF0000"/>
+                </a:solidFill>
+                <a:latin typeface="Arial" pitchFamily="34" charset="0"/>
+                <a:ea typeface="ＭＳ Ｐゴシック" pitchFamily="50" charset="-128"/>
+                <a:cs typeface="ＭＳ Ｐゴシック" pitchFamily="50" charset="-128"/>
+              </a:rPr>
+              <a:t>Iframes</a:t>
+            </a:r>
+            <a:r>
+              <a:rPr lang="ja-JP" altLang="ja-JP" sz="1200" b="1" dirty="0" smtClean="0">
+                <a:latin typeface="Arial" pitchFamily="34" charset="0"/>
+                <a:ea typeface="ＭＳ Ｐゴシック" pitchFamily="50" charset="-128"/>
+                <a:cs typeface="ＭＳ Ｐゴシック" pitchFamily="50" charset="-128"/>
+              </a:rPr>
+              <a:t>“</a:t>
+            </a:r>
+            <a:endParaRPr lang="en-US" altLang="ja-JP" sz="1200" b="1" dirty="0" smtClean="0">
+              <a:latin typeface="Arial" pitchFamily="34" charset="0"/>
+              <a:ea typeface="ＭＳ Ｐゴシック" pitchFamily="50" charset="-128"/>
+              <a:cs typeface="ＭＳ Ｐゴシック" pitchFamily="50" charset="-128"/>
+            </a:endParaRPr>
+          </a:p>
+          <a:p>
+            <a:pPr marL="0" marR="0" lvl="0" indent="0" algn="l" defTabSz="914400" rtl="0" eaLnBrk="0" fontAlgn="base" latinLnBrk="0" hangingPunct="0">
+              <a:lnSpc>
+                <a:spcPct val="100000"/>
+              </a:lnSpc>
+              <a:spcBef>
+                <a:spcPct val="0"/>
+              </a:spcBef>
+              <a:spcAft>
+                <a:spcPct val="0"/>
+              </a:spcAft>
+              <a:buClrTx/>
+              <a:buSzTx/>
+              <a:buFontTx/>
+              <a:buNone/>
+              <a:tabLst/>
+            </a:pPr>
+            <a:r>
+              <a:rPr lang="en-US" altLang="ja-JP" sz="1200" b="1" dirty="0" smtClean="0">
+                <a:latin typeface="Arial" pitchFamily="34" charset="0"/>
+                <a:ea typeface="ＭＳ Ｐゴシック" pitchFamily="50" charset="-128"/>
+                <a:cs typeface="ＭＳ Ｐゴシック" pitchFamily="50" charset="-128"/>
+              </a:rPr>
+              <a:t>        </a:t>
+            </a:r>
+            <a:r>
+              <a:rPr lang="ja-JP" altLang="en-US" sz="1200" b="1" dirty="0" smtClean="0">
+                <a:latin typeface="Arial" pitchFamily="34" charset="0"/>
+                <a:ea typeface="ＭＳ Ｐゴシック" pitchFamily="50" charset="-128"/>
+                <a:cs typeface="ＭＳ Ｐゴシック" pitchFamily="50" charset="-128"/>
+              </a:rPr>
+              <a:t> </a:t>
+            </a:r>
+            <a:r>
+              <a:rPr lang="en-US" altLang="ja-JP" sz="1200" b="1" dirty="0" smtClean="0">
+                <a:latin typeface="Arial" pitchFamily="34" charset="0"/>
+                <a:ea typeface="ＭＳ Ｐゴシック" pitchFamily="50" charset="-128"/>
+                <a:cs typeface="ＭＳ Ｐゴシック" pitchFamily="50" charset="-128"/>
+              </a:rPr>
+              <a:t>&lt;!- - </a:t>
+            </a:r>
+            <a:r>
+              <a:rPr lang="ja-JP" altLang="en-US" sz="1200" b="1" dirty="0" smtClean="0">
+                <a:latin typeface="Arial" pitchFamily="34" charset="0"/>
+                <a:ea typeface="ＭＳ Ｐゴシック" pitchFamily="50" charset="-128"/>
+                <a:cs typeface="ＭＳ Ｐゴシック" pitchFamily="50" charset="-128"/>
+              </a:rPr>
+              <a:t>省略</a:t>
+            </a:r>
+            <a:r>
+              <a:rPr lang="en-US" altLang="ja-JP" sz="1200" b="1" dirty="0" smtClean="0">
+                <a:latin typeface="Arial" pitchFamily="34" charset="0"/>
+                <a:ea typeface="ＭＳ Ｐゴシック" pitchFamily="50" charset="-128"/>
+                <a:cs typeface="ＭＳ Ｐゴシック" pitchFamily="50" charset="-128"/>
+              </a:rPr>
+              <a:t> </a:t>
+            </a:r>
+            <a:r>
+              <a:rPr lang="en-US" altLang="ja-JP" sz="1200" b="1" dirty="0" smtClean="0">
+                <a:latin typeface="Arial" pitchFamily="34" charset="0"/>
+                <a:ea typeface="ＭＳ Ｐゴシック" pitchFamily="50" charset="-128"/>
+                <a:cs typeface="ＭＳ Ｐゴシック" pitchFamily="50" charset="-128"/>
+              </a:rPr>
+              <a:t>- -&gt;</a:t>
+            </a:r>
+          </a:p>
+          <a:p>
+            <a:pPr marL="0" marR="0" lvl="0" indent="0" algn="l" defTabSz="914400" rtl="0" eaLnBrk="0" fontAlgn="base" latinLnBrk="0" hangingPunct="0">
+              <a:lnSpc>
+                <a:spcPct val="100000"/>
+              </a:lnSpc>
+              <a:spcBef>
+                <a:spcPct val="0"/>
+              </a:spcBef>
+              <a:spcAft>
+                <a:spcPct val="0"/>
+              </a:spcAft>
+              <a:buClrTx/>
+              <a:buSzTx/>
+              <a:buFontTx/>
+              <a:buNone/>
+              <a:tabLst/>
+            </a:pPr>
+            <a:r>
+              <a:rPr lang="en-US" altLang="ja-JP" sz="1200" b="1" dirty="0" smtClean="0">
+                <a:latin typeface="Arial" pitchFamily="34" charset="0"/>
+                <a:ea typeface="ＭＳ Ｐゴシック" pitchFamily="50" charset="-128"/>
+                <a:cs typeface="ＭＳ Ｐゴシック" pitchFamily="50" charset="-128"/>
+              </a:rPr>
+              <a:t>&lt;/div&gt;</a:t>
+            </a:r>
+            <a:endParaRPr lang="ja-JP" altLang="ja-JP" sz="1200" b="1" dirty="0" smtClean="0">
+              <a:latin typeface="Arial" pitchFamily="34" charset="0"/>
+              <a:ea typeface="ＭＳ Ｐゴシック" pitchFamily="50" charset="-128"/>
+              <a:cs typeface="ＭＳ Ｐゴシック" pitchFamily="50" charset="-128"/>
+            </a:endParaRPr>
+          </a:p>
+        </p:txBody>
+      </p:sp>
+      <p:sp>
+        <p:nvSpPr>
+          <p:cNvPr id="1035" name="Rectangle 11"/>
+          <p:cNvSpPr>
+            <a:spLocks noChangeArrowheads="1"/>
+          </p:cNvSpPr>
+          <p:nvPr/>
+        </p:nvSpPr>
+        <p:spPr bwMode="auto">
+          <a:xfrm>
+            <a:off x="4716016" y="1340768"/>
+            <a:ext cx="3888432" cy="1015663"/>
+          </a:xfrm>
+          <a:prstGeom prst="rect">
+            <a:avLst/>
+          </a:prstGeom>
+          <a:solidFill>
+            <a:srgbClr val="F8F8F8"/>
+          </a:solidFill>
+          <a:ln w="9525">
+            <a:noFill/>
+            <a:miter lim="800000"/>
+            <a:headEnd/>
+            <a:tailEnd/>
+          </a:ln>
+          <a:effectLst/>
+        </p:spPr>
+        <p:txBody>
+          <a:bodyPr vert="horz" wrap="square" lIns="91440" tIns="45720" rIns="91440" bIns="45720" numCol="1" anchor="ctr" anchorCtr="0" compatLnSpc="1">
+            <a:prstTxWarp prst="textNoShape">
+              <a:avLst/>
+            </a:prstTxWarp>
+            <a:spAutoFit/>
+          </a:bodyPr>
+          <a:lstStyle/>
+          <a:p>
+            <a:pPr marL="0" marR="0" lvl="0" indent="0" algn="l" defTabSz="914400" rtl="0" eaLnBrk="0" fontAlgn="base" latinLnBrk="0" hangingPunct="0">
+              <a:lnSpc>
+                <a:spcPct val="100000"/>
+              </a:lnSpc>
+              <a:spcBef>
+                <a:spcPct val="0"/>
+              </a:spcBef>
+              <a:spcAft>
+                <a:spcPct val="0"/>
+              </a:spcAft>
+              <a:buClrTx/>
+              <a:buSzTx/>
+              <a:buFontTx/>
+              <a:buNone/>
+              <a:tabLst/>
+            </a:pPr>
+            <a:r>
+              <a:rPr lang="en-US" altLang="ja-JP" sz="1200" b="1" dirty="0" smtClean="0">
+                <a:solidFill>
+                  <a:srgbClr val="26AB1F"/>
+                </a:solidFill>
+                <a:latin typeface="Arial" pitchFamily="34" charset="0"/>
+                <a:ea typeface="ＭＳ Ｐゴシック" pitchFamily="50" charset="-128"/>
+                <a:cs typeface="ＭＳ Ｐゴシック" pitchFamily="50" charset="-128"/>
+              </a:rPr>
+              <a:t>/** </a:t>
+            </a:r>
+            <a:r>
+              <a:rPr lang="ja-JP" altLang="en-US" sz="1200" b="1" dirty="0" smtClean="0">
+                <a:solidFill>
+                  <a:srgbClr val="26AB1F"/>
+                </a:solidFill>
+                <a:latin typeface="Arial" pitchFamily="34" charset="0"/>
+                <a:ea typeface="ＭＳ Ｐゴシック" pitchFamily="50" charset="-128"/>
+                <a:cs typeface="ＭＳ Ｐゴシック" pitchFamily="50" charset="-128"/>
+              </a:rPr>
+              <a:t>実行される</a:t>
+            </a:r>
+            <a:r>
+              <a:rPr lang="en-US" altLang="ja-JP" sz="1200" b="1" dirty="0" smtClean="0">
+                <a:solidFill>
+                  <a:srgbClr val="26AB1F"/>
+                </a:solidFill>
+                <a:latin typeface="Arial" pitchFamily="34" charset="0"/>
+                <a:ea typeface="ＭＳ Ｐゴシック" pitchFamily="50" charset="-128"/>
+                <a:cs typeface="ＭＳ Ｐゴシック" pitchFamily="50" charset="-128"/>
+              </a:rPr>
+              <a:t>Javascript **/</a:t>
+            </a:r>
+          </a:p>
+          <a:p>
+            <a:pPr marL="0" marR="0" lvl="0" indent="0" algn="l" defTabSz="914400" rtl="0" eaLnBrk="0" fontAlgn="base" latinLnBrk="0" hangingPunct="0">
+              <a:lnSpc>
+                <a:spcPct val="100000"/>
+              </a:lnSpc>
+              <a:spcBef>
+                <a:spcPct val="0"/>
+              </a:spcBef>
+              <a:spcAft>
+                <a:spcPct val="0"/>
+              </a:spcAft>
+              <a:buClrTx/>
+              <a:buSzTx/>
+              <a:buFontTx/>
+              <a:buNone/>
+              <a:tabLst/>
+            </a:pPr>
+            <a:r>
+              <a:rPr lang="ja-JP" altLang="ja-JP" sz="1200" b="1" dirty="0" smtClean="0">
+                <a:latin typeface="Arial" pitchFamily="34" charset="0"/>
+                <a:ea typeface="ＭＳ Ｐゴシック" pitchFamily="50" charset="-128"/>
+                <a:cs typeface="ＭＳ Ｐゴシック" pitchFamily="50" charset="-128"/>
+              </a:rPr>
+              <a:t>NetCommonsApp</a:t>
+            </a:r>
+            <a:r>
+              <a:rPr lang="ja-JP" altLang="ja-JP" sz="1200" b="1" dirty="0" smtClean="0">
+                <a:latin typeface="Arial" pitchFamily="34" charset="0"/>
+                <a:ea typeface="ＭＳ Ｐゴシック" pitchFamily="50" charset="-128"/>
+                <a:cs typeface="ＭＳ Ｐゴシック" pitchFamily="50" charset="-128"/>
+              </a:rPr>
+              <a:t>.controller('</a:t>
+            </a:r>
+            <a:r>
+              <a:rPr lang="ja-JP" altLang="ja-JP" sz="1200" b="1" u="sng" dirty="0" smtClean="0">
+                <a:solidFill>
+                  <a:srgbClr val="FF0000"/>
+                </a:solidFill>
+                <a:latin typeface="Arial" pitchFamily="34" charset="0"/>
+                <a:ea typeface="ＭＳ Ｐゴシック" pitchFamily="50" charset="-128"/>
+                <a:cs typeface="ＭＳ Ｐゴシック" pitchFamily="50" charset="-128"/>
+              </a:rPr>
+              <a:t>Iframes</a:t>
+            </a:r>
+            <a:r>
+              <a:rPr lang="ja-JP" altLang="ja-JP" sz="1200" b="1" dirty="0" smtClean="0">
+                <a:latin typeface="Arial" pitchFamily="34" charset="0"/>
+                <a:ea typeface="ＭＳ Ｐゴシック" pitchFamily="50" charset="-128"/>
+                <a:cs typeface="ＭＳ Ｐゴシック" pitchFamily="50" charset="-128"/>
+              </a:rPr>
+              <a:t>',</a:t>
+            </a:r>
+            <a:endParaRPr lang="en-US" altLang="ja-JP" sz="1200" b="1" dirty="0" smtClean="0">
+              <a:latin typeface="Arial" pitchFamily="34" charset="0"/>
+              <a:ea typeface="ＭＳ Ｐゴシック" pitchFamily="50" charset="-128"/>
+              <a:cs typeface="ＭＳ Ｐゴシック" pitchFamily="50" charset="-128"/>
+            </a:endParaRPr>
+          </a:p>
+          <a:p>
+            <a:pPr marL="0" marR="0" lvl="0" indent="0" algn="l" defTabSz="914400" rtl="0" eaLnBrk="0" fontAlgn="base" latinLnBrk="0" hangingPunct="0">
+              <a:lnSpc>
+                <a:spcPct val="100000"/>
+              </a:lnSpc>
+              <a:spcBef>
+                <a:spcPct val="0"/>
+              </a:spcBef>
+              <a:spcAft>
+                <a:spcPct val="0"/>
+              </a:spcAft>
+              <a:buClrTx/>
+              <a:buSzTx/>
+              <a:buFontTx/>
+              <a:buNone/>
+              <a:tabLst/>
+            </a:pPr>
+            <a:r>
+              <a:rPr lang="en-US" altLang="ja-JP" sz="1200" b="1" dirty="0" smtClean="0">
+                <a:latin typeface="Arial" pitchFamily="34" charset="0"/>
+                <a:ea typeface="ＭＳ Ｐゴシック" pitchFamily="50" charset="-128"/>
+                <a:cs typeface="ＭＳ Ｐゴシック" pitchFamily="50" charset="-128"/>
+              </a:rPr>
+              <a:t>      </a:t>
+            </a:r>
+            <a:r>
+              <a:rPr lang="ja-JP" altLang="ja-JP" sz="1200" b="1" dirty="0" smtClean="0">
+                <a:latin typeface="Arial" pitchFamily="34" charset="0"/>
+                <a:ea typeface="ＭＳ Ｐゴシック" pitchFamily="50" charset="-128"/>
+                <a:cs typeface="ＭＳ Ｐゴシック" pitchFamily="50" charset="-128"/>
+              </a:rPr>
+              <a:t>function($scope, $sce, $modal, $modalStack) {</a:t>
+            </a:r>
+            <a:endParaRPr lang="en-US" altLang="ja-JP" sz="1200" b="1" dirty="0" smtClean="0">
+              <a:latin typeface="Arial" pitchFamily="34" charset="0"/>
+              <a:ea typeface="ＭＳ Ｐゴシック" pitchFamily="50" charset="-128"/>
+              <a:cs typeface="ＭＳ Ｐゴシック" pitchFamily="50" charset="-128"/>
+            </a:endParaRPr>
+          </a:p>
+          <a:p>
+            <a:pPr marL="0" marR="0" lvl="0" indent="0" algn="l" defTabSz="914400" rtl="0" eaLnBrk="0" fontAlgn="base" latinLnBrk="0" hangingPunct="0">
+              <a:lnSpc>
+                <a:spcPct val="100000"/>
+              </a:lnSpc>
+              <a:spcBef>
+                <a:spcPct val="0"/>
+              </a:spcBef>
+              <a:spcAft>
+                <a:spcPct val="0"/>
+              </a:spcAft>
+              <a:buClrTx/>
+              <a:buSzTx/>
+              <a:buFontTx/>
+              <a:buNone/>
+              <a:tabLst/>
+            </a:pPr>
+            <a:r>
+              <a:rPr lang="en-US" altLang="ja-JP" sz="1200" b="1" dirty="0" smtClean="0">
+                <a:latin typeface="Arial" pitchFamily="34" charset="0"/>
+                <a:ea typeface="ＭＳ Ｐゴシック" pitchFamily="50" charset="-128"/>
+                <a:cs typeface="ＭＳ Ｐゴシック" pitchFamily="50" charset="-128"/>
+              </a:rPr>
+              <a:t>             </a:t>
+            </a:r>
+            <a:r>
+              <a:rPr lang="en-US" altLang="ja-JP" sz="1200" b="1" dirty="0" smtClean="0">
+                <a:latin typeface="Arial" pitchFamily="34" charset="0"/>
+                <a:ea typeface="ＭＳ Ｐゴシック" pitchFamily="50" charset="-128"/>
+                <a:cs typeface="ＭＳ Ｐゴシック" pitchFamily="50" charset="-128"/>
+              </a:rPr>
+              <a:t>/** </a:t>
+            </a:r>
+            <a:r>
+              <a:rPr lang="ja-JP" altLang="en-US" sz="1200" b="1" dirty="0" smtClean="0">
+                <a:latin typeface="Arial" pitchFamily="34" charset="0"/>
+                <a:ea typeface="ＭＳ Ｐゴシック" pitchFamily="50" charset="-128"/>
+                <a:cs typeface="ＭＳ Ｐゴシック" pitchFamily="50" charset="-128"/>
+              </a:rPr>
+              <a:t>省略 </a:t>
+            </a:r>
+            <a:r>
+              <a:rPr lang="en-US" altLang="ja-JP" sz="1200" b="1" dirty="0" smtClean="0">
+                <a:latin typeface="Arial" pitchFamily="34" charset="0"/>
+                <a:ea typeface="ＭＳ Ｐゴシック" pitchFamily="50" charset="-128"/>
+                <a:cs typeface="ＭＳ Ｐゴシック" pitchFamily="50" charset="-128"/>
+              </a:rPr>
+              <a:t>**/</a:t>
+            </a:r>
+            <a:r>
+              <a:rPr lang="ja-JP" altLang="ja-JP" sz="1200" b="1" dirty="0" smtClean="0">
+                <a:latin typeface="Arial" pitchFamily="34" charset="0"/>
+                <a:ea typeface="ＭＳ Ｐゴシック" pitchFamily="50" charset="-128"/>
+                <a:cs typeface="ＭＳ Ｐゴシック" pitchFamily="50" charset="-128"/>
+              </a:rPr>
+              <a:t> </a:t>
+            </a:r>
+            <a:endParaRPr lang="en-US" altLang="ja-JP" sz="1200" b="1" dirty="0" smtClean="0">
+              <a:latin typeface="Arial" pitchFamily="34" charset="0"/>
+              <a:ea typeface="ＭＳ Ｐゴシック" pitchFamily="50" charset="-128"/>
+              <a:cs typeface="ＭＳ Ｐゴシック" pitchFamily="50" charset="-128"/>
+            </a:endParaRPr>
+          </a:p>
+          <a:p>
+            <a:pPr lvl="0" eaLnBrk="0" fontAlgn="base" hangingPunct="0">
+              <a:spcBef>
+                <a:spcPct val="0"/>
+              </a:spcBef>
+              <a:spcAft>
+                <a:spcPct val="0"/>
+              </a:spcAft>
+            </a:pPr>
+            <a:r>
+              <a:rPr lang="en-US" altLang="ja-JP" sz="1200" b="1" dirty="0" smtClean="0">
+                <a:latin typeface="Arial" pitchFamily="34" charset="0"/>
+                <a:ea typeface="ＭＳ Ｐゴシック" pitchFamily="50" charset="-128"/>
+                <a:cs typeface="ＭＳ Ｐゴシック" pitchFamily="50" charset="-128"/>
+              </a:rPr>
+              <a:t>      });</a:t>
+            </a:r>
+            <a:endParaRPr lang="ja-JP" altLang="ja-JP" sz="1200" b="1" dirty="0" smtClean="0">
+              <a:latin typeface="Arial" pitchFamily="34" charset="0"/>
+              <a:ea typeface="ＭＳ Ｐゴシック" pitchFamily="50" charset="-128"/>
+              <a:cs typeface="ＭＳ Ｐゴシック" pitchFamily="50" charset="-128"/>
+            </a:endParaRPr>
+          </a:p>
+        </p:txBody>
+      </p:sp>
+      <p:sp>
+        <p:nvSpPr>
+          <p:cNvPr id="30" name="曲折矢印 29"/>
+          <p:cNvSpPr/>
+          <p:nvPr/>
+        </p:nvSpPr>
+        <p:spPr>
+          <a:xfrm rot="5400000">
+            <a:off x="6732240" y="980728"/>
+            <a:ext cx="792088" cy="360040"/>
+          </a:xfrm>
+          <a:prstGeom prst="bentArrow">
+            <a:avLst>
+              <a:gd name="adj1" fmla="val 25000"/>
+              <a:gd name="adj2" fmla="val 35582"/>
+              <a:gd name="adj3" fmla="val 25000"/>
+              <a:gd name="adj4" fmla="val 43750"/>
+            </a:avLst>
+          </a:prstGeom>
+        </p:spPr>
+        <p:style>
+          <a:lnRef idx="1">
+            <a:schemeClr val="accent1"/>
+          </a:lnRef>
+          <a:fillRef idx="2">
+            <a:schemeClr val="accent1"/>
+          </a:fillRef>
+          <a:effectRef idx="1">
+            <a:schemeClr val="accent1"/>
+          </a:effectRef>
+          <a:fontRef idx="minor">
+            <a:schemeClr val="dk1"/>
+          </a:fontRef>
+        </p:style>
+        <p:txBody>
+          <a:bodyPr rtlCol="0" anchor="ctr"/>
+          <a:lstStyle/>
+          <a:p>
+            <a:pPr algn="ctr"/>
+            <a:endParaRPr lang="ja-JP" altLang="en-US">
+              <a:solidFill>
+                <a:schemeClr val="dk1"/>
+              </a:solidFill>
             </a:endParaRPr>
           </a:p>
         </p:txBody>
@@ -25307,7 +27237,7 @@
           <a:bodyPr/>
           <a:lstStyle/>
           <a:p>
-            <a:endParaRPr kumimoji="1" lang="ja-JP" altLang="en-US"/>
+            <a:endParaRPr kumimoji="1" lang="ja-JP" altLang="en-US" dirty="0"/>
           </a:p>
         </p:txBody>
       </p:sp>
@@ -25607,7 +27537,7 @@
           <a:lstStyle/>
           <a:p>
             <a:pPr algn="ctr"/>
-            <a:endParaRPr kumimoji="1" lang="ja-JP" altLang="en-US"/>
+            <a:endParaRPr kumimoji="1" lang="ja-JP" altLang="en-US" dirty="0"/>
           </a:p>
         </p:txBody>
       </p:sp>
@@ -28847,7 +30777,7 @@
           <a:lstStyle/>
           <a:p>
             <a:pPr algn="ctr"/>
-            <a:endParaRPr kumimoji="1" lang="ja-JP" altLang="en-US"/>
+            <a:endParaRPr kumimoji="1" lang="ja-JP" altLang="en-US" dirty="0"/>
           </a:p>
         </p:txBody>
       </p:sp>
@@ -29106,7 +31036,7 @@
           <a:lstStyle/>
           <a:p>
             <a:pPr algn="ctr"/>
-            <a:endParaRPr lang="ja-JP" altLang="en-US"/>
+            <a:endParaRPr lang="ja-JP" altLang="en-US" dirty="0"/>
           </a:p>
         </p:txBody>
       </p:sp>
@@ -29157,7 +31087,7 @@
           <a:lstStyle/>
           <a:p>
             <a:pPr algn="ctr"/>
-            <a:endParaRPr kumimoji="1" lang="ja-JP" altLang="en-US"/>
+            <a:endParaRPr kumimoji="1" lang="ja-JP" altLang="en-US" dirty="0"/>
           </a:p>
         </p:txBody>
       </p:sp>
@@ -29210,7 +31140,7 @@
           <a:lstStyle/>
           <a:p>
             <a:pPr algn="ctr"/>
-            <a:endParaRPr lang="ja-JP" altLang="en-US"/>
+            <a:endParaRPr lang="ja-JP" altLang="en-US" dirty="0"/>
           </a:p>
         </p:txBody>
       </p:sp>
@@ -29254,7 +31184,7 @@
           <a:bodyPr/>
           <a:lstStyle/>
           <a:p>
-            <a:endParaRPr kumimoji="1" lang="ja-JP" altLang="en-US"/>
+            <a:endParaRPr kumimoji="1" lang="ja-JP" altLang="en-US" dirty="0"/>
           </a:p>
         </p:txBody>
       </p:sp>

--- a/PowerPoint/report_hokada.pptx
+++ b/PowerPoint/report_hokada.pptx
@@ -17238,7 +17238,7 @@
             <a:fld id="{768736D5-E0D3-4111-8C4C-E5098B8E037F}" type="datetimeFigureOut">
               <a:rPr kumimoji="1" lang="ja-JP" altLang="en-US" smtClean="0"/>
               <a:pPr/>
-              <a:t>2014/11/21</a:t>
+              <a:t>2014/11/25</a:t>
             </a:fld>
             <a:endParaRPr kumimoji="1" lang="ja-JP" altLang="en-US" dirty="0"/>
           </a:p>
@@ -17900,7 +17900,7 @@
             <a:fld id="{E90ED720-0104-4369-84BC-D37694168613}" type="datetimeFigureOut">
               <a:rPr kumimoji="1" lang="ja-JP" altLang="en-US" smtClean="0"/>
               <a:pPr/>
-              <a:t>2014/11/21</a:t>
+              <a:t>2014/11/25</a:t>
             </a:fld>
             <a:endParaRPr kumimoji="1" lang="ja-JP" altLang="en-US" dirty="0"/>
           </a:p>
@@ -18099,7 +18099,7 @@
             <a:fld id="{E90ED720-0104-4369-84BC-D37694168613}" type="datetimeFigureOut">
               <a:rPr kumimoji="1" lang="ja-JP" altLang="en-US" smtClean="0"/>
               <a:pPr/>
-              <a:t>2014/11/21</a:t>
+              <a:t>2014/11/25</a:t>
             </a:fld>
             <a:endParaRPr kumimoji="1" lang="ja-JP" altLang="en-US" dirty="0"/>
           </a:p>
@@ -18308,7 +18308,7 @@
             <a:fld id="{E90ED720-0104-4369-84BC-D37694168613}" type="datetimeFigureOut">
               <a:rPr kumimoji="1" lang="ja-JP" altLang="en-US" smtClean="0"/>
               <a:pPr/>
-              <a:t>2014/11/21</a:t>
+              <a:t>2014/11/25</a:t>
             </a:fld>
             <a:endParaRPr kumimoji="1" lang="ja-JP" altLang="en-US" dirty="0"/>
           </a:p>
@@ -18507,7 +18507,7 @@
             <a:fld id="{E90ED720-0104-4369-84BC-D37694168613}" type="datetimeFigureOut">
               <a:rPr kumimoji="1" lang="ja-JP" altLang="en-US" smtClean="0"/>
               <a:pPr/>
-              <a:t>2014/11/21</a:t>
+              <a:t>2014/11/25</a:t>
             </a:fld>
             <a:endParaRPr kumimoji="1" lang="ja-JP" altLang="en-US" dirty="0"/>
           </a:p>
@@ -18750,7 +18750,7 @@
             <a:fld id="{E90ED720-0104-4369-84BC-D37694168613}" type="datetimeFigureOut">
               <a:rPr kumimoji="1" lang="ja-JP" altLang="en-US" smtClean="0"/>
               <a:pPr/>
-              <a:t>2014/11/21</a:t>
+              <a:t>2014/11/25</a:t>
             </a:fld>
             <a:endParaRPr kumimoji="1" lang="ja-JP" altLang="en-US" dirty="0"/>
           </a:p>
@@ -19099,7 +19099,7 @@
             <a:fld id="{E90ED720-0104-4369-84BC-D37694168613}" type="datetimeFigureOut">
               <a:rPr kumimoji="1" lang="ja-JP" altLang="en-US" smtClean="0"/>
               <a:pPr/>
-              <a:t>2014/11/21</a:t>
+              <a:t>2014/11/25</a:t>
             </a:fld>
             <a:endParaRPr kumimoji="1" lang="ja-JP" altLang="en-US" dirty="0"/>
           </a:p>
@@ -19582,7 +19582,7 @@
             <a:fld id="{E90ED720-0104-4369-84BC-D37694168613}" type="datetimeFigureOut">
               <a:rPr kumimoji="1" lang="ja-JP" altLang="en-US" smtClean="0"/>
               <a:pPr/>
-              <a:t>2014/11/21</a:t>
+              <a:t>2014/11/25</a:t>
             </a:fld>
             <a:endParaRPr kumimoji="1" lang="ja-JP" altLang="en-US" dirty="0"/>
           </a:p>
@@ -19697,7 +19697,7 @@
             <a:fld id="{E90ED720-0104-4369-84BC-D37694168613}" type="datetimeFigureOut">
               <a:rPr kumimoji="1" lang="ja-JP" altLang="en-US" smtClean="0"/>
               <a:pPr/>
-              <a:t>2014/11/21</a:t>
+              <a:t>2014/11/25</a:t>
             </a:fld>
             <a:endParaRPr kumimoji="1" lang="ja-JP" altLang="en-US" dirty="0"/>
           </a:p>
@@ -19789,7 +19789,7 @@
             <a:fld id="{E90ED720-0104-4369-84BC-D37694168613}" type="datetimeFigureOut">
               <a:rPr kumimoji="1" lang="ja-JP" altLang="en-US" smtClean="0"/>
               <a:pPr/>
-              <a:t>2014/11/21</a:t>
+              <a:t>2014/11/25</a:t>
             </a:fld>
             <a:endParaRPr kumimoji="1" lang="ja-JP" altLang="en-US" dirty="0"/>
           </a:p>
@@ -20095,7 +20095,7 @@
             <a:fld id="{E90ED720-0104-4369-84BC-D37694168613}" type="datetimeFigureOut">
               <a:rPr kumimoji="1" lang="ja-JP" altLang="en-US" smtClean="0"/>
               <a:pPr/>
-              <a:t>2014/11/21</a:t>
+              <a:t>2014/11/25</a:t>
             </a:fld>
             <a:endParaRPr kumimoji="1" lang="ja-JP" altLang="en-US" dirty="0"/>
           </a:p>
@@ -20345,7 +20345,7 @@
             <a:fld id="{E90ED720-0104-4369-84BC-D37694168613}" type="datetimeFigureOut">
               <a:rPr kumimoji="1" lang="ja-JP" altLang="en-US" smtClean="0"/>
               <a:pPr/>
-              <a:t>2014/11/21</a:t>
+              <a:t>2014/11/25</a:t>
             </a:fld>
             <a:endParaRPr kumimoji="1" lang="ja-JP" altLang="en-US" dirty="0"/>
           </a:p>
@@ -20587,7 +20587,7 @@
             <a:fld id="{E90ED720-0104-4369-84BC-D37694168613}" type="datetimeFigureOut">
               <a:rPr kumimoji="1" lang="ja-JP" altLang="en-US" smtClean="0"/>
               <a:pPr/>
-              <a:t>2014/11/21</a:t>
+              <a:t>2014/11/25</a:t>
             </a:fld>
             <a:endParaRPr kumimoji="1" lang="ja-JP" altLang="en-US" dirty="0"/>
           </a:p>
@@ -20986,11 +20986,7 @@
             </a:r>
             <a:r>
               <a:rPr kumimoji="1" lang="ja-JP" altLang="en-US" dirty="0" smtClean="0"/>
-              <a:t>プラグイン開発</a:t>
-            </a:r>
-            <a:r>
-              <a:rPr kumimoji="1" lang="ja-JP" altLang="en-US" dirty="0" smtClean="0"/>
-              <a:t>における</a:t>
+              <a:t>プラグイン開発における</a:t>
             </a:r>
             <a:r>
               <a:rPr kumimoji="1" lang="en-US" altLang="ja-JP" dirty="0" smtClean="0"/>
@@ -24849,11 +24845,7 @@
             </a:r>
             <a:r>
               <a:rPr lang="ja-JP" altLang="en-US" dirty="0" smtClean="0"/>
-              <a:t>を依頼</a:t>
-            </a:r>
-            <a:r>
-              <a:rPr lang="ja-JP" altLang="en-US" dirty="0" smtClean="0"/>
-              <a:t>　</a:t>
+              <a:t>を依頼　</a:t>
             </a:r>
             <a:endParaRPr kumimoji="1" lang="ja-JP" altLang="en-US" dirty="0"/>
           </a:p>
@@ -24905,15 +24897,7 @@
           <a:p>
             <a:r>
               <a:rPr lang="ja-JP" altLang="en-US" dirty="0" smtClean="0"/>
-              <a:t>　・</a:t>
-            </a:r>
-            <a:r>
-              <a:rPr lang="ja-JP" altLang="en-US" dirty="0" smtClean="0"/>
-              <a:t>依頼</a:t>
-            </a:r>
-            <a:r>
-              <a:rPr lang="ja-JP" altLang="en-US" dirty="0" smtClean="0"/>
-              <a:t>されたデータを取得するために</a:t>
+              <a:t>　・依頼されたデータを取得するために</a:t>
             </a:r>
             <a:r>
               <a:rPr lang="en-US" altLang="ja-JP" dirty="0" smtClean="0"/>
@@ -24988,11 +24972,7 @@
           <a:p>
             <a:r>
               <a:rPr kumimoji="1" lang="ja-JP" altLang="en-US" dirty="0" smtClean="0"/>
-              <a:t>　</a:t>
-            </a:r>
-            <a:r>
-              <a:rPr kumimoji="1" lang="ja-JP" altLang="en-US" dirty="0" smtClean="0"/>
-              <a:t>・</a:t>
+              <a:t>　・</a:t>
             </a:r>
             <a:r>
               <a:rPr kumimoji="1" lang="en-US" altLang="ja-JP" dirty="0" smtClean="0"/>
@@ -25049,11 +25029,7 @@
           <a:p>
             <a:r>
               <a:rPr lang="en-US" altLang="ja-JP" dirty="0" smtClean="0"/>
-              <a:t>4</a:t>
-            </a:r>
-            <a:r>
-              <a:rPr lang="en-US" altLang="ja-JP" dirty="0" smtClean="0"/>
-              <a:t>.View</a:t>
+              <a:t>4.View</a:t>
             </a:r>
             <a:r>
               <a:rPr lang="ja-JP" altLang="en-US" dirty="0" smtClean="0"/>
@@ -25164,18 +25140,7 @@
                 <a:ea typeface="ＭＳ Ｐゴシック" pitchFamily="50" charset="-128"/>
                 <a:cs typeface="ＭＳ Ｐゴシック" pitchFamily="50" charset="-128"/>
               </a:rPr>
-              <a:t>$</a:t>
-            </a:r>
-            <a:r>
-              <a:rPr lang="en-US" altLang="ja-JP" sz="1200" b="1" u="sng" dirty="0" smtClean="0">
-                <a:solidFill>
-                  <a:srgbClr val="FF0000"/>
-                </a:solidFill>
-                <a:latin typeface="Arial" pitchFamily="34" charset="0"/>
-                <a:ea typeface="ＭＳ Ｐゴシック" pitchFamily="50" charset="-128"/>
-                <a:cs typeface="ＭＳ Ｐゴシック" pitchFamily="50" charset="-128"/>
-              </a:rPr>
-              <a:t>scope.edit.data</a:t>
+              <a:t>$scope.edit.data</a:t>
             </a:r>
             <a:r>
               <a:rPr lang="en-US" altLang="ja-JP" sz="1200" b="1" dirty="0" smtClean="0">
@@ -25305,23 +25270,7 @@
                 <a:ea typeface="ＭＳ Ｐゴシック" pitchFamily="50" charset="-128"/>
                 <a:cs typeface="ＭＳ Ｐゴシック" pitchFamily="50" charset="-128"/>
               </a:rPr>
-              <a:t>                    </a:t>
-            </a:r>
-            <a:r>
-              <a:rPr lang="en-US" altLang="ja-JP" sz="1200" b="1" dirty="0" smtClean="0">
-                <a:latin typeface="Arial" pitchFamily="34" charset="0"/>
-                <a:ea typeface="ＭＳ Ｐゴシック" pitchFamily="50" charset="-128"/>
-                <a:cs typeface="ＭＳ Ｐゴシック" pitchFamily="50" charset="-128"/>
-              </a:rPr>
-              <a:t>status</a:t>
-            </a:r>
-            <a:r>
-              <a:rPr lang="en-US" altLang="ja-JP" sz="1200" b="1" dirty="0" smtClean="0">
-                <a:latin typeface="Arial" pitchFamily="34" charset="0"/>
-                <a:ea typeface="ＭＳ Ｐゴシック" pitchFamily="50" charset="-128"/>
-                <a:cs typeface="ＭＳ Ｐゴシック" pitchFamily="50" charset="-128"/>
-              </a:rPr>
-              <a:t>: $scope.iframe.Iframe.status,</a:t>
+              <a:t>                    status: $scope.iframe.Iframe.status,</a:t>
             </a:r>
           </a:p>
           <a:p>
@@ -25339,23 +25288,7 @@
                 <a:ea typeface="ＭＳ Ｐゴシック" pitchFamily="50" charset="-128"/>
                 <a:cs typeface="ＭＳ Ｐゴシック" pitchFamily="50" charset="-128"/>
               </a:rPr>
-              <a:t>                    </a:t>
-            </a:r>
-            <a:r>
-              <a:rPr lang="en-US" altLang="ja-JP" sz="1200" b="1" dirty="0" smtClean="0">
-                <a:latin typeface="Arial" pitchFamily="34" charset="0"/>
-                <a:ea typeface="ＭＳ Ｐゴシック" pitchFamily="50" charset="-128"/>
-                <a:cs typeface="ＭＳ Ｐゴシック" pitchFamily="50" charset="-128"/>
-              </a:rPr>
-              <a:t>block_id</a:t>
-            </a:r>
-            <a:r>
-              <a:rPr lang="en-US" altLang="ja-JP" sz="1200" b="1" dirty="0" smtClean="0">
-                <a:latin typeface="Arial" pitchFamily="34" charset="0"/>
-                <a:ea typeface="ＭＳ Ｐゴシック" pitchFamily="50" charset="-128"/>
-                <a:cs typeface="ＭＳ Ｐゴシック" pitchFamily="50" charset="-128"/>
-              </a:rPr>
-              <a:t>: $scope.iframe.Iframe.block_id,</a:t>
+              <a:t>                    block_id: $scope.iframe.Iframe.block_id,</a:t>
             </a:r>
           </a:p>
           <a:p>
@@ -25373,23 +25306,7 @@
                 <a:ea typeface="ＭＳ Ｐゴシック" pitchFamily="50" charset="-128"/>
                 <a:cs typeface="ＭＳ Ｐゴシック" pitchFamily="50" charset="-128"/>
               </a:rPr>
-              <a:t>                    </a:t>
-            </a:r>
-            <a:r>
-              <a:rPr lang="en-US" altLang="ja-JP" sz="1200" b="1" dirty="0" smtClean="0">
-                <a:latin typeface="Arial" pitchFamily="34" charset="0"/>
-                <a:ea typeface="ＭＳ Ｐゴシック" pitchFamily="50" charset="-128"/>
-                <a:cs typeface="ＭＳ Ｐゴシック" pitchFamily="50" charset="-128"/>
-              </a:rPr>
-              <a:t>id</a:t>
-            </a:r>
-            <a:r>
-              <a:rPr lang="en-US" altLang="ja-JP" sz="1200" b="1" dirty="0" smtClean="0">
-                <a:latin typeface="Arial" pitchFamily="34" charset="0"/>
-                <a:ea typeface="ＭＳ Ｐゴシック" pitchFamily="50" charset="-128"/>
-                <a:cs typeface="ＭＳ Ｐゴシック" pitchFamily="50" charset="-128"/>
-              </a:rPr>
-              <a:t>: $scope.iframe.Iframe.id</a:t>
+              <a:t>                    id: $scope.iframe.Iframe.id</a:t>
             </a:r>
           </a:p>
           <a:p>
@@ -25407,15 +25324,7 @@
                 <a:ea typeface="ＭＳ Ｐゴシック" pitchFamily="50" charset="-128"/>
                 <a:cs typeface="ＭＳ Ｐゴシック" pitchFamily="50" charset="-128"/>
               </a:rPr>
-              <a:t>          </a:t>
-            </a:r>
-            <a:r>
-              <a:rPr lang="en-US" altLang="ja-JP" sz="1200" b="1" dirty="0" smtClean="0">
-                <a:latin typeface="Arial" pitchFamily="34" charset="0"/>
-                <a:ea typeface="ＭＳ Ｐゴシック" pitchFamily="50" charset="-128"/>
-                <a:cs typeface="ＭＳ Ｐゴシック" pitchFamily="50" charset="-128"/>
-              </a:rPr>
-              <a:t>},</a:t>
+              <a:t>          },</a:t>
             </a:r>
           </a:p>
           <a:p>
@@ -25441,15 +25350,7 @@
                 <a:ea typeface="ＭＳ Ｐゴシック" pitchFamily="50" charset="-128"/>
                 <a:cs typeface="ＭＳ Ｐゴシック" pitchFamily="50" charset="-128"/>
               </a:rPr>
-              <a:t>&lt;!- </a:t>
-            </a:r>
-            <a:r>
-              <a:rPr lang="en-US" altLang="ja-JP" sz="1200" b="1" dirty="0" smtClean="0">
-                <a:latin typeface="Arial" pitchFamily="34" charset="0"/>
-                <a:ea typeface="ＭＳ Ｐゴシック" pitchFamily="50" charset="-128"/>
-                <a:cs typeface="ＭＳ Ｐゴシック" pitchFamily="50" charset="-128"/>
-              </a:rPr>
-              <a:t>- </a:t>
+              <a:t>&lt;!- - </a:t>
             </a:r>
             <a:r>
               <a:rPr lang="ja-JP" altLang="en-US" sz="1200" b="1" dirty="0" smtClean="0">
@@ -25467,11 +25368,6 @@
               </a:rPr>
               <a:t> - -&gt;</a:t>
             </a:r>
-            <a:endParaRPr lang="en-US" altLang="ja-JP" sz="1200" b="1" dirty="0" smtClean="0">
-              <a:latin typeface="Arial" pitchFamily="34" charset="0"/>
-              <a:ea typeface="ＭＳ Ｐゴシック" pitchFamily="50" charset="-128"/>
-              <a:cs typeface="ＭＳ Ｐゴシック" pitchFamily="50" charset="-128"/>
-            </a:endParaRPr>
           </a:p>
           <a:p>
             <a:pPr lvl="0" fontAlgn="base">
@@ -25562,15 +25458,7 @@
                 <a:ea typeface="ＭＳ Ｐゴシック" pitchFamily="50" charset="-128"/>
                 <a:cs typeface="ＭＳ Ｐゴシック" pitchFamily="50" charset="-128"/>
               </a:rPr>
-              <a:t>&lt;?php echo $this-&gt;Form-&gt;input('Iframe.url', array</a:t>
-            </a:r>
-            <a:r>
-              <a:rPr lang="ja-JP" altLang="ja-JP" sz="1200" b="1" dirty="0" smtClean="0">
-                <a:latin typeface="Arial" pitchFamily="34" charset="0"/>
-                <a:ea typeface="ＭＳ Ｐゴシック" pitchFamily="50" charset="-128"/>
-                <a:cs typeface="ＭＳ Ｐゴシック" pitchFamily="50" charset="-128"/>
-              </a:rPr>
-              <a:t>(</a:t>
+              <a:t>&lt;?php echo $this-&gt;Form-&gt;input('Iframe.url', array(</a:t>
             </a:r>
             <a:endParaRPr lang="en-US" altLang="ja-JP" sz="1200" b="1" dirty="0" smtClean="0">
               <a:latin typeface="Arial" pitchFamily="34" charset="0"/>
@@ -25593,15 +25481,7 @@
                 <a:ea typeface="ＭＳ Ｐゴシック" pitchFamily="50" charset="-128"/>
                 <a:cs typeface="ＭＳ Ｐゴシック" pitchFamily="50" charset="-128"/>
               </a:rPr>
-              <a:t>  </a:t>
-            </a:r>
-            <a:r>
-              <a:rPr lang="en-US" altLang="ja-JP" sz="1200" b="1" dirty="0" smtClean="0">
-                <a:latin typeface="Arial" pitchFamily="34" charset="0"/>
-                <a:ea typeface="ＭＳ Ｐゴシック" pitchFamily="50" charset="-128"/>
-                <a:cs typeface="ＭＳ Ｐゴシック" pitchFamily="50" charset="-128"/>
-              </a:rPr>
-              <a:t>          </a:t>
+              <a:t>            </a:t>
             </a:r>
             <a:r>
               <a:rPr lang="ja-JP" altLang="ja-JP" sz="1200" b="1" dirty="0" smtClean="0">
@@ -25609,15 +25489,7 @@
                 <a:ea typeface="ＭＳ Ｐゴシック" pitchFamily="50" charset="-128"/>
                 <a:cs typeface="ＭＳ Ｐゴシック" pitchFamily="50" charset="-128"/>
               </a:rPr>
-              <a:t>'label' </a:t>
-            </a:r>
-            <a:r>
-              <a:rPr lang="ja-JP" altLang="ja-JP" sz="1200" b="1" dirty="0" smtClean="0">
-                <a:latin typeface="Arial" pitchFamily="34" charset="0"/>
-                <a:ea typeface="ＭＳ Ｐゴシック" pitchFamily="50" charset="-128"/>
-                <a:cs typeface="ＭＳ Ｐゴシック" pitchFamily="50" charset="-128"/>
-              </a:rPr>
-              <a:t>=&gt; false, 'div' =&gt; false, </a:t>
+              <a:t>'label' =&gt; false, 'div' =&gt; false, </a:t>
             </a:r>
             <a:endParaRPr lang="en-US" altLang="ja-JP" sz="1200" b="1" dirty="0" smtClean="0">
               <a:latin typeface="Arial" pitchFamily="34" charset="0"/>
@@ -25656,23 +25528,7 @@
                 <a:ea typeface="ＭＳ Ｐゴシック" pitchFamily="50" charset="-128"/>
                 <a:cs typeface="ＭＳ Ｐゴシック" pitchFamily="50" charset="-128"/>
               </a:rPr>
-              <a:t>type' </a:t>
-            </a:r>
-            <a:r>
-              <a:rPr lang="ja-JP" altLang="ja-JP" sz="1200" b="1" dirty="0" smtClean="0">
-                <a:latin typeface="Arial" pitchFamily="34" charset="0"/>
-                <a:ea typeface="ＭＳ Ｐゴシック" pitchFamily="50" charset="-128"/>
-                <a:cs typeface="ＭＳ Ｐゴシック" pitchFamily="50" charset="-128"/>
-              </a:rPr>
-              <a:t>=&gt; 'text'</a:t>
-            </a:r>
-            <a:r>
-              <a:rPr lang="ja-JP" altLang="ja-JP" sz="1200" b="1" dirty="0" smtClean="0">
-                <a:latin typeface="Arial" pitchFamily="34" charset="0"/>
-                <a:ea typeface="ＭＳ Ｐゴシック" pitchFamily="50" charset="-128"/>
-                <a:cs typeface="ＭＳ Ｐゴシック" pitchFamily="50" charset="-128"/>
-              </a:rPr>
-              <a:t>,</a:t>
+              <a:t>type' =&gt; 'text',</a:t>
             </a:r>
             <a:endParaRPr lang="en-US" altLang="ja-JP" sz="1200" b="1" dirty="0" smtClean="0">
               <a:latin typeface="Arial" pitchFamily="34" charset="0"/>
@@ -25703,15 +25559,7 @@
                 <a:ea typeface="ＭＳ Ｐゴシック" pitchFamily="50" charset="-128"/>
                 <a:cs typeface="ＭＳ Ｐゴシック" pitchFamily="50" charset="-128"/>
               </a:rPr>
-              <a:t> </a:t>
-            </a:r>
-            <a:r>
-              <a:rPr lang="en-US" altLang="ja-JP" sz="1200" b="1" dirty="0" smtClean="0">
-                <a:latin typeface="Arial" pitchFamily="34" charset="0"/>
-                <a:ea typeface="ＭＳ Ｐゴシック" pitchFamily="50" charset="-128"/>
-                <a:cs typeface="ＭＳ Ｐゴシック" pitchFamily="50" charset="-128"/>
-              </a:rPr>
-              <a:t>           </a:t>
+              <a:t>            </a:t>
             </a:r>
             <a:r>
               <a:rPr lang="ja-JP" altLang="ja-JP" sz="1200" b="1" dirty="0" smtClean="0">
@@ -25719,23 +25567,7 @@
                 <a:ea typeface="ＭＳ Ｐゴシック" pitchFamily="50" charset="-128"/>
                 <a:cs typeface="ＭＳ Ｐゴシック" pitchFamily="50" charset="-128"/>
               </a:rPr>
-              <a:t>'class' </a:t>
-            </a:r>
-            <a:r>
-              <a:rPr lang="ja-JP" altLang="ja-JP" sz="1200" b="1" dirty="0" smtClean="0">
-                <a:latin typeface="Arial" pitchFamily="34" charset="0"/>
-                <a:ea typeface="ＭＳ Ｐゴシック" pitchFamily="50" charset="-128"/>
-                <a:cs typeface="ＭＳ Ｐゴシック" pitchFamily="50" charset="-128"/>
-              </a:rPr>
-              <a:t>=&gt; 'form-control'</a:t>
-            </a:r>
-            <a:r>
-              <a:rPr lang="ja-JP" altLang="ja-JP" sz="1200" b="1" dirty="0" smtClean="0">
-                <a:latin typeface="Arial" pitchFamily="34" charset="0"/>
-                <a:ea typeface="ＭＳ Ｐゴシック" pitchFamily="50" charset="-128"/>
-                <a:cs typeface="ＭＳ Ｐゴシック" pitchFamily="50" charset="-128"/>
-              </a:rPr>
-              <a:t>,</a:t>
+              <a:t>'class' =&gt; 'form-control',</a:t>
             </a:r>
             <a:endParaRPr lang="en-US" altLang="ja-JP" sz="1200" b="1" dirty="0" smtClean="0">
               <a:latin typeface="Arial" pitchFamily="34" charset="0"/>
@@ -25766,15 +25598,7 @@
                 <a:ea typeface="ＭＳ Ｐゴシック" pitchFamily="50" charset="-128"/>
                 <a:cs typeface="ＭＳ Ｐゴシック" pitchFamily="50" charset="-128"/>
               </a:rPr>
-              <a:t> </a:t>
-            </a:r>
-            <a:r>
-              <a:rPr lang="en-US" altLang="ja-JP" sz="1200" b="1" dirty="0" smtClean="0">
-                <a:latin typeface="Arial" pitchFamily="34" charset="0"/>
-                <a:ea typeface="ＭＳ Ｐゴシック" pitchFamily="50" charset="-128"/>
-                <a:cs typeface="ＭＳ Ｐゴシック" pitchFamily="50" charset="-128"/>
-              </a:rPr>
-              <a:t>           </a:t>
+              <a:t>            </a:t>
             </a:r>
             <a:r>
               <a:rPr lang="ja-JP" altLang="ja-JP" sz="1200" b="1" dirty="0" smtClean="0">
@@ -25793,18 +25617,7 @@
                 <a:ea typeface="ＭＳ Ｐゴシック" pitchFamily="50" charset="-128"/>
                 <a:cs typeface="ＭＳ Ｐゴシック" pitchFamily="50" charset="-128"/>
               </a:rPr>
-              <a:t>ng</a:t>
-            </a:r>
-            <a:r>
-              <a:rPr lang="ja-JP" altLang="ja-JP" sz="1200" b="1" u="sng" dirty="0" smtClean="0">
-                <a:solidFill>
-                  <a:srgbClr val="FF0000"/>
-                </a:solidFill>
-                <a:latin typeface="Arial" pitchFamily="34" charset="0"/>
-                <a:ea typeface="ＭＳ Ｐゴシック" pitchFamily="50" charset="-128"/>
-                <a:cs typeface="ＭＳ Ｐゴシック" pitchFamily="50" charset="-128"/>
-              </a:rPr>
-              <a:t>-model</a:t>
+              <a:t>ng-model</a:t>
             </a:r>
             <a:r>
               <a:rPr lang="ja-JP" altLang="ja-JP" sz="1200" b="1" dirty="0" smtClean="0">
@@ -25842,15 +25655,7 @@
                 <a:ea typeface="ＭＳ Ｐゴシック" pitchFamily="50" charset="-128"/>
                 <a:cs typeface="ＭＳ Ｐゴシック" pitchFamily="50" charset="-128"/>
               </a:rPr>
-              <a:t>'</a:t>
-            </a:r>
-            <a:r>
-              <a:rPr lang="ja-JP" altLang="ja-JP" sz="1200" b="1" dirty="0" smtClean="0">
-                <a:latin typeface="Arial" pitchFamily="34" charset="0"/>
-                <a:ea typeface="ＭＳ Ｐゴシック" pitchFamily="50" charset="-128"/>
-                <a:cs typeface="ＭＳ Ｐゴシック" pitchFamily="50" charset="-128"/>
-              </a:rPr>
-              <a:t>,</a:t>
+              <a:t>',</a:t>
             </a:r>
             <a:endParaRPr lang="en-US" altLang="ja-JP" sz="1200" b="1" dirty="0" smtClean="0">
               <a:latin typeface="Arial" pitchFamily="34" charset="0"/>
@@ -25899,11 +25704,6 @@
               </a:rPr>
               <a:t> - -&gt;</a:t>
             </a:r>
-            <a:endParaRPr lang="en-US" altLang="ja-JP" sz="1200" b="1" dirty="0" smtClean="0">
-              <a:latin typeface="Arial" pitchFamily="34" charset="0"/>
-              <a:ea typeface="ＭＳ Ｐゴシック" pitchFamily="50" charset="-128"/>
-              <a:cs typeface="ＭＳ Ｐゴシック" pitchFamily="50" charset="-128"/>
-            </a:endParaRPr>
           </a:p>
           <a:p>
             <a:pPr marL="0" marR="0" lvl="0" indent="0" algn="l" defTabSz="914400" rtl="0" eaLnBrk="0" fontAlgn="base" latinLnBrk="0" hangingPunct="0">
@@ -25938,11 +25738,6 @@
               </a:rPr>
               <a:t> </a:t>
             </a:r>
-            <a:endParaRPr lang="ja-JP" altLang="ja-JP" sz="1200" b="1" dirty="0" smtClean="0">
-              <a:latin typeface="Arial" pitchFamily="34" charset="0"/>
-              <a:ea typeface="ＭＳ Ｐゴシック" pitchFamily="50" charset="-128"/>
-              <a:cs typeface="ＭＳ Ｐゴシック" pitchFamily="50" charset="-128"/>
-            </a:endParaRPr>
           </a:p>
         </p:txBody>
       </p:sp>
@@ -26007,7 +25802,18 @@
                 <a:ea typeface="ＭＳ Ｐゴシック" pitchFamily="50" charset="-128"/>
                 <a:cs typeface="ＭＳ Ｐゴシック" pitchFamily="50" charset="-128"/>
               </a:rPr>
-              <a:t>&lt;!– CakePHP</a:t>
+              <a:t>&lt;!– </a:t>
+            </a:r>
+            <a:r>
+              <a:rPr lang="en-US" altLang="ja-JP" sz="1200" b="1" dirty="0" smtClean="0">
+                <a:solidFill>
+                  <a:srgbClr val="26AB1F"/>
+                </a:solidFill>
+                <a:latin typeface="Arial" pitchFamily="34" charset="0"/>
+                <a:ea typeface="ＭＳ Ｐゴシック" pitchFamily="50" charset="-128"/>
+                <a:cs typeface="ＭＳ Ｐゴシック" pitchFamily="50" charset="-128"/>
+              </a:rPr>
+              <a:t>CakePHP</a:t>
             </a:r>
             <a:r>
               <a:rPr lang="ja-JP" altLang="en-US" sz="1200" b="1" dirty="0" smtClean="0">
@@ -26018,7 +25824,7 @@
                 <a:ea typeface="ＭＳ Ｐゴシック" pitchFamily="50" charset="-128"/>
                 <a:cs typeface="ＭＳ Ｐゴシック" pitchFamily="50" charset="-128"/>
               </a:rPr>
-              <a:t>から呼ばれた</a:t>
+              <a:t>の</a:t>
             </a:r>
             <a:r>
               <a:rPr lang="ja-JP" altLang="en-US" sz="1200" b="1" dirty="0" smtClean="0">
@@ -26029,7 +25835,7 @@
                 <a:ea typeface="ＭＳ Ｐゴシック" pitchFamily="50" charset="-128"/>
                 <a:cs typeface="ＭＳ Ｐゴシック" pitchFamily="50" charset="-128"/>
               </a:rPr>
-              <a:t>ビュー</a:t>
+              <a:t>ビ</a:t>
             </a:r>
             <a:r>
               <a:rPr lang="ja-JP" altLang="en-US" sz="1200" b="1" dirty="0" smtClean="0">
@@ -26040,7 +25846,7 @@
                 <a:ea typeface="ＭＳ Ｐゴシック" pitchFamily="50" charset="-128"/>
                 <a:cs typeface="ＭＳ Ｐゴシック" pitchFamily="50" charset="-128"/>
               </a:rPr>
-              <a:t>ファイル</a:t>
+              <a:t>ューファイル</a:t>
             </a:r>
             <a:r>
               <a:rPr lang="en-US" altLang="ja-JP" sz="1200" b="1" dirty="0" smtClean="0">
@@ -26077,23 +25883,7 @@
                 <a:ea typeface="ＭＳ Ｐゴシック" pitchFamily="50" charset="-128"/>
                 <a:cs typeface="ＭＳ Ｐゴシック" pitchFamily="50" charset="-128"/>
               </a:rPr>
-              <a:t>&lt;</a:t>
-            </a:r>
-            <a:r>
-              <a:rPr lang="ja-JP" altLang="ja-JP" sz="1200" b="1" dirty="0" smtClean="0">
-                <a:latin typeface="Arial" pitchFamily="34" charset="0"/>
-                <a:ea typeface="ＭＳ Ｐゴシック" pitchFamily="50" charset="-128"/>
-                <a:cs typeface="ＭＳ Ｐゴシック" pitchFamily="50" charset="-128"/>
-              </a:rPr>
-              <a:t>div id="nc-iframes-&lt;?php echo (int)$frameId; ?</a:t>
-            </a:r>
-            <a:r>
-              <a:rPr lang="ja-JP" altLang="ja-JP" sz="1200" b="1" dirty="0" smtClean="0">
-                <a:latin typeface="Arial" pitchFamily="34" charset="0"/>
-                <a:ea typeface="ＭＳ Ｐゴシック" pitchFamily="50" charset="-128"/>
-                <a:cs typeface="ＭＳ Ｐゴシック" pitchFamily="50" charset="-128"/>
-              </a:rPr>
-              <a:t>&gt;“</a:t>
+              <a:t>&lt;div id="nc-iframes-&lt;?php echo (int)$frameId; ?&gt;“</a:t>
             </a:r>
             <a:endParaRPr lang="en-US" altLang="ja-JP" sz="1200" b="1" dirty="0" smtClean="0">
               <a:latin typeface="Arial" pitchFamily="34" charset="0"/>
@@ -26143,18 +25933,7 @@
                 <a:ea typeface="ＭＳ Ｐゴシック" pitchFamily="50" charset="-128"/>
                 <a:cs typeface="ＭＳ Ｐゴシック" pitchFamily="50" charset="-128"/>
               </a:rPr>
-              <a:t>ng</a:t>
-            </a:r>
-            <a:r>
-              <a:rPr lang="ja-JP" altLang="ja-JP" sz="1200" b="1" u="sng" dirty="0" smtClean="0">
-                <a:solidFill>
-                  <a:srgbClr val="FF0000"/>
-                </a:solidFill>
-                <a:latin typeface="Arial" pitchFamily="34" charset="0"/>
-                <a:ea typeface="ＭＳ Ｐゴシック" pitchFamily="50" charset="-128"/>
-                <a:cs typeface="ＭＳ Ｐゴシック" pitchFamily="50" charset="-128"/>
-              </a:rPr>
-              <a:t>-controller</a:t>
+              <a:t>ng-controller</a:t>
             </a:r>
             <a:r>
               <a:rPr lang="ja-JP" altLang="ja-JP" sz="1200" b="1" dirty="0" smtClean="0">
@@ -26244,15 +26023,7 @@
                 <a:ea typeface="ＭＳ Ｐゴシック" pitchFamily="50" charset="-128"/>
                 <a:cs typeface="ＭＳ Ｐゴシック" pitchFamily="50" charset="-128"/>
               </a:rPr>
-              <a:t> </a:t>
-            </a:r>
-            <a:r>
-              <a:rPr lang="en-US" altLang="ja-JP" sz="1200" b="1" dirty="0" smtClean="0">
-                <a:latin typeface="Arial" pitchFamily="34" charset="0"/>
-                <a:ea typeface="ＭＳ Ｐゴシック" pitchFamily="50" charset="-128"/>
-                <a:cs typeface="ＭＳ Ｐゴシック" pitchFamily="50" charset="-128"/>
-              </a:rPr>
-              <a:t>- -&gt;</a:t>
+              <a:t> - -&gt;</a:t>
             </a:r>
           </a:p>
           <a:p>
@@ -26397,15 +26168,7 @@
                 <a:ea typeface="ＭＳ Ｐゴシック" pitchFamily="50" charset="-128"/>
                 <a:cs typeface="ＭＳ Ｐゴシック" pitchFamily="50" charset="-128"/>
               </a:rPr>
-              <a:t>NetCommonsApp</a:t>
-            </a:r>
-            <a:r>
-              <a:rPr lang="ja-JP" altLang="ja-JP" sz="1200" b="1" dirty="0" smtClean="0">
-                <a:latin typeface="Arial" pitchFamily="34" charset="0"/>
-                <a:ea typeface="ＭＳ Ｐゴシック" pitchFamily="50" charset="-128"/>
-                <a:cs typeface="ＭＳ Ｐゴシック" pitchFamily="50" charset="-128"/>
-              </a:rPr>
-              <a:t>.controller('</a:t>
+              <a:t>NetCommonsApp.controller('</a:t>
             </a:r>
             <a:r>
               <a:rPr lang="ja-JP" altLang="ja-JP" sz="1200" b="1" u="sng" dirty="0" smtClean="0">
@@ -26494,15 +26257,7 @@
                 <a:ea typeface="ＭＳ Ｐゴシック" pitchFamily="50" charset="-128"/>
                 <a:cs typeface="ＭＳ Ｐゴシック" pitchFamily="50" charset="-128"/>
               </a:rPr>
-              <a:t>             </a:t>
-            </a:r>
-            <a:r>
-              <a:rPr lang="en-US" altLang="ja-JP" sz="1200" b="1" dirty="0" smtClean="0">
-                <a:latin typeface="Arial" pitchFamily="34" charset="0"/>
-                <a:ea typeface="ＭＳ Ｐゴシック" pitchFamily="50" charset="-128"/>
-                <a:cs typeface="ＭＳ Ｐゴシック" pitchFamily="50" charset="-128"/>
-              </a:rPr>
-              <a:t>/** </a:t>
+              <a:t>             /** </a:t>
             </a:r>
             <a:r>
               <a:rPr lang="ja-JP" altLang="en-US" sz="1200" b="1" dirty="0" smtClean="0">
@@ -28883,7 +28638,11 @@
           <a:p>
             <a:r>
               <a:rPr lang="ja-JP" altLang="en-US" sz="1400" dirty="0" smtClean="0"/>
-              <a:t>紺色はインフラ系ソフトウェア</a:t>
+              <a:t>は</a:t>
+            </a:r>
+            <a:r>
+              <a:rPr lang="ja-JP" altLang="en-US" sz="1400" dirty="0" smtClean="0"/>
+              <a:t>インフラ系ソフトウェア</a:t>
             </a:r>
             <a:endParaRPr kumimoji="1" lang="ja-JP" altLang="en-US" sz="1400" dirty="0"/>
           </a:p>

--- a/PowerPoint/report_hokada.pptx
+++ b/PowerPoint/report_hokada.pptx
@@ -20424,6 +20424,2028 @@
           <a:chExt cx="0" cy="0"/>
         </a:xfrm>
       </p:grpSpPr>
+      <p:grpSp>
+        <p:nvGrpSpPr>
+          <p:cNvPr id="29" name="Shape 7"/>
+          <p:cNvGrpSpPr/>
+          <p:nvPr userDrawn="1"/>
+        </p:nvGrpSpPr>
+        <p:grpSpPr>
+          <a:xfrm>
+            <a:off x="0" y="0"/>
+            <a:ext cx="9144000" cy="6957392"/>
+            <a:chOff x="0" y="0"/>
+            <a:chExt cx="9144000" cy="6858000"/>
+          </a:xfrm>
+        </p:grpSpPr>
+        <p:sp>
+          <p:nvSpPr>
+            <p:cNvPr id="30" name="Shape 8"/>
+            <p:cNvSpPr/>
+            <p:nvPr/>
+          </p:nvSpPr>
+          <p:spPr>
+            <a:xfrm>
+              <a:off x="0" y="0"/>
+              <a:ext cx="9144000" cy="6858000"/>
+            </a:xfrm>
+            <a:prstGeom prst="rect">
+              <a:avLst/>
+            </a:prstGeom>
+            <a:solidFill>
+              <a:schemeClr val="lt1"/>
+            </a:solidFill>
+            <a:ln>
+              <a:noFill/>
+            </a:ln>
+          </p:spPr>
+          <p:txBody>
+            <a:bodyPr lIns="91425" tIns="45700" rIns="91425" bIns="45700" anchor="ctr" anchorCtr="0">
+              <a:noAutofit/>
+            </a:bodyPr>
+            <a:lstStyle/>
+            <a:p>
+              <a:pPr marL="0" marR="0" lvl="0" indent="0" algn="ctr" rtl="0">
+                <a:spcBef>
+                  <a:spcPts val="0"/>
+                </a:spcBef>
+                <a:buNone/>
+              </a:pPr>
+              <a:endParaRPr sz="1800" b="0" i="0" u="none" strike="noStrike" cap="none" baseline="0">
+                <a:solidFill>
+                  <a:schemeClr val="lt1"/>
+                </a:solidFill>
+                <a:latin typeface="Calibri"/>
+                <a:ea typeface="Calibri"/>
+                <a:cs typeface="Calibri"/>
+                <a:sym typeface="Calibri"/>
+              </a:endParaRPr>
+            </a:p>
+          </p:txBody>
+        </p:sp>
+        <p:sp>
+          <p:nvSpPr>
+            <p:cNvPr id="31" name="Shape 9"/>
+            <p:cNvSpPr/>
+            <p:nvPr/>
+          </p:nvSpPr>
+          <p:spPr>
+            <a:xfrm>
+              <a:off x="7543798" y="0"/>
+              <a:ext cx="1600202" cy="2209799"/>
+            </a:xfrm>
+            <a:custGeom>
+              <a:avLst/>
+              <a:gdLst/>
+              <a:ahLst/>
+              <a:cxnLst/>
+              <a:rect l="0" t="0" r="0" b="0"/>
+              <a:pathLst>
+                <a:path w="1432" h="3492" extrusionOk="0">
+                  <a:moveTo>
+                    <a:pt x="0" y="0"/>
+                  </a:moveTo>
+                  <a:lnTo>
+                    <a:pt x="1432" y="0"/>
+                  </a:lnTo>
+                  <a:lnTo>
+                    <a:pt x="1432" y="3492"/>
+                  </a:lnTo>
+                  <a:lnTo>
+                    <a:pt x="1419" y="3252"/>
+                  </a:lnTo>
+                  <a:lnTo>
+                    <a:pt x="1406" y="3024"/>
+                  </a:lnTo>
+                  <a:lnTo>
+                    <a:pt x="1393" y="2807"/>
+                  </a:lnTo>
+                  <a:lnTo>
+                    <a:pt x="1379" y="2601"/>
+                  </a:lnTo>
+                  <a:lnTo>
+                    <a:pt x="1364" y="2407"/>
+                  </a:lnTo>
+                  <a:lnTo>
+                    <a:pt x="1348" y="2222"/>
+                  </a:lnTo>
+                  <a:lnTo>
+                    <a:pt x="1330" y="2047"/>
+                  </a:lnTo>
+                  <a:lnTo>
+                    <a:pt x="1311" y="1881"/>
+                  </a:lnTo>
+                  <a:lnTo>
+                    <a:pt x="1291" y="1726"/>
+                  </a:lnTo>
+                  <a:lnTo>
+                    <a:pt x="1268" y="1580"/>
+                  </a:lnTo>
+                  <a:lnTo>
+                    <a:pt x="1245" y="1442"/>
+                  </a:lnTo>
+                  <a:lnTo>
+                    <a:pt x="1218" y="1313"/>
+                  </a:lnTo>
+                  <a:lnTo>
+                    <a:pt x="1190" y="1192"/>
+                  </a:lnTo>
+                  <a:lnTo>
+                    <a:pt x="1158" y="1078"/>
+                  </a:lnTo>
+                  <a:lnTo>
+                    <a:pt x="1125" y="973"/>
+                  </a:lnTo>
+                  <a:lnTo>
+                    <a:pt x="1089" y="873"/>
+                  </a:lnTo>
+                  <a:lnTo>
+                    <a:pt x="1049" y="781"/>
+                  </a:lnTo>
+                  <a:lnTo>
+                    <a:pt x="1007" y="696"/>
+                  </a:lnTo>
+                  <a:lnTo>
+                    <a:pt x="962" y="617"/>
+                  </a:lnTo>
+                  <a:lnTo>
+                    <a:pt x="913" y="544"/>
+                  </a:lnTo>
+                  <a:lnTo>
+                    <a:pt x="860" y="475"/>
+                  </a:lnTo>
+                  <a:lnTo>
+                    <a:pt x="804" y="413"/>
+                  </a:lnTo>
+                  <a:lnTo>
+                    <a:pt x="744" y="354"/>
+                  </a:lnTo>
+                  <a:lnTo>
+                    <a:pt x="680" y="301"/>
+                  </a:lnTo>
+                  <a:lnTo>
+                    <a:pt x="611" y="252"/>
+                  </a:lnTo>
+                  <a:lnTo>
+                    <a:pt x="539" y="206"/>
+                  </a:lnTo>
+                  <a:lnTo>
+                    <a:pt x="461" y="165"/>
+                  </a:lnTo>
+                  <a:lnTo>
+                    <a:pt x="379" y="128"/>
+                  </a:lnTo>
+                  <a:lnTo>
+                    <a:pt x="292" y="92"/>
+                  </a:lnTo>
+                  <a:lnTo>
+                    <a:pt x="200" y="59"/>
+                  </a:lnTo>
+                  <a:lnTo>
+                    <a:pt x="103" y="28"/>
+                  </a:lnTo>
+                  <a:lnTo>
+                    <a:pt x="0" y="0"/>
+                  </a:lnTo>
+                  <a:close/>
+                </a:path>
+              </a:pathLst>
+            </a:custGeom>
+            <a:solidFill>
+              <a:srgbClr val="47D147"/>
+            </a:solidFill>
+            <a:ln>
+              <a:noFill/>
+            </a:ln>
+          </p:spPr>
+          <p:txBody>
+            <a:bodyPr lIns="91425" tIns="45700" rIns="91425" bIns="45700" anchor="t" anchorCtr="0">
+              <a:noAutofit/>
+            </a:bodyPr>
+            <a:lstStyle/>
+            <a:p>
+              <a:pPr marL="0" marR="0" lvl="0" indent="0" algn="l" rtl="0">
+                <a:spcBef>
+                  <a:spcPts val="0"/>
+                </a:spcBef>
+                <a:buNone/>
+              </a:pPr>
+              <a:endParaRPr sz="1800" b="0" i="0" u="none" strike="noStrike" cap="none" baseline="0">
+                <a:solidFill>
+                  <a:schemeClr val="dk1"/>
+                </a:solidFill>
+                <a:latin typeface="Calibri"/>
+                <a:ea typeface="Calibri"/>
+                <a:cs typeface="Calibri"/>
+                <a:sym typeface="Calibri"/>
+              </a:endParaRPr>
+            </a:p>
+          </p:txBody>
+        </p:sp>
+        <p:sp>
+          <p:nvSpPr>
+            <p:cNvPr id="32" name="Shape 10"/>
+            <p:cNvSpPr/>
+            <p:nvPr/>
+          </p:nvSpPr>
+          <p:spPr>
+            <a:xfrm>
+              <a:off x="5652120" y="6317158"/>
+              <a:ext cx="3384376" cy="442870"/>
+            </a:xfrm>
+            <a:custGeom>
+              <a:avLst/>
+              <a:gdLst/>
+              <a:ahLst/>
+              <a:cxnLst/>
+              <a:rect l="0" t="0" r="0" b="0"/>
+              <a:pathLst>
+                <a:path w="17264" h="2710" extrusionOk="0">
+                  <a:moveTo>
+                    <a:pt x="17264" y="0"/>
+                  </a:moveTo>
+                  <a:lnTo>
+                    <a:pt x="17264" y="180"/>
+                  </a:lnTo>
+                  <a:lnTo>
+                    <a:pt x="17010" y="442"/>
+                  </a:lnTo>
+                  <a:lnTo>
+                    <a:pt x="16706" y="689"/>
+                  </a:lnTo>
+                  <a:lnTo>
+                    <a:pt x="16354" y="923"/>
+                  </a:lnTo>
+                  <a:lnTo>
+                    <a:pt x="15959" y="1141"/>
+                  </a:lnTo>
+                  <a:lnTo>
+                    <a:pt x="15524" y="1345"/>
+                  </a:lnTo>
+                  <a:lnTo>
+                    <a:pt x="15050" y="1535"/>
+                  </a:lnTo>
+                  <a:lnTo>
+                    <a:pt x="14543" y="1710"/>
+                  </a:lnTo>
+                  <a:lnTo>
+                    <a:pt x="14003" y="1871"/>
+                  </a:lnTo>
+                  <a:lnTo>
+                    <a:pt x="13437" y="2018"/>
+                  </a:lnTo>
+                  <a:lnTo>
+                    <a:pt x="12844" y="2151"/>
+                  </a:lnTo>
+                  <a:lnTo>
+                    <a:pt x="12232" y="2269"/>
+                  </a:lnTo>
+                  <a:lnTo>
+                    <a:pt x="11599" y="2374"/>
+                  </a:lnTo>
+                  <a:lnTo>
+                    <a:pt x="10952" y="2464"/>
+                  </a:lnTo>
+                  <a:lnTo>
+                    <a:pt x="10294" y="2540"/>
+                  </a:lnTo>
+                  <a:lnTo>
+                    <a:pt x="9625" y="2602"/>
+                  </a:lnTo>
+                  <a:lnTo>
+                    <a:pt x="8951" y="2649"/>
+                  </a:lnTo>
+                  <a:lnTo>
+                    <a:pt x="8275" y="2684"/>
+                  </a:lnTo>
+                  <a:lnTo>
+                    <a:pt x="7599" y="2704"/>
+                  </a:lnTo>
+                  <a:lnTo>
+                    <a:pt x="6928" y="2710"/>
+                  </a:lnTo>
+                  <a:lnTo>
+                    <a:pt x="6264" y="2702"/>
+                  </a:lnTo>
+                  <a:lnTo>
+                    <a:pt x="5609" y="2681"/>
+                  </a:lnTo>
+                  <a:lnTo>
+                    <a:pt x="4968" y="2645"/>
+                  </a:lnTo>
+                  <a:lnTo>
+                    <a:pt x="4344" y="2597"/>
+                  </a:lnTo>
+                  <a:lnTo>
+                    <a:pt x="3740" y="2534"/>
+                  </a:lnTo>
+                  <a:lnTo>
+                    <a:pt x="3158" y="2457"/>
+                  </a:lnTo>
+                  <a:lnTo>
+                    <a:pt x="2603" y="2367"/>
+                  </a:lnTo>
+                  <a:lnTo>
+                    <a:pt x="2077" y="2264"/>
+                  </a:lnTo>
+                  <a:lnTo>
+                    <a:pt x="1584" y="2147"/>
+                  </a:lnTo>
+                  <a:lnTo>
+                    <a:pt x="1126" y="2016"/>
+                  </a:lnTo>
+                  <a:lnTo>
+                    <a:pt x="708" y="1871"/>
+                  </a:lnTo>
+                  <a:lnTo>
+                    <a:pt x="331" y="1714"/>
+                  </a:lnTo>
+                  <a:lnTo>
+                    <a:pt x="0" y="1543"/>
+                  </a:lnTo>
+                  <a:lnTo>
+                    <a:pt x="0" y="1474"/>
+                  </a:lnTo>
+                  <a:lnTo>
+                    <a:pt x="341" y="1635"/>
+                  </a:lnTo>
+                  <a:lnTo>
+                    <a:pt x="727" y="1784"/>
+                  </a:lnTo>
+                  <a:lnTo>
+                    <a:pt x="1155" y="1920"/>
+                  </a:lnTo>
+                  <a:lnTo>
+                    <a:pt x="1621" y="2042"/>
+                  </a:lnTo>
+                  <a:lnTo>
+                    <a:pt x="2121" y="2151"/>
+                  </a:lnTo>
+                  <a:lnTo>
+                    <a:pt x="2654" y="2249"/>
+                  </a:lnTo>
+                  <a:lnTo>
+                    <a:pt x="3215" y="2331"/>
+                  </a:lnTo>
+                  <a:lnTo>
+                    <a:pt x="3803" y="2401"/>
+                  </a:lnTo>
+                  <a:lnTo>
+                    <a:pt x="4413" y="2457"/>
+                  </a:lnTo>
+                  <a:lnTo>
+                    <a:pt x="5041" y="2500"/>
+                  </a:lnTo>
+                  <a:lnTo>
+                    <a:pt x="5686" y="2531"/>
+                  </a:lnTo>
+                  <a:lnTo>
+                    <a:pt x="6343" y="2547"/>
+                  </a:lnTo>
+                  <a:lnTo>
+                    <a:pt x="7011" y="2550"/>
+                  </a:lnTo>
+                  <a:lnTo>
+                    <a:pt x="7685" y="2539"/>
+                  </a:lnTo>
+                  <a:lnTo>
+                    <a:pt x="8361" y="2515"/>
+                  </a:lnTo>
+                  <a:lnTo>
+                    <a:pt x="9039" y="2478"/>
+                  </a:lnTo>
+                  <a:lnTo>
+                    <a:pt x="9712" y="2426"/>
+                  </a:lnTo>
+                  <a:lnTo>
+                    <a:pt x="10379" y="2361"/>
+                  </a:lnTo>
+                  <a:lnTo>
+                    <a:pt x="11037" y="2283"/>
+                  </a:lnTo>
+                  <a:lnTo>
+                    <a:pt x="11682" y="2190"/>
+                  </a:lnTo>
+                  <a:lnTo>
+                    <a:pt x="12311" y="2084"/>
+                  </a:lnTo>
+                  <a:lnTo>
+                    <a:pt x="12921" y="1964"/>
+                  </a:lnTo>
+                  <a:lnTo>
+                    <a:pt x="13509" y="1831"/>
+                  </a:lnTo>
+                  <a:lnTo>
+                    <a:pt x="14070" y="1683"/>
+                  </a:lnTo>
+                  <a:lnTo>
+                    <a:pt x="14604" y="1522"/>
+                  </a:lnTo>
+                  <a:lnTo>
+                    <a:pt x="15105" y="1347"/>
+                  </a:lnTo>
+                  <a:lnTo>
+                    <a:pt x="15571" y="1158"/>
+                  </a:lnTo>
+                  <a:lnTo>
+                    <a:pt x="15999" y="954"/>
+                  </a:lnTo>
+                  <a:lnTo>
+                    <a:pt x="16386" y="737"/>
+                  </a:lnTo>
+                  <a:lnTo>
+                    <a:pt x="16728" y="506"/>
+                  </a:lnTo>
+                  <a:lnTo>
+                    <a:pt x="17021" y="260"/>
+                  </a:lnTo>
+                  <a:lnTo>
+                    <a:pt x="17264" y="0"/>
+                  </a:lnTo>
+                  <a:close/>
+                </a:path>
+              </a:pathLst>
+            </a:custGeom>
+            <a:solidFill>
+              <a:srgbClr val="47D147"/>
+            </a:solidFill>
+            <a:ln>
+              <a:noFill/>
+            </a:ln>
+          </p:spPr>
+          <p:txBody>
+            <a:bodyPr lIns="91425" tIns="45700" rIns="91425" bIns="45700" anchor="t" anchorCtr="0">
+              <a:noAutofit/>
+            </a:bodyPr>
+            <a:lstStyle/>
+            <a:p>
+              <a:pPr marL="0" marR="0" lvl="0" indent="0" algn="l" rtl="0">
+                <a:spcBef>
+                  <a:spcPts val="0"/>
+                </a:spcBef>
+                <a:buNone/>
+              </a:pPr>
+              <a:endParaRPr sz="1800" b="0" i="0" u="none" strike="noStrike" cap="none" baseline="0">
+                <a:solidFill>
+                  <a:schemeClr val="dk1"/>
+                </a:solidFill>
+                <a:latin typeface="Calibri"/>
+                <a:ea typeface="Calibri"/>
+                <a:cs typeface="Calibri"/>
+                <a:sym typeface="Calibri"/>
+              </a:endParaRPr>
+            </a:p>
+          </p:txBody>
+        </p:sp>
+      </p:grpSp>
+      <p:grpSp>
+        <p:nvGrpSpPr>
+          <p:cNvPr id="19" name="Shape 12"/>
+          <p:cNvGrpSpPr/>
+          <p:nvPr userDrawn="1"/>
+        </p:nvGrpSpPr>
+        <p:grpSpPr>
+          <a:xfrm>
+            <a:off x="-1" y="2141264"/>
+            <a:ext cx="5626745" cy="4716736"/>
+            <a:chOff x="0" y="2533588"/>
+            <a:chExt cx="8022335" cy="8966518"/>
+          </a:xfrm>
+        </p:grpSpPr>
+        <p:sp>
+          <p:nvSpPr>
+            <p:cNvPr id="20" name="Shape 13"/>
+            <p:cNvSpPr/>
+            <p:nvPr/>
+          </p:nvSpPr>
+          <p:spPr>
+            <a:xfrm>
+              <a:off x="0" y="2533588"/>
+              <a:ext cx="4127500" cy="2514597"/>
+            </a:xfrm>
+            <a:custGeom>
+              <a:avLst/>
+              <a:gdLst/>
+              <a:ahLst/>
+              <a:cxnLst/>
+              <a:rect l="0" t="0" r="0" b="0"/>
+              <a:pathLst>
+                <a:path w="2600" h="1587" extrusionOk="0">
+                  <a:moveTo>
+                    <a:pt x="0" y="0"/>
+                  </a:moveTo>
+                  <a:lnTo>
+                    <a:pt x="0" y="0"/>
+                  </a:lnTo>
+                  <a:lnTo>
+                    <a:pt x="63" y="8"/>
+                  </a:lnTo>
+                  <a:lnTo>
+                    <a:pt x="124" y="18"/>
+                  </a:lnTo>
+                  <a:lnTo>
+                    <a:pt x="185" y="28"/>
+                  </a:lnTo>
+                  <a:lnTo>
+                    <a:pt x="246" y="40"/>
+                  </a:lnTo>
+                  <a:lnTo>
+                    <a:pt x="305" y="53"/>
+                  </a:lnTo>
+                  <a:lnTo>
+                    <a:pt x="365" y="64"/>
+                  </a:lnTo>
+                  <a:lnTo>
+                    <a:pt x="480" y="94"/>
+                  </a:lnTo>
+                  <a:lnTo>
+                    <a:pt x="596" y="127"/>
+                  </a:lnTo>
+                  <a:lnTo>
+                    <a:pt x="706" y="162"/>
+                  </a:lnTo>
+                  <a:lnTo>
+                    <a:pt x="815" y="200"/>
+                  </a:lnTo>
+                  <a:lnTo>
+                    <a:pt x="921" y="241"/>
+                  </a:lnTo>
+                  <a:lnTo>
+                    <a:pt x="1025" y="286"/>
+                  </a:lnTo>
+                  <a:lnTo>
+                    <a:pt x="1126" y="330"/>
+                  </a:lnTo>
+                  <a:lnTo>
+                    <a:pt x="1223" y="380"/>
+                  </a:lnTo>
+                  <a:lnTo>
+                    <a:pt x="1319" y="429"/>
+                  </a:lnTo>
+                  <a:lnTo>
+                    <a:pt x="1411" y="482"/>
+                  </a:lnTo>
+                  <a:lnTo>
+                    <a:pt x="1502" y="537"/>
+                  </a:lnTo>
+                  <a:lnTo>
+                    <a:pt x="1588" y="591"/>
+                  </a:lnTo>
+                  <a:lnTo>
+                    <a:pt x="1672" y="649"/>
+                  </a:lnTo>
+                  <a:lnTo>
+                    <a:pt x="1753" y="707"/>
+                  </a:lnTo>
+                  <a:lnTo>
+                    <a:pt x="1831" y="764"/>
+                  </a:lnTo>
+                  <a:lnTo>
+                    <a:pt x="1907" y="824"/>
+                  </a:lnTo>
+                  <a:lnTo>
+                    <a:pt x="1979" y="885"/>
+                  </a:lnTo>
+                  <a:lnTo>
+                    <a:pt x="2047" y="946"/>
+                  </a:lnTo>
+                  <a:lnTo>
+                    <a:pt x="2113" y="1005"/>
+                  </a:lnTo>
+                  <a:lnTo>
+                    <a:pt x="2177" y="1066"/>
+                  </a:lnTo>
+                  <a:lnTo>
+                    <a:pt x="2237" y="1128"/>
+                  </a:lnTo>
+                  <a:lnTo>
+                    <a:pt x="2293" y="1189"/>
+                  </a:lnTo>
+                  <a:lnTo>
+                    <a:pt x="2347" y="1248"/>
+                  </a:lnTo>
+                  <a:lnTo>
+                    <a:pt x="2397" y="1308"/>
+                  </a:lnTo>
+                  <a:lnTo>
+                    <a:pt x="2445" y="1365"/>
+                  </a:lnTo>
+                  <a:lnTo>
+                    <a:pt x="2488" y="1423"/>
+                  </a:lnTo>
+                  <a:lnTo>
+                    <a:pt x="2529" y="1479"/>
+                  </a:lnTo>
+                  <a:lnTo>
+                    <a:pt x="2565" y="1534"/>
+                  </a:lnTo>
+                  <a:lnTo>
+                    <a:pt x="2600" y="1587"/>
+                  </a:lnTo>
+                  <a:lnTo>
+                    <a:pt x="2600" y="1587"/>
+                  </a:lnTo>
+                  <a:lnTo>
+                    <a:pt x="2570" y="1555"/>
+                  </a:lnTo>
+                  <a:lnTo>
+                    <a:pt x="2535" y="1522"/>
+                  </a:lnTo>
+                  <a:lnTo>
+                    <a:pt x="2497" y="1487"/>
+                  </a:lnTo>
+                  <a:lnTo>
+                    <a:pt x="2455" y="1451"/>
+                  </a:lnTo>
+                  <a:lnTo>
+                    <a:pt x="2408" y="1413"/>
+                  </a:lnTo>
+                  <a:lnTo>
+                    <a:pt x="2359" y="1375"/>
+                  </a:lnTo>
+                  <a:lnTo>
+                    <a:pt x="2304" y="1336"/>
+                  </a:lnTo>
+                  <a:lnTo>
+                    <a:pt x="2247" y="1294"/>
+                  </a:lnTo>
+                  <a:lnTo>
+                    <a:pt x="2185" y="1255"/>
+                  </a:lnTo>
+                  <a:lnTo>
+                    <a:pt x="2119" y="1215"/>
+                  </a:lnTo>
+                  <a:lnTo>
+                    <a:pt x="2052" y="1174"/>
+                  </a:lnTo>
+                  <a:lnTo>
+                    <a:pt x="1981" y="1134"/>
+                  </a:lnTo>
+                  <a:lnTo>
+                    <a:pt x="1905" y="1096"/>
+                  </a:lnTo>
+                  <a:lnTo>
+                    <a:pt x="1827" y="1058"/>
+                  </a:lnTo>
+                  <a:lnTo>
+                    <a:pt x="1746" y="1020"/>
+                  </a:lnTo>
+                  <a:lnTo>
+                    <a:pt x="1662" y="986"/>
+                  </a:lnTo>
+                  <a:lnTo>
+                    <a:pt x="1576" y="953"/>
+                  </a:lnTo>
+                  <a:lnTo>
+                    <a:pt x="1486" y="921"/>
+                  </a:lnTo>
+                  <a:lnTo>
+                    <a:pt x="1393" y="891"/>
+                  </a:lnTo>
+                  <a:lnTo>
+                    <a:pt x="1299" y="865"/>
+                  </a:lnTo>
+                  <a:lnTo>
+                    <a:pt x="1202" y="840"/>
+                  </a:lnTo>
+                  <a:lnTo>
+                    <a:pt x="1103" y="819"/>
+                  </a:lnTo>
+                  <a:lnTo>
+                    <a:pt x="1000" y="801"/>
+                  </a:lnTo>
+                  <a:lnTo>
+                    <a:pt x="896" y="787"/>
+                  </a:lnTo>
+                  <a:lnTo>
+                    <a:pt x="843" y="781"/>
+                  </a:lnTo>
+                  <a:lnTo>
+                    <a:pt x="791" y="776"/>
+                  </a:lnTo>
+                  <a:lnTo>
+                    <a:pt x="738" y="773"/>
+                  </a:lnTo>
+                  <a:lnTo>
+                    <a:pt x="683" y="769"/>
+                  </a:lnTo>
+                  <a:lnTo>
+                    <a:pt x="629" y="768"/>
+                  </a:lnTo>
+                  <a:lnTo>
+                    <a:pt x="573" y="768"/>
+                  </a:lnTo>
+                  <a:lnTo>
+                    <a:pt x="518" y="768"/>
+                  </a:lnTo>
+                  <a:lnTo>
+                    <a:pt x="462" y="769"/>
+                  </a:lnTo>
+                  <a:lnTo>
+                    <a:pt x="406" y="773"/>
+                  </a:lnTo>
+                  <a:lnTo>
+                    <a:pt x="348" y="776"/>
+                  </a:lnTo>
+                  <a:lnTo>
+                    <a:pt x="292" y="781"/>
+                  </a:lnTo>
+                  <a:lnTo>
+                    <a:pt x="234" y="787"/>
+                  </a:lnTo>
+                  <a:lnTo>
+                    <a:pt x="177" y="796"/>
+                  </a:lnTo>
+                  <a:lnTo>
+                    <a:pt x="117" y="806"/>
+                  </a:lnTo>
+                  <a:lnTo>
+                    <a:pt x="59" y="816"/>
+                  </a:lnTo>
+                  <a:lnTo>
+                    <a:pt x="0" y="827"/>
+                  </a:lnTo>
+                  <a:lnTo>
+                    <a:pt x="0" y="0"/>
+                  </a:lnTo>
+                  <a:lnTo>
+                    <a:pt x="0" y="0"/>
+                  </a:lnTo>
+                  <a:close/>
+                </a:path>
+              </a:pathLst>
+            </a:custGeom>
+            <a:solidFill>
+              <a:srgbClr val="D9F5D9"/>
+            </a:solidFill>
+            <a:ln>
+              <a:noFill/>
+            </a:ln>
+          </p:spPr>
+          <p:txBody>
+            <a:bodyPr lIns="91425" tIns="45700" rIns="91425" bIns="45700" anchor="t" anchorCtr="0">
+              <a:noAutofit/>
+            </a:bodyPr>
+            <a:lstStyle/>
+            <a:p>
+              <a:pPr marL="0" marR="0" lvl="0" indent="0" algn="l" rtl="0">
+                <a:spcBef>
+                  <a:spcPts val="0"/>
+                </a:spcBef>
+                <a:buNone/>
+              </a:pPr>
+              <a:endParaRPr sz="1800" b="0" i="0" u="none" strike="noStrike" cap="none" baseline="0">
+                <a:solidFill>
+                  <a:schemeClr val="dk1"/>
+                </a:solidFill>
+                <a:latin typeface="Calibri"/>
+                <a:ea typeface="Calibri"/>
+                <a:cs typeface="Calibri"/>
+                <a:sym typeface="Calibri"/>
+              </a:endParaRPr>
+            </a:p>
+          </p:txBody>
+        </p:sp>
+        <p:sp>
+          <p:nvSpPr>
+            <p:cNvPr id="21" name="Shape 14"/>
+            <p:cNvSpPr/>
+            <p:nvPr/>
+          </p:nvSpPr>
+          <p:spPr>
+            <a:xfrm>
+              <a:off x="0" y="4980432"/>
+              <a:ext cx="3184027" cy="6519673"/>
+            </a:xfrm>
+            <a:custGeom>
+              <a:avLst/>
+              <a:gdLst/>
+              <a:ahLst/>
+              <a:cxnLst/>
+              <a:rect l="0" t="0" r="0" b="0"/>
+              <a:pathLst>
+                <a:path w="857" h="2024" extrusionOk="0">
+                  <a:moveTo>
+                    <a:pt x="0" y="776"/>
+                  </a:moveTo>
+                  <a:lnTo>
+                    <a:pt x="0" y="776"/>
+                  </a:lnTo>
+                  <a:lnTo>
+                    <a:pt x="38" y="703"/>
+                  </a:lnTo>
+                  <a:lnTo>
+                    <a:pt x="78" y="634"/>
+                  </a:lnTo>
+                  <a:lnTo>
+                    <a:pt x="119" y="566"/>
+                  </a:lnTo>
+                  <a:lnTo>
+                    <a:pt x="162" y="502"/>
+                  </a:lnTo>
+                  <a:lnTo>
+                    <a:pt x="208" y="441"/>
+                  </a:lnTo>
+                  <a:lnTo>
+                    <a:pt x="256" y="381"/>
+                  </a:lnTo>
+                  <a:lnTo>
+                    <a:pt x="305" y="327"/>
+                  </a:lnTo>
+                  <a:lnTo>
+                    <a:pt x="330" y="300"/>
+                  </a:lnTo>
+                  <a:lnTo>
+                    <a:pt x="357" y="274"/>
+                  </a:lnTo>
+                  <a:lnTo>
+                    <a:pt x="385" y="249"/>
+                  </a:lnTo>
+                  <a:lnTo>
+                    <a:pt x="411" y="226"/>
+                  </a:lnTo>
+                  <a:lnTo>
+                    <a:pt x="439" y="203"/>
+                  </a:lnTo>
+                  <a:lnTo>
+                    <a:pt x="469" y="182"/>
+                  </a:lnTo>
+                  <a:lnTo>
+                    <a:pt x="497" y="160"/>
+                  </a:lnTo>
+                  <a:lnTo>
+                    <a:pt x="527" y="140"/>
+                  </a:lnTo>
+                  <a:lnTo>
+                    <a:pt x="558" y="122"/>
+                  </a:lnTo>
+                  <a:lnTo>
+                    <a:pt x="588" y="104"/>
+                  </a:lnTo>
+                  <a:lnTo>
+                    <a:pt x="619" y="87"/>
+                  </a:lnTo>
+                  <a:lnTo>
+                    <a:pt x="652" y="71"/>
+                  </a:lnTo>
+                  <a:lnTo>
+                    <a:pt x="685" y="56"/>
+                  </a:lnTo>
+                  <a:lnTo>
+                    <a:pt x="718" y="43"/>
+                  </a:lnTo>
+                  <a:lnTo>
+                    <a:pt x="751" y="31"/>
+                  </a:lnTo>
+                  <a:lnTo>
+                    <a:pt x="786" y="20"/>
+                  </a:lnTo>
+                  <a:lnTo>
+                    <a:pt x="822" y="10"/>
+                  </a:lnTo>
+                  <a:lnTo>
+                    <a:pt x="857" y="0"/>
+                  </a:lnTo>
+                  <a:lnTo>
+                    <a:pt x="857" y="0"/>
+                  </a:lnTo>
+                  <a:lnTo>
+                    <a:pt x="806" y="46"/>
+                  </a:lnTo>
+                  <a:lnTo>
+                    <a:pt x="754" y="94"/>
+                  </a:lnTo>
+                  <a:lnTo>
+                    <a:pt x="706" y="144"/>
+                  </a:lnTo>
+                  <a:lnTo>
+                    <a:pt x="660" y="196"/>
+                  </a:lnTo>
+                  <a:lnTo>
+                    <a:pt x="617" y="249"/>
+                  </a:lnTo>
+                  <a:lnTo>
+                    <a:pt x="576" y="304"/>
+                  </a:lnTo>
+                  <a:lnTo>
+                    <a:pt x="536" y="362"/>
+                  </a:lnTo>
+                  <a:lnTo>
+                    <a:pt x="498" y="419"/>
+                  </a:lnTo>
+                  <a:lnTo>
+                    <a:pt x="462" y="479"/>
+                  </a:lnTo>
+                  <a:lnTo>
+                    <a:pt x="429" y="538"/>
+                  </a:lnTo>
+                  <a:lnTo>
+                    <a:pt x="398" y="601"/>
+                  </a:lnTo>
+                  <a:lnTo>
+                    <a:pt x="368" y="664"/>
+                  </a:lnTo>
+                  <a:lnTo>
+                    <a:pt x="340" y="728"/>
+                  </a:lnTo>
+                  <a:lnTo>
+                    <a:pt x="315" y="792"/>
+                  </a:lnTo>
+                  <a:lnTo>
+                    <a:pt x="291" y="858"/>
+                  </a:lnTo>
+                  <a:lnTo>
+                    <a:pt x="269" y="925"/>
+                  </a:lnTo>
+                  <a:lnTo>
+                    <a:pt x="249" y="992"/>
+                  </a:lnTo>
+                  <a:lnTo>
+                    <a:pt x="229" y="1060"/>
+                  </a:lnTo>
+                  <a:lnTo>
+                    <a:pt x="213" y="1128"/>
+                  </a:lnTo>
+                  <a:lnTo>
+                    <a:pt x="198" y="1197"/>
+                  </a:lnTo>
+                  <a:lnTo>
+                    <a:pt x="185" y="1266"/>
+                  </a:lnTo>
+                  <a:lnTo>
+                    <a:pt x="173" y="1336"/>
+                  </a:lnTo>
+                  <a:lnTo>
+                    <a:pt x="162" y="1405"/>
+                  </a:lnTo>
+                  <a:lnTo>
+                    <a:pt x="154" y="1474"/>
+                  </a:lnTo>
+                  <a:lnTo>
+                    <a:pt x="147" y="1544"/>
+                  </a:lnTo>
+                  <a:lnTo>
+                    <a:pt x="140" y="1613"/>
+                  </a:lnTo>
+                  <a:lnTo>
+                    <a:pt x="137" y="1682"/>
+                  </a:lnTo>
+                  <a:lnTo>
+                    <a:pt x="134" y="1752"/>
+                  </a:lnTo>
+                  <a:lnTo>
+                    <a:pt x="132" y="1821"/>
+                  </a:lnTo>
+                  <a:lnTo>
+                    <a:pt x="132" y="1889"/>
+                  </a:lnTo>
+                  <a:lnTo>
+                    <a:pt x="134" y="1956"/>
+                  </a:lnTo>
+                  <a:lnTo>
+                    <a:pt x="135" y="2024"/>
+                  </a:lnTo>
+                  <a:lnTo>
+                    <a:pt x="0" y="2024"/>
+                  </a:lnTo>
+                  <a:lnTo>
+                    <a:pt x="0" y="776"/>
+                  </a:lnTo>
+                  <a:lnTo>
+                    <a:pt x="0" y="776"/>
+                  </a:lnTo>
+                  <a:close/>
+                </a:path>
+              </a:pathLst>
+            </a:custGeom>
+            <a:solidFill>
+              <a:srgbClr val="B4ECB4">
+                <a:alpha val="43921"/>
+              </a:srgbClr>
+            </a:solidFill>
+            <a:ln>
+              <a:noFill/>
+            </a:ln>
+          </p:spPr>
+          <p:txBody>
+            <a:bodyPr lIns="91425" tIns="45700" rIns="91425" bIns="45700" anchor="t" anchorCtr="0">
+              <a:noAutofit/>
+            </a:bodyPr>
+            <a:lstStyle/>
+            <a:p>
+              <a:pPr marL="0" marR="0" lvl="0" indent="0" algn="l" rtl="0">
+                <a:spcBef>
+                  <a:spcPts val="0"/>
+                </a:spcBef>
+                <a:buNone/>
+              </a:pPr>
+              <a:endParaRPr sz="1800" b="0" i="0" u="none" strike="noStrike" cap="none" baseline="0">
+                <a:solidFill>
+                  <a:schemeClr val="dk1"/>
+                </a:solidFill>
+                <a:latin typeface="Calibri"/>
+                <a:ea typeface="Calibri"/>
+                <a:cs typeface="Calibri"/>
+                <a:sym typeface="Calibri"/>
+              </a:endParaRPr>
+            </a:p>
+          </p:txBody>
+        </p:sp>
+        <p:sp>
+          <p:nvSpPr>
+            <p:cNvPr id="22" name="Shape 15"/>
+            <p:cNvSpPr/>
+            <p:nvPr/>
+          </p:nvSpPr>
+          <p:spPr>
+            <a:xfrm>
+              <a:off x="0" y="3371787"/>
+              <a:ext cx="2895601" cy="2154237"/>
+            </a:xfrm>
+            <a:custGeom>
+              <a:avLst/>
+              <a:gdLst/>
+              <a:ahLst/>
+              <a:cxnLst/>
+              <a:rect l="0" t="0" r="0" b="0"/>
+              <a:pathLst>
+                <a:path w="1974" h="1357" extrusionOk="0">
+                  <a:moveTo>
+                    <a:pt x="0" y="118"/>
+                  </a:moveTo>
+                  <a:lnTo>
+                    <a:pt x="0" y="118"/>
+                  </a:lnTo>
+                  <a:lnTo>
+                    <a:pt x="83" y="92"/>
+                  </a:lnTo>
+                  <a:lnTo>
+                    <a:pt x="165" y="69"/>
+                  </a:lnTo>
+                  <a:lnTo>
+                    <a:pt x="246" y="49"/>
+                  </a:lnTo>
+                  <a:lnTo>
+                    <a:pt x="327" y="33"/>
+                  </a:lnTo>
+                  <a:lnTo>
+                    <a:pt x="408" y="21"/>
+                  </a:lnTo>
+                  <a:lnTo>
+                    <a:pt x="487" y="11"/>
+                  </a:lnTo>
+                  <a:lnTo>
+                    <a:pt x="566" y="5"/>
+                  </a:lnTo>
+                  <a:lnTo>
+                    <a:pt x="645" y="1"/>
+                  </a:lnTo>
+                  <a:lnTo>
+                    <a:pt x="721" y="0"/>
+                  </a:lnTo>
+                  <a:lnTo>
+                    <a:pt x="797" y="1"/>
+                  </a:lnTo>
+                  <a:lnTo>
+                    <a:pt x="873" y="6"/>
+                  </a:lnTo>
+                  <a:lnTo>
+                    <a:pt x="946" y="13"/>
+                  </a:lnTo>
+                  <a:lnTo>
+                    <a:pt x="1018" y="23"/>
+                  </a:lnTo>
+                  <a:lnTo>
+                    <a:pt x="1088" y="33"/>
+                  </a:lnTo>
+                  <a:lnTo>
+                    <a:pt x="1157" y="47"/>
+                  </a:lnTo>
+                  <a:lnTo>
+                    <a:pt x="1225" y="62"/>
+                  </a:lnTo>
+                  <a:lnTo>
+                    <a:pt x="1289" y="79"/>
+                  </a:lnTo>
+                  <a:lnTo>
+                    <a:pt x="1352" y="97"/>
+                  </a:lnTo>
+                  <a:lnTo>
+                    <a:pt x="1413" y="117"/>
+                  </a:lnTo>
+                  <a:lnTo>
+                    <a:pt x="1472" y="138"/>
+                  </a:lnTo>
+                  <a:lnTo>
+                    <a:pt x="1530" y="161"/>
+                  </a:lnTo>
+                  <a:lnTo>
+                    <a:pt x="1585" y="184"/>
+                  </a:lnTo>
+                  <a:lnTo>
+                    <a:pt x="1636" y="209"/>
+                  </a:lnTo>
+                  <a:lnTo>
+                    <a:pt x="1685" y="236"/>
+                  </a:lnTo>
+                  <a:lnTo>
+                    <a:pt x="1732" y="262"/>
+                  </a:lnTo>
+                  <a:lnTo>
+                    <a:pt x="1776" y="288"/>
+                  </a:lnTo>
+                  <a:lnTo>
+                    <a:pt x="1816" y="315"/>
+                  </a:lnTo>
+                  <a:lnTo>
+                    <a:pt x="1854" y="343"/>
+                  </a:lnTo>
+                  <a:lnTo>
+                    <a:pt x="1888" y="371"/>
+                  </a:lnTo>
+                  <a:lnTo>
+                    <a:pt x="1921" y="399"/>
+                  </a:lnTo>
+                  <a:lnTo>
+                    <a:pt x="1949" y="427"/>
+                  </a:lnTo>
+                  <a:lnTo>
+                    <a:pt x="1974" y="455"/>
+                  </a:lnTo>
+                  <a:lnTo>
+                    <a:pt x="1974" y="455"/>
+                  </a:lnTo>
+                  <a:lnTo>
+                    <a:pt x="1920" y="434"/>
+                  </a:lnTo>
+                  <a:lnTo>
+                    <a:pt x="1864" y="412"/>
+                  </a:lnTo>
+                  <a:lnTo>
+                    <a:pt x="1804" y="394"/>
+                  </a:lnTo>
+                  <a:lnTo>
+                    <a:pt x="1743" y="376"/>
+                  </a:lnTo>
+                  <a:lnTo>
+                    <a:pt x="1680" y="361"/>
+                  </a:lnTo>
+                  <a:lnTo>
+                    <a:pt x="1614" y="348"/>
+                  </a:lnTo>
+                  <a:lnTo>
+                    <a:pt x="1548" y="338"/>
+                  </a:lnTo>
+                  <a:lnTo>
+                    <a:pt x="1481" y="330"/>
+                  </a:lnTo>
+                  <a:lnTo>
+                    <a:pt x="1413" y="323"/>
+                  </a:lnTo>
+                  <a:lnTo>
+                    <a:pt x="1344" y="320"/>
+                  </a:lnTo>
+                  <a:lnTo>
+                    <a:pt x="1273" y="321"/>
+                  </a:lnTo>
+                  <a:lnTo>
+                    <a:pt x="1203" y="325"/>
+                  </a:lnTo>
+                  <a:lnTo>
+                    <a:pt x="1132" y="331"/>
+                  </a:lnTo>
+                  <a:lnTo>
+                    <a:pt x="1061" y="341"/>
+                  </a:lnTo>
+                  <a:lnTo>
+                    <a:pt x="990" y="356"/>
+                  </a:lnTo>
+                  <a:lnTo>
+                    <a:pt x="954" y="364"/>
+                  </a:lnTo>
+                  <a:lnTo>
+                    <a:pt x="919" y="374"/>
+                  </a:lnTo>
+                  <a:lnTo>
+                    <a:pt x="885" y="384"/>
+                  </a:lnTo>
+                  <a:lnTo>
+                    <a:pt x="850" y="396"/>
+                  </a:lnTo>
+                  <a:lnTo>
+                    <a:pt x="815" y="409"/>
+                  </a:lnTo>
+                  <a:lnTo>
+                    <a:pt x="781" y="424"/>
+                  </a:lnTo>
+                  <a:lnTo>
+                    <a:pt x="746" y="439"/>
+                  </a:lnTo>
+                  <a:lnTo>
+                    <a:pt x="711" y="455"/>
+                  </a:lnTo>
+                  <a:lnTo>
+                    <a:pt x="678" y="472"/>
+                  </a:lnTo>
+                  <a:lnTo>
+                    <a:pt x="645" y="490"/>
+                  </a:lnTo>
+                  <a:lnTo>
+                    <a:pt x="612" y="510"/>
+                  </a:lnTo>
+                  <a:lnTo>
+                    <a:pt x="579" y="531"/>
+                  </a:lnTo>
+                  <a:lnTo>
+                    <a:pt x="546" y="554"/>
+                  </a:lnTo>
+                  <a:lnTo>
+                    <a:pt x="515" y="577"/>
+                  </a:lnTo>
+                  <a:lnTo>
+                    <a:pt x="484" y="602"/>
+                  </a:lnTo>
+                  <a:lnTo>
+                    <a:pt x="452" y="629"/>
+                  </a:lnTo>
+                  <a:lnTo>
+                    <a:pt x="421" y="657"/>
+                  </a:lnTo>
+                  <a:lnTo>
+                    <a:pt x="391" y="685"/>
+                  </a:lnTo>
+                  <a:lnTo>
+                    <a:pt x="361" y="716"/>
+                  </a:lnTo>
+                  <a:lnTo>
+                    <a:pt x="333" y="747"/>
+                  </a:lnTo>
+                  <a:lnTo>
+                    <a:pt x="304" y="780"/>
+                  </a:lnTo>
+                  <a:lnTo>
+                    <a:pt x="277" y="815"/>
+                  </a:lnTo>
+                  <a:lnTo>
+                    <a:pt x="249" y="851"/>
+                  </a:lnTo>
+                  <a:lnTo>
+                    <a:pt x="223" y="889"/>
+                  </a:lnTo>
+                  <a:lnTo>
+                    <a:pt x="198" y="929"/>
+                  </a:lnTo>
+                  <a:lnTo>
+                    <a:pt x="172" y="970"/>
+                  </a:lnTo>
+                  <a:lnTo>
+                    <a:pt x="149" y="1012"/>
+                  </a:lnTo>
+                  <a:lnTo>
+                    <a:pt x="124" y="1056"/>
+                  </a:lnTo>
+                  <a:lnTo>
+                    <a:pt x="101" y="1102"/>
+                  </a:lnTo>
+                  <a:lnTo>
+                    <a:pt x="79" y="1150"/>
+                  </a:lnTo>
+                  <a:lnTo>
+                    <a:pt x="58" y="1198"/>
+                  </a:lnTo>
+                  <a:lnTo>
+                    <a:pt x="38" y="1249"/>
+                  </a:lnTo>
+                  <a:lnTo>
+                    <a:pt x="18" y="1302"/>
+                  </a:lnTo>
+                  <a:lnTo>
+                    <a:pt x="0" y="1357"/>
+                  </a:lnTo>
+                  <a:lnTo>
+                    <a:pt x="0" y="118"/>
+                  </a:lnTo>
+                  <a:lnTo>
+                    <a:pt x="0" y="118"/>
+                  </a:lnTo>
+                  <a:close/>
+                </a:path>
+              </a:pathLst>
+            </a:custGeom>
+            <a:solidFill>
+              <a:srgbClr val="B4ECB4"/>
+            </a:solidFill>
+            <a:ln>
+              <a:noFill/>
+            </a:ln>
+          </p:spPr>
+          <p:txBody>
+            <a:bodyPr lIns="91425" tIns="45700" rIns="91425" bIns="45700" anchor="t" anchorCtr="0">
+              <a:noAutofit/>
+            </a:bodyPr>
+            <a:lstStyle/>
+            <a:p>
+              <a:pPr marL="0" marR="0" lvl="0" indent="0" algn="l" rtl="0">
+                <a:spcBef>
+                  <a:spcPts val="0"/>
+                </a:spcBef>
+                <a:buNone/>
+              </a:pPr>
+              <a:endParaRPr sz="1800" b="0" i="0" u="none" strike="noStrike" cap="none" baseline="0">
+                <a:solidFill>
+                  <a:schemeClr val="dk1"/>
+                </a:solidFill>
+                <a:latin typeface="Calibri"/>
+                <a:ea typeface="Calibri"/>
+                <a:cs typeface="Calibri"/>
+                <a:sym typeface="Calibri"/>
+              </a:endParaRPr>
+            </a:p>
+          </p:txBody>
+        </p:sp>
+        <p:sp>
+          <p:nvSpPr>
+            <p:cNvPr id="23" name="Shape 16"/>
+            <p:cNvSpPr/>
+            <p:nvPr/>
+          </p:nvSpPr>
+          <p:spPr>
+            <a:xfrm>
+              <a:off x="1502663" y="5586916"/>
+              <a:ext cx="6519671" cy="5913190"/>
+            </a:xfrm>
+            <a:custGeom>
+              <a:avLst/>
+              <a:gdLst/>
+              <a:ahLst/>
+              <a:cxnLst/>
+              <a:rect l="0" t="0" r="0" b="0"/>
+              <a:pathLst>
+                <a:path w="2552" h="2085" extrusionOk="0">
+                  <a:moveTo>
+                    <a:pt x="1377" y="130"/>
+                  </a:moveTo>
+                  <a:lnTo>
+                    <a:pt x="1377" y="130"/>
+                  </a:lnTo>
+                  <a:lnTo>
+                    <a:pt x="1339" y="109"/>
+                  </a:lnTo>
+                  <a:lnTo>
+                    <a:pt x="1299" y="89"/>
+                  </a:lnTo>
+                  <a:lnTo>
+                    <a:pt x="1260" y="73"/>
+                  </a:lnTo>
+                  <a:lnTo>
+                    <a:pt x="1220" y="56"/>
+                  </a:lnTo>
+                  <a:lnTo>
+                    <a:pt x="1179" y="43"/>
+                  </a:lnTo>
+                  <a:lnTo>
+                    <a:pt x="1137" y="30"/>
+                  </a:lnTo>
+                  <a:lnTo>
+                    <a:pt x="1094" y="20"/>
+                  </a:lnTo>
+                  <a:lnTo>
+                    <a:pt x="1052" y="11"/>
+                  </a:lnTo>
+                  <a:lnTo>
+                    <a:pt x="1009" y="7"/>
+                  </a:lnTo>
+                  <a:lnTo>
+                    <a:pt x="966" y="2"/>
+                  </a:lnTo>
+                  <a:lnTo>
+                    <a:pt x="923" y="0"/>
+                  </a:lnTo>
+                  <a:lnTo>
+                    <a:pt x="880" y="0"/>
+                  </a:lnTo>
+                  <a:lnTo>
+                    <a:pt x="837" y="2"/>
+                  </a:lnTo>
+                  <a:lnTo>
+                    <a:pt x="794" y="5"/>
+                  </a:lnTo>
+                  <a:lnTo>
+                    <a:pt x="751" y="10"/>
+                  </a:lnTo>
+                  <a:lnTo>
+                    <a:pt x="708" y="18"/>
+                  </a:lnTo>
+                  <a:lnTo>
+                    <a:pt x="667" y="28"/>
+                  </a:lnTo>
+                  <a:lnTo>
+                    <a:pt x="624" y="40"/>
+                  </a:lnTo>
+                  <a:lnTo>
+                    <a:pt x="584" y="54"/>
+                  </a:lnTo>
+                  <a:lnTo>
+                    <a:pt x="543" y="69"/>
+                  </a:lnTo>
+                  <a:lnTo>
+                    <a:pt x="504" y="87"/>
+                  </a:lnTo>
+                  <a:lnTo>
+                    <a:pt x="466" y="107"/>
+                  </a:lnTo>
+                  <a:lnTo>
+                    <a:pt x="428" y="130"/>
+                  </a:lnTo>
+                  <a:lnTo>
+                    <a:pt x="391" y="155"/>
+                  </a:lnTo>
+                  <a:lnTo>
+                    <a:pt x="357" y="182"/>
+                  </a:lnTo>
+                  <a:lnTo>
+                    <a:pt x="322" y="210"/>
+                  </a:lnTo>
+                  <a:lnTo>
+                    <a:pt x="289" y="241"/>
+                  </a:lnTo>
+                  <a:lnTo>
+                    <a:pt x="258" y="272"/>
+                  </a:lnTo>
+                  <a:lnTo>
+                    <a:pt x="228" y="309"/>
+                  </a:lnTo>
+                  <a:lnTo>
+                    <a:pt x="200" y="345"/>
+                  </a:lnTo>
+                  <a:lnTo>
+                    <a:pt x="173" y="385"/>
+                  </a:lnTo>
+                  <a:lnTo>
+                    <a:pt x="149" y="426"/>
+                  </a:lnTo>
+                  <a:lnTo>
+                    <a:pt x="149" y="426"/>
+                  </a:lnTo>
+                  <a:lnTo>
+                    <a:pt x="124" y="472"/>
+                  </a:lnTo>
+                  <a:lnTo>
+                    <a:pt x="102" y="520"/>
+                  </a:lnTo>
+                  <a:lnTo>
+                    <a:pt x="83" y="568"/>
+                  </a:lnTo>
+                  <a:lnTo>
+                    <a:pt x="64" y="617"/>
+                  </a:lnTo>
+                  <a:lnTo>
+                    <a:pt x="48" y="667"/>
+                  </a:lnTo>
+                  <a:lnTo>
+                    <a:pt x="35" y="718"/>
+                  </a:lnTo>
+                  <a:lnTo>
+                    <a:pt x="23" y="769"/>
+                  </a:lnTo>
+                  <a:lnTo>
+                    <a:pt x="15" y="822"/>
+                  </a:lnTo>
+                  <a:lnTo>
+                    <a:pt x="7" y="875"/>
+                  </a:lnTo>
+                  <a:lnTo>
+                    <a:pt x="2" y="928"/>
+                  </a:lnTo>
+                  <a:lnTo>
+                    <a:pt x="0" y="982"/>
+                  </a:lnTo>
+                  <a:lnTo>
+                    <a:pt x="0" y="1035"/>
+                  </a:lnTo>
+                  <a:lnTo>
+                    <a:pt x="2" y="1090"/>
+                  </a:lnTo>
+                  <a:lnTo>
+                    <a:pt x="5" y="1146"/>
+                  </a:lnTo>
+                  <a:lnTo>
+                    <a:pt x="12" y="1200"/>
+                  </a:lnTo>
+                  <a:lnTo>
+                    <a:pt x="22" y="1255"/>
+                  </a:lnTo>
+                  <a:lnTo>
+                    <a:pt x="31" y="1311"/>
+                  </a:lnTo>
+                  <a:lnTo>
+                    <a:pt x="46" y="1365"/>
+                  </a:lnTo>
+                  <a:lnTo>
+                    <a:pt x="61" y="1420"/>
+                  </a:lnTo>
+                  <a:lnTo>
+                    <a:pt x="79" y="1474"/>
+                  </a:lnTo>
+                  <a:lnTo>
+                    <a:pt x="101" y="1529"/>
+                  </a:lnTo>
+                  <a:lnTo>
+                    <a:pt x="124" y="1583"/>
+                  </a:lnTo>
+                  <a:lnTo>
+                    <a:pt x="149" y="1636"/>
+                  </a:lnTo>
+                  <a:lnTo>
+                    <a:pt x="177" y="1689"/>
+                  </a:lnTo>
+                  <a:lnTo>
+                    <a:pt x="206" y="1742"/>
+                  </a:lnTo>
+                  <a:lnTo>
+                    <a:pt x="239" y="1793"/>
+                  </a:lnTo>
+                  <a:lnTo>
+                    <a:pt x="274" y="1844"/>
+                  </a:lnTo>
+                  <a:lnTo>
+                    <a:pt x="312" y="1895"/>
+                  </a:lnTo>
+                  <a:lnTo>
+                    <a:pt x="353" y="1943"/>
+                  </a:lnTo>
+                  <a:lnTo>
+                    <a:pt x="396" y="1993"/>
+                  </a:lnTo>
+                  <a:lnTo>
+                    <a:pt x="441" y="2039"/>
+                  </a:lnTo>
+                  <a:lnTo>
+                    <a:pt x="489" y="2085"/>
+                  </a:lnTo>
+                  <a:lnTo>
+                    <a:pt x="2552" y="2085"/>
+                  </a:lnTo>
+                  <a:lnTo>
+                    <a:pt x="2552" y="2085"/>
+                  </a:lnTo>
+                  <a:lnTo>
+                    <a:pt x="2526" y="2070"/>
+                  </a:lnTo>
+                  <a:lnTo>
+                    <a:pt x="2450" y="2026"/>
+                  </a:lnTo>
+                  <a:lnTo>
+                    <a:pt x="2336" y="1955"/>
+                  </a:lnTo>
+                  <a:lnTo>
+                    <a:pt x="2266" y="1910"/>
+                  </a:lnTo>
+                  <a:lnTo>
+                    <a:pt x="2192" y="1860"/>
+                  </a:lnTo>
+                  <a:lnTo>
+                    <a:pt x="2111" y="1808"/>
+                  </a:lnTo>
+                  <a:lnTo>
+                    <a:pt x="2025" y="1748"/>
+                  </a:lnTo>
+                  <a:lnTo>
+                    <a:pt x="1938" y="1685"/>
+                  </a:lnTo>
+                  <a:lnTo>
+                    <a:pt x="1849" y="1619"/>
+                  </a:lnTo>
+                  <a:lnTo>
+                    <a:pt x="1758" y="1550"/>
+                  </a:lnTo>
+                  <a:lnTo>
+                    <a:pt x="1667" y="1477"/>
+                  </a:lnTo>
+                  <a:lnTo>
+                    <a:pt x="1578" y="1403"/>
+                  </a:lnTo>
+                  <a:lnTo>
+                    <a:pt x="1492" y="1326"/>
+                  </a:lnTo>
+                  <a:lnTo>
+                    <a:pt x="1451" y="1286"/>
+                  </a:lnTo>
+                  <a:lnTo>
+                    <a:pt x="1410" y="1246"/>
+                  </a:lnTo>
+                  <a:lnTo>
+                    <a:pt x="1370" y="1207"/>
+                  </a:lnTo>
+                  <a:lnTo>
+                    <a:pt x="1332" y="1167"/>
+                  </a:lnTo>
+                  <a:lnTo>
+                    <a:pt x="1296" y="1126"/>
+                  </a:lnTo>
+                  <a:lnTo>
+                    <a:pt x="1261" y="1086"/>
+                  </a:lnTo>
+                  <a:lnTo>
+                    <a:pt x="1227" y="1045"/>
+                  </a:lnTo>
+                  <a:lnTo>
+                    <a:pt x="1195" y="1004"/>
+                  </a:lnTo>
+                  <a:lnTo>
+                    <a:pt x="1167" y="962"/>
+                  </a:lnTo>
+                  <a:lnTo>
+                    <a:pt x="1139" y="923"/>
+                  </a:lnTo>
+                  <a:lnTo>
+                    <a:pt x="1114" y="881"/>
+                  </a:lnTo>
+                  <a:lnTo>
+                    <a:pt x="1091" y="840"/>
+                  </a:lnTo>
+                  <a:lnTo>
+                    <a:pt x="1071" y="801"/>
+                  </a:lnTo>
+                  <a:lnTo>
+                    <a:pt x="1055" y="761"/>
+                  </a:lnTo>
+                  <a:lnTo>
+                    <a:pt x="1042" y="720"/>
+                  </a:lnTo>
+                  <a:lnTo>
+                    <a:pt x="1030" y="680"/>
+                  </a:lnTo>
+                  <a:lnTo>
+                    <a:pt x="1022" y="642"/>
+                  </a:lnTo>
+                  <a:lnTo>
+                    <a:pt x="1017" y="602"/>
+                  </a:lnTo>
+                  <a:lnTo>
+                    <a:pt x="1015" y="565"/>
+                  </a:lnTo>
+                  <a:lnTo>
+                    <a:pt x="1019" y="527"/>
+                  </a:lnTo>
+                  <a:lnTo>
+                    <a:pt x="1023" y="489"/>
+                  </a:lnTo>
+                  <a:lnTo>
+                    <a:pt x="1028" y="470"/>
+                  </a:lnTo>
+                  <a:lnTo>
+                    <a:pt x="1033" y="452"/>
+                  </a:lnTo>
+                  <a:lnTo>
+                    <a:pt x="1040" y="434"/>
+                  </a:lnTo>
+                  <a:lnTo>
+                    <a:pt x="1048" y="416"/>
+                  </a:lnTo>
+                  <a:lnTo>
+                    <a:pt x="1057" y="398"/>
+                  </a:lnTo>
+                  <a:lnTo>
+                    <a:pt x="1066" y="381"/>
+                  </a:lnTo>
+                  <a:lnTo>
+                    <a:pt x="1076" y="363"/>
+                  </a:lnTo>
+                  <a:lnTo>
+                    <a:pt x="1088" y="347"/>
+                  </a:lnTo>
+                  <a:lnTo>
+                    <a:pt x="1101" y="330"/>
+                  </a:lnTo>
+                  <a:lnTo>
+                    <a:pt x="1116" y="312"/>
+                  </a:lnTo>
+                  <a:lnTo>
+                    <a:pt x="1131" y="295"/>
+                  </a:lnTo>
+                  <a:lnTo>
+                    <a:pt x="1147" y="281"/>
+                  </a:lnTo>
+                  <a:lnTo>
+                    <a:pt x="1182" y="248"/>
+                  </a:lnTo>
+                  <a:lnTo>
+                    <a:pt x="1223" y="216"/>
+                  </a:lnTo>
+                  <a:lnTo>
+                    <a:pt x="1269" y="186"/>
+                  </a:lnTo>
+                  <a:lnTo>
+                    <a:pt x="1321" y="158"/>
+                  </a:lnTo>
+                  <a:lnTo>
+                    <a:pt x="1377" y="130"/>
+                  </a:lnTo>
+                  <a:lnTo>
+                    <a:pt x="1377" y="130"/>
+                  </a:lnTo>
+                  <a:close/>
+                </a:path>
+              </a:pathLst>
+            </a:custGeom>
+            <a:solidFill>
+              <a:srgbClr val="F2F2F2">
+                <a:alpha val="33725"/>
+              </a:srgbClr>
+            </a:solidFill>
+            <a:ln>
+              <a:noFill/>
+            </a:ln>
+          </p:spPr>
+          <p:txBody>
+            <a:bodyPr lIns="91425" tIns="45700" rIns="91425" bIns="45700" anchor="t" anchorCtr="0">
+              <a:noAutofit/>
+            </a:bodyPr>
+            <a:lstStyle/>
+            <a:p>
+              <a:pPr marL="0" marR="0" lvl="0" indent="0" algn="l" rtl="0">
+                <a:spcBef>
+                  <a:spcPts val="0"/>
+                </a:spcBef>
+                <a:buNone/>
+              </a:pPr>
+              <a:endParaRPr sz="1800" b="0" i="0" u="none" strike="noStrike" cap="none" baseline="0">
+                <a:solidFill>
+                  <a:schemeClr val="dk1"/>
+                </a:solidFill>
+                <a:latin typeface="Calibri"/>
+                <a:ea typeface="Calibri"/>
+                <a:cs typeface="Calibri"/>
+                <a:sym typeface="Calibri"/>
+              </a:endParaRPr>
+            </a:p>
+          </p:txBody>
+        </p:sp>
+        <p:sp>
+          <p:nvSpPr>
+            <p:cNvPr id="24" name="Shape 17"/>
+            <p:cNvSpPr/>
+            <p:nvPr/>
+          </p:nvSpPr>
+          <p:spPr>
+            <a:xfrm>
+              <a:off x="1155001" y="5801712"/>
+              <a:ext cx="3420932" cy="5698393"/>
+            </a:xfrm>
+            <a:custGeom>
+              <a:avLst/>
+              <a:gdLst/>
+              <a:ahLst/>
+              <a:cxnLst/>
+              <a:rect l="0" t="0" r="0" b="0"/>
+              <a:pathLst>
+                <a:path w="718" h="1804" extrusionOk="0">
+                  <a:moveTo>
+                    <a:pt x="99" y="1804"/>
+                  </a:moveTo>
+                  <a:lnTo>
+                    <a:pt x="99" y="1804"/>
+                  </a:lnTo>
+                  <a:lnTo>
+                    <a:pt x="77" y="1725"/>
+                  </a:lnTo>
+                  <a:lnTo>
+                    <a:pt x="57" y="1647"/>
+                  </a:lnTo>
+                  <a:lnTo>
+                    <a:pt x="43" y="1570"/>
+                  </a:lnTo>
+                  <a:lnTo>
+                    <a:pt x="29" y="1492"/>
+                  </a:lnTo>
+                  <a:lnTo>
+                    <a:pt x="18" y="1416"/>
+                  </a:lnTo>
+                  <a:lnTo>
+                    <a:pt x="10" y="1342"/>
+                  </a:lnTo>
+                  <a:lnTo>
+                    <a:pt x="5" y="1267"/>
+                  </a:lnTo>
+                  <a:lnTo>
+                    <a:pt x="1" y="1195"/>
+                  </a:lnTo>
+                  <a:lnTo>
+                    <a:pt x="0" y="1124"/>
+                  </a:lnTo>
+                  <a:lnTo>
+                    <a:pt x="1" y="1054"/>
+                  </a:lnTo>
+                  <a:lnTo>
+                    <a:pt x="5" y="987"/>
+                  </a:lnTo>
+                  <a:lnTo>
+                    <a:pt x="10" y="919"/>
+                  </a:lnTo>
+                  <a:lnTo>
+                    <a:pt x="18" y="853"/>
+                  </a:lnTo>
+                  <a:lnTo>
+                    <a:pt x="26" y="790"/>
+                  </a:lnTo>
+                  <a:lnTo>
+                    <a:pt x="38" y="728"/>
+                  </a:lnTo>
+                  <a:lnTo>
+                    <a:pt x="49" y="667"/>
+                  </a:lnTo>
+                  <a:lnTo>
+                    <a:pt x="64" y="609"/>
+                  </a:lnTo>
+                  <a:lnTo>
+                    <a:pt x="81" y="553"/>
+                  </a:lnTo>
+                  <a:lnTo>
+                    <a:pt x="97" y="496"/>
+                  </a:lnTo>
+                  <a:lnTo>
+                    <a:pt x="117" y="445"/>
+                  </a:lnTo>
+                  <a:lnTo>
+                    <a:pt x="137" y="394"/>
+                  </a:lnTo>
+                  <a:lnTo>
+                    <a:pt x="158" y="346"/>
+                  </a:lnTo>
+                  <a:lnTo>
+                    <a:pt x="180" y="300"/>
+                  </a:lnTo>
+                  <a:lnTo>
+                    <a:pt x="203" y="255"/>
+                  </a:lnTo>
+                  <a:lnTo>
+                    <a:pt x="227" y="214"/>
+                  </a:lnTo>
+                  <a:lnTo>
+                    <a:pt x="254" y="176"/>
+                  </a:lnTo>
+                  <a:lnTo>
+                    <a:pt x="280" y="140"/>
+                  </a:lnTo>
+                  <a:lnTo>
+                    <a:pt x="307" y="105"/>
+                  </a:lnTo>
+                  <a:lnTo>
+                    <a:pt x="335" y="76"/>
+                  </a:lnTo>
+                  <a:lnTo>
+                    <a:pt x="363" y="47"/>
+                  </a:lnTo>
+                  <a:lnTo>
+                    <a:pt x="391" y="21"/>
+                  </a:lnTo>
+                  <a:lnTo>
+                    <a:pt x="421" y="0"/>
+                  </a:lnTo>
+                  <a:lnTo>
+                    <a:pt x="421" y="0"/>
+                  </a:lnTo>
+                  <a:lnTo>
+                    <a:pt x="383" y="57"/>
+                  </a:lnTo>
+                  <a:lnTo>
+                    <a:pt x="348" y="117"/>
+                  </a:lnTo>
+                  <a:lnTo>
+                    <a:pt x="317" y="176"/>
+                  </a:lnTo>
+                  <a:lnTo>
+                    <a:pt x="289" y="237"/>
+                  </a:lnTo>
+                  <a:lnTo>
+                    <a:pt x="265" y="298"/>
+                  </a:lnTo>
+                  <a:lnTo>
+                    <a:pt x="244" y="359"/>
+                  </a:lnTo>
+                  <a:lnTo>
+                    <a:pt x="226" y="421"/>
+                  </a:lnTo>
+                  <a:lnTo>
+                    <a:pt x="213" y="482"/>
+                  </a:lnTo>
+                  <a:lnTo>
+                    <a:pt x="201" y="544"/>
+                  </a:lnTo>
+                  <a:lnTo>
+                    <a:pt x="193" y="605"/>
+                  </a:lnTo>
+                  <a:lnTo>
+                    <a:pt x="188" y="667"/>
+                  </a:lnTo>
+                  <a:lnTo>
+                    <a:pt x="185" y="728"/>
+                  </a:lnTo>
+                  <a:lnTo>
+                    <a:pt x="186" y="789"/>
+                  </a:lnTo>
+                  <a:lnTo>
+                    <a:pt x="189" y="850"/>
+                  </a:lnTo>
+                  <a:lnTo>
+                    <a:pt x="196" y="911"/>
+                  </a:lnTo>
+                  <a:lnTo>
+                    <a:pt x="206" y="970"/>
+                  </a:lnTo>
+                  <a:lnTo>
+                    <a:pt x="219" y="1030"/>
+                  </a:lnTo>
+                  <a:lnTo>
+                    <a:pt x="234" y="1089"/>
+                  </a:lnTo>
+                  <a:lnTo>
+                    <a:pt x="252" y="1147"/>
+                  </a:lnTo>
+                  <a:lnTo>
+                    <a:pt x="274" y="1205"/>
+                  </a:lnTo>
+                  <a:lnTo>
+                    <a:pt x="297" y="1261"/>
+                  </a:lnTo>
+                  <a:lnTo>
+                    <a:pt x="323" y="1317"/>
+                  </a:lnTo>
+                  <a:lnTo>
+                    <a:pt x="351" y="1371"/>
+                  </a:lnTo>
+                  <a:lnTo>
+                    <a:pt x="383" y="1424"/>
+                  </a:lnTo>
+                  <a:lnTo>
+                    <a:pt x="416" y="1477"/>
+                  </a:lnTo>
+                  <a:lnTo>
+                    <a:pt x="452" y="1528"/>
+                  </a:lnTo>
+                  <a:lnTo>
+                    <a:pt x="492" y="1578"/>
+                  </a:lnTo>
+                  <a:lnTo>
+                    <a:pt x="531" y="1626"/>
+                  </a:lnTo>
+                  <a:lnTo>
+                    <a:pt x="576" y="1674"/>
+                  </a:lnTo>
+                  <a:lnTo>
+                    <a:pt x="620" y="1718"/>
+                  </a:lnTo>
+                  <a:lnTo>
+                    <a:pt x="668" y="1763"/>
+                  </a:lnTo>
+                  <a:lnTo>
+                    <a:pt x="718" y="1804"/>
+                  </a:lnTo>
+                  <a:lnTo>
+                    <a:pt x="99" y="1804"/>
+                  </a:lnTo>
+                  <a:lnTo>
+                    <a:pt x="99" y="1804"/>
+                  </a:lnTo>
+                  <a:close/>
+                </a:path>
+              </a:pathLst>
+            </a:custGeom>
+            <a:solidFill>
+              <a:srgbClr val="8FE38F">
+                <a:alpha val="36862"/>
+              </a:srgbClr>
+            </a:solidFill>
+            <a:ln>
+              <a:noFill/>
+            </a:ln>
+          </p:spPr>
+          <p:txBody>
+            <a:bodyPr lIns="91425" tIns="45700" rIns="91425" bIns="45700" anchor="t" anchorCtr="0">
+              <a:noAutofit/>
+            </a:bodyPr>
+            <a:lstStyle/>
+            <a:p>
+              <a:pPr marL="0" marR="0" lvl="0" indent="0" algn="l" rtl="0">
+                <a:spcBef>
+                  <a:spcPts val="0"/>
+                </a:spcBef>
+                <a:buNone/>
+              </a:pPr>
+              <a:endParaRPr sz="1800" b="0" i="0" u="none" strike="noStrike" cap="none" baseline="0">
+                <a:solidFill>
+                  <a:schemeClr val="dk1"/>
+                </a:solidFill>
+                <a:latin typeface="Calibri"/>
+                <a:ea typeface="Calibri"/>
+                <a:cs typeface="Calibri"/>
+                <a:sym typeface="Calibri"/>
+              </a:endParaRPr>
+            </a:p>
+          </p:txBody>
+        </p:sp>
+      </p:grpSp>
       <p:sp>
         <p:nvSpPr>
           <p:cNvPr id="2" name="タイトル プレースホルダ 1"/>
@@ -20450,10 +22472,18 @@
           <a:lstStyle/>
           <a:p>
             <a:r>
-              <a:rPr kumimoji="1" lang="ja-JP" altLang="en-US" smtClean="0"/>
-              <a:t>マスタ タイトルの書式設定</a:t>
-            </a:r>
-            <a:endParaRPr kumimoji="1" lang="ja-JP" altLang="en-US"/>
+              <a:rPr kumimoji="1" lang="ja-JP" altLang="en-US" dirty="0" smtClean="0"/>
+              <a:t>マスタ </a:t>
+            </a:r>
+            <a:r>
+              <a:rPr kumimoji="1" lang="ja-JP" altLang="en-US" dirty="0" smtClean="0"/>
+              <a:t>タイトル</a:t>
+            </a:r>
+            <a:r>
+              <a:rPr kumimoji="1" lang="ja-JP" altLang="en-US" dirty="0" smtClean="0"/>
+              <a:t>の書式設定</a:t>
+            </a:r>
+            <a:endParaRPr kumimoji="1" lang="ja-JP" altLang="en-US" dirty="0"/>
           </a:p>
         </p:txBody>
       </p:sp>
@@ -20484,70 +22514,70 @@
           <a:p>
             <a:pPr lvl="0"/>
             <a:r>
-              <a:rPr kumimoji="1" lang="ja-JP" altLang="en-US" smtClean="0"/>
+              <a:rPr kumimoji="1" lang="ja-JP" altLang="en-US" dirty="0" smtClean="0"/>
               <a:t>マスタ テキストの書式設定</a:t>
             </a:r>
           </a:p>
           <a:p>
             <a:pPr lvl="1"/>
             <a:r>
-              <a:rPr kumimoji="1" lang="ja-JP" altLang="en-US" smtClean="0"/>
+              <a:rPr kumimoji="1" lang="ja-JP" altLang="en-US" dirty="0" smtClean="0"/>
               <a:t>第 </a:t>
             </a:r>
             <a:r>
-              <a:rPr kumimoji="1" lang="en-US" altLang="ja-JP" smtClean="0"/>
+              <a:rPr kumimoji="1" lang="en-US" altLang="ja-JP" dirty="0" smtClean="0"/>
               <a:t>2 </a:t>
             </a:r>
             <a:r>
-              <a:rPr kumimoji="1" lang="ja-JP" altLang="en-US" smtClean="0"/>
+              <a:rPr kumimoji="1" lang="ja-JP" altLang="en-US" dirty="0" smtClean="0"/>
               <a:t>レベル</a:t>
             </a:r>
           </a:p>
           <a:p>
             <a:pPr lvl="2"/>
             <a:r>
-              <a:rPr kumimoji="1" lang="ja-JP" altLang="en-US" smtClean="0"/>
+              <a:rPr kumimoji="1" lang="ja-JP" altLang="en-US" dirty="0" smtClean="0"/>
               <a:t>第 </a:t>
             </a:r>
             <a:r>
-              <a:rPr kumimoji="1" lang="en-US" altLang="ja-JP" smtClean="0"/>
+              <a:rPr kumimoji="1" lang="en-US" altLang="ja-JP" dirty="0" smtClean="0"/>
               <a:t>3 </a:t>
             </a:r>
             <a:r>
-              <a:rPr kumimoji="1" lang="ja-JP" altLang="en-US" smtClean="0"/>
+              <a:rPr kumimoji="1" lang="ja-JP" altLang="en-US" dirty="0" smtClean="0"/>
               <a:t>レベル</a:t>
             </a:r>
           </a:p>
           <a:p>
             <a:pPr lvl="3"/>
             <a:r>
-              <a:rPr kumimoji="1" lang="ja-JP" altLang="en-US" smtClean="0"/>
+              <a:rPr kumimoji="1" lang="ja-JP" altLang="en-US" dirty="0" smtClean="0"/>
               <a:t>第 </a:t>
             </a:r>
             <a:r>
-              <a:rPr kumimoji="1" lang="en-US" altLang="ja-JP" smtClean="0"/>
+              <a:rPr kumimoji="1" lang="en-US" altLang="ja-JP" dirty="0" smtClean="0"/>
               <a:t>4 </a:t>
             </a:r>
             <a:r>
-              <a:rPr kumimoji="1" lang="ja-JP" altLang="en-US" smtClean="0"/>
+              <a:rPr kumimoji="1" lang="ja-JP" altLang="en-US" dirty="0" smtClean="0"/>
               <a:t>レベル</a:t>
             </a:r>
           </a:p>
           <a:p>
             <a:pPr lvl="4"/>
             <a:r>
-              <a:rPr kumimoji="1" lang="ja-JP" altLang="en-US" smtClean="0"/>
+              <a:rPr kumimoji="1" lang="ja-JP" altLang="en-US" dirty="0" smtClean="0"/>
               <a:t>第 </a:t>
             </a:r>
             <a:r>
-              <a:rPr kumimoji="1" lang="en-US" altLang="ja-JP" smtClean="0"/>
+              <a:rPr kumimoji="1" lang="en-US" altLang="ja-JP" dirty="0" smtClean="0"/>
               <a:t>5 </a:t>
             </a:r>
             <a:r>
-              <a:rPr kumimoji="1" lang="ja-JP" altLang="en-US" smtClean="0"/>
+              <a:rPr kumimoji="1" lang="ja-JP" altLang="en-US" dirty="0" smtClean="0"/>
               <a:t>レベル</a:t>
             </a:r>
-            <a:endParaRPr kumimoji="1" lang="ja-JP" altLang="en-US"/>
+            <a:endParaRPr kumimoji="1" lang="ja-JP" altLang="en-US" dirty="0"/>
           </a:p>
         </p:txBody>
       </p:sp>
@@ -20970,7 +23000,7 @@
         </p:nvSpPr>
         <p:spPr>
           <a:xfrm>
-            <a:off x="251520" y="2130425"/>
+            <a:off x="251520" y="1382911"/>
             <a:ext cx="8712968" cy="1470025"/>
           </a:xfrm>
         </p:spPr>
@@ -20997,7 +23027,19 @@
             </a:br>
             <a:r>
               <a:rPr lang="ja-JP" altLang="en-US" dirty="0" smtClean="0"/>
-              <a:t>機能提案および評価</a:t>
+              <a:t>機能</a:t>
+            </a:r>
+            <a:r>
+              <a:rPr lang="ja-JP" altLang="en-US" dirty="0" smtClean="0"/>
+              <a:t>提案</a:t>
+            </a:r>
+            <a:r>
+              <a:rPr lang="ja-JP" altLang="en-US" dirty="0" smtClean="0"/>
+              <a:t>及び、</a:t>
+            </a:r>
+            <a:r>
+              <a:rPr lang="ja-JP" altLang="en-US" dirty="0" smtClean="0"/>
+              <a:t>評価</a:t>
             </a:r>
             <a:endParaRPr kumimoji="1" lang="ja-JP" altLang="en-US" dirty="0"/>
           </a:p>
@@ -21015,44 +23057,78 @@
         </p:nvSpPr>
         <p:spPr>
           <a:xfrm>
-            <a:off x="2483768" y="4869160"/>
-            <a:ext cx="6400800" cy="1752600"/>
+            <a:off x="979512" y="4941168"/>
+            <a:ext cx="7768952" cy="1752600"/>
           </a:xfrm>
         </p:spPr>
         <p:txBody>
-          <a:bodyPr/>
+          <a:bodyPr>
+            <a:normAutofit lnSpcReduction="10000"/>
+          </a:bodyPr>
           <a:lstStyle/>
           <a:p>
             <a:pPr algn="r"/>
             <a:r>
-              <a:rPr kumimoji="1" lang="ja-JP" altLang="en-US" dirty="0" smtClean="0"/>
+              <a:rPr kumimoji="1" lang="ja-JP" altLang="en-US" sz="2400" dirty="0" smtClean="0"/>
               <a:t>国立情報学研究所</a:t>
             </a:r>
             <a:r>
-              <a:rPr lang="ja-JP" altLang="en-US" dirty="0" smtClean="0"/>
+              <a:rPr lang="ja-JP" altLang="en-US" sz="2400" dirty="0" smtClean="0"/>
               <a:t>　</a:t>
             </a:r>
             <a:r>
-              <a:rPr kumimoji="1" lang="ja-JP" altLang="en-US" dirty="0" smtClean="0"/>
-              <a:t>新井研究室</a:t>
-            </a:r>
-            <a:endParaRPr kumimoji="1" lang="en-US" altLang="ja-JP" dirty="0" smtClean="0"/>
+              <a:rPr lang="ja-JP" altLang="en-US" sz="2400" dirty="0" smtClean="0"/>
+              <a:t>社会共有知研究センタ</a:t>
+            </a:r>
+            <a:endParaRPr lang="en-US" altLang="ja-JP" sz="2400" dirty="0" smtClean="0"/>
           </a:p>
           <a:p>
             <a:pPr algn="r"/>
             <a:r>
-              <a:rPr lang="ja-JP" altLang="en-US" dirty="0" smtClean="0"/>
-              <a:t>日立製作所（情公共）（消防セ１）</a:t>
-            </a:r>
-            <a:endParaRPr kumimoji="1" lang="en-US" altLang="ja-JP" dirty="0" smtClean="0"/>
+              <a:rPr kumimoji="1" lang="ja-JP" altLang="en-US" sz="2400" dirty="0" smtClean="0"/>
+              <a:t>新井</a:t>
+            </a:r>
+            <a:r>
+              <a:rPr kumimoji="1" lang="ja-JP" altLang="en-US" sz="2400" dirty="0" smtClean="0"/>
+              <a:t>研究室</a:t>
+            </a:r>
+            <a:endParaRPr kumimoji="1" lang="en-US" altLang="ja-JP" sz="2400" dirty="0" smtClean="0"/>
           </a:p>
           <a:p>
             <a:pPr algn="r"/>
             <a:r>
-              <a:rPr kumimoji="1" lang="ja-JP" altLang="en-US" dirty="0" smtClean="0"/>
-              <a:t>外田浩太朗</a:t>
-            </a:r>
-            <a:endParaRPr kumimoji="1" lang="ja-JP" altLang="en-US" dirty="0"/>
+              <a:rPr lang="ja-JP" altLang="en-US" sz="2400" dirty="0" smtClean="0"/>
+              <a:t>日立</a:t>
+            </a:r>
+            <a:r>
+              <a:rPr lang="ja-JP" altLang="en-US" sz="2400" dirty="0" smtClean="0"/>
+              <a:t>製作所　（</a:t>
+            </a:r>
+            <a:r>
+              <a:rPr lang="ja-JP" altLang="en-US" sz="2400" dirty="0" smtClean="0"/>
+              <a:t>情公共</a:t>
+            </a:r>
+            <a:r>
+              <a:rPr lang="ja-JP" altLang="en-US" sz="2400" dirty="0" smtClean="0"/>
+              <a:t>）　（</a:t>
+            </a:r>
+            <a:r>
+              <a:rPr lang="ja-JP" altLang="en-US" sz="2400" dirty="0" smtClean="0"/>
+              <a:t>消防セ１）</a:t>
+            </a:r>
+            <a:endParaRPr kumimoji="1" lang="en-US" altLang="ja-JP" sz="2400" dirty="0" smtClean="0"/>
+          </a:p>
+          <a:p>
+            <a:pPr algn="r"/>
+            <a:r>
+              <a:rPr kumimoji="1" lang="ja-JP" altLang="en-US" sz="2400" dirty="0" smtClean="0"/>
+              <a:t>外</a:t>
+            </a:r>
+            <a:r>
+              <a:rPr kumimoji="1" lang="ja-JP" altLang="en-US" sz="2400" dirty="0" smtClean="0"/>
+              <a:t>田浩太朗</a:t>
+            </a:r>
+            <a:endParaRPr kumimoji="1" lang="ja-JP" altLang="en-US" sz="2400" dirty="0"/>
           </a:p>
         </p:txBody>
       </p:sp>
@@ -25802,18 +27878,7 @@
                 <a:ea typeface="ＭＳ Ｐゴシック" pitchFamily="50" charset="-128"/>
                 <a:cs typeface="ＭＳ Ｐゴシック" pitchFamily="50" charset="-128"/>
               </a:rPr>
-              <a:t>&lt;!– </a:t>
-            </a:r>
-            <a:r>
-              <a:rPr lang="en-US" altLang="ja-JP" sz="1200" b="1" dirty="0" smtClean="0">
-                <a:solidFill>
-                  <a:srgbClr val="26AB1F"/>
-                </a:solidFill>
-                <a:latin typeface="Arial" pitchFamily="34" charset="0"/>
-                <a:ea typeface="ＭＳ Ｐゴシック" pitchFamily="50" charset="-128"/>
-                <a:cs typeface="ＭＳ Ｐゴシック" pitchFamily="50" charset="-128"/>
-              </a:rPr>
-              <a:t>CakePHP</a:t>
+              <a:t>&lt;!– CakePHP</a:t>
             </a:r>
             <a:r>
               <a:rPr lang="ja-JP" altLang="en-US" sz="1200" b="1" dirty="0" smtClean="0">
@@ -25824,29 +27889,7 @@
                 <a:ea typeface="ＭＳ Ｐゴシック" pitchFamily="50" charset="-128"/>
                 <a:cs typeface="ＭＳ Ｐゴシック" pitchFamily="50" charset="-128"/>
               </a:rPr>
-              <a:t>の</a:t>
-            </a:r>
-            <a:r>
-              <a:rPr lang="ja-JP" altLang="en-US" sz="1200" b="1" dirty="0" smtClean="0">
-                <a:solidFill>
-                  <a:srgbClr val="26AB1F"/>
-                </a:solidFill>
-                <a:latin typeface="Arial" pitchFamily="34" charset="0"/>
-                <a:ea typeface="ＭＳ Ｐゴシック" pitchFamily="50" charset="-128"/>
-                <a:cs typeface="ＭＳ Ｐゴシック" pitchFamily="50" charset="-128"/>
-              </a:rPr>
-              <a:t>ビ</a:t>
-            </a:r>
-            <a:r>
-              <a:rPr lang="ja-JP" altLang="en-US" sz="1200" b="1" dirty="0" smtClean="0">
-                <a:solidFill>
-                  <a:srgbClr val="26AB1F"/>
-                </a:solidFill>
-                <a:latin typeface="Arial" pitchFamily="34" charset="0"/>
-                <a:ea typeface="ＭＳ Ｐゴシック" pitchFamily="50" charset="-128"/>
-                <a:cs typeface="ＭＳ Ｐゴシック" pitchFamily="50" charset="-128"/>
-              </a:rPr>
-              <a:t>ューファイル</a:t>
+              <a:t>のビューファイル</a:t>
             </a:r>
             <a:r>
               <a:rPr lang="en-US" altLang="ja-JP" sz="1200" b="1" dirty="0" smtClean="0">
@@ -28638,11 +30681,7 @@
           <a:p>
             <a:r>
               <a:rPr lang="ja-JP" altLang="en-US" sz="1400" dirty="0" smtClean="0"/>
-              <a:t>は</a:t>
-            </a:r>
-            <a:r>
-              <a:rPr lang="ja-JP" altLang="en-US" sz="1400" dirty="0" smtClean="0"/>
-              <a:t>インフラ系ソフトウェア</a:t>
+              <a:t>はインフラ系ソフトウェア</a:t>
             </a:r>
             <a:endParaRPr kumimoji="1" lang="ja-JP" altLang="en-US" sz="1400" dirty="0"/>
           </a:p>

--- a/PowerPoint/report_hokada.pptx
+++ b/PowerPoint/report_hokada.pptx
@@ -5,36 +5,41 @@
     <p:sldMasterId id="2147483648" r:id="rId1"/>
   </p:sldMasterIdLst>
   <p:notesMasterIdLst>
-    <p:notesMasterId r:id="rId29"/>
+    <p:notesMasterId r:id="rId34"/>
   </p:notesMasterIdLst>
   <p:sldIdLst>
     <p:sldId id="256" r:id="rId2"/>
-    <p:sldId id="275" r:id="rId3"/>
-    <p:sldId id="276" r:id="rId4"/>
-    <p:sldId id="274" r:id="rId5"/>
-    <p:sldId id="278" r:id="rId6"/>
-    <p:sldId id="279" r:id="rId7"/>
-    <p:sldId id="280" r:id="rId8"/>
-    <p:sldId id="281" r:id="rId9"/>
-    <p:sldId id="282" r:id="rId10"/>
-    <p:sldId id="257" r:id="rId11"/>
-    <p:sldId id="258" r:id="rId12"/>
-    <p:sldId id="260" r:id="rId13"/>
-    <p:sldId id="259" r:id="rId14"/>
-    <p:sldId id="261" r:id="rId15"/>
-    <p:sldId id="262" r:id="rId16"/>
-    <p:sldId id="263" r:id="rId17"/>
-    <p:sldId id="264" r:id="rId18"/>
-    <p:sldId id="265" r:id="rId19"/>
-    <p:sldId id="266" r:id="rId20"/>
-    <p:sldId id="267" r:id="rId21"/>
-    <p:sldId id="268" r:id="rId22"/>
-    <p:sldId id="269" r:id="rId23"/>
-    <p:sldId id="270" r:id="rId24"/>
-    <p:sldId id="271" r:id="rId25"/>
-    <p:sldId id="272" r:id="rId26"/>
-    <p:sldId id="273" r:id="rId27"/>
-    <p:sldId id="277" r:id="rId28"/>
+    <p:sldId id="276" r:id="rId3"/>
+    <p:sldId id="274" r:id="rId4"/>
+    <p:sldId id="285" r:id="rId5"/>
+    <p:sldId id="286" r:id="rId6"/>
+    <p:sldId id="284" r:id="rId7"/>
+    <p:sldId id="287" r:id="rId8"/>
+    <p:sldId id="288" r:id="rId9"/>
+    <p:sldId id="289" r:id="rId10"/>
+    <p:sldId id="279" r:id="rId11"/>
+    <p:sldId id="280" r:id="rId12"/>
+    <p:sldId id="281" r:id="rId13"/>
+    <p:sldId id="282" r:id="rId14"/>
+    <p:sldId id="283" r:id="rId15"/>
+    <p:sldId id="257" r:id="rId16"/>
+    <p:sldId id="258" r:id="rId17"/>
+    <p:sldId id="260" r:id="rId18"/>
+    <p:sldId id="259" r:id="rId19"/>
+    <p:sldId id="261" r:id="rId20"/>
+    <p:sldId id="262" r:id="rId21"/>
+    <p:sldId id="263" r:id="rId22"/>
+    <p:sldId id="264" r:id="rId23"/>
+    <p:sldId id="265" r:id="rId24"/>
+    <p:sldId id="266" r:id="rId25"/>
+    <p:sldId id="267" r:id="rId26"/>
+    <p:sldId id="268" r:id="rId27"/>
+    <p:sldId id="269" r:id="rId28"/>
+    <p:sldId id="270" r:id="rId29"/>
+    <p:sldId id="271" r:id="rId30"/>
+    <p:sldId id="272" r:id="rId31"/>
+    <p:sldId id="273" r:id="rId32"/>
+    <p:sldId id="277" r:id="rId33"/>
   </p:sldIdLst>
   <p:sldSz cx="9144000" cy="6858000" type="screen4x3"/>
   <p:notesSz cx="6858000" cy="9144000"/>
@@ -17247,7 +17252,7 @@
             <a:fld id="{768736D5-E0D3-4111-8C4C-E5098B8E037F}" type="datetimeFigureOut">
               <a:rPr kumimoji="1" lang="ja-JP" altLang="en-US" smtClean="0"/>
               <a:pPr/>
-              <a:t>2014/11/25</a:t>
+              <a:t>2014/11/26</a:t>
             </a:fld>
             <a:endParaRPr kumimoji="1" lang="ja-JP" altLang="en-US" dirty="0"/>
           </a:p>
@@ -17591,7 +17596,107 @@
           </a:bodyPr>
           <a:lstStyle/>
           <a:p>
-            <a:endParaRPr kumimoji="1" lang="ja-JP" altLang="en-US"/>
+            <a:r>
+              <a:rPr kumimoji="1" lang="ja-JP" altLang="en-US" dirty="0" smtClean="0"/>
+              <a:t>私は研究科に進学する際に研究室を選定するとき</a:t>
+            </a:r>
+            <a:endParaRPr kumimoji="1" lang="en-US" altLang="ja-JP" dirty="0" smtClean="0"/>
+          </a:p>
+          <a:p>
+            <a:r>
+              <a:rPr kumimoji="1" lang="ja-JP" altLang="en-US" dirty="0" smtClean="0"/>
+              <a:t>卒業研究に一番影響が大きいと思います。</a:t>
+            </a:r>
+            <a:endParaRPr kumimoji="1" lang="en-US" altLang="ja-JP" dirty="0" smtClean="0"/>
+          </a:p>
+          <a:p>
+            <a:endParaRPr kumimoji="1" lang="ja-JP" altLang="en-US" dirty="0" smtClean="0"/>
+          </a:p>
+          <a:p>
+            <a:r>
+              <a:rPr kumimoji="1" lang="ja-JP" altLang="en-US" dirty="0" smtClean="0"/>
+              <a:t>研究室に入ってやりたいこと。</a:t>
+            </a:r>
+            <a:endParaRPr kumimoji="1" lang="en-US" altLang="ja-JP" dirty="0" smtClean="0"/>
+          </a:p>
+          <a:p>
+            <a:r>
+              <a:rPr kumimoji="1" lang="ja-JP" altLang="en-US" dirty="0" smtClean="0"/>
+              <a:t>開発の経験を積みたい。プログラムを書く経験。</a:t>
+            </a:r>
+            <a:endParaRPr kumimoji="1" lang="en-US" altLang="ja-JP" dirty="0" smtClean="0"/>
+          </a:p>
+          <a:p>
+            <a:r>
+              <a:rPr kumimoji="1" lang="ja-JP" altLang="en-US" dirty="0" smtClean="0"/>
+              <a:t>最近の</a:t>
+            </a:r>
+            <a:r>
+              <a:rPr kumimoji="1" lang="en-US" altLang="ja-JP" dirty="0" smtClean="0"/>
+              <a:t>OSS</a:t>
+            </a:r>
+            <a:r>
+              <a:rPr kumimoji="1" lang="ja-JP" altLang="en-US" dirty="0" smtClean="0"/>
+              <a:t>開発のトレンドを経験。</a:t>
+            </a:r>
+            <a:endParaRPr kumimoji="1" lang="en-US" altLang="ja-JP" dirty="0" smtClean="0"/>
+          </a:p>
+          <a:p>
+            <a:endParaRPr kumimoji="1" lang="en-US" altLang="ja-JP" dirty="0" smtClean="0"/>
+          </a:p>
+          <a:p>
+            <a:r>
+              <a:rPr kumimoji="1" lang="ja-JP" altLang="en-US" dirty="0" smtClean="0"/>
+              <a:t>私が入る前に動き出していた</a:t>
+            </a:r>
+            <a:r>
+              <a:rPr kumimoji="1" lang="en-US" altLang="ja-JP" dirty="0" smtClean="0"/>
+              <a:t>NetCommons</a:t>
+            </a:r>
+            <a:r>
+              <a:rPr kumimoji="1" lang="ja-JP" altLang="en-US" dirty="0" smtClean="0"/>
+              <a:t>バージョン</a:t>
+            </a:r>
+            <a:r>
+              <a:rPr kumimoji="1" lang="en-US" altLang="ja-JP" dirty="0" smtClean="0"/>
+              <a:t>3</a:t>
+            </a:r>
+            <a:r>
+              <a:rPr kumimoji="1" lang="ja-JP" altLang="en-US" dirty="0" smtClean="0"/>
+              <a:t>のプロジェクトの開発者として参画することに。</a:t>
+            </a:r>
+            <a:endParaRPr kumimoji="1" lang="en-US" altLang="ja-JP" dirty="0" smtClean="0"/>
+          </a:p>
+          <a:p>
+            <a:endParaRPr kumimoji="1" lang="en-US" altLang="ja-JP" dirty="0" smtClean="0"/>
+          </a:p>
+          <a:p>
+            <a:r>
+              <a:rPr kumimoji="1" lang="ja-JP" altLang="en-US" dirty="0" smtClean="0"/>
+              <a:t>研究室に入る時点ではテーマは具体的に決定していませんでした。</a:t>
+            </a:r>
+            <a:endParaRPr kumimoji="1" lang="en-US" altLang="ja-JP" dirty="0" smtClean="0"/>
+          </a:p>
+          <a:p>
+            <a:r>
+              <a:rPr kumimoji="1" lang="ja-JP" altLang="en-US" dirty="0" smtClean="0"/>
+              <a:t>ここで発表させていただく内容は</a:t>
+            </a:r>
+            <a:r>
+              <a:rPr kumimoji="1" lang="en-US" altLang="ja-JP" dirty="0" smtClean="0"/>
+              <a:t>NC3</a:t>
+            </a:r>
+            <a:r>
+              <a:rPr kumimoji="1" lang="ja-JP" altLang="en-US" dirty="0" smtClean="0"/>
+              <a:t>の開発に従事している中で出てきたことをテーマとして定め報告書にまとめています。</a:t>
+            </a:r>
+            <a:endParaRPr kumimoji="1" lang="en-US" altLang="ja-JP" dirty="0" smtClean="0"/>
+          </a:p>
+          <a:p>
+            <a:endParaRPr kumimoji="1" lang="en-US" altLang="ja-JP" dirty="0" smtClean="0"/>
+          </a:p>
+          <a:p>
+            <a:endParaRPr kumimoji="1" lang="en-US" altLang="ja-JP" dirty="0" smtClean="0"/>
           </a:p>
         </p:txBody>
       </p:sp>
@@ -17613,7 +17718,7 @@
             <a:fld id="{44DF46E2-8AE4-4839-B61A-75E79F11E2DB}" type="slidenum">
               <a:rPr kumimoji="1" lang="ja-JP" altLang="en-US" smtClean="0"/>
               <a:pPr/>
-              <a:t>10</a:t>
+              <a:t>2</a:t>
             </a:fld>
             <a:endParaRPr kumimoji="1" lang="ja-JP" altLang="en-US" dirty="0"/>
           </a:p>
@@ -17674,24 +17779,54 @@
           <a:lstStyle/>
           <a:p>
             <a:r>
-              <a:rPr kumimoji="1" lang="ja-JP" altLang="en-US" sz="1200" dirty="0" smtClean="0"/>
-              <a:t>ログインした状態での権限による表示の違いを示す</a:t>
-            </a:r>
-            <a:endParaRPr kumimoji="1" lang="en-US" altLang="ja-JP" sz="1200" dirty="0" smtClean="0"/>
-          </a:p>
-          <a:p>
-            <a:r>
-              <a:rPr lang="ja-JP" altLang="en-US" sz="1200" dirty="0" smtClean="0"/>
-              <a:t>表示されているのは公開申請されているコンテンツ</a:t>
-            </a:r>
-            <a:endParaRPr lang="en-US" altLang="ja-JP" sz="1200" dirty="0" smtClean="0"/>
-          </a:p>
-          <a:p>
-            <a:r>
-              <a:rPr kumimoji="1" lang="ja-JP" altLang="en-US" sz="1200" dirty="0" smtClean="0"/>
-              <a:t>公開権限がある人から承認されると公開される</a:t>
-            </a:r>
-            <a:endParaRPr kumimoji="1" lang="en-US" altLang="ja-JP" sz="1200" dirty="0" smtClean="0"/>
+              <a:rPr kumimoji="1" lang="ja-JP" altLang="en-US" dirty="0" smtClean="0"/>
+              <a:t>ＨＴＭＬ・・・</a:t>
+            </a:r>
+            <a:r>
+              <a:rPr kumimoji="1" lang="en-US" altLang="ja-JP" dirty="0" smtClean="0"/>
+              <a:t>&lt;html&gt;&lt;head&gt;&lt;/head&gt;&lt;body&gt;&lt;/body&gt;&lt;/html&gt;</a:t>
+            </a:r>
+            <a:r>
+              <a:rPr kumimoji="1" lang="ja-JP" altLang="en-US" dirty="0" smtClean="0"/>
+              <a:t>等のタグによって表現され、ページ内に表示される</a:t>
+            </a:r>
+            <a:endParaRPr kumimoji="1" lang="en-US" altLang="ja-JP" dirty="0" smtClean="0"/>
+          </a:p>
+          <a:p>
+            <a:r>
+              <a:rPr kumimoji="1" lang="ja-JP" altLang="en-US" dirty="0" smtClean="0"/>
+              <a:t>ＣＳＳ・・・ページ内の各要素の見た目を制御する</a:t>
+            </a:r>
+            <a:endParaRPr kumimoji="1" lang="en-US" altLang="ja-JP" dirty="0" smtClean="0"/>
+          </a:p>
+          <a:p>
+            <a:r>
+              <a:rPr kumimoji="1" lang="ja-JP" altLang="en-US" dirty="0" smtClean="0"/>
+              <a:t>Ｊａｖａｓｃｒｉｐｔ・・・ページ内の各要素の動きを制御する</a:t>
+            </a:r>
+            <a:endParaRPr kumimoji="1" lang="en-US" altLang="ja-JP" dirty="0" smtClean="0"/>
+          </a:p>
+          <a:p>
+            <a:r>
+              <a:rPr kumimoji="1" lang="ja-JP" altLang="en-US" dirty="0" smtClean="0"/>
+              <a:t>ＰＨＰ・・・サーバサイドのスクリプト言語。</a:t>
+            </a:r>
+            <a:r>
+              <a:rPr kumimoji="1" lang="en-US" altLang="ja-JP" dirty="0" smtClean="0"/>
+              <a:t>DB</a:t>
+            </a:r>
+            <a:r>
+              <a:rPr kumimoji="1" lang="ja-JP" altLang="en-US" dirty="0" smtClean="0"/>
+              <a:t>問い合わせ。ページでのデータ表示。</a:t>
+            </a:r>
+            <a:endParaRPr kumimoji="1" lang="en-US" altLang="ja-JP" dirty="0" smtClean="0"/>
+          </a:p>
+          <a:p>
+            <a:r>
+              <a:rPr kumimoji="1" lang="ja-JP" altLang="en-US" dirty="0" smtClean="0"/>
+              <a:t>説明　くめの先生　金曜日</a:t>
+            </a:r>
+            <a:endParaRPr kumimoji="1" lang="ja-JP" altLang="en-US" dirty="0"/>
           </a:p>
         </p:txBody>
       </p:sp>
@@ -17713,7 +17848,7 @@
             <a:fld id="{44DF46E2-8AE4-4839-B61A-75E79F11E2DB}" type="slidenum">
               <a:rPr kumimoji="1" lang="ja-JP" altLang="en-US" smtClean="0"/>
               <a:pPr/>
-              <a:t>13</a:t>
+              <a:t>6</a:t>
             </a:fld>
             <a:endParaRPr kumimoji="1" lang="ja-JP" altLang="en-US" dirty="0"/>
           </a:p>
@@ -17773,6 +17908,32 @@
           </a:bodyPr>
           <a:lstStyle/>
           <a:p>
+            <a:r>
+              <a:rPr kumimoji="1" lang="ja-JP" altLang="en-US" dirty="0" smtClean="0"/>
+              <a:t>以上で国立情報学研究所　社会共有知研究センタ　新井研究室</a:t>
+            </a:r>
+            <a:endParaRPr kumimoji="1" lang="en-US" altLang="ja-JP" dirty="0" smtClean="0"/>
+          </a:p>
+          <a:p>
+            <a:r>
+              <a:rPr kumimoji="1" lang="ja-JP" altLang="en-US" dirty="0" smtClean="0"/>
+              <a:t>日立製作所　公共システム事業部　消防システム開発センタ　第</a:t>
+            </a:r>
+            <a:r>
+              <a:rPr kumimoji="1" lang="en-US" altLang="ja-JP" dirty="0" smtClean="0"/>
+              <a:t>2</a:t>
+            </a:r>
+            <a:r>
+              <a:rPr kumimoji="1" lang="ja-JP" altLang="en-US" dirty="0" smtClean="0"/>
+              <a:t>Ｇ　外田浩太朗の中間発表を終わります。</a:t>
+            </a:r>
+            <a:endParaRPr kumimoji="1" lang="en-US" altLang="ja-JP" dirty="0" smtClean="0"/>
+          </a:p>
+          <a:p>
+            <a:r>
+              <a:rPr kumimoji="1" lang="ja-JP" altLang="en-US" dirty="0" smtClean="0"/>
+              <a:t>ご清聴ありがとうございました。</a:t>
+            </a:r>
             <a:endParaRPr kumimoji="1" lang="ja-JP" altLang="en-US" dirty="0"/>
           </a:p>
         </p:txBody>
@@ -17796,6 +17957,270 @@
               <a:rPr kumimoji="1" lang="ja-JP" altLang="en-US" smtClean="0"/>
               <a:pPr/>
               <a:t>14</a:t>
+            </a:fld>
+            <a:endParaRPr kumimoji="1" lang="ja-JP" altLang="en-US" dirty="0"/>
+          </a:p>
+        </p:txBody>
+      </p:sp>
+    </p:spTree>
+  </p:cSld>
+  <p:clrMapOvr>
+    <a:masterClrMapping/>
+  </p:clrMapOvr>
+</p:notes>
+</file>
+
+<file path=ppt/notesSlides/notesSlide4.xml><?xml version="1.0" encoding="utf-8"?>
+<p:notes xmlns:a="http://schemas.openxmlformats.org/drawingml/2006/main" xmlns:r="http://schemas.openxmlformats.org/officeDocument/2006/relationships" xmlns:p="http://schemas.openxmlformats.org/presentationml/2006/main">
+  <p:cSld>
+    <p:spTree>
+      <p:nvGrpSpPr>
+        <p:cNvPr id="1" name=""/>
+        <p:cNvGrpSpPr/>
+        <p:nvPr/>
+      </p:nvGrpSpPr>
+      <p:grpSpPr>
+        <a:xfrm>
+          <a:off x="0" y="0"/>
+          <a:ext cx="0" cy="0"/>
+          <a:chOff x="0" y="0"/>
+          <a:chExt cx="0" cy="0"/>
+        </a:xfrm>
+      </p:grpSpPr>
+      <p:sp>
+        <p:nvSpPr>
+          <p:cNvPr id="2" name="スライド イメージ プレースホルダ 1"/>
+          <p:cNvSpPr>
+            <a:spLocks noGrp="1" noRot="1" noChangeAspect="1"/>
+          </p:cNvSpPr>
+          <p:nvPr>
+            <p:ph type="sldImg"/>
+          </p:nvPr>
+        </p:nvSpPr>
+        <p:spPr/>
+      </p:sp>
+      <p:sp>
+        <p:nvSpPr>
+          <p:cNvPr id="3" name="ノート プレースホルダ 2"/>
+          <p:cNvSpPr>
+            <a:spLocks noGrp="1"/>
+          </p:cNvSpPr>
+          <p:nvPr>
+            <p:ph type="body" idx="1"/>
+          </p:nvPr>
+        </p:nvSpPr>
+        <p:spPr/>
+        <p:txBody>
+          <a:bodyPr>
+            <a:normAutofit/>
+          </a:bodyPr>
+          <a:lstStyle/>
+          <a:p>
+            <a:endParaRPr kumimoji="1" lang="ja-JP" altLang="en-US"/>
+          </a:p>
+        </p:txBody>
+      </p:sp>
+      <p:sp>
+        <p:nvSpPr>
+          <p:cNvPr id="4" name="スライド番号プレースホルダ 3"/>
+          <p:cNvSpPr>
+            <a:spLocks noGrp="1"/>
+          </p:cNvSpPr>
+          <p:nvPr>
+            <p:ph type="sldNum" sz="quarter" idx="10"/>
+          </p:nvPr>
+        </p:nvSpPr>
+        <p:spPr/>
+        <p:txBody>
+          <a:bodyPr/>
+          <a:lstStyle/>
+          <a:p>
+            <a:fld id="{44DF46E2-8AE4-4839-B61A-75E79F11E2DB}" type="slidenum">
+              <a:rPr kumimoji="1" lang="ja-JP" altLang="en-US" smtClean="0"/>
+              <a:pPr/>
+              <a:t>15</a:t>
+            </a:fld>
+            <a:endParaRPr kumimoji="1" lang="ja-JP" altLang="en-US" dirty="0"/>
+          </a:p>
+        </p:txBody>
+      </p:sp>
+    </p:spTree>
+  </p:cSld>
+  <p:clrMapOvr>
+    <a:masterClrMapping/>
+  </p:clrMapOvr>
+</p:notes>
+</file>
+
+<file path=ppt/notesSlides/notesSlide5.xml><?xml version="1.0" encoding="utf-8"?>
+<p:notes xmlns:a="http://schemas.openxmlformats.org/drawingml/2006/main" xmlns:r="http://schemas.openxmlformats.org/officeDocument/2006/relationships" xmlns:p="http://schemas.openxmlformats.org/presentationml/2006/main">
+  <p:cSld>
+    <p:spTree>
+      <p:nvGrpSpPr>
+        <p:cNvPr id="1" name=""/>
+        <p:cNvGrpSpPr/>
+        <p:nvPr/>
+      </p:nvGrpSpPr>
+      <p:grpSpPr>
+        <a:xfrm>
+          <a:off x="0" y="0"/>
+          <a:ext cx="0" cy="0"/>
+          <a:chOff x="0" y="0"/>
+          <a:chExt cx="0" cy="0"/>
+        </a:xfrm>
+      </p:grpSpPr>
+      <p:sp>
+        <p:nvSpPr>
+          <p:cNvPr id="2" name="スライド イメージ プレースホルダ 1"/>
+          <p:cNvSpPr>
+            <a:spLocks noGrp="1" noRot="1" noChangeAspect="1"/>
+          </p:cNvSpPr>
+          <p:nvPr>
+            <p:ph type="sldImg"/>
+          </p:nvPr>
+        </p:nvSpPr>
+        <p:spPr/>
+      </p:sp>
+      <p:sp>
+        <p:nvSpPr>
+          <p:cNvPr id="3" name="ノート プレースホルダ 2"/>
+          <p:cNvSpPr>
+            <a:spLocks noGrp="1"/>
+          </p:cNvSpPr>
+          <p:nvPr>
+            <p:ph type="body" idx="1"/>
+          </p:nvPr>
+        </p:nvSpPr>
+        <p:spPr/>
+        <p:txBody>
+          <a:bodyPr>
+            <a:normAutofit/>
+          </a:bodyPr>
+          <a:lstStyle/>
+          <a:p>
+            <a:r>
+              <a:rPr kumimoji="1" lang="ja-JP" altLang="en-US" sz="1200" dirty="0" smtClean="0"/>
+              <a:t>ログインした状態での権限による表示の違いを示す</a:t>
+            </a:r>
+            <a:endParaRPr kumimoji="1" lang="en-US" altLang="ja-JP" sz="1200" dirty="0" smtClean="0"/>
+          </a:p>
+          <a:p>
+            <a:r>
+              <a:rPr lang="ja-JP" altLang="en-US" sz="1200" dirty="0" smtClean="0"/>
+              <a:t>表示されているのは公開申請されているコンテンツ</a:t>
+            </a:r>
+            <a:endParaRPr lang="en-US" altLang="ja-JP" sz="1200" dirty="0" smtClean="0"/>
+          </a:p>
+          <a:p>
+            <a:r>
+              <a:rPr kumimoji="1" lang="ja-JP" altLang="en-US" sz="1200" dirty="0" smtClean="0"/>
+              <a:t>公開権限がある人から承認されると公開される</a:t>
+            </a:r>
+            <a:endParaRPr kumimoji="1" lang="en-US" altLang="ja-JP" sz="1200" dirty="0" smtClean="0"/>
+          </a:p>
+        </p:txBody>
+      </p:sp>
+      <p:sp>
+        <p:nvSpPr>
+          <p:cNvPr id="4" name="スライド番号プレースホルダ 3"/>
+          <p:cNvSpPr>
+            <a:spLocks noGrp="1"/>
+          </p:cNvSpPr>
+          <p:nvPr>
+            <p:ph type="sldNum" sz="quarter" idx="10"/>
+          </p:nvPr>
+        </p:nvSpPr>
+        <p:spPr/>
+        <p:txBody>
+          <a:bodyPr/>
+          <a:lstStyle/>
+          <a:p>
+            <a:fld id="{44DF46E2-8AE4-4839-B61A-75E79F11E2DB}" type="slidenum">
+              <a:rPr kumimoji="1" lang="ja-JP" altLang="en-US" smtClean="0"/>
+              <a:pPr/>
+              <a:t>18</a:t>
+            </a:fld>
+            <a:endParaRPr kumimoji="1" lang="ja-JP" altLang="en-US" dirty="0"/>
+          </a:p>
+        </p:txBody>
+      </p:sp>
+    </p:spTree>
+  </p:cSld>
+  <p:clrMapOvr>
+    <a:masterClrMapping/>
+  </p:clrMapOvr>
+</p:notes>
+</file>
+
+<file path=ppt/notesSlides/notesSlide6.xml><?xml version="1.0" encoding="utf-8"?>
+<p:notes xmlns:a="http://schemas.openxmlformats.org/drawingml/2006/main" xmlns:r="http://schemas.openxmlformats.org/officeDocument/2006/relationships" xmlns:p="http://schemas.openxmlformats.org/presentationml/2006/main">
+  <p:cSld>
+    <p:spTree>
+      <p:nvGrpSpPr>
+        <p:cNvPr id="1" name=""/>
+        <p:cNvGrpSpPr/>
+        <p:nvPr/>
+      </p:nvGrpSpPr>
+      <p:grpSpPr>
+        <a:xfrm>
+          <a:off x="0" y="0"/>
+          <a:ext cx="0" cy="0"/>
+          <a:chOff x="0" y="0"/>
+          <a:chExt cx="0" cy="0"/>
+        </a:xfrm>
+      </p:grpSpPr>
+      <p:sp>
+        <p:nvSpPr>
+          <p:cNvPr id="2" name="スライド イメージ プレースホルダ 1"/>
+          <p:cNvSpPr>
+            <a:spLocks noGrp="1" noRot="1" noChangeAspect="1"/>
+          </p:cNvSpPr>
+          <p:nvPr>
+            <p:ph type="sldImg"/>
+          </p:nvPr>
+        </p:nvSpPr>
+        <p:spPr/>
+      </p:sp>
+      <p:sp>
+        <p:nvSpPr>
+          <p:cNvPr id="3" name="ノート プレースホルダ 2"/>
+          <p:cNvSpPr>
+            <a:spLocks noGrp="1"/>
+          </p:cNvSpPr>
+          <p:nvPr>
+            <p:ph type="body" idx="1"/>
+          </p:nvPr>
+        </p:nvSpPr>
+        <p:spPr/>
+        <p:txBody>
+          <a:bodyPr>
+            <a:normAutofit/>
+          </a:bodyPr>
+          <a:lstStyle/>
+          <a:p>
+            <a:endParaRPr kumimoji="1" lang="ja-JP" altLang="en-US" dirty="0"/>
+          </a:p>
+        </p:txBody>
+      </p:sp>
+      <p:sp>
+        <p:nvSpPr>
+          <p:cNvPr id="4" name="スライド番号プレースホルダ 3"/>
+          <p:cNvSpPr>
+            <a:spLocks noGrp="1"/>
+          </p:cNvSpPr>
+          <p:nvPr>
+            <p:ph type="sldNum" sz="quarter" idx="10"/>
+          </p:nvPr>
+        </p:nvSpPr>
+        <p:spPr/>
+        <p:txBody>
+          <a:bodyPr/>
+          <a:lstStyle/>
+          <a:p>
+            <a:fld id="{44DF46E2-8AE4-4839-B61A-75E79F11E2DB}" type="slidenum">
+              <a:rPr kumimoji="1" lang="ja-JP" altLang="en-US" smtClean="0"/>
+              <a:pPr/>
+              <a:t>19</a:t>
             </a:fld>
             <a:endParaRPr kumimoji="1" lang="ja-JP" altLang="en-US" dirty="0"/>
           </a:p>
@@ -17990,7 +18415,8 @@
           <a:p>
             <a:fld id="{A9FED28E-9910-4CC0-BDE8-5AFA225D5F47}" type="datetime1">
               <a:rPr kumimoji="1" lang="ja-JP" altLang="en-US" smtClean="0"/>
-              <a:t>2014/11/25</a:t>
+              <a:pPr/>
+              <a:t>2014/11/26</a:t>
             </a:fld>
             <a:endParaRPr kumimoji="1" lang="ja-JP" altLang="en-US" dirty="0"/>
           </a:p>
@@ -18188,7 +18614,8 @@
           <a:p>
             <a:fld id="{6A6F51AD-34C9-47F4-86A8-3B69DA90BEA2}" type="datetime1">
               <a:rPr kumimoji="1" lang="ja-JP" altLang="en-US" smtClean="0"/>
-              <a:t>2014/11/25</a:t>
+              <a:pPr/>
+              <a:t>2014/11/26</a:t>
             </a:fld>
             <a:endParaRPr kumimoji="1" lang="ja-JP" altLang="en-US" dirty="0"/>
           </a:p>
@@ -18396,7 +18823,8 @@
           <a:p>
             <a:fld id="{7590417E-B2DC-43DB-A4CD-B72741785689}" type="datetime1">
               <a:rPr kumimoji="1" lang="ja-JP" altLang="en-US" smtClean="0"/>
-              <a:t>2014/11/25</a:t>
+              <a:pPr/>
+              <a:t>2014/11/26</a:t>
             </a:fld>
             <a:endParaRPr kumimoji="1" lang="ja-JP" altLang="en-US" dirty="0"/>
           </a:p>
@@ -18594,7 +19022,8 @@
           <a:p>
             <a:fld id="{BD1CCC0A-69FD-4DB1-8F69-9B7E47B35B06}" type="datetime1">
               <a:rPr kumimoji="1" lang="ja-JP" altLang="en-US" smtClean="0"/>
-              <a:t>2014/11/25</a:t>
+              <a:pPr/>
+              <a:t>2014/11/26</a:t>
             </a:fld>
             <a:endParaRPr kumimoji="1" lang="ja-JP" altLang="en-US" dirty="0"/>
           </a:p>
@@ -18629,17 +19058,26 @@
             <p:ph type="sldNum" sz="quarter" idx="12"/>
           </p:nvPr>
         </p:nvSpPr>
-        <p:spPr/>
+        <p:spPr>
+          <a:xfrm>
+            <a:off x="7020272" y="6525344"/>
+            <a:ext cx="2133600" cy="365125"/>
+          </a:xfrm>
+        </p:spPr>
         <p:txBody>
           <a:bodyPr/>
-          <a:lstStyle/>
+          <a:lstStyle>
+            <a:lvl1pPr>
+              <a:defRPr sz="2000"/>
+            </a:lvl1pPr>
+          </a:lstStyle>
           <a:p>
             <a:fld id="{D2D8002D-B5B0-4BAC-B1F6-782DDCCE6D9C}" type="slidenum">
-              <a:rPr kumimoji="1" lang="ja-JP" altLang="en-US" smtClean="0"/>
+              <a:rPr lang="ja-JP" altLang="en-US" smtClean="0"/>
               <a:pPr/>
               <a:t>&lt;#&gt;</a:t>
             </a:fld>
-            <a:endParaRPr kumimoji="1" lang="ja-JP" altLang="en-US" dirty="0"/>
+            <a:endParaRPr lang="ja-JP" altLang="en-US" dirty="0"/>
           </a:p>
         </p:txBody>
       </p:sp>
@@ -18836,7 +19274,8 @@
           <a:p>
             <a:fld id="{0070CAFA-E75C-41BD-BE36-3967424809FA}" type="datetime1">
               <a:rPr kumimoji="1" lang="ja-JP" altLang="en-US" smtClean="0"/>
-              <a:t>2014/11/25</a:t>
+              <a:pPr/>
+              <a:t>2014/11/26</a:t>
             </a:fld>
             <a:endParaRPr kumimoji="1" lang="ja-JP" altLang="en-US" dirty="0"/>
           </a:p>
@@ -19184,7 +19623,8 @@
           <a:p>
             <a:fld id="{068F4025-64F1-4470-B5D1-4B3DAE112D35}" type="datetime1">
               <a:rPr kumimoji="1" lang="ja-JP" altLang="en-US" smtClean="0"/>
-              <a:t>2014/11/25</a:t>
+              <a:pPr/>
+              <a:t>2014/11/26</a:t>
             </a:fld>
             <a:endParaRPr kumimoji="1" lang="ja-JP" altLang="en-US" dirty="0"/>
           </a:p>
@@ -19666,7 +20106,8 @@
           <a:p>
             <a:fld id="{B9D22DCD-7121-4433-9452-1134E9B0F84C}" type="datetime1">
               <a:rPr kumimoji="1" lang="ja-JP" altLang="en-US" smtClean="0"/>
-              <a:t>2014/11/25</a:t>
+              <a:pPr/>
+              <a:t>2014/11/26</a:t>
             </a:fld>
             <a:endParaRPr kumimoji="1" lang="ja-JP" altLang="en-US" dirty="0"/>
           </a:p>
@@ -19780,7 +20221,8 @@
           <a:p>
             <a:fld id="{C7DC36FC-1499-47BD-B33A-43ABA6D8900D}" type="datetime1">
               <a:rPr kumimoji="1" lang="ja-JP" altLang="en-US" smtClean="0"/>
-              <a:t>2014/11/25</a:t>
+              <a:pPr/>
+              <a:t>2014/11/26</a:t>
             </a:fld>
             <a:endParaRPr kumimoji="1" lang="ja-JP" altLang="en-US" dirty="0"/>
           </a:p>
@@ -19871,7 +20313,8 @@
           <a:p>
             <a:fld id="{D659CCE9-15B5-4EA3-8B94-9C5237C58DE4}" type="datetime1">
               <a:rPr kumimoji="1" lang="ja-JP" altLang="en-US" smtClean="0"/>
-              <a:t>2014/11/25</a:t>
+              <a:pPr/>
+              <a:t>2014/11/26</a:t>
             </a:fld>
             <a:endParaRPr kumimoji="1" lang="ja-JP" altLang="en-US" dirty="0"/>
           </a:p>
@@ -20176,7 +20619,8 @@
           <a:p>
             <a:fld id="{E175F6F9-74FF-4910-8619-FBBF32934514}" type="datetime1">
               <a:rPr kumimoji="1" lang="ja-JP" altLang="en-US" smtClean="0"/>
-              <a:t>2014/11/25</a:t>
+              <a:pPr/>
+              <a:t>2014/11/26</a:t>
             </a:fld>
             <a:endParaRPr kumimoji="1" lang="ja-JP" altLang="en-US" dirty="0"/>
           </a:p>
@@ -20425,7 +20869,8 @@
           <a:p>
             <a:fld id="{F71BFCFD-31AB-4D54-B301-796373502974}" type="datetime1">
               <a:rPr kumimoji="1" lang="ja-JP" altLang="en-US" smtClean="0"/>
-              <a:t>2014/11/25</a:t>
+              <a:pPr/>
+              <a:t>2014/11/26</a:t>
             </a:fld>
             <a:endParaRPr kumimoji="1" lang="ja-JP" altLang="en-US" dirty="0"/>
           </a:p>
@@ -20730,8 +21175,8 @@
           </p:nvSpPr>
           <p:spPr>
             <a:xfrm>
-              <a:off x="5652120" y="6317158"/>
-              <a:ext cx="3384376" cy="442870"/>
+              <a:off x="5580112" y="6219186"/>
+              <a:ext cx="3456384" cy="425876"/>
             </a:xfrm>
             <a:custGeom>
               <a:avLst/>
@@ -22538,7 +22983,7 @@
         </p:nvSpPr>
         <p:spPr>
           <a:xfrm>
-            <a:off x="457200" y="274638"/>
+            <a:off x="457200" y="125760"/>
             <a:ext cx="8229600" cy="1143000"/>
           </a:xfrm>
           <a:prstGeom prst="rect">
@@ -22571,8 +23016,8 @@
         </p:nvSpPr>
         <p:spPr>
           <a:xfrm>
-            <a:off x="457200" y="1600200"/>
-            <a:ext cx="8229600" cy="4525963"/>
+            <a:off x="457200" y="1412776"/>
+            <a:ext cx="8229600" cy="4713387"/>
           </a:xfrm>
           <a:prstGeom prst="rect">
             <a:avLst/>
@@ -22688,7 +23133,8 @@
           <a:p>
             <a:fld id="{11B3F5BA-E36A-437C-98D2-FDEE83C185CE}" type="datetime1">
               <a:rPr kumimoji="1" lang="ja-JP" altLang="en-US" smtClean="0"/>
-              <a:t>2014/11/25</a:t>
+              <a:pPr/>
+              <a:t>2014/11/26</a:t>
             </a:fld>
             <a:endParaRPr kumimoji="1" lang="ja-JP" altLang="en-US" dirty="0"/>
           </a:p>
@@ -22797,13 +23243,13 @@
           <a:spcPct val="0"/>
         </a:spcBef>
         <a:buNone/>
-        <a:defRPr kumimoji="1" sz="4400" kern="1200">
+        <a:defRPr kumimoji="1" sz="4400" b="1" kern="1200">
           <a:solidFill>
             <a:schemeClr val="tx1"/>
           </a:solidFill>
-          <a:latin typeface="HGPｺﾞｼｯｸE" pitchFamily="50" charset="-128"/>
-          <a:ea typeface="HGPｺﾞｼｯｸE" pitchFamily="50" charset="-128"/>
-          <a:cs typeface="+mj-cs"/>
+          <a:latin typeface="メイリオ" pitchFamily="50" charset="-128"/>
+          <a:ea typeface="メイリオ" pitchFamily="50" charset="-128"/>
+          <a:cs typeface="メイリオ" pitchFamily="50" charset="-128"/>
         </a:defRPr>
       </a:lvl1pPr>
     </p:titleStyle>
@@ -22814,13 +23260,13 @@
         </a:spcBef>
         <a:buFont typeface="Arial" pitchFamily="34" charset="0"/>
         <a:buChar char="•"/>
-        <a:defRPr kumimoji="1" sz="3200" kern="1200">
+        <a:defRPr kumimoji="1" sz="2800" b="1" kern="1200">
           <a:solidFill>
             <a:schemeClr val="tx1"/>
           </a:solidFill>
-          <a:latin typeface="+mj-ea"/>
-          <a:ea typeface="+mj-ea"/>
-          <a:cs typeface="+mn-cs"/>
+          <a:latin typeface="メイリオ" pitchFamily="50" charset="-128"/>
+          <a:ea typeface="メイリオ" pitchFamily="50" charset="-128"/>
+          <a:cs typeface="メイリオ" pitchFamily="50" charset="-128"/>
         </a:defRPr>
       </a:lvl1pPr>
       <a:lvl2pPr marL="742950" indent="-285750" algn="l" defTabSz="914400" rtl="0" eaLnBrk="1" latinLnBrk="0" hangingPunct="1">
@@ -22829,13 +23275,13 @@
         </a:spcBef>
         <a:buFont typeface="Arial" pitchFamily="34" charset="0"/>
         <a:buChar char="–"/>
-        <a:defRPr kumimoji="1" sz="2800" kern="1200">
+        <a:defRPr kumimoji="1" sz="2400" b="1" kern="1200">
           <a:solidFill>
             <a:schemeClr val="tx1"/>
           </a:solidFill>
-          <a:latin typeface="+mj-ea"/>
-          <a:ea typeface="+mj-ea"/>
-          <a:cs typeface="+mn-cs"/>
+          <a:latin typeface="メイリオ" pitchFamily="50" charset="-128"/>
+          <a:ea typeface="メイリオ" pitchFamily="50" charset="-128"/>
+          <a:cs typeface="メイリオ" pitchFamily="50" charset="-128"/>
         </a:defRPr>
       </a:lvl2pPr>
       <a:lvl3pPr marL="1143000" indent="-228600" algn="l" defTabSz="914400" rtl="0" eaLnBrk="1" latinLnBrk="0" hangingPunct="1">
@@ -22844,13 +23290,13 @@
         </a:spcBef>
         <a:buFont typeface="Arial" pitchFamily="34" charset="0"/>
         <a:buChar char="•"/>
-        <a:defRPr kumimoji="1" sz="2400" kern="1200">
+        <a:defRPr kumimoji="1" sz="2000" b="1" kern="1200">
           <a:solidFill>
             <a:schemeClr val="tx1"/>
           </a:solidFill>
-          <a:latin typeface="+mj-ea"/>
-          <a:ea typeface="+mj-ea"/>
-          <a:cs typeface="+mn-cs"/>
+          <a:latin typeface="メイリオ" pitchFamily="50" charset="-128"/>
+          <a:ea typeface="メイリオ" pitchFamily="50" charset="-128"/>
+          <a:cs typeface="メイリオ" pitchFamily="50" charset="-128"/>
         </a:defRPr>
       </a:lvl3pPr>
       <a:lvl4pPr marL="1600200" indent="-228600" algn="l" defTabSz="914400" rtl="0" eaLnBrk="1" latinLnBrk="0" hangingPunct="1">
@@ -22859,13 +23305,13 @@
         </a:spcBef>
         <a:buFont typeface="Arial" pitchFamily="34" charset="0"/>
         <a:buChar char="–"/>
-        <a:defRPr kumimoji="1" sz="2000" kern="1200">
+        <a:defRPr kumimoji="1" sz="1800" b="1" kern="1200">
           <a:solidFill>
             <a:schemeClr val="tx1"/>
           </a:solidFill>
-          <a:latin typeface="+mj-ea"/>
-          <a:ea typeface="+mj-ea"/>
-          <a:cs typeface="+mn-cs"/>
+          <a:latin typeface="メイリオ" pitchFamily="50" charset="-128"/>
+          <a:ea typeface="メイリオ" pitchFamily="50" charset="-128"/>
+          <a:cs typeface="メイリオ" pitchFamily="50" charset="-128"/>
         </a:defRPr>
       </a:lvl4pPr>
       <a:lvl5pPr marL="2057400" indent="-228600" algn="l" defTabSz="914400" rtl="0" eaLnBrk="1" latinLnBrk="0" hangingPunct="1">
@@ -22874,13 +23320,13 @@
         </a:spcBef>
         <a:buFont typeface="Arial" pitchFamily="34" charset="0"/>
         <a:buChar char="»"/>
-        <a:defRPr kumimoji="1" sz="2000" kern="1200">
+        <a:defRPr kumimoji="1" sz="1800" b="1" kern="1200">
           <a:solidFill>
             <a:schemeClr val="tx1"/>
           </a:solidFill>
-          <a:latin typeface="+mj-ea"/>
-          <a:ea typeface="+mj-ea"/>
-          <a:cs typeface="+mn-cs"/>
+          <a:latin typeface="メイリオ" pitchFamily="50" charset="-128"/>
+          <a:ea typeface="メイリオ" pitchFamily="50" charset="-128"/>
+          <a:cs typeface="メイリオ" pitchFamily="50" charset="-128"/>
         </a:defRPr>
       </a:lvl5pPr>
       <a:lvl6pPr marL="2514600" indent="-228600" algn="l" defTabSz="914400" rtl="0" eaLnBrk="1" latinLnBrk="0" hangingPunct="1">
@@ -23072,53 +23518,59 @@
         </p:nvSpPr>
         <p:spPr>
           <a:xfrm>
-            <a:off x="251520" y="1382911"/>
-            <a:ext cx="8712968" cy="1470025"/>
+            <a:off x="0" y="1382911"/>
+            <a:ext cx="9144000" cy="1470025"/>
           </a:xfrm>
         </p:spPr>
         <p:txBody>
           <a:bodyPr>
-            <a:normAutofit fontScale="90000"/>
+            <a:normAutofit/>
           </a:bodyPr>
           <a:lstStyle/>
           <a:p>
             <a:r>
-              <a:rPr kumimoji="1" lang="en-US" altLang="ja-JP" dirty="0" smtClean="0">
-                <a:latin typeface="HGPｺﾞｼｯｸE" pitchFamily="50" charset="-128"/>
-                <a:ea typeface="HGPｺﾞｼｯｸE" pitchFamily="50" charset="-128"/>
+              <a:rPr kumimoji="1" lang="en-US" altLang="ja-JP" sz="3600" b="1" dirty="0" smtClean="0">
+                <a:latin typeface="メイリオ" pitchFamily="50" charset="-128"/>
+                <a:ea typeface="メイリオ" pitchFamily="50" charset="-128"/>
+                <a:cs typeface="メイリオ" pitchFamily="50" charset="-128"/>
               </a:rPr>
               <a:t>NetCommons3</a:t>
             </a:r>
             <a:r>
-              <a:rPr kumimoji="1" lang="ja-JP" altLang="en-US" dirty="0" smtClean="0">
-                <a:latin typeface="HGPｺﾞｼｯｸE" pitchFamily="50" charset="-128"/>
-                <a:ea typeface="HGPｺﾞｼｯｸE" pitchFamily="50" charset="-128"/>
+              <a:rPr kumimoji="1" lang="ja-JP" altLang="en-US" sz="3600" b="1" dirty="0" smtClean="0">
+                <a:latin typeface="メイリオ" pitchFamily="50" charset="-128"/>
+                <a:ea typeface="メイリオ" pitchFamily="50" charset="-128"/>
+                <a:cs typeface="メイリオ" pitchFamily="50" charset="-128"/>
               </a:rPr>
               <a:t>プラグイン開発における</a:t>
             </a:r>
             <a:r>
-              <a:rPr kumimoji="1" lang="en-US" altLang="ja-JP" dirty="0" smtClean="0">
-                <a:latin typeface="HGPｺﾞｼｯｸE" pitchFamily="50" charset="-128"/>
-                <a:ea typeface="HGPｺﾞｼｯｸE" pitchFamily="50" charset="-128"/>
+              <a:rPr kumimoji="1" lang="en-US" altLang="ja-JP" sz="3600" b="1" dirty="0" smtClean="0">
+                <a:latin typeface="メイリオ" pitchFamily="50" charset="-128"/>
+                <a:ea typeface="メイリオ" pitchFamily="50" charset="-128"/>
+                <a:cs typeface="メイリオ" pitchFamily="50" charset="-128"/>
               </a:rPr>
               <a:t/>
             </a:r>
             <a:br>
-              <a:rPr kumimoji="1" lang="en-US" altLang="ja-JP" dirty="0" smtClean="0">
-                <a:latin typeface="HGPｺﾞｼｯｸE" pitchFamily="50" charset="-128"/>
-                <a:ea typeface="HGPｺﾞｼｯｸE" pitchFamily="50" charset="-128"/>
+              <a:rPr kumimoji="1" lang="en-US" altLang="ja-JP" sz="3600" b="1" dirty="0" smtClean="0">
+                <a:latin typeface="メイリオ" pitchFamily="50" charset="-128"/>
+                <a:ea typeface="メイリオ" pitchFamily="50" charset="-128"/>
+                <a:cs typeface="メイリオ" pitchFamily="50" charset="-128"/>
               </a:rPr>
             </a:br>
             <a:r>
-              <a:rPr lang="ja-JP" altLang="en-US" dirty="0" smtClean="0">
-                <a:latin typeface="HGPｺﾞｼｯｸE" pitchFamily="50" charset="-128"/>
-                <a:ea typeface="HGPｺﾞｼｯｸE" pitchFamily="50" charset="-128"/>
+              <a:rPr lang="ja-JP" altLang="en-US" sz="3600" b="1" dirty="0" smtClean="0">
+                <a:latin typeface="メイリオ" pitchFamily="50" charset="-128"/>
+                <a:ea typeface="メイリオ" pitchFamily="50" charset="-128"/>
+                <a:cs typeface="メイリオ" pitchFamily="50" charset="-128"/>
               </a:rPr>
               <a:t>機能提案及び、評価</a:t>
             </a:r>
-            <a:endParaRPr kumimoji="1" lang="ja-JP" altLang="en-US" dirty="0">
-              <a:latin typeface="HGPｺﾞｼｯｸE" pitchFamily="50" charset="-128"/>
-              <a:ea typeface="HGPｺﾞｼｯｸE" pitchFamily="50" charset="-128"/>
+            <a:endParaRPr kumimoji="1" lang="ja-JP" altLang="en-US" sz="3600" b="1" dirty="0">
+              <a:latin typeface="メイリオ" pitchFamily="50" charset="-128"/>
+              <a:ea typeface="メイリオ" pitchFamily="50" charset="-128"/>
+              <a:cs typeface="メイリオ" pitchFamily="50" charset="-128"/>
             </a:endParaRPr>
           </a:p>
         </p:txBody>
@@ -23135,76 +23587,211 @@
         </p:nvSpPr>
         <p:spPr>
           <a:xfrm>
-            <a:off x="979512" y="4941168"/>
-            <a:ext cx="7768952" cy="1752600"/>
+            <a:off x="2699792" y="4293096"/>
+            <a:ext cx="6048672" cy="2400672"/>
           </a:xfrm>
         </p:spPr>
         <p:txBody>
           <a:bodyPr>
-            <a:normAutofit lnSpcReduction="10000"/>
+            <a:noAutofit/>
           </a:bodyPr>
           <a:lstStyle/>
           <a:p>
             <a:pPr algn="r"/>
             <a:r>
-              <a:rPr kumimoji="1" lang="ja-JP" altLang="en-US" sz="2400" dirty="0" smtClean="0">
-                <a:latin typeface="HGP創英角ｺﾞｼｯｸUB" pitchFamily="50" charset="-128"/>
-                <a:ea typeface="HGP創英角ｺﾞｼｯｸUB" pitchFamily="50" charset="-128"/>
+              <a:rPr kumimoji="1" lang="ja-JP" altLang="en-US" sz="2400" b="1" dirty="0" smtClean="0">
+                <a:solidFill>
+                  <a:schemeClr val="tx1"/>
+                </a:solidFill>
+                <a:latin typeface="メイリオ" pitchFamily="50" charset="-128"/>
+                <a:ea typeface="メイリオ" pitchFamily="50" charset="-128"/>
+                <a:cs typeface="メイリオ" pitchFamily="50" charset="-128"/>
               </a:rPr>
-              <a:t>国立情報学研究所</a:t>
-            </a:r>
-            <a:r>
-              <a:rPr lang="ja-JP" altLang="en-US" sz="2400" dirty="0" smtClean="0">
-                <a:latin typeface="HGP創英角ｺﾞｼｯｸUB" pitchFamily="50" charset="-128"/>
-                <a:ea typeface="HGP創英角ｺﾞｼｯｸUB" pitchFamily="50" charset="-128"/>
+              <a:t>国立情報学</a:t>
+            </a:r>
+            <a:r>
+              <a:rPr kumimoji="1" lang="ja-JP" altLang="en-US" sz="2400" b="1" dirty="0" smtClean="0">
+                <a:solidFill>
+                  <a:schemeClr val="tx1"/>
+                </a:solidFill>
+                <a:latin typeface="メイリオ" pitchFamily="50" charset="-128"/>
+                <a:ea typeface="メイリオ" pitchFamily="50" charset="-128"/>
+                <a:cs typeface="メイリオ" pitchFamily="50" charset="-128"/>
               </a:rPr>
-              <a:t>　社会共有知研究センタ</a:t>
-            </a:r>
-            <a:endParaRPr lang="en-US" altLang="ja-JP" sz="2400" dirty="0" smtClean="0">
-              <a:latin typeface="HGP創英角ｺﾞｼｯｸUB" pitchFamily="50" charset="-128"/>
-              <a:ea typeface="HGP創英角ｺﾞｼｯｸUB" pitchFamily="50" charset="-128"/>
+              <a:t>研究所</a:t>
+            </a:r>
+            <a:r>
+              <a:rPr lang="ja-JP" altLang="en-US" sz="2400" b="1" dirty="0" smtClean="0">
+                <a:solidFill>
+                  <a:schemeClr val="tx1"/>
+                </a:solidFill>
+                <a:latin typeface="メイリオ" pitchFamily="50" charset="-128"/>
+                <a:ea typeface="メイリオ" pitchFamily="50" charset="-128"/>
+                <a:cs typeface="メイリオ" pitchFamily="50" charset="-128"/>
+              </a:rPr>
+              <a:t>　社会</a:t>
+            </a:r>
+            <a:r>
+              <a:rPr lang="ja-JP" altLang="en-US" sz="2400" b="1" dirty="0" smtClean="0">
+                <a:solidFill>
+                  <a:schemeClr val="tx1"/>
+                </a:solidFill>
+                <a:latin typeface="メイリオ" pitchFamily="50" charset="-128"/>
+                <a:ea typeface="メイリオ" pitchFamily="50" charset="-128"/>
+                <a:cs typeface="メイリオ" pitchFamily="50" charset="-128"/>
+              </a:rPr>
+              <a:t>共有知研究</a:t>
+            </a:r>
+            <a:r>
+              <a:rPr lang="ja-JP" altLang="en-US" sz="2400" b="1" dirty="0" smtClean="0">
+                <a:solidFill>
+                  <a:schemeClr val="tx1"/>
+                </a:solidFill>
+                <a:latin typeface="メイリオ" pitchFamily="50" charset="-128"/>
+                <a:ea typeface="メイリオ" pitchFamily="50" charset="-128"/>
+                <a:cs typeface="メイリオ" pitchFamily="50" charset="-128"/>
+              </a:rPr>
+              <a:t>センタ</a:t>
+            </a:r>
+            <a:endParaRPr lang="en-US" altLang="ja-JP" sz="2400" b="1" dirty="0" smtClean="0">
+              <a:solidFill>
+                <a:schemeClr val="tx1"/>
+              </a:solidFill>
+              <a:latin typeface="メイリオ" pitchFamily="50" charset="-128"/>
+              <a:ea typeface="メイリオ" pitchFamily="50" charset="-128"/>
+              <a:cs typeface="メイリオ" pitchFamily="50" charset="-128"/>
             </a:endParaRPr>
           </a:p>
           <a:p>
             <a:pPr algn="r"/>
             <a:r>
-              <a:rPr kumimoji="1" lang="ja-JP" altLang="en-US" sz="2400" dirty="0" smtClean="0">
-                <a:latin typeface="HGP創英角ｺﾞｼｯｸUB" pitchFamily="50" charset="-128"/>
-                <a:ea typeface="HGP創英角ｺﾞｼｯｸUB" pitchFamily="50" charset="-128"/>
+              <a:rPr kumimoji="1" lang="ja-JP" altLang="en-US" sz="2400" b="1" dirty="0" smtClean="0">
+                <a:solidFill>
+                  <a:schemeClr val="tx1"/>
+                </a:solidFill>
+                <a:latin typeface="メイリオ" pitchFamily="50" charset="-128"/>
+                <a:ea typeface="メイリオ" pitchFamily="50" charset="-128"/>
+                <a:cs typeface="メイリオ" pitchFamily="50" charset="-128"/>
               </a:rPr>
               <a:t>新井研究室</a:t>
             </a:r>
-            <a:endParaRPr kumimoji="1" lang="en-US" altLang="ja-JP" sz="2400" dirty="0" smtClean="0">
-              <a:latin typeface="HGP創英角ｺﾞｼｯｸUB" pitchFamily="50" charset="-128"/>
-              <a:ea typeface="HGP創英角ｺﾞｼｯｸUB" pitchFamily="50" charset="-128"/>
+            <a:endParaRPr kumimoji="1" lang="en-US" altLang="ja-JP" sz="2400" b="1" dirty="0" smtClean="0">
+              <a:solidFill>
+                <a:schemeClr val="tx1"/>
+              </a:solidFill>
+              <a:latin typeface="メイリオ" pitchFamily="50" charset="-128"/>
+              <a:ea typeface="メイリオ" pitchFamily="50" charset="-128"/>
+              <a:cs typeface="メイリオ" pitchFamily="50" charset="-128"/>
             </a:endParaRPr>
           </a:p>
           <a:p>
             <a:pPr algn="r"/>
             <a:r>
-              <a:rPr lang="ja-JP" altLang="en-US" sz="2400" dirty="0" smtClean="0">
-                <a:latin typeface="HGP創英角ｺﾞｼｯｸUB" pitchFamily="50" charset="-128"/>
-                <a:ea typeface="HGP創英角ｺﾞｼｯｸUB" pitchFamily="50" charset="-128"/>
+              <a:rPr lang="ja-JP" altLang="en-US" sz="2400" b="1" dirty="0" smtClean="0">
+                <a:solidFill>
+                  <a:schemeClr val="tx1"/>
+                </a:solidFill>
+                <a:latin typeface="メイリオ" pitchFamily="50" charset="-128"/>
+                <a:ea typeface="メイリオ" pitchFamily="50" charset="-128"/>
+                <a:cs typeface="メイリオ" pitchFamily="50" charset="-128"/>
               </a:rPr>
-              <a:t>日立製作所　（情公共）　（消防セ１）</a:t>
-            </a:r>
-            <a:endParaRPr kumimoji="1" lang="en-US" altLang="ja-JP" sz="2400" dirty="0" smtClean="0">
-              <a:latin typeface="HGP創英角ｺﾞｼｯｸUB" pitchFamily="50" charset="-128"/>
-              <a:ea typeface="HGP創英角ｺﾞｼｯｸUB" pitchFamily="50" charset="-128"/>
+              <a:t>日立</a:t>
+            </a:r>
+            <a:r>
+              <a:rPr lang="ja-JP" altLang="en-US" sz="2400" b="1" dirty="0" smtClean="0">
+                <a:solidFill>
+                  <a:schemeClr val="tx1"/>
+                </a:solidFill>
+                <a:latin typeface="メイリオ" pitchFamily="50" charset="-128"/>
+                <a:ea typeface="メイリオ" pitchFamily="50" charset="-128"/>
+                <a:cs typeface="メイリオ" pitchFamily="50" charset="-128"/>
+              </a:rPr>
+              <a:t>製作所　</a:t>
+            </a:r>
+            <a:r>
+              <a:rPr lang="ja-JP" altLang="en-US" sz="2400" b="1" dirty="0" smtClean="0">
+                <a:solidFill>
+                  <a:schemeClr val="tx1"/>
+                </a:solidFill>
+                <a:latin typeface="メイリオ" pitchFamily="50" charset="-128"/>
+                <a:ea typeface="メイリオ" pitchFamily="50" charset="-128"/>
+                <a:cs typeface="メイリオ" pitchFamily="50" charset="-128"/>
+              </a:rPr>
+              <a:t>公共システム事業部</a:t>
+            </a:r>
+            <a:endParaRPr lang="en-US" altLang="ja-JP" sz="2400" b="1" dirty="0" smtClean="0">
+              <a:solidFill>
+                <a:schemeClr val="tx1"/>
+              </a:solidFill>
+              <a:latin typeface="メイリオ" pitchFamily="50" charset="-128"/>
+              <a:ea typeface="メイリオ" pitchFamily="50" charset="-128"/>
+              <a:cs typeface="メイリオ" pitchFamily="50" charset="-128"/>
             </a:endParaRPr>
           </a:p>
           <a:p>
             <a:pPr algn="r"/>
             <a:r>
-              <a:rPr kumimoji="1" lang="ja-JP" altLang="en-US" sz="2400" dirty="0" smtClean="0">
-                <a:latin typeface="HGP創英角ｺﾞｼｯｸUB" pitchFamily="50" charset="-128"/>
-                <a:ea typeface="HGP創英角ｺﾞｼｯｸUB" pitchFamily="50" charset="-128"/>
+              <a:rPr lang="ja-JP" altLang="en-US" sz="2400" b="1" dirty="0" smtClean="0">
+                <a:solidFill>
+                  <a:schemeClr val="tx1"/>
+                </a:solidFill>
+                <a:latin typeface="メイリオ" pitchFamily="50" charset="-128"/>
+                <a:ea typeface="メイリオ" pitchFamily="50" charset="-128"/>
+                <a:cs typeface="メイリオ" pitchFamily="50" charset="-128"/>
+              </a:rPr>
+              <a:t>消防システム開発センタ　第</a:t>
+            </a:r>
+            <a:r>
+              <a:rPr lang="en-US" altLang="ja-JP" sz="2400" b="1" dirty="0" smtClean="0">
+                <a:solidFill>
+                  <a:schemeClr val="tx1"/>
+                </a:solidFill>
+                <a:latin typeface="メイリオ" pitchFamily="50" charset="-128"/>
+                <a:ea typeface="メイリオ" pitchFamily="50" charset="-128"/>
+                <a:cs typeface="メイリオ" pitchFamily="50" charset="-128"/>
+              </a:rPr>
+              <a:t>2</a:t>
+            </a:r>
+            <a:r>
+              <a:rPr lang="ja-JP" altLang="en-US" sz="2400" b="1" dirty="0" smtClean="0">
+                <a:solidFill>
+                  <a:schemeClr val="tx1"/>
+                </a:solidFill>
+                <a:latin typeface="メイリオ" pitchFamily="50" charset="-128"/>
+                <a:ea typeface="メイリオ" pitchFamily="50" charset="-128"/>
+                <a:cs typeface="メイリオ" pitchFamily="50" charset="-128"/>
+              </a:rPr>
+              <a:t>Ｇ</a:t>
+            </a:r>
+            <a:endParaRPr kumimoji="1" lang="en-US" altLang="ja-JP" sz="2400" b="1" dirty="0" smtClean="0">
+              <a:solidFill>
+                <a:schemeClr val="tx1"/>
+              </a:solidFill>
+              <a:latin typeface="メイリオ" pitchFamily="50" charset="-128"/>
+              <a:ea typeface="メイリオ" pitchFamily="50" charset="-128"/>
+              <a:cs typeface="メイリオ" pitchFamily="50" charset="-128"/>
+            </a:endParaRPr>
+          </a:p>
+          <a:p>
+            <a:pPr algn="r"/>
+            <a:r>
+              <a:rPr kumimoji="1" lang="ja-JP" altLang="en-US" sz="2400" b="1" dirty="0" smtClean="0">
+                <a:solidFill>
+                  <a:schemeClr val="tx1"/>
+                </a:solidFill>
+                <a:latin typeface="メイリオ" pitchFamily="50" charset="-128"/>
+                <a:ea typeface="メイリオ" pitchFamily="50" charset="-128"/>
+                <a:cs typeface="メイリオ" pitchFamily="50" charset="-128"/>
               </a:rPr>
               <a:t>外田浩太朗</a:t>
             </a:r>
-            <a:endParaRPr kumimoji="1" lang="ja-JP" altLang="en-US" sz="2400" dirty="0">
-              <a:latin typeface="HGP創英角ｺﾞｼｯｸUB" pitchFamily="50" charset="-128"/>
-              <a:ea typeface="HGP創英角ｺﾞｼｯｸUB" pitchFamily="50" charset="-128"/>
+            <a:endParaRPr kumimoji="1" lang="ja-JP" altLang="en-US" sz="2400" b="1" dirty="0">
+              <a:solidFill>
+                <a:schemeClr val="tx1"/>
+              </a:solidFill>
+              <a:latin typeface="メイリオ" pitchFamily="50" charset="-128"/>
+              <a:ea typeface="メイリオ" pitchFamily="50" charset="-128"/>
+              <a:cs typeface="メイリオ" pitchFamily="50" charset="-128"/>
             </a:endParaRPr>
           </a:p>
         </p:txBody>
@@ -23226,6 +23813,1967 @@
 
 <file path=ppt/slides/slide10.xml><?xml version="1.0" encoding="utf-8"?>
 <p:sld xmlns:a="http://schemas.openxmlformats.org/drawingml/2006/main" xmlns:r="http://schemas.openxmlformats.org/officeDocument/2006/relationships" xmlns:p="http://schemas.openxmlformats.org/presentationml/2006/main">
+  <p:cSld>
+    <p:spTree>
+      <p:nvGrpSpPr>
+        <p:cNvPr id="1" name=""/>
+        <p:cNvGrpSpPr/>
+        <p:nvPr/>
+      </p:nvGrpSpPr>
+      <p:grpSpPr>
+        <a:xfrm>
+          <a:off x="0" y="0"/>
+          <a:ext cx="0" cy="0"/>
+          <a:chOff x="0" y="0"/>
+          <a:chExt cx="0" cy="0"/>
+        </a:xfrm>
+      </p:grpSpPr>
+      <p:sp>
+        <p:nvSpPr>
+          <p:cNvPr id="2" name="タイトル 1"/>
+          <p:cNvSpPr>
+            <a:spLocks noGrp="1"/>
+          </p:cNvSpPr>
+          <p:nvPr>
+            <p:ph type="title"/>
+          </p:nvPr>
+        </p:nvSpPr>
+        <p:spPr/>
+        <p:txBody>
+          <a:bodyPr/>
+          <a:lstStyle/>
+          <a:p>
+            <a:r>
+              <a:rPr kumimoji="1" lang="en-US" altLang="ja-JP" dirty="0" smtClean="0"/>
+              <a:t>NC2</a:t>
+            </a:r>
+            <a:r>
+              <a:rPr kumimoji="1" lang="ja-JP" altLang="en-US" dirty="0" smtClean="0"/>
+              <a:t>→</a:t>
+            </a:r>
+            <a:r>
+              <a:rPr kumimoji="1" lang="en-US" altLang="ja-JP" dirty="0" smtClean="0"/>
+              <a:t>NC3</a:t>
+            </a:r>
+            <a:r>
+              <a:rPr kumimoji="1" lang="ja-JP" altLang="en-US" dirty="0" smtClean="0"/>
+              <a:t>の大きな違い</a:t>
+            </a:r>
+            <a:endParaRPr kumimoji="1" lang="ja-JP" altLang="en-US" dirty="0"/>
+          </a:p>
+        </p:txBody>
+      </p:sp>
+      <p:sp>
+        <p:nvSpPr>
+          <p:cNvPr id="3" name="コンテンツ プレースホルダ 2"/>
+          <p:cNvSpPr>
+            <a:spLocks noGrp="1"/>
+          </p:cNvSpPr>
+          <p:nvPr>
+            <p:ph idx="1"/>
+          </p:nvPr>
+        </p:nvSpPr>
+        <p:spPr/>
+        <p:txBody>
+          <a:bodyPr>
+            <a:normAutofit/>
+          </a:bodyPr>
+          <a:lstStyle/>
+          <a:p>
+            <a:r>
+              <a:rPr kumimoji="1" lang="en-US" altLang="ja-JP" dirty="0" smtClean="0"/>
+              <a:t>PHP</a:t>
+            </a:r>
+            <a:r>
+              <a:rPr kumimoji="1" lang="ja-JP" altLang="en-US" dirty="0" smtClean="0"/>
+              <a:t>フレームワーク変更</a:t>
+            </a:r>
+            <a:endParaRPr kumimoji="1" lang="en-US" altLang="ja-JP" dirty="0" smtClean="0"/>
+          </a:p>
+          <a:p>
+            <a:pPr>
+              <a:buNone/>
+            </a:pPr>
+            <a:r>
+              <a:rPr lang="en-US" altLang="ja-JP" dirty="0" smtClean="0"/>
+              <a:t>		</a:t>
+            </a:r>
+            <a:r>
+              <a:rPr lang="en-US" altLang="ja-JP" dirty="0" smtClean="0"/>
+              <a:t>maple</a:t>
+            </a:r>
+            <a:r>
+              <a:rPr lang="ja-JP" altLang="en-US" dirty="0" smtClean="0"/>
+              <a:t> </a:t>
+            </a:r>
+            <a:r>
+              <a:rPr lang="en-US" altLang="ja-JP" dirty="0" smtClean="0"/>
+              <a:t>-&gt;</a:t>
+            </a:r>
+            <a:r>
+              <a:rPr lang="ja-JP" altLang="en-US" dirty="0" smtClean="0"/>
+              <a:t> </a:t>
+            </a:r>
+            <a:r>
+              <a:rPr lang="en-US" altLang="ja-JP" dirty="0" smtClean="0"/>
+              <a:t>CakePHP</a:t>
+            </a:r>
+            <a:endParaRPr kumimoji="1" lang="en-US" altLang="ja-JP" dirty="0" smtClean="0"/>
+          </a:p>
+          <a:p>
+            <a:r>
+              <a:rPr kumimoji="1" lang="en-US" altLang="ja-JP" dirty="0" smtClean="0"/>
+              <a:t>Javascript,</a:t>
+            </a:r>
+            <a:r>
+              <a:rPr lang="ja-JP" altLang="en-US" dirty="0" smtClean="0"/>
+              <a:t> </a:t>
+            </a:r>
+            <a:r>
+              <a:rPr kumimoji="1" lang="en-US" altLang="ja-JP" dirty="0" smtClean="0"/>
+              <a:t>CSS</a:t>
+            </a:r>
+            <a:r>
+              <a:rPr kumimoji="1" lang="ja-JP" altLang="en-US" dirty="0" smtClean="0"/>
+              <a:t>フレームワークの採用</a:t>
+            </a:r>
+            <a:endParaRPr kumimoji="1" lang="en-US" altLang="ja-JP" dirty="0" smtClean="0"/>
+          </a:p>
+          <a:p>
+            <a:pPr>
+              <a:buNone/>
+            </a:pPr>
+            <a:r>
+              <a:rPr lang="en-US" altLang="ja-JP" dirty="0" smtClean="0"/>
+              <a:t>		</a:t>
+            </a:r>
+            <a:r>
+              <a:rPr lang="en-US" altLang="ja-JP" dirty="0" smtClean="0"/>
+              <a:t>Javascript</a:t>
+            </a:r>
+            <a:r>
+              <a:rPr lang="en-US" altLang="ja-JP" dirty="0" smtClean="0"/>
+              <a:t>	</a:t>
+            </a:r>
+            <a:r>
+              <a:rPr lang="en-US" altLang="ja-JP" dirty="0" smtClean="0"/>
+              <a:t>-&gt; </a:t>
+            </a:r>
+            <a:r>
+              <a:rPr lang="en-US" altLang="ja-JP" dirty="0" smtClean="0"/>
+              <a:t>AngularJS</a:t>
+            </a:r>
+          </a:p>
+          <a:p>
+            <a:pPr>
+              <a:buNone/>
+            </a:pPr>
+            <a:r>
+              <a:rPr lang="en-US" altLang="ja-JP" dirty="0" smtClean="0"/>
+              <a:t>		CSS	</a:t>
+            </a:r>
+            <a:r>
+              <a:rPr lang="en-US" altLang="ja-JP" dirty="0" smtClean="0"/>
+              <a:t>	</a:t>
+            </a:r>
+            <a:r>
+              <a:rPr lang="en-US" altLang="ja-JP" dirty="0" smtClean="0"/>
+              <a:t>-&gt;</a:t>
+            </a:r>
+            <a:r>
+              <a:rPr lang="ja-JP" altLang="en-US" dirty="0" smtClean="0"/>
+              <a:t> </a:t>
+            </a:r>
+            <a:r>
+              <a:rPr lang="en-US" altLang="ja-JP" dirty="0" smtClean="0"/>
+              <a:t>Bootstrap</a:t>
+            </a:r>
+          </a:p>
+          <a:p>
+            <a:r>
+              <a:rPr kumimoji="1" lang="en-US" altLang="ja-JP" dirty="0" smtClean="0"/>
+              <a:t>CI(</a:t>
+            </a:r>
+            <a:r>
+              <a:rPr kumimoji="1" lang="ja-JP" altLang="en-US" dirty="0" smtClean="0"/>
+              <a:t>継続的インテグレーションツール</a:t>
+            </a:r>
+            <a:r>
+              <a:rPr kumimoji="1" lang="en-US" altLang="ja-JP" dirty="0" smtClean="0"/>
+              <a:t>)</a:t>
+            </a:r>
+            <a:r>
+              <a:rPr kumimoji="1" lang="ja-JP" altLang="en-US" dirty="0" smtClean="0"/>
+              <a:t>の採用</a:t>
+            </a:r>
+            <a:endParaRPr lang="en-US" altLang="ja-JP" dirty="0" smtClean="0"/>
+          </a:p>
+          <a:p>
+            <a:pPr>
+              <a:buNone/>
+            </a:pPr>
+            <a:r>
+              <a:rPr kumimoji="1" lang="en-US" altLang="ja-JP" dirty="0" smtClean="0"/>
+              <a:t>		TravisCI</a:t>
+            </a:r>
+          </a:p>
+          <a:p>
+            <a:endParaRPr kumimoji="1" lang="en-US" altLang="ja-JP" dirty="0" smtClean="0"/>
+          </a:p>
+          <a:p>
+            <a:endParaRPr kumimoji="1" lang="ja-JP" altLang="en-US" dirty="0"/>
+          </a:p>
+        </p:txBody>
+      </p:sp>
+      <p:sp>
+        <p:nvSpPr>
+          <p:cNvPr id="4" name="スライド番号プレースホルダ 3"/>
+          <p:cNvSpPr>
+            <a:spLocks noGrp="1"/>
+          </p:cNvSpPr>
+          <p:nvPr>
+            <p:ph type="sldNum" sz="quarter" idx="12"/>
+          </p:nvPr>
+        </p:nvSpPr>
+        <p:spPr/>
+        <p:txBody>
+          <a:bodyPr/>
+          <a:lstStyle/>
+          <a:p>
+            <a:fld id="{D2D8002D-B5B0-4BAC-B1F6-782DDCCE6D9C}" type="slidenum">
+              <a:rPr kumimoji="1" lang="ja-JP" altLang="en-US" smtClean="0"/>
+              <a:pPr/>
+              <a:t>10</a:t>
+            </a:fld>
+            <a:endParaRPr kumimoji="1" lang="ja-JP" altLang="en-US" dirty="0"/>
+          </a:p>
+        </p:txBody>
+      </p:sp>
+    </p:spTree>
+  </p:cSld>
+  <p:clrMapOvr>
+    <a:masterClrMapping/>
+  </p:clrMapOvr>
+  <p:timing>
+    <p:tnLst>
+      <p:par>
+        <p:cTn id="1" dur="indefinite" restart="never" nodeType="tmRoot"/>
+      </p:par>
+    </p:tnLst>
+  </p:timing>
+</p:sld>
+</file>
+
+<file path=ppt/slides/slide11.xml><?xml version="1.0" encoding="utf-8"?>
+<p:sld xmlns:a="http://schemas.openxmlformats.org/drawingml/2006/main" xmlns:r="http://schemas.openxmlformats.org/officeDocument/2006/relationships" xmlns:p="http://schemas.openxmlformats.org/presentationml/2006/main">
+  <p:cSld>
+    <p:spTree>
+      <p:nvGrpSpPr>
+        <p:cNvPr id="1" name=""/>
+        <p:cNvGrpSpPr/>
+        <p:nvPr/>
+      </p:nvGrpSpPr>
+      <p:grpSpPr>
+        <a:xfrm>
+          <a:off x="0" y="0"/>
+          <a:ext cx="0" cy="0"/>
+          <a:chOff x="0" y="0"/>
+          <a:chExt cx="0" cy="0"/>
+        </a:xfrm>
+      </p:grpSpPr>
+      <p:sp>
+        <p:nvSpPr>
+          <p:cNvPr id="2" name="タイトル 1"/>
+          <p:cNvSpPr>
+            <a:spLocks noGrp="1"/>
+          </p:cNvSpPr>
+          <p:nvPr>
+            <p:ph type="title"/>
+          </p:nvPr>
+        </p:nvSpPr>
+        <p:spPr/>
+        <p:txBody>
+          <a:bodyPr/>
+          <a:lstStyle/>
+          <a:p>
+            <a:r>
+              <a:rPr lang="ja-JP" altLang="en-US" dirty="0" smtClean="0"/>
+              <a:t>インフラツール変更による効果</a:t>
+            </a:r>
+            <a:endParaRPr kumimoji="1" lang="ja-JP" altLang="en-US" dirty="0"/>
+          </a:p>
+        </p:txBody>
+      </p:sp>
+      <p:sp>
+        <p:nvSpPr>
+          <p:cNvPr id="3" name="コンテンツ プレースホルダ 2"/>
+          <p:cNvSpPr>
+            <a:spLocks noGrp="1"/>
+          </p:cNvSpPr>
+          <p:nvPr>
+            <p:ph idx="1"/>
+          </p:nvPr>
+        </p:nvSpPr>
+        <p:spPr/>
+        <p:txBody>
+          <a:bodyPr/>
+          <a:lstStyle/>
+          <a:p>
+            <a:r>
+              <a:rPr kumimoji="1" lang="en-US" altLang="ja-JP" dirty="0" smtClean="0"/>
+              <a:t>PHP</a:t>
+            </a:r>
+            <a:r>
+              <a:rPr kumimoji="1" lang="ja-JP" altLang="en-US" dirty="0" smtClean="0"/>
+              <a:t>フレームワーク変更</a:t>
+            </a:r>
+            <a:endParaRPr kumimoji="1" lang="en-US" altLang="ja-JP" dirty="0" smtClean="0"/>
+          </a:p>
+          <a:p>
+            <a:pPr>
+              <a:buNone/>
+            </a:pPr>
+            <a:r>
+              <a:rPr lang="en-US" altLang="ja-JP" dirty="0" smtClean="0"/>
+              <a:t>	Maple…</a:t>
+            </a:r>
+            <a:r>
+              <a:rPr lang="ja-JP" altLang="en-US" dirty="0" smtClean="0"/>
+              <a:t>開発者が日本人でドキュメントが</a:t>
+            </a:r>
+            <a:endParaRPr lang="en-US" altLang="ja-JP" dirty="0" smtClean="0"/>
+          </a:p>
+          <a:p>
+            <a:pPr>
+              <a:buNone/>
+            </a:pPr>
+            <a:r>
+              <a:rPr lang="en-US" altLang="ja-JP" dirty="0" smtClean="0"/>
+              <a:t>			</a:t>
+            </a:r>
+            <a:r>
+              <a:rPr lang="ja-JP" altLang="en-US" dirty="0" smtClean="0"/>
+              <a:t>豊富だったが、開発が終わっている。</a:t>
+            </a:r>
+            <a:endParaRPr lang="en-US" altLang="ja-JP" dirty="0" smtClean="0"/>
+          </a:p>
+          <a:p>
+            <a:pPr>
+              <a:buNone/>
+            </a:pPr>
+            <a:r>
+              <a:rPr lang="en-US" altLang="ja-JP" dirty="0" smtClean="0"/>
+              <a:t>	CakePHP…</a:t>
+            </a:r>
+            <a:r>
+              <a:rPr lang="ja-JP" altLang="en-US" dirty="0" smtClean="0"/>
+              <a:t>日本で最も使われている。</a:t>
+            </a:r>
+            <a:endParaRPr lang="en-US" altLang="ja-JP" dirty="0" smtClean="0"/>
+          </a:p>
+          <a:p>
+            <a:pPr>
+              <a:buNone/>
+            </a:pPr>
+            <a:r>
+              <a:rPr lang="en-US" altLang="ja-JP" dirty="0" smtClean="0"/>
+              <a:t>			</a:t>
+            </a:r>
+            <a:r>
+              <a:rPr lang="ja-JP" altLang="en-US" dirty="0" smtClean="0"/>
+              <a:t>　　ドキュメントやノウハウが豊富。</a:t>
+            </a:r>
+            <a:endParaRPr lang="en-US" altLang="ja-JP" dirty="0" smtClean="0"/>
+          </a:p>
+          <a:p>
+            <a:pPr>
+              <a:buNone/>
+            </a:pPr>
+            <a:r>
+              <a:rPr lang="en-US" altLang="ja-JP" dirty="0" smtClean="0"/>
+              <a:t>			</a:t>
+            </a:r>
+            <a:r>
+              <a:rPr lang="ja-JP" altLang="en-US" dirty="0" smtClean="0"/>
+              <a:t>　　</a:t>
+            </a:r>
+            <a:r>
+              <a:rPr lang="en-US" altLang="ja-JP" dirty="0" smtClean="0"/>
+              <a:t>MVC</a:t>
+            </a:r>
+            <a:r>
+              <a:rPr lang="ja-JP" altLang="en-US" dirty="0" smtClean="0"/>
+              <a:t>モデルが採用されている。</a:t>
+            </a:r>
+            <a:endParaRPr lang="en-US" altLang="ja-JP" dirty="0" smtClean="0"/>
+          </a:p>
+          <a:p>
+            <a:pPr>
+              <a:buNone/>
+            </a:pPr>
+            <a:r>
+              <a:rPr kumimoji="1" lang="en-US" altLang="ja-JP" dirty="0" smtClean="0"/>
+              <a:t>	</a:t>
+            </a:r>
+            <a:r>
+              <a:rPr lang="en-US" altLang="ja-JP" dirty="0" smtClean="0"/>
+              <a:t>		</a:t>
+            </a:r>
+            <a:r>
+              <a:rPr lang="ja-JP" altLang="en-US" dirty="0" smtClean="0"/>
+              <a:t>　　現在も盛んに開発されている。</a:t>
+            </a:r>
+            <a:endParaRPr kumimoji="1" lang="en-US" altLang="ja-JP" dirty="0" smtClean="0"/>
+          </a:p>
+          <a:p>
+            <a:pPr>
+              <a:buNone/>
+            </a:pPr>
+            <a:endParaRPr lang="en-US" altLang="ja-JP" dirty="0" smtClean="0"/>
+          </a:p>
+          <a:p>
+            <a:pPr>
+              <a:buNone/>
+            </a:pPr>
+            <a:endParaRPr kumimoji="1" lang="ja-JP" altLang="en-US" dirty="0"/>
+          </a:p>
+        </p:txBody>
+      </p:sp>
+      <p:sp>
+        <p:nvSpPr>
+          <p:cNvPr id="4" name="スライド番号プレースホルダ 3"/>
+          <p:cNvSpPr>
+            <a:spLocks noGrp="1"/>
+          </p:cNvSpPr>
+          <p:nvPr>
+            <p:ph type="sldNum" sz="quarter" idx="12"/>
+          </p:nvPr>
+        </p:nvSpPr>
+        <p:spPr/>
+        <p:txBody>
+          <a:bodyPr/>
+          <a:lstStyle/>
+          <a:p>
+            <a:fld id="{D2D8002D-B5B0-4BAC-B1F6-782DDCCE6D9C}" type="slidenum">
+              <a:rPr kumimoji="1" lang="ja-JP" altLang="en-US" smtClean="0"/>
+              <a:pPr/>
+              <a:t>11</a:t>
+            </a:fld>
+            <a:endParaRPr kumimoji="1" lang="ja-JP" altLang="en-US" dirty="0"/>
+          </a:p>
+        </p:txBody>
+      </p:sp>
+    </p:spTree>
+  </p:cSld>
+  <p:clrMapOvr>
+    <a:masterClrMapping/>
+  </p:clrMapOvr>
+  <p:timing>
+    <p:tnLst>
+      <p:par>
+        <p:cTn id="1" dur="indefinite" restart="never" nodeType="tmRoot"/>
+      </p:par>
+    </p:tnLst>
+  </p:timing>
+</p:sld>
+</file>
+
+<file path=ppt/slides/slide12.xml><?xml version="1.0" encoding="utf-8"?>
+<p:sld xmlns:a="http://schemas.openxmlformats.org/drawingml/2006/main" xmlns:r="http://schemas.openxmlformats.org/officeDocument/2006/relationships" xmlns:p="http://schemas.openxmlformats.org/presentationml/2006/main">
+  <p:cSld>
+    <p:spTree>
+      <p:nvGrpSpPr>
+        <p:cNvPr id="1" name=""/>
+        <p:cNvGrpSpPr/>
+        <p:nvPr/>
+      </p:nvGrpSpPr>
+      <p:grpSpPr>
+        <a:xfrm>
+          <a:off x="0" y="0"/>
+          <a:ext cx="0" cy="0"/>
+          <a:chOff x="0" y="0"/>
+          <a:chExt cx="0" cy="0"/>
+        </a:xfrm>
+      </p:grpSpPr>
+      <p:sp>
+        <p:nvSpPr>
+          <p:cNvPr id="2" name="タイトル 1"/>
+          <p:cNvSpPr>
+            <a:spLocks noGrp="1"/>
+          </p:cNvSpPr>
+          <p:nvPr>
+            <p:ph type="title"/>
+          </p:nvPr>
+        </p:nvSpPr>
+        <p:spPr/>
+        <p:txBody>
+          <a:bodyPr/>
+          <a:lstStyle/>
+          <a:p>
+            <a:r>
+              <a:rPr lang="ja-JP" altLang="en-US" dirty="0" smtClean="0"/>
+              <a:t>インフラツール変更による効果</a:t>
+            </a:r>
+            <a:endParaRPr kumimoji="1" lang="ja-JP" altLang="en-US" dirty="0"/>
+          </a:p>
+        </p:txBody>
+      </p:sp>
+      <p:sp>
+        <p:nvSpPr>
+          <p:cNvPr id="3" name="コンテンツ プレースホルダ 2"/>
+          <p:cNvSpPr>
+            <a:spLocks noGrp="1"/>
+          </p:cNvSpPr>
+          <p:nvPr>
+            <p:ph idx="1"/>
+          </p:nvPr>
+        </p:nvSpPr>
+        <p:spPr>
+          <a:xfrm>
+            <a:off x="457200" y="1340769"/>
+            <a:ext cx="8229600" cy="3240360"/>
+          </a:xfrm>
+        </p:spPr>
+        <p:txBody>
+          <a:bodyPr/>
+          <a:lstStyle/>
+          <a:p>
+            <a:r>
+              <a:rPr kumimoji="1" lang="en-US" altLang="ja-JP" dirty="0" smtClean="0"/>
+              <a:t>Javascript</a:t>
+            </a:r>
+            <a:r>
+              <a:rPr kumimoji="1" lang="ja-JP" altLang="en-US" dirty="0" smtClean="0"/>
+              <a:t>フレームワーク採用</a:t>
+            </a:r>
+            <a:endParaRPr kumimoji="1" lang="en-US" altLang="ja-JP" dirty="0" smtClean="0"/>
+          </a:p>
+          <a:p>
+            <a:pPr>
+              <a:buNone/>
+            </a:pPr>
+            <a:r>
+              <a:rPr lang="en-US" altLang="ja-JP" dirty="0" smtClean="0"/>
+              <a:t>	AngularJS…Google</a:t>
+            </a:r>
+            <a:r>
+              <a:rPr lang="ja-JP" altLang="en-US" dirty="0" smtClean="0"/>
+              <a:t>がオープンソースで開発。</a:t>
+            </a:r>
+            <a:endParaRPr lang="en-US" altLang="ja-JP" dirty="0" smtClean="0"/>
+          </a:p>
+          <a:p>
+            <a:pPr>
+              <a:buNone/>
+            </a:pPr>
+            <a:r>
+              <a:rPr lang="en-US" altLang="ja-JP" dirty="0" smtClean="0"/>
+              <a:t>			</a:t>
+            </a:r>
+            <a:r>
+              <a:rPr lang="ja-JP" altLang="en-US" dirty="0" smtClean="0"/>
+              <a:t>　　</a:t>
+            </a:r>
+            <a:r>
+              <a:rPr lang="en-US" altLang="ja-JP" dirty="0" smtClean="0"/>
+              <a:t>MVC</a:t>
+            </a:r>
+            <a:r>
+              <a:rPr lang="ja-JP" altLang="en-US" dirty="0" smtClean="0"/>
+              <a:t>モデルが採用されている。　　　　</a:t>
+            </a:r>
+            <a:endParaRPr lang="en-US" altLang="ja-JP" dirty="0" smtClean="0"/>
+          </a:p>
+          <a:p>
+            <a:pPr>
+              <a:buNone/>
+            </a:pPr>
+            <a:r>
+              <a:rPr kumimoji="1" lang="en-US" altLang="ja-JP" dirty="0" smtClean="0"/>
+              <a:t>			</a:t>
+            </a:r>
+            <a:r>
+              <a:rPr kumimoji="1" lang="ja-JP" altLang="en-US" dirty="0" smtClean="0"/>
+              <a:t>　　</a:t>
+            </a:r>
+            <a:r>
+              <a:rPr lang="ja-JP" altLang="en-US" dirty="0" smtClean="0"/>
+              <a:t>双方向データバインディングや</a:t>
+            </a:r>
+            <a:endParaRPr lang="en-US" altLang="ja-JP" dirty="0" smtClean="0"/>
+          </a:p>
+          <a:p>
+            <a:pPr>
+              <a:buNone/>
+            </a:pPr>
+            <a:r>
+              <a:rPr kumimoji="1" lang="en-US" altLang="ja-JP" dirty="0" smtClean="0"/>
+              <a:t>	</a:t>
+            </a:r>
+            <a:r>
+              <a:rPr lang="en-US" altLang="ja-JP" dirty="0" smtClean="0"/>
+              <a:t>		</a:t>
+            </a:r>
+            <a:r>
+              <a:rPr lang="ja-JP" altLang="en-US" dirty="0" smtClean="0"/>
+              <a:t>　　依存性注入とった特徴を持つ。</a:t>
+            </a:r>
+            <a:endParaRPr kumimoji="1" lang="ja-JP" altLang="en-US" dirty="0"/>
+          </a:p>
+        </p:txBody>
+      </p:sp>
+      <p:sp>
+        <p:nvSpPr>
+          <p:cNvPr id="4" name="スライド番号プレースホルダ 3"/>
+          <p:cNvSpPr>
+            <a:spLocks noGrp="1"/>
+          </p:cNvSpPr>
+          <p:nvPr>
+            <p:ph type="sldNum" sz="quarter" idx="12"/>
+          </p:nvPr>
+        </p:nvSpPr>
+        <p:spPr/>
+        <p:txBody>
+          <a:bodyPr/>
+          <a:lstStyle/>
+          <a:p>
+            <a:fld id="{D2D8002D-B5B0-4BAC-B1F6-782DDCCE6D9C}" type="slidenum">
+              <a:rPr kumimoji="1" lang="ja-JP" altLang="en-US" smtClean="0"/>
+              <a:pPr/>
+              <a:t>12</a:t>
+            </a:fld>
+            <a:endParaRPr kumimoji="1" lang="ja-JP" altLang="en-US" dirty="0"/>
+          </a:p>
+        </p:txBody>
+      </p:sp>
+      <p:sp>
+        <p:nvSpPr>
+          <p:cNvPr id="6" name="コンテンツ プレースホルダ 2"/>
+          <p:cNvSpPr txBox="1">
+            <a:spLocks/>
+          </p:cNvSpPr>
+          <p:nvPr/>
+        </p:nvSpPr>
+        <p:spPr>
+          <a:xfrm>
+            <a:off x="457200" y="4303637"/>
+            <a:ext cx="8507288" cy="2554363"/>
+          </a:xfrm>
+          <a:prstGeom prst="rect">
+            <a:avLst/>
+          </a:prstGeom>
+        </p:spPr>
+        <p:txBody>
+          <a:bodyPr vert="horz" lIns="91440" tIns="45720" rIns="91440" bIns="45720" rtlCol="0">
+            <a:normAutofit/>
+          </a:bodyPr>
+          <a:lstStyle/>
+          <a:p>
+            <a:pPr marL="342900" marR="0" lvl="0" indent="-342900" algn="l" defTabSz="914400" rtl="0" eaLnBrk="1" fontAlgn="auto" latinLnBrk="0" hangingPunct="1">
+              <a:lnSpc>
+                <a:spcPct val="100000"/>
+              </a:lnSpc>
+              <a:spcBef>
+                <a:spcPct val="20000"/>
+              </a:spcBef>
+              <a:spcAft>
+                <a:spcPts val="0"/>
+              </a:spcAft>
+              <a:buClrTx/>
+              <a:buSzTx/>
+              <a:buFont typeface="Arial" pitchFamily="34" charset="0"/>
+              <a:buChar char="•"/>
+              <a:tabLst/>
+              <a:defRPr/>
+            </a:pPr>
+            <a:r>
+              <a:rPr kumimoji="1" lang="en-US" altLang="ja-JP" sz="3200" b="0" i="0" u="none" strike="noStrike" kern="1200" cap="none" spc="0" normalizeH="0" baseline="0" noProof="0" dirty="0" smtClean="0">
+                <a:ln>
+                  <a:noFill/>
+                </a:ln>
+                <a:solidFill>
+                  <a:schemeClr val="tx1"/>
+                </a:solidFill>
+                <a:effectLst/>
+                <a:uLnTx/>
+                <a:uFillTx/>
+                <a:latin typeface="+mn-ea"/>
+                <a:cs typeface="+mn-cs"/>
+              </a:rPr>
+              <a:t>CSS</a:t>
+            </a:r>
+            <a:r>
+              <a:rPr kumimoji="1" lang="ja-JP" altLang="en-US" sz="3200" b="0" i="0" u="none" strike="noStrike" kern="1200" cap="none" spc="0" normalizeH="0" baseline="0" noProof="0" dirty="0" smtClean="0">
+                <a:ln>
+                  <a:noFill/>
+                </a:ln>
+                <a:solidFill>
+                  <a:schemeClr val="tx1"/>
+                </a:solidFill>
+                <a:effectLst/>
+                <a:uLnTx/>
+                <a:uFillTx/>
+                <a:latin typeface="+mn-ea"/>
+                <a:cs typeface="+mn-cs"/>
+              </a:rPr>
+              <a:t>フレームワーク採用</a:t>
+            </a:r>
+            <a:endParaRPr kumimoji="1" lang="en-US" altLang="ja-JP" sz="3200" b="0" i="0" u="none" strike="noStrike" kern="1200" cap="none" spc="0" normalizeH="0" baseline="0" noProof="0" dirty="0" smtClean="0">
+              <a:ln>
+                <a:noFill/>
+              </a:ln>
+              <a:solidFill>
+                <a:schemeClr val="tx1"/>
+              </a:solidFill>
+              <a:effectLst/>
+              <a:uLnTx/>
+              <a:uFillTx/>
+              <a:latin typeface="+mn-ea"/>
+              <a:cs typeface="+mn-cs"/>
+            </a:endParaRPr>
+          </a:p>
+          <a:p>
+            <a:pPr marL="342900" marR="0" lvl="0" indent="-342900" algn="l" defTabSz="914400" rtl="0" eaLnBrk="1" fontAlgn="auto" latinLnBrk="0" hangingPunct="1">
+              <a:lnSpc>
+                <a:spcPct val="100000"/>
+              </a:lnSpc>
+              <a:spcBef>
+                <a:spcPct val="20000"/>
+              </a:spcBef>
+              <a:spcAft>
+                <a:spcPts val="0"/>
+              </a:spcAft>
+              <a:buClrTx/>
+              <a:buSzTx/>
+              <a:buFont typeface="Arial" pitchFamily="34" charset="0"/>
+              <a:buNone/>
+              <a:tabLst/>
+              <a:defRPr/>
+            </a:pPr>
+            <a:r>
+              <a:rPr kumimoji="1" lang="en-US" altLang="ja-JP" sz="3200" b="0" i="0" u="none" strike="noStrike" kern="1200" cap="none" spc="0" normalizeH="0" baseline="0" noProof="0" dirty="0" smtClean="0">
+                <a:ln>
+                  <a:noFill/>
+                </a:ln>
+                <a:solidFill>
+                  <a:schemeClr val="tx1"/>
+                </a:solidFill>
+                <a:effectLst/>
+                <a:uLnTx/>
+                <a:uFillTx/>
+                <a:latin typeface="+mn-ea"/>
+                <a:cs typeface="+mn-cs"/>
+              </a:rPr>
+              <a:t>	Bootstrap…Twitter</a:t>
+            </a:r>
+            <a:r>
+              <a:rPr kumimoji="1" lang="ja-JP" altLang="en-US" sz="3200" b="0" i="0" u="none" strike="noStrike" kern="1200" cap="none" spc="0" normalizeH="0" baseline="0" noProof="0" dirty="0" smtClean="0">
+                <a:ln>
+                  <a:noFill/>
+                </a:ln>
+                <a:solidFill>
+                  <a:schemeClr val="tx1"/>
+                </a:solidFill>
+                <a:effectLst/>
+                <a:uLnTx/>
+                <a:uFillTx/>
+                <a:latin typeface="+mn-ea"/>
+                <a:cs typeface="+mn-cs"/>
+              </a:rPr>
+              <a:t>がオープンソースで開発。</a:t>
+            </a:r>
+            <a:endParaRPr kumimoji="1" lang="en-US" altLang="ja-JP" sz="3200" b="0" i="0" u="none" strike="noStrike" kern="1200" cap="none" spc="0" normalizeH="0" baseline="0" noProof="0" dirty="0" smtClean="0">
+              <a:ln>
+                <a:noFill/>
+              </a:ln>
+              <a:solidFill>
+                <a:schemeClr val="tx1"/>
+              </a:solidFill>
+              <a:effectLst/>
+              <a:uLnTx/>
+              <a:uFillTx/>
+              <a:latin typeface="+mn-ea"/>
+              <a:cs typeface="+mn-cs"/>
+            </a:endParaRPr>
+          </a:p>
+          <a:p>
+            <a:pPr marL="342900" marR="0" lvl="0" indent="-342900" algn="l" defTabSz="914400" rtl="0" eaLnBrk="1" fontAlgn="auto" latinLnBrk="0" hangingPunct="1">
+              <a:lnSpc>
+                <a:spcPct val="100000"/>
+              </a:lnSpc>
+              <a:spcBef>
+                <a:spcPct val="20000"/>
+              </a:spcBef>
+              <a:spcAft>
+                <a:spcPts val="0"/>
+              </a:spcAft>
+              <a:buClrTx/>
+              <a:buSzTx/>
+              <a:buFont typeface="Arial" pitchFamily="34" charset="0"/>
+              <a:buNone/>
+              <a:tabLst/>
+              <a:defRPr/>
+            </a:pPr>
+            <a:r>
+              <a:rPr kumimoji="1" lang="en-US" altLang="ja-JP" sz="3200" b="0" i="0" u="none" strike="noStrike" kern="1200" cap="none" spc="0" normalizeH="0" baseline="0" noProof="0" dirty="0" smtClean="0">
+                <a:ln>
+                  <a:noFill/>
+                </a:ln>
+                <a:solidFill>
+                  <a:schemeClr val="tx1"/>
+                </a:solidFill>
+                <a:effectLst/>
+                <a:uLnTx/>
+                <a:uFillTx/>
+                <a:latin typeface="+mn-ea"/>
+                <a:cs typeface="+mn-cs"/>
+              </a:rPr>
+              <a:t>			</a:t>
+            </a:r>
+            <a:r>
+              <a:rPr kumimoji="1" lang="ja-JP" altLang="en-US" sz="3200" b="0" i="0" u="none" strike="noStrike" kern="1200" cap="none" spc="0" normalizeH="0" baseline="0" noProof="0" dirty="0" smtClean="0">
+                <a:ln>
+                  <a:noFill/>
+                </a:ln>
+                <a:solidFill>
+                  <a:schemeClr val="tx1"/>
+                </a:solidFill>
+                <a:effectLst/>
+                <a:uLnTx/>
+                <a:uFillTx/>
+                <a:latin typeface="+mn-ea"/>
+                <a:cs typeface="+mn-cs"/>
+              </a:rPr>
+              <a:t>　　</a:t>
+            </a:r>
+            <a:r>
+              <a:rPr kumimoji="1" lang="en-US" altLang="ja-JP" sz="3200" b="0" i="0" u="none" strike="noStrike" kern="1200" cap="none" spc="0" normalizeH="0" baseline="0" noProof="0" dirty="0" smtClean="0">
+                <a:ln>
+                  <a:noFill/>
+                </a:ln>
+                <a:solidFill>
+                  <a:schemeClr val="tx1"/>
+                </a:solidFill>
+                <a:effectLst/>
+                <a:uLnTx/>
+                <a:uFillTx/>
+                <a:latin typeface="+mn-ea"/>
+                <a:cs typeface="+mn-cs"/>
+              </a:rPr>
+              <a:t>Twitter</a:t>
+            </a:r>
+            <a:r>
+              <a:rPr kumimoji="1" lang="ja-JP" altLang="en-US" sz="3200" b="0" i="0" u="none" strike="noStrike" kern="1200" cap="none" spc="0" normalizeH="0" baseline="0" noProof="0" dirty="0" smtClean="0">
+                <a:ln>
+                  <a:noFill/>
+                </a:ln>
+                <a:solidFill>
+                  <a:schemeClr val="tx1"/>
+                </a:solidFill>
+                <a:effectLst/>
+                <a:uLnTx/>
+                <a:uFillTx/>
+                <a:latin typeface="+mn-ea"/>
+                <a:cs typeface="+mn-cs"/>
+              </a:rPr>
+              <a:t>ライクなデザインができ、</a:t>
+            </a:r>
+            <a:endParaRPr kumimoji="1" lang="en-US" altLang="ja-JP" sz="3200" b="0" i="0" u="none" strike="noStrike" kern="1200" cap="none" spc="0" normalizeH="0" baseline="0" noProof="0" dirty="0" smtClean="0">
+              <a:ln>
+                <a:noFill/>
+              </a:ln>
+              <a:solidFill>
+                <a:schemeClr val="tx1"/>
+              </a:solidFill>
+              <a:effectLst/>
+              <a:uLnTx/>
+              <a:uFillTx/>
+              <a:latin typeface="+mn-ea"/>
+              <a:cs typeface="+mn-cs"/>
+            </a:endParaRPr>
+          </a:p>
+          <a:p>
+            <a:pPr marL="342900" marR="0" lvl="0" indent="-342900" algn="l" defTabSz="914400" rtl="0" eaLnBrk="1" fontAlgn="auto" latinLnBrk="0" hangingPunct="1">
+              <a:lnSpc>
+                <a:spcPct val="100000"/>
+              </a:lnSpc>
+              <a:spcBef>
+                <a:spcPct val="20000"/>
+              </a:spcBef>
+              <a:spcAft>
+                <a:spcPts val="0"/>
+              </a:spcAft>
+              <a:buClrTx/>
+              <a:buSzTx/>
+              <a:buFont typeface="Arial" pitchFamily="34" charset="0"/>
+              <a:buNone/>
+              <a:tabLst/>
+              <a:defRPr/>
+            </a:pPr>
+            <a:r>
+              <a:rPr kumimoji="1" lang="en-US" altLang="ja-JP" sz="3200" b="0" i="0" u="none" strike="noStrike" kern="1200" cap="none" spc="0" normalizeH="0" baseline="0" noProof="0" dirty="0" smtClean="0">
+                <a:ln>
+                  <a:noFill/>
+                </a:ln>
+                <a:solidFill>
+                  <a:schemeClr val="tx1"/>
+                </a:solidFill>
+                <a:effectLst/>
+                <a:uLnTx/>
+                <a:uFillTx/>
+                <a:latin typeface="+mn-ea"/>
+                <a:cs typeface="+mn-cs"/>
+              </a:rPr>
+              <a:t>			</a:t>
+            </a:r>
+            <a:r>
+              <a:rPr kumimoji="1" lang="ja-JP" altLang="en-US" sz="3200" b="0" i="0" u="none" strike="noStrike" kern="1200" cap="none" spc="0" normalizeH="0" baseline="0" noProof="0" dirty="0" smtClean="0">
+                <a:ln>
+                  <a:noFill/>
+                </a:ln>
+                <a:solidFill>
+                  <a:schemeClr val="tx1"/>
+                </a:solidFill>
+                <a:effectLst/>
+                <a:uLnTx/>
+                <a:uFillTx/>
+                <a:latin typeface="+mn-ea"/>
+                <a:cs typeface="+mn-cs"/>
+              </a:rPr>
+              <a:t>　　レスポンシブデザインを実現する。</a:t>
+            </a:r>
+            <a:endParaRPr kumimoji="1" lang="ja-JP" altLang="en-US" sz="3200" b="0" i="0" u="none" strike="noStrike" kern="1200" cap="none" spc="0" normalizeH="0" baseline="0" noProof="0" dirty="0">
+              <a:ln>
+                <a:noFill/>
+              </a:ln>
+              <a:solidFill>
+                <a:schemeClr val="tx1"/>
+              </a:solidFill>
+              <a:effectLst/>
+              <a:uLnTx/>
+              <a:uFillTx/>
+              <a:latin typeface="+mn-ea"/>
+              <a:cs typeface="+mn-cs"/>
+            </a:endParaRPr>
+          </a:p>
+        </p:txBody>
+      </p:sp>
+    </p:spTree>
+  </p:cSld>
+  <p:clrMapOvr>
+    <a:masterClrMapping/>
+  </p:clrMapOvr>
+  <p:timing>
+    <p:tnLst>
+      <p:par>
+        <p:cTn id="1" dur="indefinite" restart="never" nodeType="tmRoot"/>
+      </p:par>
+    </p:tnLst>
+  </p:timing>
+</p:sld>
+</file>
+
+<file path=ppt/slides/slide13.xml><?xml version="1.0" encoding="utf-8"?>
+<p:sld xmlns:a="http://schemas.openxmlformats.org/drawingml/2006/main" xmlns:r="http://schemas.openxmlformats.org/officeDocument/2006/relationships" xmlns:p="http://schemas.openxmlformats.org/presentationml/2006/main">
+  <p:cSld>
+    <p:spTree>
+      <p:nvGrpSpPr>
+        <p:cNvPr id="1" name=""/>
+        <p:cNvGrpSpPr/>
+        <p:nvPr/>
+      </p:nvGrpSpPr>
+      <p:grpSpPr>
+        <a:xfrm>
+          <a:off x="0" y="0"/>
+          <a:ext cx="0" cy="0"/>
+          <a:chOff x="0" y="0"/>
+          <a:chExt cx="0" cy="0"/>
+        </a:xfrm>
+      </p:grpSpPr>
+      <p:sp>
+        <p:nvSpPr>
+          <p:cNvPr id="4" name="スライド番号プレースホルダ 3"/>
+          <p:cNvSpPr>
+            <a:spLocks noGrp="1"/>
+          </p:cNvSpPr>
+          <p:nvPr>
+            <p:ph type="sldNum" sz="quarter" idx="12"/>
+          </p:nvPr>
+        </p:nvSpPr>
+        <p:spPr/>
+        <p:txBody>
+          <a:bodyPr/>
+          <a:lstStyle/>
+          <a:p>
+            <a:fld id="{D2D8002D-B5B0-4BAC-B1F6-782DDCCE6D9C}" type="slidenum">
+              <a:rPr kumimoji="1" lang="ja-JP" altLang="en-US" smtClean="0"/>
+              <a:pPr/>
+              <a:t>13</a:t>
+            </a:fld>
+            <a:endParaRPr kumimoji="1" lang="ja-JP" altLang="en-US" dirty="0"/>
+          </a:p>
+        </p:txBody>
+      </p:sp>
+      <p:sp>
+        <p:nvSpPr>
+          <p:cNvPr id="5" name="タイトル 1"/>
+          <p:cNvSpPr>
+            <a:spLocks noGrp="1"/>
+          </p:cNvSpPr>
+          <p:nvPr>
+            <p:ph type="title"/>
+          </p:nvPr>
+        </p:nvSpPr>
+        <p:spPr>
+          <a:xfrm>
+            <a:off x="457200" y="274638"/>
+            <a:ext cx="8229600" cy="1143000"/>
+          </a:xfrm>
+        </p:spPr>
+        <p:txBody>
+          <a:bodyPr/>
+          <a:lstStyle/>
+          <a:p>
+            <a:r>
+              <a:rPr lang="ja-JP" altLang="en-US" dirty="0" smtClean="0"/>
+              <a:t>インフラツール変更による効果</a:t>
+            </a:r>
+            <a:endParaRPr kumimoji="1" lang="ja-JP" altLang="en-US" dirty="0"/>
+          </a:p>
+        </p:txBody>
+      </p:sp>
+      <p:sp>
+        <p:nvSpPr>
+          <p:cNvPr id="6" name="コンテンツ プレースホルダ 2"/>
+          <p:cNvSpPr>
+            <a:spLocks noGrp="1"/>
+          </p:cNvSpPr>
+          <p:nvPr>
+            <p:ph idx="1"/>
+          </p:nvPr>
+        </p:nvSpPr>
+        <p:spPr>
+          <a:xfrm>
+            <a:off x="457200" y="1600201"/>
+            <a:ext cx="8229600" cy="2620888"/>
+          </a:xfrm>
+        </p:spPr>
+        <p:txBody>
+          <a:bodyPr/>
+          <a:lstStyle/>
+          <a:p>
+            <a:r>
+              <a:rPr kumimoji="1" lang="en-US" altLang="ja-JP" dirty="0" smtClean="0"/>
+              <a:t>CI</a:t>
+            </a:r>
+            <a:r>
+              <a:rPr lang="ja-JP" altLang="en-US" dirty="0" smtClean="0"/>
+              <a:t>ツールの採用</a:t>
+            </a:r>
+            <a:endParaRPr kumimoji="1" lang="en-US" altLang="ja-JP" dirty="0" smtClean="0"/>
+          </a:p>
+          <a:p>
+            <a:pPr>
+              <a:buNone/>
+            </a:pPr>
+            <a:r>
+              <a:rPr lang="en-US" altLang="ja-JP" dirty="0" smtClean="0"/>
+              <a:t>	GitHub(</a:t>
+            </a:r>
+            <a:r>
+              <a:rPr lang="ja-JP" altLang="en-US" dirty="0" smtClean="0"/>
+              <a:t>ネットワーク上にあるレポジトリ</a:t>
+            </a:r>
+            <a:r>
+              <a:rPr lang="en-US" altLang="ja-JP" dirty="0" smtClean="0"/>
+              <a:t>)</a:t>
+            </a:r>
+            <a:r>
+              <a:rPr lang="ja-JP" altLang="en-US" dirty="0" smtClean="0"/>
+              <a:t>と連携し、コミットを取得して予め設定した通りに自動でテストを実行する。</a:t>
+            </a:r>
+            <a:endParaRPr kumimoji="1" lang="en-US" altLang="ja-JP" dirty="0" smtClean="0"/>
+          </a:p>
+          <a:p>
+            <a:pPr>
+              <a:buNone/>
+            </a:pPr>
+            <a:endParaRPr lang="en-US" altLang="ja-JP" dirty="0" smtClean="0"/>
+          </a:p>
+          <a:p>
+            <a:pPr>
+              <a:buNone/>
+            </a:pPr>
+            <a:endParaRPr kumimoji="1" lang="ja-JP" altLang="en-US" dirty="0"/>
+          </a:p>
+        </p:txBody>
+      </p:sp>
+      <p:pic>
+        <p:nvPicPr>
+          <p:cNvPr id="7" name="Picture 2"/>
+          <p:cNvPicPr>
+            <a:picLocks noChangeAspect="1" noChangeArrowheads="1"/>
+          </p:cNvPicPr>
+          <p:nvPr/>
+        </p:nvPicPr>
+        <p:blipFill>
+          <a:blip r:embed="rId2" cstate="print"/>
+          <a:srcRect/>
+          <a:stretch>
+            <a:fillRect/>
+          </a:stretch>
+        </p:blipFill>
+        <p:spPr bwMode="auto">
+          <a:xfrm>
+            <a:off x="2411760" y="4221088"/>
+            <a:ext cx="1407577" cy="296332"/>
+          </a:xfrm>
+          <a:prstGeom prst="rect">
+            <a:avLst/>
+          </a:prstGeom>
+          <a:noFill/>
+          <a:ln w="9525">
+            <a:noFill/>
+            <a:miter lim="800000"/>
+            <a:headEnd/>
+            <a:tailEnd/>
+          </a:ln>
+        </p:spPr>
+      </p:pic>
+      <p:pic>
+        <p:nvPicPr>
+          <p:cNvPr id="10" name="Picture 5"/>
+          <p:cNvPicPr>
+            <a:picLocks noChangeAspect="1" noChangeArrowheads="1"/>
+          </p:cNvPicPr>
+          <p:nvPr/>
+        </p:nvPicPr>
+        <p:blipFill>
+          <a:blip r:embed="rId3" cstate="print"/>
+          <a:srcRect/>
+          <a:stretch>
+            <a:fillRect/>
+          </a:stretch>
+        </p:blipFill>
+        <p:spPr bwMode="auto">
+          <a:xfrm>
+            <a:off x="4860032" y="4221088"/>
+            <a:ext cx="1344149" cy="312593"/>
+          </a:xfrm>
+          <a:prstGeom prst="rect">
+            <a:avLst/>
+          </a:prstGeom>
+          <a:noFill/>
+          <a:ln w="9525">
+            <a:noFill/>
+            <a:miter lim="800000"/>
+            <a:headEnd/>
+            <a:tailEnd/>
+          </a:ln>
+        </p:spPr>
+      </p:pic>
+      <p:sp>
+        <p:nvSpPr>
+          <p:cNvPr id="11" name="コンテンツ プレースホルダ 2"/>
+          <p:cNvSpPr txBox="1">
+            <a:spLocks/>
+          </p:cNvSpPr>
+          <p:nvPr/>
+        </p:nvSpPr>
+        <p:spPr>
+          <a:xfrm>
+            <a:off x="395536" y="5013176"/>
+            <a:ext cx="8229600" cy="1684784"/>
+          </a:xfrm>
+          <a:prstGeom prst="rect">
+            <a:avLst/>
+          </a:prstGeom>
+        </p:spPr>
+        <p:txBody>
+          <a:bodyPr vert="horz" lIns="91440" tIns="45720" rIns="91440" bIns="45720" rtlCol="0">
+            <a:normAutofit fontScale="92500" lnSpcReduction="10000"/>
+          </a:bodyPr>
+          <a:lstStyle/>
+          <a:p>
+            <a:pPr marL="342900" marR="0" lvl="0" indent="-342900" algn="l" defTabSz="914400" rtl="0" eaLnBrk="1" fontAlgn="auto" latinLnBrk="0" hangingPunct="1">
+              <a:lnSpc>
+                <a:spcPct val="100000"/>
+              </a:lnSpc>
+              <a:spcBef>
+                <a:spcPct val="20000"/>
+              </a:spcBef>
+              <a:spcAft>
+                <a:spcPts val="0"/>
+              </a:spcAft>
+              <a:buClrTx/>
+              <a:buSzTx/>
+              <a:buFont typeface="HGPｺﾞｼｯｸE" pitchFamily="50" charset="-128"/>
+              <a:buChar char="※"/>
+              <a:tabLst/>
+              <a:defRPr/>
+            </a:pPr>
+            <a:r>
+              <a:rPr kumimoji="1" lang="en-US" altLang="ja-JP" sz="2800" b="0" i="0" u="none" strike="noStrike" kern="1200" cap="none" spc="0" normalizeH="0" baseline="0" noProof="0" dirty="0" smtClean="0">
+                <a:ln>
+                  <a:noFill/>
+                </a:ln>
+                <a:solidFill>
+                  <a:schemeClr val="tx1"/>
+                </a:solidFill>
+                <a:effectLst/>
+                <a:uLnTx/>
+                <a:uFillTx/>
+                <a:latin typeface="HGPｺﾞｼｯｸE" pitchFamily="50" charset="-128"/>
+                <a:ea typeface="HGPｺﾞｼｯｸE" pitchFamily="50" charset="-128"/>
+                <a:cs typeface="+mn-cs"/>
+              </a:rPr>
+              <a:t>CI(</a:t>
+            </a:r>
+            <a:r>
+              <a:rPr kumimoji="1" lang="ja-JP" altLang="en-US" sz="2800" b="0" i="0" u="none" strike="noStrike" kern="1200" cap="none" spc="0" normalizeH="0" baseline="0" noProof="0" dirty="0" smtClean="0">
+                <a:ln>
+                  <a:noFill/>
+                </a:ln>
+                <a:solidFill>
+                  <a:schemeClr val="tx1"/>
+                </a:solidFill>
+                <a:effectLst/>
+                <a:uLnTx/>
+                <a:uFillTx/>
+                <a:latin typeface="HGPｺﾞｼｯｸE" pitchFamily="50" charset="-128"/>
+                <a:ea typeface="HGPｺﾞｼｯｸE" pitchFamily="50" charset="-128"/>
+                <a:cs typeface="+mn-cs"/>
+              </a:rPr>
+              <a:t>継続的インテグレーション</a:t>
+            </a:r>
+            <a:r>
+              <a:rPr kumimoji="1" lang="en-US" altLang="ja-JP" sz="2800" b="0" i="0" u="none" strike="noStrike" kern="1200" cap="none" spc="0" normalizeH="0" baseline="0" noProof="0" dirty="0" smtClean="0">
+                <a:ln>
+                  <a:noFill/>
+                </a:ln>
+                <a:solidFill>
+                  <a:schemeClr val="tx1"/>
+                </a:solidFill>
+                <a:effectLst/>
+                <a:uLnTx/>
+                <a:uFillTx/>
+                <a:latin typeface="HGPｺﾞｼｯｸE" pitchFamily="50" charset="-128"/>
+                <a:ea typeface="HGPｺﾞｼｯｸE" pitchFamily="50" charset="-128"/>
+                <a:cs typeface="+mn-cs"/>
+              </a:rPr>
+              <a:t>)</a:t>
+            </a:r>
+            <a:r>
+              <a:rPr kumimoji="1" lang="ja-JP" altLang="en-US" sz="2800" b="0" i="0" u="none" strike="noStrike" kern="1200" cap="none" spc="0" normalizeH="0" baseline="0" noProof="0" dirty="0" smtClean="0">
+                <a:ln>
+                  <a:noFill/>
+                </a:ln>
+                <a:solidFill>
+                  <a:schemeClr val="tx1"/>
+                </a:solidFill>
+                <a:effectLst/>
+                <a:uLnTx/>
+                <a:uFillTx/>
+                <a:latin typeface="HGPｺﾞｼｯｸE" pitchFamily="50" charset="-128"/>
+                <a:ea typeface="HGPｺﾞｼｯｸE" pitchFamily="50" charset="-128"/>
+                <a:cs typeface="+mn-cs"/>
+              </a:rPr>
+              <a:t>とは</a:t>
+            </a:r>
+            <a:endParaRPr kumimoji="1" lang="en-US" altLang="ja-JP" sz="2800" b="0" i="0" u="none" strike="noStrike" kern="1200" cap="none" spc="0" normalizeH="0" baseline="0" noProof="0" dirty="0" smtClean="0">
+              <a:ln>
+                <a:noFill/>
+              </a:ln>
+              <a:solidFill>
+                <a:schemeClr val="tx1"/>
+              </a:solidFill>
+              <a:effectLst/>
+              <a:uLnTx/>
+              <a:uFillTx/>
+              <a:latin typeface="HGPｺﾞｼｯｸE" pitchFamily="50" charset="-128"/>
+              <a:ea typeface="HGPｺﾞｼｯｸE" pitchFamily="50" charset="-128"/>
+              <a:cs typeface="+mn-cs"/>
+            </a:endParaRPr>
+          </a:p>
+          <a:p>
+            <a:pPr marL="342900" marR="0" lvl="0" indent="-342900" algn="l" defTabSz="914400" rtl="0" eaLnBrk="1" fontAlgn="auto" latinLnBrk="0" hangingPunct="1">
+              <a:lnSpc>
+                <a:spcPct val="100000"/>
+              </a:lnSpc>
+              <a:spcBef>
+                <a:spcPct val="20000"/>
+              </a:spcBef>
+              <a:spcAft>
+                <a:spcPts val="0"/>
+              </a:spcAft>
+              <a:buClrTx/>
+              <a:buSzTx/>
+              <a:tabLst/>
+              <a:defRPr/>
+            </a:pPr>
+            <a:r>
+              <a:rPr lang="en-US" altLang="ja-JP" sz="2800" dirty="0" smtClean="0">
+                <a:latin typeface="HGPｺﾞｼｯｸE" pitchFamily="50" charset="-128"/>
+                <a:ea typeface="HGPｺﾞｼｯｸE" pitchFamily="50" charset="-128"/>
+              </a:rPr>
+              <a:t>	XP(</a:t>
+            </a:r>
+            <a:r>
+              <a:rPr lang="ja-JP" altLang="en-US" sz="2800" dirty="0" smtClean="0">
+                <a:latin typeface="HGPｺﾞｼｯｸE" pitchFamily="50" charset="-128"/>
+                <a:ea typeface="HGPｺﾞｼｯｸE" pitchFamily="50" charset="-128"/>
+              </a:rPr>
+              <a:t>エクストリームプログラミング</a:t>
+            </a:r>
+            <a:r>
+              <a:rPr lang="en-US" altLang="ja-JP" sz="2800" dirty="0" smtClean="0">
+                <a:latin typeface="HGPｺﾞｼｯｸE" pitchFamily="50" charset="-128"/>
+                <a:ea typeface="HGPｺﾞｼｯｸE" pitchFamily="50" charset="-128"/>
+              </a:rPr>
+              <a:t>)</a:t>
+            </a:r>
+            <a:r>
+              <a:rPr lang="ja-JP" altLang="en-US" sz="2800" dirty="0" smtClean="0">
+                <a:latin typeface="HGPｺﾞｼｯｸE" pitchFamily="50" charset="-128"/>
+                <a:ea typeface="HGPｺﾞｼｯｸE" pitchFamily="50" charset="-128"/>
+              </a:rPr>
+              <a:t>のプラクティスの一つでビルドやテスト等を継続的に実行していくことを示す。</a:t>
+            </a:r>
+            <a:endParaRPr lang="en-US" altLang="ja-JP" sz="2800" dirty="0" smtClean="0">
+              <a:latin typeface="HGPｺﾞｼｯｸE" pitchFamily="50" charset="-128"/>
+              <a:ea typeface="HGPｺﾞｼｯｸE" pitchFamily="50" charset="-128"/>
+            </a:endParaRPr>
+          </a:p>
+          <a:p>
+            <a:pPr marL="342900" marR="0" lvl="0" indent="-342900" algn="l" defTabSz="914400" rtl="0" eaLnBrk="1" fontAlgn="auto" latinLnBrk="0" hangingPunct="1">
+              <a:lnSpc>
+                <a:spcPct val="100000"/>
+              </a:lnSpc>
+              <a:spcBef>
+                <a:spcPct val="20000"/>
+              </a:spcBef>
+              <a:spcAft>
+                <a:spcPts val="0"/>
+              </a:spcAft>
+              <a:buClrTx/>
+              <a:buSzTx/>
+              <a:tabLst/>
+              <a:defRPr/>
+            </a:pPr>
+            <a:r>
+              <a:rPr kumimoji="1" lang="en-US" altLang="ja-JP" sz="2800" b="0" i="0" u="none" strike="noStrike" kern="1200" cap="none" spc="0" normalizeH="0" baseline="0" noProof="0" dirty="0" smtClean="0">
+                <a:ln>
+                  <a:noFill/>
+                </a:ln>
+                <a:solidFill>
+                  <a:schemeClr val="tx1"/>
+                </a:solidFill>
+                <a:effectLst/>
+                <a:uLnTx/>
+                <a:uFillTx/>
+                <a:latin typeface="HGPｺﾞｼｯｸE" pitchFamily="50" charset="-128"/>
+                <a:ea typeface="HGPｺﾞｼｯｸE" pitchFamily="50" charset="-128"/>
+                <a:cs typeface="+mn-cs"/>
+              </a:rPr>
+              <a:t>	</a:t>
+            </a:r>
+            <a:r>
+              <a:rPr kumimoji="1" lang="ja-JP" altLang="en-US" sz="2800" b="0" i="0" u="none" strike="noStrike" kern="1200" cap="none" spc="0" normalizeH="0" baseline="0" noProof="0" dirty="0" smtClean="0">
+                <a:ln>
+                  <a:noFill/>
+                </a:ln>
+                <a:solidFill>
+                  <a:schemeClr val="tx1"/>
+                </a:solidFill>
+                <a:effectLst/>
+                <a:uLnTx/>
+                <a:uFillTx/>
+                <a:latin typeface="HGPｺﾞｼｯｸE" pitchFamily="50" charset="-128"/>
+                <a:ea typeface="HGPｺﾞｼｯｸE" pitchFamily="50" charset="-128"/>
+                <a:cs typeface="+mn-cs"/>
+              </a:rPr>
+              <a:t>これにより、品質向上や納期短縮が図れる。</a:t>
+            </a:r>
+            <a:endParaRPr kumimoji="1" lang="en-US" altLang="ja-JP" sz="2800" b="0" i="0" u="none" strike="noStrike" kern="1200" cap="none" spc="0" normalizeH="0" baseline="0" noProof="0" dirty="0" smtClean="0">
+              <a:ln>
+                <a:noFill/>
+              </a:ln>
+              <a:solidFill>
+                <a:schemeClr val="tx1"/>
+              </a:solidFill>
+              <a:effectLst/>
+              <a:uLnTx/>
+              <a:uFillTx/>
+              <a:latin typeface="HGPｺﾞｼｯｸE" pitchFamily="50" charset="-128"/>
+              <a:ea typeface="HGPｺﾞｼｯｸE" pitchFamily="50" charset="-128"/>
+              <a:cs typeface="+mn-cs"/>
+            </a:endParaRPr>
+          </a:p>
+          <a:p>
+            <a:pPr marL="342900" marR="0" lvl="0" indent="-342900" algn="l" defTabSz="914400" rtl="0" eaLnBrk="1" fontAlgn="auto" latinLnBrk="0" hangingPunct="1">
+              <a:lnSpc>
+                <a:spcPct val="100000"/>
+              </a:lnSpc>
+              <a:spcBef>
+                <a:spcPct val="20000"/>
+              </a:spcBef>
+              <a:spcAft>
+                <a:spcPts val="0"/>
+              </a:spcAft>
+              <a:buClrTx/>
+              <a:buSzTx/>
+              <a:buFont typeface="Arial" pitchFamily="34" charset="0"/>
+              <a:buNone/>
+              <a:tabLst/>
+              <a:defRPr/>
+            </a:pPr>
+            <a:endParaRPr lang="en-US" altLang="ja-JP" sz="2800" dirty="0" smtClean="0">
+              <a:latin typeface="HGPｺﾞｼｯｸE" pitchFamily="50" charset="-128"/>
+              <a:ea typeface="HGPｺﾞｼｯｸE" pitchFamily="50" charset="-128"/>
+            </a:endParaRPr>
+          </a:p>
+          <a:p>
+            <a:pPr marL="342900" marR="0" lvl="0" indent="-342900" algn="l" defTabSz="914400" rtl="0" eaLnBrk="1" fontAlgn="auto" latinLnBrk="0" hangingPunct="1">
+              <a:lnSpc>
+                <a:spcPct val="100000"/>
+              </a:lnSpc>
+              <a:spcBef>
+                <a:spcPct val="20000"/>
+              </a:spcBef>
+              <a:spcAft>
+                <a:spcPts val="0"/>
+              </a:spcAft>
+              <a:buClrTx/>
+              <a:buSzTx/>
+              <a:buFont typeface="Arial" pitchFamily="34" charset="0"/>
+              <a:buNone/>
+              <a:tabLst/>
+              <a:defRPr/>
+            </a:pPr>
+            <a:endParaRPr kumimoji="1" lang="ja-JP" altLang="en-US" sz="2800" b="0" i="0" u="none" strike="noStrike" kern="1200" cap="none" spc="0" normalizeH="0" baseline="0" noProof="0" dirty="0">
+              <a:ln>
+                <a:noFill/>
+              </a:ln>
+              <a:solidFill>
+                <a:schemeClr val="tx1"/>
+              </a:solidFill>
+              <a:effectLst/>
+              <a:uLnTx/>
+              <a:uFillTx/>
+              <a:latin typeface="HGPｺﾞｼｯｸE" pitchFamily="50" charset="-128"/>
+              <a:ea typeface="HGPｺﾞｼｯｸE" pitchFamily="50" charset="-128"/>
+              <a:cs typeface="+mn-cs"/>
+            </a:endParaRPr>
+          </a:p>
+        </p:txBody>
+      </p:sp>
+    </p:spTree>
+  </p:cSld>
+  <p:clrMapOvr>
+    <a:masterClrMapping/>
+  </p:clrMapOvr>
+  <p:timing>
+    <p:tnLst>
+      <p:par>
+        <p:cTn id="1" dur="indefinite" restart="never" nodeType="tmRoot"/>
+      </p:par>
+    </p:tnLst>
+  </p:timing>
+</p:sld>
+</file>
+
+<file path=ppt/slides/slide14.xml><?xml version="1.0" encoding="utf-8"?>
+<p:sld xmlns:a="http://schemas.openxmlformats.org/drawingml/2006/main" xmlns:r="http://schemas.openxmlformats.org/officeDocument/2006/relationships" xmlns:p="http://schemas.openxmlformats.org/presentationml/2006/main">
+  <p:cSld>
+    <p:spTree>
+      <p:nvGrpSpPr>
+        <p:cNvPr id="1" name=""/>
+        <p:cNvGrpSpPr/>
+        <p:nvPr/>
+      </p:nvGrpSpPr>
+      <p:grpSpPr>
+        <a:xfrm>
+          <a:off x="0" y="0"/>
+          <a:ext cx="0" cy="0"/>
+          <a:chOff x="0" y="0"/>
+          <a:chExt cx="0" cy="0"/>
+        </a:xfrm>
+      </p:grpSpPr>
+      <p:sp>
+        <p:nvSpPr>
+          <p:cNvPr id="2" name="タイトル 1"/>
+          <p:cNvSpPr>
+            <a:spLocks noGrp="1"/>
+          </p:cNvSpPr>
+          <p:nvPr>
+            <p:ph type="title"/>
+          </p:nvPr>
+        </p:nvSpPr>
+        <p:spPr>
+          <a:xfrm>
+            <a:off x="1475656" y="980728"/>
+            <a:ext cx="6444208" cy="1143000"/>
+          </a:xfrm>
+        </p:spPr>
+        <p:txBody>
+          <a:bodyPr>
+            <a:normAutofit fontScale="90000"/>
+          </a:bodyPr>
+          <a:lstStyle/>
+          <a:p>
+            <a:r>
+              <a:rPr lang="ja-JP" altLang="en-US" sz="3600" dirty="0" smtClean="0"/>
+              <a:t>ご清聴ありがとうございました。</a:t>
+            </a:r>
+            <a:endParaRPr kumimoji="1" lang="ja-JP" altLang="en-US" sz="3600" dirty="0"/>
+          </a:p>
+        </p:txBody>
+      </p:sp>
+      <p:sp>
+        <p:nvSpPr>
+          <p:cNvPr id="4" name="スライド番号プレースホルダ 3"/>
+          <p:cNvSpPr>
+            <a:spLocks noGrp="1"/>
+          </p:cNvSpPr>
+          <p:nvPr>
+            <p:ph type="sldNum" sz="quarter" idx="12"/>
+          </p:nvPr>
+        </p:nvSpPr>
+        <p:spPr/>
+        <p:txBody>
+          <a:bodyPr/>
+          <a:lstStyle/>
+          <a:p>
+            <a:fld id="{D2D8002D-B5B0-4BAC-B1F6-782DDCCE6D9C}" type="slidenum">
+              <a:rPr kumimoji="1" lang="ja-JP" altLang="en-US" smtClean="0"/>
+              <a:pPr/>
+              <a:t>14</a:t>
+            </a:fld>
+            <a:endParaRPr kumimoji="1" lang="ja-JP" altLang="en-US" dirty="0"/>
+          </a:p>
+        </p:txBody>
+      </p:sp>
+      <p:cxnSp>
+        <p:nvCxnSpPr>
+          <p:cNvPr id="7" name="直線コネクタ 6"/>
+          <p:cNvCxnSpPr/>
+          <p:nvPr/>
+        </p:nvCxnSpPr>
+        <p:spPr>
+          <a:xfrm>
+            <a:off x="3275856" y="4365104"/>
+            <a:ext cx="5472608" cy="0"/>
+          </a:xfrm>
+          <a:prstGeom prst="line">
+            <a:avLst/>
+          </a:prstGeom>
+          <a:ln w="19050">
+            <a:solidFill>
+              <a:schemeClr val="tx1">
+                <a:lumMod val="50000"/>
+                <a:lumOff val="50000"/>
+              </a:schemeClr>
+            </a:solidFill>
+          </a:ln>
+        </p:spPr>
+        <p:style>
+          <a:lnRef idx="1">
+            <a:schemeClr val="dk1"/>
+          </a:lnRef>
+          <a:fillRef idx="0">
+            <a:schemeClr val="dk1"/>
+          </a:fillRef>
+          <a:effectRef idx="0">
+            <a:schemeClr val="dk1"/>
+          </a:effectRef>
+          <a:fontRef idx="minor">
+            <a:schemeClr val="tx1"/>
+          </a:fontRef>
+        </p:style>
+      </p:cxnSp>
+      <p:sp>
+        <p:nvSpPr>
+          <p:cNvPr id="10" name="正方形/長方形 9"/>
+          <p:cNvSpPr/>
+          <p:nvPr/>
+        </p:nvSpPr>
+        <p:spPr>
+          <a:xfrm>
+            <a:off x="2771800" y="3429000"/>
+            <a:ext cx="5976664" cy="830997"/>
+          </a:xfrm>
+          <a:prstGeom prst="rect">
+            <a:avLst/>
+          </a:prstGeom>
+        </p:spPr>
+        <p:txBody>
+          <a:bodyPr wrap="square">
+            <a:spAutoFit/>
+          </a:bodyPr>
+          <a:lstStyle/>
+          <a:p>
+            <a:pPr algn="r"/>
+            <a:r>
+              <a:rPr lang="en-US" altLang="ja-JP" sz="2400" dirty="0" smtClean="0">
+                <a:latin typeface="HGPｺﾞｼｯｸE" pitchFamily="50" charset="-128"/>
+                <a:ea typeface="HGPｺﾞｼｯｸE" pitchFamily="50" charset="-128"/>
+              </a:rPr>
+              <a:t>NetCommons3</a:t>
+            </a:r>
+            <a:r>
+              <a:rPr lang="ja-JP" altLang="en-US" sz="2400" dirty="0" smtClean="0">
+                <a:latin typeface="HGPｺﾞｼｯｸE" pitchFamily="50" charset="-128"/>
+                <a:ea typeface="HGPｺﾞｼｯｸE" pitchFamily="50" charset="-128"/>
+              </a:rPr>
+              <a:t>プラグイン開発に</a:t>
+            </a:r>
+            <a:r>
+              <a:rPr lang="ja-JP" altLang="en-US" sz="2400" dirty="0" smtClean="0">
+                <a:latin typeface="HGPｺﾞｼｯｸE" pitchFamily="50" charset="-128"/>
+                <a:ea typeface="HGPｺﾞｼｯｸE" pitchFamily="50" charset="-128"/>
+              </a:rPr>
+              <a:t>おける</a:t>
+            </a:r>
+            <a:endParaRPr lang="en-US" altLang="ja-JP" sz="2400" dirty="0" smtClean="0">
+              <a:latin typeface="HGPｺﾞｼｯｸE" pitchFamily="50" charset="-128"/>
+              <a:ea typeface="HGPｺﾞｼｯｸE" pitchFamily="50" charset="-128"/>
+            </a:endParaRPr>
+          </a:p>
+          <a:p>
+            <a:pPr algn="r"/>
+            <a:r>
+              <a:rPr lang="ja-JP" altLang="en-US" sz="2400" dirty="0" smtClean="0">
+                <a:latin typeface="HGPｺﾞｼｯｸE" pitchFamily="50" charset="-128"/>
+                <a:ea typeface="HGPｺﾞｼｯｸE" pitchFamily="50" charset="-128"/>
+              </a:rPr>
+              <a:t>機能</a:t>
+            </a:r>
+            <a:r>
+              <a:rPr lang="ja-JP" altLang="en-US" sz="2400" dirty="0" smtClean="0">
+                <a:latin typeface="HGPｺﾞｼｯｸE" pitchFamily="50" charset="-128"/>
+                <a:ea typeface="HGPｺﾞｼｯｸE" pitchFamily="50" charset="-128"/>
+              </a:rPr>
+              <a:t>提案及び、評価</a:t>
+            </a:r>
+            <a:endParaRPr lang="ja-JP" altLang="en-US" sz="2400" dirty="0"/>
+          </a:p>
+        </p:txBody>
+      </p:sp>
+      <p:sp>
+        <p:nvSpPr>
+          <p:cNvPr id="13" name="サブタイトル 2"/>
+          <p:cNvSpPr txBox="1">
+            <a:spLocks/>
+          </p:cNvSpPr>
+          <p:nvPr/>
+        </p:nvSpPr>
+        <p:spPr>
+          <a:xfrm>
+            <a:off x="2915816" y="4484712"/>
+            <a:ext cx="5832648" cy="1752600"/>
+          </a:xfrm>
+          <a:prstGeom prst="rect">
+            <a:avLst/>
+          </a:prstGeom>
+        </p:spPr>
+        <p:txBody>
+          <a:bodyPr vert="horz" lIns="91440" tIns="45720" rIns="91440" bIns="45720" rtlCol="0">
+            <a:noAutofit/>
+          </a:bodyPr>
+          <a:lstStyle/>
+          <a:p>
+            <a:pPr marL="342900" marR="0" lvl="0" indent="-342900" algn="r" defTabSz="914400" rtl="0" eaLnBrk="1" fontAlgn="auto" latinLnBrk="0" hangingPunct="1">
+              <a:lnSpc>
+                <a:spcPct val="100000"/>
+              </a:lnSpc>
+              <a:spcBef>
+                <a:spcPct val="20000"/>
+              </a:spcBef>
+              <a:spcAft>
+                <a:spcPts val="0"/>
+              </a:spcAft>
+              <a:buClrTx/>
+              <a:buSzTx/>
+              <a:tabLst/>
+              <a:defRPr/>
+            </a:pPr>
+            <a:r>
+              <a:rPr kumimoji="1" lang="ja-JP" altLang="en-US" sz="2200" b="0" i="0" u="none" strike="noStrike" kern="1200" cap="none" spc="0" normalizeH="0" baseline="0" noProof="0" dirty="0" smtClean="0">
+                <a:ln>
+                  <a:noFill/>
+                </a:ln>
+                <a:solidFill>
+                  <a:srgbClr val="898989"/>
+                </a:solidFill>
+                <a:effectLst/>
+                <a:uLnTx/>
+                <a:uFillTx/>
+                <a:latin typeface="HGP創英角ｺﾞｼｯｸUB" pitchFamily="50" charset="-128"/>
+                <a:ea typeface="HGP創英角ｺﾞｼｯｸUB" pitchFamily="50" charset="-128"/>
+                <a:cs typeface="+mn-cs"/>
+              </a:rPr>
+              <a:t>国立情報学研究所　社会共有知研究センタ</a:t>
+            </a:r>
+            <a:endParaRPr kumimoji="1" lang="en-US" altLang="ja-JP" sz="2200" b="0" i="0" u="none" strike="noStrike" kern="1200" cap="none" spc="0" normalizeH="0" baseline="0" noProof="0" dirty="0" smtClean="0">
+              <a:ln>
+                <a:noFill/>
+              </a:ln>
+              <a:solidFill>
+                <a:srgbClr val="898989"/>
+              </a:solidFill>
+              <a:effectLst/>
+              <a:uLnTx/>
+              <a:uFillTx/>
+              <a:latin typeface="HGP創英角ｺﾞｼｯｸUB" pitchFamily="50" charset="-128"/>
+              <a:ea typeface="HGP創英角ｺﾞｼｯｸUB" pitchFamily="50" charset="-128"/>
+              <a:cs typeface="+mn-cs"/>
+            </a:endParaRPr>
+          </a:p>
+          <a:p>
+            <a:pPr marL="342900" marR="0" lvl="0" indent="-342900" algn="r" defTabSz="914400" rtl="0" eaLnBrk="1" fontAlgn="auto" latinLnBrk="0" hangingPunct="1">
+              <a:lnSpc>
+                <a:spcPct val="100000"/>
+              </a:lnSpc>
+              <a:spcBef>
+                <a:spcPct val="20000"/>
+              </a:spcBef>
+              <a:spcAft>
+                <a:spcPts val="0"/>
+              </a:spcAft>
+              <a:buClrTx/>
+              <a:buSzTx/>
+              <a:tabLst/>
+              <a:defRPr/>
+            </a:pPr>
+            <a:r>
+              <a:rPr kumimoji="1" lang="ja-JP" altLang="en-US" sz="2200" b="0" i="0" u="none" strike="noStrike" kern="1200" cap="none" spc="0" normalizeH="0" baseline="0" noProof="0" dirty="0" smtClean="0">
+                <a:ln>
+                  <a:noFill/>
+                </a:ln>
+                <a:solidFill>
+                  <a:srgbClr val="898989"/>
+                </a:solidFill>
+                <a:effectLst/>
+                <a:uLnTx/>
+                <a:uFillTx/>
+                <a:latin typeface="HGP創英角ｺﾞｼｯｸUB" pitchFamily="50" charset="-128"/>
+                <a:ea typeface="HGP創英角ｺﾞｼｯｸUB" pitchFamily="50" charset="-128"/>
+                <a:cs typeface="+mn-cs"/>
+              </a:rPr>
+              <a:t>新井研究室</a:t>
+            </a:r>
+            <a:endParaRPr kumimoji="1" lang="en-US" altLang="ja-JP" sz="2200" b="0" i="0" u="none" strike="noStrike" kern="1200" cap="none" spc="0" normalizeH="0" baseline="0" noProof="0" dirty="0" smtClean="0">
+              <a:ln>
+                <a:noFill/>
+              </a:ln>
+              <a:solidFill>
+                <a:srgbClr val="898989"/>
+              </a:solidFill>
+              <a:effectLst/>
+              <a:uLnTx/>
+              <a:uFillTx/>
+              <a:latin typeface="HGP創英角ｺﾞｼｯｸUB" pitchFamily="50" charset="-128"/>
+              <a:ea typeface="HGP創英角ｺﾞｼｯｸUB" pitchFamily="50" charset="-128"/>
+              <a:cs typeface="+mn-cs"/>
+            </a:endParaRPr>
+          </a:p>
+          <a:p>
+            <a:pPr marL="342900" marR="0" lvl="0" indent="-342900" algn="r" defTabSz="914400" rtl="0" eaLnBrk="1" fontAlgn="auto" latinLnBrk="0" hangingPunct="1">
+              <a:lnSpc>
+                <a:spcPct val="100000"/>
+              </a:lnSpc>
+              <a:spcBef>
+                <a:spcPct val="20000"/>
+              </a:spcBef>
+              <a:spcAft>
+                <a:spcPts val="0"/>
+              </a:spcAft>
+              <a:buClrTx/>
+              <a:buSzTx/>
+              <a:tabLst/>
+              <a:defRPr/>
+            </a:pPr>
+            <a:r>
+              <a:rPr kumimoji="1" lang="ja-JP" altLang="en-US" sz="2200" b="0" i="0" u="none" strike="noStrike" kern="1200" cap="none" spc="0" normalizeH="0" baseline="0" noProof="0" dirty="0" smtClean="0">
+                <a:ln>
+                  <a:noFill/>
+                </a:ln>
+                <a:solidFill>
+                  <a:srgbClr val="898989"/>
+                </a:solidFill>
+                <a:effectLst/>
+                <a:uLnTx/>
+                <a:uFillTx/>
+                <a:latin typeface="HGP創英角ｺﾞｼｯｸUB" pitchFamily="50" charset="-128"/>
+                <a:ea typeface="HGP創英角ｺﾞｼｯｸUB" pitchFamily="50" charset="-128"/>
+                <a:cs typeface="+mn-cs"/>
+              </a:rPr>
+              <a:t>日立製作所　公共システム事業部</a:t>
+            </a:r>
+            <a:endParaRPr kumimoji="1" lang="en-US" altLang="ja-JP" sz="2200" b="0" i="0" u="none" strike="noStrike" kern="1200" cap="none" spc="0" normalizeH="0" baseline="0" noProof="0" dirty="0" smtClean="0">
+              <a:ln>
+                <a:noFill/>
+              </a:ln>
+              <a:solidFill>
+                <a:srgbClr val="898989"/>
+              </a:solidFill>
+              <a:effectLst/>
+              <a:uLnTx/>
+              <a:uFillTx/>
+              <a:latin typeface="HGP創英角ｺﾞｼｯｸUB" pitchFamily="50" charset="-128"/>
+              <a:ea typeface="HGP創英角ｺﾞｼｯｸUB" pitchFamily="50" charset="-128"/>
+              <a:cs typeface="+mn-cs"/>
+            </a:endParaRPr>
+          </a:p>
+          <a:p>
+            <a:pPr marL="342900" marR="0" lvl="0" indent="-342900" algn="r" defTabSz="914400" rtl="0" eaLnBrk="1" fontAlgn="auto" latinLnBrk="0" hangingPunct="1">
+              <a:lnSpc>
+                <a:spcPct val="100000"/>
+              </a:lnSpc>
+              <a:spcBef>
+                <a:spcPct val="20000"/>
+              </a:spcBef>
+              <a:spcAft>
+                <a:spcPts val="0"/>
+              </a:spcAft>
+              <a:buClrTx/>
+              <a:buSzTx/>
+              <a:tabLst/>
+              <a:defRPr/>
+            </a:pPr>
+            <a:r>
+              <a:rPr kumimoji="1" lang="ja-JP" altLang="en-US" sz="2200" b="0" i="0" u="none" strike="noStrike" kern="1200" cap="none" spc="0" normalizeH="0" baseline="0" noProof="0" dirty="0" smtClean="0">
+                <a:ln>
+                  <a:noFill/>
+                </a:ln>
+                <a:solidFill>
+                  <a:srgbClr val="898989"/>
+                </a:solidFill>
+                <a:effectLst/>
+                <a:uLnTx/>
+                <a:uFillTx/>
+                <a:latin typeface="HGP創英角ｺﾞｼｯｸUB" pitchFamily="50" charset="-128"/>
+                <a:ea typeface="HGP創英角ｺﾞｼｯｸUB" pitchFamily="50" charset="-128"/>
+                <a:cs typeface="+mn-cs"/>
+              </a:rPr>
+              <a:t>消防システム開発センタ　第</a:t>
+            </a:r>
+            <a:r>
+              <a:rPr kumimoji="1" lang="en-US" altLang="ja-JP" sz="2200" b="0" i="0" u="none" strike="noStrike" kern="1200" cap="none" spc="0" normalizeH="0" baseline="0" noProof="0" dirty="0" smtClean="0">
+                <a:ln>
+                  <a:noFill/>
+                </a:ln>
+                <a:solidFill>
+                  <a:srgbClr val="898989"/>
+                </a:solidFill>
+                <a:effectLst/>
+                <a:uLnTx/>
+                <a:uFillTx/>
+                <a:latin typeface="HGP創英角ｺﾞｼｯｸUB" pitchFamily="50" charset="-128"/>
+                <a:ea typeface="HGP創英角ｺﾞｼｯｸUB" pitchFamily="50" charset="-128"/>
+                <a:cs typeface="+mn-cs"/>
+              </a:rPr>
+              <a:t>2</a:t>
+            </a:r>
+            <a:r>
+              <a:rPr kumimoji="1" lang="ja-JP" altLang="en-US" sz="2200" b="0" i="0" u="none" strike="noStrike" kern="1200" cap="none" spc="0" normalizeH="0" baseline="0" noProof="0" dirty="0" smtClean="0">
+                <a:ln>
+                  <a:noFill/>
+                </a:ln>
+                <a:solidFill>
+                  <a:srgbClr val="898989"/>
+                </a:solidFill>
+                <a:effectLst/>
+                <a:uLnTx/>
+                <a:uFillTx/>
+                <a:latin typeface="HGP創英角ｺﾞｼｯｸUB" pitchFamily="50" charset="-128"/>
+                <a:ea typeface="HGP創英角ｺﾞｼｯｸUB" pitchFamily="50" charset="-128"/>
+                <a:cs typeface="+mn-cs"/>
+              </a:rPr>
+              <a:t>Ｇ</a:t>
+            </a:r>
+            <a:endParaRPr kumimoji="1" lang="en-US" altLang="ja-JP" sz="2200" b="0" i="0" u="none" strike="noStrike" kern="1200" cap="none" spc="0" normalizeH="0" baseline="0" noProof="0" dirty="0" smtClean="0">
+              <a:ln>
+                <a:noFill/>
+              </a:ln>
+              <a:solidFill>
+                <a:srgbClr val="898989"/>
+              </a:solidFill>
+              <a:effectLst/>
+              <a:uLnTx/>
+              <a:uFillTx/>
+              <a:latin typeface="HGP創英角ｺﾞｼｯｸUB" pitchFamily="50" charset="-128"/>
+              <a:ea typeface="HGP創英角ｺﾞｼｯｸUB" pitchFamily="50" charset="-128"/>
+              <a:cs typeface="+mn-cs"/>
+            </a:endParaRPr>
+          </a:p>
+          <a:p>
+            <a:pPr marL="342900" marR="0" lvl="0" indent="-342900" algn="r" defTabSz="914400" rtl="0" eaLnBrk="1" fontAlgn="auto" latinLnBrk="0" hangingPunct="1">
+              <a:lnSpc>
+                <a:spcPct val="100000"/>
+              </a:lnSpc>
+              <a:spcBef>
+                <a:spcPct val="20000"/>
+              </a:spcBef>
+              <a:spcAft>
+                <a:spcPts val="0"/>
+              </a:spcAft>
+              <a:buClrTx/>
+              <a:buSzTx/>
+              <a:tabLst/>
+              <a:defRPr/>
+            </a:pPr>
+            <a:r>
+              <a:rPr kumimoji="1" lang="ja-JP" altLang="en-US" sz="2200" b="0" i="0" u="none" strike="noStrike" kern="1200" cap="none" spc="0" normalizeH="0" baseline="0" noProof="0" dirty="0" smtClean="0">
+                <a:ln>
+                  <a:noFill/>
+                </a:ln>
+                <a:solidFill>
+                  <a:srgbClr val="898989"/>
+                </a:solidFill>
+                <a:effectLst/>
+                <a:uLnTx/>
+                <a:uFillTx/>
+                <a:latin typeface="HGP創英角ｺﾞｼｯｸUB" pitchFamily="50" charset="-128"/>
+                <a:ea typeface="HGP創英角ｺﾞｼｯｸUB" pitchFamily="50" charset="-128"/>
+                <a:cs typeface="+mn-cs"/>
+              </a:rPr>
+              <a:t>外田浩太朗</a:t>
+            </a:r>
+            <a:endParaRPr kumimoji="1" lang="ja-JP" altLang="en-US" sz="2200" b="0" i="0" u="none" strike="noStrike" kern="1200" cap="none" spc="0" normalizeH="0" baseline="0" noProof="0" dirty="0">
+              <a:ln>
+                <a:noFill/>
+              </a:ln>
+              <a:solidFill>
+                <a:srgbClr val="898989"/>
+              </a:solidFill>
+              <a:effectLst/>
+              <a:uLnTx/>
+              <a:uFillTx/>
+              <a:latin typeface="HGP創英角ｺﾞｼｯｸUB" pitchFamily="50" charset="-128"/>
+              <a:ea typeface="HGP創英角ｺﾞｼｯｸUB" pitchFamily="50" charset="-128"/>
+              <a:cs typeface="+mn-cs"/>
+            </a:endParaRPr>
+          </a:p>
+        </p:txBody>
+      </p:sp>
+    </p:spTree>
+  </p:cSld>
+  <p:clrMapOvr>
+    <a:masterClrMapping/>
+  </p:clrMapOvr>
+  <p:timing>
+    <p:tnLst>
+      <p:par>
+        <p:cTn id="1" dur="indefinite" restart="never" nodeType="tmRoot"/>
+      </p:par>
+    </p:tnLst>
+  </p:timing>
+</p:sld>
+</file>
+
+<file path=ppt/slides/slide15.xml><?xml version="1.0" encoding="utf-8"?>
+<p:sld xmlns:a="http://schemas.openxmlformats.org/drawingml/2006/main" xmlns:r="http://schemas.openxmlformats.org/officeDocument/2006/relationships" xmlns:p="http://schemas.openxmlformats.org/presentationml/2006/main" show="0">
   <p:cSld>
     <p:spTree>
       <p:nvGrpSpPr>
@@ -23552,7 +26100,7 @@
             <a:fld id="{D2D8002D-B5B0-4BAC-B1F6-782DDCCE6D9C}" type="slidenum">
               <a:rPr kumimoji="1" lang="ja-JP" altLang="en-US" smtClean="0"/>
               <a:pPr/>
-              <a:t>10</a:t>
+              <a:t>15</a:t>
             </a:fld>
             <a:endParaRPr kumimoji="1" lang="ja-JP" altLang="en-US" dirty="0"/>
           </a:p>
@@ -23563,6 +26111,7 @@
   <p:clrMapOvr>
     <a:masterClrMapping/>
   </p:clrMapOvr>
+  <p:transition/>
   <p:timing>
     <p:tnLst>
       <p:par>
@@ -23573,8 +26122,8 @@
 </p:sld>
 </file>
 
-<file path=ppt/slides/slide11.xml><?xml version="1.0" encoding="utf-8"?>
-<p:sld xmlns:a="http://schemas.openxmlformats.org/drawingml/2006/main" xmlns:r="http://schemas.openxmlformats.org/officeDocument/2006/relationships" xmlns:p="http://schemas.openxmlformats.org/presentationml/2006/main">
+<file path=ppt/slides/slide16.xml><?xml version="1.0" encoding="utf-8"?>
+<p:sld xmlns:a="http://schemas.openxmlformats.org/drawingml/2006/main" xmlns:r="http://schemas.openxmlformats.org/officeDocument/2006/relationships" xmlns:p="http://schemas.openxmlformats.org/presentationml/2006/main" show="0">
   <p:cSld>
     <p:spTree>
       <p:nvGrpSpPr>
@@ -23856,7 +26405,7 @@
             <a:fld id="{D2D8002D-B5B0-4BAC-B1F6-782DDCCE6D9C}" type="slidenum">
               <a:rPr kumimoji="1" lang="ja-JP" altLang="en-US" smtClean="0"/>
               <a:pPr/>
-              <a:t>11</a:t>
+              <a:t>16</a:t>
             </a:fld>
             <a:endParaRPr kumimoji="1" lang="ja-JP" altLang="en-US" dirty="0"/>
           </a:p>
@@ -23867,6 +26416,7 @@
   <p:clrMapOvr>
     <a:masterClrMapping/>
   </p:clrMapOvr>
+  <p:transition/>
   <p:timing>
     <p:tnLst>
       <p:par>
@@ -23877,8 +26427,8 @@
 </p:sld>
 </file>
 
-<file path=ppt/slides/slide12.xml><?xml version="1.0" encoding="utf-8"?>
-<p:sld xmlns:a="http://schemas.openxmlformats.org/drawingml/2006/main" xmlns:r="http://schemas.openxmlformats.org/officeDocument/2006/relationships" xmlns:p="http://schemas.openxmlformats.org/presentationml/2006/main">
+<file path=ppt/slides/slide17.xml><?xml version="1.0" encoding="utf-8"?>
+<p:sld xmlns:a="http://schemas.openxmlformats.org/drawingml/2006/main" xmlns:r="http://schemas.openxmlformats.org/officeDocument/2006/relationships" xmlns:p="http://schemas.openxmlformats.org/presentationml/2006/main" show="0">
   <p:cSld>
     <p:spTree>
       <p:nvGrpSpPr>
@@ -23963,7 +26513,7 @@
             <a:fld id="{D2D8002D-B5B0-4BAC-B1F6-782DDCCE6D9C}" type="slidenum">
               <a:rPr kumimoji="1" lang="ja-JP" altLang="en-US" smtClean="0"/>
               <a:pPr/>
-              <a:t>12</a:t>
+              <a:t>17</a:t>
             </a:fld>
             <a:endParaRPr kumimoji="1" lang="ja-JP" altLang="en-US" dirty="0"/>
           </a:p>
@@ -23974,6 +26524,7 @@
   <p:clrMapOvr>
     <a:masterClrMapping/>
   </p:clrMapOvr>
+  <p:transition/>
   <p:timing>
     <p:tnLst>
       <p:par>
@@ -23984,8 +26535,8 @@
 </p:sld>
 </file>
 
-<file path=ppt/slides/slide13.xml><?xml version="1.0" encoding="utf-8"?>
-<p:sld xmlns:a="http://schemas.openxmlformats.org/drawingml/2006/main" xmlns:r="http://schemas.openxmlformats.org/officeDocument/2006/relationships" xmlns:p="http://schemas.openxmlformats.org/presentationml/2006/main">
+<file path=ppt/slides/slide18.xml><?xml version="1.0" encoding="utf-8"?>
+<p:sld xmlns:a="http://schemas.openxmlformats.org/drawingml/2006/main" xmlns:r="http://schemas.openxmlformats.org/officeDocument/2006/relationships" xmlns:p="http://schemas.openxmlformats.org/presentationml/2006/main" show="0">
   <p:cSld>
     <p:spTree>
       <p:nvGrpSpPr>
@@ -24170,7 +26721,7 @@
             <a:fld id="{D2D8002D-B5B0-4BAC-B1F6-782DDCCE6D9C}" type="slidenum">
               <a:rPr kumimoji="1" lang="ja-JP" altLang="en-US" smtClean="0"/>
               <a:pPr/>
-              <a:t>13</a:t>
+              <a:t>18</a:t>
             </a:fld>
             <a:endParaRPr kumimoji="1" lang="ja-JP" altLang="en-US" dirty="0"/>
           </a:p>
@@ -24181,6 +26732,7 @@
   <p:clrMapOvr>
     <a:masterClrMapping/>
   </p:clrMapOvr>
+  <p:transition/>
   <p:timing>
     <p:tnLst>
       <p:par>
@@ -24191,8 +26743,8 @@
 </p:sld>
 </file>
 
-<file path=ppt/slides/slide14.xml><?xml version="1.0" encoding="utf-8"?>
-<p:sld xmlns:a="http://schemas.openxmlformats.org/drawingml/2006/main" xmlns:r="http://schemas.openxmlformats.org/officeDocument/2006/relationships" xmlns:p="http://schemas.openxmlformats.org/presentationml/2006/main">
+<file path=ppt/slides/slide19.xml><?xml version="1.0" encoding="utf-8"?>
+<p:sld xmlns:a="http://schemas.openxmlformats.org/drawingml/2006/main" xmlns:r="http://schemas.openxmlformats.org/officeDocument/2006/relationships" xmlns:p="http://schemas.openxmlformats.org/presentationml/2006/main" show="0">
   <p:cSld>
     <p:spTree>
       <p:nvGrpSpPr>
@@ -25802,9 +28354,578 @@
             <a:fld id="{D2D8002D-B5B0-4BAC-B1F6-782DDCCE6D9C}" type="slidenum">
               <a:rPr kumimoji="1" lang="ja-JP" altLang="en-US" smtClean="0"/>
               <a:pPr/>
-              <a:t>14</a:t>
+              <a:t>19</a:t>
             </a:fld>
             <a:endParaRPr kumimoji="1" lang="ja-JP" altLang="en-US" dirty="0"/>
+          </a:p>
+        </p:txBody>
+      </p:sp>
+    </p:spTree>
+  </p:cSld>
+  <p:clrMapOvr>
+    <a:masterClrMapping/>
+  </p:clrMapOvr>
+  <p:transition/>
+  <p:timing>
+    <p:tnLst>
+      <p:par>
+        <p:cTn id="1" dur="indefinite" restart="never" nodeType="tmRoot"/>
+      </p:par>
+    </p:tnLst>
+  </p:timing>
+</p:sld>
+</file>
+
+<file path=ppt/slides/slide2.xml><?xml version="1.0" encoding="utf-8"?>
+<p:sld xmlns:a="http://schemas.openxmlformats.org/drawingml/2006/main" xmlns:r="http://schemas.openxmlformats.org/officeDocument/2006/relationships" xmlns:p="http://schemas.openxmlformats.org/presentationml/2006/main">
+  <p:cSld>
+    <p:spTree>
+      <p:nvGrpSpPr>
+        <p:cNvPr id="1" name=""/>
+        <p:cNvGrpSpPr/>
+        <p:nvPr/>
+      </p:nvGrpSpPr>
+      <p:grpSpPr>
+        <a:xfrm>
+          <a:off x="0" y="0"/>
+          <a:ext cx="0" cy="0"/>
+          <a:chOff x="0" y="0"/>
+          <a:chExt cx="0" cy="0"/>
+        </a:xfrm>
+      </p:grpSpPr>
+      <p:sp>
+        <p:nvSpPr>
+          <p:cNvPr id="6" name="コンテンツ プレースホルダ 5"/>
+          <p:cNvSpPr>
+            <a:spLocks noGrp="1"/>
+          </p:cNvSpPr>
+          <p:nvPr>
+            <p:ph idx="1"/>
+          </p:nvPr>
+        </p:nvSpPr>
+        <p:spPr>
+          <a:xfrm>
+            <a:off x="395536" y="4077072"/>
+            <a:ext cx="8748464" cy="1152128"/>
+          </a:xfrm>
+        </p:spPr>
+        <p:txBody>
+          <a:bodyPr>
+            <a:normAutofit/>
+          </a:bodyPr>
+          <a:lstStyle/>
+          <a:p>
+            <a:r>
+              <a:rPr lang="en-US" altLang="ja-JP" sz="2400" dirty="0" smtClean="0"/>
+              <a:t>NC3</a:t>
+            </a:r>
+            <a:r>
+              <a:rPr lang="ja-JP" altLang="en-US" sz="2400" dirty="0" smtClean="0"/>
+              <a:t>開発プロジェクトに参画することになった。</a:t>
+            </a:r>
+            <a:endParaRPr lang="en-US" altLang="ja-JP" sz="2400" dirty="0" smtClean="0"/>
+          </a:p>
+          <a:p>
+            <a:r>
+              <a:rPr lang="ja-JP" altLang="en-US" sz="2400" dirty="0" smtClean="0"/>
+              <a:t>プラグイン開発の中でフォームを提案する機会を得た。</a:t>
+            </a:r>
+            <a:endParaRPr kumimoji="1" lang="en-US" altLang="ja-JP" sz="2400" dirty="0" smtClean="0"/>
+          </a:p>
+        </p:txBody>
+      </p:sp>
+      <p:sp>
+        <p:nvSpPr>
+          <p:cNvPr id="4" name="スライド番号プレースホルダ 3"/>
+          <p:cNvSpPr>
+            <a:spLocks noGrp="1"/>
+          </p:cNvSpPr>
+          <p:nvPr>
+            <p:ph type="sldNum" sz="quarter" idx="12"/>
+          </p:nvPr>
+        </p:nvSpPr>
+        <p:spPr/>
+        <p:txBody>
+          <a:bodyPr/>
+          <a:lstStyle/>
+          <a:p>
+            <a:fld id="{D2D8002D-B5B0-4BAC-B1F6-782DDCCE6D9C}" type="slidenum">
+              <a:rPr kumimoji="1" lang="ja-JP" altLang="en-US" smtClean="0"/>
+              <a:pPr/>
+              <a:t>2</a:t>
+            </a:fld>
+            <a:endParaRPr kumimoji="1" lang="ja-JP" altLang="en-US" dirty="0"/>
+          </a:p>
+        </p:txBody>
+      </p:sp>
+      <p:sp>
+        <p:nvSpPr>
+          <p:cNvPr id="7" name="角丸四角形 6"/>
+          <p:cNvSpPr/>
+          <p:nvPr/>
+        </p:nvSpPr>
+        <p:spPr>
+          <a:xfrm>
+            <a:off x="539552" y="5157192"/>
+            <a:ext cx="8136904" cy="1584176"/>
+          </a:xfrm>
+          <a:prstGeom prst="roundRect">
+            <a:avLst/>
+          </a:prstGeom>
+          <a:effectLst>
+            <a:outerShdw blurRad="50800" dist="38100" dir="5400000" algn="t" rotWithShape="0">
+              <a:prstClr val="black">
+                <a:alpha val="40000"/>
+              </a:prstClr>
+            </a:outerShdw>
+          </a:effectLst>
+          <a:scene3d>
+            <a:camera prst="orthographicFront"/>
+            <a:lightRig rig="threePt" dir="t"/>
+          </a:scene3d>
+          <a:sp3d>
+            <a:bevelT prst="convex"/>
+          </a:sp3d>
+        </p:spPr>
+        <p:style>
+          <a:lnRef idx="1">
+            <a:schemeClr val="accent6"/>
+          </a:lnRef>
+          <a:fillRef idx="2">
+            <a:schemeClr val="accent6"/>
+          </a:fillRef>
+          <a:effectRef idx="1">
+            <a:schemeClr val="accent6"/>
+          </a:effectRef>
+          <a:fontRef idx="minor">
+            <a:schemeClr val="dk1"/>
+          </a:fontRef>
+        </p:style>
+        <p:txBody>
+          <a:bodyPr rtlCol="0" anchor="ctr"/>
+          <a:lstStyle/>
+          <a:p>
+            <a:pPr algn="ctr"/>
+            <a:r>
+              <a:rPr lang="ja-JP" altLang="en-US" sz="2800" dirty="0" smtClean="0"/>
+              <a:t>ユーザ目線で入力がしやすく</a:t>
+            </a:r>
+            <a:endParaRPr lang="en-US" altLang="ja-JP" sz="2800" dirty="0" smtClean="0"/>
+          </a:p>
+          <a:p>
+            <a:pPr algn="ctr"/>
+            <a:r>
+              <a:rPr lang="ja-JP" altLang="en-US" sz="2800" dirty="0" smtClean="0"/>
+              <a:t>エラー内容が分かりやすいフォームを</a:t>
+            </a:r>
+            <a:endParaRPr lang="en-US" altLang="ja-JP" sz="2800" dirty="0" smtClean="0"/>
+          </a:p>
+          <a:p>
+            <a:pPr algn="ctr"/>
+            <a:r>
+              <a:rPr lang="ja-JP" altLang="en-US" sz="2800" dirty="0" smtClean="0"/>
+              <a:t>提案・評価する</a:t>
+            </a:r>
+            <a:endParaRPr kumimoji="1" lang="ja-JP" altLang="en-US" sz="2800" dirty="0"/>
+          </a:p>
+        </p:txBody>
+      </p:sp>
+      <p:sp>
+        <p:nvSpPr>
+          <p:cNvPr id="8" name="コンテンツ プレースホルダ 5"/>
+          <p:cNvSpPr txBox="1">
+            <a:spLocks/>
+          </p:cNvSpPr>
+          <p:nvPr/>
+        </p:nvSpPr>
+        <p:spPr>
+          <a:xfrm>
+            <a:off x="395536" y="1700808"/>
+            <a:ext cx="8568952" cy="1944216"/>
+          </a:xfrm>
+          <a:prstGeom prst="rect">
+            <a:avLst/>
+          </a:prstGeom>
+        </p:spPr>
+        <p:txBody>
+          <a:bodyPr vert="horz" lIns="91440" tIns="45720" rIns="91440" bIns="45720" rtlCol="0">
+            <a:normAutofit/>
+          </a:bodyPr>
+          <a:lstStyle/>
+          <a:p>
+            <a:pPr marL="342900" marR="0" lvl="0" indent="-342900" algn="l" defTabSz="914400" rtl="0" eaLnBrk="1" fontAlgn="auto" latinLnBrk="0" hangingPunct="1">
+              <a:lnSpc>
+                <a:spcPct val="100000"/>
+              </a:lnSpc>
+              <a:spcBef>
+                <a:spcPct val="20000"/>
+              </a:spcBef>
+              <a:spcAft>
+                <a:spcPts val="0"/>
+              </a:spcAft>
+              <a:buClrTx/>
+              <a:buSzTx/>
+              <a:buFont typeface="Arial" pitchFamily="34" charset="0"/>
+              <a:buChar char="•"/>
+              <a:tabLst/>
+              <a:defRPr/>
+            </a:pPr>
+            <a:r>
+              <a:rPr kumimoji="1" lang="en-US" altLang="ja-JP" sz="2400" b="1" i="0" u="none" strike="noStrike" kern="1200" cap="none" spc="0" normalizeH="0" baseline="0" noProof="0" dirty="0" smtClean="0">
+                <a:ln>
+                  <a:noFill/>
+                </a:ln>
+                <a:solidFill>
+                  <a:schemeClr val="tx1"/>
+                </a:solidFill>
+                <a:effectLst/>
+                <a:uLnTx/>
+                <a:uFillTx/>
+                <a:latin typeface="メイリオ" pitchFamily="50" charset="-128"/>
+                <a:ea typeface="メイリオ" pitchFamily="50" charset="-128"/>
+                <a:cs typeface="メイリオ" pitchFamily="50" charset="-128"/>
+              </a:rPr>
+              <a:t>NC2</a:t>
+            </a:r>
+            <a:r>
+              <a:rPr kumimoji="1" lang="ja-JP" altLang="en-US" sz="2400" b="1" i="0" u="none" strike="noStrike" kern="1200" cap="none" spc="0" normalizeH="0" baseline="0" noProof="0" dirty="0" smtClean="0">
+                <a:ln>
+                  <a:noFill/>
+                </a:ln>
+                <a:solidFill>
+                  <a:schemeClr val="tx1"/>
+                </a:solidFill>
+                <a:effectLst/>
+                <a:uLnTx/>
+                <a:uFillTx/>
+                <a:latin typeface="メイリオ" pitchFamily="50" charset="-128"/>
+                <a:ea typeface="メイリオ" pitchFamily="50" charset="-128"/>
+                <a:cs typeface="メイリオ" pitchFamily="50" charset="-128"/>
+              </a:rPr>
+              <a:t>のソースは改変せず、運用でカバーする方針で研究していた。</a:t>
+            </a:r>
+            <a:endParaRPr kumimoji="1" lang="en-US" altLang="ja-JP" sz="2400" b="1" i="0" u="none" strike="noStrike" kern="1200" cap="none" spc="0" normalizeH="0" baseline="0" noProof="0" dirty="0" smtClean="0">
+              <a:ln>
+                <a:noFill/>
+              </a:ln>
+              <a:solidFill>
+                <a:schemeClr val="tx1"/>
+              </a:solidFill>
+              <a:effectLst/>
+              <a:uLnTx/>
+              <a:uFillTx/>
+              <a:latin typeface="メイリオ" pitchFamily="50" charset="-128"/>
+              <a:ea typeface="メイリオ" pitchFamily="50" charset="-128"/>
+              <a:cs typeface="メイリオ" pitchFamily="50" charset="-128"/>
+            </a:endParaRPr>
+          </a:p>
+          <a:p>
+            <a:pPr marL="342900" marR="0" lvl="0" indent="-342900" algn="l" defTabSz="914400" rtl="0" eaLnBrk="1" fontAlgn="auto" latinLnBrk="0" hangingPunct="1">
+              <a:lnSpc>
+                <a:spcPct val="100000"/>
+              </a:lnSpc>
+              <a:spcBef>
+                <a:spcPct val="20000"/>
+              </a:spcBef>
+              <a:spcAft>
+                <a:spcPts val="0"/>
+              </a:spcAft>
+              <a:buClrTx/>
+              <a:buSzTx/>
+              <a:buFont typeface="Arial" pitchFamily="34" charset="0"/>
+              <a:buChar char="•"/>
+              <a:tabLst/>
+              <a:defRPr/>
+            </a:pPr>
+            <a:r>
+              <a:rPr kumimoji="1" lang="ja-JP" altLang="en-US" sz="2400" b="1" i="0" u="none" strike="noStrike" kern="1200" cap="none" spc="0" normalizeH="0" baseline="0" noProof="0" dirty="0" smtClean="0">
+                <a:ln>
+                  <a:noFill/>
+                </a:ln>
+                <a:solidFill>
+                  <a:schemeClr val="tx1"/>
+                </a:solidFill>
+                <a:effectLst/>
+                <a:uLnTx/>
+                <a:uFillTx/>
+                <a:latin typeface="メイリオ" pitchFamily="50" charset="-128"/>
+                <a:ea typeface="メイリオ" pitchFamily="50" charset="-128"/>
+                <a:cs typeface="メイリオ" pitchFamily="50" charset="-128"/>
+              </a:rPr>
+              <a:t>インターフェース等に関して質問を受けたが、</a:t>
+            </a:r>
+            <a:r>
+              <a:rPr kumimoji="1" lang="en-US" altLang="ja-JP" sz="2400" b="1" i="0" u="none" strike="noStrike" kern="1200" cap="none" spc="0" normalizeH="0" baseline="0" noProof="0" dirty="0" smtClean="0">
+                <a:ln>
+                  <a:noFill/>
+                </a:ln>
+                <a:solidFill>
+                  <a:schemeClr val="tx1"/>
+                </a:solidFill>
+                <a:effectLst/>
+                <a:uLnTx/>
+                <a:uFillTx/>
+                <a:latin typeface="メイリオ" pitchFamily="50" charset="-128"/>
+                <a:ea typeface="メイリオ" pitchFamily="50" charset="-128"/>
+                <a:cs typeface="メイリオ" pitchFamily="50" charset="-128"/>
+              </a:rPr>
+              <a:t>NC2</a:t>
+            </a:r>
+            <a:r>
+              <a:rPr kumimoji="1" lang="ja-JP" altLang="en-US" sz="2400" b="1" i="0" u="none" strike="noStrike" kern="1200" cap="none" spc="0" normalizeH="0" baseline="0" noProof="0" dirty="0" smtClean="0">
+                <a:ln>
+                  <a:noFill/>
+                </a:ln>
+                <a:solidFill>
+                  <a:schemeClr val="tx1"/>
+                </a:solidFill>
+                <a:effectLst/>
+                <a:uLnTx/>
+                <a:uFillTx/>
+                <a:latin typeface="メイリオ" pitchFamily="50" charset="-128"/>
+                <a:ea typeface="メイリオ" pitchFamily="50" charset="-128"/>
+                <a:cs typeface="メイリオ" pitchFamily="50" charset="-128"/>
+              </a:rPr>
+              <a:t>の仕様であるとしか回答できず。</a:t>
+            </a:r>
+            <a:endParaRPr kumimoji="1" lang="en-US" altLang="ja-JP" sz="2400" b="1" i="0" u="none" strike="noStrike" kern="1200" cap="none" spc="0" normalizeH="0" baseline="0" noProof="0" dirty="0" smtClean="0">
+              <a:ln>
+                <a:noFill/>
+              </a:ln>
+              <a:solidFill>
+                <a:schemeClr val="tx1"/>
+              </a:solidFill>
+              <a:effectLst/>
+              <a:uLnTx/>
+              <a:uFillTx/>
+              <a:latin typeface="メイリオ" pitchFamily="50" charset="-128"/>
+              <a:ea typeface="メイリオ" pitchFamily="50" charset="-128"/>
+              <a:cs typeface="メイリオ" pitchFamily="50" charset="-128"/>
+            </a:endParaRPr>
+          </a:p>
+        </p:txBody>
+      </p:sp>
+      <p:sp>
+        <p:nvSpPr>
+          <p:cNvPr id="9" name="正方形/長方形 8"/>
+          <p:cNvSpPr/>
+          <p:nvPr/>
+        </p:nvSpPr>
+        <p:spPr>
+          <a:xfrm>
+            <a:off x="107504" y="1196752"/>
+            <a:ext cx="4176464" cy="504056"/>
+          </a:xfrm>
+          <a:prstGeom prst="rect">
+            <a:avLst/>
+          </a:prstGeom>
+          <a:noFill/>
+          <a:ln>
+            <a:noFill/>
+          </a:ln>
+          <a:effectLst>
+            <a:outerShdw sx="1000" sy="1000" rotWithShape="0">
+              <a:srgbClr val="000000"/>
+            </a:outerShdw>
+          </a:effectLst>
+        </p:spPr>
+        <p:style>
+          <a:lnRef idx="1">
+            <a:schemeClr val="accent3"/>
+          </a:lnRef>
+          <a:fillRef idx="2">
+            <a:schemeClr val="accent3"/>
+          </a:fillRef>
+          <a:effectRef idx="1">
+            <a:schemeClr val="accent3"/>
+          </a:effectRef>
+          <a:fontRef idx="minor">
+            <a:schemeClr val="dk1"/>
+          </a:fontRef>
+        </p:style>
+        <p:txBody>
+          <a:bodyPr rtlCol="0" anchor="ctr"/>
+          <a:lstStyle/>
+          <a:p>
+            <a:r>
+              <a:rPr lang="ja-JP" altLang="en-US" sz="2400" b="1" dirty="0" smtClean="0">
+                <a:solidFill>
+                  <a:schemeClr val="tx1"/>
+                </a:solidFill>
+                <a:latin typeface="メイリオ" pitchFamily="50" charset="-128"/>
+                <a:ea typeface="メイリオ" pitchFamily="50" charset="-128"/>
+                <a:cs typeface="メイリオ" pitchFamily="50" charset="-128"/>
+              </a:rPr>
+              <a:t>本科生時代</a:t>
+            </a:r>
+            <a:r>
+              <a:rPr lang="ja-JP" altLang="en-US" sz="2400" b="1" dirty="0" smtClean="0">
+                <a:solidFill>
+                  <a:schemeClr val="tx1"/>
+                </a:solidFill>
+                <a:latin typeface="メイリオ" pitchFamily="50" charset="-128"/>
+                <a:ea typeface="メイリオ" pitchFamily="50" charset="-128"/>
+                <a:cs typeface="メイリオ" pitchFamily="50" charset="-128"/>
+              </a:rPr>
+              <a:t>の卒業研究</a:t>
+            </a:r>
+            <a:endParaRPr lang="ja-JP" altLang="en-US" sz="2400" b="1" dirty="0" smtClean="0">
+              <a:solidFill>
+                <a:schemeClr val="tx1"/>
+              </a:solidFill>
+              <a:latin typeface="メイリオ" pitchFamily="50" charset="-128"/>
+              <a:ea typeface="メイリオ" pitchFamily="50" charset="-128"/>
+              <a:cs typeface="メイリオ" pitchFamily="50" charset="-128"/>
+            </a:endParaRPr>
+          </a:p>
+        </p:txBody>
+      </p:sp>
+      <p:sp>
+        <p:nvSpPr>
+          <p:cNvPr id="10" name="正方形/長方形 9"/>
+          <p:cNvSpPr/>
+          <p:nvPr/>
+        </p:nvSpPr>
+        <p:spPr>
+          <a:xfrm>
+            <a:off x="107504" y="3573016"/>
+            <a:ext cx="3456384" cy="504056"/>
+          </a:xfrm>
+          <a:prstGeom prst="rect">
+            <a:avLst/>
+          </a:prstGeom>
+          <a:noFill/>
+          <a:ln>
+            <a:noFill/>
+          </a:ln>
+          <a:effectLst>
+            <a:outerShdw sx="1000" sy="1000" rotWithShape="0">
+              <a:srgbClr val="000000"/>
+            </a:outerShdw>
+          </a:effectLst>
+        </p:spPr>
+        <p:style>
+          <a:lnRef idx="1">
+            <a:schemeClr val="accent3"/>
+          </a:lnRef>
+          <a:fillRef idx="2">
+            <a:schemeClr val="accent3"/>
+          </a:fillRef>
+          <a:effectRef idx="1">
+            <a:schemeClr val="accent3"/>
+          </a:effectRef>
+          <a:fontRef idx="minor">
+            <a:schemeClr val="dk1"/>
+          </a:fontRef>
+        </p:style>
+        <p:txBody>
+          <a:bodyPr rtlCol="0" anchor="ctr"/>
+          <a:lstStyle/>
+          <a:p>
+            <a:r>
+              <a:rPr lang="ja-JP" altLang="en-US" sz="2400" b="1" dirty="0" smtClean="0">
+                <a:solidFill>
+                  <a:schemeClr val="tx1"/>
+                </a:solidFill>
+                <a:latin typeface="メイリオ" pitchFamily="50" charset="-128"/>
+                <a:ea typeface="メイリオ" pitchFamily="50" charset="-128"/>
+                <a:cs typeface="メイリオ" pitchFamily="50" charset="-128"/>
+              </a:rPr>
+              <a:t>研究科に進学して</a:t>
+            </a:r>
+            <a:r>
+              <a:rPr lang="en-US" altLang="ja-JP" sz="2400" b="1" dirty="0" smtClean="0">
+                <a:solidFill>
+                  <a:schemeClr val="tx1"/>
+                </a:solidFill>
+                <a:latin typeface="メイリオ" pitchFamily="50" charset="-128"/>
+                <a:ea typeface="メイリオ" pitchFamily="50" charset="-128"/>
+                <a:cs typeface="メイリオ" pitchFamily="50" charset="-128"/>
+              </a:rPr>
+              <a:t>…</a:t>
+            </a:r>
+            <a:endParaRPr lang="ja-JP" altLang="en-US" sz="2400" b="1" dirty="0" smtClean="0">
+              <a:solidFill>
+                <a:schemeClr val="tx1"/>
+              </a:solidFill>
+              <a:latin typeface="メイリオ" pitchFamily="50" charset="-128"/>
+              <a:ea typeface="メイリオ" pitchFamily="50" charset="-128"/>
+              <a:cs typeface="メイリオ" pitchFamily="50" charset="-128"/>
+            </a:endParaRPr>
+          </a:p>
+        </p:txBody>
+      </p:sp>
+      <p:sp>
+        <p:nvSpPr>
+          <p:cNvPr id="13" name="タイトル 4"/>
+          <p:cNvSpPr txBox="1">
+            <a:spLocks/>
+          </p:cNvSpPr>
+          <p:nvPr/>
+        </p:nvSpPr>
+        <p:spPr>
+          <a:xfrm>
+            <a:off x="518864" y="125760"/>
+            <a:ext cx="8229600" cy="1143000"/>
+          </a:xfrm>
+          <a:prstGeom prst="rect">
+            <a:avLst/>
+          </a:prstGeom>
+        </p:spPr>
+        <p:txBody>
+          <a:bodyPr vert="horz" lIns="91440" tIns="45720" rIns="91440" bIns="45720" rtlCol="0" anchor="ctr">
+            <a:normAutofit/>
+          </a:bodyPr>
+          <a:lstStyle/>
+          <a:p>
+            <a:pPr marL="0" marR="0" lvl="0" indent="0" algn="ctr" defTabSz="914400" rtl="0" eaLnBrk="1" fontAlgn="auto" latinLnBrk="0" hangingPunct="1">
+              <a:lnSpc>
+                <a:spcPct val="100000"/>
+              </a:lnSpc>
+              <a:spcBef>
+                <a:spcPct val="0"/>
+              </a:spcBef>
+              <a:spcAft>
+                <a:spcPts val="0"/>
+              </a:spcAft>
+              <a:buClrTx/>
+              <a:buSzTx/>
+              <a:buFontTx/>
+              <a:buNone/>
+              <a:tabLst/>
+              <a:defRPr/>
+            </a:pPr>
+            <a:r>
+              <a:rPr kumimoji="1" lang="ja-JP" altLang="en-US" sz="4400" b="0" i="0" u="none" strike="noStrike" kern="1200" cap="none" spc="0" normalizeH="0" baseline="0" noProof="0" dirty="0" smtClean="0">
+                <a:ln>
+                  <a:noFill/>
+                </a:ln>
+                <a:solidFill>
+                  <a:schemeClr val="tx1"/>
+                </a:solidFill>
+                <a:effectLst/>
+                <a:uLnTx/>
+                <a:uFillTx/>
+                <a:latin typeface="HGPｺﾞｼｯｸE" pitchFamily="50" charset="-128"/>
+                <a:ea typeface="HGPｺﾞｼｯｸE" pitchFamily="50" charset="-128"/>
+                <a:cs typeface="+mj-cs"/>
+              </a:rPr>
+              <a:t>背景と目的</a:t>
+            </a:r>
+            <a:endParaRPr kumimoji="1" lang="ja-JP" altLang="en-US" sz="4400" b="0" i="0" u="none" strike="noStrike" kern="1200" cap="none" spc="0" normalizeH="0" baseline="0" noProof="0" dirty="0">
+              <a:ln>
+                <a:noFill/>
+              </a:ln>
+              <a:solidFill>
+                <a:schemeClr val="tx1"/>
+              </a:solidFill>
+              <a:effectLst/>
+              <a:uLnTx/>
+              <a:uFillTx/>
+              <a:latin typeface="HGPｺﾞｼｯｸE" pitchFamily="50" charset="-128"/>
+              <a:ea typeface="HGPｺﾞｼｯｸE" pitchFamily="50" charset="-128"/>
+              <a:cs typeface="+mj-cs"/>
+            </a:endParaRPr>
           </a:p>
         </p:txBody>
       </p:sp>
@@ -25823,8 +28944,8 @@
 </p:sld>
 </file>
 
-<file path=ppt/slides/slide15.xml><?xml version="1.0" encoding="utf-8"?>
-<p:sld xmlns:a="http://schemas.openxmlformats.org/drawingml/2006/main" xmlns:r="http://schemas.openxmlformats.org/officeDocument/2006/relationships" xmlns:p="http://schemas.openxmlformats.org/presentationml/2006/main">
+<file path=ppt/slides/slide20.xml><?xml version="1.0" encoding="utf-8"?>
+<p:sld xmlns:a="http://schemas.openxmlformats.org/drawingml/2006/main" xmlns:r="http://schemas.openxmlformats.org/officeDocument/2006/relationships" xmlns:p="http://schemas.openxmlformats.org/presentationml/2006/main" show="0">
   <p:cSld>
     <p:spTree>
       <p:nvGrpSpPr>
@@ -27113,7 +30234,9 @@
           </a:xfrm>
         </p:spPr>
         <p:txBody>
-          <a:bodyPr/>
+          <a:bodyPr>
+            <a:normAutofit fontScale="90000"/>
+          </a:bodyPr>
           <a:lstStyle/>
           <a:p>
             <a:r>
@@ -27444,7 +30567,7 @@
             <a:fld id="{D2D8002D-B5B0-4BAC-B1F6-782DDCCE6D9C}" type="slidenum">
               <a:rPr kumimoji="1" lang="ja-JP" altLang="en-US" smtClean="0"/>
               <a:pPr/>
-              <a:t>15</a:t>
+              <a:t>20</a:t>
             </a:fld>
             <a:endParaRPr kumimoji="1" lang="ja-JP" altLang="en-US" dirty="0"/>
           </a:p>
@@ -27455,6 +30578,7 @@
   <p:clrMapOvr>
     <a:masterClrMapping/>
   </p:clrMapOvr>
+  <p:transition/>
   <p:timing>
     <p:tnLst>
       <p:par>
@@ -27465,8 +30589,8 @@
 </p:sld>
 </file>
 
-<file path=ppt/slides/slide16.xml><?xml version="1.0" encoding="utf-8"?>
-<p:sld xmlns:a="http://schemas.openxmlformats.org/drawingml/2006/main" xmlns:r="http://schemas.openxmlformats.org/officeDocument/2006/relationships" xmlns:p="http://schemas.openxmlformats.org/presentationml/2006/main">
+<file path=ppt/slides/slide21.xml><?xml version="1.0" encoding="utf-8"?>
+<p:sld xmlns:a="http://schemas.openxmlformats.org/drawingml/2006/main" xmlns:r="http://schemas.openxmlformats.org/officeDocument/2006/relationships" xmlns:p="http://schemas.openxmlformats.org/presentationml/2006/main" show="0">
   <p:cSld>
     <p:spTree>
       <p:nvGrpSpPr>
@@ -27958,7 +31082,7 @@
             <a:fld id="{D2D8002D-B5B0-4BAC-B1F6-782DDCCE6D9C}" type="slidenum">
               <a:rPr kumimoji="1" lang="ja-JP" altLang="en-US" smtClean="0"/>
               <a:pPr/>
-              <a:t>16</a:t>
+              <a:t>21</a:t>
             </a:fld>
             <a:endParaRPr kumimoji="1" lang="ja-JP" altLang="en-US" dirty="0"/>
           </a:p>
@@ -27969,6 +31093,7 @@
   <p:clrMapOvr>
     <a:masterClrMapping/>
   </p:clrMapOvr>
+  <p:transition/>
   <p:timing>
     <p:tnLst>
       <p:par>
@@ -27979,8 +31104,8 @@
 </p:sld>
 </file>
 
-<file path=ppt/slides/slide17.xml><?xml version="1.0" encoding="utf-8"?>
-<p:sld xmlns:a="http://schemas.openxmlformats.org/drawingml/2006/main" xmlns:r="http://schemas.openxmlformats.org/officeDocument/2006/relationships" xmlns:p="http://schemas.openxmlformats.org/presentationml/2006/main">
+<file path=ppt/slides/slide22.xml><?xml version="1.0" encoding="utf-8"?>
+<p:sld xmlns:a="http://schemas.openxmlformats.org/drawingml/2006/main" xmlns:r="http://schemas.openxmlformats.org/officeDocument/2006/relationships" xmlns:p="http://schemas.openxmlformats.org/presentationml/2006/main" show="0">
   <p:cSld>
     <p:spTree>
       <p:nvGrpSpPr>
@@ -28097,7 +31222,7 @@
             <a:fld id="{D2D8002D-B5B0-4BAC-B1F6-782DDCCE6D9C}" type="slidenum">
               <a:rPr kumimoji="1" lang="ja-JP" altLang="en-US" smtClean="0"/>
               <a:pPr/>
-              <a:t>17</a:t>
+              <a:t>22</a:t>
             </a:fld>
             <a:endParaRPr kumimoji="1" lang="ja-JP" altLang="en-US" dirty="0"/>
           </a:p>
@@ -28172,6 +31297,7 @@
   <p:clrMapOvr>
     <a:masterClrMapping/>
   </p:clrMapOvr>
+  <p:transition/>
   <p:timing>
     <p:tnLst>
       <p:par>
@@ -28182,8 +31308,8 @@
 </p:sld>
 </file>
 
-<file path=ppt/slides/slide18.xml><?xml version="1.0" encoding="utf-8"?>
-<p:sld xmlns:a="http://schemas.openxmlformats.org/drawingml/2006/main" xmlns:r="http://schemas.openxmlformats.org/officeDocument/2006/relationships" xmlns:p="http://schemas.openxmlformats.org/presentationml/2006/main">
+<file path=ppt/slides/slide23.xml><?xml version="1.0" encoding="utf-8"?>
+<p:sld xmlns:a="http://schemas.openxmlformats.org/drawingml/2006/main" xmlns:r="http://schemas.openxmlformats.org/officeDocument/2006/relationships" xmlns:p="http://schemas.openxmlformats.org/presentationml/2006/main" show="0">
   <p:cSld>
     <p:spTree>
       <p:nvGrpSpPr>
@@ -28622,7 +31748,7 @@
             <a:fld id="{D2D8002D-B5B0-4BAC-B1F6-782DDCCE6D9C}" type="slidenum">
               <a:rPr kumimoji="1" lang="ja-JP" altLang="en-US" smtClean="0"/>
               <a:pPr/>
-              <a:t>18</a:t>
+              <a:t>23</a:t>
             </a:fld>
             <a:endParaRPr kumimoji="1" lang="ja-JP" altLang="en-US" dirty="0"/>
           </a:p>
@@ -28633,6 +31759,7 @@
   <p:clrMapOvr>
     <a:masterClrMapping/>
   </p:clrMapOvr>
+  <p:transition/>
   <p:timing>
     <p:tnLst>
       <p:par>
@@ -28643,8 +31770,8 @@
 </p:sld>
 </file>
 
-<file path=ppt/slides/slide19.xml><?xml version="1.0" encoding="utf-8"?>
-<p:sld xmlns:a="http://schemas.openxmlformats.org/drawingml/2006/main" xmlns:r="http://schemas.openxmlformats.org/officeDocument/2006/relationships" xmlns:p="http://schemas.openxmlformats.org/presentationml/2006/main">
+<file path=ppt/slides/slide24.xml><?xml version="1.0" encoding="utf-8"?>
+<p:sld xmlns:a="http://schemas.openxmlformats.org/drawingml/2006/main" xmlns:r="http://schemas.openxmlformats.org/officeDocument/2006/relationships" xmlns:p="http://schemas.openxmlformats.org/presentationml/2006/main" show="0">
   <p:cSld>
     <p:spTree>
       <p:nvGrpSpPr>
@@ -28999,7 +32126,7 @@
             <a:fld id="{D2D8002D-B5B0-4BAC-B1F6-782DDCCE6D9C}" type="slidenum">
               <a:rPr kumimoji="1" lang="ja-JP" altLang="en-US" smtClean="0"/>
               <a:pPr/>
-              <a:t>19</a:t>
+              <a:t>24</a:t>
             </a:fld>
             <a:endParaRPr kumimoji="1" lang="ja-JP" altLang="en-US" dirty="0"/>
           </a:p>
@@ -29010,6 +32137,7 @@
   <p:clrMapOvr>
     <a:masterClrMapping/>
   </p:clrMapOvr>
+  <p:transition/>
   <p:timing>
     <p:tnLst>
       <p:par>
@@ -29020,186 +32148,8 @@
 </p:sld>
 </file>
 
-<file path=ppt/slides/slide2.xml><?xml version="1.0" encoding="utf-8"?>
-<p:sld xmlns:a="http://schemas.openxmlformats.org/drawingml/2006/main" xmlns:r="http://schemas.openxmlformats.org/officeDocument/2006/relationships" xmlns:p="http://schemas.openxmlformats.org/presentationml/2006/main">
-  <p:cSld>
-    <p:spTree>
-      <p:nvGrpSpPr>
-        <p:cNvPr id="1" name=""/>
-        <p:cNvGrpSpPr/>
-        <p:nvPr/>
-      </p:nvGrpSpPr>
-      <p:grpSpPr>
-        <a:xfrm>
-          <a:off x="0" y="0"/>
-          <a:ext cx="0" cy="0"/>
-          <a:chOff x="0" y="0"/>
-          <a:chExt cx="0" cy="0"/>
-        </a:xfrm>
-      </p:grpSpPr>
-      <p:sp>
-        <p:nvSpPr>
-          <p:cNvPr id="5" name="タイトル 4"/>
-          <p:cNvSpPr>
-            <a:spLocks noGrp="1"/>
-          </p:cNvSpPr>
-          <p:nvPr>
-            <p:ph type="title"/>
-          </p:nvPr>
-        </p:nvSpPr>
-        <p:spPr/>
-        <p:txBody>
-          <a:bodyPr/>
-          <a:lstStyle/>
-          <a:p>
-            <a:r>
-              <a:rPr kumimoji="1" lang="ja-JP" altLang="en-US" sz="6600" dirty="0" smtClean="0"/>
-              <a:t>背景</a:t>
-            </a:r>
-            <a:r>
-              <a:rPr kumimoji="1" lang="ja-JP" altLang="en-US" dirty="0" smtClean="0"/>
-              <a:t>と目的</a:t>
-            </a:r>
-            <a:endParaRPr kumimoji="1" lang="ja-JP" altLang="en-US" dirty="0"/>
-          </a:p>
-        </p:txBody>
-      </p:sp>
-      <p:sp>
-        <p:nvSpPr>
-          <p:cNvPr id="6" name="コンテンツ プレースホルダ 5"/>
-          <p:cNvSpPr>
-            <a:spLocks noGrp="1"/>
-          </p:cNvSpPr>
-          <p:nvPr>
-            <p:ph idx="1"/>
-          </p:nvPr>
-        </p:nvSpPr>
-        <p:spPr/>
-        <p:txBody>
-          <a:bodyPr>
-            <a:normAutofit fontScale="92500" lnSpcReduction="10000"/>
-          </a:bodyPr>
-          <a:lstStyle/>
-          <a:p>
-            <a:r>
-              <a:rPr lang="ja-JP" altLang="en-US" dirty="0" smtClean="0"/>
-              <a:t>研究室に在籍中は</a:t>
-            </a:r>
-            <a:r>
-              <a:rPr lang="en-US" altLang="ja-JP" dirty="0" smtClean="0"/>
-              <a:t>NetCommons3</a:t>
-            </a:r>
-            <a:r>
-              <a:rPr lang="ja-JP" altLang="en-US" dirty="0" smtClean="0"/>
-              <a:t>のプロジェクトに参画させてもらうことに。</a:t>
-            </a:r>
-            <a:endParaRPr lang="en-US" altLang="ja-JP" dirty="0" smtClean="0"/>
-          </a:p>
-          <a:p>
-            <a:r>
-              <a:rPr kumimoji="1" lang="en-US" altLang="ja-JP" dirty="0" smtClean="0"/>
-              <a:t>Iframe</a:t>
-            </a:r>
-            <a:r>
-              <a:rPr kumimoji="1" lang="ja-JP" altLang="en-US" dirty="0" smtClean="0"/>
-              <a:t>プラグインを開発を担当。</a:t>
-            </a:r>
-            <a:endParaRPr kumimoji="1" lang="en-US" altLang="ja-JP" dirty="0" smtClean="0"/>
-          </a:p>
-          <a:p>
-            <a:r>
-              <a:rPr kumimoji="1" lang="ja-JP" altLang="en-US" dirty="0" smtClean="0"/>
-              <a:t>他数名の開発者は</a:t>
-            </a:r>
-            <a:r>
-              <a:rPr kumimoji="1" lang="en-US" altLang="ja-JP" dirty="0" smtClean="0"/>
-              <a:t>NetCommons</a:t>
-            </a:r>
-            <a:r>
-              <a:rPr kumimoji="1" lang="ja-JP" altLang="en-US" dirty="0" smtClean="0"/>
-              <a:t>を構成する機能の開発に注力中。</a:t>
-            </a:r>
-            <a:endParaRPr kumimoji="1" lang="en-US" altLang="ja-JP" dirty="0" smtClean="0"/>
-          </a:p>
-          <a:p>
-            <a:r>
-              <a:rPr lang="ja-JP" altLang="en-US" dirty="0" smtClean="0"/>
-              <a:t>先陣</a:t>
-            </a:r>
-            <a:r>
-              <a:rPr lang="ja-JP" altLang="en-US" dirty="0" smtClean="0"/>
-              <a:t>を切って</a:t>
-            </a:r>
-            <a:r>
-              <a:rPr lang="ja-JP" altLang="en-US" dirty="0" smtClean="0"/>
-              <a:t>フォーム</a:t>
-            </a:r>
-            <a:r>
-              <a:rPr lang="ja-JP" altLang="en-US" dirty="0" smtClean="0"/>
-              <a:t>を利用する機能を開発していた。</a:t>
-            </a:r>
-            <a:endParaRPr lang="en-US" altLang="ja-JP" dirty="0" smtClean="0"/>
-          </a:p>
-          <a:p>
-            <a:pPr algn="ctr">
-              <a:buNone/>
-            </a:pPr>
-            <a:r>
-              <a:rPr lang="ja-JP" altLang="en-US" dirty="0" smtClean="0"/>
-              <a:t>↓↓↓</a:t>
-            </a:r>
-            <a:endParaRPr lang="en-US" altLang="ja-JP" dirty="0" smtClean="0"/>
-          </a:p>
-          <a:p>
-            <a:r>
-              <a:rPr lang="ja-JP" altLang="en-US" dirty="0" smtClean="0"/>
-              <a:t>プロトタイプを作り、機能提案／実装をした。</a:t>
-            </a:r>
-            <a:endParaRPr kumimoji="1" lang="ja-JP" altLang="en-US" dirty="0"/>
-          </a:p>
-        </p:txBody>
-      </p:sp>
-      <p:sp>
-        <p:nvSpPr>
-          <p:cNvPr id="4" name="スライド番号プレースホルダ 3"/>
-          <p:cNvSpPr>
-            <a:spLocks noGrp="1"/>
-          </p:cNvSpPr>
-          <p:nvPr>
-            <p:ph type="sldNum" sz="quarter" idx="12"/>
-          </p:nvPr>
-        </p:nvSpPr>
-        <p:spPr/>
-        <p:txBody>
-          <a:bodyPr/>
-          <a:lstStyle/>
-          <a:p>
-            <a:fld id="{D2D8002D-B5B0-4BAC-B1F6-782DDCCE6D9C}" type="slidenum">
-              <a:rPr kumimoji="1" lang="ja-JP" altLang="en-US" smtClean="0"/>
-              <a:pPr/>
-              <a:t>2</a:t>
-            </a:fld>
-            <a:endParaRPr kumimoji="1" lang="ja-JP" altLang="en-US" dirty="0"/>
-          </a:p>
-        </p:txBody>
-      </p:sp>
-    </p:spTree>
-  </p:cSld>
-  <p:clrMapOvr>
-    <a:masterClrMapping/>
-  </p:clrMapOvr>
-  <p:timing>
-    <p:tnLst>
-      <p:par>
-        <p:cTn id="1" dur="indefinite" restart="never" nodeType="tmRoot"/>
-      </p:par>
-    </p:tnLst>
-  </p:timing>
-</p:sld>
-</file>
-
-<file path=ppt/slides/slide20.xml><?xml version="1.0" encoding="utf-8"?>
-<p:sld xmlns:a="http://schemas.openxmlformats.org/drawingml/2006/main" xmlns:r="http://schemas.openxmlformats.org/officeDocument/2006/relationships" xmlns:p="http://schemas.openxmlformats.org/presentationml/2006/main">
+<file path=ppt/slides/slide25.xml><?xml version="1.0" encoding="utf-8"?>
+<p:sld xmlns:a="http://schemas.openxmlformats.org/drawingml/2006/main" xmlns:r="http://schemas.openxmlformats.org/officeDocument/2006/relationships" xmlns:p="http://schemas.openxmlformats.org/presentationml/2006/main" show="0">
   <p:cSld>
     <p:spTree>
       <p:nvGrpSpPr>
@@ -29380,7 +32330,7 @@
             <a:fld id="{D2D8002D-B5B0-4BAC-B1F6-782DDCCE6D9C}" type="slidenum">
               <a:rPr kumimoji="1" lang="ja-JP" altLang="en-US" smtClean="0"/>
               <a:pPr/>
-              <a:t>20</a:t>
+              <a:t>25</a:t>
             </a:fld>
             <a:endParaRPr kumimoji="1" lang="ja-JP" altLang="en-US" dirty="0"/>
           </a:p>
@@ -29391,6 +32341,7 @@
   <p:clrMapOvr>
     <a:masterClrMapping/>
   </p:clrMapOvr>
+  <p:transition/>
   <p:timing>
     <p:tnLst>
       <p:par>
@@ -29401,8 +32352,8 @@
 </p:sld>
 </file>
 
-<file path=ppt/slides/slide21.xml><?xml version="1.0" encoding="utf-8"?>
-<p:sld xmlns:a="http://schemas.openxmlformats.org/drawingml/2006/main" xmlns:r="http://schemas.openxmlformats.org/officeDocument/2006/relationships" xmlns:p="http://schemas.openxmlformats.org/presentationml/2006/main">
+<file path=ppt/slides/slide26.xml><?xml version="1.0" encoding="utf-8"?>
+<p:sld xmlns:a="http://schemas.openxmlformats.org/drawingml/2006/main" xmlns:r="http://schemas.openxmlformats.org/officeDocument/2006/relationships" xmlns:p="http://schemas.openxmlformats.org/presentationml/2006/main" show="0">
   <p:cSld>
     <p:spTree>
       <p:nvGrpSpPr>
@@ -29523,7 +32474,7 @@
             <a:fld id="{D2D8002D-B5B0-4BAC-B1F6-782DDCCE6D9C}" type="slidenum">
               <a:rPr kumimoji="1" lang="ja-JP" altLang="en-US" smtClean="0"/>
               <a:pPr/>
-              <a:t>21</a:t>
+              <a:t>26</a:t>
             </a:fld>
             <a:endParaRPr kumimoji="1" lang="ja-JP" altLang="en-US" dirty="0"/>
           </a:p>
@@ -29534,6 +32485,7 @@
   <p:clrMapOvr>
     <a:masterClrMapping/>
   </p:clrMapOvr>
+  <p:transition/>
   <p:timing>
     <p:tnLst>
       <p:par>
@@ -29544,8 +32496,8 @@
 </p:sld>
 </file>
 
-<file path=ppt/slides/slide22.xml><?xml version="1.0" encoding="utf-8"?>
-<p:sld xmlns:a="http://schemas.openxmlformats.org/drawingml/2006/main" xmlns:r="http://schemas.openxmlformats.org/officeDocument/2006/relationships" xmlns:p="http://schemas.openxmlformats.org/presentationml/2006/main">
+<file path=ppt/slides/slide27.xml><?xml version="1.0" encoding="utf-8"?>
+<p:sld xmlns:a="http://schemas.openxmlformats.org/drawingml/2006/main" xmlns:r="http://schemas.openxmlformats.org/officeDocument/2006/relationships" xmlns:p="http://schemas.openxmlformats.org/presentationml/2006/main" show="0">
   <p:cSld>
     <p:spTree>
       <p:nvGrpSpPr>
@@ -29674,7 +32626,7 @@
             <a:fld id="{D2D8002D-B5B0-4BAC-B1F6-782DDCCE6D9C}" type="slidenum">
               <a:rPr kumimoji="1" lang="ja-JP" altLang="en-US" smtClean="0"/>
               <a:pPr/>
-              <a:t>22</a:t>
+              <a:t>27</a:t>
             </a:fld>
             <a:endParaRPr kumimoji="1" lang="ja-JP" altLang="en-US" dirty="0"/>
           </a:p>
@@ -29685,6 +32637,7 @@
   <p:clrMapOvr>
     <a:masterClrMapping/>
   </p:clrMapOvr>
+  <p:transition/>
   <p:timing>
     <p:tnLst>
       <p:par>
@@ -29695,8 +32648,8 @@
 </p:sld>
 </file>
 
-<file path=ppt/slides/slide23.xml><?xml version="1.0" encoding="utf-8"?>
-<p:sld xmlns:a="http://schemas.openxmlformats.org/drawingml/2006/main" xmlns:r="http://schemas.openxmlformats.org/officeDocument/2006/relationships" xmlns:p="http://schemas.openxmlformats.org/presentationml/2006/main">
+<file path=ppt/slides/slide28.xml><?xml version="1.0" encoding="utf-8"?>
+<p:sld xmlns:a="http://schemas.openxmlformats.org/drawingml/2006/main" xmlns:r="http://schemas.openxmlformats.org/officeDocument/2006/relationships" xmlns:p="http://schemas.openxmlformats.org/presentationml/2006/main" show="0">
   <p:cSld>
     <p:spTree>
       <p:nvGrpSpPr>
@@ -29724,7 +32677,9 @@
         </p:nvSpPr>
         <p:spPr/>
         <p:txBody>
-          <a:bodyPr/>
+          <a:bodyPr>
+            <a:normAutofit fontScale="90000"/>
+          </a:bodyPr>
           <a:lstStyle/>
           <a:p>
             <a:r>
@@ -29785,7 +32740,7 @@
             <a:fld id="{D2D8002D-B5B0-4BAC-B1F6-782DDCCE6D9C}" type="slidenum">
               <a:rPr kumimoji="1" lang="ja-JP" altLang="en-US" smtClean="0"/>
               <a:pPr/>
-              <a:t>23</a:t>
+              <a:t>28</a:t>
             </a:fld>
             <a:endParaRPr kumimoji="1" lang="ja-JP" altLang="en-US" dirty="0"/>
           </a:p>
@@ -29796,6 +32751,7 @@
   <p:clrMapOvr>
     <a:masterClrMapping/>
   </p:clrMapOvr>
+  <p:transition/>
   <p:timing>
     <p:tnLst>
       <p:par>
@@ -29806,8 +32762,8 @@
 </p:sld>
 </file>
 
-<file path=ppt/slides/slide24.xml><?xml version="1.0" encoding="utf-8"?>
-<p:sld xmlns:a="http://schemas.openxmlformats.org/drawingml/2006/main" xmlns:r="http://schemas.openxmlformats.org/officeDocument/2006/relationships" xmlns:p="http://schemas.openxmlformats.org/presentationml/2006/main">
+<file path=ppt/slides/slide29.xml><?xml version="1.0" encoding="utf-8"?>
+<p:sld xmlns:a="http://schemas.openxmlformats.org/drawingml/2006/main" xmlns:r="http://schemas.openxmlformats.org/officeDocument/2006/relationships" xmlns:p="http://schemas.openxmlformats.org/presentationml/2006/main" show="0">
   <p:cSld>
     <p:spTree>
       <p:nvGrpSpPr>
@@ -32189,7 +35145,184 @@
             <a:fld id="{D2D8002D-B5B0-4BAC-B1F6-782DDCCE6D9C}" type="slidenum">
               <a:rPr kumimoji="1" lang="ja-JP" altLang="en-US" smtClean="0"/>
               <a:pPr/>
-              <a:t>24</a:t>
+              <a:t>29</a:t>
+            </a:fld>
+            <a:endParaRPr kumimoji="1" lang="ja-JP" altLang="en-US" dirty="0"/>
+          </a:p>
+        </p:txBody>
+      </p:sp>
+    </p:spTree>
+  </p:cSld>
+  <p:clrMapOvr>
+    <a:masterClrMapping/>
+  </p:clrMapOvr>
+  <p:transition/>
+  <p:timing>
+    <p:tnLst>
+      <p:par>
+        <p:cTn id="1" dur="indefinite" restart="never" nodeType="tmRoot"/>
+      </p:par>
+    </p:tnLst>
+  </p:timing>
+</p:sld>
+</file>
+
+<file path=ppt/slides/slide3.xml><?xml version="1.0" encoding="utf-8"?>
+<p:sld xmlns:a="http://schemas.openxmlformats.org/drawingml/2006/main" xmlns:r="http://schemas.openxmlformats.org/officeDocument/2006/relationships" xmlns:p="http://schemas.openxmlformats.org/presentationml/2006/main">
+  <p:cSld>
+    <p:spTree>
+      <p:nvGrpSpPr>
+        <p:cNvPr id="1" name=""/>
+        <p:cNvGrpSpPr/>
+        <p:nvPr/>
+      </p:nvGrpSpPr>
+      <p:grpSpPr>
+        <a:xfrm>
+          <a:off x="0" y="0"/>
+          <a:ext cx="0" cy="0"/>
+          <a:chOff x="0" y="0"/>
+          <a:chExt cx="0" cy="0"/>
+        </a:xfrm>
+      </p:grpSpPr>
+      <p:sp>
+        <p:nvSpPr>
+          <p:cNvPr id="5" name="タイトル 4"/>
+          <p:cNvSpPr>
+            <a:spLocks noGrp="1"/>
+          </p:cNvSpPr>
+          <p:nvPr>
+            <p:ph type="title"/>
+          </p:nvPr>
+        </p:nvSpPr>
+        <p:spPr/>
+        <p:txBody>
+          <a:bodyPr/>
+          <a:lstStyle/>
+          <a:p>
+            <a:r>
+              <a:rPr lang="ja-JP" altLang="en-US" dirty="0" smtClean="0"/>
+              <a:t>目次</a:t>
+            </a:r>
+            <a:endParaRPr kumimoji="1" lang="ja-JP" altLang="en-US" dirty="0"/>
+          </a:p>
+        </p:txBody>
+      </p:sp>
+      <p:sp>
+        <p:nvSpPr>
+          <p:cNvPr id="6" name="コンテンツ プレースホルダ 5"/>
+          <p:cNvSpPr>
+            <a:spLocks noGrp="1"/>
+          </p:cNvSpPr>
+          <p:nvPr>
+            <p:ph idx="1"/>
+          </p:nvPr>
+        </p:nvSpPr>
+        <p:spPr>
+          <a:xfrm>
+            <a:off x="2771800" y="2924944"/>
+            <a:ext cx="6372200" cy="3327995"/>
+          </a:xfrm>
+        </p:spPr>
+        <p:txBody>
+          <a:bodyPr>
+            <a:noAutofit/>
+          </a:bodyPr>
+          <a:lstStyle/>
+          <a:p>
+            <a:pPr marL="514350" indent="-514350">
+              <a:buFont typeface="+mj-lt"/>
+              <a:buAutoNum type="arabicPeriod"/>
+            </a:pPr>
+            <a:r>
+              <a:rPr lang="en-US" altLang="ja-JP" sz="3200" dirty="0" smtClean="0"/>
+              <a:t>NetCommons3</a:t>
+            </a:r>
+            <a:r>
+              <a:rPr lang="ja-JP" altLang="en-US" sz="3200" dirty="0" smtClean="0"/>
+              <a:t>プロジェクト</a:t>
+            </a:r>
+            <a:endParaRPr lang="en-US" altLang="ja-JP" sz="3200" dirty="0" smtClean="0"/>
+          </a:p>
+          <a:p>
+            <a:pPr marL="514350" indent="-514350">
+              <a:buFont typeface="+mj-lt"/>
+              <a:buAutoNum type="arabicPeriod"/>
+            </a:pPr>
+            <a:r>
+              <a:rPr lang="ja-JP" altLang="en-US" sz="3200" dirty="0" smtClean="0"/>
+              <a:t>開発担当</a:t>
+            </a:r>
+            <a:endParaRPr lang="en-US" altLang="ja-JP" sz="3200" dirty="0" smtClean="0"/>
+          </a:p>
+          <a:p>
+            <a:pPr marL="514350" indent="-514350">
+              <a:buFont typeface="+mj-lt"/>
+              <a:buAutoNum type="arabicPeriod"/>
+            </a:pPr>
+            <a:r>
+              <a:rPr lang="ja-JP" altLang="en-US" sz="3200" dirty="0" smtClean="0"/>
+              <a:t>入力フォーム</a:t>
+            </a:r>
+            <a:r>
+              <a:rPr lang="ja-JP" altLang="en-US" sz="3200" dirty="0" smtClean="0"/>
+              <a:t>における問題点</a:t>
+            </a:r>
+            <a:endParaRPr lang="en-US" altLang="ja-JP" sz="3200" dirty="0" smtClean="0"/>
+          </a:p>
+          <a:p>
+            <a:pPr marL="514350" indent="-514350">
+              <a:buFont typeface="+mj-lt"/>
+              <a:buAutoNum type="arabicPeriod"/>
+            </a:pPr>
+            <a:r>
+              <a:rPr kumimoji="1" lang="ja-JP" altLang="en-US" sz="3200" dirty="0" smtClean="0"/>
+              <a:t>解決方法</a:t>
+            </a:r>
+            <a:endParaRPr kumimoji="1" lang="en-US" altLang="ja-JP" sz="3200" dirty="0" smtClean="0"/>
+          </a:p>
+          <a:p>
+            <a:pPr marL="514350" indent="-514350">
+              <a:buFont typeface="+mj-lt"/>
+              <a:buAutoNum type="arabicPeriod"/>
+            </a:pPr>
+            <a:r>
+              <a:rPr kumimoji="1" lang="ja-JP" altLang="en-US" sz="3200" dirty="0" smtClean="0"/>
+              <a:t>結論</a:t>
+            </a:r>
+            <a:endParaRPr kumimoji="1" lang="en-US" altLang="ja-JP" sz="3200" dirty="0" smtClean="0"/>
+          </a:p>
+          <a:p>
+            <a:pPr marL="514350" indent="-514350">
+              <a:buFont typeface="+mj-lt"/>
+              <a:buAutoNum type="arabicPeriod"/>
+            </a:pPr>
+            <a:r>
+              <a:rPr lang="ja-JP" altLang="en-US" sz="3200" dirty="0" smtClean="0"/>
+              <a:t>今後の課題と予定</a:t>
+            </a:r>
+            <a:endParaRPr kumimoji="1" lang="en-US" altLang="ja-JP" sz="3200" dirty="0" smtClean="0"/>
+          </a:p>
+        </p:txBody>
+      </p:sp>
+      <p:sp>
+        <p:nvSpPr>
+          <p:cNvPr id="4" name="スライド番号プレースホルダ 3"/>
+          <p:cNvSpPr>
+            <a:spLocks noGrp="1"/>
+          </p:cNvSpPr>
+          <p:nvPr>
+            <p:ph type="sldNum" sz="quarter" idx="12"/>
+          </p:nvPr>
+        </p:nvSpPr>
+        <p:spPr/>
+        <p:txBody>
+          <a:bodyPr/>
+          <a:lstStyle/>
+          <a:p>
+            <a:fld id="{D2D8002D-B5B0-4BAC-B1F6-782DDCCE6D9C}" type="slidenum">
+              <a:rPr kumimoji="1" lang="ja-JP" altLang="en-US" smtClean="0"/>
+              <a:pPr/>
+              <a:t>3</a:t>
             </a:fld>
             <a:endParaRPr kumimoji="1" lang="ja-JP" altLang="en-US" dirty="0"/>
           </a:p>
@@ -32210,8 +35343,8 @@
 </p:sld>
 </file>
 
-<file path=ppt/slides/slide25.xml><?xml version="1.0" encoding="utf-8"?>
-<p:sld xmlns:a="http://schemas.openxmlformats.org/drawingml/2006/main" xmlns:r="http://schemas.openxmlformats.org/officeDocument/2006/relationships" xmlns:p="http://schemas.openxmlformats.org/presentationml/2006/main">
+<file path=ppt/slides/slide30.xml><?xml version="1.0" encoding="utf-8"?>
+<p:sld xmlns:a="http://schemas.openxmlformats.org/drawingml/2006/main" xmlns:r="http://schemas.openxmlformats.org/officeDocument/2006/relationships" xmlns:p="http://schemas.openxmlformats.org/presentationml/2006/main" show="0">
   <p:cSld>
     <p:spTree>
       <p:nvGrpSpPr>
@@ -32593,7 +35726,7 @@
             <a:fld id="{D2D8002D-B5B0-4BAC-B1F6-782DDCCE6D9C}" type="slidenum">
               <a:rPr kumimoji="1" lang="ja-JP" altLang="en-US" smtClean="0"/>
               <a:pPr/>
-              <a:t>25</a:t>
+              <a:t>30</a:t>
             </a:fld>
             <a:endParaRPr kumimoji="1" lang="ja-JP" altLang="en-US" dirty="0"/>
           </a:p>
@@ -32604,6 +35737,7 @@
   <p:clrMapOvr>
     <a:masterClrMapping/>
   </p:clrMapOvr>
+  <p:transition/>
   <p:timing>
     <p:tnLst>
       <p:par>
@@ -32614,8 +35748,8 @@
 </p:sld>
 </file>
 
-<file path=ppt/slides/slide26.xml><?xml version="1.0" encoding="utf-8"?>
-<p:sld xmlns:a="http://schemas.openxmlformats.org/drawingml/2006/main" xmlns:r="http://schemas.openxmlformats.org/officeDocument/2006/relationships" xmlns:p="http://schemas.openxmlformats.org/presentationml/2006/main">
+<file path=ppt/slides/slide31.xml><?xml version="1.0" encoding="utf-8"?>
+<p:sld xmlns:a="http://schemas.openxmlformats.org/drawingml/2006/main" xmlns:r="http://schemas.openxmlformats.org/officeDocument/2006/relationships" xmlns:p="http://schemas.openxmlformats.org/presentationml/2006/main" show="0">
   <p:cSld>
     <p:spTree>
       <p:nvGrpSpPr>
@@ -33890,7 +37024,7 @@
             <a:fld id="{D2D8002D-B5B0-4BAC-B1F6-782DDCCE6D9C}" type="slidenum">
               <a:rPr kumimoji="1" lang="ja-JP" altLang="en-US" smtClean="0"/>
               <a:pPr/>
-              <a:t>26</a:t>
+              <a:t>31</a:t>
             </a:fld>
             <a:endParaRPr kumimoji="1" lang="ja-JP" altLang="en-US" dirty="0"/>
           </a:p>
@@ -33901,6 +37035,7 @@
   <p:clrMapOvr>
     <a:masterClrMapping/>
   </p:clrMapOvr>
+  <p:transition/>
   <p:timing>
     <p:tnLst>
       <p:par>
@@ -33911,8 +37046,8 @@
 </p:sld>
 </file>
 
-<file path=ppt/slides/slide27.xml><?xml version="1.0" encoding="utf-8"?>
-<p:sld xmlns:a="http://schemas.openxmlformats.org/drawingml/2006/main" xmlns:r="http://schemas.openxmlformats.org/officeDocument/2006/relationships" xmlns:p="http://schemas.openxmlformats.org/presentationml/2006/main">
+<file path=ppt/slides/slide32.xml><?xml version="1.0" encoding="utf-8"?>
+<p:sld xmlns:a="http://schemas.openxmlformats.org/drawingml/2006/main" xmlns:r="http://schemas.openxmlformats.org/officeDocument/2006/relationships" xmlns:p="http://schemas.openxmlformats.org/presentationml/2006/main" show="0">
   <p:cSld>
     <p:spTree>
       <p:nvGrpSpPr>
@@ -33988,7 +37123,7 @@
             <a:fld id="{D2D8002D-B5B0-4BAC-B1F6-782DDCCE6D9C}" type="slidenum">
               <a:rPr kumimoji="1" lang="ja-JP" altLang="en-US" smtClean="0"/>
               <a:pPr/>
-              <a:t>27</a:t>
+              <a:t>32</a:t>
             </a:fld>
             <a:endParaRPr kumimoji="1" lang="ja-JP" altLang="en-US" dirty="0"/>
           </a:p>
@@ -34039,169 +37174,7 @@
   <p:clrMapOvr>
     <a:masterClrMapping/>
   </p:clrMapOvr>
-  <p:timing>
-    <p:tnLst>
-      <p:par>
-        <p:cTn id="1" dur="indefinite" restart="never" nodeType="tmRoot"/>
-      </p:par>
-    </p:tnLst>
-  </p:timing>
-</p:sld>
-</file>
-
-<file path=ppt/slides/slide3.xml><?xml version="1.0" encoding="utf-8"?>
-<p:sld xmlns:a="http://schemas.openxmlformats.org/drawingml/2006/main" xmlns:r="http://schemas.openxmlformats.org/officeDocument/2006/relationships" xmlns:p="http://schemas.openxmlformats.org/presentationml/2006/main">
-  <p:cSld>
-    <p:spTree>
-      <p:nvGrpSpPr>
-        <p:cNvPr id="1" name=""/>
-        <p:cNvGrpSpPr/>
-        <p:nvPr/>
-      </p:nvGrpSpPr>
-      <p:grpSpPr>
-        <a:xfrm>
-          <a:off x="0" y="0"/>
-          <a:ext cx="0" cy="0"/>
-          <a:chOff x="0" y="0"/>
-          <a:chExt cx="0" cy="0"/>
-        </a:xfrm>
-      </p:grpSpPr>
-      <p:sp>
-        <p:nvSpPr>
-          <p:cNvPr id="5" name="タイトル 4"/>
-          <p:cNvSpPr>
-            <a:spLocks noGrp="1"/>
-          </p:cNvSpPr>
-          <p:nvPr>
-            <p:ph type="title"/>
-          </p:nvPr>
-        </p:nvSpPr>
-        <p:spPr/>
-        <p:txBody>
-          <a:bodyPr/>
-          <a:lstStyle/>
-          <a:p>
-            <a:r>
-              <a:rPr kumimoji="1" lang="ja-JP" altLang="en-US" dirty="0" smtClean="0"/>
-              <a:t>背景と</a:t>
-            </a:r>
-            <a:r>
-              <a:rPr kumimoji="1" lang="ja-JP" altLang="en-US" sz="6600" dirty="0" smtClean="0"/>
-              <a:t>目的</a:t>
-            </a:r>
-            <a:endParaRPr kumimoji="1" lang="ja-JP" altLang="en-US" sz="4800" dirty="0"/>
-          </a:p>
-        </p:txBody>
-      </p:sp>
-      <p:sp>
-        <p:nvSpPr>
-          <p:cNvPr id="6" name="コンテンツ プレースホルダ 5"/>
-          <p:cNvSpPr>
-            <a:spLocks noGrp="1"/>
-          </p:cNvSpPr>
-          <p:nvPr>
-            <p:ph idx="1"/>
-          </p:nvPr>
-        </p:nvSpPr>
-        <p:spPr/>
-        <p:txBody>
-          <a:bodyPr>
-            <a:normAutofit lnSpcReduction="10000"/>
-          </a:bodyPr>
-          <a:lstStyle/>
-          <a:p>
-            <a:r>
-              <a:rPr lang="ja-JP" altLang="en-US" dirty="0" smtClean="0"/>
-              <a:t>本科生時の卒研で</a:t>
-            </a:r>
-            <a:r>
-              <a:rPr lang="en-US" altLang="ja-JP" dirty="0" smtClean="0"/>
-              <a:t>NC2</a:t>
-            </a:r>
-            <a:r>
-              <a:rPr lang="ja-JP" altLang="en-US" dirty="0" smtClean="0"/>
-              <a:t>を利用した。</a:t>
-            </a:r>
-            <a:endParaRPr lang="en-US" altLang="ja-JP" dirty="0" smtClean="0"/>
-          </a:p>
-          <a:p>
-            <a:r>
-              <a:rPr lang="en-US" altLang="ja-JP" dirty="0" smtClean="0"/>
-              <a:t>NC2</a:t>
-            </a:r>
-            <a:r>
-              <a:rPr lang="ja-JP" altLang="en-US" dirty="0" smtClean="0"/>
-              <a:t>のソースには触れずに運用でカバーするという方針で進めた。</a:t>
-            </a:r>
-            <a:endParaRPr lang="en-US" altLang="ja-JP" dirty="0" smtClean="0"/>
-          </a:p>
-          <a:p>
-            <a:r>
-              <a:rPr kumimoji="1" lang="en-US" altLang="ja-JP" dirty="0" smtClean="0"/>
-              <a:t>I/O</a:t>
-            </a:r>
-            <a:r>
-              <a:rPr kumimoji="1" lang="ja-JP" altLang="en-US" dirty="0" smtClean="0"/>
-              <a:t>の部分で質問を受けたが、</a:t>
-            </a:r>
-            <a:r>
-              <a:rPr kumimoji="1" lang="en-US" altLang="ja-JP" dirty="0" smtClean="0"/>
-              <a:t>NC2</a:t>
-            </a:r>
-            <a:r>
-              <a:rPr kumimoji="1" lang="ja-JP" altLang="en-US" dirty="0" smtClean="0"/>
-              <a:t>の仕様であるとしか答えることができなかった。</a:t>
-            </a:r>
-            <a:endParaRPr kumimoji="1" lang="en-US" altLang="ja-JP" dirty="0" smtClean="0"/>
-          </a:p>
-          <a:p>
-            <a:pPr algn="ctr">
-              <a:buNone/>
-            </a:pPr>
-            <a:r>
-              <a:rPr lang="ja-JP" altLang="en-US" dirty="0" smtClean="0"/>
-              <a:t>↓↓↓</a:t>
-            </a:r>
-            <a:endParaRPr lang="en-US" altLang="ja-JP" dirty="0" smtClean="0"/>
-          </a:p>
-          <a:p>
-            <a:r>
-              <a:rPr lang="ja-JP" altLang="en-US" dirty="0" smtClean="0"/>
-              <a:t>この機会を活かし、ユーザ目線で入力がしやすくエラー内容が分かりやすいフォームを提案・実装し、評価することにした。</a:t>
-            </a:r>
-            <a:endParaRPr kumimoji="1" lang="ja-JP" altLang="en-US" dirty="0"/>
-          </a:p>
-        </p:txBody>
-      </p:sp>
-      <p:sp>
-        <p:nvSpPr>
-          <p:cNvPr id="4" name="スライド番号プレースホルダ 3"/>
-          <p:cNvSpPr>
-            <a:spLocks noGrp="1"/>
-          </p:cNvSpPr>
-          <p:nvPr>
-            <p:ph type="sldNum" sz="quarter" idx="12"/>
-          </p:nvPr>
-        </p:nvSpPr>
-        <p:spPr/>
-        <p:txBody>
-          <a:bodyPr/>
-          <a:lstStyle/>
-          <a:p>
-            <a:fld id="{D2D8002D-B5B0-4BAC-B1F6-782DDCCE6D9C}" type="slidenum">
-              <a:rPr kumimoji="1" lang="ja-JP" altLang="en-US" smtClean="0"/>
-              <a:pPr/>
-              <a:t>3</a:t>
-            </a:fld>
-            <a:endParaRPr kumimoji="1" lang="ja-JP" altLang="en-US" dirty="0"/>
-          </a:p>
-        </p:txBody>
-      </p:sp>
-    </p:spTree>
-  </p:cSld>
-  <p:clrMapOvr>
-    <a:masterClrMapping/>
-  </p:clrMapOvr>
+  <p:transition/>
   <p:timing>
     <p:tnLst>
       <p:par>
@@ -34254,65 +37227,6 @@
       </p:sp>
       <p:sp>
         <p:nvSpPr>
-          <p:cNvPr id="6" name="コンテンツ プレースホルダ 5"/>
-          <p:cNvSpPr>
-            <a:spLocks noGrp="1"/>
-          </p:cNvSpPr>
-          <p:nvPr>
-            <p:ph idx="1"/>
-          </p:nvPr>
-        </p:nvSpPr>
-        <p:spPr/>
-        <p:txBody>
-          <a:bodyPr/>
-          <a:lstStyle/>
-          <a:p>
-            <a:r>
-              <a:rPr lang="en-US" altLang="ja-JP" dirty="0" smtClean="0"/>
-              <a:t>NetCommons3</a:t>
-            </a:r>
-            <a:r>
-              <a:rPr lang="ja-JP" altLang="en-US" dirty="0" smtClean="0"/>
-              <a:t>／プラグインとは</a:t>
-            </a:r>
-            <a:endParaRPr lang="en-US" altLang="ja-JP" dirty="0" smtClean="0"/>
-          </a:p>
-          <a:p>
-            <a:r>
-              <a:rPr lang="ja-JP" altLang="en-US" dirty="0" smtClean="0"/>
-              <a:t>フォームにおける問題点</a:t>
-            </a:r>
-            <a:endParaRPr lang="en-US" altLang="ja-JP" dirty="0" smtClean="0"/>
-          </a:p>
-          <a:p>
-            <a:r>
-              <a:rPr kumimoji="1" lang="ja-JP" altLang="en-US" dirty="0" smtClean="0"/>
-              <a:t>解決方法</a:t>
-            </a:r>
-            <a:endParaRPr kumimoji="1" lang="en-US" altLang="ja-JP" dirty="0" smtClean="0"/>
-          </a:p>
-          <a:p>
-            <a:r>
-              <a:rPr kumimoji="1" lang="ja-JP" altLang="en-US" dirty="0" smtClean="0"/>
-              <a:t>結論</a:t>
-            </a:r>
-            <a:endParaRPr kumimoji="1" lang="en-US" altLang="ja-JP" dirty="0" smtClean="0"/>
-          </a:p>
-          <a:p>
-            <a:r>
-              <a:rPr lang="ja-JP" altLang="en-US" dirty="0" smtClean="0"/>
-              <a:t>今後</a:t>
-            </a:r>
-            <a:r>
-              <a:rPr lang="ja-JP" altLang="en-US" dirty="0" smtClean="0"/>
-              <a:t>の課題と予定</a:t>
-            </a:r>
-            <a:endParaRPr kumimoji="1" lang="en-US" altLang="ja-JP" dirty="0" smtClean="0"/>
-          </a:p>
-        </p:txBody>
-      </p:sp>
-      <p:sp>
-        <p:nvSpPr>
           <p:cNvPr id="4" name="スライド番号プレースホルダ 3"/>
           <p:cNvSpPr>
             <a:spLocks noGrp="1"/>
@@ -34332,6 +37246,293 @@
               <a:t>4</a:t>
             </a:fld>
             <a:endParaRPr kumimoji="1" lang="ja-JP" altLang="en-US" dirty="0"/>
+          </a:p>
+        </p:txBody>
+      </p:sp>
+      <p:sp>
+        <p:nvSpPr>
+          <p:cNvPr id="8" name="コンテンツ プレースホルダ 5"/>
+          <p:cNvSpPr txBox="1">
+            <a:spLocks/>
+          </p:cNvSpPr>
+          <p:nvPr/>
+        </p:nvSpPr>
+        <p:spPr>
+          <a:xfrm>
+            <a:off x="2771800" y="2924944"/>
+            <a:ext cx="6372200" cy="3327995"/>
+          </a:xfrm>
+          <a:prstGeom prst="rect">
+            <a:avLst/>
+          </a:prstGeom>
+        </p:spPr>
+        <p:txBody>
+          <a:bodyPr vert="horz" lIns="91440" tIns="45720" rIns="91440" bIns="45720" rtlCol="0">
+            <a:noAutofit/>
+          </a:bodyPr>
+          <a:lstStyle/>
+          <a:p>
+            <a:pPr marL="514350" marR="0" lvl="0" indent="-514350" algn="l" defTabSz="914400" rtl="0" eaLnBrk="1" fontAlgn="auto" latinLnBrk="0" hangingPunct="1">
+              <a:lnSpc>
+                <a:spcPct val="100000"/>
+              </a:lnSpc>
+              <a:spcBef>
+                <a:spcPct val="20000"/>
+              </a:spcBef>
+              <a:spcAft>
+                <a:spcPts val="0"/>
+              </a:spcAft>
+              <a:buClrTx/>
+              <a:buSzTx/>
+              <a:buFont typeface="+mj-lt"/>
+              <a:buAutoNum type="arabicPeriod"/>
+              <a:tabLst/>
+              <a:defRPr/>
+            </a:pPr>
+            <a:r>
+              <a:rPr kumimoji="1" lang="en-US" altLang="ja-JP" sz="3200" b="1" i="0" u="none" strike="noStrike" kern="1200" cap="none" spc="0" normalizeH="0" baseline="0" noProof="0" dirty="0" smtClean="0">
+                <a:ln>
+                  <a:noFill/>
+                </a:ln>
+                <a:solidFill>
+                  <a:schemeClr val="tx1"/>
+                </a:solidFill>
+                <a:effectLst/>
+                <a:uLnTx/>
+                <a:uFillTx/>
+                <a:latin typeface="メイリオ" pitchFamily="50" charset="-128"/>
+                <a:ea typeface="メイリオ" pitchFamily="50" charset="-128"/>
+                <a:cs typeface="メイリオ" pitchFamily="50" charset="-128"/>
+              </a:rPr>
+              <a:t>NetCommons3</a:t>
+            </a:r>
+            <a:r>
+              <a:rPr kumimoji="1" lang="ja-JP" altLang="en-US" sz="3200" b="1" i="0" u="none" strike="noStrike" kern="1200" cap="none" spc="0" normalizeH="0" baseline="0" noProof="0" dirty="0" smtClean="0">
+                <a:ln>
+                  <a:noFill/>
+                </a:ln>
+                <a:solidFill>
+                  <a:schemeClr val="tx1"/>
+                </a:solidFill>
+                <a:effectLst/>
+                <a:uLnTx/>
+                <a:uFillTx/>
+                <a:latin typeface="メイリオ" pitchFamily="50" charset="-128"/>
+                <a:ea typeface="メイリオ" pitchFamily="50" charset="-128"/>
+                <a:cs typeface="メイリオ" pitchFamily="50" charset="-128"/>
+              </a:rPr>
+              <a:t>プロジェクト</a:t>
+            </a:r>
+            <a:endParaRPr kumimoji="1" lang="en-US" altLang="ja-JP" sz="3200" b="1" i="0" u="none" strike="noStrike" kern="1200" cap="none" spc="0" normalizeH="0" baseline="0" noProof="0" dirty="0" smtClean="0">
+              <a:ln>
+                <a:noFill/>
+              </a:ln>
+              <a:solidFill>
+                <a:schemeClr val="tx1"/>
+              </a:solidFill>
+              <a:effectLst/>
+              <a:uLnTx/>
+              <a:uFillTx/>
+              <a:latin typeface="メイリオ" pitchFamily="50" charset="-128"/>
+              <a:ea typeface="メイリオ" pitchFamily="50" charset="-128"/>
+              <a:cs typeface="メイリオ" pitchFamily="50" charset="-128"/>
+            </a:endParaRPr>
+          </a:p>
+          <a:p>
+            <a:pPr marL="914400" lvl="1" indent="-514350">
+              <a:buFont typeface="+mj-lt"/>
+              <a:buAutoNum type="arabicPeriod"/>
+            </a:pPr>
+            <a:r>
+              <a:rPr lang="en-US" altLang="ja-JP" sz="2400" b="1" dirty="0" smtClean="0">
+                <a:latin typeface="メイリオ" pitchFamily="50" charset="-128"/>
+                <a:ea typeface="メイリオ" pitchFamily="50" charset="-128"/>
+                <a:cs typeface="メイリオ" pitchFamily="50" charset="-128"/>
+              </a:rPr>
+              <a:t>CMS</a:t>
+            </a:r>
+          </a:p>
+          <a:p>
+            <a:pPr marL="914400" lvl="1" indent="-514350">
+              <a:buFont typeface="+mj-lt"/>
+              <a:buAutoNum type="arabicPeriod"/>
+            </a:pPr>
+            <a:r>
+              <a:rPr lang="en-US" altLang="ja-JP" sz="2400" b="1" dirty="0" smtClean="0">
+                <a:latin typeface="メイリオ" pitchFamily="50" charset="-128"/>
+                <a:ea typeface="メイリオ" pitchFamily="50" charset="-128"/>
+                <a:cs typeface="メイリオ" pitchFamily="50" charset="-128"/>
+              </a:rPr>
+              <a:t>NC2</a:t>
+            </a:r>
+            <a:r>
+              <a:rPr lang="ja-JP" altLang="en-US" sz="2400" b="1" dirty="0" smtClean="0">
+                <a:latin typeface="メイリオ" pitchFamily="50" charset="-128"/>
+                <a:ea typeface="メイリオ" pitchFamily="50" charset="-128"/>
+                <a:cs typeface="メイリオ" pitchFamily="50" charset="-128"/>
+              </a:rPr>
+              <a:t>との主な相違点</a:t>
+            </a:r>
+            <a:endParaRPr lang="en-US" altLang="ja-JP" sz="2400" b="1" dirty="0" smtClean="0">
+              <a:latin typeface="メイリオ" pitchFamily="50" charset="-128"/>
+              <a:ea typeface="メイリオ" pitchFamily="50" charset="-128"/>
+              <a:cs typeface="メイリオ" pitchFamily="50" charset="-128"/>
+            </a:endParaRPr>
+          </a:p>
+          <a:p>
+            <a:pPr marL="914400" lvl="1" indent="-514350">
+              <a:buNone/>
+            </a:pPr>
+            <a:endParaRPr lang="en-US" altLang="ja-JP" sz="2400" b="1" dirty="0" smtClean="0">
+              <a:latin typeface="メイリオ" pitchFamily="50" charset="-128"/>
+              <a:ea typeface="メイリオ" pitchFamily="50" charset="-128"/>
+              <a:cs typeface="メイリオ" pitchFamily="50" charset="-128"/>
+            </a:endParaRPr>
+          </a:p>
+          <a:p>
+            <a:pPr marL="514350" indent="-514350">
+              <a:buFont typeface="+mj-lt"/>
+              <a:buAutoNum type="arabicPeriod"/>
+            </a:pPr>
+            <a:r>
+              <a:rPr lang="ja-JP" altLang="en-US" sz="2000" b="1" dirty="0" smtClean="0">
+                <a:solidFill>
+                  <a:schemeClr val="bg1">
+                    <a:lumMod val="75000"/>
+                  </a:schemeClr>
+                </a:solidFill>
+                <a:latin typeface="メイリオ" pitchFamily="50" charset="-128"/>
+                <a:ea typeface="メイリオ" pitchFamily="50" charset="-128"/>
+                <a:cs typeface="メイリオ" pitchFamily="50" charset="-128"/>
+              </a:rPr>
+              <a:t>開発担当</a:t>
+            </a:r>
+            <a:endParaRPr lang="en-US" altLang="ja-JP" sz="2000" b="1" dirty="0" smtClean="0">
+              <a:solidFill>
+                <a:schemeClr val="bg1">
+                  <a:lumMod val="75000"/>
+                </a:schemeClr>
+              </a:solidFill>
+              <a:latin typeface="メイリオ" pitchFamily="50" charset="-128"/>
+              <a:ea typeface="メイリオ" pitchFamily="50" charset="-128"/>
+              <a:cs typeface="メイリオ" pitchFamily="50" charset="-128"/>
+            </a:endParaRPr>
+          </a:p>
+          <a:p>
+            <a:pPr marL="514350" indent="-514350">
+              <a:buFont typeface="+mj-lt"/>
+              <a:buAutoNum type="arabicPeriod"/>
+            </a:pPr>
+            <a:r>
+              <a:rPr lang="ja-JP" altLang="en-US" sz="2000" b="1" dirty="0" smtClean="0">
+                <a:solidFill>
+                  <a:schemeClr val="bg1">
+                    <a:lumMod val="75000"/>
+                  </a:schemeClr>
+                </a:solidFill>
+                <a:latin typeface="メイリオ" pitchFamily="50" charset="-128"/>
+                <a:ea typeface="メイリオ" pitchFamily="50" charset="-128"/>
+                <a:cs typeface="メイリオ" pitchFamily="50" charset="-128"/>
+              </a:rPr>
+              <a:t>入力フォームにおける問題点</a:t>
+            </a:r>
+            <a:endParaRPr lang="en-US" altLang="ja-JP" sz="2000" b="1" dirty="0" smtClean="0">
+              <a:solidFill>
+                <a:schemeClr val="bg1">
+                  <a:lumMod val="75000"/>
+                </a:schemeClr>
+              </a:solidFill>
+              <a:latin typeface="メイリオ" pitchFamily="50" charset="-128"/>
+              <a:ea typeface="メイリオ" pitchFamily="50" charset="-128"/>
+              <a:cs typeface="メイリオ" pitchFamily="50" charset="-128"/>
+            </a:endParaRPr>
+          </a:p>
+          <a:p>
+            <a:pPr marL="514350" indent="-514350">
+              <a:buFont typeface="+mj-lt"/>
+              <a:buAutoNum type="arabicPeriod"/>
+            </a:pPr>
+            <a:r>
+              <a:rPr lang="ja-JP" altLang="en-US" sz="2000" b="1" dirty="0" smtClean="0">
+                <a:solidFill>
+                  <a:schemeClr val="bg1">
+                    <a:lumMod val="75000"/>
+                  </a:schemeClr>
+                </a:solidFill>
+                <a:latin typeface="メイリオ" pitchFamily="50" charset="-128"/>
+                <a:ea typeface="メイリオ" pitchFamily="50" charset="-128"/>
+                <a:cs typeface="メイリオ" pitchFamily="50" charset="-128"/>
+              </a:rPr>
+              <a:t>解決方法</a:t>
+            </a:r>
+            <a:endParaRPr lang="en-US" altLang="ja-JP" sz="2000" b="1" dirty="0" smtClean="0">
+              <a:solidFill>
+                <a:schemeClr val="bg1">
+                  <a:lumMod val="75000"/>
+                </a:schemeClr>
+              </a:solidFill>
+              <a:latin typeface="メイリオ" pitchFamily="50" charset="-128"/>
+              <a:ea typeface="メイリオ" pitchFamily="50" charset="-128"/>
+              <a:cs typeface="メイリオ" pitchFamily="50" charset="-128"/>
+            </a:endParaRPr>
+          </a:p>
+          <a:p>
+            <a:pPr marL="514350" indent="-514350">
+              <a:buFont typeface="+mj-lt"/>
+              <a:buAutoNum type="arabicPeriod"/>
+            </a:pPr>
+            <a:r>
+              <a:rPr lang="ja-JP" altLang="en-US" sz="2000" b="1" dirty="0" smtClean="0">
+                <a:solidFill>
+                  <a:schemeClr val="bg1">
+                    <a:lumMod val="75000"/>
+                  </a:schemeClr>
+                </a:solidFill>
+                <a:latin typeface="メイリオ" pitchFamily="50" charset="-128"/>
+                <a:ea typeface="メイリオ" pitchFamily="50" charset="-128"/>
+                <a:cs typeface="メイリオ" pitchFamily="50" charset="-128"/>
+              </a:rPr>
+              <a:t>結論</a:t>
+            </a:r>
+            <a:endParaRPr lang="en-US" altLang="ja-JP" sz="2000" b="1" dirty="0" smtClean="0">
+              <a:solidFill>
+                <a:schemeClr val="bg1">
+                  <a:lumMod val="75000"/>
+                </a:schemeClr>
+              </a:solidFill>
+              <a:latin typeface="メイリオ" pitchFamily="50" charset="-128"/>
+              <a:ea typeface="メイリオ" pitchFamily="50" charset="-128"/>
+              <a:cs typeface="メイリオ" pitchFamily="50" charset="-128"/>
+            </a:endParaRPr>
+          </a:p>
+          <a:p>
+            <a:pPr marL="514350" indent="-514350">
+              <a:buFont typeface="+mj-lt"/>
+              <a:buAutoNum type="arabicPeriod"/>
+            </a:pPr>
+            <a:r>
+              <a:rPr lang="ja-JP" altLang="en-US" sz="2000" b="1" dirty="0" smtClean="0">
+                <a:solidFill>
+                  <a:schemeClr val="bg1">
+                    <a:lumMod val="75000"/>
+                  </a:schemeClr>
+                </a:solidFill>
+                <a:latin typeface="メイリオ" pitchFamily="50" charset="-128"/>
+                <a:ea typeface="メイリオ" pitchFamily="50" charset="-128"/>
+                <a:cs typeface="メイリオ" pitchFamily="50" charset="-128"/>
+              </a:rPr>
+              <a:t>今後の課題と予定</a:t>
+            </a:r>
+            <a:endParaRPr lang="en-US" altLang="ja-JP" sz="2000" b="1" dirty="0" smtClean="0">
+              <a:solidFill>
+                <a:schemeClr val="bg1">
+                  <a:lumMod val="75000"/>
+                </a:schemeClr>
+              </a:solidFill>
+              <a:latin typeface="メイリオ" pitchFamily="50" charset="-128"/>
+              <a:ea typeface="メイリオ" pitchFamily="50" charset="-128"/>
+              <a:cs typeface="メイリオ" pitchFamily="50" charset="-128"/>
+            </a:endParaRPr>
           </a:p>
         </p:txBody>
       </p:sp>
@@ -34384,11 +37585,15 @@
           <a:p>
             <a:r>
               <a:rPr kumimoji="1" lang="en-US" altLang="ja-JP" dirty="0" smtClean="0"/>
-              <a:t>NetCommons3</a:t>
+              <a:t>1.1</a:t>
+            </a:r>
+            <a:r>
+              <a:rPr lang="ja-JP" altLang="en-US" dirty="0" smtClean="0"/>
+              <a:t> </a:t>
             </a:r>
             <a:r>
               <a:rPr kumimoji="1" lang="ja-JP" altLang="en-US" dirty="0" smtClean="0"/>
-              <a:t>とは</a:t>
+              <a:t>ＣＭＳ</a:t>
             </a:r>
             <a:endParaRPr kumimoji="1" lang="ja-JP" altLang="en-US" dirty="0"/>
           </a:p>
@@ -34404,68 +37609,104 @@
             <p:ph idx="1"/>
           </p:nvPr>
         </p:nvSpPr>
-        <p:spPr/>
+        <p:spPr>
+          <a:xfrm>
+            <a:off x="457200" y="2099989"/>
+            <a:ext cx="8229600" cy="3777283"/>
+          </a:xfrm>
+        </p:spPr>
         <p:txBody>
-          <a:bodyPr/>
+          <a:bodyPr>
+            <a:normAutofit/>
+          </a:bodyPr>
           <a:lstStyle/>
           <a:p>
             <a:r>
-              <a:rPr lang="ja-JP" altLang="en-US" dirty="0" smtClean="0"/>
-              <a:t>現在リリースされている後継のＣＭＳ。</a:t>
-            </a:r>
-            <a:endParaRPr lang="en-US" altLang="ja-JP" dirty="0" smtClean="0"/>
-          </a:p>
-          <a:p>
-            <a:r>
-              <a:rPr kumimoji="1" lang="ja-JP" altLang="en-US" dirty="0" smtClean="0"/>
-              <a:t>グループやルームといった概念はＮＣ２と変わらない。</a:t>
-            </a:r>
-            <a:endParaRPr kumimoji="1" lang="en-US" altLang="ja-JP" dirty="0" smtClean="0"/>
-          </a:p>
-          <a:p>
-            <a:r>
-              <a:rPr lang="ja-JP" altLang="en-US" dirty="0" smtClean="0"/>
-              <a:t>使って</a:t>
-            </a:r>
-            <a:r>
-              <a:rPr lang="ja-JP" altLang="en-US" dirty="0" smtClean="0"/>
-              <a:t>いるフレームワーク、ライブラリ等の変更があり、中身は大きく変わっている。</a:t>
-            </a:r>
-            <a:endParaRPr lang="en-US" altLang="ja-JP" dirty="0" smtClean="0"/>
-          </a:p>
-          <a:p>
-            <a:r>
-              <a:rPr lang="ja-JP" altLang="en-US" dirty="0" smtClean="0"/>
-              <a:t>来年</a:t>
-            </a:r>
-            <a:r>
-              <a:rPr lang="en-US" altLang="ja-JP" dirty="0" smtClean="0"/>
-              <a:t>4</a:t>
-            </a:r>
-            <a:r>
-              <a:rPr lang="ja-JP" altLang="en-US" dirty="0" smtClean="0"/>
-              <a:t>月の</a:t>
-            </a:r>
-            <a:r>
-              <a:rPr lang="en-US" altLang="ja-JP" dirty="0" smtClean="0"/>
-              <a:t>α</a:t>
-            </a:r>
-            <a:r>
-              <a:rPr lang="ja-JP" altLang="en-US" dirty="0" smtClean="0"/>
-              <a:t>版リリース</a:t>
-            </a:r>
-            <a:r>
-              <a:rPr lang="ja-JP" altLang="en-US" dirty="0" smtClean="0"/>
-              <a:t>に</a:t>
-            </a:r>
-            <a:r>
-              <a:rPr lang="ja-JP" altLang="en-US" dirty="0" smtClean="0"/>
-              <a:t>向けて開発中。</a:t>
-            </a:r>
-            <a:endParaRPr lang="en-US" altLang="ja-JP" dirty="0" smtClean="0"/>
-          </a:p>
-          <a:p>
-            <a:endParaRPr kumimoji="1" lang="ja-JP" altLang="en-US" dirty="0"/>
+              <a:rPr kumimoji="1" lang="en-US" altLang="ja-JP" sz="2400" dirty="0" smtClean="0"/>
+              <a:t>HTML</a:t>
+            </a:r>
+            <a:r>
+              <a:rPr kumimoji="1" lang="ja-JP" altLang="en-US" sz="2400" dirty="0" smtClean="0"/>
+              <a:t>や</a:t>
+            </a:r>
+            <a:r>
+              <a:rPr kumimoji="1" lang="en-US" altLang="ja-JP" sz="2400" dirty="0" smtClean="0"/>
+              <a:t>CSS</a:t>
+            </a:r>
+            <a:r>
+              <a:rPr kumimoji="1" lang="ja-JP" altLang="en-US" sz="2400" dirty="0" smtClean="0"/>
+              <a:t>、</a:t>
+            </a:r>
+            <a:r>
+              <a:rPr kumimoji="1" lang="en-US" altLang="ja-JP" sz="2400" dirty="0" smtClean="0"/>
+              <a:t>Javascript</a:t>
+            </a:r>
+            <a:r>
+              <a:rPr kumimoji="1" lang="ja-JP" altLang="en-US" sz="2400" dirty="0" smtClean="0"/>
+              <a:t>等の専門知識を必要とせずに</a:t>
+            </a:r>
+            <a:r>
+              <a:rPr kumimoji="1" lang="en-US" altLang="ja-JP" sz="2400" dirty="0" smtClean="0"/>
+              <a:t>Web</a:t>
+            </a:r>
+            <a:r>
+              <a:rPr kumimoji="1" lang="ja-JP" altLang="en-US" sz="2400" dirty="0" smtClean="0"/>
+              <a:t>ページを作成するための仕組みを提供するシステム。</a:t>
+            </a:r>
+            <a:endParaRPr kumimoji="1" lang="en-US" altLang="ja-JP" sz="2400" dirty="0" smtClean="0"/>
+          </a:p>
+          <a:p>
+            <a:r>
+              <a:rPr lang="ja-JP" altLang="en-US" sz="2400" dirty="0" smtClean="0"/>
+              <a:t>一概</a:t>
+            </a:r>
+            <a:r>
+              <a:rPr lang="ja-JP" altLang="en-US" sz="2400" dirty="0" smtClean="0"/>
+              <a:t>には説明できないが、ブログであったり、学校や企業のＨＰ等を簡単に作成できる。</a:t>
+            </a:r>
+            <a:endParaRPr lang="en-US" altLang="ja-JP" sz="2400" dirty="0" smtClean="0"/>
+          </a:p>
+          <a:p>
+            <a:r>
+              <a:rPr kumimoji="1" lang="en-US" altLang="ja-JP" sz="2400" dirty="0" smtClean="0"/>
+              <a:t>WordPress</a:t>
+            </a:r>
+            <a:r>
+              <a:rPr kumimoji="1" lang="ja-JP" altLang="en-US" sz="2400" dirty="0" smtClean="0"/>
+              <a:t>というブログサイト重視の</a:t>
+            </a:r>
+            <a:r>
+              <a:rPr kumimoji="1" lang="en-US" altLang="ja-JP" sz="2400" dirty="0" smtClean="0"/>
+              <a:t>CMS</a:t>
+            </a:r>
+            <a:r>
+              <a:rPr kumimoji="1" lang="ja-JP" altLang="en-US" sz="2400" dirty="0" smtClean="0"/>
+              <a:t>が最も広く知られている。</a:t>
+            </a:r>
+            <a:endParaRPr kumimoji="1" lang="en-US" altLang="ja-JP" sz="2400" dirty="0" smtClean="0"/>
+          </a:p>
+          <a:p>
+            <a:r>
+              <a:rPr lang="ja-JP" altLang="en-US" sz="2400" dirty="0" smtClean="0"/>
+              <a:t>導入しやすさ、デザイン重視、</a:t>
+            </a:r>
+            <a:r>
+              <a:rPr lang="en-US" altLang="ja-JP" sz="2400" dirty="0" smtClean="0"/>
+              <a:t>E-</a:t>
+            </a:r>
+            <a:r>
+              <a:rPr lang="ja-JP" altLang="en-US" sz="2400" dirty="0" smtClean="0"/>
+              <a:t>コマース特化、カスタマイズ性重視、等様々な用途の</a:t>
+            </a:r>
+            <a:r>
+              <a:rPr lang="en-US" altLang="ja-JP" sz="2400" dirty="0" smtClean="0"/>
+              <a:t>CMS</a:t>
+            </a:r>
+            <a:r>
+              <a:rPr lang="ja-JP" altLang="en-US" sz="2400" dirty="0" smtClean="0"/>
+              <a:t>が出回っている。</a:t>
+            </a:r>
+            <a:endParaRPr kumimoji="1" lang="ja-JP" altLang="en-US" sz="2400" dirty="0"/>
           </a:p>
         </p:txBody>
       </p:sp>
@@ -34485,11 +37726,166 @@
           <a:lstStyle/>
           <a:p>
             <a:fld id="{D2D8002D-B5B0-4BAC-B1F6-782DDCCE6D9C}" type="slidenum">
-              <a:rPr kumimoji="1" lang="ja-JP" altLang="en-US" smtClean="0"/>
+              <a:rPr lang="ja-JP" altLang="en-US" smtClean="0"/>
               <a:pPr/>
               <a:t>5</a:t>
             </a:fld>
-            <a:endParaRPr kumimoji="1" lang="ja-JP" altLang="en-US" dirty="0"/>
+            <a:endParaRPr lang="ja-JP" altLang="en-US" dirty="0"/>
+          </a:p>
+        </p:txBody>
+      </p:sp>
+      <p:sp>
+        <p:nvSpPr>
+          <p:cNvPr id="5" name="コンテンツ プレースホルダ 5"/>
+          <p:cNvSpPr txBox="1">
+            <a:spLocks/>
+          </p:cNvSpPr>
+          <p:nvPr/>
+        </p:nvSpPr>
+        <p:spPr>
+          <a:xfrm>
+            <a:off x="0" y="0"/>
+            <a:ext cx="9144000" cy="332656"/>
+          </a:xfrm>
+          <a:prstGeom prst="rect">
+            <a:avLst/>
+          </a:prstGeom>
+        </p:spPr>
+        <p:txBody>
+          <a:bodyPr vert="horz" lIns="91440" tIns="45720" rIns="91440" bIns="45720" rtlCol="0">
+            <a:noAutofit/>
+          </a:bodyPr>
+          <a:lstStyle/>
+          <a:p>
+            <a:pPr marL="514350" marR="0" lvl="0" indent="-514350" algn="l" defTabSz="914400" rtl="0" eaLnBrk="1" fontAlgn="auto" latinLnBrk="0" hangingPunct="1">
+              <a:lnSpc>
+                <a:spcPct val="100000"/>
+              </a:lnSpc>
+              <a:spcBef>
+                <a:spcPct val="20000"/>
+              </a:spcBef>
+              <a:spcAft>
+                <a:spcPts val="0"/>
+              </a:spcAft>
+              <a:buClrTx/>
+              <a:buSzTx/>
+              <a:buFont typeface="+mj-lt"/>
+              <a:buAutoNum type="arabicPeriod"/>
+              <a:tabLst/>
+              <a:defRPr/>
+            </a:pPr>
+            <a:r>
+              <a:rPr kumimoji="1" lang="en-US" altLang="ja-JP" sz="1600" b="1" i="0" u="none" strike="noStrike" kern="1200" cap="none" spc="0" normalizeH="0" baseline="0" noProof="0" dirty="0" smtClean="0">
+                <a:ln>
+                  <a:noFill/>
+                </a:ln>
+                <a:solidFill>
+                  <a:schemeClr val="tx1"/>
+                </a:solidFill>
+                <a:effectLst/>
+                <a:uLnTx/>
+                <a:uFillTx/>
+                <a:latin typeface="メイリオ" pitchFamily="50" charset="-128"/>
+                <a:ea typeface="メイリオ" pitchFamily="50" charset="-128"/>
+                <a:cs typeface="メイリオ" pitchFamily="50" charset="-128"/>
+              </a:rPr>
+              <a:t>NetCommons3</a:t>
+            </a:r>
+            <a:r>
+              <a:rPr kumimoji="1" lang="ja-JP" altLang="en-US" sz="1600" b="1" i="0" u="none" strike="noStrike" kern="1200" cap="none" spc="0" normalizeH="0" baseline="0" noProof="0" dirty="0" smtClean="0">
+                <a:ln>
+                  <a:noFill/>
+                </a:ln>
+                <a:solidFill>
+                  <a:schemeClr val="tx1"/>
+                </a:solidFill>
+                <a:effectLst/>
+                <a:uLnTx/>
+                <a:uFillTx/>
+                <a:latin typeface="メイリオ" pitchFamily="50" charset="-128"/>
+                <a:ea typeface="メイリオ" pitchFamily="50" charset="-128"/>
+                <a:cs typeface="メイリオ" pitchFamily="50" charset="-128"/>
+              </a:rPr>
+              <a:t>プロジェクト</a:t>
+            </a:r>
+            <a:endParaRPr kumimoji="1" lang="en-US" altLang="ja-JP" sz="1100" b="1" i="0" u="none" strike="noStrike" kern="1200" cap="none" spc="0" normalizeH="0" baseline="0" noProof="0" dirty="0" smtClean="0">
+              <a:ln>
+                <a:noFill/>
+              </a:ln>
+              <a:solidFill>
+                <a:schemeClr val="bg1">
+                  <a:lumMod val="75000"/>
+                </a:schemeClr>
+              </a:solidFill>
+              <a:effectLst/>
+              <a:uLnTx/>
+              <a:uFillTx/>
+              <a:latin typeface="メイリオ" pitchFamily="50" charset="-128"/>
+              <a:ea typeface="メイリオ" pitchFamily="50" charset="-128"/>
+              <a:cs typeface="メイリオ" pitchFamily="50" charset="-128"/>
+            </a:endParaRPr>
+          </a:p>
+        </p:txBody>
+      </p:sp>
+      <p:sp>
+        <p:nvSpPr>
+          <p:cNvPr id="6" name="角丸四角形 5"/>
+          <p:cNvSpPr/>
+          <p:nvPr/>
+        </p:nvSpPr>
+        <p:spPr>
+          <a:xfrm>
+            <a:off x="323528" y="1196752"/>
+            <a:ext cx="6408712" cy="648072"/>
+          </a:xfrm>
+          <a:prstGeom prst="roundRect">
+            <a:avLst/>
+          </a:prstGeom>
+          <a:effectLst>
+            <a:outerShdw blurRad="50800" dist="38100" dir="5400000" algn="t" rotWithShape="0">
+              <a:prstClr val="black">
+                <a:alpha val="40000"/>
+              </a:prstClr>
+            </a:outerShdw>
+          </a:effectLst>
+          <a:scene3d>
+            <a:camera prst="orthographicFront"/>
+            <a:lightRig rig="threePt" dir="t"/>
+          </a:scene3d>
+          <a:sp3d>
+            <a:bevelT w="139700" prst="cross"/>
+          </a:sp3d>
+        </p:spPr>
+        <p:style>
+          <a:lnRef idx="1">
+            <a:schemeClr val="accent5"/>
+          </a:lnRef>
+          <a:fillRef idx="2">
+            <a:schemeClr val="accent5"/>
+          </a:fillRef>
+          <a:effectRef idx="1">
+            <a:schemeClr val="accent5"/>
+          </a:effectRef>
+          <a:fontRef idx="minor">
+            <a:schemeClr val="dk1"/>
+          </a:fontRef>
+        </p:style>
+        <p:txBody>
+          <a:bodyPr rtlCol="0" anchor="b"/>
+          <a:lstStyle/>
+          <a:p>
+            <a:pPr algn="ctr"/>
+            <a:r>
+              <a:rPr kumimoji="1" lang="en-US" altLang="ja-JP" sz="3200" b="1" dirty="0" smtClean="0">
+                <a:ea typeface="メイリオ" pitchFamily="50" charset="-128"/>
+                <a:cs typeface="メイリオ" pitchFamily="50" charset="-128"/>
+              </a:rPr>
+              <a:t>Contents Management System</a:t>
+            </a:r>
+            <a:endParaRPr kumimoji="1" lang="ja-JP" altLang="en-US" sz="3200" b="1" dirty="0">
+              <a:ea typeface="メイリオ" pitchFamily="50" charset="-128"/>
+              <a:cs typeface="メイリオ" pitchFamily="50" charset="-128"/>
+            </a:endParaRPr>
           </a:p>
         </p:txBody>
       </p:sp>
@@ -34535,155 +37931,12 @@
           <a:p>
             <a:r>
               <a:rPr kumimoji="1" lang="en-US" altLang="ja-JP" dirty="0" smtClean="0"/>
-              <a:t>NC2</a:t>
+              <a:t>Web</a:t>
             </a:r>
             <a:r>
               <a:rPr kumimoji="1" lang="ja-JP" altLang="en-US" dirty="0" smtClean="0"/>
-              <a:t>→</a:t>
-            </a:r>
-            <a:r>
-              <a:rPr kumimoji="1" lang="en-US" altLang="ja-JP" dirty="0" smtClean="0"/>
-              <a:t>NC3</a:t>
-            </a:r>
-            <a:r>
-              <a:rPr kumimoji="1" lang="ja-JP" altLang="en-US" dirty="0" smtClean="0"/>
-              <a:t>の大きな違い</a:t>
-            </a:r>
-            <a:endParaRPr kumimoji="1" lang="ja-JP" altLang="en-US" dirty="0"/>
-          </a:p>
-        </p:txBody>
-      </p:sp>
-      <p:sp>
-        <p:nvSpPr>
-          <p:cNvPr id="3" name="コンテンツ プレースホルダ 2"/>
-          <p:cNvSpPr>
-            <a:spLocks noGrp="1"/>
-          </p:cNvSpPr>
-          <p:nvPr>
-            <p:ph idx="1"/>
-          </p:nvPr>
-        </p:nvSpPr>
-        <p:spPr/>
-        <p:txBody>
-          <a:bodyPr>
-            <a:normAutofit/>
-          </a:bodyPr>
-          <a:lstStyle/>
-          <a:p>
-            <a:r>
-              <a:rPr kumimoji="1" lang="en-US" altLang="ja-JP" dirty="0" smtClean="0"/>
-              <a:t>PHP</a:t>
-            </a:r>
-            <a:r>
-              <a:rPr kumimoji="1" lang="ja-JP" altLang="en-US" dirty="0" smtClean="0"/>
-              <a:t>フレームワーク変更</a:t>
-            </a:r>
-            <a:endParaRPr kumimoji="1" lang="en-US" altLang="ja-JP" dirty="0" smtClean="0"/>
-          </a:p>
-          <a:p>
-            <a:pPr>
-              <a:buNone/>
-            </a:pPr>
-            <a:r>
-              <a:rPr lang="en-US" altLang="ja-JP" dirty="0" smtClean="0"/>
-              <a:t>		maple</a:t>
-            </a:r>
-            <a:r>
-              <a:rPr lang="ja-JP" altLang="en-US" dirty="0" smtClean="0"/>
-              <a:t>→</a:t>
-            </a:r>
-            <a:r>
-              <a:rPr lang="en-US" altLang="ja-JP" dirty="0" smtClean="0"/>
-              <a:t>CakePHP</a:t>
-            </a:r>
-            <a:endParaRPr kumimoji="1" lang="en-US" altLang="ja-JP" dirty="0" smtClean="0"/>
-          </a:p>
-          <a:p>
-            <a:r>
-              <a:rPr kumimoji="1" lang="en-US" altLang="ja-JP" dirty="0" smtClean="0"/>
-              <a:t>Javascript,</a:t>
-            </a:r>
-            <a:r>
-              <a:rPr lang="ja-JP" altLang="en-US" dirty="0" smtClean="0"/>
-              <a:t> </a:t>
-            </a:r>
-            <a:r>
-              <a:rPr kumimoji="1" lang="en-US" altLang="ja-JP" dirty="0" smtClean="0"/>
-              <a:t>CSS</a:t>
-            </a:r>
-            <a:r>
-              <a:rPr kumimoji="1" lang="ja-JP" altLang="en-US" dirty="0" smtClean="0"/>
-              <a:t>フレームワークの採用</a:t>
-            </a:r>
-            <a:endParaRPr kumimoji="1" lang="en-US" altLang="ja-JP" dirty="0" smtClean="0"/>
-          </a:p>
-          <a:p>
-            <a:pPr>
-              <a:buNone/>
-            </a:pPr>
-            <a:r>
-              <a:rPr lang="en-US" altLang="ja-JP" dirty="0" smtClean="0"/>
-              <a:t>	</a:t>
-            </a:r>
-            <a:r>
-              <a:rPr lang="en-US" altLang="ja-JP" dirty="0" smtClean="0"/>
-              <a:t>	Javascript -&gt; AngularJS</a:t>
-            </a:r>
-          </a:p>
-          <a:p>
-            <a:pPr>
-              <a:buNone/>
-            </a:pPr>
-            <a:r>
-              <a:rPr lang="en-US" altLang="ja-JP" dirty="0" smtClean="0"/>
-              <a:t>	</a:t>
-            </a:r>
-            <a:r>
-              <a:rPr lang="en-US" altLang="ja-JP" dirty="0" smtClean="0"/>
-              <a:t>	CSS		 -&gt;</a:t>
-            </a:r>
-            <a:r>
-              <a:rPr lang="ja-JP" altLang="en-US" dirty="0" smtClean="0"/>
-              <a:t> </a:t>
-            </a:r>
-            <a:r>
-              <a:rPr lang="en-US" altLang="ja-JP" dirty="0" smtClean="0"/>
-              <a:t>Bootstrap</a:t>
-            </a:r>
-            <a:endParaRPr lang="en-US" altLang="ja-JP" dirty="0" smtClean="0"/>
-          </a:p>
-          <a:p>
-            <a:r>
-              <a:rPr kumimoji="1" lang="en-US" altLang="ja-JP" dirty="0" smtClean="0"/>
-              <a:t>CI(</a:t>
-            </a:r>
-            <a:r>
-              <a:rPr kumimoji="1" lang="ja-JP" altLang="en-US" dirty="0" smtClean="0"/>
-              <a:t>継続的インテグレーションツール</a:t>
-            </a:r>
-            <a:r>
-              <a:rPr kumimoji="1" lang="en-US" altLang="ja-JP" dirty="0" smtClean="0"/>
-              <a:t>)</a:t>
-            </a:r>
-            <a:r>
-              <a:rPr kumimoji="1" lang="ja-JP" altLang="en-US" dirty="0" smtClean="0"/>
-              <a:t>の採用</a:t>
-            </a:r>
-            <a:endParaRPr lang="en-US" altLang="ja-JP" dirty="0" smtClean="0"/>
-          </a:p>
-          <a:p>
-            <a:pPr>
-              <a:buNone/>
-            </a:pPr>
-            <a:r>
-              <a:rPr kumimoji="1" lang="en-US" altLang="ja-JP" dirty="0" smtClean="0"/>
-              <a:t>		TravisCI</a:t>
-            </a:r>
-          </a:p>
-          <a:p>
-            <a:endParaRPr kumimoji="1" lang="en-US" altLang="ja-JP" dirty="0" smtClean="0"/>
-          </a:p>
-          <a:p>
+              <a:t>アプリケーションの言葉</a:t>
+            </a:r>
             <a:endParaRPr kumimoji="1" lang="ja-JP" altLang="en-US" dirty="0"/>
           </a:p>
         </p:txBody>
@@ -34712,11 +37965,74 @@
           </a:p>
         </p:txBody>
       </p:sp>
+      <p:sp>
+        <p:nvSpPr>
+          <p:cNvPr id="1028" name="AutoShape 4" descr="data:image/jpeg;base64,/9j/4AAQSkZJRgABAQAAAQABAAD/2wCEAAkGBxISEhUPEhQSFg8WEA8WEBQUFBUWEBUQFBQXFhQUFRQYHCggGBolHBQUITEhJSkrLi4uFx8zODMvNygtLisBCgoKDg0OGhAQFCwcHBwtLCwrLCwsLCwsLCwsKywsKyssLCwsLCwsLCwsLCwsLCwsLCwsLDcsLCwsLCwsLCssLP/AABEIALcBEwMBIgACEQEDEQH/xAAbAAEAAgMBAQAAAAAAAAAAAAAABAUCAwYBB//EAEkQAAIBAgEGCwMICAMJAAAAAAABAgMRBAUGEiExURMiMkFSYXGBkaGxFHLBM2KCkpOistEWNEJDU3OD4Qfi8BUjJERUhJTS8f/EABgBAQEBAQEAAAAAAAAAAAAAAAABAwIE/8QAHBEBAQEAAgMBAAAAAAAAAAAAAAERAlESITFB/9oADAMBAAIRAxEAPwD7iAAAAAAAAAAAAAAAAAAAAAAAAAAAAAAAAAAAAAAAAAAAAAAAAAAAAAAAAAAABpxWKhSi51JRjBbXJ2QG4HKY3OuUuLh4auapUTSfu01rffYgvJ+KxGurKbj896MPs42T7zqcXF5x1WIy1h4PRdSLl0Y3nLwjdkSpnFTWyL7ZOMfJu/kQMLm5BK0pNroxWjEsKOSqEdlON971vzLkTyqPLOaPNo9ynP4ILLk3shVfZSt6yLOCS2JLsSR7pj10m3tWrK1bmo1vCCPf9q1/4NX7hY6Y0x66PfaseWaq206y/pp+jR5+kiXK1e9TnHzTZacIHMeujb2hUs4qb6L7Jq/hKxMhlak9rcfeTS+ts8zRWwdKfKhB9yv4ohTyHS2wc4P5snbwYyL5V0FOakrxaa3p3RkcjUyXWg9KElJ71xKnitvee0Mv16T0asdJbpJRqdzStLwXaTx6Wc+3Wgg5OyrSrciXHW2EtU13c661qJxy7AAAAAAAAAAAAAAAAAAAAAAAMCuy1laOHhdrSqSuqcFtk973Jc7OUhhquJnwtaV3zfw4dUI7+s01sS8RXlVfJu1Hqpx1JLt295b0KyWo0kxlbqdg8FTp7Fr6T1y/sS3UsV3tRhLEhFg65i65UyxJ57SMNWvDmPDFZ7Qe+0BFlww4YrfaB7QU1Y8KOFK72g94cGrDhzJYgreGHCgWixBjVcZK0kpLr+BVusee0g1jjMkft0m7p3Wu04v5skWWQstuTVCt8pshPYp9UlzS9SDDG2fVzkbKcE+Mtvx5mTNWXPjtwQMh43hqMZvla4z96Opv495PM20AAAAAAAAAAAAAAAAAAANOLjeEl82XobjGa1PsYHzXAT0XKPP+X/0lPEELEq0tzfJfNfcz20mm7O65S+PYbPOnRxJsVcqOEMo4girSVS5plUaIqrnvDFRIVc94chya7DByYFhw44YrHWHDhFlw49oKz2g89oAtPaD1YkqHiTB4oC79pNc8QUzxZj7S2BaSxF9S2sm4qvaOv/VtbK7B0dHjy28y3f3KzK2Vk+LF3XNufZ1b3z7Arv8AMZt0ZvfVb8Un8TpDmf8AD53wuk9rqz9EdMZX624/AAEdAAAAAAAAAAAAAAAAAAA+d4mhdtPZcsclU3Fq+tLY/wBpLc96D0Zzm47FUmmt1myzwVA1YY043I9CtrS0Km+HJb+dB7Dna+Qqqb0LTt0eV4P4HX1sPz7GeYdyW20tWpvb4rWRXz6tGUHaScXuaafmYcMfQ8o6M46MnOPWlGXk0VFfI9CSjZU5PQlpNuVKcp24r1cWK36i6Y5Phzzhy0q5El/BqdtOrTqLweiyLVyVJfs4jvo3/DJlc4iOuYSqozlg5dCt9jI8WAqPZCt9lL8wNLqGEqnaT6eRK0tlKu/oJesiTDNnEP8AcyXv1IR/MaZVI5iKbdldvcjo6ebclypYeP0pVH4Xt5EhZLjFcarOS3QioR8rDTHORwbXLah1PXL6q1k2glFXhCUn0pL/AEkWPB04cinFPe+M/PUR6tRu92BW49zknpPV0VyfpPn7NSOZoRcpNu7ekddWjdFJRoLSsukB9SzDhbBw96o/M6Iqs1kvZaVujr7bu/mWplfrefAAEUAAAAAAAAAAAAAAAAAAHzjGVZUa85x2actJPY1fYdNkfKFOquK+MuVB8uPat3XsOfy5B8LNpX48rrer+pEw2TXNqdObjJciadpwfRl1GrDfbvJs9pRORnlnFYZ6GKpOcearCybXWtj7rFxknODD1tUKkdLoS4s/qy29xy61Y4qmmivrUvT4FhiJ6iBVqfEsKjOkeO62N+LE6xr4S5XLPhp9KX1mee0VOnP6zEUZaAGt1JPbKX1mYOJv0BogaFEwqx1MktGivsfYBWVCLNbTdi68KavUlGK+c7PwK+OUeEdqEJT+fLi01169b8gjZW1LWQcNR0bze130e1rb3LWSa2jDjVZadS11BbF123db1dpR4jKbqSstmzVstuXV184V9izU/VaVtln+JluVOaa/4Oj/AC0/FtlsZ362nwABFAAAAAAAAAAAAAAAAAABxuV6H+9n7z8zZk/DWektUt+/tNWLxiWLqUpu2lNcG3svZcXy1FzhKRp+Mc9tkqtloyXFe1WvHwfwKTGZr4eu3aKSfPHXbtizoqlM008Or3XWRXH4rNvE4ZXo4lqG5ydl9Gd0iI8XlCCUpRhUhzS0NTXvU3Y7yu5Jbbrc1deZBnJcS8EtFS0HBuOipJp2WzXcqVxTzgqLl0Pq1Pg0baeckFyqVZdmi/iXtTAReypiF1ScKq++rkarki/7yn9LDq/3WVESOdNDo1vs/wC5l+llDo1vs/7iWb0n++oL+jL8z1Zub69HupSA1Tzupc1Ku/oxXrIj1M73+xh5v3qkV6JljDN+mttf6tFfFG6OR8OttTEy93QgvICinlzGT5FGnBb3pS83ZEWo8TU+VxNlzxppX+4vidYsn4ZbKTk99ScpeRnKSiuJGEfdivVgcrhMhRXHjScn/ErOy7bX9WTZ0pWs590Ekl2cy8O8nV6jettvtIU+cqKzH4daElFbb3523vbetlDk7Da12v1OoxGx9jKjCrXft8b6gPsOQKejhqMXtVGn6Jk8h5HbdCk3t4Kn+FEwxrefAABQAAAAAAAAAAAAAAAAAAfPs7qClWnfVrVnudlbWY5IzmlRfBYlScVqVRK8kvnLnXWtZYZyUr1p7no/hREwOGWpTWlHmf7UVue9Gv4w/XVUMZCpFTpyjKD2OLujfSZzGIzXhfhcLVlh6vO43dKT+dF7O8jQyxj8M9GvQVeK2zovRnbe47PQ5dOwrrUQKkfiVFLPXCT1SnKlPnjVi42fvK6JUMfTmrwnCS+bJP0KVslFGuVjVUqswjO5XLY0eaBsgjZYCPoDQJFjywGnQNOIWpkitNRV5NJb20l5lHlDOHCwTTrQcujC8390D2qzQ6ZXVctzl8lRaXTqvRj3R2s0uNSp8pOUvmQVo+HxbKmN2JxEeTHjPq2eJXcKotWtfmts7V1LfzszyipQg7JJW5K13958/YtXaU+AUpO7u29rIPvGR1ahS/k0vwomEfJ8bUqa3U6a+6iQZPRAAAAAAAAAAAAAAAAAAAAABzWW6SdZrncYvutbV4LxGCw5vzpwFSUY16PytO7tzSjzxe8i5v5Wp11ZcWquXTfKVtrW9dZ3Kz5cferKpQ51qfUa6V9LjJPbrWqXiidJmNOITEDKeDo1o2nCGl0pU1LzWs5yrmVhpKNktNylpyoz0bLXo6MJXbexWujsMRTTRXVaK1CFcRPIFSHJnj6fbFzj4wk/Q1OGKhsxcvp0pr8VM7VQa2NrsYc5dKXidOXDvKuMWr2mn9l/kCytjn+/h3Uf8h2zrz3+S/I89qnv+7H8gOL4fHz/AOYn9Cg//QyWSMdU21MfJdSdNeN0dn7XU6cu529DXKpN7ZSfbJgcpDMqb11Ia99avd+C/MnUM3YU1yqcf5UNf1n+Zc6JrrrUwK14alHXGLlLpTd34GmpNvsvsWpeCN9UiyXqVEHKFK8X2ELIeB06kILnlFeLJ+OaUG27Iu/8P8jSlJYmaaguRfne8luLx46+gwjZJLYkku49AMm4AAAAAAAAAAAAAAAAAAAAAHN5wZpU674alJ0sQtcZx1a+ux0gA4CWV8fg+Li6LrUlsrUradt8o7H5FxkbObC13anVjp9CfEqfVla/cdM1fU9hSZVzTweI+UpR0ulHiy8UXXN4pteeogVKhUPMmtS/VcbXpx5oTfCU/CV7Gipk/K9P/pa8fpU5+WryLKl41aTqo1OrcpqmIx0flMDUfXTqKXqka45alHl4TGx/pKXpI62OfGr5K5loFNHOWkttLFr/ALefwMlnRR/h4r/x5jYmVb8GNAqP0ki+ThsbLsoW9ZI9jlXEz+TwGJ/qOEF5XGxfGrVoi4rYyMqGVanJoYakt9ScpvwVjZHM7GVf1jGOK540IqC8bXJ5Q8KrsbXp09dScYL5zs+5bWV9HHVK70MJRnUd+XJONNeOt+R2eTcw8FSek4OpPpVHpPzOko0YwWjGKityVkS8nU4RxeRMyG5KtjJ8JNbKa1Qj1ajtqcFFKKVktiWyxkDl2AAAAAAAAAAAAAAAAAAAAAAAAAAAAAAAAAADzRW5HmityMgB5Y9AAAAAAAAAAAAAAAAAAAAAAAAAAAAAAAAAAAAAAAAAAAAAAAAAAAAAAAAAAAAAAAAAAAAAAAP/2Q=="/>
+          <p:cNvSpPr>
+            <a:spLocks noChangeAspect="1" noChangeArrowheads="1"/>
+          </p:cNvSpPr>
+          <p:nvPr/>
+        </p:nvSpPr>
+        <p:spPr bwMode="auto">
+          <a:xfrm>
+            <a:off x="155575" y="-144463"/>
+            <a:ext cx="304800" cy="304801"/>
+          </a:xfrm>
+          <a:prstGeom prst="rect">
+            <a:avLst/>
+          </a:prstGeom>
+          <a:noFill/>
+        </p:spPr>
+        <p:txBody>
+          <a:bodyPr vert="horz" wrap="square" lIns="91440" tIns="45720" rIns="91440" bIns="45720" numCol="1" anchor="t" anchorCtr="0" compatLnSpc="1">
+            <a:prstTxWarp prst="textNoShape">
+              <a:avLst/>
+            </a:prstTxWarp>
+          </a:bodyPr>
+          <a:lstStyle/>
+          <a:p>
+            <a:endParaRPr lang="ja-JP" altLang="en-US"/>
+          </a:p>
+        </p:txBody>
+      </p:sp>
+      <p:pic>
+        <p:nvPicPr>
+          <p:cNvPr id="1030" name="Picture 6" descr="http://lab.sonicmoov.com/files/2014/03/db.png"/>
+          <p:cNvPicPr>
+            <a:picLocks noChangeAspect="1" noChangeArrowheads="1"/>
+          </p:cNvPicPr>
+          <p:nvPr/>
+        </p:nvPicPr>
+        <p:blipFill>
+          <a:blip r:embed="rId3" cstate="print"/>
+          <a:srcRect l="20790" t="8494" r="22511" b="12226"/>
+          <a:stretch>
+            <a:fillRect/>
+          </a:stretch>
+        </p:blipFill>
+        <p:spPr bwMode="auto">
+          <a:xfrm>
+            <a:off x="7524328" y="2708920"/>
+            <a:ext cx="848666" cy="792088"/>
+          </a:xfrm>
+          <a:prstGeom prst="rect">
+            <a:avLst/>
+          </a:prstGeom>
+          <a:noFill/>
+        </p:spPr>
+      </p:pic>
     </p:spTree>
   </p:cSld>
   <p:clrMapOvr>
     <a:masterClrMapping/>
   </p:clrMapOvr>
+  <p:timing>
+    <p:tnLst>
+      <p:par>
+        <p:cTn id="1" dur="indefinite" restart="never" nodeType="tmRoot"/>
+      </p:par>
+    </p:tnLst>
+  </p:timing>
 </p:sld>
 </file>
 
@@ -34753,8 +38069,16 @@
           <a:lstStyle/>
           <a:p>
             <a:r>
+              <a:rPr kumimoji="1" lang="en-US" altLang="ja-JP" dirty="0" smtClean="0"/>
+              <a:t>1.1</a:t>
+            </a:r>
+            <a:r>
               <a:rPr lang="ja-JP" altLang="en-US" dirty="0" smtClean="0"/>
-              <a:t>インフラツール変更による効果</a:t>
+              <a:t> </a:t>
+            </a:r>
+            <a:r>
+              <a:rPr kumimoji="1" lang="ja-JP" altLang="en-US" dirty="0" smtClean="0"/>
+              <a:t>ＣＭＳ</a:t>
             </a:r>
             <a:endParaRPr kumimoji="1" lang="ja-JP" altLang="en-US" dirty="0"/>
           </a:p>
@@ -34770,144 +38094,66 @@
             <p:ph idx="1"/>
           </p:nvPr>
         </p:nvSpPr>
-        <p:spPr/>
+        <p:spPr>
+          <a:xfrm>
+            <a:off x="457200" y="2132856"/>
+            <a:ext cx="8229600" cy="2088232"/>
+          </a:xfrm>
+        </p:spPr>
         <p:txBody>
           <a:bodyPr/>
           <a:lstStyle/>
           <a:p>
             <a:r>
-              <a:rPr kumimoji="1" lang="en-US" altLang="ja-JP" dirty="0" smtClean="0"/>
-              <a:t>PHP</a:t>
-            </a:r>
-            <a:r>
-              <a:rPr kumimoji="1" lang="ja-JP" altLang="en-US" dirty="0" smtClean="0"/>
-              <a:t>フレームワーク変更</a:t>
-            </a:r>
-            <a:endParaRPr kumimoji="1" lang="en-US" altLang="ja-JP" dirty="0" smtClean="0"/>
-          </a:p>
-          <a:p>
-            <a:pPr>
-              <a:buNone/>
-            </a:pPr>
-            <a:r>
-              <a:rPr lang="en-US" altLang="ja-JP" dirty="0" smtClean="0"/>
-              <a:t>	</a:t>
-            </a:r>
-            <a:r>
-              <a:rPr lang="en-US" altLang="ja-JP" dirty="0" smtClean="0"/>
-              <a:t>Maple…</a:t>
-            </a:r>
-            <a:r>
-              <a:rPr lang="ja-JP" altLang="en-US" dirty="0" smtClean="0"/>
-              <a:t>開発者が日本人でドキュメントが</a:t>
-            </a:r>
-            <a:endParaRPr lang="en-US" altLang="ja-JP" dirty="0" smtClean="0"/>
-          </a:p>
-          <a:p>
-            <a:pPr>
-              <a:buNone/>
-            </a:pPr>
-            <a:r>
-              <a:rPr lang="en-US" altLang="ja-JP" dirty="0" smtClean="0"/>
-              <a:t>			</a:t>
-            </a:r>
-            <a:r>
-              <a:rPr lang="ja-JP" altLang="en-US" dirty="0" smtClean="0"/>
-              <a:t>豊富だったが、開発が終わっている。</a:t>
-            </a:r>
-            <a:endParaRPr lang="en-US" altLang="ja-JP" dirty="0" smtClean="0"/>
-          </a:p>
-          <a:p>
-            <a:pPr>
-              <a:buNone/>
-            </a:pPr>
-            <a:r>
-              <a:rPr lang="en-US" altLang="ja-JP" dirty="0" smtClean="0"/>
-              <a:t>	CakePHP…</a:t>
-            </a:r>
-            <a:r>
-              <a:rPr lang="ja-JP" altLang="en-US" dirty="0" smtClean="0"/>
-              <a:t>日本で最も使われている。</a:t>
-            </a:r>
-            <a:endParaRPr lang="en-US" altLang="ja-JP" dirty="0" smtClean="0"/>
-          </a:p>
-          <a:p>
-            <a:pPr>
-              <a:buNone/>
-            </a:pPr>
-            <a:r>
-              <a:rPr lang="en-US" altLang="ja-JP" dirty="0" smtClean="0"/>
-              <a:t>	</a:t>
-            </a:r>
-            <a:r>
-              <a:rPr lang="en-US" altLang="ja-JP" dirty="0" smtClean="0"/>
-              <a:t>	</a:t>
-            </a:r>
-            <a:r>
-              <a:rPr lang="en-US" altLang="ja-JP" dirty="0" smtClean="0"/>
-              <a:t>	</a:t>
-            </a:r>
-            <a:r>
-              <a:rPr lang="ja-JP" altLang="en-US" dirty="0" smtClean="0"/>
-              <a:t>　　ドキュメントやノウハウが豊富。</a:t>
-            </a:r>
-            <a:endParaRPr lang="en-US" altLang="ja-JP" dirty="0" smtClean="0"/>
-          </a:p>
-          <a:p>
-            <a:pPr>
-              <a:buNone/>
-            </a:pPr>
-            <a:r>
-              <a:rPr lang="en-US" altLang="ja-JP" dirty="0" smtClean="0"/>
-              <a:t>			</a:t>
-            </a:r>
-            <a:r>
-              <a:rPr lang="ja-JP" altLang="en-US" dirty="0" smtClean="0"/>
-              <a:t>　　</a:t>
-            </a:r>
-            <a:r>
-              <a:rPr lang="en-US" altLang="ja-JP" dirty="0" smtClean="0"/>
-              <a:t>MVC</a:t>
-            </a:r>
-            <a:r>
-              <a:rPr lang="ja-JP" altLang="en-US" dirty="0" smtClean="0"/>
-              <a:t>モデルが採用されている。</a:t>
-            </a:r>
-            <a:endParaRPr lang="en-US" altLang="ja-JP" dirty="0" smtClean="0"/>
-          </a:p>
-          <a:p>
-            <a:pPr>
-              <a:buNone/>
-            </a:pPr>
-            <a:r>
-              <a:rPr kumimoji="1" lang="en-US" altLang="ja-JP" dirty="0" smtClean="0"/>
-              <a:t>	</a:t>
-            </a:r>
-            <a:r>
-              <a:rPr lang="en-US" altLang="ja-JP" dirty="0" smtClean="0"/>
-              <a:t>	</a:t>
-            </a:r>
-            <a:r>
-              <a:rPr lang="en-US" altLang="ja-JP" dirty="0" smtClean="0"/>
-              <a:t>	</a:t>
-            </a:r>
-            <a:r>
-              <a:rPr lang="ja-JP" altLang="en-US" dirty="0" smtClean="0"/>
-              <a:t>　　現在も盛んに開発されている。</a:t>
-            </a:r>
-            <a:endParaRPr kumimoji="1" lang="en-US" altLang="ja-JP" dirty="0" smtClean="0"/>
-          </a:p>
-          <a:p>
-            <a:pPr>
-              <a:buNone/>
-            </a:pPr>
-            <a:endParaRPr lang="en-US" altLang="ja-JP" dirty="0" smtClean="0"/>
-          </a:p>
-          <a:p>
-            <a:pPr>
-              <a:buNone/>
-            </a:pPr>
-            <a:endParaRPr kumimoji="1" lang="ja-JP" altLang="en-US" dirty="0"/>
+              <a:rPr kumimoji="1" lang="en-US" altLang="ja-JP" sz="2400" dirty="0" smtClean="0"/>
+              <a:t>2,000</a:t>
+            </a:r>
+            <a:r>
+              <a:rPr kumimoji="1" lang="ja-JP" altLang="en-US" sz="2400" dirty="0" smtClean="0"/>
+              <a:t>以上の学校</a:t>
+            </a:r>
+            <a:endParaRPr kumimoji="1" lang="en-US" altLang="ja-JP" sz="2400" dirty="0" smtClean="0"/>
+          </a:p>
+          <a:p>
+            <a:r>
+              <a:rPr lang="ja-JP" altLang="en-US" sz="2400" dirty="0" smtClean="0"/>
+              <a:t>都道府県レベルの教育センターでは</a:t>
+            </a:r>
+            <a:r>
+              <a:rPr lang="en-US" altLang="ja-JP" sz="2400" dirty="0" smtClean="0"/>
+              <a:t>3</a:t>
+            </a:r>
+            <a:r>
+              <a:rPr lang="ja-JP" altLang="en-US" sz="2400" dirty="0" smtClean="0"/>
+              <a:t>分の</a:t>
+            </a:r>
+            <a:r>
+              <a:rPr lang="en-US" altLang="ja-JP" sz="2400" dirty="0" smtClean="0"/>
+              <a:t>2</a:t>
+            </a:r>
+            <a:r>
+              <a:rPr lang="ja-JP" altLang="en-US" sz="2400" dirty="0" smtClean="0"/>
+              <a:t>以上で使われている</a:t>
+            </a:r>
+            <a:endParaRPr lang="en-US" altLang="ja-JP" sz="2400" dirty="0" smtClean="0"/>
+          </a:p>
+          <a:p>
+            <a:r>
+              <a:rPr kumimoji="1" lang="ja-JP" altLang="en-US" sz="2400" dirty="0" smtClean="0"/>
+              <a:t>企業や</a:t>
+            </a:r>
+            <a:r>
+              <a:rPr kumimoji="1" lang="en-US" altLang="ja-JP" sz="2400" dirty="0" smtClean="0"/>
+              <a:t>NPO</a:t>
+            </a:r>
+            <a:r>
+              <a:rPr kumimoji="1" lang="ja-JP" altLang="en-US" sz="2400" dirty="0" smtClean="0"/>
+              <a:t>団体等も利用</a:t>
+            </a:r>
+            <a:endParaRPr kumimoji="1" lang="en-US" altLang="ja-JP" sz="2400" dirty="0" smtClean="0"/>
+          </a:p>
+          <a:p>
+            <a:endParaRPr kumimoji="1" lang="ja-JP" altLang="en-US" sz="2400" dirty="0"/>
           </a:p>
         </p:txBody>
       </p:sp>
@@ -34927,11 +38173,454 @@
           <a:lstStyle/>
           <a:p>
             <a:fld id="{D2D8002D-B5B0-4BAC-B1F6-782DDCCE6D9C}" type="slidenum">
-              <a:rPr kumimoji="1" lang="ja-JP" altLang="en-US" smtClean="0"/>
+              <a:rPr lang="ja-JP" altLang="en-US" smtClean="0"/>
               <a:pPr/>
               <a:t>7</a:t>
             </a:fld>
-            <a:endParaRPr kumimoji="1" lang="ja-JP" altLang="en-US" dirty="0"/>
+            <a:endParaRPr lang="ja-JP" altLang="en-US" dirty="0"/>
+          </a:p>
+        </p:txBody>
+      </p:sp>
+      <p:sp>
+        <p:nvSpPr>
+          <p:cNvPr id="5" name="コンテンツ プレースホルダ 5"/>
+          <p:cNvSpPr txBox="1">
+            <a:spLocks/>
+          </p:cNvSpPr>
+          <p:nvPr/>
+        </p:nvSpPr>
+        <p:spPr>
+          <a:xfrm>
+            <a:off x="0" y="0"/>
+            <a:ext cx="9144000" cy="332656"/>
+          </a:xfrm>
+          <a:prstGeom prst="rect">
+            <a:avLst/>
+          </a:prstGeom>
+        </p:spPr>
+        <p:txBody>
+          <a:bodyPr vert="horz" lIns="91440" tIns="45720" rIns="91440" bIns="45720" rtlCol="0">
+            <a:noAutofit/>
+          </a:bodyPr>
+          <a:lstStyle/>
+          <a:p>
+            <a:pPr marL="514350" marR="0" lvl="0" indent="-514350" algn="l" defTabSz="914400" rtl="0" eaLnBrk="1" fontAlgn="auto" latinLnBrk="0" hangingPunct="1">
+              <a:lnSpc>
+                <a:spcPct val="100000"/>
+              </a:lnSpc>
+              <a:spcBef>
+                <a:spcPct val="20000"/>
+              </a:spcBef>
+              <a:spcAft>
+                <a:spcPts val="0"/>
+              </a:spcAft>
+              <a:buClrTx/>
+              <a:buSzTx/>
+              <a:buFont typeface="+mj-lt"/>
+              <a:buAutoNum type="arabicPeriod"/>
+              <a:tabLst/>
+              <a:defRPr/>
+            </a:pPr>
+            <a:r>
+              <a:rPr kumimoji="1" lang="en-US" altLang="ja-JP" sz="1600" b="1" i="0" u="none" strike="noStrike" kern="1200" cap="none" spc="0" normalizeH="0" baseline="0" noProof="0" dirty="0" smtClean="0">
+                <a:ln>
+                  <a:noFill/>
+                </a:ln>
+                <a:solidFill>
+                  <a:schemeClr val="tx1"/>
+                </a:solidFill>
+                <a:effectLst/>
+                <a:uLnTx/>
+                <a:uFillTx/>
+                <a:latin typeface="メイリオ" pitchFamily="50" charset="-128"/>
+                <a:ea typeface="メイリオ" pitchFamily="50" charset="-128"/>
+                <a:cs typeface="メイリオ" pitchFamily="50" charset="-128"/>
+              </a:rPr>
+              <a:t>NetCommons3</a:t>
+            </a:r>
+            <a:r>
+              <a:rPr kumimoji="1" lang="ja-JP" altLang="en-US" sz="1600" b="1" i="0" u="none" strike="noStrike" kern="1200" cap="none" spc="0" normalizeH="0" baseline="0" noProof="0" dirty="0" smtClean="0">
+                <a:ln>
+                  <a:noFill/>
+                </a:ln>
+                <a:solidFill>
+                  <a:schemeClr val="tx1"/>
+                </a:solidFill>
+                <a:effectLst/>
+                <a:uLnTx/>
+                <a:uFillTx/>
+                <a:latin typeface="メイリオ" pitchFamily="50" charset="-128"/>
+                <a:ea typeface="メイリオ" pitchFamily="50" charset="-128"/>
+                <a:cs typeface="メイリオ" pitchFamily="50" charset="-128"/>
+              </a:rPr>
+              <a:t>プロジェクト</a:t>
+            </a:r>
+            <a:endParaRPr kumimoji="1" lang="en-US" altLang="ja-JP" sz="1100" b="1" i="0" u="none" strike="noStrike" kern="1200" cap="none" spc="0" normalizeH="0" baseline="0" noProof="0" dirty="0" smtClean="0">
+              <a:ln>
+                <a:noFill/>
+              </a:ln>
+              <a:solidFill>
+                <a:schemeClr val="bg1">
+                  <a:lumMod val="75000"/>
+                </a:schemeClr>
+              </a:solidFill>
+              <a:effectLst/>
+              <a:uLnTx/>
+              <a:uFillTx/>
+              <a:latin typeface="メイリオ" pitchFamily="50" charset="-128"/>
+              <a:ea typeface="メイリオ" pitchFamily="50" charset="-128"/>
+              <a:cs typeface="メイリオ" pitchFamily="50" charset="-128"/>
+            </a:endParaRPr>
+          </a:p>
+        </p:txBody>
+      </p:sp>
+      <p:sp>
+        <p:nvSpPr>
+          <p:cNvPr id="6" name="角丸四角形 5"/>
+          <p:cNvSpPr/>
+          <p:nvPr/>
+        </p:nvSpPr>
+        <p:spPr>
+          <a:xfrm>
+            <a:off x="323528" y="1196752"/>
+            <a:ext cx="3456384" cy="648072"/>
+          </a:xfrm>
+          <a:prstGeom prst="roundRect">
+            <a:avLst/>
+          </a:prstGeom>
+          <a:effectLst>
+            <a:outerShdw blurRad="50800" dist="38100" dir="5400000" algn="t" rotWithShape="0">
+              <a:prstClr val="black">
+                <a:alpha val="40000"/>
+              </a:prstClr>
+            </a:outerShdw>
+          </a:effectLst>
+          <a:scene3d>
+            <a:camera prst="orthographicFront"/>
+            <a:lightRig rig="threePt" dir="t"/>
+          </a:scene3d>
+          <a:sp3d>
+            <a:bevelT w="139700" prst="cross"/>
+          </a:sp3d>
+        </p:spPr>
+        <p:style>
+          <a:lnRef idx="1">
+            <a:schemeClr val="accent5"/>
+          </a:lnRef>
+          <a:fillRef idx="2">
+            <a:schemeClr val="accent5"/>
+          </a:fillRef>
+          <a:effectRef idx="1">
+            <a:schemeClr val="accent5"/>
+          </a:effectRef>
+          <a:fontRef idx="minor">
+            <a:schemeClr val="dk1"/>
+          </a:fontRef>
+        </p:style>
+        <p:txBody>
+          <a:bodyPr rtlCol="0" anchor="b"/>
+          <a:lstStyle/>
+          <a:p>
+            <a:pPr algn="ctr"/>
+            <a:r>
+              <a:rPr lang="en-US" altLang="ja-JP" sz="3200" b="1" dirty="0" smtClean="0">
+                <a:ea typeface="メイリオ" pitchFamily="50" charset="-128"/>
+                <a:cs typeface="メイリオ" pitchFamily="50" charset="-128"/>
+              </a:rPr>
+              <a:t>NetCommons</a:t>
+            </a:r>
+            <a:endParaRPr kumimoji="1" lang="ja-JP" altLang="en-US" sz="3200" b="1" dirty="0">
+              <a:ea typeface="メイリオ" pitchFamily="50" charset="-128"/>
+              <a:cs typeface="メイリオ" pitchFamily="50" charset="-128"/>
+            </a:endParaRPr>
+          </a:p>
+        </p:txBody>
+      </p:sp>
+      <p:sp>
+        <p:nvSpPr>
+          <p:cNvPr id="7" name="コンテンツ プレースホルダ 2"/>
+          <p:cNvSpPr txBox="1">
+            <a:spLocks/>
+          </p:cNvSpPr>
+          <p:nvPr/>
+        </p:nvSpPr>
+        <p:spPr>
+          <a:xfrm>
+            <a:off x="1619672" y="3861048"/>
+            <a:ext cx="7524328" cy="936104"/>
+          </a:xfrm>
+          <a:prstGeom prst="rect">
+            <a:avLst/>
+          </a:prstGeom>
+        </p:spPr>
+        <p:txBody>
+          <a:bodyPr vert="horz" lIns="91440" tIns="45720" rIns="91440" bIns="45720" rtlCol="0">
+            <a:normAutofit/>
+          </a:bodyPr>
+          <a:lstStyle/>
+          <a:p>
+            <a:pPr marL="342900" marR="0" lvl="0" indent="-342900" algn="l" defTabSz="914400" rtl="0" eaLnBrk="1" fontAlgn="auto" latinLnBrk="0" hangingPunct="1">
+              <a:lnSpc>
+                <a:spcPct val="100000"/>
+              </a:lnSpc>
+              <a:spcBef>
+                <a:spcPct val="20000"/>
+              </a:spcBef>
+              <a:spcAft>
+                <a:spcPts val="0"/>
+              </a:spcAft>
+              <a:buClrTx/>
+              <a:buSzTx/>
+              <a:tabLst/>
+              <a:defRPr/>
+            </a:pPr>
+            <a:r>
+              <a:rPr lang="ja-JP" altLang="en-US" sz="2800" b="1" dirty="0" smtClean="0">
+                <a:latin typeface="メイリオ" pitchFamily="50" charset="-128"/>
+                <a:ea typeface="メイリオ" pitchFamily="50" charset="-128"/>
+                <a:cs typeface="メイリオ" pitchFamily="50" charset="-128"/>
+              </a:rPr>
+              <a:t>⇒　</a:t>
+            </a:r>
+            <a:r>
+              <a:rPr lang="en-US" altLang="ja-JP" sz="2800" b="1" dirty="0" smtClean="0">
+                <a:latin typeface="メイリオ" pitchFamily="50" charset="-128"/>
+                <a:ea typeface="メイリオ" pitchFamily="50" charset="-128"/>
+                <a:cs typeface="メイリオ" pitchFamily="50" charset="-128"/>
+              </a:rPr>
+              <a:t>3</a:t>
+            </a:r>
+            <a:r>
+              <a:rPr kumimoji="1" lang="en-US" altLang="ja-JP" sz="2800" b="1" i="0" u="none" strike="noStrike" kern="1200" cap="none" spc="0" normalizeH="0" baseline="0" noProof="0" dirty="0" smtClean="0">
+                <a:ln>
+                  <a:noFill/>
+                </a:ln>
+                <a:solidFill>
+                  <a:schemeClr val="tx1"/>
+                </a:solidFill>
+                <a:effectLst/>
+                <a:uLnTx/>
+                <a:uFillTx/>
+                <a:latin typeface="メイリオ" pitchFamily="50" charset="-128"/>
+                <a:ea typeface="メイリオ" pitchFamily="50" charset="-128"/>
+                <a:cs typeface="メイリオ" pitchFamily="50" charset="-128"/>
+              </a:rPr>
+              <a:t>,000</a:t>
+            </a:r>
+            <a:r>
+              <a:rPr kumimoji="1" lang="ja-JP" altLang="en-US" sz="2800" b="1" i="0" u="none" strike="noStrike" kern="1200" cap="none" spc="0" normalizeH="0" baseline="0" noProof="0" dirty="0" smtClean="0">
+                <a:ln>
+                  <a:noFill/>
+                </a:ln>
+                <a:solidFill>
+                  <a:schemeClr val="tx1"/>
+                </a:solidFill>
+                <a:effectLst/>
+                <a:uLnTx/>
+                <a:uFillTx/>
+                <a:latin typeface="メイリオ" pitchFamily="50" charset="-128"/>
+                <a:ea typeface="メイリオ" pitchFamily="50" charset="-128"/>
+                <a:cs typeface="メイリオ" pitchFamily="50" charset="-128"/>
+              </a:rPr>
+              <a:t>以上の導入が確認されている。</a:t>
+            </a:r>
+            <a:endParaRPr kumimoji="1" lang="en-US" altLang="ja-JP" sz="2800" b="1" i="0" u="none" strike="noStrike" kern="1200" cap="none" spc="0" normalizeH="0" baseline="0" noProof="0" dirty="0" smtClean="0">
+              <a:ln>
+                <a:noFill/>
+              </a:ln>
+              <a:solidFill>
+                <a:schemeClr val="tx1"/>
+              </a:solidFill>
+              <a:effectLst/>
+              <a:uLnTx/>
+              <a:uFillTx/>
+              <a:latin typeface="メイリオ" pitchFamily="50" charset="-128"/>
+              <a:ea typeface="メイリオ" pitchFamily="50" charset="-128"/>
+              <a:cs typeface="メイリオ" pitchFamily="50" charset="-128"/>
+            </a:endParaRPr>
+          </a:p>
+        </p:txBody>
+      </p:sp>
+      <p:sp>
+        <p:nvSpPr>
+          <p:cNvPr id="9" name="コンテンツ プレースホルダ 2"/>
+          <p:cNvSpPr txBox="1">
+            <a:spLocks/>
+          </p:cNvSpPr>
+          <p:nvPr/>
+        </p:nvSpPr>
+        <p:spPr>
+          <a:xfrm>
+            <a:off x="457200" y="4581128"/>
+            <a:ext cx="8229600" cy="2088232"/>
+          </a:xfrm>
+          <a:prstGeom prst="rect">
+            <a:avLst/>
+          </a:prstGeom>
+        </p:spPr>
+        <p:txBody>
+          <a:bodyPr vert="horz" lIns="91440" tIns="45720" rIns="91440" bIns="45720" rtlCol="0">
+            <a:normAutofit/>
+          </a:bodyPr>
+          <a:lstStyle/>
+          <a:p>
+            <a:pPr marL="342900" lvl="0" indent="-342900">
+              <a:spcBef>
+                <a:spcPct val="20000"/>
+              </a:spcBef>
+              <a:buFont typeface="Arial" pitchFamily="34" charset="0"/>
+              <a:buChar char="•"/>
+            </a:pPr>
+            <a:r>
+              <a:rPr kumimoji="1" lang="ja-JP" altLang="en-US" sz="2400" b="1" i="0" u="none" strike="noStrike" kern="1200" cap="none" spc="0" normalizeH="0" baseline="0" noProof="0" dirty="0" smtClean="0">
+                <a:ln>
+                  <a:noFill/>
+                </a:ln>
+                <a:solidFill>
+                  <a:schemeClr val="tx1"/>
+                </a:solidFill>
+                <a:effectLst/>
+                <a:uLnTx/>
+                <a:uFillTx/>
+                <a:latin typeface="メイリオ" pitchFamily="50" charset="-128"/>
+                <a:ea typeface="メイリオ" pitchFamily="50" charset="-128"/>
+                <a:cs typeface="メイリオ" pitchFamily="50" charset="-128"/>
+              </a:rPr>
+              <a:t>売り文句「ワープロやメールを書けるスキル</a:t>
+            </a:r>
+            <a:r>
+              <a:rPr lang="ja-JP" altLang="en-US" sz="2400" b="1" dirty="0" smtClean="0">
+                <a:latin typeface="メイリオ" pitchFamily="50" charset="-128"/>
+                <a:ea typeface="メイリオ" pitchFamily="50" charset="-128"/>
+                <a:cs typeface="メイリオ" pitchFamily="50" charset="-128"/>
+              </a:rPr>
+              <a:t>があればブログ感覚で入力</a:t>
+            </a:r>
+            <a:r>
+              <a:rPr kumimoji="1" lang="ja-JP" altLang="en-US" sz="2400" b="1" i="0" u="none" strike="noStrike" kern="1200" cap="none" spc="0" normalizeH="0" baseline="0" noProof="0" dirty="0" smtClean="0">
+                <a:ln>
+                  <a:noFill/>
+                </a:ln>
+                <a:solidFill>
+                  <a:schemeClr val="tx1"/>
+                </a:solidFill>
+                <a:effectLst/>
+                <a:uLnTx/>
+                <a:uFillTx/>
+                <a:latin typeface="メイリオ" pitchFamily="50" charset="-128"/>
+                <a:ea typeface="メイリオ" pitchFamily="50" charset="-128"/>
+                <a:cs typeface="メイリオ" pitchFamily="50" charset="-128"/>
+              </a:rPr>
+              <a:t>や更新ができる」</a:t>
+            </a:r>
+            <a:endParaRPr kumimoji="1" lang="en-US" altLang="ja-JP" sz="2400" b="1" i="0" u="none" strike="noStrike" kern="1200" cap="none" spc="0" normalizeH="0" baseline="0" noProof="0" dirty="0" smtClean="0">
+              <a:ln>
+                <a:noFill/>
+              </a:ln>
+              <a:solidFill>
+                <a:schemeClr val="tx1"/>
+              </a:solidFill>
+              <a:effectLst/>
+              <a:uLnTx/>
+              <a:uFillTx/>
+              <a:latin typeface="メイリオ" pitchFamily="50" charset="-128"/>
+              <a:ea typeface="メイリオ" pitchFamily="50" charset="-128"/>
+              <a:cs typeface="メイリオ" pitchFamily="50" charset="-128"/>
+            </a:endParaRPr>
+          </a:p>
+          <a:p>
+            <a:pPr marL="342900" lvl="0" indent="-342900">
+              <a:spcBef>
+                <a:spcPct val="20000"/>
+              </a:spcBef>
+              <a:buFont typeface="Arial" pitchFamily="34" charset="0"/>
+              <a:buChar char="•"/>
+            </a:pPr>
+            <a:r>
+              <a:rPr lang="ja-JP" altLang="en-US" sz="2400" b="1" dirty="0" smtClean="0">
+                <a:latin typeface="メイリオ" pitchFamily="50" charset="-128"/>
+                <a:ea typeface="メイリオ" pitchFamily="50" charset="-128"/>
+                <a:cs typeface="メイリオ" pitchFamily="50" charset="-128"/>
+              </a:rPr>
+              <a:t>インストール直後から様々な機能を使える</a:t>
+            </a:r>
+            <a:endParaRPr kumimoji="1" lang="en-US" altLang="ja-JP" sz="2400" b="1" i="0" u="none" strike="noStrike" kern="1200" cap="none" spc="0" normalizeH="0" baseline="0" noProof="0" dirty="0" smtClean="0">
+              <a:ln>
+                <a:noFill/>
+              </a:ln>
+              <a:solidFill>
+                <a:schemeClr val="tx1"/>
+              </a:solidFill>
+              <a:effectLst/>
+              <a:uLnTx/>
+              <a:uFillTx/>
+              <a:latin typeface="メイリオ" pitchFamily="50" charset="-128"/>
+              <a:ea typeface="メイリオ" pitchFamily="50" charset="-128"/>
+              <a:cs typeface="メイリオ" pitchFamily="50" charset="-128"/>
+            </a:endParaRPr>
+          </a:p>
+        </p:txBody>
+      </p:sp>
+      <p:sp>
+        <p:nvSpPr>
+          <p:cNvPr id="10" name="コンテンツ プレースホルダ 2"/>
+          <p:cNvSpPr txBox="1">
+            <a:spLocks/>
+          </p:cNvSpPr>
+          <p:nvPr/>
+        </p:nvSpPr>
+        <p:spPr>
+          <a:xfrm>
+            <a:off x="1619672" y="5949280"/>
+            <a:ext cx="7524328" cy="692696"/>
+          </a:xfrm>
+          <a:prstGeom prst="rect">
+            <a:avLst/>
+          </a:prstGeom>
+        </p:spPr>
+        <p:txBody>
+          <a:bodyPr vert="horz" lIns="91440" tIns="45720" rIns="91440" bIns="45720" rtlCol="0">
+            <a:normAutofit/>
+          </a:bodyPr>
+          <a:lstStyle/>
+          <a:p>
+            <a:pPr marL="342900" marR="0" lvl="0" indent="-342900" algn="l" defTabSz="914400" rtl="0" eaLnBrk="1" fontAlgn="auto" latinLnBrk="0" hangingPunct="1">
+              <a:lnSpc>
+                <a:spcPct val="100000"/>
+              </a:lnSpc>
+              <a:spcBef>
+                <a:spcPct val="20000"/>
+              </a:spcBef>
+              <a:spcAft>
+                <a:spcPts val="0"/>
+              </a:spcAft>
+              <a:buClrTx/>
+              <a:buSzTx/>
+              <a:tabLst/>
+              <a:defRPr/>
+            </a:pPr>
+            <a:r>
+              <a:rPr lang="ja-JP" altLang="en-US" sz="2800" b="1" dirty="0" smtClean="0">
+                <a:latin typeface="メイリオ" pitchFamily="50" charset="-128"/>
+                <a:ea typeface="メイリオ" pitchFamily="50" charset="-128"/>
+                <a:cs typeface="メイリオ" pitchFamily="50" charset="-128"/>
+              </a:rPr>
+              <a:t>⇒　導入のしやすさの分野で選択される</a:t>
+            </a:r>
+            <a:endParaRPr kumimoji="1" lang="en-US" altLang="ja-JP" sz="2800" b="1" i="0" u="none" strike="noStrike" kern="1200" cap="none" spc="0" normalizeH="0" baseline="0" noProof="0" dirty="0" smtClean="0">
+              <a:ln>
+                <a:noFill/>
+              </a:ln>
+              <a:solidFill>
+                <a:schemeClr val="tx1"/>
+              </a:solidFill>
+              <a:effectLst/>
+              <a:uLnTx/>
+              <a:uFillTx/>
+              <a:latin typeface="メイリオ" pitchFamily="50" charset="-128"/>
+              <a:ea typeface="メイリオ" pitchFamily="50" charset="-128"/>
+              <a:cs typeface="メイリオ" pitchFamily="50" charset="-128"/>
+            </a:endParaRPr>
           </a:p>
         </p:txBody>
       </p:sp>
@@ -34976,8 +38665,16 @@
           <a:lstStyle/>
           <a:p>
             <a:r>
+              <a:rPr kumimoji="1" lang="en-US" altLang="ja-JP" dirty="0" smtClean="0"/>
+              <a:t>1.1</a:t>
+            </a:r>
+            <a:r>
               <a:rPr lang="ja-JP" altLang="en-US" dirty="0" smtClean="0"/>
-              <a:t>インフラツール変更による効果</a:t>
+              <a:t> </a:t>
+            </a:r>
+            <a:r>
+              <a:rPr kumimoji="1" lang="ja-JP" altLang="en-US" dirty="0" smtClean="0"/>
+              <a:t>ＣＭＳ</a:t>
             </a:r>
             <a:endParaRPr kumimoji="1" lang="ja-JP" altLang="en-US" dirty="0"/>
           </a:p>
@@ -34995,107 +38692,77 @@
         </p:nvSpPr>
         <p:spPr>
           <a:xfrm>
-            <a:off x="457200" y="1340769"/>
-            <a:ext cx="8229600" cy="3240360"/>
+            <a:off x="457200" y="2132856"/>
+            <a:ext cx="8219256" cy="4176464"/>
           </a:xfrm>
         </p:spPr>
         <p:txBody>
-          <a:bodyPr/>
+          <a:bodyPr>
+            <a:normAutofit/>
+          </a:bodyPr>
           <a:lstStyle/>
           <a:p>
             <a:r>
-              <a:rPr kumimoji="1" lang="en-US" altLang="ja-JP" dirty="0" smtClean="0"/>
-              <a:t>Javascript</a:t>
-            </a:r>
-            <a:r>
-              <a:rPr kumimoji="1" lang="ja-JP" altLang="en-US" dirty="0" smtClean="0"/>
-              <a:t>フレームワーク採用</a:t>
-            </a:r>
-            <a:endParaRPr kumimoji="1" lang="en-US" altLang="ja-JP" dirty="0" smtClean="0"/>
-          </a:p>
-          <a:p>
-            <a:pPr>
-              <a:buNone/>
-            </a:pPr>
-            <a:r>
-              <a:rPr lang="en-US" altLang="ja-JP" dirty="0" smtClean="0"/>
-              <a:t>	</a:t>
-            </a:r>
-            <a:r>
-              <a:rPr lang="en-US" altLang="ja-JP" dirty="0" smtClean="0"/>
-              <a:t>AngularJS…Google</a:t>
-            </a:r>
-            <a:r>
-              <a:rPr lang="ja-JP" altLang="en-US" dirty="0" smtClean="0"/>
-              <a:t>がオープンソースで開発。</a:t>
-            </a:r>
-            <a:endParaRPr lang="en-US" altLang="ja-JP" dirty="0" smtClean="0"/>
-          </a:p>
-          <a:p>
-            <a:pPr>
-              <a:buNone/>
-            </a:pPr>
-            <a:r>
-              <a:rPr lang="en-US" altLang="ja-JP" dirty="0" smtClean="0"/>
-              <a:t>	</a:t>
-            </a:r>
-            <a:r>
-              <a:rPr lang="en-US" altLang="ja-JP" dirty="0" smtClean="0"/>
-              <a:t>		</a:t>
-            </a:r>
-            <a:r>
-              <a:rPr lang="ja-JP" altLang="en-US" dirty="0" smtClean="0"/>
-              <a:t>　　</a:t>
-            </a:r>
-            <a:r>
-              <a:rPr lang="en-US" altLang="ja-JP" dirty="0" smtClean="0"/>
-              <a:t>MVC</a:t>
-            </a:r>
-            <a:r>
-              <a:rPr lang="ja-JP" altLang="en-US" dirty="0" smtClean="0"/>
-              <a:t>モデルが採用されている。　　　　</a:t>
-            </a:r>
-            <a:endParaRPr lang="en-US" altLang="ja-JP" dirty="0" smtClean="0"/>
-          </a:p>
-          <a:p>
-            <a:pPr>
-              <a:buNone/>
-            </a:pPr>
-            <a:r>
-              <a:rPr kumimoji="1" lang="en-US" altLang="ja-JP" dirty="0" smtClean="0"/>
-              <a:t>			</a:t>
-            </a:r>
-            <a:r>
-              <a:rPr kumimoji="1" lang="ja-JP" altLang="en-US" dirty="0" smtClean="0"/>
-              <a:t>　　</a:t>
-            </a:r>
-            <a:r>
-              <a:rPr lang="ja-JP" altLang="en-US" dirty="0" smtClean="0"/>
-              <a:t>双方向データバインディングや</a:t>
-            </a:r>
-            <a:endParaRPr lang="en-US" altLang="ja-JP" dirty="0" smtClean="0"/>
-          </a:p>
-          <a:p>
-            <a:pPr>
-              <a:buNone/>
-            </a:pPr>
-            <a:r>
-              <a:rPr kumimoji="1" lang="en-US" altLang="ja-JP" dirty="0" smtClean="0"/>
-              <a:t>	</a:t>
-            </a:r>
-            <a:r>
-              <a:rPr lang="en-US" altLang="ja-JP" dirty="0" smtClean="0"/>
-              <a:t>	</a:t>
-            </a:r>
-            <a:r>
-              <a:rPr lang="en-US" altLang="ja-JP" dirty="0" smtClean="0"/>
-              <a:t>	</a:t>
-            </a:r>
-            <a:r>
-              <a:rPr lang="ja-JP" altLang="en-US" dirty="0" smtClean="0"/>
-              <a:t>　　依存性注入とった特徴を持つ。</a:t>
-            </a:r>
-            <a:endParaRPr kumimoji="1" lang="ja-JP" altLang="en-US" dirty="0"/>
+              <a:rPr lang="ja-JP" altLang="en-US" sz="2400" dirty="0" smtClean="0"/>
+              <a:t>現在リリースされている</a:t>
+            </a:r>
+            <a:r>
+              <a:rPr lang="en-US" altLang="ja-JP" sz="2400" dirty="0" smtClean="0"/>
+              <a:t>NC2</a:t>
+            </a:r>
+            <a:r>
+              <a:rPr lang="ja-JP" altLang="en-US" sz="2400" dirty="0" smtClean="0"/>
+              <a:t>の後継版。</a:t>
+            </a:r>
+            <a:endParaRPr lang="en-US" altLang="ja-JP" sz="2400" dirty="0" smtClean="0"/>
+          </a:p>
+          <a:p>
+            <a:r>
+              <a:rPr kumimoji="1" lang="en-US" altLang="ja-JP" sz="2400" dirty="0" smtClean="0"/>
+              <a:t>NC2</a:t>
+            </a:r>
+            <a:r>
+              <a:rPr kumimoji="1" lang="ja-JP" altLang="en-US" sz="2400" dirty="0" smtClean="0"/>
+              <a:t>同様、ルームやグループ、権限</a:t>
+            </a:r>
+            <a:r>
+              <a:rPr lang="ja-JP" altLang="en-US" sz="2400" dirty="0" smtClean="0"/>
+              <a:t>、といった概念は基本的に変更なし。</a:t>
+            </a:r>
+            <a:endParaRPr lang="en-US" altLang="ja-JP" sz="2400" dirty="0" smtClean="0"/>
+          </a:p>
+          <a:p>
+            <a:r>
+              <a:rPr lang="ja-JP" altLang="en-US" sz="2400" dirty="0" smtClean="0"/>
+              <a:t>開発に使用するソフトウェアやソフトウェアに適用するフレームワーク等の変更があり、中身（ソースコード）や開発方法等は様変わり。</a:t>
+            </a:r>
+            <a:endParaRPr lang="en-US" altLang="ja-JP" sz="2400" dirty="0" smtClean="0"/>
+          </a:p>
+          <a:p>
+            <a:r>
+              <a:rPr lang="ja-JP" altLang="en-US" sz="2400" dirty="0" smtClean="0"/>
+              <a:t>来年</a:t>
+            </a:r>
+            <a:r>
+              <a:rPr lang="en-US" altLang="ja-JP" sz="2400" dirty="0" smtClean="0"/>
+              <a:t>4</a:t>
+            </a:r>
+            <a:r>
+              <a:rPr lang="ja-JP" altLang="en-US" sz="2400" dirty="0" smtClean="0"/>
+              <a:t>月の</a:t>
+            </a:r>
+            <a:r>
+              <a:rPr lang="en-US" altLang="ja-JP" sz="2400" dirty="0" smtClean="0"/>
+              <a:t>α</a:t>
+            </a:r>
+            <a:r>
+              <a:rPr lang="ja-JP" altLang="en-US" sz="2400" dirty="0" smtClean="0"/>
+              <a:t>版リリースに向けて現在開発中。</a:t>
+            </a:r>
+            <a:endParaRPr lang="en-US" altLang="ja-JP" sz="2400" dirty="0" smtClean="0"/>
+          </a:p>
+          <a:p>
+            <a:endParaRPr kumimoji="1" lang="ja-JP" altLang="en-US" sz="2400" dirty="0"/>
           </a:p>
         </p:txBody>
       </p:sp>
@@ -35115,17 +38782,17 @@
           <a:lstStyle/>
           <a:p>
             <a:fld id="{D2D8002D-B5B0-4BAC-B1F6-782DDCCE6D9C}" type="slidenum">
-              <a:rPr kumimoji="1" lang="ja-JP" altLang="en-US" smtClean="0"/>
+              <a:rPr lang="ja-JP" altLang="en-US" smtClean="0"/>
               <a:pPr/>
               <a:t>8</a:t>
             </a:fld>
-            <a:endParaRPr kumimoji="1" lang="ja-JP" altLang="en-US" dirty="0"/>
+            <a:endParaRPr lang="ja-JP" altLang="en-US" dirty="0"/>
           </a:p>
         </p:txBody>
       </p:sp>
       <p:sp>
         <p:nvSpPr>
-          <p:cNvPr id="6" name="コンテンツ プレースホルダ 2"/>
+          <p:cNvPr id="5" name="コンテンツ プレースホルダ 5"/>
           <p:cNvSpPr txBox="1">
             <a:spLocks/>
           </p:cNvSpPr>
@@ -35133,8 +38800,8 @@
         </p:nvSpPr>
         <p:spPr>
           <a:xfrm>
-            <a:off x="457200" y="4303637"/>
-            <a:ext cx="8507288" cy="2554363"/>
+            <a:off x="0" y="0"/>
+            <a:ext cx="9144000" cy="332656"/>
           </a:xfrm>
           <a:prstGeom prst="rect">
             <a:avLst/>
@@ -35142,11 +38809,11 @@
         </p:spPr>
         <p:txBody>
           <a:bodyPr vert="horz" lIns="91440" tIns="45720" rIns="91440" bIns="45720" rtlCol="0">
-            <a:normAutofit/>
+            <a:noAutofit/>
           </a:bodyPr>
           <a:lstStyle/>
           <a:p>
-            <a:pPr marL="342900" marR="0" lvl="0" indent="-342900" algn="l" defTabSz="914400" rtl="0" eaLnBrk="1" fontAlgn="auto" latinLnBrk="0" hangingPunct="1">
+            <a:pPr marL="514350" marR="0" lvl="0" indent="-514350" algn="l" defTabSz="914400" rtl="0" eaLnBrk="1" fontAlgn="auto" latinLnBrk="0" hangingPunct="1">
               <a:lnSpc>
                 <a:spcPct val="100000"/>
               </a:lnSpc>
@@ -35158,13 +38825,13 @@
               </a:spcAft>
               <a:buClrTx/>
               <a:buSzTx/>
-              <a:buFont typeface="Arial" pitchFamily="34" charset="0"/>
-              <a:buChar char="•"/>
+              <a:buFont typeface="+mj-lt"/>
+              <a:buAutoNum type="arabicPeriod"/>
               <a:tabLst/>
               <a:defRPr/>
             </a:pPr>
             <a:r>
-              <a:rPr kumimoji="1" lang="en-US" altLang="ja-JP" sz="3200" b="0" i="0" u="none" strike="noStrike" kern="1200" cap="none" spc="0" normalizeH="0" baseline="0" noProof="0" dirty="0" smtClean="0">
+              <a:rPr kumimoji="1" lang="en-US" altLang="ja-JP" sz="1600" b="1" i="0" u="none" strike="noStrike" kern="1200" cap="none" spc="0" normalizeH="0" baseline="0" noProof="0" dirty="0" smtClean="0">
                 <a:ln>
                   <a:noFill/>
                 </a:ln>
@@ -35174,14 +38841,14 @@
                 <a:effectLst/>
                 <a:uLnTx/>
                 <a:uFillTx/>
-                <a:latin typeface="HGPｺﾞｼｯｸE" pitchFamily="50" charset="-128"/>
-                <a:ea typeface="HGPｺﾞｼｯｸE" pitchFamily="50" charset="-128"/>
-                <a:cs typeface="+mn-cs"/>
+                <a:latin typeface="メイリオ" pitchFamily="50" charset="-128"/>
+                <a:ea typeface="メイリオ" pitchFamily="50" charset="-128"/>
+                <a:cs typeface="メイリオ" pitchFamily="50" charset="-128"/>
               </a:rPr>
-              <a:t>CSS</a:t>
-            </a:r>
-            <a:r>
-              <a:rPr kumimoji="1" lang="ja-JP" altLang="en-US" sz="3200" b="0" i="0" u="none" strike="noStrike" kern="1200" cap="none" spc="0" normalizeH="0" baseline="0" noProof="0" dirty="0" smtClean="0">
+              <a:t>NetCommons3</a:t>
+            </a:r>
+            <a:r>
+              <a:rPr kumimoji="1" lang="ja-JP" altLang="en-US" sz="1600" b="1" i="0" u="none" strike="noStrike" kern="1200" cap="none" spc="0" normalizeH="0" baseline="0" noProof="0" dirty="0" smtClean="0">
                 <a:ln>
                   <a:noFill/>
                 </a:ln>
@@ -35191,260 +38858,103 @@
                 <a:effectLst/>
                 <a:uLnTx/>
                 <a:uFillTx/>
-                <a:latin typeface="HGPｺﾞｼｯｸE" pitchFamily="50" charset="-128"/>
-                <a:ea typeface="HGPｺﾞｼｯｸE" pitchFamily="50" charset="-128"/>
-                <a:cs typeface="+mn-cs"/>
+                <a:latin typeface="メイリオ" pitchFamily="50" charset="-128"/>
+                <a:ea typeface="メイリオ" pitchFamily="50" charset="-128"/>
+                <a:cs typeface="メイリオ" pitchFamily="50" charset="-128"/>
               </a:rPr>
-              <a:t>フレームワーク採用</a:t>
-            </a:r>
-            <a:endParaRPr kumimoji="1" lang="en-US" altLang="ja-JP" sz="3200" b="0" i="0" u="none" strike="noStrike" kern="1200" cap="none" spc="0" normalizeH="0" baseline="0" noProof="0" dirty="0" smtClean="0">
+              <a:t>プロジェクト</a:t>
+            </a:r>
+            <a:endParaRPr kumimoji="1" lang="en-US" altLang="ja-JP" sz="1100" b="1" i="0" u="none" strike="noStrike" kern="1200" cap="none" spc="0" normalizeH="0" baseline="0" noProof="0" dirty="0" smtClean="0">
               <a:ln>
                 <a:noFill/>
               </a:ln>
               <a:solidFill>
-                <a:schemeClr val="tx1"/>
+                <a:schemeClr val="bg1">
+                  <a:lumMod val="75000"/>
+                </a:schemeClr>
               </a:solidFill>
               <a:effectLst/>
               <a:uLnTx/>
               <a:uFillTx/>
-              <a:latin typeface="HGPｺﾞｼｯｸE" pitchFamily="50" charset="-128"/>
-              <a:ea typeface="HGPｺﾞｼｯｸE" pitchFamily="50" charset="-128"/>
-              <a:cs typeface="+mn-cs"/>
+              <a:latin typeface="メイリオ" pitchFamily="50" charset="-128"/>
+              <a:ea typeface="メイリオ" pitchFamily="50" charset="-128"/>
+              <a:cs typeface="メイリオ" pitchFamily="50" charset="-128"/>
             </a:endParaRPr>
           </a:p>
-          <a:p>
-            <a:pPr marL="342900" marR="0" lvl="0" indent="-342900" algn="l" defTabSz="914400" rtl="0" eaLnBrk="1" fontAlgn="auto" latinLnBrk="0" hangingPunct="1">
-              <a:lnSpc>
-                <a:spcPct val="100000"/>
-              </a:lnSpc>
-              <a:spcBef>
-                <a:spcPct val="20000"/>
-              </a:spcBef>
-              <a:spcAft>
-                <a:spcPts val="0"/>
-              </a:spcAft>
-              <a:buClrTx/>
-              <a:buSzTx/>
-              <a:buFont typeface="Arial" pitchFamily="34" charset="0"/>
-              <a:buNone/>
-              <a:tabLst/>
-              <a:defRPr/>
-            </a:pPr>
-            <a:r>
-              <a:rPr kumimoji="1" lang="en-US" altLang="ja-JP" sz="3200" b="0" i="0" u="none" strike="noStrike" kern="1200" cap="none" spc="0" normalizeH="0" baseline="0" noProof="0" dirty="0" smtClean="0">
-                <a:ln>
-                  <a:noFill/>
-                </a:ln>
-                <a:solidFill>
-                  <a:schemeClr val="tx1"/>
-                </a:solidFill>
-                <a:effectLst/>
-                <a:uLnTx/>
-                <a:uFillTx/>
-                <a:latin typeface="HGPｺﾞｼｯｸE" pitchFamily="50" charset="-128"/>
-                <a:ea typeface="HGPｺﾞｼｯｸE" pitchFamily="50" charset="-128"/>
-                <a:cs typeface="+mn-cs"/>
+        </p:txBody>
+      </p:sp>
+      <p:sp>
+        <p:nvSpPr>
+          <p:cNvPr id="6" name="角丸四角形 5"/>
+          <p:cNvSpPr/>
+          <p:nvPr/>
+        </p:nvSpPr>
+        <p:spPr>
+          <a:xfrm>
+            <a:off x="323528" y="1196752"/>
+            <a:ext cx="5112568" cy="648072"/>
+          </a:xfrm>
+          <a:prstGeom prst="roundRect">
+            <a:avLst/>
+          </a:prstGeom>
+          <a:effectLst>
+            <a:outerShdw blurRad="50800" dist="38100" dir="5400000" algn="t" rotWithShape="0">
+              <a:prstClr val="black">
+                <a:alpha val="40000"/>
+              </a:prstClr>
+            </a:outerShdw>
+          </a:effectLst>
+          <a:scene3d>
+            <a:camera prst="orthographicFront"/>
+            <a:lightRig rig="threePt" dir="t"/>
+          </a:scene3d>
+          <a:sp3d>
+            <a:bevelT w="139700" prst="cross"/>
+          </a:sp3d>
+        </p:spPr>
+        <p:style>
+          <a:lnRef idx="1">
+            <a:schemeClr val="accent5"/>
+          </a:lnRef>
+          <a:fillRef idx="2">
+            <a:schemeClr val="accent5"/>
+          </a:fillRef>
+          <a:effectRef idx="1">
+            <a:schemeClr val="accent5"/>
+          </a:effectRef>
+          <a:fontRef idx="minor">
+            <a:schemeClr val="dk1"/>
+          </a:fontRef>
+        </p:style>
+        <p:txBody>
+          <a:bodyPr rtlCol="0" anchor="b"/>
+          <a:lstStyle/>
+          <a:p>
+            <a:pPr algn="ctr"/>
+            <a:r>
+              <a:rPr lang="en-US" altLang="ja-JP" sz="3200" b="1" dirty="0" smtClean="0">
+                <a:ea typeface="メイリオ" pitchFamily="50" charset="-128"/>
+                <a:cs typeface="メイリオ" pitchFamily="50" charset="-128"/>
               </a:rPr>
-              <a:t>	Bootstrap…Twitter</a:t>
-            </a:r>
-            <a:r>
-              <a:rPr kumimoji="1" lang="ja-JP" altLang="en-US" sz="3200" b="0" i="0" u="none" strike="noStrike" kern="1200" cap="none" spc="0" normalizeH="0" baseline="0" noProof="0" dirty="0" smtClean="0">
-                <a:ln>
-                  <a:noFill/>
-                </a:ln>
-                <a:solidFill>
-                  <a:schemeClr val="tx1"/>
-                </a:solidFill>
-                <a:effectLst/>
-                <a:uLnTx/>
-                <a:uFillTx/>
-                <a:latin typeface="HGPｺﾞｼｯｸE" pitchFamily="50" charset="-128"/>
-                <a:ea typeface="HGPｺﾞｼｯｸE" pitchFamily="50" charset="-128"/>
-                <a:cs typeface="+mn-cs"/>
+              <a:t>NetCommons</a:t>
+            </a:r>
+            <a:r>
+              <a:rPr lang="ja-JP" altLang="en-US" sz="3200" b="1" dirty="0" smtClean="0">
+                <a:ea typeface="メイリオ" pitchFamily="50" charset="-128"/>
+                <a:cs typeface="メイリオ" pitchFamily="50" charset="-128"/>
               </a:rPr>
-              <a:t>がオープンソースで開発。</a:t>
-            </a:r>
-            <a:endParaRPr kumimoji="1" lang="en-US" altLang="ja-JP" sz="3200" b="0" i="0" u="none" strike="noStrike" kern="1200" cap="none" spc="0" normalizeH="0" baseline="0" noProof="0" dirty="0" smtClean="0">
-              <a:ln>
-                <a:noFill/>
-              </a:ln>
-              <a:solidFill>
-                <a:schemeClr val="tx1"/>
-              </a:solidFill>
-              <a:effectLst/>
-              <a:uLnTx/>
-              <a:uFillTx/>
-              <a:latin typeface="HGPｺﾞｼｯｸE" pitchFamily="50" charset="-128"/>
-              <a:ea typeface="HGPｺﾞｼｯｸE" pitchFamily="50" charset="-128"/>
-              <a:cs typeface="+mn-cs"/>
-            </a:endParaRPr>
-          </a:p>
-          <a:p>
-            <a:pPr marL="342900" marR="0" lvl="0" indent="-342900" algn="l" defTabSz="914400" rtl="0" eaLnBrk="1" fontAlgn="auto" latinLnBrk="0" hangingPunct="1">
-              <a:lnSpc>
-                <a:spcPct val="100000"/>
-              </a:lnSpc>
-              <a:spcBef>
-                <a:spcPct val="20000"/>
-              </a:spcBef>
-              <a:spcAft>
-                <a:spcPts val="0"/>
-              </a:spcAft>
-              <a:buClrTx/>
-              <a:buSzTx/>
-              <a:buFont typeface="Arial" pitchFamily="34" charset="0"/>
-              <a:buNone/>
-              <a:tabLst/>
-              <a:defRPr/>
-            </a:pPr>
-            <a:r>
-              <a:rPr kumimoji="1" lang="en-US" altLang="ja-JP" sz="3200" b="0" i="0" u="none" strike="noStrike" kern="1200" cap="none" spc="0" normalizeH="0" baseline="0" noProof="0" dirty="0" smtClean="0">
-                <a:ln>
-                  <a:noFill/>
-                </a:ln>
-                <a:solidFill>
-                  <a:schemeClr val="tx1"/>
-                </a:solidFill>
-                <a:effectLst/>
-                <a:uLnTx/>
-                <a:uFillTx/>
-                <a:latin typeface="HGPｺﾞｼｯｸE" pitchFamily="50" charset="-128"/>
-                <a:ea typeface="HGPｺﾞｼｯｸE" pitchFamily="50" charset="-128"/>
-                <a:cs typeface="+mn-cs"/>
+              <a:t> </a:t>
+            </a:r>
+            <a:r>
+              <a:rPr lang="en-US" altLang="ja-JP" sz="3200" b="1" dirty="0" smtClean="0">
+                <a:ea typeface="メイリオ" pitchFamily="50" charset="-128"/>
+                <a:cs typeface="メイリオ" pitchFamily="50" charset="-128"/>
               </a:rPr>
-              <a:t>			</a:t>
-            </a:r>
-            <a:r>
-              <a:rPr kumimoji="1" lang="ja-JP" altLang="en-US" sz="3200" b="0" i="0" u="none" strike="noStrike" kern="1200" cap="none" spc="0" normalizeH="0" baseline="0" noProof="0" dirty="0" smtClean="0">
-                <a:ln>
-                  <a:noFill/>
-                </a:ln>
-                <a:solidFill>
-                  <a:schemeClr val="tx1"/>
-                </a:solidFill>
-                <a:effectLst/>
-                <a:uLnTx/>
-                <a:uFillTx/>
-                <a:latin typeface="HGPｺﾞｼｯｸE" pitchFamily="50" charset="-128"/>
-                <a:ea typeface="HGPｺﾞｼｯｸE" pitchFamily="50" charset="-128"/>
-                <a:cs typeface="+mn-cs"/>
-              </a:rPr>
-              <a:t>　　</a:t>
-            </a:r>
-            <a:r>
-              <a:rPr kumimoji="1" lang="en-US" altLang="ja-JP" sz="3200" b="0" i="0" u="none" strike="noStrike" kern="1200" cap="none" spc="0" normalizeH="0" baseline="0" noProof="0" dirty="0" smtClean="0">
-                <a:ln>
-                  <a:noFill/>
-                </a:ln>
-                <a:solidFill>
-                  <a:schemeClr val="tx1"/>
-                </a:solidFill>
-                <a:effectLst/>
-                <a:uLnTx/>
-                <a:uFillTx/>
-                <a:latin typeface="HGPｺﾞｼｯｸE" pitchFamily="50" charset="-128"/>
-                <a:ea typeface="HGPｺﾞｼｯｸE" pitchFamily="50" charset="-128"/>
-                <a:cs typeface="+mn-cs"/>
-              </a:rPr>
-              <a:t>Twitter</a:t>
-            </a:r>
-            <a:r>
-              <a:rPr kumimoji="1" lang="ja-JP" altLang="en-US" sz="3200" b="0" i="0" u="none" strike="noStrike" kern="1200" cap="none" spc="0" normalizeH="0" baseline="0" noProof="0" dirty="0" smtClean="0">
-                <a:ln>
-                  <a:noFill/>
-                </a:ln>
-                <a:solidFill>
-                  <a:schemeClr val="tx1"/>
-                </a:solidFill>
-                <a:effectLst/>
-                <a:uLnTx/>
-                <a:uFillTx/>
-                <a:latin typeface="HGPｺﾞｼｯｸE" pitchFamily="50" charset="-128"/>
-                <a:ea typeface="HGPｺﾞｼｯｸE" pitchFamily="50" charset="-128"/>
-                <a:cs typeface="+mn-cs"/>
-              </a:rPr>
-              <a:t>ライクなデザインができ、</a:t>
-            </a:r>
-            <a:endParaRPr kumimoji="1" lang="en-US" altLang="ja-JP" sz="3200" b="0" i="0" u="none" strike="noStrike" kern="1200" cap="none" spc="0" normalizeH="0" baseline="0" noProof="0" dirty="0" smtClean="0">
-              <a:ln>
-                <a:noFill/>
-              </a:ln>
-              <a:solidFill>
-                <a:schemeClr val="tx1"/>
-              </a:solidFill>
-              <a:effectLst/>
-              <a:uLnTx/>
-              <a:uFillTx/>
-              <a:latin typeface="HGPｺﾞｼｯｸE" pitchFamily="50" charset="-128"/>
-              <a:ea typeface="HGPｺﾞｼｯｸE" pitchFamily="50" charset="-128"/>
-              <a:cs typeface="+mn-cs"/>
-            </a:endParaRPr>
-          </a:p>
-          <a:p>
-            <a:pPr marL="342900" marR="0" lvl="0" indent="-342900" algn="l" defTabSz="914400" rtl="0" eaLnBrk="1" fontAlgn="auto" latinLnBrk="0" hangingPunct="1">
-              <a:lnSpc>
-                <a:spcPct val="100000"/>
-              </a:lnSpc>
-              <a:spcBef>
-                <a:spcPct val="20000"/>
-              </a:spcBef>
-              <a:spcAft>
-                <a:spcPts val="0"/>
-              </a:spcAft>
-              <a:buClrTx/>
-              <a:buSzTx/>
-              <a:buFont typeface="Arial" pitchFamily="34" charset="0"/>
-              <a:buNone/>
-              <a:tabLst/>
-              <a:defRPr/>
-            </a:pPr>
-            <a:r>
-              <a:rPr kumimoji="1" lang="en-US" altLang="ja-JP" sz="3200" b="0" i="0" u="none" strike="noStrike" kern="1200" cap="none" spc="0" normalizeH="0" baseline="0" noProof="0" dirty="0" smtClean="0">
-                <a:ln>
-                  <a:noFill/>
-                </a:ln>
-                <a:solidFill>
-                  <a:schemeClr val="tx1"/>
-                </a:solidFill>
-                <a:effectLst/>
-                <a:uLnTx/>
-                <a:uFillTx/>
-                <a:latin typeface="HGPｺﾞｼｯｸE" pitchFamily="50" charset="-128"/>
-                <a:ea typeface="HGPｺﾞｼｯｸE" pitchFamily="50" charset="-128"/>
-                <a:cs typeface="+mn-cs"/>
-              </a:rPr>
-              <a:t>			</a:t>
-            </a:r>
-            <a:r>
-              <a:rPr kumimoji="1" lang="ja-JP" altLang="en-US" sz="3200" b="0" i="0" u="none" strike="noStrike" kern="1200" cap="none" spc="0" normalizeH="0" baseline="0" noProof="0" dirty="0" smtClean="0">
-                <a:ln>
-                  <a:noFill/>
-                </a:ln>
-                <a:solidFill>
-                  <a:schemeClr val="tx1"/>
-                </a:solidFill>
-                <a:effectLst/>
-                <a:uLnTx/>
-                <a:uFillTx/>
-                <a:latin typeface="HGPｺﾞｼｯｸE" pitchFamily="50" charset="-128"/>
-                <a:ea typeface="HGPｺﾞｼｯｸE" pitchFamily="50" charset="-128"/>
-                <a:cs typeface="+mn-cs"/>
-              </a:rPr>
-              <a:t>　　レスポンシブデザインを実現する。</a:t>
-            </a:r>
-            <a:endParaRPr kumimoji="1" lang="ja-JP" altLang="en-US" sz="3200" b="0" i="0" u="none" strike="noStrike" kern="1200" cap="none" spc="0" normalizeH="0" baseline="0" noProof="0" dirty="0">
-              <a:ln>
-                <a:noFill/>
-              </a:ln>
-              <a:solidFill>
-                <a:schemeClr val="tx1"/>
-              </a:solidFill>
-              <a:effectLst/>
-              <a:uLnTx/>
-              <a:uFillTx/>
-              <a:latin typeface="HGPｺﾞｼｯｸE" pitchFamily="50" charset="-128"/>
-              <a:ea typeface="HGPｺﾞｼｯｸE" pitchFamily="50" charset="-128"/>
-              <a:cs typeface="+mn-cs"/>
+              <a:t>version 3</a:t>
+            </a:r>
+            <a:endParaRPr kumimoji="1" lang="ja-JP" altLang="en-US" sz="3200" b="1" dirty="0">
+              <a:ea typeface="メイリオ" pitchFamily="50" charset="-128"/>
+              <a:cs typeface="メイリオ" pitchFamily="50" charset="-128"/>
             </a:endParaRPr>
           </a:p>
         </p:txBody>
@@ -35476,6 +38986,33 @@
       </p:grpSpPr>
       <p:sp>
         <p:nvSpPr>
+          <p:cNvPr id="2" name="タイトル 1"/>
+          <p:cNvSpPr>
+            <a:spLocks noGrp="1"/>
+          </p:cNvSpPr>
+          <p:nvPr>
+            <p:ph type="title"/>
+          </p:nvPr>
+        </p:nvSpPr>
+        <p:spPr/>
+        <p:txBody>
+          <a:bodyPr/>
+          <a:lstStyle/>
+          <a:p>
+            <a:r>
+              <a:rPr kumimoji="1" lang="en-US" altLang="ja-JP" dirty="0" smtClean="0"/>
+              <a:t>1.2 NC2</a:t>
+            </a:r>
+            <a:r>
+              <a:rPr kumimoji="1" lang="ja-JP" altLang="en-US" dirty="0" smtClean="0"/>
+              <a:t>との主な相違点</a:t>
+            </a:r>
+            <a:endParaRPr kumimoji="1" lang="ja-JP" altLang="en-US" dirty="0"/>
+          </a:p>
+        </p:txBody>
+      </p:sp>
+      <p:sp>
+        <p:nvSpPr>
           <p:cNvPr id="4" name="スライド番号プレースホルダ 3"/>
           <p:cNvSpPr>
             <a:spLocks noGrp="1"/>
@@ -35490,175 +39027,17 @@
           <a:lstStyle/>
           <a:p>
             <a:fld id="{D2D8002D-B5B0-4BAC-B1F6-782DDCCE6D9C}" type="slidenum">
-              <a:rPr kumimoji="1" lang="ja-JP" altLang="en-US" smtClean="0"/>
+              <a:rPr lang="ja-JP" altLang="en-US" smtClean="0"/>
               <a:pPr/>
               <a:t>9</a:t>
             </a:fld>
-            <a:endParaRPr kumimoji="1" lang="ja-JP" altLang="en-US" dirty="0"/>
+            <a:endParaRPr lang="ja-JP" altLang="en-US" dirty="0"/>
           </a:p>
         </p:txBody>
       </p:sp>
       <p:sp>
         <p:nvSpPr>
-          <p:cNvPr id="5" name="タイトル 1"/>
-          <p:cNvSpPr>
-            <a:spLocks noGrp="1"/>
-          </p:cNvSpPr>
-          <p:nvPr>
-            <p:ph type="title"/>
-          </p:nvPr>
-        </p:nvSpPr>
-        <p:spPr>
-          <a:xfrm>
-            <a:off x="457200" y="274638"/>
-            <a:ext cx="8229600" cy="1143000"/>
-          </a:xfrm>
-        </p:spPr>
-        <p:txBody>
-          <a:bodyPr/>
-          <a:lstStyle/>
-          <a:p>
-            <a:r>
-              <a:rPr lang="ja-JP" altLang="en-US" dirty="0" smtClean="0"/>
-              <a:t>インフラツール変更による効果</a:t>
-            </a:r>
-            <a:endParaRPr kumimoji="1" lang="ja-JP" altLang="en-US" dirty="0"/>
-          </a:p>
-        </p:txBody>
-      </p:sp>
-      <p:sp>
-        <p:nvSpPr>
-          <p:cNvPr id="6" name="コンテンツ プレースホルダ 2"/>
-          <p:cNvSpPr>
-            <a:spLocks noGrp="1"/>
-          </p:cNvSpPr>
-          <p:nvPr>
-            <p:ph idx="1"/>
-          </p:nvPr>
-        </p:nvSpPr>
-        <p:spPr>
-          <a:xfrm>
-            <a:off x="457200" y="1600201"/>
-            <a:ext cx="8229600" cy="2620888"/>
-          </a:xfrm>
-        </p:spPr>
-        <p:txBody>
-          <a:bodyPr/>
-          <a:lstStyle/>
-          <a:p>
-            <a:r>
-              <a:rPr kumimoji="1" lang="en-US" altLang="ja-JP" dirty="0" smtClean="0"/>
-              <a:t>CI</a:t>
-            </a:r>
-            <a:r>
-              <a:rPr lang="ja-JP" altLang="en-US" dirty="0" smtClean="0"/>
-              <a:t>ツールの採用</a:t>
-            </a:r>
-            <a:endParaRPr kumimoji="1" lang="en-US" altLang="ja-JP" dirty="0" smtClean="0"/>
-          </a:p>
-          <a:p>
-            <a:pPr>
-              <a:buNone/>
-            </a:pPr>
-            <a:r>
-              <a:rPr lang="en-US" altLang="ja-JP" dirty="0" smtClean="0"/>
-              <a:t>	GitHub(</a:t>
-            </a:r>
-            <a:r>
-              <a:rPr lang="ja-JP" altLang="en-US" dirty="0" smtClean="0"/>
-              <a:t>ネットワーク上にあるレポジトリ</a:t>
-            </a:r>
-            <a:r>
-              <a:rPr lang="en-US" altLang="ja-JP" dirty="0" smtClean="0"/>
-              <a:t>)</a:t>
-            </a:r>
-            <a:r>
-              <a:rPr lang="ja-JP" altLang="en-US" dirty="0" smtClean="0"/>
-              <a:t>と連携し、コミットを取得して予め設定した通りに自動でテストを実行する。</a:t>
-            </a:r>
-            <a:endParaRPr kumimoji="1" lang="en-US" altLang="ja-JP" dirty="0" smtClean="0"/>
-          </a:p>
-          <a:p>
-            <a:pPr>
-              <a:buNone/>
-            </a:pPr>
-            <a:endParaRPr lang="en-US" altLang="ja-JP" dirty="0" smtClean="0"/>
-          </a:p>
-          <a:p>
-            <a:pPr>
-              <a:buNone/>
-            </a:pPr>
-            <a:endParaRPr kumimoji="1" lang="ja-JP" altLang="en-US" dirty="0"/>
-          </a:p>
-        </p:txBody>
-      </p:sp>
-      <p:pic>
-        <p:nvPicPr>
-          <p:cNvPr id="7" name="Picture 2"/>
-          <p:cNvPicPr>
-            <a:picLocks noChangeAspect="1" noChangeArrowheads="1"/>
-          </p:cNvPicPr>
-          <p:nvPr/>
-        </p:nvPicPr>
-        <p:blipFill>
-          <a:blip r:embed="rId2" cstate="print"/>
-          <a:srcRect/>
-          <a:stretch>
-            <a:fillRect/>
-          </a:stretch>
-        </p:blipFill>
-        <p:spPr bwMode="auto">
-          <a:xfrm>
-            <a:off x="2411760" y="4221088"/>
-            <a:ext cx="1407577" cy="296332"/>
-          </a:xfrm>
-          <a:prstGeom prst="rect">
-            <a:avLst/>
-          </a:prstGeom>
-          <a:noFill/>
-          <a:ln w="9525">
-            <a:noFill/>
-            <a:miter lim="800000"/>
-            <a:headEnd/>
-            <a:tailEnd/>
-          </a:ln>
-        </p:spPr>
-      </p:pic>
-      <p:pic>
-        <p:nvPicPr>
-          <p:cNvPr id="10" name="Picture 5"/>
-          <p:cNvPicPr>
-            <a:picLocks noChangeAspect="1" noChangeArrowheads="1"/>
-          </p:cNvPicPr>
-          <p:nvPr/>
-        </p:nvPicPr>
-        <p:blipFill>
-          <a:blip r:embed="rId3" cstate="print"/>
-          <a:srcRect/>
-          <a:stretch>
-            <a:fillRect/>
-          </a:stretch>
-        </p:blipFill>
-        <p:spPr bwMode="auto">
-          <a:xfrm>
-            <a:off x="4860032" y="4221088"/>
-            <a:ext cx="1344149" cy="312593"/>
-          </a:xfrm>
-          <a:prstGeom prst="rect">
-            <a:avLst/>
-          </a:prstGeom>
-          <a:noFill/>
-          <a:ln w="9525">
-            <a:noFill/>
-            <a:miter lim="800000"/>
-            <a:headEnd/>
-            <a:tailEnd/>
-          </a:ln>
-        </p:spPr>
-      </p:pic>
-      <p:sp>
-        <p:nvSpPr>
-          <p:cNvPr id="11" name="コンテンツ プレースホルダ 2"/>
+          <p:cNvPr id="5" name="コンテンツ プレースホルダ 5"/>
           <p:cNvSpPr txBox="1">
             <a:spLocks/>
           </p:cNvSpPr>
@@ -35666,8 +39045,8 @@
         </p:nvSpPr>
         <p:spPr>
           <a:xfrm>
-            <a:off x="395536" y="5013176"/>
-            <a:ext cx="8229600" cy="1684784"/>
+            <a:off x="0" y="0"/>
+            <a:ext cx="9144000" cy="332656"/>
           </a:xfrm>
           <a:prstGeom prst="rect">
             <a:avLst/>
@@ -35675,11 +39054,11 @@
         </p:spPr>
         <p:txBody>
           <a:bodyPr vert="horz" lIns="91440" tIns="45720" rIns="91440" bIns="45720" rtlCol="0">
-            <a:normAutofit fontScale="92500" lnSpcReduction="10000"/>
+            <a:noAutofit/>
           </a:bodyPr>
           <a:lstStyle/>
           <a:p>
-            <a:pPr marL="342900" marR="0" lvl="0" indent="-342900" algn="l" defTabSz="914400" rtl="0" eaLnBrk="1" fontAlgn="auto" latinLnBrk="0" hangingPunct="1">
+            <a:pPr marL="514350" marR="0" lvl="0" indent="-514350" algn="l" defTabSz="914400" rtl="0" eaLnBrk="1" fontAlgn="auto" latinLnBrk="0" hangingPunct="1">
               <a:lnSpc>
                 <a:spcPct val="100000"/>
               </a:lnSpc>
@@ -35691,13 +39070,13 @@
               </a:spcAft>
               <a:buClrTx/>
               <a:buSzTx/>
-              <a:buFont typeface="HGPｺﾞｼｯｸE" pitchFamily="50" charset="-128"/>
-              <a:buChar char="※"/>
+              <a:buFont typeface="+mj-lt"/>
+              <a:buAutoNum type="arabicPeriod"/>
               <a:tabLst/>
               <a:defRPr/>
             </a:pPr>
             <a:r>
-              <a:rPr kumimoji="1" lang="en-US" altLang="ja-JP" sz="2800" b="0" i="0" u="none" strike="noStrike" kern="1200" cap="none" spc="0" normalizeH="0" baseline="0" noProof="0" dirty="0" smtClean="0">
+              <a:rPr kumimoji="1" lang="en-US" altLang="ja-JP" sz="1600" b="1" i="0" u="none" strike="noStrike" kern="1200" cap="none" spc="0" normalizeH="0" baseline="0" noProof="0" dirty="0" smtClean="0">
                 <a:ln>
                   <a:noFill/>
                 </a:ln>
@@ -35707,14 +39086,14 @@
                 <a:effectLst/>
                 <a:uLnTx/>
                 <a:uFillTx/>
-                <a:latin typeface="HGPｺﾞｼｯｸE" pitchFamily="50" charset="-128"/>
-                <a:ea typeface="HGPｺﾞｼｯｸE" pitchFamily="50" charset="-128"/>
-                <a:cs typeface="+mn-cs"/>
+                <a:latin typeface="メイリオ" pitchFamily="50" charset="-128"/>
+                <a:ea typeface="メイリオ" pitchFamily="50" charset="-128"/>
+                <a:cs typeface="メイリオ" pitchFamily="50" charset="-128"/>
               </a:rPr>
-              <a:t>CI(</a:t>
-            </a:r>
-            <a:r>
-              <a:rPr kumimoji="1" lang="ja-JP" altLang="en-US" sz="2800" b="0" i="0" u="none" strike="noStrike" kern="1200" cap="none" spc="0" normalizeH="0" baseline="0" noProof="0" dirty="0" smtClean="0">
+              <a:t>NetCommons3</a:t>
+            </a:r>
+            <a:r>
+              <a:rPr kumimoji="1" lang="ja-JP" altLang="en-US" sz="1600" b="1" i="0" u="none" strike="noStrike" kern="1200" cap="none" spc="0" normalizeH="0" baseline="0" noProof="0" dirty="0" smtClean="0">
                 <a:ln>
                   <a:noFill/>
                 </a:ln>
@@ -35724,229 +39103,317 @@
                 <a:effectLst/>
                 <a:uLnTx/>
                 <a:uFillTx/>
-                <a:latin typeface="HGPｺﾞｼｯｸE" pitchFamily="50" charset="-128"/>
-                <a:ea typeface="HGPｺﾞｼｯｸE" pitchFamily="50" charset="-128"/>
-                <a:cs typeface="+mn-cs"/>
+                <a:latin typeface="メイリオ" pitchFamily="50" charset="-128"/>
+                <a:ea typeface="メイリオ" pitchFamily="50" charset="-128"/>
+                <a:cs typeface="メイリオ" pitchFamily="50" charset="-128"/>
               </a:rPr>
-              <a:t>継続的インテグレーション</a:t>
-            </a:r>
-            <a:r>
-              <a:rPr kumimoji="1" lang="en-US" altLang="ja-JP" sz="2800" b="0" i="0" u="none" strike="noStrike" kern="1200" cap="none" spc="0" normalizeH="0" baseline="0" noProof="0" dirty="0" smtClean="0">
-                <a:ln>
-                  <a:noFill/>
-                </a:ln>
-                <a:solidFill>
-                  <a:schemeClr val="tx1"/>
-                </a:solidFill>
-                <a:effectLst/>
-                <a:uLnTx/>
-                <a:uFillTx/>
-                <a:latin typeface="HGPｺﾞｼｯｸE" pitchFamily="50" charset="-128"/>
-                <a:ea typeface="HGPｺﾞｼｯｸE" pitchFamily="50" charset="-128"/>
-                <a:cs typeface="+mn-cs"/>
-              </a:rPr>
-              <a:t>)</a:t>
-            </a:r>
-            <a:r>
-              <a:rPr kumimoji="1" lang="ja-JP" altLang="en-US" sz="2800" b="0" i="0" u="none" strike="noStrike" kern="1200" cap="none" spc="0" normalizeH="0" baseline="0" noProof="0" dirty="0" smtClean="0">
-                <a:ln>
-                  <a:noFill/>
-                </a:ln>
-                <a:solidFill>
-                  <a:schemeClr val="tx1"/>
-                </a:solidFill>
-                <a:effectLst/>
-                <a:uLnTx/>
-                <a:uFillTx/>
-                <a:latin typeface="HGPｺﾞｼｯｸE" pitchFamily="50" charset="-128"/>
-                <a:ea typeface="HGPｺﾞｼｯｸE" pitchFamily="50" charset="-128"/>
-                <a:cs typeface="+mn-cs"/>
-              </a:rPr>
-              <a:t>とは</a:t>
-            </a:r>
-            <a:endParaRPr kumimoji="1" lang="en-US" altLang="ja-JP" sz="2800" b="0" i="0" u="none" strike="noStrike" kern="1200" cap="none" spc="0" normalizeH="0" baseline="0" noProof="0" dirty="0" smtClean="0">
+              <a:t>プロジェクト</a:t>
+            </a:r>
+            <a:endParaRPr kumimoji="1" lang="en-US" altLang="ja-JP" sz="1100" b="1" i="0" u="none" strike="noStrike" kern="1200" cap="none" spc="0" normalizeH="0" baseline="0" noProof="0" dirty="0" smtClean="0">
               <a:ln>
                 <a:noFill/>
               </a:ln>
               <a:solidFill>
-                <a:schemeClr val="tx1"/>
+                <a:schemeClr val="bg1">
+                  <a:lumMod val="75000"/>
+                </a:schemeClr>
               </a:solidFill>
               <a:effectLst/>
               <a:uLnTx/>
               <a:uFillTx/>
-              <a:latin typeface="HGPｺﾞｼｯｸE" pitchFamily="50" charset="-128"/>
-              <a:ea typeface="HGPｺﾞｼｯｸE" pitchFamily="50" charset="-128"/>
-              <a:cs typeface="+mn-cs"/>
+              <a:latin typeface="メイリオ" pitchFamily="50" charset="-128"/>
+              <a:ea typeface="メイリオ" pitchFamily="50" charset="-128"/>
+              <a:cs typeface="メイリオ" pitchFamily="50" charset="-128"/>
             </a:endParaRPr>
           </a:p>
-          <a:p>
-            <a:pPr marL="342900" marR="0" lvl="0" indent="-342900" algn="l" defTabSz="914400" rtl="0" eaLnBrk="1" fontAlgn="auto" latinLnBrk="0" hangingPunct="1">
-              <a:lnSpc>
-                <a:spcPct val="100000"/>
-              </a:lnSpc>
-              <a:spcBef>
-                <a:spcPct val="20000"/>
-              </a:spcBef>
-              <a:spcAft>
-                <a:spcPts val="0"/>
-              </a:spcAft>
-              <a:buClrTx/>
-              <a:buSzTx/>
-              <a:tabLst/>
-              <a:defRPr/>
-            </a:pPr>
-            <a:r>
-              <a:rPr lang="en-US" altLang="ja-JP" sz="2800" dirty="0" smtClean="0">
-                <a:latin typeface="HGPｺﾞｼｯｸE" pitchFamily="50" charset="-128"/>
-                <a:ea typeface="HGPｺﾞｼｯｸE" pitchFamily="50" charset="-128"/>
+        </p:txBody>
+      </p:sp>
+      <p:sp>
+        <p:nvSpPr>
+          <p:cNvPr id="6" name="角丸四角形 5"/>
+          <p:cNvSpPr/>
+          <p:nvPr/>
+        </p:nvSpPr>
+        <p:spPr>
+          <a:xfrm>
+            <a:off x="827584" y="1700808"/>
+            <a:ext cx="5112568" cy="720080"/>
+          </a:xfrm>
+          <a:prstGeom prst="roundRect">
+            <a:avLst/>
+          </a:prstGeom>
+          <a:effectLst>
+            <a:outerShdw blurRad="50800" dist="38100" dir="5400000" algn="t" rotWithShape="0">
+              <a:prstClr val="black">
+                <a:alpha val="40000"/>
+              </a:prstClr>
+            </a:outerShdw>
+          </a:effectLst>
+          <a:scene3d>
+            <a:camera prst="orthographicFront"/>
+            <a:lightRig rig="threePt" dir="t"/>
+          </a:scene3d>
+          <a:sp3d>
+            <a:bevelT w="139700" prst="cross"/>
+          </a:sp3d>
+        </p:spPr>
+        <p:style>
+          <a:lnRef idx="1">
+            <a:schemeClr val="accent5"/>
+          </a:lnRef>
+          <a:fillRef idx="2">
+            <a:schemeClr val="accent5"/>
+          </a:fillRef>
+          <a:effectRef idx="1">
+            <a:schemeClr val="accent5"/>
+          </a:effectRef>
+          <a:fontRef idx="minor">
+            <a:schemeClr val="dk1"/>
+          </a:fontRef>
+        </p:style>
+        <p:txBody>
+          <a:bodyPr rtlCol="0" anchor="b"/>
+          <a:lstStyle/>
+          <a:p>
+            <a:pPr algn="ctr"/>
+            <a:r>
+              <a:rPr lang="en-US" altLang="ja-JP" sz="3200" b="1" dirty="0" smtClean="0">
+                <a:ea typeface="メイリオ" pitchFamily="50" charset="-128"/>
+                <a:cs typeface="メイリオ" pitchFamily="50" charset="-128"/>
               </a:rPr>
-              <a:t>	XP(</a:t>
-            </a:r>
-            <a:r>
-              <a:rPr lang="ja-JP" altLang="en-US" sz="2800" dirty="0" smtClean="0">
-                <a:latin typeface="HGPｺﾞｼｯｸE" pitchFamily="50" charset="-128"/>
-                <a:ea typeface="HGPｺﾞｼｯｸE" pitchFamily="50" charset="-128"/>
+              <a:t>PHP</a:t>
+            </a:r>
+            <a:r>
+              <a:rPr lang="ja-JP" altLang="en-US" sz="3200" b="1" dirty="0" smtClean="0">
+                <a:ea typeface="メイリオ" pitchFamily="50" charset="-128"/>
+                <a:cs typeface="メイリオ" pitchFamily="50" charset="-128"/>
               </a:rPr>
-              <a:t>エクストリームプログラミング</a:t>
-            </a:r>
-            <a:r>
-              <a:rPr lang="en-US" altLang="ja-JP" sz="2800" dirty="0" smtClean="0">
-                <a:latin typeface="HGPｺﾞｼｯｸE" pitchFamily="50" charset="-128"/>
-                <a:ea typeface="HGPｺﾞｼｯｸE" pitchFamily="50" charset="-128"/>
+              <a:t>フレームワーク変更</a:t>
+            </a:r>
+            <a:endParaRPr kumimoji="1" lang="ja-JP" altLang="en-US" sz="3200" b="1" dirty="0">
+              <a:ea typeface="メイリオ" pitchFamily="50" charset="-128"/>
+              <a:cs typeface="メイリオ" pitchFamily="50" charset="-128"/>
+            </a:endParaRPr>
+          </a:p>
+        </p:txBody>
+      </p:sp>
+      <p:sp>
+        <p:nvSpPr>
+          <p:cNvPr id="8" name="角丸四角形 7"/>
+          <p:cNvSpPr/>
+          <p:nvPr/>
+        </p:nvSpPr>
+        <p:spPr>
+          <a:xfrm>
+            <a:off x="2627784" y="2852936"/>
+            <a:ext cx="6048672" cy="792088"/>
+          </a:xfrm>
+          <a:prstGeom prst="roundRect">
+            <a:avLst/>
+          </a:prstGeom>
+          <a:effectLst>
+            <a:outerShdw blurRad="50800" dist="38100" dir="5400000" algn="t" rotWithShape="0">
+              <a:prstClr val="black">
+                <a:alpha val="40000"/>
+              </a:prstClr>
+            </a:outerShdw>
+          </a:effectLst>
+          <a:scene3d>
+            <a:camera prst="orthographicFront"/>
+            <a:lightRig rig="threePt" dir="t"/>
+          </a:scene3d>
+          <a:sp3d>
+            <a:bevelT w="139700" prst="cross"/>
+          </a:sp3d>
+        </p:spPr>
+        <p:style>
+          <a:lnRef idx="1">
+            <a:schemeClr val="accent2"/>
+          </a:lnRef>
+          <a:fillRef idx="2">
+            <a:schemeClr val="accent2"/>
+          </a:fillRef>
+          <a:effectRef idx="1">
+            <a:schemeClr val="accent2"/>
+          </a:effectRef>
+          <a:fontRef idx="minor">
+            <a:schemeClr val="dk1"/>
+          </a:fontRef>
+        </p:style>
+        <p:txBody>
+          <a:bodyPr rtlCol="0" anchor="b"/>
+          <a:lstStyle/>
+          <a:p>
+            <a:pPr algn="ctr"/>
+            <a:r>
+              <a:rPr lang="en-US" altLang="ja-JP" sz="3200" b="1" dirty="0" smtClean="0">
+                <a:ea typeface="メイリオ" pitchFamily="50" charset="-128"/>
+                <a:cs typeface="メイリオ" pitchFamily="50" charset="-128"/>
               </a:rPr>
-              <a:t>)</a:t>
-            </a:r>
-            <a:r>
-              <a:rPr lang="ja-JP" altLang="en-US" sz="2800" dirty="0" smtClean="0">
-                <a:latin typeface="HGPｺﾞｼｯｸE" pitchFamily="50" charset="-128"/>
-                <a:ea typeface="HGPｺﾞｼｯｸE" pitchFamily="50" charset="-128"/>
+              <a:t>Javascript</a:t>
+            </a:r>
+            <a:r>
+              <a:rPr lang="ja-JP" altLang="en-US" sz="3200" b="1" dirty="0" smtClean="0">
+                <a:ea typeface="メイリオ" pitchFamily="50" charset="-128"/>
+                <a:cs typeface="メイリオ" pitchFamily="50" charset="-128"/>
               </a:rPr>
-              <a:t>のプラクティスの一つでビルドやテスト等を継続的に実行していくことを示す。</a:t>
-            </a:r>
-            <a:endParaRPr lang="en-US" altLang="ja-JP" sz="2800" dirty="0" smtClean="0">
-              <a:latin typeface="HGPｺﾞｼｯｸE" pitchFamily="50" charset="-128"/>
-              <a:ea typeface="HGPｺﾞｼｯｸE" pitchFamily="50" charset="-128"/>
+              <a:t>フレームワーク</a:t>
+            </a:r>
+            <a:r>
+              <a:rPr lang="ja-JP" altLang="en-US" sz="3200" b="1" dirty="0" smtClean="0">
+                <a:ea typeface="メイリオ" pitchFamily="50" charset="-128"/>
+                <a:cs typeface="メイリオ" pitchFamily="50" charset="-128"/>
+              </a:rPr>
+              <a:t>採用</a:t>
+            </a:r>
+            <a:endParaRPr kumimoji="1" lang="ja-JP" altLang="en-US" sz="3200" b="1" dirty="0">
+              <a:ea typeface="メイリオ" pitchFamily="50" charset="-128"/>
+              <a:cs typeface="メイリオ" pitchFamily="50" charset="-128"/>
             </a:endParaRPr>
           </a:p>
-          <a:p>
-            <a:pPr marL="342900" marR="0" lvl="0" indent="-342900" algn="l" defTabSz="914400" rtl="0" eaLnBrk="1" fontAlgn="auto" latinLnBrk="0" hangingPunct="1">
-              <a:lnSpc>
-                <a:spcPct val="100000"/>
-              </a:lnSpc>
-              <a:spcBef>
-                <a:spcPct val="20000"/>
-              </a:spcBef>
-              <a:spcAft>
-                <a:spcPts val="0"/>
-              </a:spcAft>
-              <a:buClrTx/>
-              <a:buSzTx/>
-              <a:tabLst/>
-              <a:defRPr/>
-            </a:pPr>
-            <a:r>
-              <a:rPr kumimoji="1" lang="en-US" altLang="ja-JP" sz="2800" b="0" i="0" u="none" strike="noStrike" kern="1200" cap="none" spc="0" normalizeH="0" baseline="0" noProof="0" dirty="0" smtClean="0">
-                <a:ln>
-                  <a:noFill/>
-                </a:ln>
-                <a:solidFill>
-                  <a:schemeClr val="tx1"/>
-                </a:solidFill>
-                <a:effectLst/>
-                <a:uLnTx/>
-                <a:uFillTx/>
-                <a:latin typeface="HGPｺﾞｼｯｸE" pitchFamily="50" charset="-128"/>
-                <a:ea typeface="HGPｺﾞｼｯｸE" pitchFamily="50" charset="-128"/>
-                <a:cs typeface="+mn-cs"/>
+        </p:txBody>
+      </p:sp>
+      <p:sp>
+        <p:nvSpPr>
+          <p:cNvPr id="9" name="角丸四角形 8"/>
+          <p:cNvSpPr/>
+          <p:nvPr/>
+        </p:nvSpPr>
+        <p:spPr>
+          <a:xfrm>
+            <a:off x="899592" y="4149080"/>
+            <a:ext cx="4896544" cy="792088"/>
+          </a:xfrm>
+          <a:prstGeom prst="roundRect">
+            <a:avLst/>
+          </a:prstGeom>
+          <a:effectLst>
+            <a:outerShdw blurRad="50800" dist="38100" dir="5400000" algn="t" rotWithShape="0">
+              <a:prstClr val="black">
+                <a:alpha val="40000"/>
+              </a:prstClr>
+            </a:outerShdw>
+          </a:effectLst>
+          <a:scene3d>
+            <a:camera prst="orthographicFront"/>
+            <a:lightRig rig="threePt" dir="t"/>
+          </a:scene3d>
+          <a:sp3d>
+            <a:bevelT w="139700" prst="cross"/>
+          </a:sp3d>
+        </p:spPr>
+        <p:style>
+          <a:lnRef idx="1">
+            <a:schemeClr val="accent6"/>
+          </a:lnRef>
+          <a:fillRef idx="2">
+            <a:schemeClr val="accent6"/>
+          </a:fillRef>
+          <a:effectRef idx="1">
+            <a:schemeClr val="accent6"/>
+          </a:effectRef>
+          <a:fontRef idx="minor">
+            <a:schemeClr val="dk1"/>
+          </a:fontRef>
+        </p:style>
+        <p:txBody>
+          <a:bodyPr rtlCol="0" anchor="b"/>
+          <a:lstStyle/>
+          <a:p>
+            <a:pPr algn="ctr"/>
+            <a:r>
+              <a:rPr lang="en-US" altLang="ja-JP" sz="3200" b="1" dirty="0" smtClean="0">
+                <a:ea typeface="メイリオ" pitchFamily="50" charset="-128"/>
+                <a:cs typeface="メイリオ" pitchFamily="50" charset="-128"/>
               </a:rPr>
-              <a:t>	</a:t>
-            </a:r>
-            <a:r>
-              <a:rPr kumimoji="1" lang="ja-JP" altLang="en-US" sz="2800" b="0" i="0" u="none" strike="noStrike" kern="1200" cap="none" spc="0" normalizeH="0" baseline="0" noProof="0" dirty="0" smtClean="0">
-                <a:ln>
-                  <a:noFill/>
-                </a:ln>
-                <a:solidFill>
-                  <a:schemeClr val="tx1"/>
-                </a:solidFill>
-                <a:effectLst/>
-                <a:uLnTx/>
-                <a:uFillTx/>
-                <a:latin typeface="HGPｺﾞｼｯｸE" pitchFamily="50" charset="-128"/>
-                <a:ea typeface="HGPｺﾞｼｯｸE" pitchFamily="50" charset="-128"/>
-                <a:cs typeface="+mn-cs"/>
+              <a:t>CSS</a:t>
+            </a:r>
+            <a:r>
+              <a:rPr lang="ja-JP" altLang="en-US" sz="3200" b="1" dirty="0" smtClean="0">
+                <a:ea typeface="メイリオ" pitchFamily="50" charset="-128"/>
+                <a:cs typeface="メイリオ" pitchFamily="50" charset="-128"/>
               </a:rPr>
-              <a:t>これにより、品質向上や納期短縮が図れる。</a:t>
-            </a:r>
-            <a:endParaRPr kumimoji="1" lang="en-US" altLang="ja-JP" sz="2800" b="0" i="0" u="none" strike="noStrike" kern="1200" cap="none" spc="0" normalizeH="0" baseline="0" noProof="0" dirty="0" smtClean="0">
-              <a:ln>
-                <a:noFill/>
-              </a:ln>
-              <a:solidFill>
-                <a:schemeClr val="tx1"/>
-              </a:solidFill>
-              <a:effectLst/>
-              <a:uLnTx/>
-              <a:uFillTx/>
-              <a:latin typeface="HGPｺﾞｼｯｸE" pitchFamily="50" charset="-128"/>
-              <a:ea typeface="HGPｺﾞｼｯｸE" pitchFamily="50" charset="-128"/>
-              <a:cs typeface="+mn-cs"/>
+              <a:t>フレームワーク</a:t>
+            </a:r>
+            <a:r>
+              <a:rPr lang="ja-JP" altLang="en-US" sz="3200" b="1" dirty="0" smtClean="0">
+                <a:ea typeface="メイリオ" pitchFamily="50" charset="-128"/>
+                <a:cs typeface="メイリオ" pitchFamily="50" charset="-128"/>
+              </a:rPr>
+              <a:t>採用</a:t>
+            </a:r>
+            <a:endParaRPr kumimoji="1" lang="ja-JP" altLang="en-US" sz="3200" b="1" dirty="0">
+              <a:ea typeface="メイリオ" pitchFamily="50" charset="-128"/>
+              <a:cs typeface="メイリオ" pitchFamily="50" charset="-128"/>
             </a:endParaRPr>
           </a:p>
-          <a:p>
-            <a:pPr marL="342900" marR="0" lvl="0" indent="-342900" algn="l" defTabSz="914400" rtl="0" eaLnBrk="1" fontAlgn="auto" latinLnBrk="0" hangingPunct="1">
-              <a:lnSpc>
-                <a:spcPct val="100000"/>
-              </a:lnSpc>
-              <a:spcBef>
-                <a:spcPct val="20000"/>
-              </a:spcBef>
-              <a:spcAft>
-                <a:spcPts val="0"/>
-              </a:spcAft>
-              <a:buClrTx/>
-              <a:buSzTx/>
-              <a:buFont typeface="Arial" pitchFamily="34" charset="0"/>
-              <a:buNone/>
-              <a:tabLst/>
-              <a:defRPr/>
-            </a:pPr>
-            <a:endParaRPr lang="en-US" altLang="ja-JP" sz="2800" dirty="0" smtClean="0">
-              <a:latin typeface="HGPｺﾞｼｯｸE" pitchFamily="50" charset="-128"/>
-              <a:ea typeface="HGPｺﾞｼｯｸE" pitchFamily="50" charset="-128"/>
-            </a:endParaRPr>
-          </a:p>
-          <a:p>
-            <a:pPr marL="342900" marR="0" lvl="0" indent="-342900" algn="l" defTabSz="914400" rtl="0" eaLnBrk="1" fontAlgn="auto" latinLnBrk="0" hangingPunct="1">
-              <a:lnSpc>
-                <a:spcPct val="100000"/>
-              </a:lnSpc>
-              <a:spcBef>
-                <a:spcPct val="20000"/>
-              </a:spcBef>
-              <a:spcAft>
-                <a:spcPts val="0"/>
-              </a:spcAft>
-              <a:buClrTx/>
-              <a:buSzTx/>
-              <a:buFont typeface="Arial" pitchFamily="34" charset="0"/>
-              <a:buNone/>
-              <a:tabLst/>
-              <a:defRPr/>
-            </a:pPr>
-            <a:endParaRPr kumimoji="1" lang="ja-JP" altLang="en-US" sz="2800" b="0" i="0" u="none" strike="noStrike" kern="1200" cap="none" spc="0" normalizeH="0" baseline="0" noProof="0" dirty="0">
-              <a:ln>
-                <a:noFill/>
-              </a:ln>
-              <a:solidFill>
-                <a:schemeClr val="tx1"/>
-              </a:solidFill>
-              <a:effectLst/>
-              <a:uLnTx/>
-              <a:uFillTx/>
-              <a:latin typeface="HGPｺﾞｼｯｸE" pitchFamily="50" charset="-128"/>
-              <a:ea typeface="HGPｺﾞｼｯｸE" pitchFamily="50" charset="-128"/>
-              <a:cs typeface="+mn-cs"/>
+        </p:txBody>
+      </p:sp>
+      <p:sp>
+        <p:nvSpPr>
+          <p:cNvPr id="10" name="角丸四角形 9"/>
+          <p:cNvSpPr/>
+          <p:nvPr/>
+        </p:nvSpPr>
+        <p:spPr>
+          <a:xfrm>
+            <a:off x="4355976" y="5301208"/>
+            <a:ext cx="4320480" cy="792088"/>
+          </a:xfrm>
+          <a:prstGeom prst="roundRect">
+            <a:avLst/>
+          </a:prstGeom>
+          <a:effectLst>
+            <a:outerShdw blurRad="50800" dist="38100" dir="5400000" algn="t" rotWithShape="0">
+              <a:prstClr val="black">
+                <a:alpha val="40000"/>
+              </a:prstClr>
+            </a:outerShdw>
+          </a:effectLst>
+          <a:scene3d>
+            <a:camera prst="orthographicFront"/>
+            <a:lightRig rig="threePt" dir="t"/>
+          </a:scene3d>
+          <a:sp3d>
+            <a:bevelT w="139700" prst="cross"/>
+          </a:sp3d>
+        </p:spPr>
+        <p:style>
+          <a:lnRef idx="1">
+            <a:schemeClr val="accent1"/>
+          </a:lnRef>
+          <a:fillRef idx="2">
+            <a:schemeClr val="accent1"/>
+          </a:fillRef>
+          <a:effectRef idx="1">
+            <a:schemeClr val="accent1"/>
+          </a:effectRef>
+          <a:fontRef idx="minor">
+            <a:schemeClr val="dk1"/>
+          </a:fontRef>
+        </p:style>
+        <p:txBody>
+          <a:bodyPr rtlCol="0" anchor="b"/>
+          <a:lstStyle/>
+          <a:p>
+            <a:pPr algn="ctr"/>
+            <a:r>
+              <a:rPr kumimoji="1" lang="en-US" altLang="ja-JP" sz="3200" b="1" dirty="0" smtClean="0">
+                <a:ea typeface="メイリオ" pitchFamily="50" charset="-128"/>
+                <a:cs typeface="メイリオ" pitchFamily="50" charset="-128"/>
+              </a:rPr>
+              <a:t>CI</a:t>
+            </a:r>
+            <a:r>
+              <a:rPr kumimoji="1" lang="ja-JP" altLang="en-US" sz="3200" b="1" dirty="0" smtClean="0">
+                <a:ea typeface="メイリオ" pitchFamily="50" charset="-128"/>
+                <a:cs typeface="メイリオ" pitchFamily="50" charset="-128"/>
+              </a:rPr>
+              <a:t>ツール採用</a:t>
+            </a:r>
+            <a:endParaRPr kumimoji="1" lang="ja-JP" altLang="en-US" sz="3200" b="1" dirty="0">
+              <a:ea typeface="メイリオ" pitchFamily="50" charset="-128"/>
+              <a:cs typeface="メイリオ" pitchFamily="50" charset="-128"/>
             </a:endParaRPr>
           </a:p>
         </p:txBody>

--- a/PowerPoint/report_hokada.pptx
+++ b/PowerPoint/report_hokada.pptx
@@ -5,7 +5,7 @@
     <p:sldMasterId id="2147483648" r:id="rId1"/>
   </p:sldMasterIdLst>
   <p:notesMasterIdLst>
-    <p:notesMasterId r:id="rId35"/>
+    <p:notesMasterId r:id="rId40"/>
   </p:notesMasterIdLst>
   <p:sldIdLst>
     <p:sldId id="256" r:id="rId2"/>
@@ -13,34 +13,39 @@
     <p:sldId id="312" r:id="rId4"/>
     <p:sldId id="285" r:id="rId5"/>
     <p:sldId id="286" r:id="rId6"/>
-    <p:sldId id="287" r:id="rId7"/>
-    <p:sldId id="288" r:id="rId8"/>
-    <p:sldId id="289" r:id="rId9"/>
-    <p:sldId id="290" r:id="rId10"/>
-    <p:sldId id="291" r:id="rId11"/>
-    <p:sldId id="292" r:id="rId12"/>
-    <p:sldId id="293" r:id="rId13"/>
-    <p:sldId id="295" r:id="rId14"/>
-    <p:sldId id="294" r:id="rId15"/>
-    <p:sldId id="296" r:id="rId16"/>
-    <p:sldId id="297" r:id="rId17"/>
-    <p:sldId id="298" r:id="rId18"/>
-    <p:sldId id="299" r:id="rId19"/>
-    <p:sldId id="301" r:id="rId20"/>
-    <p:sldId id="300" r:id="rId21"/>
-    <p:sldId id="302" r:id="rId22"/>
-    <p:sldId id="303" r:id="rId23"/>
-    <p:sldId id="304" r:id="rId24"/>
-    <p:sldId id="305" r:id="rId25"/>
-    <p:sldId id="307" r:id="rId26"/>
-    <p:sldId id="308" r:id="rId27"/>
-    <p:sldId id="306" r:id="rId28"/>
-    <p:sldId id="309" r:id="rId29"/>
-    <p:sldId id="310" r:id="rId30"/>
-    <p:sldId id="283" r:id="rId31"/>
-    <p:sldId id="274" r:id="rId32"/>
-    <p:sldId id="311" r:id="rId33"/>
-    <p:sldId id="314" r:id="rId34"/>
+    <p:sldId id="315" r:id="rId7"/>
+    <p:sldId id="316" r:id="rId8"/>
+    <p:sldId id="317" r:id="rId9"/>
+    <p:sldId id="318" r:id="rId10"/>
+    <p:sldId id="319" r:id="rId11"/>
+    <p:sldId id="287" r:id="rId12"/>
+    <p:sldId id="288" r:id="rId13"/>
+    <p:sldId id="289" r:id="rId14"/>
+    <p:sldId id="290" r:id="rId15"/>
+    <p:sldId id="291" r:id="rId16"/>
+    <p:sldId id="292" r:id="rId17"/>
+    <p:sldId id="293" r:id="rId18"/>
+    <p:sldId id="295" r:id="rId19"/>
+    <p:sldId id="294" r:id="rId20"/>
+    <p:sldId id="296" r:id="rId21"/>
+    <p:sldId id="297" r:id="rId22"/>
+    <p:sldId id="298" r:id="rId23"/>
+    <p:sldId id="299" r:id="rId24"/>
+    <p:sldId id="301" r:id="rId25"/>
+    <p:sldId id="300" r:id="rId26"/>
+    <p:sldId id="302" r:id="rId27"/>
+    <p:sldId id="303" r:id="rId28"/>
+    <p:sldId id="304" r:id="rId29"/>
+    <p:sldId id="305" r:id="rId30"/>
+    <p:sldId id="307" r:id="rId31"/>
+    <p:sldId id="308" r:id="rId32"/>
+    <p:sldId id="306" r:id="rId33"/>
+    <p:sldId id="309" r:id="rId34"/>
+    <p:sldId id="310" r:id="rId35"/>
+    <p:sldId id="283" r:id="rId36"/>
+    <p:sldId id="274" r:id="rId37"/>
+    <p:sldId id="311" r:id="rId38"/>
+    <p:sldId id="314" r:id="rId39"/>
   </p:sldIdLst>
   <p:sldSz cx="9144000" cy="6858000" type="screen4x3"/>
   <p:notesSz cx="6858000" cy="9144000"/>
@@ -908,7 +913,7 @@
             <a:fld id="{44DF46E2-8AE4-4839-B61A-75E79F11E2DB}" type="slidenum">
               <a:rPr kumimoji="1" lang="ja-JP" altLang="en-US" smtClean="0"/>
               <a:pPr/>
-              <a:t>7</a:t>
+              <a:t>12</a:t>
             </a:fld>
             <a:endParaRPr kumimoji="1" lang="ja-JP" altLang="en-US" dirty="0"/>
           </a:p>
@@ -1040,7 +1045,7 @@
             <a:fld id="{44DF46E2-8AE4-4839-B61A-75E79F11E2DB}" type="slidenum">
               <a:rPr kumimoji="1" lang="ja-JP" altLang="en-US" smtClean="0"/>
               <a:pPr/>
-              <a:t>9</a:t>
+              <a:t>14</a:t>
             </a:fld>
             <a:endParaRPr kumimoji="1" lang="ja-JP" altLang="en-US" dirty="0"/>
           </a:p>
@@ -1129,7 +1134,7 @@
             <a:fld id="{44DF46E2-8AE4-4839-B61A-75E79F11E2DB}" type="slidenum">
               <a:rPr kumimoji="1" lang="ja-JP" altLang="en-US" smtClean="0"/>
               <a:pPr/>
-              <a:t>19</a:t>
+              <a:t>24</a:t>
             </a:fld>
             <a:endParaRPr kumimoji="1" lang="ja-JP" altLang="en-US" dirty="0"/>
           </a:p>
@@ -1215,7 +1220,7 @@
             <a:fld id="{44DF46E2-8AE4-4839-B61A-75E79F11E2DB}" type="slidenum">
               <a:rPr kumimoji="1" lang="ja-JP" altLang="en-US" smtClean="0"/>
               <a:pPr/>
-              <a:t>28</a:t>
+              <a:t>33</a:t>
             </a:fld>
             <a:endParaRPr kumimoji="1" lang="ja-JP" altLang="en-US" dirty="0"/>
           </a:p>
@@ -1323,7 +1328,7 @@
             <a:fld id="{44DF46E2-8AE4-4839-B61A-75E79F11E2DB}" type="slidenum">
               <a:rPr kumimoji="1" lang="ja-JP" altLang="en-US" smtClean="0"/>
               <a:pPr/>
-              <a:t>30</a:t>
+              <a:t>35</a:t>
             </a:fld>
             <a:endParaRPr kumimoji="1" lang="ja-JP" altLang="en-US" dirty="0"/>
           </a:p>
@@ -6690,8 +6695,8 @@
         </p:nvSpPr>
         <p:spPr>
           <a:xfrm>
-            <a:off x="2699792" y="4293096"/>
-            <a:ext cx="6048672" cy="2400672"/>
+            <a:off x="2339752" y="4293096"/>
+            <a:ext cx="6408712" cy="2400672"/>
           </a:xfrm>
         </p:spPr>
         <p:txBody>
@@ -6721,7 +6726,18 @@
                 <a:ea typeface="メイリオ" pitchFamily="50" charset="-128"/>
                 <a:cs typeface="メイリオ" pitchFamily="50" charset="-128"/>
               </a:rPr>
-              <a:t>　社会共有知研究センタ</a:t>
+              <a:t>　社会共有知研究</a:t>
+            </a:r>
+            <a:r>
+              <a:rPr lang="ja-JP" altLang="en-US" sz="2400" b="1" dirty="0" smtClean="0">
+                <a:solidFill>
+                  <a:schemeClr val="tx1"/>
+                </a:solidFill>
+                <a:latin typeface="メイリオ" pitchFamily="50" charset="-128"/>
+                <a:ea typeface="メイリオ" pitchFamily="50" charset="-128"/>
+                <a:cs typeface="メイリオ" pitchFamily="50" charset="-128"/>
+              </a:rPr>
+              <a:t>センター</a:t>
             </a:r>
             <a:endParaRPr lang="en-US" altLang="ja-JP" sz="2400" b="1" dirty="0" smtClean="0">
               <a:solidFill>
@@ -6893,11 +6909,15 @@
           <a:p>
             <a:r>
               <a:rPr kumimoji="1" lang="en-US" altLang="ja-JP" dirty="0" smtClean="0"/>
-              <a:t>1.2 NC2</a:t>
+              <a:t>1.1</a:t>
+            </a:r>
+            <a:r>
+              <a:rPr lang="ja-JP" altLang="en-US" dirty="0" smtClean="0"/>
+              <a:t> </a:t>
             </a:r>
             <a:r>
               <a:rPr kumimoji="1" lang="ja-JP" altLang="en-US" dirty="0" smtClean="0"/>
-              <a:t>との主な相違点</a:t>
+              <a:t>ＣＭＳ</a:t>
             </a:r>
             <a:endParaRPr kumimoji="1" lang="ja-JP" altLang="en-US" dirty="0"/>
           </a:p>
@@ -6922,6 +6942,2521 @@
               <a:rPr lang="ja-JP" altLang="en-US" smtClean="0"/>
               <a:pPr/>
               <a:t>10</a:t>
+            </a:fld>
+            <a:endParaRPr lang="ja-JP" altLang="en-US" dirty="0"/>
+          </a:p>
+        </p:txBody>
+      </p:sp>
+      <p:sp>
+        <p:nvSpPr>
+          <p:cNvPr id="5" name="コンテンツ プレースホルダ 5"/>
+          <p:cNvSpPr txBox="1">
+            <a:spLocks/>
+          </p:cNvSpPr>
+          <p:nvPr/>
+        </p:nvSpPr>
+        <p:spPr>
+          <a:xfrm>
+            <a:off x="0" y="0"/>
+            <a:ext cx="9144000" cy="332656"/>
+          </a:xfrm>
+          <a:prstGeom prst="rect">
+            <a:avLst/>
+          </a:prstGeom>
+        </p:spPr>
+        <p:txBody>
+          <a:bodyPr vert="horz" lIns="91440" tIns="45720" rIns="91440" bIns="45720" rtlCol="0">
+            <a:noAutofit/>
+          </a:bodyPr>
+          <a:lstStyle/>
+          <a:p>
+            <a:pPr marL="514350" marR="0" lvl="0" indent="-514350" algn="l" defTabSz="914400" rtl="0" eaLnBrk="1" fontAlgn="auto" latinLnBrk="0" hangingPunct="1">
+              <a:lnSpc>
+                <a:spcPct val="100000"/>
+              </a:lnSpc>
+              <a:spcBef>
+                <a:spcPct val="20000"/>
+              </a:spcBef>
+              <a:spcAft>
+                <a:spcPts val="0"/>
+              </a:spcAft>
+              <a:buClrTx/>
+              <a:buSzTx/>
+              <a:buFont typeface="+mj-lt"/>
+              <a:buAutoNum type="arabicPeriod"/>
+              <a:tabLst/>
+              <a:defRPr/>
+            </a:pPr>
+            <a:r>
+              <a:rPr kumimoji="1" lang="en-US" altLang="ja-JP" sz="1600" b="1" i="0" u="none" strike="noStrike" kern="1200" cap="none" spc="0" normalizeH="0" baseline="0" noProof="0" dirty="0" smtClean="0">
+                <a:ln>
+                  <a:noFill/>
+                </a:ln>
+                <a:solidFill>
+                  <a:schemeClr val="tx1"/>
+                </a:solidFill>
+                <a:effectLst/>
+                <a:uLnTx/>
+                <a:uFillTx/>
+                <a:latin typeface="メイリオ" pitchFamily="50" charset="-128"/>
+                <a:ea typeface="メイリオ" pitchFamily="50" charset="-128"/>
+                <a:cs typeface="メイリオ" pitchFamily="50" charset="-128"/>
+              </a:rPr>
+              <a:t>NetCommons3</a:t>
+            </a:r>
+            <a:r>
+              <a:rPr kumimoji="1" lang="ja-JP" altLang="en-US" sz="1600" b="1" i="0" u="none" strike="noStrike" kern="1200" cap="none" spc="0" normalizeH="0" baseline="0" noProof="0" dirty="0" smtClean="0">
+                <a:ln>
+                  <a:noFill/>
+                </a:ln>
+                <a:solidFill>
+                  <a:schemeClr val="tx1"/>
+                </a:solidFill>
+                <a:effectLst/>
+                <a:uLnTx/>
+                <a:uFillTx/>
+                <a:latin typeface="メイリオ" pitchFamily="50" charset="-128"/>
+                <a:ea typeface="メイリオ" pitchFamily="50" charset="-128"/>
+                <a:cs typeface="メイリオ" pitchFamily="50" charset="-128"/>
+              </a:rPr>
+              <a:t>プロジェクト</a:t>
+            </a:r>
+            <a:endParaRPr kumimoji="1" lang="en-US" altLang="ja-JP" sz="1100" b="1" i="0" u="none" strike="noStrike" kern="1200" cap="none" spc="0" normalizeH="0" baseline="0" noProof="0" dirty="0" smtClean="0">
+              <a:ln>
+                <a:noFill/>
+              </a:ln>
+              <a:solidFill>
+                <a:schemeClr val="bg1">
+                  <a:lumMod val="75000"/>
+                </a:schemeClr>
+              </a:solidFill>
+              <a:effectLst/>
+              <a:uLnTx/>
+              <a:uFillTx/>
+              <a:latin typeface="メイリオ" pitchFamily="50" charset="-128"/>
+              <a:ea typeface="メイリオ" pitchFamily="50" charset="-128"/>
+              <a:cs typeface="メイリオ" pitchFamily="50" charset="-128"/>
+            </a:endParaRPr>
+          </a:p>
+        </p:txBody>
+      </p:sp>
+      <p:sp>
+        <p:nvSpPr>
+          <p:cNvPr id="6" name="角丸四角形 5"/>
+          <p:cNvSpPr/>
+          <p:nvPr/>
+        </p:nvSpPr>
+        <p:spPr>
+          <a:xfrm>
+            <a:off x="323528" y="1196752"/>
+            <a:ext cx="5400600" cy="576064"/>
+          </a:xfrm>
+          <a:prstGeom prst="roundRect">
+            <a:avLst/>
+          </a:prstGeom>
+          <a:effectLst>
+            <a:outerShdw blurRad="50800" dist="38100" dir="5400000" algn="t" rotWithShape="0">
+              <a:prstClr val="black">
+                <a:alpha val="40000"/>
+              </a:prstClr>
+            </a:outerShdw>
+          </a:effectLst>
+          <a:scene3d>
+            <a:camera prst="orthographicFront"/>
+            <a:lightRig rig="threePt" dir="t"/>
+          </a:scene3d>
+          <a:sp3d>
+            <a:bevelT w="139700" prst="cross"/>
+          </a:sp3d>
+        </p:spPr>
+        <p:style>
+          <a:lnRef idx="1">
+            <a:schemeClr val="accent5"/>
+          </a:lnRef>
+          <a:fillRef idx="2">
+            <a:schemeClr val="accent5"/>
+          </a:fillRef>
+          <a:effectRef idx="1">
+            <a:schemeClr val="accent5"/>
+          </a:effectRef>
+          <a:fontRef idx="minor">
+            <a:schemeClr val="dk1"/>
+          </a:fontRef>
+        </p:style>
+        <p:txBody>
+          <a:bodyPr rtlCol="0" anchor="b"/>
+          <a:lstStyle/>
+          <a:p>
+            <a:pPr algn="ctr"/>
+            <a:r>
+              <a:rPr kumimoji="1" lang="en-US" altLang="ja-JP" sz="2800" b="1" dirty="0" smtClean="0">
+                <a:ea typeface="メイリオ" pitchFamily="50" charset="-128"/>
+                <a:cs typeface="メイリオ" pitchFamily="50" charset="-128"/>
+              </a:rPr>
+              <a:t>Web</a:t>
+            </a:r>
+            <a:r>
+              <a:rPr kumimoji="1" lang="ja-JP" altLang="en-US" sz="2800" b="1" dirty="0" smtClean="0">
+                <a:ea typeface="メイリオ" pitchFamily="50" charset="-128"/>
+                <a:cs typeface="メイリオ" pitchFamily="50" charset="-128"/>
+              </a:rPr>
+              <a:t>ページの簡単な説明</a:t>
+            </a:r>
+            <a:r>
+              <a:rPr kumimoji="1" lang="en-US" altLang="ja-JP" sz="2800" b="1" dirty="0" smtClean="0">
+                <a:ea typeface="メイリオ" pitchFamily="50" charset="-128"/>
+                <a:cs typeface="メイリオ" pitchFamily="50" charset="-128"/>
+              </a:rPr>
+              <a:t>(3)</a:t>
+            </a:r>
+            <a:endParaRPr kumimoji="1" lang="ja-JP" altLang="en-US" sz="2800" b="1" dirty="0">
+              <a:ea typeface="メイリオ" pitchFamily="50" charset="-128"/>
+              <a:cs typeface="メイリオ" pitchFamily="50" charset="-128"/>
+            </a:endParaRPr>
+          </a:p>
+        </p:txBody>
+      </p:sp>
+      <p:pic>
+        <p:nvPicPr>
+          <p:cNvPr id="2050" name="Picture 2"/>
+          <p:cNvPicPr>
+            <a:picLocks noChangeAspect="1" noChangeArrowheads="1"/>
+          </p:cNvPicPr>
+          <p:nvPr/>
+        </p:nvPicPr>
+        <p:blipFill>
+          <a:blip r:embed="rId2" cstate="print"/>
+          <a:srcRect/>
+          <a:stretch>
+            <a:fillRect/>
+          </a:stretch>
+        </p:blipFill>
+        <p:spPr bwMode="auto">
+          <a:xfrm>
+            <a:off x="107504" y="3452339"/>
+            <a:ext cx="5760640" cy="3405661"/>
+          </a:xfrm>
+          <a:prstGeom prst="rect">
+            <a:avLst/>
+          </a:prstGeom>
+          <a:noFill/>
+          <a:ln w="9525">
+            <a:noFill/>
+            <a:miter lim="800000"/>
+            <a:headEnd/>
+            <a:tailEnd/>
+          </a:ln>
+        </p:spPr>
+      </p:pic>
+      <p:sp>
+        <p:nvSpPr>
+          <p:cNvPr id="9" name="四角形吹き出し 8"/>
+          <p:cNvSpPr/>
+          <p:nvPr/>
+        </p:nvSpPr>
+        <p:spPr>
+          <a:xfrm>
+            <a:off x="4067944" y="3573016"/>
+            <a:ext cx="4320480" cy="3140968"/>
+          </a:xfrm>
+          <a:prstGeom prst="wedgeRectCallout">
+            <a:avLst>
+              <a:gd name="adj1" fmla="val -63514"/>
+              <a:gd name="adj2" fmla="val 26044"/>
+            </a:avLst>
+          </a:prstGeom>
+        </p:spPr>
+        <p:style>
+          <a:lnRef idx="1">
+            <a:schemeClr val="accent3"/>
+          </a:lnRef>
+          <a:fillRef idx="2">
+            <a:schemeClr val="accent3"/>
+          </a:fillRef>
+          <a:effectRef idx="1">
+            <a:schemeClr val="accent3"/>
+          </a:effectRef>
+          <a:fontRef idx="minor">
+            <a:schemeClr val="dk1"/>
+          </a:fontRef>
+        </p:style>
+        <p:txBody>
+          <a:bodyPr rtlCol="0" anchor="ctr"/>
+          <a:lstStyle/>
+          <a:p>
+            <a:r>
+              <a:rPr lang="en-US" altLang="ja-JP" dirty="0" smtClean="0"/>
+              <a:t>&lt;html lang=“ja”&gt;</a:t>
+            </a:r>
+          </a:p>
+          <a:p>
+            <a:r>
+              <a:rPr lang="ja-JP" altLang="en-US" dirty="0" smtClean="0"/>
+              <a:t>    </a:t>
+            </a:r>
+            <a:r>
+              <a:rPr lang="en-US" altLang="ja-JP" dirty="0" smtClean="0"/>
+              <a:t>&lt;head&gt;</a:t>
+            </a:r>
+          </a:p>
+          <a:p>
+            <a:r>
+              <a:rPr lang="en-US" altLang="ja-JP" dirty="0" smtClean="0"/>
+              <a:t>        &lt;title&gt;Google&lt;/title&gt;</a:t>
+            </a:r>
+          </a:p>
+          <a:p>
+            <a:r>
+              <a:rPr lang="en-US" altLang="ja-JP" dirty="0" smtClean="0"/>
+              <a:t>        &lt;script type=“text/javacript”</a:t>
+            </a:r>
+          </a:p>
+          <a:p>
+            <a:r>
+              <a:rPr lang="en-US" altLang="ja-JP" dirty="0" smtClean="0"/>
+              <a:t> </a:t>
+            </a:r>
+            <a:r>
+              <a:rPr lang="en-US" altLang="ja-JP" dirty="0" smtClean="0"/>
+              <a:t>          src=“Google.js”&gt;&lt;/script&gt;</a:t>
+            </a:r>
+          </a:p>
+          <a:p>
+            <a:r>
+              <a:rPr lang="ja-JP" altLang="en-US" dirty="0" smtClean="0"/>
+              <a:t> </a:t>
+            </a:r>
+            <a:r>
+              <a:rPr lang="ja-JP" altLang="en-US" dirty="0" smtClean="0"/>
+              <a:t>   </a:t>
+            </a:r>
+            <a:r>
+              <a:rPr lang="en-US" altLang="ja-JP" dirty="0" smtClean="0"/>
+              <a:t>&lt;/head&gt;</a:t>
+            </a:r>
+            <a:endParaRPr lang="en-US" altLang="ja-JP" dirty="0" smtClean="0"/>
+          </a:p>
+          <a:p>
+            <a:r>
+              <a:rPr lang="en-US" altLang="ja-JP" dirty="0" smtClean="0"/>
+              <a:t>    &lt;body&gt;</a:t>
+            </a:r>
+          </a:p>
+          <a:p>
+            <a:r>
+              <a:rPr lang="en-US" altLang="ja-JP" dirty="0" smtClean="0"/>
+              <a:t>        &lt;textarea&gt;</a:t>
+            </a:r>
+          </a:p>
+          <a:p>
+            <a:r>
+              <a:rPr lang="en-US" altLang="ja-JP" dirty="0" smtClean="0"/>
+              <a:t>        &lt;/textarea&gt;</a:t>
+            </a:r>
+            <a:endParaRPr lang="en-US" altLang="ja-JP" dirty="0" smtClean="0"/>
+          </a:p>
+          <a:p>
+            <a:r>
+              <a:rPr lang="en-US" altLang="ja-JP" dirty="0" smtClean="0"/>
+              <a:t>    &lt;/body&gt;</a:t>
+            </a:r>
+          </a:p>
+          <a:p>
+            <a:r>
+              <a:rPr lang="en-US" altLang="ja-JP" dirty="0" smtClean="0"/>
+              <a:t>&lt;/html&gt;</a:t>
+            </a:r>
+          </a:p>
+        </p:txBody>
+      </p:sp>
+      <p:sp>
+        <p:nvSpPr>
+          <p:cNvPr id="10" name="コンテンツ プレースホルダ 2"/>
+          <p:cNvSpPr>
+            <a:spLocks noGrp="1"/>
+          </p:cNvSpPr>
+          <p:nvPr>
+            <p:ph idx="1"/>
+          </p:nvPr>
+        </p:nvSpPr>
+        <p:spPr>
+          <a:xfrm>
+            <a:off x="457200" y="2099989"/>
+            <a:ext cx="8229600" cy="1545035"/>
+          </a:xfrm>
+        </p:spPr>
+        <p:txBody>
+          <a:bodyPr>
+            <a:normAutofit/>
+          </a:bodyPr>
+          <a:lstStyle/>
+          <a:p>
+            <a:r>
+              <a:rPr kumimoji="1" lang="en-US" altLang="ja-JP" sz="2400" dirty="0" smtClean="0"/>
+              <a:t>Javascript</a:t>
+            </a:r>
+            <a:r>
+              <a:rPr kumimoji="1" lang="ja-JP" altLang="en-US" sz="2400" dirty="0" smtClean="0"/>
+              <a:t>とは</a:t>
+            </a:r>
+            <a:endParaRPr kumimoji="1" lang="en-US" altLang="ja-JP" sz="2400" dirty="0" smtClean="0"/>
+          </a:p>
+          <a:p>
+            <a:pPr>
+              <a:buNone/>
+            </a:pPr>
+            <a:r>
+              <a:rPr lang="ja-JP" altLang="en-US" sz="2400" dirty="0" smtClean="0"/>
+              <a:t>　</a:t>
+            </a:r>
+            <a:r>
+              <a:rPr lang="en-US" altLang="ja-JP" sz="2400" dirty="0" smtClean="0"/>
+              <a:t>Web</a:t>
+            </a:r>
+            <a:r>
+              <a:rPr lang="ja-JP" altLang="en-US" sz="2400" dirty="0" smtClean="0"/>
+              <a:t>ブラウザで動作するスクリプト言語</a:t>
+            </a:r>
+            <a:r>
+              <a:rPr lang="ja-JP" altLang="en-US" sz="2400" dirty="0" smtClean="0"/>
+              <a:t>。</a:t>
+            </a:r>
+            <a:endParaRPr lang="en-US" altLang="ja-JP" sz="2400" dirty="0" smtClean="0"/>
+          </a:p>
+          <a:p>
+            <a:pPr>
+              <a:buNone/>
+            </a:pPr>
+            <a:r>
+              <a:rPr lang="ja-JP" altLang="en-US" sz="2400" dirty="0" smtClean="0"/>
+              <a:t>　</a:t>
+            </a:r>
+            <a:r>
+              <a:rPr lang="en-US" altLang="ja-JP" sz="2400" dirty="0" smtClean="0"/>
+              <a:t>『</a:t>
+            </a:r>
+            <a:r>
+              <a:rPr lang="ja-JP" altLang="en-US" sz="2400" dirty="0" smtClean="0"/>
+              <a:t>動き</a:t>
+            </a:r>
+            <a:r>
+              <a:rPr lang="en-US" altLang="ja-JP" sz="2400" dirty="0" smtClean="0"/>
+              <a:t>』</a:t>
+            </a:r>
+            <a:endParaRPr lang="ja-JP" altLang="en-US" sz="2400" dirty="0" smtClean="0"/>
+          </a:p>
+          <a:p>
+            <a:pPr>
+              <a:buNone/>
+            </a:pPr>
+            <a:endParaRPr kumimoji="1" lang="ja-JP" altLang="en-US" sz="2400" dirty="0"/>
+          </a:p>
+        </p:txBody>
+      </p:sp>
+      <p:sp>
+        <p:nvSpPr>
+          <p:cNvPr id="12" name="フローチャート: 処理 11"/>
+          <p:cNvSpPr/>
+          <p:nvPr/>
+        </p:nvSpPr>
+        <p:spPr>
+          <a:xfrm>
+            <a:off x="4067944" y="3140968"/>
+            <a:ext cx="4320480" cy="432048"/>
+          </a:xfrm>
+          <a:prstGeom prst="flowChartProcess">
+            <a:avLst/>
+          </a:prstGeom>
+        </p:spPr>
+        <p:style>
+          <a:lnRef idx="1">
+            <a:schemeClr val="accent3"/>
+          </a:lnRef>
+          <a:fillRef idx="2">
+            <a:schemeClr val="accent3"/>
+          </a:fillRef>
+          <a:effectRef idx="1">
+            <a:schemeClr val="accent3"/>
+          </a:effectRef>
+          <a:fontRef idx="minor">
+            <a:schemeClr val="dk1"/>
+          </a:fontRef>
+        </p:style>
+        <p:txBody>
+          <a:bodyPr rtlCol="0" anchor="ctr"/>
+          <a:lstStyle/>
+          <a:p>
+            <a:pPr algn="ctr"/>
+            <a:r>
+              <a:rPr lang="ja-JP" altLang="en-US" sz="2000" dirty="0" smtClean="0"/>
+              <a:t>②外部ファイルを読み込む（一般的）</a:t>
+            </a:r>
+            <a:endParaRPr lang="ja-JP" altLang="en-US" sz="2000" dirty="0" smtClean="0"/>
+          </a:p>
+        </p:txBody>
+      </p:sp>
+    </p:spTree>
+  </p:cSld>
+  <p:clrMapOvr>
+    <a:masterClrMapping/>
+  </p:clrMapOvr>
+  <p:timing>
+    <p:tnLst>
+      <p:par>
+        <p:cTn id="1" dur="indefinite" restart="never" nodeType="tmRoot"/>
+      </p:par>
+    </p:tnLst>
+  </p:timing>
+</p:sld>
+</file>
+
+<file path=ppt/slides/slide11.xml><?xml version="1.0" encoding="utf-8"?>
+<p:sld xmlns:a="http://schemas.openxmlformats.org/drawingml/2006/main" xmlns:r="http://schemas.openxmlformats.org/officeDocument/2006/relationships" xmlns:p="http://schemas.openxmlformats.org/presentationml/2006/main">
+  <p:cSld>
+    <p:spTree>
+      <p:nvGrpSpPr>
+        <p:cNvPr id="1" name=""/>
+        <p:cNvGrpSpPr/>
+        <p:nvPr/>
+      </p:nvGrpSpPr>
+      <p:grpSpPr>
+        <a:xfrm>
+          <a:off x="0" y="0"/>
+          <a:ext cx="0" cy="0"/>
+          <a:chOff x="0" y="0"/>
+          <a:chExt cx="0" cy="0"/>
+        </a:xfrm>
+      </p:grpSpPr>
+      <p:sp>
+        <p:nvSpPr>
+          <p:cNvPr id="2" name="タイトル 1"/>
+          <p:cNvSpPr>
+            <a:spLocks noGrp="1"/>
+          </p:cNvSpPr>
+          <p:nvPr>
+            <p:ph type="title"/>
+          </p:nvPr>
+        </p:nvSpPr>
+        <p:spPr/>
+        <p:txBody>
+          <a:bodyPr/>
+          <a:lstStyle/>
+          <a:p>
+            <a:r>
+              <a:rPr kumimoji="1" lang="en-US" altLang="ja-JP" dirty="0" smtClean="0"/>
+              <a:t>1.1</a:t>
+            </a:r>
+            <a:r>
+              <a:rPr lang="ja-JP" altLang="en-US" dirty="0" smtClean="0"/>
+              <a:t> </a:t>
+            </a:r>
+            <a:r>
+              <a:rPr kumimoji="1" lang="ja-JP" altLang="en-US" dirty="0" smtClean="0"/>
+              <a:t>ＣＭＳ</a:t>
+            </a:r>
+            <a:endParaRPr kumimoji="1" lang="ja-JP" altLang="en-US" dirty="0"/>
+          </a:p>
+        </p:txBody>
+      </p:sp>
+      <p:sp>
+        <p:nvSpPr>
+          <p:cNvPr id="3" name="コンテンツ プレースホルダ 2"/>
+          <p:cNvSpPr>
+            <a:spLocks noGrp="1"/>
+          </p:cNvSpPr>
+          <p:nvPr>
+            <p:ph idx="1"/>
+          </p:nvPr>
+        </p:nvSpPr>
+        <p:spPr>
+          <a:xfrm>
+            <a:off x="457200" y="2132856"/>
+            <a:ext cx="8229600" cy="2088232"/>
+          </a:xfrm>
+        </p:spPr>
+        <p:txBody>
+          <a:bodyPr/>
+          <a:lstStyle/>
+          <a:p>
+            <a:r>
+              <a:rPr kumimoji="1" lang="en-US" altLang="ja-JP" sz="2400" dirty="0" smtClean="0"/>
+              <a:t>2,000</a:t>
+            </a:r>
+            <a:r>
+              <a:rPr kumimoji="1" lang="ja-JP" altLang="en-US" sz="2400" dirty="0" smtClean="0"/>
+              <a:t>以上の学校</a:t>
+            </a:r>
+            <a:endParaRPr kumimoji="1" lang="en-US" altLang="ja-JP" sz="2400" dirty="0" smtClean="0"/>
+          </a:p>
+          <a:p>
+            <a:r>
+              <a:rPr lang="ja-JP" altLang="en-US" sz="2400" dirty="0" smtClean="0"/>
+              <a:t>都道府県レベルの教育センターでは</a:t>
+            </a:r>
+            <a:r>
+              <a:rPr lang="en-US" altLang="ja-JP" sz="2400" dirty="0" smtClean="0"/>
+              <a:t>3</a:t>
+            </a:r>
+            <a:r>
+              <a:rPr lang="ja-JP" altLang="en-US" sz="2400" dirty="0" smtClean="0"/>
+              <a:t>分の</a:t>
+            </a:r>
+            <a:r>
+              <a:rPr lang="en-US" altLang="ja-JP" sz="2400" dirty="0" smtClean="0"/>
+              <a:t>2</a:t>
+            </a:r>
+            <a:r>
+              <a:rPr lang="ja-JP" altLang="en-US" sz="2400" dirty="0" smtClean="0"/>
+              <a:t>以上で使われている</a:t>
+            </a:r>
+            <a:endParaRPr lang="en-US" altLang="ja-JP" sz="2400" dirty="0" smtClean="0"/>
+          </a:p>
+          <a:p>
+            <a:r>
+              <a:rPr kumimoji="1" lang="ja-JP" altLang="en-US" sz="2400" dirty="0" smtClean="0"/>
+              <a:t>企業や</a:t>
+            </a:r>
+            <a:r>
+              <a:rPr kumimoji="1" lang="en-US" altLang="ja-JP" sz="2400" dirty="0" smtClean="0"/>
+              <a:t>NPO</a:t>
+            </a:r>
+            <a:r>
+              <a:rPr kumimoji="1" lang="ja-JP" altLang="en-US" sz="2400" dirty="0" smtClean="0"/>
+              <a:t>団体等も利用</a:t>
+            </a:r>
+            <a:endParaRPr kumimoji="1" lang="en-US" altLang="ja-JP" sz="2400" dirty="0" smtClean="0"/>
+          </a:p>
+          <a:p>
+            <a:endParaRPr kumimoji="1" lang="ja-JP" altLang="en-US" sz="2400" dirty="0"/>
+          </a:p>
+        </p:txBody>
+      </p:sp>
+      <p:sp>
+        <p:nvSpPr>
+          <p:cNvPr id="4" name="スライド番号プレースホルダ 3"/>
+          <p:cNvSpPr>
+            <a:spLocks noGrp="1"/>
+          </p:cNvSpPr>
+          <p:nvPr>
+            <p:ph type="sldNum" sz="quarter" idx="12"/>
+          </p:nvPr>
+        </p:nvSpPr>
+        <p:spPr/>
+        <p:txBody>
+          <a:bodyPr/>
+          <a:lstStyle/>
+          <a:p>
+            <a:fld id="{D2D8002D-B5B0-4BAC-B1F6-782DDCCE6D9C}" type="slidenum">
+              <a:rPr lang="ja-JP" altLang="en-US" smtClean="0"/>
+              <a:pPr/>
+              <a:t>11</a:t>
+            </a:fld>
+            <a:endParaRPr lang="ja-JP" altLang="en-US" dirty="0"/>
+          </a:p>
+        </p:txBody>
+      </p:sp>
+      <p:sp>
+        <p:nvSpPr>
+          <p:cNvPr id="5" name="コンテンツ プレースホルダ 5"/>
+          <p:cNvSpPr txBox="1">
+            <a:spLocks/>
+          </p:cNvSpPr>
+          <p:nvPr/>
+        </p:nvSpPr>
+        <p:spPr>
+          <a:xfrm>
+            <a:off x="0" y="0"/>
+            <a:ext cx="9144000" cy="332656"/>
+          </a:xfrm>
+          <a:prstGeom prst="rect">
+            <a:avLst/>
+          </a:prstGeom>
+        </p:spPr>
+        <p:txBody>
+          <a:bodyPr vert="horz" lIns="91440" tIns="45720" rIns="91440" bIns="45720" rtlCol="0">
+            <a:noAutofit/>
+          </a:bodyPr>
+          <a:lstStyle/>
+          <a:p>
+            <a:pPr marL="514350" marR="0" lvl="0" indent="-514350" algn="l" defTabSz="914400" rtl="0" eaLnBrk="1" fontAlgn="auto" latinLnBrk="0" hangingPunct="1">
+              <a:lnSpc>
+                <a:spcPct val="100000"/>
+              </a:lnSpc>
+              <a:spcBef>
+                <a:spcPct val="20000"/>
+              </a:spcBef>
+              <a:spcAft>
+                <a:spcPts val="0"/>
+              </a:spcAft>
+              <a:buClrTx/>
+              <a:buSzTx/>
+              <a:buFont typeface="+mj-lt"/>
+              <a:buAutoNum type="arabicPeriod"/>
+              <a:tabLst/>
+              <a:defRPr/>
+            </a:pPr>
+            <a:r>
+              <a:rPr kumimoji="1" lang="en-US" altLang="ja-JP" sz="1600" b="1" i="0" u="none" strike="noStrike" kern="1200" cap="none" spc="0" normalizeH="0" baseline="0" noProof="0" dirty="0" smtClean="0">
+                <a:ln>
+                  <a:noFill/>
+                </a:ln>
+                <a:solidFill>
+                  <a:schemeClr val="tx1"/>
+                </a:solidFill>
+                <a:effectLst/>
+                <a:uLnTx/>
+                <a:uFillTx/>
+                <a:latin typeface="メイリオ" pitchFamily="50" charset="-128"/>
+                <a:ea typeface="メイリオ" pitchFamily="50" charset="-128"/>
+                <a:cs typeface="メイリオ" pitchFamily="50" charset="-128"/>
+              </a:rPr>
+              <a:t>NetCommons3</a:t>
+            </a:r>
+            <a:r>
+              <a:rPr kumimoji="1" lang="ja-JP" altLang="en-US" sz="1600" b="1" i="0" u="none" strike="noStrike" kern="1200" cap="none" spc="0" normalizeH="0" baseline="0" noProof="0" dirty="0" smtClean="0">
+                <a:ln>
+                  <a:noFill/>
+                </a:ln>
+                <a:solidFill>
+                  <a:schemeClr val="tx1"/>
+                </a:solidFill>
+                <a:effectLst/>
+                <a:uLnTx/>
+                <a:uFillTx/>
+                <a:latin typeface="メイリオ" pitchFamily="50" charset="-128"/>
+                <a:ea typeface="メイリオ" pitchFamily="50" charset="-128"/>
+                <a:cs typeface="メイリオ" pitchFamily="50" charset="-128"/>
+              </a:rPr>
+              <a:t>プロジェクト</a:t>
+            </a:r>
+            <a:endParaRPr kumimoji="1" lang="en-US" altLang="ja-JP" sz="1100" b="1" i="0" u="none" strike="noStrike" kern="1200" cap="none" spc="0" normalizeH="0" baseline="0" noProof="0" dirty="0" smtClean="0">
+              <a:ln>
+                <a:noFill/>
+              </a:ln>
+              <a:solidFill>
+                <a:schemeClr val="bg1">
+                  <a:lumMod val="75000"/>
+                </a:schemeClr>
+              </a:solidFill>
+              <a:effectLst/>
+              <a:uLnTx/>
+              <a:uFillTx/>
+              <a:latin typeface="メイリオ" pitchFamily="50" charset="-128"/>
+              <a:ea typeface="メイリオ" pitchFamily="50" charset="-128"/>
+              <a:cs typeface="メイリオ" pitchFamily="50" charset="-128"/>
+            </a:endParaRPr>
+          </a:p>
+        </p:txBody>
+      </p:sp>
+      <p:sp>
+        <p:nvSpPr>
+          <p:cNvPr id="6" name="角丸四角形 5"/>
+          <p:cNvSpPr/>
+          <p:nvPr/>
+        </p:nvSpPr>
+        <p:spPr>
+          <a:xfrm>
+            <a:off x="323528" y="1196752"/>
+            <a:ext cx="3456384" cy="648072"/>
+          </a:xfrm>
+          <a:prstGeom prst="roundRect">
+            <a:avLst/>
+          </a:prstGeom>
+          <a:effectLst>
+            <a:outerShdw blurRad="50800" dist="38100" dir="5400000" algn="t" rotWithShape="0">
+              <a:prstClr val="black">
+                <a:alpha val="40000"/>
+              </a:prstClr>
+            </a:outerShdw>
+          </a:effectLst>
+          <a:scene3d>
+            <a:camera prst="orthographicFront"/>
+            <a:lightRig rig="threePt" dir="t"/>
+          </a:scene3d>
+          <a:sp3d>
+            <a:bevelT w="139700" prst="cross"/>
+          </a:sp3d>
+        </p:spPr>
+        <p:style>
+          <a:lnRef idx="1">
+            <a:schemeClr val="accent5"/>
+          </a:lnRef>
+          <a:fillRef idx="2">
+            <a:schemeClr val="accent5"/>
+          </a:fillRef>
+          <a:effectRef idx="1">
+            <a:schemeClr val="accent5"/>
+          </a:effectRef>
+          <a:fontRef idx="minor">
+            <a:schemeClr val="dk1"/>
+          </a:fontRef>
+        </p:style>
+        <p:txBody>
+          <a:bodyPr rtlCol="0" anchor="b"/>
+          <a:lstStyle/>
+          <a:p>
+            <a:pPr algn="ctr"/>
+            <a:r>
+              <a:rPr lang="en-US" altLang="ja-JP" sz="3200" b="1" dirty="0" smtClean="0">
+                <a:ea typeface="メイリオ" pitchFamily="50" charset="-128"/>
+                <a:cs typeface="メイリオ" pitchFamily="50" charset="-128"/>
+              </a:rPr>
+              <a:t>NetCommons</a:t>
+            </a:r>
+            <a:endParaRPr kumimoji="1" lang="ja-JP" altLang="en-US" sz="3200" b="1" dirty="0">
+              <a:ea typeface="メイリオ" pitchFamily="50" charset="-128"/>
+              <a:cs typeface="メイリオ" pitchFamily="50" charset="-128"/>
+            </a:endParaRPr>
+          </a:p>
+        </p:txBody>
+      </p:sp>
+      <p:sp>
+        <p:nvSpPr>
+          <p:cNvPr id="7" name="コンテンツ プレースホルダ 2"/>
+          <p:cNvSpPr txBox="1">
+            <a:spLocks/>
+          </p:cNvSpPr>
+          <p:nvPr/>
+        </p:nvSpPr>
+        <p:spPr>
+          <a:xfrm>
+            <a:off x="1619672" y="3861048"/>
+            <a:ext cx="7524328" cy="936104"/>
+          </a:xfrm>
+          <a:prstGeom prst="rect">
+            <a:avLst/>
+          </a:prstGeom>
+        </p:spPr>
+        <p:txBody>
+          <a:bodyPr vert="horz" lIns="91440" tIns="45720" rIns="91440" bIns="45720" rtlCol="0">
+            <a:normAutofit/>
+          </a:bodyPr>
+          <a:lstStyle/>
+          <a:p>
+            <a:pPr marL="342900" marR="0" lvl="0" indent="-342900" algn="l" defTabSz="914400" rtl="0" eaLnBrk="1" fontAlgn="auto" latinLnBrk="0" hangingPunct="1">
+              <a:lnSpc>
+                <a:spcPct val="100000"/>
+              </a:lnSpc>
+              <a:spcBef>
+                <a:spcPct val="20000"/>
+              </a:spcBef>
+              <a:spcAft>
+                <a:spcPts val="0"/>
+              </a:spcAft>
+              <a:buClrTx/>
+              <a:buSzTx/>
+              <a:tabLst/>
+              <a:defRPr/>
+            </a:pPr>
+            <a:r>
+              <a:rPr lang="ja-JP" altLang="en-US" sz="2800" b="1" dirty="0" smtClean="0">
+                <a:latin typeface="メイリオ" pitchFamily="50" charset="-128"/>
+                <a:ea typeface="メイリオ" pitchFamily="50" charset="-128"/>
+                <a:cs typeface="メイリオ" pitchFamily="50" charset="-128"/>
+              </a:rPr>
+              <a:t>⇒　</a:t>
+            </a:r>
+            <a:r>
+              <a:rPr lang="en-US" altLang="ja-JP" sz="2800" b="1" dirty="0" smtClean="0">
+                <a:latin typeface="メイリオ" pitchFamily="50" charset="-128"/>
+                <a:ea typeface="メイリオ" pitchFamily="50" charset="-128"/>
+                <a:cs typeface="メイリオ" pitchFamily="50" charset="-128"/>
+              </a:rPr>
+              <a:t>3</a:t>
+            </a:r>
+            <a:r>
+              <a:rPr kumimoji="1" lang="en-US" altLang="ja-JP" sz="2800" b="1" i="0" u="none" strike="noStrike" kern="1200" cap="none" spc="0" normalizeH="0" baseline="0" noProof="0" dirty="0" smtClean="0">
+                <a:ln>
+                  <a:noFill/>
+                </a:ln>
+                <a:solidFill>
+                  <a:schemeClr val="tx1"/>
+                </a:solidFill>
+                <a:effectLst/>
+                <a:uLnTx/>
+                <a:uFillTx/>
+                <a:latin typeface="メイリオ" pitchFamily="50" charset="-128"/>
+                <a:ea typeface="メイリオ" pitchFamily="50" charset="-128"/>
+                <a:cs typeface="メイリオ" pitchFamily="50" charset="-128"/>
+              </a:rPr>
+              <a:t>,000</a:t>
+            </a:r>
+            <a:r>
+              <a:rPr kumimoji="1" lang="ja-JP" altLang="en-US" sz="2800" b="1" i="0" u="none" strike="noStrike" kern="1200" cap="none" spc="0" normalizeH="0" baseline="0" noProof="0" dirty="0" smtClean="0">
+                <a:ln>
+                  <a:noFill/>
+                </a:ln>
+                <a:solidFill>
+                  <a:schemeClr val="tx1"/>
+                </a:solidFill>
+                <a:effectLst/>
+                <a:uLnTx/>
+                <a:uFillTx/>
+                <a:latin typeface="メイリオ" pitchFamily="50" charset="-128"/>
+                <a:ea typeface="メイリオ" pitchFamily="50" charset="-128"/>
+                <a:cs typeface="メイリオ" pitchFamily="50" charset="-128"/>
+              </a:rPr>
+              <a:t>以上の導入が確認されている。</a:t>
+            </a:r>
+            <a:endParaRPr kumimoji="1" lang="en-US" altLang="ja-JP" sz="2800" b="1" i="0" u="none" strike="noStrike" kern="1200" cap="none" spc="0" normalizeH="0" baseline="0" noProof="0" dirty="0" smtClean="0">
+              <a:ln>
+                <a:noFill/>
+              </a:ln>
+              <a:solidFill>
+                <a:schemeClr val="tx1"/>
+              </a:solidFill>
+              <a:effectLst/>
+              <a:uLnTx/>
+              <a:uFillTx/>
+              <a:latin typeface="メイリオ" pitchFamily="50" charset="-128"/>
+              <a:ea typeface="メイリオ" pitchFamily="50" charset="-128"/>
+              <a:cs typeface="メイリオ" pitchFamily="50" charset="-128"/>
+            </a:endParaRPr>
+          </a:p>
+        </p:txBody>
+      </p:sp>
+      <p:sp>
+        <p:nvSpPr>
+          <p:cNvPr id="9" name="コンテンツ プレースホルダ 2"/>
+          <p:cNvSpPr txBox="1">
+            <a:spLocks/>
+          </p:cNvSpPr>
+          <p:nvPr/>
+        </p:nvSpPr>
+        <p:spPr>
+          <a:xfrm>
+            <a:off x="457200" y="4581128"/>
+            <a:ext cx="8229600" cy="2088232"/>
+          </a:xfrm>
+          <a:prstGeom prst="rect">
+            <a:avLst/>
+          </a:prstGeom>
+        </p:spPr>
+        <p:txBody>
+          <a:bodyPr vert="horz" lIns="91440" tIns="45720" rIns="91440" bIns="45720" rtlCol="0">
+            <a:normAutofit/>
+          </a:bodyPr>
+          <a:lstStyle/>
+          <a:p>
+            <a:pPr marL="342900" lvl="0" indent="-342900">
+              <a:spcBef>
+                <a:spcPct val="20000"/>
+              </a:spcBef>
+              <a:buFont typeface="Arial" pitchFamily="34" charset="0"/>
+              <a:buChar char="•"/>
+            </a:pPr>
+            <a:r>
+              <a:rPr kumimoji="1" lang="ja-JP" altLang="en-US" sz="2400" b="1" i="0" u="none" strike="noStrike" kern="1200" cap="none" spc="0" normalizeH="0" baseline="0" noProof="0" dirty="0" smtClean="0">
+                <a:ln>
+                  <a:noFill/>
+                </a:ln>
+                <a:solidFill>
+                  <a:schemeClr val="tx1"/>
+                </a:solidFill>
+                <a:effectLst/>
+                <a:uLnTx/>
+                <a:uFillTx/>
+                <a:latin typeface="メイリオ" pitchFamily="50" charset="-128"/>
+                <a:ea typeface="メイリオ" pitchFamily="50" charset="-128"/>
+                <a:cs typeface="メイリオ" pitchFamily="50" charset="-128"/>
+              </a:rPr>
+              <a:t>売り文句「ワープロやメールを書けるスキル</a:t>
+            </a:r>
+            <a:r>
+              <a:rPr lang="ja-JP" altLang="en-US" sz="2400" b="1" dirty="0" smtClean="0">
+                <a:latin typeface="メイリオ" pitchFamily="50" charset="-128"/>
+                <a:ea typeface="メイリオ" pitchFamily="50" charset="-128"/>
+                <a:cs typeface="メイリオ" pitchFamily="50" charset="-128"/>
+              </a:rPr>
+              <a:t>があればブログ感覚で入力</a:t>
+            </a:r>
+            <a:r>
+              <a:rPr kumimoji="1" lang="ja-JP" altLang="en-US" sz="2400" b="1" i="0" u="none" strike="noStrike" kern="1200" cap="none" spc="0" normalizeH="0" baseline="0" noProof="0" dirty="0" smtClean="0">
+                <a:ln>
+                  <a:noFill/>
+                </a:ln>
+                <a:solidFill>
+                  <a:schemeClr val="tx1"/>
+                </a:solidFill>
+                <a:effectLst/>
+                <a:uLnTx/>
+                <a:uFillTx/>
+                <a:latin typeface="メイリオ" pitchFamily="50" charset="-128"/>
+                <a:ea typeface="メイリオ" pitchFamily="50" charset="-128"/>
+                <a:cs typeface="メイリオ" pitchFamily="50" charset="-128"/>
+              </a:rPr>
+              <a:t>や更新ができる」</a:t>
+            </a:r>
+            <a:endParaRPr kumimoji="1" lang="en-US" altLang="ja-JP" sz="2400" b="1" i="0" u="none" strike="noStrike" kern="1200" cap="none" spc="0" normalizeH="0" baseline="0" noProof="0" dirty="0" smtClean="0">
+              <a:ln>
+                <a:noFill/>
+              </a:ln>
+              <a:solidFill>
+                <a:schemeClr val="tx1"/>
+              </a:solidFill>
+              <a:effectLst/>
+              <a:uLnTx/>
+              <a:uFillTx/>
+              <a:latin typeface="メイリオ" pitchFamily="50" charset="-128"/>
+              <a:ea typeface="メイリオ" pitchFamily="50" charset="-128"/>
+              <a:cs typeface="メイリオ" pitchFamily="50" charset="-128"/>
+            </a:endParaRPr>
+          </a:p>
+          <a:p>
+            <a:pPr marL="342900" lvl="0" indent="-342900">
+              <a:spcBef>
+                <a:spcPct val="20000"/>
+              </a:spcBef>
+              <a:buFont typeface="Arial" pitchFamily="34" charset="0"/>
+              <a:buChar char="•"/>
+            </a:pPr>
+            <a:r>
+              <a:rPr lang="ja-JP" altLang="en-US" sz="2400" b="1" dirty="0" smtClean="0">
+                <a:latin typeface="メイリオ" pitchFamily="50" charset="-128"/>
+                <a:ea typeface="メイリオ" pitchFamily="50" charset="-128"/>
+                <a:cs typeface="メイリオ" pitchFamily="50" charset="-128"/>
+              </a:rPr>
+              <a:t>インストール直後から様々な機能を使える</a:t>
+            </a:r>
+            <a:endParaRPr kumimoji="1" lang="en-US" altLang="ja-JP" sz="2400" b="1" i="0" u="none" strike="noStrike" kern="1200" cap="none" spc="0" normalizeH="0" baseline="0" noProof="0" dirty="0" smtClean="0">
+              <a:ln>
+                <a:noFill/>
+              </a:ln>
+              <a:solidFill>
+                <a:schemeClr val="tx1"/>
+              </a:solidFill>
+              <a:effectLst/>
+              <a:uLnTx/>
+              <a:uFillTx/>
+              <a:latin typeface="メイリオ" pitchFamily="50" charset="-128"/>
+              <a:ea typeface="メイリオ" pitchFamily="50" charset="-128"/>
+              <a:cs typeface="メイリオ" pitchFamily="50" charset="-128"/>
+            </a:endParaRPr>
+          </a:p>
+        </p:txBody>
+      </p:sp>
+      <p:sp>
+        <p:nvSpPr>
+          <p:cNvPr id="10" name="コンテンツ プレースホルダ 2"/>
+          <p:cNvSpPr txBox="1">
+            <a:spLocks/>
+          </p:cNvSpPr>
+          <p:nvPr/>
+        </p:nvSpPr>
+        <p:spPr>
+          <a:xfrm>
+            <a:off x="1619672" y="5949280"/>
+            <a:ext cx="7524328" cy="692696"/>
+          </a:xfrm>
+          <a:prstGeom prst="rect">
+            <a:avLst/>
+          </a:prstGeom>
+        </p:spPr>
+        <p:txBody>
+          <a:bodyPr vert="horz" lIns="91440" tIns="45720" rIns="91440" bIns="45720" rtlCol="0">
+            <a:normAutofit/>
+          </a:bodyPr>
+          <a:lstStyle/>
+          <a:p>
+            <a:pPr marL="342900" marR="0" lvl="0" indent="-342900" algn="l" defTabSz="914400" rtl="0" eaLnBrk="1" fontAlgn="auto" latinLnBrk="0" hangingPunct="1">
+              <a:lnSpc>
+                <a:spcPct val="100000"/>
+              </a:lnSpc>
+              <a:spcBef>
+                <a:spcPct val="20000"/>
+              </a:spcBef>
+              <a:spcAft>
+                <a:spcPts val="0"/>
+              </a:spcAft>
+              <a:buClrTx/>
+              <a:buSzTx/>
+              <a:tabLst/>
+              <a:defRPr/>
+            </a:pPr>
+            <a:r>
+              <a:rPr lang="ja-JP" altLang="en-US" sz="2800" b="1" dirty="0" smtClean="0">
+                <a:latin typeface="メイリオ" pitchFamily="50" charset="-128"/>
+                <a:ea typeface="メイリオ" pitchFamily="50" charset="-128"/>
+                <a:cs typeface="メイリオ" pitchFamily="50" charset="-128"/>
+              </a:rPr>
+              <a:t>⇒　導入のしやすさの分野で選択される</a:t>
+            </a:r>
+            <a:endParaRPr kumimoji="1" lang="en-US" altLang="ja-JP" sz="2800" b="1" i="0" u="none" strike="noStrike" kern="1200" cap="none" spc="0" normalizeH="0" baseline="0" noProof="0" dirty="0" smtClean="0">
+              <a:ln>
+                <a:noFill/>
+              </a:ln>
+              <a:solidFill>
+                <a:schemeClr val="tx1"/>
+              </a:solidFill>
+              <a:effectLst/>
+              <a:uLnTx/>
+              <a:uFillTx/>
+              <a:latin typeface="メイリオ" pitchFamily="50" charset="-128"/>
+              <a:ea typeface="メイリオ" pitchFamily="50" charset="-128"/>
+              <a:cs typeface="メイリオ" pitchFamily="50" charset="-128"/>
+            </a:endParaRPr>
+          </a:p>
+        </p:txBody>
+      </p:sp>
+    </p:spTree>
+  </p:cSld>
+  <p:clrMapOvr>
+    <a:masterClrMapping/>
+  </p:clrMapOvr>
+  <p:timing>
+    <p:tnLst>
+      <p:par>
+        <p:cTn id="1" dur="indefinite" restart="never" nodeType="tmRoot"/>
+      </p:par>
+    </p:tnLst>
+  </p:timing>
+</p:sld>
+</file>
+
+<file path=ppt/slides/slide12.xml><?xml version="1.0" encoding="utf-8"?>
+<p:sld xmlns:a="http://schemas.openxmlformats.org/drawingml/2006/main" xmlns:r="http://schemas.openxmlformats.org/officeDocument/2006/relationships" xmlns:p="http://schemas.openxmlformats.org/presentationml/2006/main">
+  <p:cSld>
+    <p:spTree>
+      <p:nvGrpSpPr>
+        <p:cNvPr id="1" name=""/>
+        <p:cNvGrpSpPr/>
+        <p:nvPr/>
+      </p:nvGrpSpPr>
+      <p:grpSpPr>
+        <a:xfrm>
+          <a:off x="0" y="0"/>
+          <a:ext cx="0" cy="0"/>
+          <a:chOff x="0" y="0"/>
+          <a:chExt cx="0" cy="0"/>
+        </a:xfrm>
+      </p:grpSpPr>
+      <p:sp>
+        <p:nvSpPr>
+          <p:cNvPr id="2" name="タイトル 1"/>
+          <p:cNvSpPr>
+            <a:spLocks noGrp="1"/>
+          </p:cNvSpPr>
+          <p:nvPr>
+            <p:ph type="title"/>
+          </p:nvPr>
+        </p:nvSpPr>
+        <p:spPr/>
+        <p:txBody>
+          <a:bodyPr/>
+          <a:lstStyle/>
+          <a:p>
+            <a:r>
+              <a:rPr kumimoji="1" lang="en-US" altLang="ja-JP" dirty="0" smtClean="0"/>
+              <a:t>1.1</a:t>
+            </a:r>
+            <a:r>
+              <a:rPr lang="ja-JP" altLang="en-US" dirty="0" smtClean="0"/>
+              <a:t> </a:t>
+            </a:r>
+            <a:r>
+              <a:rPr kumimoji="1" lang="ja-JP" altLang="en-US" dirty="0" smtClean="0"/>
+              <a:t>ＣＭＳ</a:t>
+            </a:r>
+            <a:endParaRPr kumimoji="1" lang="ja-JP" altLang="en-US" dirty="0"/>
+          </a:p>
+        </p:txBody>
+      </p:sp>
+      <p:sp>
+        <p:nvSpPr>
+          <p:cNvPr id="3" name="コンテンツ プレースホルダ 2"/>
+          <p:cNvSpPr>
+            <a:spLocks noGrp="1"/>
+          </p:cNvSpPr>
+          <p:nvPr>
+            <p:ph idx="1"/>
+          </p:nvPr>
+        </p:nvSpPr>
+        <p:spPr>
+          <a:xfrm>
+            <a:off x="457200" y="2132856"/>
+            <a:ext cx="8219256" cy="4176464"/>
+          </a:xfrm>
+        </p:spPr>
+        <p:txBody>
+          <a:bodyPr>
+            <a:normAutofit/>
+          </a:bodyPr>
+          <a:lstStyle/>
+          <a:p>
+            <a:r>
+              <a:rPr lang="ja-JP" altLang="en-US" sz="2400" dirty="0" smtClean="0"/>
+              <a:t>現在リリースされている</a:t>
+            </a:r>
+            <a:r>
+              <a:rPr lang="en-US" altLang="ja-JP" sz="2400" dirty="0" smtClean="0"/>
+              <a:t>NC2</a:t>
+            </a:r>
+            <a:r>
+              <a:rPr lang="ja-JP" altLang="en-US" sz="2400" dirty="0" smtClean="0"/>
+              <a:t>の後継版。</a:t>
+            </a:r>
+            <a:endParaRPr lang="en-US" altLang="ja-JP" sz="2400" dirty="0" smtClean="0"/>
+          </a:p>
+          <a:p>
+            <a:r>
+              <a:rPr kumimoji="1" lang="en-US" altLang="ja-JP" sz="2400" dirty="0" smtClean="0"/>
+              <a:t>NC2</a:t>
+            </a:r>
+            <a:r>
+              <a:rPr kumimoji="1" lang="ja-JP" altLang="en-US" sz="2400" dirty="0" smtClean="0"/>
+              <a:t>同様、ルームやグループ、権限</a:t>
+            </a:r>
+            <a:r>
+              <a:rPr lang="ja-JP" altLang="en-US" sz="2400" dirty="0" smtClean="0"/>
+              <a:t>、といった概念は基本的に変更なし。</a:t>
+            </a:r>
+            <a:endParaRPr lang="en-US" altLang="ja-JP" sz="2400" dirty="0" smtClean="0"/>
+          </a:p>
+          <a:p>
+            <a:r>
+              <a:rPr lang="ja-JP" altLang="en-US" sz="2400" dirty="0" smtClean="0"/>
+              <a:t>開発に使用するソフトウェアやソフトウェアに適用するフレームワーク等の変更があり、中身（ソースコード）や開発方法等は様変わり。</a:t>
+            </a:r>
+            <a:endParaRPr lang="en-US" altLang="ja-JP" sz="2400" dirty="0" smtClean="0"/>
+          </a:p>
+          <a:p>
+            <a:r>
+              <a:rPr lang="ja-JP" altLang="en-US" sz="2400" dirty="0" smtClean="0"/>
+              <a:t>来年</a:t>
+            </a:r>
+            <a:r>
+              <a:rPr lang="en-US" altLang="ja-JP" sz="2400" dirty="0" smtClean="0"/>
+              <a:t>4</a:t>
+            </a:r>
+            <a:r>
+              <a:rPr lang="ja-JP" altLang="en-US" sz="2400" dirty="0" smtClean="0"/>
+              <a:t>月の</a:t>
+            </a:r>
+            <a:r>
+              <a:rPr lang="en-US" altLang="ja-JP" sz="2400" dirty="0" smtClean="0"/>
+              <a:t>α</a:t>
+            </a:r>
+            <a:r>
+              <a:rPr lang="ja-JP" altLang="en-US" sz="2400" dirty="0" smtClean="0"/>
+              <a:t>版リリースに向けて現在開発中。</a:t>
+            </a:r>
+            <a:endParaRPr lang="en-US" altLang="ja-JP" sz="2400" dirty="0" smtClean="0"/>
+          </a:p>
+          <a:p>
+            <a:endParaRPr kumimoji="1" lang="ja-JP" altLang="en-US" sz="2400" dirty="0"/>
+          </a:p>
+        </p:txBody>
+      </p:sp>
+      <p:sp>
+        <p:nvSpPr>
+          <p:cNvPr id="4" name="スライド番号プレースホルダ 3"/>
+          <p:cNvSpPr>
+            <a:spLocks noGrp="1"/>
+          </p:cNvSpPr>
+          <p:nvPr>
+            <p:ph type="sldNum" sz="quarter" idx="12"/>
+          </p:nvPr>
+        </p:nvSpPr>
+        <p:spPr/>
+        <p:txBody>
+          <a:bodyPr/>
+          <a:lstStyle/>
+          <a:p>
+            <a:fld id="{D2D8002D-B5B0-4BAC-B1F6-782DDCCE6D9C}" type="slidenum">
+              <a:rPr lang="ja-JP" altLang="en-US" smtClean="0"/>
+              <a:pPr/>
+              <a:t>12</a:t>
+            </a:fld>
+            <a:endParaRPr lang="ja-JP" altLang="en-US" dirty="0"/>
+          </a:p>
+        </p:txBody>
+      </p:sp>
+      <p:sp>
+        <p:nvSpPr>
+          <p:cNvPr id="5" name="コンテンツ プレースホルダ 5"/>
+          <p:cNvSpPr txBox="1">
+            <a:spLocks/>
+          </p:cNvSpPr>
+          <p:nvPr/>
+        </p:nvSpPr>
+        <p:spPr>
+          <a:xfrm>
+            <a:off x="0" y="0"/>
+            <a:ext cx="9144000" cy="332656"/>
+          </a:xfrm>
+          <a:prstGeom prst="rect">
+            <a:avLst/>
+          </a:prstGeom>
+        </p:spPr>
+        <p:txBody>
+          <a:bodyPr vert="horz" lIns="91440" tIns="45720" rIns="91440" bIns="45720" rtlCol="0">
+            <a:noAutofit/>
+          </a:bodyPr>
+          <a:lstStyle/>
+          <a:p>
+            <a:pPr marL="514350" marR="0" lvl="0" indent="-514350" algn="l" defTabSz="914400" rtl="0" eaLnBrk="1" fontAlgn="auto" latinLnBrk="0" hangingPunct="1">
+              <a:lnSpc>
+                <a:spcPct val="100000"/>
+              </a:lnSpc>
+              <a:spcBef>
+                <a:spcPct val="20000"/>
+              </a:spcBef>
+              <a:spcAft>
+                <a:spcPts val="0"/>
+              </a:spcAft>
+              <a:buClrTx/>
+              <a:buSzTx/>
+              <a:buFont typeface="+mj-lt"/>
+              <a:buAutoNum type="arabicPeriod"/>
+              <a:tabLst/>
+              <a:defRPr/>
+            </a:pPr>
+            <a:r>
+              <a:rPr kumimoji="1" lang="en-US" altLang="ja-JP" sz="1600" b="1" i="0" u="none" strike="noStrike" kern="1200" cap="none" spc="0" normalizeH="0" baseline="0" noProof="0" dirty="0" smtClean="0">
+                <a:ln>
+                  <a:noFill/>
+                </a:ln>
+                <a:solidFill>
+                  <a:schemeClr val="tx1"/>
+                </a:solidFill>
+                <a:effectLst/>
+                <a:uLnTx/>
+                <a:uFillTx/>
+                <a:latin typeface="メイリオ" pitchFamily="50" charset="-128"/>
+                <a:ea typeface="メイリオ" pitchFamily="50" charset="-128"/>
+                <a:cs typeface="メイリオ" pitchFamily="50" charset="-128"/>
+              </a:rPr>
+              <a:t>NetCommons3</a:t>
+            </a:r>
+            <a:r>
+              <a:rPr kumimoji="1" lang="ja-JP" altLang="en-US" sz="1600" b="1" i="0" u="none" strike="noStrike" kern="1200" cap="none" spc="0" normalizeH="0" baseline="0" noProof="0" dirty="0" smtClean="0">
+                <a:ln>
+                  <a:noFill/>
+                </a:ln>
+                <a:solidFill>
+                  <a:schemeClr val="tx1"/>
+                </a:solidFill>
+                <a:effectLst/>
+                <a:uLnTx/>
+                <a:uFillTx/>
+                <a:latin typeface="メイリオ" pitchFamily="50" charset="-128"/>
+                <a:ea typeface="メイリオ" pitchFamily="50" charset="-128"/>
+                <a:cs typeface="メイリオ" pitchFamily="50" charset="-128"/>
+              </a:rPr>
+              <a:t>プロジェクト</a:t>
+            </a:r>
+            <a:endParaRPr kumimoji="1" lang="en-US" altLang="ja-JP" sz="1100" b="1" i="0" u="none" strike="noStrike" kern="1200" cap="none" spc="0" normalizeH="0" baseline="0" noProof="0" dirty="0" smtClean="0">
+              <a:ln>
+                <a:noFill/>
+              </a:ln>
+              <a:solidFill>
+                <a:schemeClr val="bg1">
+                  <a:lumMod val="75000"/>
+                </a:schemeClr>
+              </a:solidFill>
+              <a:effectLst/>
+              <a:uLnTx/>
+              <a:uFillTx/>
+              <a:latin typeface="メイリオ" pitchFamily="50" charset="-128"/>
+              <a:ea typeface="メイリオ" pitchFamily="50" charset="-128"/>
+              <a:cs typeface="メイリオ" pitchFamily="50" charset="-128"/>
+            </a:endParaRPr>
+          </a:p>
+        </p:txBody>
+      </p:sp>
+      <p:sp>
+        <p:nvSpPr>
+          <p:cNvPr id="6" name="角丸四角形 5"/>
+          <p:cNvSpPr/>
+          <p:nvPr/>
+        </p:nvSpPr>
+        <p:spPr>
+          <a:xfrm>
+            <a:off x="323528" y="1196752"/>
+            <a:ext cx="3744416" cy="648072"/>
+          </a:xfrm>
+          <a:prstGeom prst="roundRect">
+            <a:avLst/>
+          </a:prstGeom>
+          <a:effectLst>
+            <a:outerShdw blurRad="50800" dist="38100" dir="5400000" algn="t" rotWithShape="0">
+              <a:prstClr val="black">
+                <a:alpha val="40000"/>
+              </a:prstClr>
+            </a:outerShdw>
+          </a:effectLst>
+          <a:scene3d>
+            <a:camera prst="orthographicFront"/>
+            <a:lightRig rig="threePt" dir="t"/>
+          </a:scene3d>
+          <a:sp3d>
+            <a:bevelT w="139700" prst="cross"/>
+          </a:sp3d>
+        </p:spPr>
+        <p:style>
+          <a:lnRef idx="1">
+            <a:schemeClr val="accent5"/>
+          </a:lnRef>
+          <a:fillRef idx="2">
+            <a:schemeClr val="accent5"/>
+          </a:fillRef>
+          <a:effectRef idx="1">
+            <a:schemeClr val="accent5"/>
+          </a:effectRef>
+          <a:fontRef idx="minor">
+            <a:schemeClr val="dk1"/>
+          </a:fontRef>
+        </p:style>
+        <p:txBody>
+          <a:bodyPr rtlCol="0" anchor="b"/>
+          <a:lstStyle/>
+          <a:p>
+            <a:pPr algn="ctr"/>
+            <a:r>
+              <a:rPr lang="en-US" altLang="ja-JP" sz="3200" b="1" dirty="0" smtClean="0">
+                <a:ea typeface="メイリオ" pitchFamily="50" charset="-128"/>
+                <a:cs typeface="メイリオ" pitchFamily="50" charset="-128"/>
+              </a:rPr>
+              <a:t>NetCommons</a:t>
+            </a:r>
+            <a:r>
+              <a:rPr lang="ja-JP" altLang="en-US" sz="3200" b="1" dirty="0" smtClean="0">
+                <a:ea typeface="メイリオ" pitchFamily="50" charset="-128"/>
+                <a:cs typeface="メイリオ" pitchFamily="50" charset="-128"/>
+              </a:rPr>
+              <a:t> </a:t>
+            </a:r>
+            <a:r>
+              <a:rPr lang="en-US" altLang="ja-JP" sz="3200" b="1" dirty="0" smtClean="0">
+                <a:ea typeface="メイリオ" pitchFamily="50" charset="-128"/>
+                <a:cs typeface="メイリオ" pitchFamily="50" charset="-128"/>
+              </a:rPr>
+              <a:t>3</a:t>
+            </a:r>
+            <a:endParaRPr kumimoji="1" lang="ja-JP" altLang="en-US" sz="3200" b="1" dirty="0">
+              <a:ea typeface="メイリオ" pitchFamily="50" charset="-128"/>
+              <a:cs typeface="メイリオ" pitchFamily="50" charset="-128"/>
+            </a:endParaRPr>
+          </a:p>
+        </p:txBody>
+      </p:sp>
+    </p:spTree>
+  </p:cSld>
+  <p:clrMapOvr>
+    <a:masterClrMapping/>
+  </p:clrMapOvr>
+  <p:timing>
+    <p:tnLst>
+      <p:par>
+        <p:cTn id="1" dur="indefinite" restart="never" nodeType="tmRoot"/>
+      </p:par>
+    </p:tnLst>
+  </p:timing>
+</p:sld>
+</file>
+
+<file path=ppt/slides/slide13.xml><?xml version="1.0" encoding="utf-8"?>
+<p:sld xmlns:a="http://schemas.openxmlformats.org/drawingml/2006/main" xmlns:r="http://schemas.openxmlformats.org/officeDocument/2006/relationships" xmlns:p="http://schemas.openxmlformats.org/presentationml/2006/main">
+  <p:cSld>
+    <p:spTree>
+      <p:nvGrpSpPr>
+        <p:cNvPr id="1" name=""/>
+        <p:cNvGrpSpPr/>
+        <p:nvPr/>
+      </p:nvGrpSpPr>
+      <p:grpSpPr>
+        <a:xfrm>
+          <a:off x="0" y="0"/>
+          <a:ext cx="0" cy="0"/>
+          <a:chOff x="0" y="0"/>
+          <a:chExt cx="0" cy="0"/>
+        </a:xfrm>
+      </p:grpSpPr>
+      <p:sp>
+        <p:nvSpPr>
+          <p:cNvPr id="2" name="タイトル 1"/>
+          <p:cNvSpPr>
+            <a:spLocks noGrp="1"/>
+          </p:cNvSpPr>
+          <p:nvPr>
+            <p:ph type="title"/>
+          </p:nvPr>
+        </p:nvSpPr>
+        <p:spPr/>
+        <p:txBody>
+          <a:bodyPr/>
+          <a:lstStyle/>
+          <a:p>
+            <a:r>
+              <a:rPr kumimoji="1" lang="en-US" altLang="ja-JP" dirty="0" smtClean="0"/>
+              <a:t>1.2 NC2</a:t>
+            </a:r>
+            <a:r>
+              <a:rPr kumimoji="1" lang="ja-JP" altLang="en-US" dirty="0" smtClean="0"/>
+              <a:t>との主な相違点</a:t>
+            </a:r>
+            <a:endParaRPr kumimoji="1" lang="ja-JP" altLang="en-US" dirty="0"/>
+          </a:p>
+        </p:txBody>
+      </p:sp>
+      <p:sp>
+        <p:nvSpPr>
+          <p:cNvPr id="4" name="スライド番号プレースホルダ 3"/>
+          <p:cNvSpPr>
+            <a:spLocks noGrp="1"/>
+          </p:cNvSpPr>
+          <p:nvPr>
+            <p:ph type="sldNum" sz="quarter" idx="12"/>
+          </p:nvPr>
+        </p:nvSpPr>
+        <p:spPr/>
+        <p:txBody>
+          <a:bodyPr/>
+          <a:lstStyle/>
+          <a:p>
+            <a:fld id="{D2D8002D-B5B0-4BAC-B1F6-782DDCCE6D9C}" type="slidenum">
+              <a:rPr lang="ja-JP" altLang="en-US" smtClean="0"/>
+              <a:pPr/>
+              <a:t>13</a:t>
+            </a:fld>
+            <a:endParaRPr lang="ja-JP" altLang="en-US" dirty="0"/>
+          </a:p>
+        </p:txBody>
+      </p:sp>
+      <p:sp>
+        <p:nvSpPr>
+          <p:cNvPr id="5" name="コンテンツ プレースホルダ 5"/>
+          <p:cNvSpPr txBox="1">
+            <a:spLocks/>
+          </p:cNvSpPr>
+          <p:nvPr/>
+        </p:nvSpPr>
+        <p:spPr>
+          <a:xfrm>
+            <a:off x="0" y="0"/>
+            <a:ext cx="9144000" cy="332656"/>
+          </a:xfrm>
+          <a:prstGeom prst="rect">
+            <a:avLst/>
+          </a:prstGeom>
+        </p:spPr>
+        <p:txBody>
+          <a:bodyPr vert="horz" lIns="91440" tIns="45720" rIns="91440" bIns="45720" rtlCol="0">
+            <a:noAutofit/>
+          </a:bodyPr>
+          <a:lstStyle/>
+          <a:p>
+            <a:pPr marL="514350" marR="0" lvl="0" indent="-514350" algn="l" defTabSz="914400" rtl="0" eaLnBrk="1" fontAlgn="auto" latinLnBrk="0" hangingPunct="1">
+              <a:lnSpc>
+                <a:spcPct val="100000"/>
+              </a:lnSpc>
+              <a:spcBef>
+                <a:spcPct val="20000"/>
+              </a:spcBef>
+              <a:spcAft>
+                <a:spcPts val="0"/>
+              </a:spcAft>
+              <a:buClrTx/>
+              <a:buSzTx/>
+              <a:buFont typeface="+mj-lt"/>
+              <a:buAutoNum type="arabicPeriod"/>
+              <a:tabLst/>
+              <a:defRPr/>
+            </a:pPr>
+            <a:r>
+              <a:rPr kumimoji="1" lang="en-US" altLang="ja-JP" sz="1600" b="1" i="0" u="none" strike="noStrike" kern="1200" cap="none" spc="0" normalizeH="0" baseline="0" noProof="0" dirty="0" smtClean="0">
+                <a:ln>
+                  <a:noFill/>
+                </a:ln>
+                <a:solidFill>
+                  <a:schemeClr val="tx1"/>
+                </a:solidFill>
+                <a:effectLst/>
+                <a:uLnTx/>
+                <a:uFillTx/>
+                <a:latin typeface="メイリオ" pitchFamily="50" charset="-128"/>
+                <a:ea typeface="メイリオ" pitchFamily="50" charset="-128"/>
+                <a:cs typeface="メイリオ" pitchFamily="50" charset="-128"/>
+              </a:rPr>
+              <a:t>NetCommons3</a:t>
+            </a:r>
+            <a:r>
+              <a:rPr kumimoji="1" lang="ja-JP" altLang="en-US" sz="1600" b="1" i="0" u="none" strike="noStrike" kern="1200" cap="none" spc="0" normalizeH="0" baseline="0" noProof="0" dirty="0" smtClean="0">
+                <a:ln>
+                  <a:noFill/>
+                </a:ln>
+                <a:solidFill>
+                  <a:schemeClr val="tx1"/>
+                </a:solidFill>
+                <a:effectLst/>
+                <a:uLnTx/>
+                <a:uFillTx/>
+                <a:latin typeface="メイリオ" pitchFamily="50" charset="-128"/>
+                <a:ea typeface="メイリオ" pitchFamily="50" charset="-128"/>
+                <a:cs typeface="メイリオ" pitchFamily="50" charset="-128"/>
+              </a:rPr>
+              <a:t>プロジェクト</a:t>
+            </a:r>
+            <a:endParaRPr kumimoji="1" lang="en-US" altLang="ja-JP" sz="1100" b="1" i="0" u="none" strike="noStrike" kern="1200" cap="none" spc="0" normalizeH="0" baseline="0" noProof="0" dirty="0" smtClean="0">
+              <a:ln>
+                <a:noFill/>
+              </a:ln>
+              <a:solidFill>
+                <a:schemeClr val="bg1">
+                  <a:lumMod val="75000"/>
+                </a:schemeClr>
+              </a:solidFill>
+              <a:effectLst/>
+              <a:uLnTx/>
+              <a:uFillTx/>
+              <a:latin typeface="メイリオ" pitchFamily="50" charset="-128"/>
+              <a:ea typeface="メイリオ" pitchFamily="50" charset="-128"/>
+              <a:cs typeface="メイリオ" pitchFamily="50" charset="-128"/>
+            </a:endParaRPr>
+          </a:p>
+        </p:txBody>
+      </p:sp>
+      <p:sp>
+        <p:nvSpPr>
+          <p:cNvPr id="6" name="角丸四角形 5"/>
+          <p:cNvSpPr/>
+          <p:nvPr/>
+        </p:nvSpPr>
+        <p:spPr>
+          <a:xfrm>
+            <a:off x="827584" y="1700808"/>
+            <a:ext cx="5112568" cy="720080"/>
+          </a:xfrm>
+          <a:prstGeom prst="roundRect">
+            <a:avLst/>
+          </a:prstGeom>
+          <a:effectLst>
+            <a:outerShdw blurRad="50800" dist="38100" dir="5400000" algn="t" rotWithShape="0">
+              <a:prstClr val="black">
+                <a:alpha val="40000"/>
+              </a:prstClr>
+            </a:outerShdw>
+          </a:effectLst>
+          <a:scene3d>
+            <a:camera prst="orthographicFront"/>
+            <a:lightRig rig="threePt" dir="t"/>
+          </a:scene3d>
+          <a:sp3d>
+            <a:bevelT w="139700" prst="cross"/>
+          </a:sp3d>
+        </p:spPr>
+        <p:style>
+          <a:lnRef idx="1">
+            <a:schemeClr val="accent5"/>
+          </a:lnRef>
+          <a:fillRef idx="2">
+            <a:schemeClr val="accent5"/>
+          </a:fillRef>
+          <a:effectRef idx="1">
+            <a:schemeClr val="accent5"/>
+          </a:effectRef>
+          <a:fontRef idx="minor">
+            <a:schemeClr val="dk1"/>
+          </a:fontRef>
+        </p:style>
+        <p:txBody>
+          <a:bodyPr rtlCol="0" anchor="b"/>
+          <a:lstStyle/>
+          <a:p>
+            <a:pPr algn="ctr"/>
+            <a:r>
+              <a:rPr lang="en-US" altLang="ja-JP" sz="3200" b="1" dirty="0" smtClean="0">
+                <a:ea typeface="メイリオ" pitchFamily="50" charset="-128"/>
+                <a:cs typeface="メイリオ" pitchFamily="50" charset="-128"/>
+              </a:rPr>
+              <a:t>PHP</a:t>
+            </a:r>
+            <a:r>
+              <a:rPr lang="ja-JP" altLang="en-US" sz="3200" b="1" dirty="0" smtClean="0">
+                <a:ea typeface="メイリオ" pitchFamily="50" charset="-128"/>
+                <a:cs typeface="メイリオ" pitchFamily="50" charset="-128"/>
+              </a:rPr>
+              <a:t>フレームワーク変更</a:t>
+            </a:r>
+            <a:endParaRPr kumimoji="1" lang="ja-JP" altLang="en-US" sz="3200" b="1" dirty="0">
+              <a:ea typeface="メイリオ" pitchFamily="50" charset="-128"/>
+              <a:cs typeface="メイリオ" pitchFamily="50" charset="-128"/>
+            </a:endParaRPr>
+          </a:p>
+        </p:txBody>
+      </p:sp>
+      <p:sp>
+        <p:nvSpPr>
+          <p:cNvPr id="8" name="角丸四角形 7"/>
+          <p:cNvSpPr/>
+          <p:nvPr/>
+        </p:nvSpPr>
+        <p:spPr>
+          <a:xfrm>
+            <a:off x="2627784" y="2852936"/>
+            <a:ext cx="6048672" cy="792088"/>
+          </a:xfrm>
+          <a:prstGeom prst="roundRect">
+            <a:avLst/>
+          </a:prstGeom>
+          <a:effectLst>
+            <a:outerShdw blurRad="50800" dist="38100" dir="5400000" algn="t" rotWithShape="0">
+              <a:prstClr val="black">
+                <a:alpha val="40000"/>
+              </a:prstClr>
+            </a:outerShdw>
+          </a:effectLst>
+          <a:scene3d>
+            <a:camera prst="orthographicFront"/>
+            <a:lightRig rig="threePt" dir="t"/>
+          </a:scene3d>
+          <a:sp3d>
+            <a:bevelT w="139700" prst="cross"/>
+          </a:sp3d>
+        </p:spPr>
+        <p:style>
+          <a:lnRef idx="1">
+            <a:schemeClr val="accent2"/>
+          </a:lnRef>
+          <a:fillRef idx="2">
+            <a:schemeClr val="accent2"/>
+          </a:fillRef>
+          <a:effectRef idx="1">
+            <a:schemeClr val="accent2"/>
+          </a:effectRef>
+          <a:fontRef idx="minor">
+            <a:schemeClr val="dk1"/>
+          </a:fontRef>
+        </p:style>
+        <p:txBody>
+          <a:bodyPr rtlCol="0" anchor="b"/>
+          <a:lstStyle/>
+          <a:p>
+            <a:pPr algn="ctr"/>
+            <a:r>
+              <a:rPr lang="en-US" altLang="ja-JP" sz="3200" b="1" dirty="0" smtClean="0">
+                <a:ea typeface="メイリオ" pitchFamily="50" charset="-128"/>
+                <a:cs typeface="メイリオ" pitchFamily="50" charset="-128"/>
+              </a:rPr>
+              <a:t>Javascript</a:t>
+            </a:r>
+            <a:r>
+              <a:rPr lang="ja-JP" altLang="en-US" sz="3200" b="1" dirty="0" smtClean="0">
+                <a:ea typeface="メイリオ" pitchFamily="50" charset="-128"/>
+                <a:cs typeface="メイリオ" pitchFamily="50" charset="-128"/>
+              </a:rPr>
+              <a:t>フレームワーク採用</a:t>
+            </a:r>
+            <a:endParaRPr kumimoji="1" lang="ja-JP" altLang="en-US" sz="3200" b="1" dirty="0">
+              <a:ea typeface="メイリオ" pitchFamily="50" charset="-128"/>
+              <a:cs typeface="メイリオ" pitchFamily="50" charset="-128"/>
+            </a:endParaRPr>
+          </a:p>
+        </p:txBody>
+      </p:sp>
+      <p:sp>
+        <p:nvSpPr>
+          <p:cNvPr id="9" name="角丸四角形 8"/>
+          <p:cNvSpPr/>
+          <p:nvPr/>
+        </p:nvSpPr>
+        <p:spPr>
+          <a:xfrm>
+            <a:off x="899592" y="4149080"/>
+            <a:ext cx="4896544" cy="792088"/>
+          </a:xfrm>
+          <a:prstGeom prst="roundRect">
+            <a:avLst/>
+          </a:prstGeom>
+          <a:effectLst>
+            <a:outerShdw blurRad="50800" dist="38100" dir="5400000" algn="t" rotWithShape="0">
+              <a:prstClr val="black">
+                <a:alpha val="40000"/>
+              </a:prstClr>
+            </a:outerShdw>
+          </a:effectLst>
+          <a:scene3d>
+            <a:camera prst="orthographicFront"/>
+            <a:lightRig rig="threePt" dir="t"/>
+          </a:scene3d>
+          <a:sp3d>
+            <a:bevelT w="139700" prst="cross"/>
+          </a:sp3d>
+        </p:spPr>
+        <p:style>
+          <a:lnRef idx="1">
+            <a:schemeClr val="accent6"/>
+          </a:lnRef>
+          <a:fillRef idx="2">
+            <a:schemeClr val="accent6"/>
+          </a:fillRef>
+          <a:effectRef idx="1">
+            <a:schemeClr val="accent6"/>
+          </a:effectRef>
+          <a:fontRef idx="minor">
+            <a:schemeClr val="dk1"/>
+          </a:fontRef>
+        </p:style>
+        <p:txBody>
+          <a:bodyPr rtlCol="0" anchor="b"/>
+          <a:lstStyle/>
+          <a:p>
+            <a:pPr algn="ctr"/>
+            <a:r>
+              <a:rPr lang="en-US" altLang="ja-JP" sz="3200" b="1" dirty="0" smtClean="0">
+                <a:ea typeface="メイリオ" pitchFamily="50" charset="-128"/>
+                <a:cs typeface="メイリオ" pitchFamily="50" charset="-128"/>
+              </a:rPr>
+              <a:t>CSS</a:t>
+            </a:r>
+            <a:r>
+              <a:rPr lang="ja-JP" altLang="en-US" sz="3200" b="1" dirty="0" smtClean="0">
+                <a:ea typeface="メイリオ" pitchFamily="50" charset="-128"/>
+                <a:cs typeface="メイリオ" pitchFamily="50" charset="-128"/>
+              </a:rPr>
+              <a:t>フレームワーク採用</a:t>
+            </a:r>
+            <a:endParaRPr kumimoji="1" lang="ja-JP" altLang="en-US" sz="3200" b="1" dirty="0">
+              <a:ea typeface="メイリオ" pitchFamily="50" charset="-128"/>
+              <a:cs typeface="メイリオ" pitchFamily="50" charset="-128"/>
+            </a:endParaRPr>
+          </a:p>
+        </p:txBody>
+      </p:sp>
+      <p:sp>
+        <p:nvSpPr>
+          <p:cNvPr id="10" name="角丸四角形 9"/>
+          <p:cNvSpPr/>
+          <p:nvPr/>
+        </p:nvSpPr>
+        <p:spPr>
+          <a:xfrm>
+            <a:off x="4355976" y="5301208"/>
+            <a:ext cx="4320480" cy="792088"/>
+          </a:xfrm>
+          <a:prstGeom prst="roundRect">
+            <a:avLst/>
+          </a:prstGeom>
+          <a:effectLst>
+            <a:outerShdw blurRad="50800" dist="38100" dir="5400000" algn="t" rotWithShape="0">
+              <a:prstClr val="black">
+                <a:alpha val="40000"/>
+              </a:prstClr>
+            </a:outerShdw>
+          </a:effectLst>
+          <a:scene3d>
+            <a:camera prst="orthographicFront"/>
+            <a:lightRig rig="threePt" dir="t"/>
+          </a:scene3d>
+          <a:sp3d>
+            <a:bevelT w="139700" prst="cross"/>
+          </a:sp3d>
+        </p:spPr>
+        <p:style>
+          <a:lnRef idx="1">
+            <a:schemeClr val="accent1"/>
+          </a:lnRef>
+          <a:fillRef idx="2">
+            <a:schemeClr val="accent1"/>
+          </a:fillRef>
+          <a:effectRef idx="1">
+            <a:schemeClr val="accent1"/>
+          </a:effectRef>
+          <a:fontRef idx="minor">
+            <a:schemeClr val="dk1"/>
+          </a:fontRef>
+        </p:style>
+        <p:txBody>
+          <a:bodyPr rtlCol="0" anchor="b"/>
+          <a:lstStyle/>
+          <a:p>
+            <a:pPr algn="ctr"/>
+            <a:r>
+              <a:rPr kumimoji="1" lang="en-US" altLang="ja-JP" sz="3200" b="1" dirty="0" smtClean="0">
+                <a:ea typeface="メイリオ" pitchFamily="50" charset="-128"/>
+                <a:cs typeface="メイリオ" pitchFamily="50" charset="-128"/>
+              </a:rPr>
+              <a:t>CI</a:t>
+            </a:r>
+            <a:r>
+              <a:rPr kumimoji="1" lang="ja-JP" altLang="en-US" sz="3200" b="1" dirty="0" smtClean="0">
+                <a:ea typeface="メイリオ" pitchFamily="50" charset="-128"/>
+                <a:cs typeface="メイリオ" pitchFamily="50" charset="-128"/>
+              </a:rPr>
+              <a:t>ツール採用</a:t>
+            </a:r>
+            <a:endParaRPr kumimoji="1" lang="ja-JP" altLang="en-US" sz="3200" b="1" dirty="0">
+              <a:ea typeface="メイリオ" pitchFamily="50" charset="-128"/>
+              <a:cs typeface="メイリオ" pitchFamily="50" charset="-128"/>
+            </a:endParaRPr>
+          </a:p>
+        </p:txBody>
+      </p:sp>
+    </p:spTree>
+  </p:cSld>
+  <p:clrMapOvr>
+    <a:masterClrMapping/>
+  </p:clrMapOvr>
+  <p:timing>
+    <p:tnLst>
+      <p:par>
+        <p:cTn id="1" dur="indefinite" restart="never" nodeType="tmRoot"/>
+      </p:par>
+    </p:tnLst>
+  </p:timing>
+</p:sld>
+</file>
+
+<file path=ppt/slides/slide14.xml><?xml version="1.0" encoding="utf-8"?>
+<p:sld xmlns:a="http://schemas.openxmlformats.org/drawingml/2006/main" xmlns:r="http://schemas.openxmlformats.org/officeDocument/2006/relationships" xmlns:p="http://schemas.openxmlformats.org/presentationml/2006/main">
+  <p:cSld>
+    <p:spTree>
+      <p:nvGrpSpPr>
+        <p:cNvPr id="1" name=""/>
+        <p:cNvGrpSpPr/>
+        <p:nvPr/>
+      </p:nvGrpSpPr>
+      <p:grpSpPr>
+        <a:xfrm>
+          <a:off x="0" y="0"/>
+          <a:ext cx="0" cy="0"/>
+          <a:chOff x="0" y="0"/>
+          <a:chExt cx="0" cy="0"/>
+        </a:xfrm>
+      </p:grpSpPr>
+      <p:sp>
+        <p:nvSpPr>
+          <p:cNvPr id="2" name="タイトル 1"/>
+          <p:cNvSpPr>
+            <a:spLocks noGrp="1"/>
+          </p:cNvSpPr>
+          <p:nvPr>
+            <p:ph type="title"/>
+          </p:nvPr>
+        </p:nvSpPr>
+        <p:spPr/>
+        <p:txBody>
+          <a:bodyPr/>
+          <a:lstStyle/>
+          <a:p>
+            <a:r>
+              <a:rPr kumimoji="1" lang="en-US" altLang="ja-JP" dirty="0" smtClean="0"/>
+              <a:t>1.2 NC2</a:t>
+            </a:r>
+            <a:r>
+              <a:rPr kumimoji="1" lang="ja-JP" altLang="en-US" dirty="0" smtClean="0"/>
+              <a:t>との主な相違点</a:t>
+            </a:r>
+            <a:endParaRPr kumimoji="1" lang="ja-JP" altLang="en-US" dirty="0"/>
+          </a:p>
+        </p:txBody>
+      </p:sp>
+      <p:sp>
+        <p:nvSpPr>
+          <p:cNvPr id="4" name="スライド番号プレースホルダ 3"/>
+          <p:cNvSpPr>
+            <a:spLocks noGrp="1"/>
+          </p:cNvSpPr>
+          <p:nvPr>
+            <p:ph type="sldNum" sz="quarter" idx="12"/>
+          </p:nvPr>
+        </p:nvSpPr>
+        <p:spPr/>
+        <p:txBody>
+          <a:bodyPr/>
+          <a:lstStyle/>
+          <a:p>
+            <a:fld id="{D2D8002D-B5B0-4BAC-B1F6-782DDCCE6D9C}" type="slidenum">
+              <a:rPr lang="ja-JP" altLang="en-US" smtClean="0"/>
+              <a:pPr/>
+              <a:t>14</a:t>
+            </a:fld>
+            <a:endParaRPr lang="ja-JP" altLang="en-US" dirty="0"/>
+          </a:p>
+        </p:txBody>
+      </p:sp>
+      <p:sp>
+        <p:nvSpPr>
+          <p:cNvPr id="5" name="コンテンツ プレースホルダ 5"/>
+          <p:cNvSpPr txBox="1">
+            <a:spLocks/>
+          </p:cNvSpPr>
+          <p:nvPr/>
+        </p:nvSpPr>
+        <p:spPr>
+          <a:xfrm>
+            <a:off x="0" y="0"/>
+            <a:ext cx="9144000" cy="332656"/>
+          </a:xfrm>
+          <a:prstGeom prst="rect">
+            <a:avLst/>
+          </a:prstGeom>
+        </p:spPr>
+        <p:txBody>
+          <a:bodyPr vert="horz" lIns="91440" tIns="45720" rIns="91440" bIns="45720" rtlCol="0">
+            <a:noAutofit/>
+          </a:bodyPr>
+          <a:lstStyle/>
+          <a:p>
+            <a:pPr marL="514350" marR="0" lvl="0" indent="-514350" algn="l" defTabSz="914400" rtl="0" eaLnBrk="1" fontAlgn="auto" latinLnBrk="0" hangingPunct="1">
+              <a:lnSpc>
+                <a:spcPct val="100000"/>
+              </a:lnSpc>
+              <a:spcBef>
+                <a:spcPct val="20000"/>
+              </a:spcBef>
+              <a:spcAft>
+                <a:spcPts val="0"/>
+              </a:spcAft>
+              <a:buClrTx/>
+              <a:buSzTx/>
+              <a:buFont typeface="+mj-lt"/>
+              <a:buAutoNum type="arabicPeriod"/>
+              <a:tabLst/>
+              <a:defRPr/>
+            </a:pPr>
+            <a:r>
+              <a:rPr kumimoji="1" lang="en-US" altLang="ja-JP" sz="1600" b="1" i="0" u="none" strike="noStrike" kern="1200" cap="none" spc="0" normalizeH="0" baseline="0" noProof="0" dirty="0" smtClean="0">
+                <a:ln>
+                  <a:noFill/>
+                </a:ln>
+                <a:solidFill>
+                  <a:schemeClr val="tx1"/>
+                </a:solidFill>
+                <a:effectLst/>
+                <a:uLnTx/>
+                <a:uFillTx/>
+                <a:latin typeface="メイリオ" pitchFamily="50" charset="-128"/>
+                <a:ea typeface="メイリオ" pitchFamily="50" charset="-128"/>
+                <a:cs typeface="メイリオ" pitchFamily="50" charset="-128"/>
+              </a:rPr>
+              <a:t>NetCommons3</a:t>
+            </a:r>
+            <a:r>
+              <a:rPr kumimoji="1" lang="ja-JP" altLang="en-US" sz="1600" b="1" i="0" u="none" strike="noStrike" kern="1200" cap="none" spc="0" normalizeH="0" baseline="0" noProof="0" dirty="0" smtClean="0">
+                <a:ln>
+                  <a:noFill/>
+                </a:ln>
+                <a:solidFill>
+                  <a:schemeClr val="tx1"/>
+                </a:solidFill>
+                <a:effectLst/>
+                <a:uLnTx/>
+                <a:uFillTx/>
+                <a:latin typeface="メイリオ" pitchFamily="50" charset="-128"/>
+                <a:ea typeface="メイリオ" pitchFamily="50" charset="-128"/>
+                <a:cs typeface="メイリオ" pitchFamily="50" charset="-128"/>
+              </a:rPr>
+              <a:t>プロジェクト</a:t>
+            </a:r>
+            <a:endParaRPr kumimoji="1" lang="en-US" altLang="ja-JP" sz="1100" b="1" i="0" u="none" strike="noStrike" kern="1200" cap="none" spc="0" normalizeH="0" baseline="0" noProof="0" dirty="0" smtClean="0">
+              <a:ln>
+                <a:noFill/>
+              </a:ln>
+              <a:solidFill>
+                <a:schemeClr val="bg1">
+                  <a:lumMod val="75000"/>
+                </a:schemeClr>
+              </a:solidFill>
+              <a:effectLst/>
+              <a:uLnTx/>
+              <a:uFillTx/>
+              <a:latin typeface="メイリオ" pitchFamily="50" charset="-128"/>
+              <a:ea typeface="メイリオ" pitchFamily="50" charset="-128"/>
+              <a:cs typeface="メイリオ" pitchFamily="50" charset="-128"/>
+            </a:endParaRPr>
+          </a:p>
+        </p:txBody>
+      </p:sp>
+      <p:sp>
+        <p:nvSpPr>
+          <p:cNvPr id="6" name="角丸四角形 5"/>
+          <p:cNvSpPr/>
+          <p:nvPr/>
+        </p:nvSpPr>
+        <p:spPr>
+          <a:xfrm>
+            <a:off x="827584" y="1700808"/>
+            <a:ext cx="5112568" cy="720080"/>
+          </a:xfrm>
+          <a:prstGeom prst="roundRect">
+            <a:avLst/>
+          </a:prstGeom>
+          <a:effectLst>
+            <a:outerShdw blurRad="50800" dist="38100" dir="5400000" algn="t" rotWithShape="0">
+              <a:prstClr val="black">
+                <a:alpha val="40000"/>
+              </a:prstClr>
+            </a:outerShdw>
+          </a:effectLst>
+          <a:scene3d>
+            <a:camera prst="orthographicFront"/>
+            <a:lightRig rig="threePt" dir="t"/>
+          </a:scene3d>
+          <a:sp3d>
+            <a:bevelT w="139700" prst="cross"/>
+          </a:sp3d>
+        </p:spPr>
+        <p:style>
+          <a:lnRef idx="1">
+            <a:schemeClr val="accent5"/>
+          </a:lnRef>
+          <a:fillRef idx="2">
+            <a:schemeClr val="accent5"/>
+          </a:fillRef>
+          <a:effectRef idx="1">
+            <a:schemeClr val="accent5"/>
+          </a:effectRef>
+          <a:fontRef idx="minor">
+            <a:schemeClr val="dk1"/>
+          </a:fontRef>
+        </p:style>
+        <p:txBody>
+          <a:bodyPr rtlCol="0" anchor="b"/>
+          <a:lstStyle/>
+          <a:p>
+            <a:pPr algn="ctr"/>
+            <a:r>
+              <a:rPr lang="en-US" altLang="ja-JP" sz="3200" b="1" dirty="0" smtClean="0">
+                <a:ea typeface="メイリオ" pitchFamily="50" charset="-128"/>
+                <a:cs typeface="メイリオ" pitchFamily="50" charset="-128"/>
+              </a:rPr>
+              <a:t>PHP</a:t>
+            </a:r>
+            <a:r>
+              <a:rPr lang="ja-JP" altLang="en-US" sz="3200" b="1" dirty="0" smtClean="0">
+                <a:ea typeface="メイリオ" pitchFamily="50" charset="-128"/>
+                <a:cs typeface="メイリオ" pitchFamily="50" charset="-128"/>
+              </a:rPr>
+              <a:t>フレームワーク変更</a:t>
+            </a:r>
+            <a:endParaRPr kumimoji="1" lang="ja-JP" altLang="en-US" sz="3200" b="1" dirty="0">
+              <a:ea typeface="メイリオ" pitchFamily="50" charset="-128"/>
+              <a:cs typeface="メイリオ" pitchFamily="50" charset="-128"/>
+            </a:endParaRPr>
+          </a:p>
+        </p:txBody>
+      </p:sp>
+      <p:sp>
+        <p:nvSpPr>
+          <p:cNvPr id="8" name="角丸四角形 7"/>
+          <p:cNvSpPr/>
+          <p:nvPr/>
+        </p:nvSpPr>
+        <p:spPr>
+          <a:xfrm>
+            <a:off x="2627784" y="2852936"/>
+            <a:ext cx="6048672" cy="792088"/>
+          </a:xfrm>
+          <a:prstGeom prst="roundRect">
+            <a:avLst/>
+          </a:prstGeom>
+          <a:effectLst>
+            <a:outerShdw blurRad="50800" dist="38100" dir="5400000" algn="t" rotWithShape="0">
+              <a:prstClr val="black">
+                <a:alpha val="40000"/>
+              </a:prstClr>
+            </a:outerShdw>
+          </a:effectLst>
+          <a:scene3d>
+            <a:camera prst="orthographicFront"/>
+            <a:lightRig rig="threePt" dir="t"/>
+          </a:scene3d>
+          <a:sp3d>
+            <a:bevelT w="139700" prst="cross"/>
+          </a:sp3d>
+        </p:spPr>
+        <p:style>
+          <a:lnRef idx="1">
+            <a:schemeClr val="accent2"/>
+          </a:lnRef>
+          <a:fillRef idx="2">
+            <a:schemeClr val="accent2"/>
+          </a:fillRef>
+          <a:effectRef idx="1">
+            <a:schemeClr val="accent2"/>
+          </a:effectRef>
+          <a:fontRef idx="minor">
+            <a:schemeClr val="dk1"/>
+          </a:fontRef>
+        </p:style>
+        <p:txBody>
+          <a:bodyPr rtlCol="0" anchor="b"/>
+          <a:lstStyle/>
+          <a:p>
+            <a:pPr algn="ctr"/>
+            <a:r>
+              <a:rPr lang="en-US" altLang="ja-JP" sz="3200" b="1" dirty="0" smtClean="0">
+                <a:ea typeface="メイリオ" pitchFamily="50" charset="-128"/>
+                <a:cs typeface="メイリオ" pitchFamily="50" charset="-128"/>
+              </a:rPr>
+              <a:t>Javascript</a:t>
+            </a:r>
+            <a:r>
+              <a:rPr lang="ja-JP" altLang="en-US" sz="3200" b="1" dirty="0" smtClean="0">
+                <a:ea typeface="メイリオ" pitchFamily="50" charset="-128"/>
+                <a:cs typeface="メイリオ" pitchFamily="50" charset="-128"/>
+              </a:rPr>
+              <a:t>フレームワーク採用</a:t>
+            </a:r>
+            <a:endParaRPr kumimoji="1" lang="ja-JP" altLang="en-US" sz="3200" b="1" dirty="0">
+              <a:ea typeface="メイリオ" pitchFamily="50" charset="-128"/>
+              <a:cs typeface="メイリオ" pitchFamily="50" charset="-128"/>
+            </a:endParaRPr>
+          </a:p>
+        </p:txBody>
+      </p:sp>
+      <p:sp>
+        <p:nvSpPr>
+          <p:cNvPr id="9" name="角丸四角形 8"/>
+          <p:cNvSpPr/>
+          <p:nvPr/>
+        </p:nvSpPr>
+        <p:spPr>
+          <a:xfrm>
+            <a:off x="899592" y="4149080"/>
+            <a:ext cx="4896544" cy="792088"/>
+          </a:xfrm>
+          <a:prstGeom prst="roundRect">
+            <a:avLst/>
+          </a:prstGeom>
+          <a:effectLst>
+            <a:outerShdw blurRad="50800" dist="38100" dir="5400000" algn="t" rotWithShape="0">
+              <a:prstClr val="black">
+                <a:alpha val="40000"/>
+              </a:prstClr>
+            </a:outerShdw>
+          </a:effectLst>
+          <a:scene3d>
+            <a:camera prst="orthographicFront"/>
+            <a:lightRig rig="threePt" dir="t"/>
+          </a:scene3d>
+          <a:sp3d>
+            <a:bevelT w="139700" prst="cross"/>
+          </a:sp3d>
+        </p:spPr>
+        <p:style>
+          <a:lnRef idx="1">
+            <a:schemeClr val="accent6"/>
+          </a:lnRef>
+          <a:fillRef idx="2">
+            <a:schemeClr val="accent6"/>
+          </a:fillRef>
+          <a:effectRef idx="1">
+            <a:schemeClr val="accent6"/>
+          </a:effectRef>
+          <a:fontRef idx="minor">
+            <a:schemeClr val="dk1"/>
+          </a:fontRef>
+        </p:style>
+        <p:txBody>
+          <a:bodyPr rtlCol="0" anchor="b"/>
+          <a:lstStyle/>
+          <a:p>
+            <a:pPr algn="ctr"/>
+            <a:r>
+              <a:rPr lang="en-US" altLang="ja-JP" sz="3200" b="1" dirty="0" smtClean="0">
+                <a:ea typeface="メイリオ" pitchFamily="50" charset="-128"/>
+                <a:cs typeface="メイリオ" pitchFamily="50" charset="-128"/>
+              </a:rPr>
+              <a:t>CSS</a:t>
+            </a:r>
+            <a:r>
+              <a:rPr lang="ja-JP" altLang="en-US" sz="3200" b="1" dirty="0" smtClean="0">
+                <a:ea typeface="メイリオ" pitchFamily="50" charset="-128"/>
+                <a:cs typeface="メイリオ" pitchFamily="50" charset="-128"/>
+              </a:rPr>
+              <a:t>フレームワーク採用</a:t>
+            </a:r>
+            <a:endParaRPr kumimoji="1" lang="ja-JP" altLang="en-US" sz="3200" b="1" dirty="0">
+              <a:ea typeface="メイリオ" pitchFamily="50" charset="-128"/>
+              <a:cs typeface="メイリオ" pitchFamily="50" charset="-128"/>
+            </a:endParaRPr>
+          </a:p>
+        </p:txBody>
+      </p:sp>
+      <p:sp>
+        <p:nvSpPr>
+          <p:cNvPr id="10" name="角丸四角形 9"/>
+          <p:cNvSpPr/>
+          <p:nvPr/>
+        </p:nvSpPr>
+        <p:spPr>
+          <a:xfrm>
+            <a:off x="4355976" y="5301208"/>
+            <a:ext cx="4320480" cy="792088"/>
+          </a:xfrm>
+          <a:prstGeom prst="roundRect">
+            <a:avLst/>
+          </a:prstGeom>
+          <a:effectLst>
+            <a:outerShdw blurRad="50800" dist="38100" dir="5400000" algn="t" rotWithShape="0">
+              <a:prstClr val="black">
+                <a:alpha val="40000"/>
+              </a:prstClr>
+            </a:outerShdw>
+          </a:effectLst>
+          <a:scene3d>
+            <a:camera prst="orthographicFront"/>
+            <a:lightRig rig="threePt" dir="t"/>
+          </a:scene3d>
+          <a:sp3d>
+            <a:bevelT w="139700" prst="cross"/>
+          </a:sp3d>
+        </p:spPr>
+        <p:style>
+          <a:lnRef idx="1">
+            <a:schemeClr val="accent1"/>
+          </a:lnRef>
+          <a:fillRef idx="2">
+            <a:schemeClr val="accent1"/>
+          </a:fillRef>
+          <a:effectRef idx="1">
+            <a:schemeClr val="accent1"/>
+          </a:effectRef>
+          <a:fontRef idx="minor">
+            <a:schemeClr val="dk1"/>
+          </a:fontRef>
+        </p:style>
+        <p:txBody>
+          <a:bodyPr rtlCol="0" anchor="b"/>
+          <a:lstStyle/>
+          <a:p>
+            <a:pPr algn="ctr"/>
+            <a:r>
+              <a:rPr kumimoji="1" lang="en-US" altLang="ja-JP" sz="3200" b="1" dirty="0" smtClean="0">
+                <a:ea typeface="メイリオ" pitchFamily="50" charset="-128"/>
+                <a:cs typeface="メイリオ" pitchFamily="50" charset="-128"/>
+              </a:rPr>
+              <a:t>CI</a:t>
+            </a:r>
+            <a:r>
+              <a:rPr kumimoji="1" lang="ja-JP" altLang="en-US" sz="3200" b="1" dirty="0" smtClean="0">
+                <a:ea typeface="メイリオ" pitchFamily="50" charset="-128"/>
+                <a:cs typeface="メイリオ" pitchFamily="50" charset="-128"/>
+              </a:rPr>
+              <a:t>ツール採用</a:t>
+            </a:r>
+            <a:endParaRPr kumimoji="1" lang="ja-JP" altLang="en-US" sz="3200" b="1" dirty="0">
+              <a:ea typeface="メイリオ" pitchFamily="50" charset="-128"/>
+              <a:cs typeface="メイリオ" pitchFamily="50" charset="-128"/>
+            </a:endParaRPr>
+          </a:p>
+        </p:txBody>
+      </p:sp>
+      <p:sp>
+        <p:nvSpPr>
+          <p:cNvPr id="11" name="角丸四角形吹き出し 10"/>
+          <p:cNvSpPr/>
+          <p:nvPr/>
+        </p:nvSpPr>
+        <p:spPr>
+          <a:xfrm>
+            <a:off x="251520" y="2708920"/>
+            <a:ext cx="8640960" cy="3960440"/>
+          </a:xfrm>
+          <a:prstGeom prst="wedgeRoundRectCallout">
+            <a:avLst>
+              <a:gd name="adj1" fmla="val -21599"/>
+              <a:gd name="adj2" fmla="val -56790"/>
+              <a:gd name="adj3" fmla="val 16667"/>
+            </a:avLst>
+          </a:prstGeom>
+          <a:scene3d>
+            <a:camera prst="orthographicFront"/>
+            <a:lightRig rig="threePt" dir="t"/>
+          </a:scene3d>
+          <a:sp3d>
+            <a:bevelT prst="relaxedInset"/>
+          </a:sp3d>
+        </p:spPr>
+        <p:style>
+          <a:lnRef idx="1">
+            <a:schemeClr val="accent5"/>
+          </a:lnRef>
+          <a:fillRef idx="2">
+            <a:schemeClr val="accent5"/>
+          </a:fillRef>
+          <a:effectRef idx="1">
+            <a:schemeClr val="accent5"/>
+          </a:effectRef>
+          <a:fontRef idx="minor">
+            <a:schemeClr val="dk1"/>
+          </a:fontRef>
+        </p:style>
+        <p:txBody>
+          <a:bodyPr rtlCol="0" anchor="t"/>
+          <a:lstStyle/>
+          <a:p>
+            <a:r>
+              <a:rPr kumimoji="1" lang="en-US" altLang="ja-JP" sz="2800" b="1" dirty="0" smtClean="0"/>
+              <a:t>[NC2</a:t>
+            </a:r>
+            <a:r>
+              <a:rPr lang="ja-JP" altLang="en-US" sz="2800" b="1" dirty="0" smtClean="0"/>
+              <a:t>以前</a:t>
+            </a:r>
+            <a:r>
+              <a:rPr kumimoji="1" lang="en-US" altLang="ja-JP" sz="2800" b="1" dirty="0" smtClean="0"/>
+              <a:t>]</a:t>
+            </a:r>
+          </a:p>
+          <a:p>
+            <a:r>
+              <a:rPr lang="ja-JP" altLang="en-US" sz="2800" b="1" dirty="0" smtClean="0"/>
+              <a:t>　</a:t>
+            </a:r>
+            <a:r>
+              <a:rPr kumimoji="1" lang="en-US" altLang="ja-JP" sz="2800" b="1" dirty="0" smtClean="0"/>
+              <a:t>Maple</a:t>
+            </a:r>
+            <a:r>
+              <a:rPr kumimoji="1" lang="ja-JP" altLang="en-US" sz="2800" b="1" dirty="0" smtClean="0"/>
+              <a:t>　　・開発者が日本人でドキュメントが豊富</a:t>
+            </a:r>
+            <a:endParaRPr kumimoji="1" lang="en-US" altLang="ja-JP" sz="2800" b="1" dirty="0" smtClean="0"/>
+          </a:p>
+          <a:p>
+            <a:r>
+              <a:rPr lang="ja-JP" altLang="en-US" sz="2800" b="1" dirty="0" smtClean="0"/>
+              <a:t>　　　　　　　・開発は終了しており、サポートがない</a:t>
+            </a:r>
+            <a:endParaRPr lang="en-US" altLang="ja-JP" sz="2800" b="1" dirty="0" smtClean="0"/>
+          </a:p>
+          <a:p>
+            <a:r>
+              <a:rPr lang="en-US" altLang="ja-JP" sz="2800" b="1" dirty="0" smtClean="0"/>
+              <a:t>[NC3]</a:t>
+            </a:r>
+          </a:p>
+          <a:p>
+            <a:r>
+              <a:rPr lang="ja-JP" altLang="en-US" sz="2800" b="1" dirty="0" smtClean="0"/>
+              <a:t>　</a:t>
+            </a:r>
+            <a:r>
+              <a:rPr lang="en-US" altLang="ja-JP" sz="2800" b="1" dirty="0" smtClean="0"/>
+              <a:t>CakePHP</a:t>
+            </a:r>
+            <a:r>
+              <a:rPr lang="ja-JP" altLang="en-US" sz="2800" b="1" dirty="0" smtClean="0"/>
+              <a:t>　　  ・日本国内では最も使われている</a:t>
+            </a:r>
+            <a:endParaRPr lang="en-US" altLang="ja-JP" sz="2800" b="1" dirty="0" smtClean="0"/>
+          </a:p>
+          <a:p>
+            <a:r>
+              <a:rPr kumimoji="1" lang="ja-JP" altLang="en-US" sz="2800" b="1" dirty="0" smtClean="0"/>
+              <a:t>　　　　　　　　　・ドキュメントやノウハウが豊富</a:t>
+            </a:r>
+            <a:endParaRPr kumimoji="1" lang="en-US" altLang="ja-JP" sz="2800" b="1" dirty="0" smtClean="0"/>
+          </a:p>
+          <a:p>
+            <a:r>
+              <a:rPr lang="ja-JP" altLang="en-US" sz="2800" b="1" dirty="0" smtClean="0"/>
+              <a:t>　　　　　　　　　・</a:t>
+            </a:r>
+            <a:r>
+              <a:rPr lang="en-US" altLang="ja-JP" sz="2800" b="1" dirty="0" smtClean="0"/>
+              <a:t>MVC</a:t>
+            </a:r>
+            <a:r>
+              <a:rPr lang="ja-JP" altLang="en-US" sz="2800" b="1" dirty="0" smtClean="0"/>
+              <a:t>モデルが採用されている</a:t>
+            </a:r>
+            <a:endParaRPr lang="en-US" altLang="ja-JP" sz="2800" b="1" dirty="0" smtClean="0"/>
+          </a:p>
+          <a:p>
+            <a:r>
+              <a:rPr kumimoji="1" lang="ja-JP" altLang="en-US" sz="2800" b="1" dirty="0" smtClean="0"/>
+              <a:t>　　　　　　　　　・</a:t>
+            </a:r>
+            <a:r>
+              <a:rPr lang="ja-JP" altLang="en-US" sz="2800" b="1" dirty="0" smtClean="0"/>
+              <a:t>現在も盛んに開発が行われている</a:t>
+            </a:r>
+            <a:endParaRPr kumimoji="1" lang="ja-JP" altLang="en-US" sz="2800" b="1" dirty="0"/>
+          </a:p>
+        </p:txBody>
+      </p:sp>
+    </p:spTree>
+  </p:cSld>
+  <p:clrMapOvr>
+    <a:masterClrMapping/>
+  </p:clrMapOvr>
+  <p:timing>
+    <p:tnLst>
+      <p:par>
+        <p:cTn id="1" dur="indefinite" restart="never" nodeType="tmRoot"/>
+      </p:par>
+    </p:tnLst>
+  </p:timing>
+</p:sld>
+</file>
+
+<file path=ppt/slides/slide15.xml><?xml version="1.0" encoding="utf-8"?>
+<p:sld xmlns:a="http://schemas.openxmlformats.org/drawingml/2006/main" xmlns:r="http://schemas.openxmlformats.org/officeDocument/2006/relationships" xmlns:p="http://schemas.openxmlformats.org/presentationml/2006/main">
+  <p:cSld>
+    <p:spTree>
+      <p:nvGrpSpPr>
+        <p:cNvPr id="1" name=""/>
+        <p:cNvGrpSpPr/>
+        <p:nvPr/>
+      </p:nvGrpSpPr>
+      <p:grpSpPr>
+        <a:xfrm>
+          <a:off x="0" y="0"/>
+          <a:ext cx="0" cy="0"/>
+          <a:chOff x="0" y="0"/>
+          <a:chExt cx="0" cy="0"/>
+        </a:xfrm>
+      </p:grpSpPr>
+      <p:sp>
+        <p:nvSpPr>
+          <p:cNvPr id="2" name="タイトル 1"/>
+          <p:cNvSpPr>
+            <a:spLocks noGrp="1"/>
+          </p:cNvSpPr>
+          <p:nvPr>
+            <p:ph type="title"/>
+          </p:nvPr>
+        </p:nvSpPr>
+        <p:spPr/>
+        <p:txBody>
+          <a:bodyPr/>
+          <a:lstStyle/>
+          <a:p>
+            <a:r>
+              <a:rPr kumimoji="1" lang="en-US" altLang="ja-JP" dirty="0" smtClean="0"/>
+              <a:t>1.2 NC2</a:t>
+            </a:r>
+            <a:r>
+              <a:rPr kumimoji="1" lang="ja-JP" altLang="en-US" dirty="0" smtClean="0"/>
+              <a:t>との主な相違点</a:t>
+            </a:r>
+            <a:endParaRPr kumimoji="1" lang="ja-JP" altLang="en-US" dirty="0"/>
+          </a:p>
+        </p:txBody>
+      </p:sp>
+      <p:sp>
+        <p:nvSpPr>
+          <p:cNvPr id="4" name="スライド番号プレースホルダ 3"/>
+          <p:cNvSpPr>
+            <a:spLocks noGrp="1"/>
+          </p:cNvSpPr>
+          <p:nvPr>
+            <p:ph type="sldNum" sz="quarter" idx="12"/>
+          </p:nvPr>
+        </p:nvSpPr>
+        <p:spPr/>
+        <p:txBody>
+          <a:bodyPr/>
+          <a:lstStyle/>
+          <a:p>
+            <a:fld id="{D2D8002D-B5B0-4BAC-B1F6-782DDCCE6D9C}" type="slidenum">
+              <a:rPr lang="ja-JP" altLang="en-US" smtClean="0"/>
+              <a:pPr/>
+              <a:t>15</a:t>
             </a:fld>
             <a:endParaRPr lang="ja-JP" altLang="en-US" dirty="0"/>
           </a:p>
@@ -7456,7 +9991,7 @@
 </p:sld>
 </file>
 
-<file path=ppt/slides/slide11.xml><?xml version="1.0" encoding="utf-8"?>
+<file path=ppt/slides/slide16.xml><?xml version="1.0" encoding="utf-8"?>
 <p:sld xmlns:a="http://schemas.openxmlformats.org/drawingml/2006/main" xmlns:r="http://schemas.openxmlformats.org/officeDocument/2006/relationships" xmlns:p="http://schemas.openxmlformats.org/presentationml/2006/main">
   <p:cSld>
     <p:spTree>
@@ -7518,7 +10053,7 @@
             <a:fld id="{D2D8002D-B5B0-4BAC-B1F6-782DDCCE6D9C}" type="slidenum">
               <a:rPr lang="ja-JP" altLang="en-US" smtClean="0"/>
               <a:pPr/>
-              <a:t>11</a:t>
+              <a:t>16</a:t>
             </a:fld>
             <a:endParaRPr lang="ja-JP" altLang="en-US" dirty="0"/>
           </a:p>
@@ -8034,7 +10569,7 @@
 </p:sld>
 </file>
 
-<file path=ppt/slides/slide12.xml><?xml version="1.0" encoding="utf-8"?>
+<file path=ppt/slides/slide17.xml><?xml version="1.0" encoding="utf-8"?>
 <p:sld xmlns:a="http://schemas.openxmlformats.org/drawingml/2006/main" xmlns:r="http://schemas.openxmlformats.org/officeDocument/2006/relationships" xmlns:p="http://schemas.openxmlformats.org/presentationml/2006/main">
   <p:cSld>
     <p:spTree>
@@ -8096,7 +10631,7 @@
             <a:fld id="{D2D8002D-B5B0-4BAC-B1F6-782DDCCE6D9C}" type="slidenum">
               <a:rPr lang="ja-JP" altLang="en-US" smtClean="0"/>
               <a:pPr/>
-              <a:t>12</a:t>
+              <a:t>17</a:t>
             </a:fld>
             <a:endParaRPr lang="ja-JP" altLang="en-US" dirty="0"/>
           </a:p>
@@ -8735,7 +11270,7 @@
 </p:sld>
 </file>
 
-<file path=ppt/slides/slide13.xml><?xml version="1.0" encoding="utf-8"?>
+<file path=ppt/slides/slide18.xml><?xml version="1.0" encoding="utf-8"?>
 <p:sld xmlns:a="http://schemas.openxmlformats.org/drawingml/2006/main" xmlns:r="http://schemas.openxmlformats.org/officeDocument/2006/relationships" xmlns:p="http://schemas.openxmlformats.org/presentationml/2006/main">
   <p:cSld>
     <p:spTree>
@@ -8793,7 +11328,7 @@
             <a:fld id="{D2D8002D-B5B0-4BAC-B1F6-782DDCCE6D9C}" type="slidenum">
               <a:rPr kumimoji="1" lang="ja-JP" altLang="en-US" smtClean="0"/>
               <a:pPr/>
-              <a:t>13</a:t>
+              <a:t>18</a:t>
             </a:fld>
             <a:endParaRPr kumimoji="1" lang="ja-JP" altLang="en-US" dirty="0"/>
           </a:p>
@@ -9071,7 +11606,7 @@
 </p:sld>
 </file>
 
-<file path=ppt/slides/slide14.xml><?xml version="1.0" encoding="utf-8"?>
+<file path=ppt/slides/slide19.xml><?xml version="1.0" encoding="utf-8"?>
 <p:sld xmlns:a="http://schemas.openxmlformats.org/drawingml/2006/main" xmlns:r="http://schemas.openxmlformats.org/officeDocument/2006/relationships" xmlns:p="http://schemas.openxmlformats.org/presentationml/2006/main">
   <p:cSld>
     <p:spTree>
@@ -9210,7 +11745,7 @@
             <a:fld id="{D2D8002D-B5B0-4BAC-B1F6-782DDCCE6D9C}" type="slidenum">
               <a:rPr lang="ja-JP" altLang="en-US" smtClean="0"/>
               <a:pPr/>
-              <a:t>14</a:t>
+              <a:t>19</a:t>
             </a:fld>
             <a:endParaRPr lang="ja-JP" altLang="en-US" dirty="0"/>
           </a:p>
@@ -9679,7 +12214,537 @@
 </p:sld>
 </file>
 
-<file path=ppt/slides/slide15.xml><?xml version="1.0" encoding="utf-8"?>
+<file path=ppt/slides/slide2.xml><?xml version="1.0" encoding="utf-8"?>
+<p:sld xmlns:a="http://schemas.openxmlformats.org/drawingml/2006/main" xmlns:r="http://schemas.openxmlformats.org/officeDocument/2006/relationships" xmlns:p="http://schemas.openxmlformats.org/presentationml/2006/main">
+  <p:cSld>
+    <p:spTree>
+      <p:nvGrpSpPr>
+        <p:cNvPr id="1" name=""/>
+        <p:cNvGrpSpPr/>
+        <p:nvPr/>
+      </p:nvGrpSpPr>
+      <p:grpSpPr>
+        <a:xfrm>
+          <a:off x="0" y="0"/>
+          <a:ext cx="0" cy="0"/>
+          <a:chOff x="0" y="0"/>
+          <a:chExt cx="0" cy="0"/>
+        </a:xfrm>
+      </p:grpSpPr>
+      <p:sp>
+        <p:nvSpPr>
+          <p:cNvPr id="6" name="コンテンツ プレースホルダ 5"/>
+          <p:cNvSpPr>
+            <a:spLocks noGrp="1"/>
+          </p:cNvSpPr>
+          <p:nvPr>
+            <p:ph idx="1"/>
+          </p:nvPr>
+        </p:nvSpPr>
+        <p:spPr>
+          <a:xfrm>
+            <a:off x="395536" y="4077072"/>
+            <a:ext cx="8748464" cy="1152128"/>
+          </a:xfrm>
+        </p:spPr>
+        <p:txBody>
+          <a:bodyPr>
+            <a:normAutofit/>
+          </a:bodyPr>
+          <a:lstStyle/>
+          <a:p>
+            <a:r>
+              <a:rPr lang="en-US" altLang="ja-JP" sz="2400" dirty="0" smtClean="0"/>
+              <a:t>NC3</a:t>
+            </a:r>
+            <a:r>
+              <a:rPr lang="ja-JP" altLang="en-US" sz="2400" dirty="0" smtClean="0"/>
+              <a:t>開発プロジェクトに参画することになった。</a:t>
+            </a:r>
+            <a:endParaRPr lang="en-US" altLang="ja-JP" sz="2400" dirty="0" smtClean="0"/>
+          </a:p>
+          <a:p>
+            <a:r>
+              <a:rPr lang="ja-JP" altLang="en-US" sz="2400" dirty="0" smtClean="0"/>
+              <a:t>プラグイン開発の中でフォームを提案する機会を得た。</a:t>
+            </a:r>
+            <a:endParaRPr kumimoji="1" lang="en-US" altLang="ja-JP" sz="2400" dirty="0" smtClean="0"/>
+          </a:p>
+        </p:txBody>
+      </p:sp>
+      <p:sp>
+        <p:nvSpPr>
+          <p:cNvPr id="4" name="スライド番号プレースホルダ 3"/>
+          <p:cNvSpPr>
+            <a:spLocks noGrp="1"/>
+          </p:cNvSpPr>
+          <p:nvPr>
+            <p:ph type="sldNum" sz="quarter" idx="12"/>
+          </p:nvPr>
+        </p:nvSpPr>
+        <p:spPr/>
+        <p:txBody>
+          <a:bodyPr/>
+          <a:lstStyle/>
+          <a:p>
+            <a:fld id="{D2D8002D-B5B0-4BAC-B1F6-782DDCCE6D9C}" type="slidenum">
+              <a:rPr kumimoji="1" lang="ja-JP" altLang="en-US" smtClean="0"/>
+              <a:pPr/>
+              <a:t>2</a:t>
+            </a:fld>
+            <a:endParaRPr kumimoji="1" lang="ja-JP" altLang="en-US" dirty="0"/>
+          </a:p>
+        </p:txBody>
+      </p:sp>
+      <p:sp>
+        <p:nvSpPr>
+          <p:cNvPr id="7" name="角丸四角形 6"/>
+          <p:cNvSpPr/>
+          <p:nvPr/>
+        </p:nvSpPr>
+        <p:spPr>
+          <a:xfrm>
+            <a:off x="539552" y="5157192"/>
+            <a:ext cx="8136904" cy="1584176"/>
+          </a:xfrm>
+          <a:prstGeom prst="roundRect">
+            <a:avLst/>
+          </a:prstGeom>
+          <a:effectLst>
+            <a:outerShdw blurRad="50800" dist="38100" dir="5400000" algn="t" rotWithShape="0">
+              <a:prstClr val="black">
+                <a:alpha val="40000"/>
+              </a:prstClr>
+            </a:outerShdw>
+          </a:effectLst>
+          <a:scene3d>
+            <a:camera prst="orthographicFront"/>
+            <a:lightRig rig="threePt" dir="t"/>
+          </a:scene3d>
+          <a:sp3d>
+            <a:bevelT prst="convex"/>
+          </a:sp3d>
+        </p:spPr>
+        <p:style>
+          <a:lnRef idx="1">
+            <a:schemeClr val="accent6"/>
+          </a:lnRef>
+          <a:fillRef idx="2">
+            <a:schemeClr val="accent6"/>
+          </a:fillRef>
+          <a:effectRef idx="1">
+            <a:schemeClr val="accent6"/>
+          </a:effectRef>
+          <a:fontRef idx="minor">
+            <a:schemeClr val="dk1"/>
+          </a:fontRef>
+        </p:style>
+        <p:txBody>
+          <a:bodyPr rtlCol="0" anchor="ctr"/>
+          <a:lstStyle/>
+          <a:p>
+            <a:pPr algn="ctr"/>
+            <a:r>
+              <a:rPr lang="ja-JP" altLang="en-US" sz="2800" b="1" dirty="0" smtClean="0"/>
+              <a:t>ユーザ目線で入力がしやすく</a:t>
+            </a:r>
+            <a:endParaRPr lang="en-US" altLang="ja-JP" sz="2800" b="1" dirty="0" smtClean="0"/>
+          </a:p>
+          <a:p>
+            <a:pPr algn="ctr"/>
+            <a:r>
+              <a:rPr lang="ja-JP" altLang="en-US" sz="2800" b="1" dirty="0" smtClean="0"/>
+              <a:t>エラー内容が分かりやすいフォームを</a:t>
+            </a:r>
+            <a:endParaRPr lang="en-US" altLang="ja-JP" sz="2800" b="1" dirty="0" smtClean="0"/>
+          </a:p>
+          <a:p>
+            <a:pPr algn="ctr"/>
+            <a:r>
+              <a:rPr lang="ja-JP" altLang="en-US" sz="2800" b="1" dirty="0" smtClean="0"/>
+              <a:t>提案・評価する</a:t>
+            </a:r>
+            <a:endParaRPr kumimoji="1" lang="ja-JP" altLang="en-US" sz="2800" b="1" dirty="0"/>
+          </a:p>
+        </p:txBody>
+      </p:sp>
+      <p:sp>
+        <p:nvSpPr>
+          <p:cNvPr id="8" name="コンテンツ プレースホルダ 5"/>
+          <p:cNvSpPr txBox="1">
+            <a:spLocks/>
+          </p:cNvSpPr>
+          <p:nvPr/>
+        </p:nvSpPr>
+        <p:spPr>
+          <a:xfrm>
+            <a:off x="395536" y="1700808"/>
+            <a:ext cx="8568952" cy="1944216"/>
+          </a:xfrm>
+          <a:prstGeom prst="rect">
+            <a:avLst/>
+          </a:prstGeom>
+        </p:spPr>
+        <p:txBody>
+          <a:bodyPr vert="horz" lIns="91440" tIns="45720" rIns="91440" bIns="45720" rtlCol="0">
+            <a:normAutofit/>
+          </a:bodyPr>
+          <a:lstStyle/>
+          <a:p>
+            <a:pPr marL="342900" marR="0" lvl="0" indent="-342900" algn="l" defTabSz="914400" rtl="0" eaLnBrk="1" fontAlgn="auto" latinLnBrk="0" hangingPunct="1">
+              <a:lnSpc>
+                <a:spcPct val="100000"/>
+              </a:lnSpc>
+              <a:spcBef>
+                <a:spcPct val="20000"/>
+              </a:spcBef>
+              <a:spcAft>
+                <a:spcPts val="0"/>
+              </a:spcAft>
+              <a:buClrTx/>
+              <a:buSzTx/>
+              <a:buFont typeface="Arial" pitchFamily="34" charset="0"/>
+              <a:buChar char="•"/>
+              <a:tabLst/>
+              <a:defRPr/>
+            </a:pPr>
+            <a:r>
+              <a:rPr kumimoji="1" lang="en-US" altLang="ja-JP" sz="2400" b="1" i="0" u="none" strike="noStrike" kern="1200" cap="none" spc="0" normalizeH="0" baseline="0" noProof="0" dirty="0" smtClean="0">
+                <a:ln>
+                  <a:noFill/>
+                </a:ln>
+                <a:solidFill>
+                  <a:schemeClr val="tx1"/>
+                </a:solidFill>
+                <a:effectLst/>
+                <a:uLnTx/>
+                <a:uFillTx/>
+                <a:latin typeface="メイリオ" pitchFamily="50" charset="-128"/>
+                <a:ea typeface="メイリオ" pitchFamily="50" charset="-128"/>
+                <a:cs typeface="メイリオ" pitchFamily="50" charset="-128"/>
+              </a:rPr>
+              <a:t>NC2</a:t>
+            </a:r>
+            <a:r>
+              <a:rPr kumimoji="1" lang="ja-JP" altLang="en-US" sz="2400" b="1" i="0" u="none" strike="noStrike" kern="1200" cap="none" spc="0" normalizeH="0" baseline="0" noProof="0" dirty="0" smtClean="0">
+                <a:ln>
+                  <a:noFill/>
+                </a:ln>
+                <a:solidFill>
+                  <a:schemeClr val="tx1"/>
+                </a:solidFill>
+                <a:effectLst/>
+                <a:uLnTx/>
+                <a:uFillTx/>
+                <a:latin typeface="メイリオ" pitchFamily="50" charset="-128"/>
+                <a:ea typeface="メイリオ" pitchFamily="50" charset="-128"/>
+                <a:cs typeface="メイリオ" pitchFamily="50" charset="-128"/>
+              </a:rPr>
+              <a:t>のソースは改変せず、運用でカバーする方針で研究していた。</a:t>
+            </a:r>
+            <a:endParaRPr kumimoji="1" lang="en-US" altLang="ja-JP" sz="2400" b="1" i="0" u="none" strike="noStrike" kern="1200" cap="none" spc="0" normalizeH="0" baseline="0" noProof="0" dirty="0" smtClean="0">
+              <a:ln>
+                <a:noFill/>
+              </a:ln>
+              <a:solidFill>
+                <a:schemeClr val="tx1"/>
+              </a:solidFill>
+              <a:effectLst/>
+              <a:uLnTx/>
+              <a:uFillTx/>
+              <a:latin typeface="メイリオ" pitchFamily="50" charset="-128"/>
+              <a:ea typeface="メイリオ" pitchFamily="50" charset="-128"/>
+              <a:cs typeface="メイリオ" pitchFamily="50" charset="-128"/>
+            </a:endParaRPr>
+          </a:p>
+          <a:p>
+            <a:pPr marL="342900" marR="0" lvl="0" indent="-342900" algn="l" defTabSz="914400" rtl="0" eaLnBrk="1" fontAlgn="auto" latinLnBrk="0" hangingPunct="1">
+              <a:lnSpc>
+                <a:spcPct val="100000"/>
+              </a:lnSpc>
+              <a:spcBef>
+                <a:spcPct val="20000"/>
+              </a:spcBef>
+              <a:spcAft>
+                <a:spcPts val="0"/>
+              </a:spcAft>
+              <a:buClrTx/>
+              <a:buSzTx/>
+              <a:buFont typeface="Arial" pitchFamily="34" charset="0"/>
+              <a:buChar char="•"/>
+              <a:tabLst/>
+              <a:defRPr/>
+            </a:pPr>
+            <a:r>
+              <a:rPr kumimoji="1" lang="ja-JP" altLang="en-US" sz="2400" b="1" i="0" u="none" strike="noStrike" kern="1200" cap="none" spc="0" normalizeH="0" baseline="0" noProof="0" dirty="0" smtClean="0">
+                <a:ln>
+                  <a:noFill/>
+                </a:ln>
+                <a:solidFill>
+                  <a:schemeClr val="tx1"/>
+                </a:solidFill>
+                <a:effectLst/>
+                <a:uLnTx/>
+                <a:uFillTx/>
+                <a:latin typeface="メイリオ" pitchFamily="50" charset="-128"/>
+                <a:ea typeface="メイリオ" pitchFamily="50" charset="-128"/>
+                <a:cs typeface="メイリオ" pitchFamily="50" charset="-128"/>
+              </a:rPr>
+              <a:t>インターフェース等に関して質問を受けたが、</a:t>
+            </a:r>
+            <a:r>
+              <a:rPr kumimoji="1" lang="en-US" altLang="ja-JP" sz="2400" b="1" i="0" u="none" strike="noStrike" kern="1200" cap="none" spc="0" normalizeH="0" baseline="0" noProof="0" dirty="0" smtClean="0">
+                <a:ln>
+                  <a:noFill/>
+                </a:ln>
+                <a:solidFill>
+                  <a:schemeClr val="tx1"/>
+                </a:solidFill>
+                <a:effectLst/>
+                <a:uLnTx/>
+                <a:uFillTx/>
+                <a:latin typeface="メイリオ" pitchFamily="50" charset="-128"/>
+                <a:ea typeface="メイリオ" pitchFamily="50" charset="-128"/>
+                <a:cs typeface="メイリオ" pitchFamily="50" charset="-128"/>
+              </a:rPr>
+              <a:t>NC2</a:t>
+            </a:r>
+            <a:r>
+              <a:rPr kumimoji="1" lang="ja-JP" altLang="en-US" sz="2400" b="1" i="0" u="none" strike="noStrike" kern="1200" cap="none" spc="0" normalizeH="0" baseline="0" noProof="0" dirty="0" smtClean="0">
+                <a:ln>
+                  <a:noFill/>
+                </a:ln>
+                <a:solidFill>
+                  <a:schemeClr val="tx1"/>
+                </a:solidFill>
+                <a:effectLst/>
+                <a:uLnTx/>
+                <a:uFillTx/>
+                <a:latin typeface="メイリオ" pitchFamily="50" charset="-128"/>
+                <a:ea typeface="メイリオ" pitchFamily="50" charset="-128"/>
+                <a:cs typeface="メイリオ" pitchFamily="50" charset="-128"/>
+              </a:rPr>
+              <a:t>の仕様であるとしか回答できず。</a:t>
+            </a:r>
+            <a:endParaRPr kumimoji="1" lang="en-US" altLang="ja-JP" sz="2400" b="1" i="0" u="none" strike="noStrike" kern="1200" cap="none" spc="0" normalizeH="0" baseline="0" noProof="0" dirty="0" smtClean="0">
+              <a:ln>
+                <a:noFill/>
+              </a:ln>
+              <a:solidFill>
+                <a:schemeClr val="tx1"/>
+              </a:solidFill>
+              <a:effectLst/>
+              <a:uLnTx/>
+              <a:uFillTx/>
+              <a:latin typeface="メイリオ" pitchFamily="50" charset="-128"/>
+              <a:ea typeface="メイリオ" pitchFamily="50" charset="-128"/>
+              <a:cs typeface="メイリオ" pitchFamily="50" charset="-128"/>
+            </a:endParaRPr>
+          </a:p>
+        </p:txBody>
+      </p:sp>
+      <p:sp>
+        <p:nvSpPr>
+          <p:cNvPr id="9" name="正方形/長方形 8"/>
+          <p:cNvSpPr/>
+          <p:nvPr/>
+        </p:nvSpPr>
+        <p:spPr>
+          <a:xfrm>
+            <a:off x="107504" y="1196752"/>
+            <a:ext cx="4176464" cy="504056"/>
+          </a:xfrm>
+          <a:prstGeom prst="rect">
+            <a:avLst/>
+          </a:prstGeom>
+          <a:noFill/>
+          <a:ln>
+            <a:noFill/>
+          </a:ln>
+          <a:effectLst>
+            <a:outerShdw sx="1000" sy="1000" rotWithShape="0">
+              <a:srgbClr val="000000"/>
+            </a:outerShdw>
+          </a:effectLst>
+        </p:spPr>
+        <p:style>
+          <a:lnRef idx="1">
+            <a:schemeClr val="accent3"/>
+          </a:lnRef>
+          <a:fillRef idx="2">
+            <a:schemeClr val="accent3"/>
+          </a:fillRef>
+          <a:effectRef idx="1">
+            <a:schemeClr val="accent3"/>
+          </a:effectRef>
+          <a:fontRef idx="minor">
+            <a:schemeClr val="dk1"/>
+          </a:fontRef>
+        </p:style>
+        <p:txBody>
+          <a:bodyPr rtlCol="0" anchor="ctr"/>
+          <a:lstStyle/>
+          <a:p>
+            <a:r>
+              <a:rPr lang="ja-JP" altLang="en-US" sz="2400" b="1" dirty="0" smtClean="0">
+                <a:solidFill>
+                  <a:schemeClr val="tx1"/>
+                </a:solidFill>
+                <a:latin typeface="メイリオ" pitchFamily="50" charset="-128"/>
+                <a:ea typeface="メイリオ" pitchFamily="50" charset="-128"/>
+                <a:cs typeface="メイリオ" pitchFamily="50" charset="-128"/>
+              </a:rPr>
+              <a:t>本科生時代の卒業研究</a:t>
+            </a:r>
+          </a:p>
+        </p:txBody>
+      </p:sp>
+      <p:sp>
+        <p:nvSpPr>
+          <p:cNvPr id="10" name="正方形/長方形 9"/>
+          <p:cNvSpPr/>
+          <p:nvPr/>
+        </p:nvSpPr>
+        <p:spPr>
+          <a:xfrm>
+            <a:off x="107504" y="3573016"/>
+            <a:ext cx="3456384" cy="504056"/>
+          </a:xfrm>
+          <a:prstGeom prst="rect">
+            <a:avLst/>
+          </a:prstGeom>
+          <a:noFill/>
+          <a:ln>
+            <a:noFill/>
+          </a:ln>
+          <a:effectLst>
+            <a:outerShdw sx="1000" sy="1000" rotWithShape="0">
+              <a:srgbClr val="000000"/>
+            </a:outerShdw>
+          </a:effectLst>
+        </p:spPr>
+        <p:style>
+          <a:lnRef idx="1">
+            <a:schemeClr val="accent3"/>
+          </a:lnRef>
+          <a:fillRef idx="2">
+            <a:schemeClr val="accent3"/>
+          </a:fillRef>
+          <a:effectRef idx="1">
+            <a:schemeClr val="accent3"/>
+          </a:effectRef>
+          <a:fontRef idx="minor">
+            <a:schemeClr val="dk1"/>
+          </a:fontRef>
+        </p:style>
+        <p:txBody>
+          <a:bodyPr rtlCol="0" anchor="ctr"/>
+          <a:lstStyle/>
+          <a:p>
+            <a:r>
+              <a:rPr lang="ja-JP" altLang="en-US" sz="2400" b="1" dirty="0" smtClean="0">
+                <a:solidFill>
+                  <a:schemeClr val="tx1"/>
+                </a:solidFill>
+                <a:latin typeface="メイリオ" pitchFamily="50" charset="-128"/>
+                <a:ea typeface="メイリオ" pitchFamily="50" charset="-128"/>
+                <a:cs typeface="メイリオ" pitchFamily="50" charset="-128"/>
+              </a:rPr>
+              <a:t>研究科進学</a:t>
+            </a:r>
+          </a:p>
+        </p:txBody>
+      </p:sp>
+      <p:sp>
+        <p:nvSpPr>
+          <p:cNvPr id="13" name="タイトル 4"/>
+          <p:cNvSpPr txBox="1">
+            <a:spLocks/>
+          </p:cNvSpPr>
+          <p:nvPr/>
+        </p:nvSpPr>
+        <p:spPr>
+          <a:xfrm>
+            <a:off x="518864" y="125760"/>
+            <a:ext cx="8229600" cy="1143000"/>
+          </a:xfrm>
+          <a:prstGeom prst="rect">
+            <a:avLst/>
+          </a:prstGeom>
+        </p:spPr>
+        <p:txBody>
+          <a:bodyPr vert="horz" lIns="91440" tIns="45720" rIns="91440" bIns="45720" rtlCol="0" anchor="ctr">
+            <a:normAutofit/>
+          </a:bodyPr>
+          <a:lstStyle/>
+          <a:p>
+            <a:pPr marL="0" marR="0" lvl="0" indent="0" algn="ctr" defTabSz="914400" rtl="0" eaLnBrk="1" fontAlgn="auto" latinLnBrk="0" hangingPunct="1">
+              <a:lnSpc>
+                <a:spcPct val="100000"/>
+              </a:lnSpc>
+              <a:spcBef>
+                <a:spcPct val="0"/>
+              </a:spcBef>
+              <a:spcAft>
+                <a:spcPts val="0"/>
+              </a:spcAft>
+              <a:buClrTx/>
+              <a:buSzTx/>
+              <a:buFontTx/>
+              <a:buNone/>
+              <a:tabLst/>
+              <a:defRPr/>
+            </a:pPr>
+            <a:r>
+              <a:rPr kumimoji="1" lang="ja-JP" altLang="en-US" sz="4400" b="0" i="0" u="none" strike="noStrike" kern="1200" cap="none" spc="0" normalizeH="0" baseline="0" noProof="0" dirty="0" smtClean="0">
+                <a:ln>
+                  <a:noFill/>
+                </a:ln>
+                <a:solidFill>
+                  <a:schemeClr val="tx1"/>
+                </a:solidFill>
+                <a:effectLst/>
+                <a:uLnTx/>
+                <a:uFillTx/>
+                <a:latin typeface="HGPｺﾞｼｯｸE" pitchFamily="50" charset="-128"/>
+                <a:ea typeface="HGPｺﾞｼｯｸE" pitchFamily="50" charset="-128"/>
+                <a:cs typeface="+mj-cs"/>
+              </a:rPr>
+              <a:t>背景と目的</a:t>
+            </a:r>
+            <a:endParaRPr kumimoji="1" lang="ja-JP" altLang="en-US" sz="4400" b="0" i="0" u="none" strike="noStrike" kern="1200" cap="none" spc="0" normalizeH="0" baseline="0" noProof="0" dirty="0">
+              <a:ln>
+                <a:noFill/>
+              </a:ln>
+              <a:solidFill>
+                <a:schemeClr val="tx1"/>
+              </a:solidFill>
+              <a:effectLst/>
+              <a:uLnTx/>
+              <a:uFillTx/>
+              <a:latin typeface="HGPｺﾞｼｯｸE" pitchFamily="50" charset="-128"/>
+              <a:ea typeface="HGPｺﾞｼｯｸE" pitchFamily="50" charset="-128"/>
+              <a:cs typeface="+mj-cs"/>
+            </a:endParaRPr>
+          </a:p>
+        </p:txBody>
+      </p:sp>
+    </p:spTree>
+  </p:cSld>
+  <p:clrMapOvr>
+    <a:masterClrMapping/>
+  </p:clrMapOvr>
+  <p:timing>
+    <p:tnLst>
+      <p:par>
+        <p:cTn id="1" dur="indefinite" restart="never" nodeType="tmRoot"/>
+      </p:par>
+    </p:tnLst>
+  </p:timing>
+</p:sld>
+</file>
+
+<file path=ppt/slides/slide20.xml><?xml version="1.0" encoding="utf-8"?>
 <p:sld xmlns:a="http://schemas.openxmlformats.org/drawingml/2006/main" xmlns:r="http://schemas.openxmlformats.org/officeDocument/2006/relationships" xmlns:p="http://schemas.openxmlformats.org/presentationml/2006/main">
   <p:cSld>
     <p:spTree>
@@ -9745,7 +12810,7 @@
             <a:fld id="{D2D8002D-B5B0-4BAC-B1F6-782DDCCE6D9C}" type="slidenum">
               <a:rPr lang="ja-JP" altLang="en-US" smtClean="0"/>
               <a:pPr/>
-              <a:t>15</a:t>
+              <a:t>20</a:t>
             </a:fld>
             <a:endParaRPr lang="ja-JP" altLang="en-US" dirty="0"/>
           </a:p>
@@ -20584,7 +23649,7 @@
 </p:sld>
 </file>
 
-<file path=ppt/slides/slide16.xml><?xml version="1.0" encoding="utf-8"?>
+<file path=ppt/slides/slide21.xml><?xml version="1.0" encoding="utf-8"?>
 <p:sld xmlns:a="http://schemas.openxmlformats.org/drawingml/2006/main" xmlns:r="http://schemas.openxmlformats.org/officeDocument/2006/relationships" xmlns:p="http://schemas.openxmlformats.org/presentationml/2006/main">
   <p:cSld>
     <p:spTree>
@@ -20642,7 +23707,7 @@
             <a:fld id="{D2D8002D-B5B0-4BAC-B1F6-782DDCCE6D9C}" type="slidenum">
               <a:rPr kumimoji="1" lang="ja-JP" altLang="en-US" smtClean="0"/>
               <a:pPr/>
-              <a:t>16</a:t>
+              <a:t>21</a:t>
             </a:fld>
             <a:endParaRPr kumimoji="1" lang="ja-JP" altLang="en-US" dirty="0"/>
           </a:p>
@@ -20937,7 +24002,7 @@
 </p:sld>
 </file>
 
-<file path=ppt/slides/slide17.xml><?xml version="1.0" encoding="utf-8"?>
+<file path=ppt/slides/slide22.xml><?xml version="1.0" encoding="utf-8"?>
 <p:sld xmlns:a="http://schemas.openxmlformats.org/drawingml/2006/main" xmlns:r="http://schemas.openxmlformats.org/officeDocument/2006/relationships" xmlns:p="http://schemas.openxmlformats.org/presentationml/2006/main">
   <p:cSld>
     <p:spTree>
@@ -21007,7 +24072,7 @@
             <a:fld id="{D2D8002D-B5B0-4BAC-B1F6-782DDCCE6D9C}" type="slidenum">
               <a:rPr lang="ja-JP" altLang="en-US" smtClean="0"/>
               <a:pPr/>
-              <a:t>17</a:t>
+              <a:t>22</a:t>
             </a:fld>
             <a:endParaRPr lang="ja-JP" altLang="en-US" dirty="0"/>
           </a:p>
@@ -21219,7 +24284,7 @@
 </p:sld>
 </file>
 
-<file path=ppt/slides/slide18.xml><?xml version="1.0" encoding="utf-8"?>
+<file path=ppt/slides/slide23.xml><?xml version="1.0" encoding="utf-8"?>
 <p:sld xmlns:a="http://schemas.openxmlformats.org/drawingml/2006/main" xmlns:r="http://schemas.openxmlformats.org/officeDocument/2006/relationships" xmlns:p="http://schemas.openxmlformats.org/presentationml/2006/main">
   <p:cSld>
     <p:spTree>
@@ -21285,7 +24350,7 @@
             <a:fld id="{D2D8002D-B5B0-4BAC-B1F6-782DDCCE6D9C}" type="slidenum">
               <a:rPr lang="ja-JP" altLang="en-US" smtClean="0"/>
               <a:pPr/>
-              <a:t>18</a:t>
+              <a:t>23</a:t>
             </a:fld>
             <a:endParaRPr lang="ja-JP" altLang="en-US" dirty="0"/>
           </a:p>
@@ -21582,7 +24647,7 @@
 </p:sld>
 </file>
 
-<file path=ppt/slides/slide19.xml><?xml version="1.0" encoding="utf-8"?>
+<file path=ppt/slides/slide24.xml><?xml version="1.0" encoding="utf-8"?>
 <p:sld xmlns:a="http://schemas.openxmlformats.org/drawingml/2006/main" xmlns:r="http://schemas.openxmlformats.org/officeDocument/2006/relationships" xmlns:p="http://schemas.openxmlformats.org/presentationml/2006/main">
   <p:cSld>
     <p:spTree>
@@ -21652,7 +24717,7 @@
             <a:fld id="{D2D8002D-B5B0-4BAC-B1F6-782DDCCE6D9C}" type="slidenum">
               <a:rPr lang="ja-JP" altLang="en-US" smtClean="0"/>
               <a:pPr/>
-              <a:t>19</a:t>
+              <a:t>24</a:t>
             </a:fld>
             <a:endParaRPr lang="ja-JP" altLang="en-US" dirty="0"/>
           </a:p>
@@ -22270,537 +25335,7 @@
 </p:sld>
 </file>
 
-<file path=ppt/slides/slide2.xml><?xml version="1.0" encoding="utf-8"?>
-<p:sld xmlns:a="http://schemas.openxmlformats.org/drawingml/2006/main" xmlns:r="http://schemas.openxmlformats.org/officeDocument/2006/relationships" xmlns:p="http://schemas.openxmlformats.org/presentationml/2006/main">
-  <p:cSld>
-    <p:spTree>
-      <p:nvGrpSpPr>
-        <p:cNvPr id="1" name=""/>
-        <p:cNvGrpSpPr/>
-        <p:nvPr/>
-      </p:nvGrpSpPr>
-      <p:grpSpPr>
-        <a:xfrm>
-          <a:off x="0" y="0"/>
-          <a:ext cx="0" cy="0"/>
-          <a:chOff x="0" y="0"/>
-          <a:chExt cx="0" cy="0"/>
-        </a:xfrm>
-      </p:grpSpPr>
-      <p:sp>
-        <p:nvSpPr>
-          <p:cNvPr id="6" name="コンテンツ プレースホルダ 5"/>
-          <p:cNvSpPr>
-            <a:spLocks noGrp="1"/>
-          </p:cNvSpPr>
-          <p:nvPr>
-            <p:ph idx="1"/>
-          </p:nvPr>
-        </p:nvSpPr>
-        <p:spPr>
-          <a:xfrm>
-            <a:off x="395536" y="4077072"/>
-            <a:ext cx="8748464" cy="1152128"/>
-          </a:xfrm>
-        </p:spPr>
-        <p:txBody>
-          <a:bodyPr>
-            <a:normAutofit/>
-          </a:bodyPr>
-          <a:lstStyle/>
-          <a:p>
-            <a:r>
-              <a:rPr lang="en-US" altLang="ja-JP" sz="2400" dirty="0" smtClean="0"/>
-              <a:t>NC3</a:t>
-            </a:r>
-            <a:r>
-              <a:rPr lang="ja-JP" altLang="en-US" sz="2400" dirty="0" smtClean="0"/>
-              <a:t>開発プロジェクトに参画することになった。</a:t>
-            </a:r>
-            <a:endParaRPr lang="en-US" altLang="ja-JP" sz="2400" dirty="0" smtClean="0"/>
-          </a:p>
-          <a:p>
-            <a:r>
-              <a:rPr lang="ja-JP" altLang="en-US" sz="2400" dirty="0" smtClean="0"/>
-              <a:t>プラグイン開発の中でフォームを提案する機会を得た。</a:t>
-            </a:r>
-            <a:endParaRPr kumimoji="1" lang="en-US" altLang="ja-JP" sz="2400" dirty="0" smtClean="0"/>
-          </a:p>
-        </p:txBody>
-      </p:sp>
-      <p:sp>
-        <p:nvSpPr>
-          <p:cNvPr id="4" name="スライド番号プレースホルダ 3"/>
-          <p:cNvSpPr>
-            <a:spLocks noGrp="1"/>
-          </p:cNvSpPr>
-          <p:nvPr>
-            <p:ph type="sldNum" sz="quarter" idx="12"/>
-          </p:nvPr>
-        </p:nvSpPr>
-        <p:spPr/>
-        <p:txBody>
-          <a:bodyPr/>
-          <a:lstStyle/>
-          <a:p>
-            <a:fld id="{D2D8002D-B5B0-4BAC-B1F6-782DDCCE6D9C}" type="slidenum">
-              <a:rPr kumimoji="1" lang="ja-JP" altLang="en-US" smtClean="0"/>
-              <a:pPr/>
-              <a:t>2</a:t>
-            </a:fld>
-            <a:endParaRPr kumimoji="1" lang="ja-JP" altLang="en-US" dirty="0"/>
-          </a:p>
-        </p:txBody>
-      </p:sp>
-      <p:sp>
-        <p:nvSpPr>
-          <p:cNvPr id="7" name="角丸四角形 6"/>
-          <p:cNvSpPr/>
-          <p:nvPr/>
-        </p:nvSpPr>
-        <p:spPr>
-          <a:xfrm>
-            <a:off x="539552" y="5157192"/>
-            <a:ext cx="8136904" cy="1584176"/>
-          </a:xfrm>
-          <a:prstGeom prst="roundRect">
-            <a:avLst/>
-          </a:prstGeom>
-          <a:effectLst>
-            <a:outerShdw blurRad="50800" dist="38100" dir="5400000" algn="t" rotWithShape="0">
-              <a:prstClr val="black">
-                <a:alpha val="40000"/>
-              </a:prstClr>
-            </a:outerShdw>
-          </a:effectLst>
-          <a:scene3d>
-            <a:camera prst="orthographicFront"/>
-            <a:lightRig rig="threePt" dir="t"/>
-          </a:scene3d>
-          <a:sp3d>
-            <a:bevelT prst="convex"/>
-          </a:sp3d>
-        </p:spPr>
-        <p:style>
-          <a:lnRef idx="1">
-            <a:schemeClr val="accent6"/>
-          </a:lnRef>
-          <a:fillRef idx="2">
-            <a:schemeClr val="accent6"/>
-          </a:fillRef>
-          <a:effectRef idx="1">
-            <a:schemeClr val="accent6"/>
-          </a:effectRef>
-          <a:fontRef idx="minor">
-            <a:schemeClr val="dk1"/>
-          </a:fontRef>
-        </p:style>
-        <p:txBody>
-          <a:bodyPr rtlCol="0" anchor="ctr"/>
-          <a:lstStyle/>
-          <a:p>
-            <a:pPr algn="ctr"/>
-            <a:r>
-              <a:rPr lang="ja-JP" altLang="en-US" sz="2800" b="1" dirty="0" smtClean="0"/>
-              <a:t>ユーザ目線で入力がしやすく</a:t>
-            </a:r>
-            <a:endParaRPr lang="en-US" altLang="ja-JP" sz="2800" b="1" dirty="0" smtClean="0"/>
-          </a:p>
-          <a:p>
-            <a:pPr algn="ctr"/>
-            <a:r>
-              <a:rPr lang="ja-JP" altLang="en-US" sz="2800" b="1" dirty="0" smtClean="0"/>
-              <a:t>エラー内容が分かりやすいフォームを</a:t>
-            </a:r>
-            <a:endParaRPr lang="en-US" altLang="ja-JP" sz="2800" b="1" dirty="0" smtClean="0"/>
-          </a:p>
-          <a:p>
-            <a:pPr algn="ctr"/>
-            <a:r>
-              <a:rPr lang="ja-JP" altLang="en-US" sz="2800" b="1" dirty="0" smtClean="0"/>
-              <a:t>提案・評価する</a:t>
-            </a:r>
-            <a:endParaRPr kumimoji="1" lang="ja-JP" altLang="en-US" sz="2800" b="1" dirty="0"/>
-          </a:p>
-        </p:txBody>
-      </p:sp>
-      <p:sp>
-        <p:nvSpPr>
-          <p:cNvPr id="8" name="コンテンツ プレースホルダ 5"/>
-          <p:cNvSpPr txBox="1">
-            <a:spLocks/>
-          </p:cNvSpPr>
-          <p:nvPr/>
-        </p:nvSpPr>
-        <p:spPr>
-          <a:xfrm>
-            <a:off x="395536" y="1700808"/>
-            <a:ext cx="8568952" cy="1944216"/>
-          </a:xfrm>
-          <a:prstGeom prst="rect">
-            <a:avLst/>
-          </a:prstGeom>
-        </p:spPr>
-        <p:txBody>
-          <a:bodyPr vert="horz" lIns="91440" tIns="45720" rIns="91440" bIns="45720" rtlCol="0">
-            <a:normAutofit/>
-          </a:bodyPr>
-          <a:lstStyle/>
-          <a:p>
-            <a:pPr marL="342900" marR="0" lvl="0" indent="-342900" algn="l" defTabSz="914400" rtl="0" eaLnBrk="1" fontAlgn="auto" latinLnBrk="0" hangingPunct="1">
-              <a:lnSpc>
-                <a:spcPct val="100000"/>
-              </a:lnSpc>
-              <a:spcBef>
-                <a:spcPct val="20000"/>
-              </a:spcBef>
-              <a:spcAft>
-                <a:spcPts val="0"/>
-              </a:spcAft>
-              <a:buClrTx/>
-              <a:buSzTx/>
-              <a:buFont typeface="Arial" pitchFamily="34" charset="0"/>
-              <a:buChar char="•"/>
-              <a:tabLst/>
-              <a:defRPr/>
-            </a:pPr>
-            <a:r>
-              <a:rPr kumimoji="1" lang="en-US" altLang="ja-JP" sz="2400" b="1" i="0" u="none" strike="noStrike" kern="1200" cap="none" spc="0" normalizeH="0" baseline="0" noProof="0" dirty="0" smtClean="0">
-                <a:ln>
-                  <a:noFill/>
-                </a:ln>
-                <a:solidFill>
-                  <a:schemeClr val="tx1"/>
-                </a:solidFill>
-                <a:effectLst/>
-                <a:uLnTx/>
-                <a:uFillTx/>
-                <a:latin typeface="メイリオ" pitchFamily="50" charset="-128"/>
-                <a:ea typeface="メイリオ" pitchFamily="50" charset="-128"/>
-                <a:cs typeface="メイリオ" pitchFamily="50" charset="-128"/>
-              </a:rPr>
-              <a:t>NC2</a:t>
-            </a:r>
-            <a:r>
-              <a:rPr kumimoji="1" lang="ja-JP" altLang="en-US" sz="2400" b="1" i="0" u="none" strike="noStrike" kern="1200" cap="none" spc="0" normalizeH="0" baseline="0" noProof="0" dirty="0" smtClean="0">
-                <a:ln>
-                  <a:noFill/>
-                </a:ln>
-                <a:solidFill>
-                  <a:schemeClr val="tx1"/>
-                </a:solidFill>
-                <a:effectLst/>
-                <a:uLnTx/>
-                <a:uFillTx/>
-                <a:latin typeface="メイリオ" pitchFamily="50" charset="-128"/>
-                <a:ea typeface="メイリオ" pitchFamily="50" charset="-128"/>
-                <a:cs typeface="メイリオ" pitchFamily="50" charset="-128"/>
-              </a:rPr>
-              <a:t>のソースは改変せず、運用でカバーする方針で研究していた。</a:t>
-            </a:r>
-            <a:endParaRPr kumimoji="1" lang="en-US" altLang="ja-JP" sz="2400" b="1" i="0" u="none" strike="noStrike" kern="1200" cap="none" spc="0" normalizeH="0" baseline="0" noProof="0" dirty="0" smtClean="0">
-              <a:ln>
-                <a:noFill/>
-              </a:ln>
-              <a:solidFill>
-                <a:schemeClr val="tx1"/>
-              </a:solidFill>
-              <a:effectLst/>
-              <a:uLnTx/>
-              <a:uFillTx/>
-              <a:latin typeface="メイリオ" pitchFamily="50" charset="-128"/>
-              <a:ea typeface="メイリオ" pitchFamily="50" charset="-128"/>
-              <a:cs typeface="メイリオ" pitchFamily="50" charset="-128"/>
-            </a:endParaRPr>
-          </a:p>
-          <a:p>
-            <a:pPr marL="342900" marR="0" lvl="0" indent="-342900" algn="l" defTabSz="914400" rtl="0" eaLnBrk="1" fontAlgn="auto" latinLnBrk="0" hangingPunct="1">
-              <a:lnSpc>
-                <a:spcPct val="100000"/>
-              </a:lnSpc>
-              <a:spcBef>
-                <a:spcPct val="20000"/>
-              </a:spcBef>
-              <a:spcAft>
-                <a:spcPts val="0"/>
-              </a:spcAft>
-              <a:buClrTx/>
-              <a:buSzTx/>
-              <a:buFont typeface="Arial" pitchFamily="34" charset="0"/>
-              <a:buChar char="•"/>
-              <a:tabLst/>
-              <a:defRPr/>
-            </a:pPr>
-            <a:r>
-              <a:rPr kumimoji="1" lang="ja-JP" altLang="en-US" sz="2400" b="1" i="0" u="none" strike="noStrike" kern="1200" cap="none" spc="0" normalizeH="0" baseline="0" noProof="0" dirty="0" smtClean="0">
-                <a:ln>
-                  <a:noFill/>
-                </a:ln>
-                <a:solidFill>
-                  <a:schemeClr val="tx1"/>
-                </a:solidFill>
-                <a:effectLst/>
-                <a:uLnTx/>
-                <a:uFillTx/>
-                <a:latin typeface="メイリオ" pitchFamily="50" charset="-128"/>
-                <a:ea typeface="メイリオ" pitchFamily="50" charset="-128"/>
-                <a:cs typeface="メイリオ" pitchFamily="50" charset="-128"/>
-              </a:rPr>
-              <a:t>インターフェース等に関して質問を受けたが、</a:t>
-            </a:r>
-            <a:r>
-              <a:rPr kumimoji="1" lang="en-US" altLang="ja-JP" sz="2400" b="1" i="0" u="none" strike="noStrike" kern="1200" cap="none" spc="0" normalizeH="0" baseline="0" noProof="0" dirty="0" smtClean="0">
-                <a:ln>
-                  <a:noFill/>
-                </a:ln>
-                <a:solidFill>
-                  <a:schemeClr val="tx1"/>
-                </a:solidFill>
-                <a:effectLst/>
-                <a:uLnTx/>
-                <a:uFillTx/>
-                <a:latin typeface="メイリオ" pitchFamily="50" charset="-128"/>
-                <a:ea typeface="メイリオ" pitchFamily="50" charset="-128"/>
-                <a:cs typeface="メイリオ" pitchFamily="50" charset="-128"/>
-              </a:rPr>
-              <a:t>NC2</a:t>
-            </a:r>
-            <a:r>
-              <a:rPr kumimoji="1" lang="ja-JP" altLang="en-US" sz="2400" b="1" i="0" u="none" strike="noStrike" kern="1200" cap="none" spc="0" normalizeH="0" baseline="0" noProof="0" dirty="0" smtClean="0">
-                <a:ln>
-                  <a:noFill/>
-                </a:ln>
-                <a:solidFill>
-                  <a:schemeClr val="tx1"/>
-                </a:solidFill>
-                <a:effectLst/>
-                <a:uLnTx/>
-                <a:uFillTx/>
-                <a:latin typeface="メイリオ" pitchFamily="50" charset="-128"/>
-                <a:ea typeface="メイリオ" pitchFamily="50" charset="-128"/>
-                <a:cs typeface="メイリオ" pitchFamily="50" charset="-128"/>
-              </a:rPr>
-              <a:t>の仕様であるとしか回答できず。</a:t>
-            </a:r>
-            <a:endParaRPr kumimoji="1" lang="en-US" altLang="ja-JP" sz="2400" b="1" i="0" u="none" strike="noStrike" kern="1200" cap="none" spc="0" normalizeH="0" baseline="0" noProof="0" dirty="0" smtClean="0">
-              <a:ln>
-                <a:noFill/>
-              </a:ln>
-              <a:solidFill>
-                <a:schemeClr val="tx1"/>
-              </a:solidFill>
-              <a:effectLst/>
-              <a:uLnTx/>
-              <a:uFillTx/>
-              <a:latin typeface="メイリオ" pitchFamily="50" charset="-128"/>
-              <a:ea typeface="メイリオ" pitchFamily="50" charset="-128"/>
-              <a:cs typeface="メイリオ" pitchFamily="50" charset="-128"/>
-            </a:endParaRPr>
-          </a:p>
-        </p:txBody>
-      </p:sp>
-      <p:sp>
-        <p:nvSpPr>
-          <p:cNvPr id="9" name="正方形/長方形 8"/>
-          <p:cNvSpPr/>
-          <p:nvPr/>
-        </p:nvSpPr>
-        <p:spPr>
-          <a:xfrm>
-            <a:off x="107504" y="1196752"/>
-            <a:ext cx="4176464" cy="504056"/>
-          </a:xfrm>
-          <a:prstGeom prst="rect">
-            <a:avLst/>
-          </a:prstGeom>
-          <a:noFill/>
-          <a:ln>
-            <a:noFill/>
-          </a:ln>
-          <a:effectLst>
-            <a:outerShdw sx="1000" sy="1000" rotWithShape="0">
-              <a:srgbClr val="000000"/>
-            </a:outerShdw>
-          </a:effectLst>
-        </p:spPr>
-        <p:style>
-          <a:lnRef idx="1">
-            <a:schemeClr val="accent3"/>
-          </a:lnRef>
-          <a:fillRef idx="2">
-            <a:schemeClr val="accent3"/>
-          </a:fillRef>
-          <a:effectRef idx="1">
-            <a:schemeClr val="accent3"/>
-          </a:effectRef>
-          <a:fontRef idx="minor">
-            <a:schemeClr val="dk1"/>
-          </a:fontRef>
-        </p:style>
-        <p:txBody>
-          <a:bodyPr rtlCol="0" anchor="ctr"/>
-          <a:lstStyle/>
-          <a:p>
-            <a:r>
-              <a:rPr lang="ja-JP" altLang="en-US" sz="2400" b="1" dirty="0" smtClean="0">
-                <a:solidFill>
-                  <a:schemeClr val="tx1"/>
-                </a:solidFill>
-                <a:latin typeface="メイリオ" pitchFamily="50" charset="-128"/>
-                <a:ea typeface="メイリオ" pitchFamily="50" charset="-128"/>
-                <a:cs typeface="メイリオ" pitchFamily="50" charset="-128"/>
-              </a:rPr>
-              <a:t>本科生時代の卒業研究</a:t>
-            </a:r>
-          </a:p>
-        </p:txBody>
-      </p:sp>
-      <p:sp>
-        <p:nvSpPr>
-          <p:cNvPr id="10" name="正方形/長方形 9"/>
-          <p:cNvSpPr/>
-          <p:nvPr/>
-        </p:nvSpPr>
-        <p:spPr>
-          <a:xfrm>
-            <a:off x="107504" y="3573016"/>
-            <a:ext cx="3456384" cy="504056"/>
-          </a:xfrm>
-          <a:prstGeom prst="rect">
-            <a:avLst/>
-          </a:prstGeom>
-          <a:noFill/>
-          <a:ln>
-            <a:noFill/>
-          </a:ln>
-          <a:effectLst>
-            <a:outerShdw sx="1000" sy="1000" rotWithShape="0">
-              <a:srgbClr val="000000"/>
-            </a:outerShdw>
-          </a:effectLst>
-        </p:spPr>
-        <p:style>
-          <a:lnRef idx="1">
-            <a:schemeClr val="accent3"/>
-          </a:lnRef>
-          <a:fillRef idx="2">
-            <a:schemeClr val="accent3"/>
-          </a:fillRef>
-          <a:effectRef idx="1">
-            <a:schemeClr val="accent3"/>
-          </a:effectRef>
-          <a:fontRef idx="minor">
-            <a:schemeClr val="dk1"/>
-          </a:fontRef>
-        </p:style>
-        <p:txBody>
-          <a:bodyPr rtlCol="0" anchor="ctr"/>
-          <a:lstStyle/>
-          <a:p>
-            <a:r>
-              <a:rPr lang="ja-JP" altLang="en-US" sz="2400" b="1" dirty="0" smtClean="0">
-                <a:solidFill>
-                  <a:schemeClr val="tx1"/>
-                </a:solidFill>
-                <a:latin typeface="メイリオ" pitchFamily="50" charset="-128"/>
-                <a:ea typeface="メイリオ" pitchFamily="50" charset="-128"/>
-                <a:cs typeface="メイリオ" pitchFamily="50" charset="-128"/>
-              </a:rPr>
-              <a:t>研究科進学</a:t>
-            </a:r>
-          </a:p>
-        </p:txBody>
-      </p:sp>
-      <p:sp>
-        <p:nvSpPr>
-          <p:cNvPr id="13" name="タイトル 4"/>
-          <p:cNvSpPr txBox="1">
-            <a:spLocks/>
-          </p:cNvSpPr>
-          <p:nvPr/>
-        </p:nvSpPr>
-        <p:spPr>
-          <a:xfrm>
-            <a:off x="518864" y="125760"/>
-            <a:ext cx="8229600" cy="1143000"/>
-          </a:xfrm>
-          <a:prstGeom prst="rect">
-            <a:avLst/>
-          </a:prstGeom>
-        </p:spPr>
-        <p:txBody>
-          <a:bodyPr vert="horz" lIns="91440" tIns="45720" rIns="91440" bIns="45720" rtlCol="0" anchor="ctr">
-            <a:normAutofit/>
-          </a:bodyPr>
-          <a:lstStyle/>
-          <a:p>
-            <a:pPr marL="0" marR="0" lvl="0" indent="0" algn="ctr" defTabSz="914400" rtl="0" eaLnBrk="1" fontAlgn="auto" latinLnBrk="0" hangingPunct="1">
-              <a:lnSpc>
-                <a:spcPct val="100000"/>
-              </a:lnSpc>
-              <a:spcBef>
-                <a:spcPct val="0"/>
-              </a:spcBef>
-              <a:spcAft>
-                <a:spcPts val="0"/>
-              </a:spcAft>
-              <a:buClrTx/>
-              <a:buSzTx/>
-              <a:buFontTx/>
-              <a:buNone/>
-              <a:tabLst/>
-              <a:defRPr/>
-            </a:pPr>
-            <a:r>
-              <a:rPr kumimoji="1" lang="ja-JP" altLang="en-US" sz="4400" b="0" i="0" u="none" strike="noStrike" kern="1200" cap="none" spc="0" normalizeH="0" baseline="0" noProof="0" dirty="0" smtClean="0">
-                <a:ln>
-                  <a:noFill/>
-                </a:ln>
-                <a:solidFill>
-                  <a:schemeClr val="tx1"/>
-                </a:solidFill>
-                <a:effectLst/>
-                <a:uLnTx/>
-                <a:uFillTx/>
-                <a:latin typeface="HGPｺﾞｼｯｸE" pitchFamily="50" charset="-128"/>
-                <a:ea typeface="HGPｺﾞｼｯｸE" pitchFamily="50" charset="-128"/>
-                <a:cs typeface="+mj-cs"/>
-              </a:rPr>
-              <a:t>背景と目的</a:t>
-            </a:r>
-            <a:endParaRPr kumimoji="1" lang="ja-JP" altLang="en-US" sz="4400" b="0" i="0" u="none" strike="noStrike" kern="1200" cap="none" spc="0" normalizeH="0" baseline="0" noProof="0" dirty="0">
-              <a:ln>
-                <a:noFill/>
-              </a:ln>
-              <a:solidFill>
-                <a:schemeClr val="tx1"/>
-              </a:solidFill>
-              <a:effectLst/>
-              <a:uLnTx/>
-              <a:uFillTx/>
-              <a:latin typeface="HGPｺﾞｼｯｸE" pitchFamily="50" charset="-128"/>
-              <a:ea typeface="HGPｺﾞｼｯｸE" pitchFamily="50" charset="-128"/>
-              <a:cs typeface="+mj-cs"/>
-            </a:endParaRPr>
-          </a:p>
-        </p:txBody>
-      </p:sp>
-    </p:spTree>
-  </p:cSld>
-  <p:clrMapOvr>
-    <a:masterClrMapping/>
-  </p:clrMapOvr>
-  <p:timing>
-    <p:tnLst>
-      <p:par>
-        <p:cTn id="1" dur="indefinite" restart="never" nodeType="tmRoot"/>
-      </p:par>
-    </p:tnLst>
-  </p:timing>
-</p:sld>
-</file>
-
-<file path=ppt/slides/slide20.xml><?xml version="1.0" encoding="utf-8"?>
+<file path=ppt/slides/slide25.xml><?xml version="1.0" encoding="utf-8"?>
 <p:sld xmlns:a="http://schemas.openxmlformats.org/drawingml/2006/main" xmlns:r="http://schemas.openxmlformats.org/officeDocument/2006/relationships" xmlns:p="http://schemas.openxmlformats.org/presentationml/2006/main">
   <p:cSld>
     <p:spTree>
@@ -22862,7 +25397,7 @@
             <a:fld id="{D2D8002D-B5B0-4BAC-B1F6-782DDCCE6D9C}" type="slidenum">
               <a:rPr lang="ja-JP" altLang="en-US" smtClean="0"/>
               <a:pPr/>
-              <a:t>20</a:t>
+              <a:t>25</a:t>
             </a:fld>
             <a:endParaRPr lang="ja-JP" altLang="en-US" dirty="0"/>
           </a:p>
@@ -24957,7 +27492,7 @@
 </p:sld>
 </file>
 
-<file path=ppt/slides/slide21.xml><?xml version="1.0" encoding="utf-8"?>
+<file path=ppt/slides/slide26.xml><?xml version="1.0" encoding="utf-8"?>
 <p:sld xmlns:a="http://schemas.openxmlformats.org/drawingml/2006/main" xmlns:r="http://schemas.openxmlformats.org/officeDocument/2006/relationships" xmlns:p="http://schemas.openxmlformats.org/presentationml/2006/main">
   <p:cSld>
     <p:spTree>
@@ -25015,7 +27550,7 @@
             <a:fld id="{D2D8002D-B5B0-4BAC-B1F6-782DDCCE6D9C}" type="slidenum">
               <a:rPr kumimoji="1" lang="ja-JP" altLang="en-US" smtClean="0"/>
               <a:pPr/>
-              <a:t>21</a:t>
+              <a:t>26</a:t>
             </a:fld>
             <a:endParaRPr kumimoji="1" lang="ja-JP" altLang="en-US" dirty="0"/>
           </a:p>
@@ -25326,7 +27861,7 @@
 </p:sld>
 </file>
 
-<file path=ppt/slides/slide22.xml><?xml version="1.0" encoding="utf-8"?>
+<file path=ppt/slides/slide27.xml><?xml version="1.0" encoding="utf-8"?>
 <p:sld xmlns:a="http://schemas.openxmlformats.org/drawingml/2006/main" xmlns:r="http://schemas.openxmlformats.org/officeDocument/2006/relationships" xmlns:p="http://schemas.openxmlformats.org/presentationml/2006/main">
   <p:cSld>
     <p:spTree>
@@ -25392,7 +27927,7 @@
             <a:fld id="{D2D8002D-B5B0-4BAC-B1F6-782DDCCE6D9C}" type="slidenum">
               <a:rPr lang="ja-JP" altLang="en-US" smtClean="0"/>
               <a:pPr/>
-              <a:t>22</a:t>
+              <a:t>27</a:t>
             </a:fld>
             <a:endParaRPr lang="ja-JP" altLang="en-US" dirty="0"/>
           </a:p>
@@ -27825,7 +30360,7 @@
 </p:sld>
 </file>
 
-<file path=ppt/slides/slide23.xml><?xml version="1.0" encoding="utf-8"?>
+<file path=ppt/slides/slide28.xml><?xml version="1.0" encoding="utf-8"?>
 <p:sld xmlns:a="http://schemas.openxmlformats.org/drawingml/2006/main" xmlns:r="http://schemas.openxmlformats.org/officeDocument/2006/relationships" xmlns:p="http://schemas.openxmlformats.org/presentationml/2006/main">
   <p:cSld>
     <p:spTree>
@@ -27893,7 +30428,7 @@
             <a:fld id="{D2D8002D-B5B0-4BAC-B1F6-782DDCCE6D9C}" type="slidenum">
               <a:rPr lang="ja-JP" altLang="en-US" smtClean="0"/>
               <a:pPr/>
-              <a:t>23</a:t>
+              <a:t>28</a:t>
             </a:fld>
             <a:endParaRPr lang="ja-JP" altLang="en-US" dirty="0"/>
           </a:p>
@@ -28115,7 +30650,7 @@
 </p:sld>
 </file>
 
-<file path=ppt/slides/slide24.xml><?xml version="1.0" encoding="utf-8"?>
+<file path=ppt/slides/slide29.xml><?xml version="1.0" encoding="utf-8"?>
 <p:sld xmlns:a="http://schemas.openxmlformats.org/drawingml/2006/main" xmlns:r="http://schemas.openxmlformats.org/officeDocument/2006/relationships" xmlns:p="http://schemas.openxmlformats.org/presentationml/2006/main">
   <p:cSld>
     <p:spTree>
@@ -28183,7 +30718,7 @@
             <a:fld id="{D2D8002D-B5B0-4BAC-B1F6-782DDCCE6D9C}" type="slidenum">
               <a:rPr lang="ja-JP" altLang="en-US" smtClean="0"/>
               <a:pPr/>
-              <a:t>24</a:t>
+              <a:t>29</a:t>
             </a:fld>
             <a:endParaRPr lang="ja-JP" altLang="en-US" dirty="0"/>
           </a:p>
@@ -28480,7 +31015,179 @@
 </p:sld>
 </file>
 
-<file path=ppt/slides/slide25.xml><?xml version="1.0" encoding="utf-8"?>
+<file path=ppt/slides/slide3.xml><?xml version="1.0" encoding="utf-8"?>
+<p:sld xmlns:a="http://schemas.openxmlformats.org/drawingml/2006/main" xmlns:r="http://schemas.openxmlformats.org/officeDocument/2006/relationships" xmlns:p="http://schemas.openxmlformats.org/presentationml/2006/main">
+  <p:cSld>
+    <p:spTree>
+      <p:nvGrpSpPr>
+        <p:cNvPr id="1" name=""/>
+        <p:cNvGrpSpPr/>
+        <p:nvPr/>
+      </p:nvGrpSpPr>
+      <p:grpSpPr>
+        <a:xfrm>
+          <a:off x="0" y="0"/>
+          <a:ext cx="0" cy="0"/>
+          <a:chOff x="0" y="0"/>
+          <a:chExt cx="0" cy="0"/>
+        </a:xfrm>
+      </p:grpSpPr>
+      <p:sp>
+        <p:nvSpPr>
+          <p:cNvPr id="5" name="タイトル 4"/>
+          <p:cNvSpPr>
+            <a:spLocks noGrp="1"/>
+          </p:cNvSpPr>
+          <p:nvPr>
+            <p:ph type="title"/>
+          </p:nvPr>
+        </p:nvSpPr>
+        <p:spPr/>
+        <p:txBody>
+          <a:bodyPr/>
+          <a:lstStyle/>
+          <a:p>
+            <a:r>
+              <a:rPr lang="ja-JP" altLang="en-US" dirty="0" smtClean="0"/>
+              <a:t>目次</a:t>
+            </a:r>
+            <a:endParaRPr kumimoji="1" lang="ja-JP" altLang="en-US" dirty="0"/>
+          </a:p>
+        </p:txBody>
+      </p:sp>
+      <p:sp>
+        <p:nvSpPr>
+          <p:cNvPr id="6" name="コンテンツ プレースホルダ 5"/>
+          <p:cNvSpPr>
+            <a:spLocks noGrp="1"/>
+          </p:cNvSpPr>
+          <p:nvPr>
+            <p:ph idx="1"/>
+          </p:nvPr>
+        </p:nvSpPr>
+        <p:spPr>
+          <a:xfrm>
+            <a:off x="1440160" y="1628800"/>
+            <a:ext cx="6372200" cy="3327995"/>
+          </a:xfrm>
+        </p:spPr>
+        <p:txBody>
+          <a:bodyPr>
+            <a:noAutofit/>
+          </a:bodyPr>
+          <a:lstStyle/>
+          <a:p>
+            <a:pPr marL="514350" indent="-514350">
+              <a:buFont typeface="+mj-lt"/>
+              <a:buAutoNum type="arabicPeriod"/>
+            </a:pPr>
+            <a:r>
+              <a:rPr lang="en-US" altLang="ja-JP" sz="3200" dirty="0" smtClean="0"/>
+              <a:t>NetCommons3</a:t>
+            </a:r>
+            <a:r>
+              <a:rPr lang="ja-JP" altLang="en-US" sz="3200" dirty="0" smtClean="0"/>
+              <a:t>プロジェクト</a:t>
+            </a:r>
+            <a:endParaRPr lang="en-US" altLang="ja-JP" sz="3200" dirty="0" smtClean="0"/>
+          </a:p>
+          <a:p>
+            <a:pPr marL="514350" indent="-514350">
+              <a:buFont typeface="+mj-lt"/>
+              <a:buAutoNum type="arabicPeriod"/>
+            </a:pPr>
+            <a:r>
+              <a:rPr lang="ja-JP" altLang="en-US" sz="3200" dirty="0" smtClean="0"/>
+              <a:t>開発担当</a:t>
+            </a:r>
+            <a:endParaRPr lang="en-US" altLang="ja-JP" sz="3200" dirty="0" smtClean="0"/>
+          </a:p>
+          <a:p>
+            <a:pPr marL="514350" indent="-514350">
+              <a:buFont typeface="+mj-lt"/>
+              <a:buAutoNum type="arabicPeriod"/>
+            </a:pPr>
+            <a:r>
+              <a:rPr lang="ja-JP" altLang="en-US" sz="3200" dirty="0" smtClean="0"/>
+              <a:t>フォームにおける問題点</a:t>
+            </a:r>
+            <a:endParaRPr lang="en-US" altLang="ja-JP" sz="3200" dirty="0" smtClean="0"/>
+          </a:p>
+          <a:p>
+            <a:pPr marL="514350" indent="-514350">
+              <a:buFont typeface="+mj-lt"/>
+              <a:buAutoNum type="arabicPeriod"/>
+            </a:pPr>
+            <a:r>
+              <a:rPr kumimoji="1" lang="ja-JP" altLang="en-US" sz="3200" dirty="0" smtClean="0"/>
+              <a:t>解決方法</a:t>
+            </a:r>
+            <a:endParaRPr kumimoji="1" lang="en-US" altLang="ja-JP" sz="3200" dirty="0" smtClean="0"/>
+          </a:p>
+          <a:p>
+            <a:pPr marL="514350" indent="-514350">
+              <a:buFont typeface="+mj-lt"/>
+              <a:buAutoNum type="arabicPeriod"/>
+            </a:pPr>
+            <a:r>
+              <a:rPr lang="ja-JP" altLang="en-US" sz="3200" dirty="0" smtClean="0"/>
+              <a:t>評価</a:t>
+            </a:r>
+            <a:endParaRPr kumimoji="1" lang="en-US" altLang="ja-JP" sz="3200" dirty="0" smtClean="0"/>
+          </a:p>
+          <a:p>
+            <a:pPr marL="514350" indent="-514350">
+              <a:buFont typeface="+mj-lt"/>
+              <a:buAutoNum type="arabicPeriod"/>
+            </a:pPr>
+            <a:r>
+              <a:rPr kumimoji="1" lang="ja-JP" altLang="en-US" sz="3200" dirty="0" smtClean="0"/>
+              <a:t>結言</a:t>
+            </a:r>
+            <a:endParaRPr kumimoji="1" lang="en-US" altLang="ja-JP" sz="3200" dirty="0" smtClean="0"/>
+          </a:p>
+        </p:txBody>
+      </p:sp>
+      <p:sp>
+        <p:nvSpPr>
+          <p:cNvPr id="4" name="スライド番号プレースホルダ 3"/>
+          <p:cNvSpPr>
+            <a:spLocks noGrp="1"/>
+          </p:cNvSpPr>
+          <p:nvPr>
+            <p:ph type="sldNum" sz="quarter" idx="12"/>
+          </p:nvPr>
+        </p:nvSpPr>
+        <p:spPr/>
+        <p:txBody>
+          <a:bodyPr/>
+          <a:lstStyle/>
+          <a:p>
+            <a:fld id="{D2D8002D-B5B0-4BAC-B1F6-782DDCCE6D9C}" type="slidenum">
+              <a:rPr kumimoji="1" lang="ja-JP" altLang="en-US" smtClean="0"/>
+              <a:pPr/>
+              <a:t>3</a:t>
+            </a:fld>
+            <a:endParaRPr kumimoji="1" lang="ja-JP" altLang="en-US" dirty="0"/>
+          </a:p>
+        </p:txBody>
+      </p:sp>
+    </p:spTree>
+  </p:cSld>
+  <p:clrMapOvr>
+    <a:masterClrMapping/>
+  </p:clrMapOvr>
+  <p:timing>
+    <p:tnLst>
+      <p:par>
+        <p:cTn id="1" dur="indefinite" restart="never" nodeType="tmRoot"/>
+      </p:par>
+    </p:tnLst>
+  </p:timing>
+</p:sld>
+</file>
+
+<file path=ppt/slides/slide30.xml><?xml version="1.0" encoding="utf-8"?>
 <p:sld xmlns:a="http://schemas.openxmlformats.org/drawingml/2006/main" xmlns:r="http://schemas.openxmlformats.org/officeDocument/2006/relationships" xmlns:p="http://schemas.openxmlformats.org/presentationml/2006/main">
   <p:cSld>
     <p:spTree>
@@ -28548,7 +31255,7 @@
             <a:fld id="{D2D8002D-B5B0-4BAC-B1F6-782DDCCE6D9C}" type="slidenum">
               <a:rPr lang="ja-JP" altLang="en-US" smtClean="0"/>
               <a:pPr/>
-              <a:t>25</a:t>
+              <a:t>30</a:t>
             </a:fld>
             <a:endParaRPr lang="ja-JP" altLang="en-US" dirty="0"/>
           </a:p>
@@ -28825,7 +31532,7 @@
 </p:sld>
 </file>
 
-<file path=ppt/slides/slide26.xml><?xml version="1.0" encoding="utf-8"?>
+<file path=ppt/slides/slide31.xml><?xml version="1.0" encoding="utf-8"?>
 <p:sld xmlns:a="http://schemas.openxmlformats.org/drawingml/2006/main" xmlns:r="http://schemas.openxmlformats.org/officeDocument/2006/relationships" xmlns:p="http://schemas.openxmlformats.org/presentationml/2006/main">
   <p:cSld>
     <p:spTree>
@@ -28893,7 +31600,7 @@
             <a:fld id="{D2D8002D-B5B0-4BAC-B1F6-782DDCCE6D9C}" type="slidenum">
               <a:rPr lang="ja-JP" altLang="en-US" smtClean="0"/>
               <a:pPr/>
-              <a:t>26</a:t>
+              <a:t>31</a:t>
             </a:fld>
             <a:endParaRPr lang="ja-JP" altLang="en-US" dirty="0"/>
           </a:p>
@@ -29052,7 +31759,7 @@
 </p:sld>
 </file>
 
-<file path=ppt/slides/slide27.xml><?xml version="1.0" encoding="utf-8"?>
+<file path=ppt/slides/slide32.xml><?xml version="1.0" encoding="utf-8"?>
 <p:sld xmlns:a="http://schemas.openxmlformats.org/drawingml/2006/main" xmlns:r="http://schemas.openxmlformats.org/officeDocument/2006/relationships" xmlns:p="http://schemas.openxmlformats.org/presentationml/2006/main">
   <p:cSld>
     <p:spTree>
@@ -29120,7 +31827,7 @@
             <a:fld id="{D2D8002D-B5B0-4BAC-B1F6-782DDCCE6D9C}" type="slidenum">
               <a:rPr lang="ja-JP" altLang="en-US" smtClean="0"/>
               <a:pPr/>
-              <a:t>27</a:t>
+              <a:t>32</a:t>
             </a:fld>
             <a:endParaRPr lang="ja-JP" altLang="en-US" dirty="0"/>
           </a:p>
@@ -29547,7 +32254,7 @@
 </p:sld>
 </file>
 
-<file path=ppt/slides/slide28.xml><?xml version="1.0" encoding="utf-8"?>
+<file path=ppt/slides/slide33.xml><?xml version="1.0" encoding="utf-8"?>
 <p:sld xmlns:a="http://schemas.openxmlformats.org/drawingml/2006/main" xmlns:r="http://schemas.openxmlformats.org/officeDocument/2006/relationships" xmlns:p="http://schemas.openxmlformats.org/presentationml/2006/main">
   <p:cSld>
     <p:spTree>
@@ -29605,7 +32312,7 @@
             <a:fld id="{D2D8002D-B5B0-4BAC-B1F6-782DDCCE6D9C}" type="slidenum">
               <a:rPr kumimoji="1" lang="ja-JP" altLang="en-US" smtClean="0"/>
               <a:pPr/>
-              <a:t>28</a:t>
+              <a:t>33</a:t>
             </a:fld>
             <a:endParaRPr kumimoji="1" lang="ja-JP" altLang="en-US" dirty="0"/>
           </a:p>
@@ -29878,7 +32585,7 @@
 </p:sld>
 </file>
 
-<file path=ppt/slides/slide29.xml><?xml version="1.0" encoding="utf-8"?>
+<file path=ppt/slides/slide34.xml><?xml version="1.0" encoding="utf-8"?>
 <p:sld xmlns:a="http://schemas.openxmlformats.org/drawingml/2006/main" xmlns:r="http://schemas.openxmlformats.org/officeDocument/2006/relationships" xmlns:p="http://schemas.openxmlformats.org/presentationml/2006/main">
   <p:cSld>
     <p:spTree>
@@ -29936,7 +32643,7 @@
             <a:fld id="{D2D8002D-B5B0-4BAC-B1F6-782DDCCE6D9C}" type="slidenum">
               <a:rPr kumimoji="1" lang="ja-JP" altLang="en-US" smtClean="0"/>
               <a:pPr/>
-              <a:t>29</a:t>
+              <a:t>34</a:t>
             </a:fld>
             <a:endParaRPr kumimoji="1" lang="ja-JP" altLang="en-US" dirty="0"/>
           </a:p>
@@ -30209,179 +32916,7 @@
 </p:sld>
 </file>
 
-<file path=ppt/slides/slide3.xml><?xml version="1.0" encoding="utf-8"?>
-<p:sld xmlns:a="http://schemas.openxmlformats.org/drawingml/2006/main" xmlns:r="http://schemas.openxmlformats.org/officeDocument/2006/relationships" xmlns:p="http://schemas.openxmlformats.org/presentationml/2006/main">
-  <p:cSld>
-    <p:spTree>
-      <p:nvGrpSpPr>
-        <p:cNvPr id="1" name=""/>
-        <p:cNvGrpSpPr/>
-        <p:nvPr/>
-      </p:nvGrpSpPr>
-      <p:grpSpPr>
-        <a:xfrm>
-          <a:off x="0" y="0"/>
-          <a:ext cx="0" cy="0"/>
-          <a:chOff x="0" y="0"/>
-          <a:chExt cx="0" cy="0"/>
-        </a:xfrm>
-      </p:grpSpPr>
-      <p:sp>
-        <p:nvSpPr>
-          <p:cNvPr id="5" name="タイトル 4"/>
-          <p:cNvSpPr>
-            <a:spLocks noGrp="1"/>
-          </p:cNvSpPr>
-          <p:nvPr>
-            <p:ph type="title"/>
-          </p:nvPr>
-        </p:nvSpPr>
-        <p:spPr/>
-        <p:txBody>
-          <a:bodyPr/>
-          <a:lstStyle/>
-          <a:p>
-            <a:r>
-              <a:rPr lang="ja-JP" altLang="en-US" dirty="0" smtClean="0"/>
-              <a:t>目次</a:t>
-            </a:r>
-            <a:endParaRPr kumimoji="1" lang="ja-JP" altLang="en-US" dirty="0"/>
-          </a:p>
-        </p:txBody>
-      </p:sp>
-      <p:sp>
-        <p:nvSpPr>
-          <p:cNvPr id="6" name="コンテンツ プレースホルダ 5"/>
-          <p:cNvSpPr>
-            <a:spLocks noGrp="1"/>
-          </p:cNvSpPr>
-          <p:nvPr>
-            <p:ph idx="1"/>
-          </p:nvPr>
-        </p:nvSpPr>
-        <p:spPr>
-          <a:xfrm>
-            <a:off x="1440160" y="1628800"/>
-            <a:ext cx="6372200" cy="3327995"/>
-          </a:xfrm>
-        </p:spPr>
-        <p:txBody>
-          <a:bodyPr>
-            <a:noAutofit/>
-          </a:bodyPr>
-          <a:lstStyle/>
-          <a:p>
-            <a:pPr marL="514350" indent="-514350">
-              <a:buFont typeface="+mj-lt"/>
-              <a:buAutoNum type="arabicPeriod"/>
-            </a:pPr>
-            <a:r>
-              <a:rPr lang="en-US" altLang="ja-JP" sz="3200" dirty="0" smtClean="0"/>
-              <a:t>NetCommons3</a:t>
-            </a:r>
-            <a:r>
-              <a:rPr lang="ja-JP" altLang="en-US" sz="3200" dirty="0" smtClean="0"/>
-              <a:t>プロジェクト</a:t>
-            </a:r>
-            <a:endParaRPr lang="en-US" altLang="ja-JP" sz="3200" dirty="0" smtClean="0"/>
-          </a:p>
-          <a:p>
-            <a:pPr marL="514350" indent="-514350">
-              <a:buFont typeface="+mj-lt"/>
-              <a:buAutoNum type="arabicPeriod"/>
-            </a:pPr>
-            <a:r>
-              <a:rPr lang="ja-JP" altLang="en-US" sz="3200" dirty="0" smtClean="0"/>
-              <a:t>開発担当</a:t>
-            </a:r>
-            <a:endParaRPr lang="en-US" altLang="ja-JP" sz="3200" dirty="0" smtClean="0"/>
-          </a:p>
-          <a:p>
-            <a:pPr marL="514350" indent="-514350">
-              <a:buFont typeface="+mj-lt"/>
-              <a:buAutoNum type="arabicPeriod"/>
-            </a:pPr>
-            <a:r>
-              <a:rPr lang="ja-JP" altLang="en-US" sz="3200" dirty="0" smtClean="0"/>
-              <a:t>フォームにおける問題点</a:t>
-            </a:r>
-            <a:endParaRPr lang="en-US" altLang="ja-JP" sz="3200" dirty="0" smtClean="0"/>
-          </a:p>
-          <a:p>
-            <a:pPr marL="514350" indent="-514350">
-              <a:buFont typeface="+mj-lt"/>
-              <a:buAutoNum type="arabicPeriod"/>
-            </a:pPr>
-            <a:r>
-              <a:rPr kumimoji="1" lang="ja-JP" altLang="en-US" sz="3200" dirty="0" smtClean="0"/>
-              <a:t>解決方法</a:t>
-            </a:r>
-            <a:endParaRPr kumimoji="1" lang="en-US" altLang="ja-JP" sz="3200" dirty="0" smtClean="0"/>
-          </a:p>
-          <a:p>
-            <a:pPr marL="514350" indent="-514350">
-              <a:buFont typeface="+mj-lt"/>
-              <a:buAutoNum type="arabicPeriod"/>
-            </a:pPr>
-            <a:r>
-              <a:rPr lang="ja-JP" altLang="en-US" sz="3200" dirty="0" smtClean="0"/>
-              <a:t>評価</a:t>
-            </a:r>
-            <a:endParaRPr kumimoji="1" lang="en-US" altLang="ja-JP" sz="3200" dirty="0" smtClean="0"/>
-          </a:p>
-          <a:p>
-            <a:pPr marL="514350" indent="-514350">
-              <a:buFont typeface="+mj-lt"/>
-              <a:buAutoNum type="arabicPeriod"/>
-            </a:pPr>
-            <a:r>
-              <a:rPr kumimoji="1" lang="ja-JP" altLang="en-US" sz="3200" dirty="0" smtClean="0"/>
-              <a:t>結言</a:t>
-            </a:r>
-            <a:endParaRPr kumimoji="1" lang="en-US" altLang="ja-JP" sz="3200" dirty="0" smtClean="0"/>
-          </a:p>
-        </p:txBody>
-      </p:sp>
-      <p:sp>
-        <p:nvSpPr>
-          <p:cNvPr id="4" name="スライド番号プレースホルダ 3"/>
-          <p:cNvSpPr>
-            <a:spLocks noGrp="1"/>
-          </p:cNvSpPr>
-          <p:nvPr>
-            <p:ph type="sldNum" sz="quarter" idx="12"/>
-          </p:nvPr>
-        </p:nvSpPr>
-        <p:spPr/>
-        <p:txBody>
-          <a:bodyPr/>
-          <a:lstStyle/>
-          <a:p>
-            <a:fld id="{D2D8002D-B5B0-4BAC-B1F6-782DDCCE6D9C}" type="slidenum">
-              <a:rPr kumimoji="1" lang="ja-JP" altLang="en-US" smtClean="0"/>
-              <a:pPr/>
-              <a:t>3</a:t>
-            </a:fld>
-            <a:endParaRPr kumimoji="1" lang="ja-JP" altLang="en-US" dirty="0"/>
-          </a:p>
-        </p:txBody>
-      </p:sp>
-    </p:spTree>
-  </p:cSld>
-  <p:clrMapOvr>
-    <a:masterClrMapping/>
-  </p:clrMapOvr>
-  <p:timing>
-    <p:tnLst>
-      <p:par>
-        <p:cTn id="1" dur="indefinite" restart="never" nodeType="tmRoot"/>
-      </p:par>
-    </p:tnLst>
-  </p:timing>
-</p:sld>
-</file>
-
-<file path=ppt/slides/slide30.xml><?xml version="1.0" encoding="utf-8"?>
+<file path=ppt/slides/slide35.xml><?xml version="1.0" encoding="utf-8"?>
 <p:sld xmlns:a="http://schemas.openxmlformats.org/drawingml/2006/main" xmlns:r="http://schemas.openxmlformats.org/officeDocument/2006/relationships" xmlns:p="http://schemas.openxmlformats.org/presentationml/2006/main">
   <p:cSld>
     <p:spTree>
@@ -30446,7 +32981,7 @@
             <a:fld id="{D2D8002D-B5B0-4BAC-B1F6-782DDCCE6D9C}" type="slidenum">
               <a:rPr kumimoji="1" lang="ja-JP" altLang="en-US" smtClean="0"/>
               <a:pPr/>
-              <a:t>30</a:t>
+              <a:t>35</a:t>
             </a:fld>
             <a:endParaRPr kumimoji="1" lang="ja-JP" altLang="en-US" dirty="0"/>
           </a:p>
@@ -30602,7 +33137,21 @@
                 <a:ea typeface="メイリオ" pitchFamily="50" charset="-128"/>
                 <a:cs typeface="メイリオ" pitchFamily="50" charset="-128"/>
               </a:rPr>
-              <a:t>国立情報学研究所　社会共有知研究センタ</a:t>
+              <a:t>国立情報学研究所　社会共有知研究</a:t>
+            </a:r>
+            <a:r>
+              <a:rPr kumimoji="1" lang="ja-JP" altLang="en-US" b="1" i="0" u="none" strike="noStrike" kern="1200" cap="none" spc="0" normalizeH="0" baseline="0" noProof="0" dirty="0" smtClean="0">
+                <a:ln>
+                  <a:noFill/>
+                </a:ln>
+                <a:effectLst/>
+                <a:uLnTx/>
+                <a:uFillTx/>
+                <a:latin typeface="メイリオ" pitchFamily="50" charset="-128"/>
+                <a:ea typeface="メイリオ" pitchFamily="50" charset="-128"/>
+                <a:cs typeface="メイリオ" pitchFamily="50" charset="-128"/>
+              </a:rPr>
+              <a:t>センター</a:t>
             </a:r>
             <a:endParaRPr kumimoji="1" lang="en-US" altLang="ja-JP" b="1" i="0" u="none" strike="noStrike" kern="1200" cap="none" spc="0" normalizeH="0" baseline="0" noProof="0" dirty="0" smtClean="0">
               <a:ln>
@@ -30728,7 +33277,35 @@
                 <a:ea typeface="メイリオ" pitchFamily="50" charset="-128"/>
                 <a:cs typeface="メイリオ" pitchFamily="50" charset="-128"/>
               </a:rPr>
-              <a:t>消防システム開発センタ　第</a:t>
+              <a:t>消防システム開発</a:t>
+            </a:r>
+            <a:r>
+              <a:rPr kumimoji="1" lang="ja-JP" altLang="en-US" b="1" i="0" u="none" strike="noStrike" kern="1200" cap="none" spc="0" normalizeH="0" baseline="0" noProof="0" dirty="0" smtClean="0">
+                <a:ln>
+                  <a:noFill/>
+                </a:ln>
+                <a:effectLst/>
+                <a:uLnTx/>
+                <a:uFillTx/>
+                <a:latin typeface="メイリオ" pitchFamily="50" charset="-128"/>
+                <a:ea typeface="メイリオ" pitchFamily="50" charset="-128"/>
+                <a:cs typeface="メイリオ" pitchFamily="50" charset="-128"/>
+              </a:rPr>
+              <a:t>センタ</a:t>
+            </a:r>
+            <a:r>
+              <a:rPr kumimoji="1" lang="ja-JP" altLang="en-US" b="1" i="0" u="none" strike="noStrike" kern="1200" cap="none" spc="0" normalizeH="0" baseline="0" noProof="0" dirty="0" smtClean="0">
+                <a:ln>
+                  <a:noFill/>
+                </a:ln>
+                <a:effectLst/>
+                <a:uLnTx/>
+                <a:uFillTx/>
+                <a:latin typeface="メイリオ" pitchFamily="50" charset="-128"/>
+                <a:ea typeface="メイリオ" pitchFamily="50" charset="-128"/>
+                <a:cs typeface="メイリオ" pitchFamily="50" charset="-128"/>
+              </a:rPr>
+              <a:t>　第</a:t>
             </a:r>
             <a:r>
               <a:rPr kumimoji="1" lang="en-US" altLang="ja-JP" b="1" i="0" u="none" strike="noStrike" kern="1200" cap="none" spc="0" normalizeH="0" baseline="0" noProof="0" dirty="0" smtClean="0">
@@ -30829,7 +33406,7 @@
 </p:sld>
 </file>
 
-<file path=ppt/slides/slide31.xml><?xml version="1.0" encoding="utf-8"?>
+<file path=ppt/slides/slide36.xml><?xml version="1.0" encoding="utf-8"?>
 <p:sld xmlns:a="http://schemas.openxmlformats.org/drawingml/2006/main" xmlns:r="http://schemas.openxmlformats.org/officeDocument/2006/relationships" xmlns:p="http://schemas.openxmlformats.org/presentationml/2006/main" show="0">
   <p:cSld>
     <p:spTree>
@@ -31171,7 +33748,7 @@
             <a:fld id="{D2D8002D-B5B0-4BAC-B1F6-782DDCCE6D9C}" type="slidenum">
               <a:rPr kumimoji="1" lang="ja-JP" altLang="en-US" smtClean="0"/>
               <a:pPr/>
-              <a:t>31</a:t>
+              <a:t>36</a:t>
             </a:fld>
             <a:endParaRPr kumimoji="1" lang="ja-JP" altLang="en-US" dirty="0"/>
           </a:p>
@@ -31193,7 +33770,7 @@
 </p:sld>
 </file>
 
-<file path=ppt/slides/slide32.xml><?xml version="1.0" encoding="utf-8"?>
+<file path=ppt/slides/slide37.xml><?xml version="1.0" encoding="utf-8"?>
 <p:sld xmlns:a="http://schemas.openxmlformats.org/drawingml/2006/main" xmlns:r="http://schemas.openxmlformats.org/officeDocument/2006/relationships" xmlns:p="http://schemas.openxmlformats.org/presentationml/2006/main" show="0">
   <p:cSld>
     <p:spTree>
@@ -31344,7 +33921,7 @@
             <a:fld id="{D2D8002D-B5B0-4BAC-B1F6-782DDCCE6D9C}" type="slidenum">
               <a:rPr lang="ja-JP" altLang="en-US" smtClean="0"/>
               <a:pPr/>
-              <a:t>32</a:t>
+              <a:t>37</a:t>
             </a:fld>
             <a:endParaRPr lang="ja-JP" altLang="en-US" dirty="0"/>
           </a:p>
@@ -31426,7 +34003,7 @@
 </p:sld>
 </file>
 
-<file path=ppt/slides/slide33.xml><?xml version="1.0" encoding="utf-8"?>
+<file path=ppt/slides/slide38.xml><?xml version="1.0" encoding="utf-8"?>
 <p:sld xmlns:a="http://schemas.openxmlformats.org/drawingml/2006/main" xmlns:r="http://schemas.openxmlformats.org/officeDocument/2006/relationships" xmlns:p="http://schemas.openxmlformats.org/presentationml/2006/main" show="0">
   <p:cSld>
     <p:spTree>
@@ -31544,11 +34121,7 @@
             </a:r>
             <a:r>
               <a:rPr lang="ja-JP" altLang="en-US" dirty="0" smtClean="0"/>
-              <a:t>つの</a:t>
-            </a:r>
-            <a:r>
-              <a:rPr lang="ja-JP" altLang="en-US" dirty="0" smtClean="0"/>
-              <a:t>価値、</a:t>
+              <a:t>つの価値、</a:t>
             </a:r>
             <a:r>
               <a:rPr lang="en-US" altLang="ja-JP" dirty="0" smtClean="0"/>
@@ -31572,11 +34145,7 @@
             </a:r>
             <a:r>
               <a:rPr lang="ja-JP" altLang="en-US" dirty="0" smtClean="0"/>
-              <a:t>を</a:t>
-            </a:r>
-            <a:r>
-              <a:rPr lang="ja-JP" altLang="en-US" dirty="0" smtClean="0"/>
-              <a:t>定義。</a:t>
+              <a:t>を定義。</a:t>
             </a:r>
             <a:endParaRPr lang="en-US" altLang="ja-JP" dirty="0" smtClean="0"/>
           </a:p>
@@ -31610,7 +34179,7 @@
             <a:fld id="{D2D8002D-B5B0-4BAC-B1F6-782DDCCE6D9C}" type="slidenum">
               <a:rPr lang="ja-JP" altLang="en-US" smtClean="0"/>
               <a:pPr/>
-              <a:t>33</a:t>
+              <a:t>38</a:t>
             </a:fld>
             <a:endParaRPr lang="ja-JP" altLang="en-US" dirty="0"/>
           </a:p>
@@ -32447,79 +35016,6 @@
       </p:sp>
       <p:sp>
         <p:nvSpPr>
-          <p:cNvPr id="3" name="コンテンツ プレースホルダ 2"/>
-          <p:cNvSpPr>
-            <a:spLocks noGrp="1"/>
-          </p:cNvSpPr>
-          <p:nvPr>
-            <p:ph idx="1"/>
-          </p:nvPr>
-        </p:nvSpPr>
-        <p:spPr>
-          <a:xfrm>
-            <a:off x="457200" y="2132856"/>
-            <a:ext cx="8229600" cy="2088232"/>
-          </a:xfrm>
-        </p:spPr>
-        <p:txBody>
-          <a:bodyPr/>
-          <a:lstStyle/>
-          <a:p>
-            <a:r>
-              <a:rPr kumimoji="1" lang="en-US" altLang="ja-JP" sz="2400" dirty="0" smtClean="0"/>
-              <a:t>2,000</a:t>
-            </a:r>
-            <a:r>
-              <a:rPr kumimoji="1" lang="ja-JP" altLang="en-US" sz="2400" dirty="0" smtClean="0"/>
-              <a:t>以上の学校</a:t>
-            </a:r>
-            <a:endParaRPr kumimoji="1" lang="en-US" altLang="ja-JP" sz="2400" dirty="0" smtClean="0"/>
-          </a:p>
-          <a:p>
-            <a:r>
-              <a:rPr lang="ja-JP" altLang="en-US" sz="2400" dirty="0" smtClean="0"/>
-              <a:t>都道府県レベルの教育センターでは</a:t>
-            </a:r>
-            <a:r>
-              <a:rPr lang="en-US" altLang="ja-JP" sz="2400" dirty="0" smtClean="0"/>
-              <a:t>3</a:t>
-            </a:r>
-            <a:r>
-              <a:rPr lang="ja-JP" altLang="en-US" sz="2400" dirty="0" smtClean="0"/>
-              <a:t>分の</a:t>
-            </a:r>
-            <a:r>
-              <a:rPr lang="en-US" altLang="ja-JP" sz="2400" dirty="0" smtClean="0"/>
-              <a:t>2</a:t>
-            </a:r>
-            <a:r>
-              <a:rPr lang="ja-JP" altLang="en-US" sz="2400" dirty="0" smtClean="0"/>
-              <a:t>以上で使われている</a:t>
-            </a:r>
-            <a:endParaRPr lang="en-US" altLang="ja-JP" sz="2400" dirty="0" smtClean="0"/>
-          </a:p>
-          <a:p>
-            <a:r>
-              <a:rPr kumimoji="1" lang="ja-JP" altLang="en-US" sz="2400" dirty="0" smtClean="0"/>
-              <a:t>企業や</a:t>
-            </a:r>
-            <a:r>
-              <a:rPr kumimoji="1" lang="en-US" altLang="ja-JP" sz="2400" dirty="0" smtClean="0"/>
-              <a:t>NPO</a:t>
-            </a:r>
-            <a:r>
-              <a:rPr kumimoji="1" lang="ja-JP" altLang="en-US" sz="2400" dirty="0" smtClean="0"/>
-              <a:t>団体等も利用</a:t>
-            </a:r>
-            <a:endParaRPr kumimoji="1" lang="en-US" altLang="ja-JP" sz="2400" dirty="0" smtClean="0"/>
-          </a:p>
-          <a:p>
-            <a:endParaRPr kumimoji="1" lang="ja-JP" altLang="en-US" sz="2400" dirty="0"/>
-          </a:p>
-        </p:txBody>
-      </p:sp>
-      <p:sp>
-        <p:nvSpPr>
           <p:cNvPr id="4" name="スライド番号プレースホルダ 3"/>
           <p:cNvSpPr>
             <a:spLocks noGrp="1"/>
@@ -32644,7 +35140,7 @@
         <p:spPr>
           <a:xfrm>
             <a:off x="323528" y="1196752"/>
-            <a:ext cx="3456384" cy="648072"/>
+            <a:ext cx="5400600" cy="576064"/>
           </a:xfrm>
           <a:prstGeom prst="roundRect">
             <a:avLst/>
@@ -32684,304 +35180,306 @@
           <a:p>
             <a:pPr algn="ctr"/>
             <a:r>
-              <a:rPr lang="en-US" altLang="ja-JP" sz="3200" b="1" dirty="0" smtClean="0">
+              <a:rPr kumimoji="1" lang="en-US" altLang="ja-JP" sz="2800" b="1" dirty="0" smtClean="0">
                 <a:ea typeface="メイリオ" pitchFamily="50" charset="-128"/>
                 <a:cs typeface="メイリオ" pitchFamily="50" charset="-128"/>
               </a:rPr>
-              <a:t>NetCommons</a:t>
-            </a:r>
-            <a:endParaRPr kumimoji="1" lang="ja-JP" altLang="en-US" sz="3200" b="1" dirty="0">
+              <a:t>Web</a:t>
+            </a:r>
+            <a:r>
+              <a:rPr kumimoji="1" lang="ja-JP" altLang="en-US" sz="2800" b="1" dirty="0" smtClean="0">
+                <a:ea typeface="メイリオ" pitchFamily="50" charset="-128"/>
+                <a:cs typeface="メイリオ" pitchFamily="50" charset="-128"/>
+              </a:rPr>
+              <a:t>ページの簡単な説明</a:t>
+            </a:r>
+            <a:r>
+              <a:rPr kumimoji="1" lang="en-US" altLang="ja-JP" sz="2800" b="1" dirty="0" smtClean="0">
+                <a:ea typeface="メイリオ" pitchFamily="50" charset="-128"/>
+                <a:cs typeface="メイリオ" pitchFamily="50" charset="-128"/>
+              </a:rPr>
+              <a:t>(1)</a:t>
+            </a:r>
+            <a:endParaRPr kumimoji="1" lang="ja-JP" altLang="en-US" sz="2800" b="1" dirty="0">
               <a:ea typeface="メイリオ" pitchFamily="50" charset="-128"/>
               <a:cs typeface="メイリオ" pitchFamily="50" charset="-128"/>
             </a:endParaRPr>
           </a:p>
         </p:txBody>
       </p:sp>
+      <p:pic>
+        <p:nvPicPr>
+          <p:cNvPr id="2050" name="Picture 2"/>
+          <p:cNvPicPr>
+            <a:picLocks noChangeAspect="1" noChangeArrowheads="1"/>
+          </p:cNvPicPr>
+          <p:nvPr/>
+        </p:nvPicPr>
+        <p:blipFill>
+          <a:blip r:embed="rId2" cstate="print"/>
+          <a:srcRect/>
+          <a:stretch>
+            <a:fillRect/>
+          </a:stretch>
+        </p:blipFill>
+        <p:spPr bwMode="auto">
+          <a:xfrm>
+            <a:off x="107504" y="3452339"/>
+            <a:ext cx="5760640" cy="3405661"/>
+          </a:xfrm>
+          <a:prstGeom prst="rect">
+            <a:avLst/>
+          </a:prstGeom>
+          <a:noFill/>
+          <a:ln w="9525">
+            <a:noFill/>
+            <a:miter lim="800000"/>
+            <a:headEnd/>
+            <a:tailEnd/>
+          </a:ln>
+        </p:spPr>
+      </p:pic>
       <p:sp>
         <p:nvSpPr>
-          <p:cNvPr id="7" name="コンテンツ プレースホルダ 2"/>
-          <p:cNvSpPr txBox="1">
-            <a:spLocks/>
-          </p:cNvSpPr>
+          <p:cNvPr id="9" name="四角形吹き出し 8"/>
+          <p:cNvSpPr/>
           <p:nvPr/>
         </p:nvSpPr>
         <p:spPr>
           <a:xfrm>
-            <a:off x="1619672" y="3861048"/>
-            <a:ext cx="7524328" cy="936104"/>
+            <a:off x="5364088" y="3861048"/>
+            <a:ext cx="3384376" cy="2664296"/>
           </a:xfrm>
-          <a:prstGeom prst="rect">
-            <a:avLst/>
+          <a:prstGeom prst="wedgeRectCallout">
+            <a:avLst>
+              <a:gd name="adj1" fmla="val -78720"/>
+              <a:gd name="adj2" fmla="val 29476"/>
+            </a:avLst>
           </a:prstGeom>
         </p:spPr>
+        <p:style>
+          <a:lnRef idx="1">
+            <a:schemeClr val="accent3"/>
+          </a:lnRef>
+          <a:fillRef idx="2">
+            <a:schemeClr val="accent3"/>
+          </a:fillRef>
+          <a:effectRef idx="1">
+            <a:schemeClr val="accent3"/>
+          </a:effectRef>
+          <a:fontRef idx="minor">
+            <a:schemeClr val="dk1"/>
+          </a:fontRef>
+        </p:style>
         <p:txBody>
-          <a:bodyPr vert="horz" lIns="91440" tIns="45720" rIns="91440" bIns="45720" rtlCol="0">
-            <a:normAutofit/>
-          </a:bodyPr>
+          <a:bodyPr rtlCol="0" anchor="ctr"/>
           <a:lstStyle/>
           <a:p>
-            <a:pPr marL="342900" marR="0" lvl="0" indent="-342900" algn="l" defTabSz="914400" rtl="0" eaLnBrk="1" fontAlgn="auto" latinLnBrk="0" hangingPunct="1">
-              <a:lnSpc>
-                <a:spcPct val="100000"/>
-              </a:lnSpc>
-              <a:spcBef>
-                <a:spcPct val="20000"/>
-              </a:spcBef>
-              <a:spcAft>
-                <a:spcPts val="0"/>
-              </a:spcAft>
-              <a:buClrTx/>
-              <a:buSzTx/>
-              <a:tabLst/>
-              <a:defRPr/>
-            </a:pPr>
-            <a:r>
-              <a:rPr lang="ja-JP" altLang="en-US" sz="2800" b="1" dirty="0" smtClean="0">
-                <a:latin typeface="メイリオ" pitchFamily="50" charset="-128"/>
-                <a:ea typeface="メイリオ" pitchFamily="50" charset="-128"/>
-                <a:cs typeface="メイリオ" pitchFamily="50" charset="-128"/>
+            <a:r>
+              <a:rPr lang="en-US" altLang="ja-JP" dirty="0" smtClean="0"/>
+              <a:t>&lt;html lang=“ja”&gt;</a:t>
+            </a:r>
+          </a:p>
+          <a:p>
+            <a:r>
+              <a:rPr lang="ja-JP" altLang="en-US" dirty="0" smtClean="0"/>
+              <a:t>    </a:t>
+            </a:r>
+            <a:r>
+              <a:rPr lang="en-US" altLang="ja-JP" dirty="0" smtClean="0"/>
+              <a:t>&lt;head&gt;</a:t>
+            </a:r>
+          </a:p>
+          <a:p>
+            <a:r>
+              <a:rPr lang="en-US" altLang="ja-JP" dirty="0" smtClean="0"/>
+              <a:t>        </a:t>
+            </a:r>
+            <a:r>
+              <a:rPr lang="en-US" altLang="ja-JP" u="sng" dirty="0" smtClean="0">
+                <a:solidFill>
+                  <a:srgbClr val="FF0000"/>
+                </a:solidFill>
               </a:rPr>
-              <a:t>⇒　</a:t>
-            </a:r>
-            <a:r>
-              <a:rPr lang="en-US" altLang="ja-JP" sz="2800" b="1" dirty="0" smtClean="0">
-                <a:latin typeface="メイリオ" pitchFamily="50" charset="-128"/>
-                <a:ea typeface="メイリオ" pitchFamily="50" charset="-128"/>
-                <a:cs typeface="メイリオ" pitchFamily="50" charset="-128"/>
-              </a:rPr>
-              <a:t>3</a:t>
-            </a:r>
-            <a:r>
-              <a:rPr kumimoji="1" lang="en-US" altLang="ja-JP" sz="2800" b="1" i="0" u="none" strike="noStrike" kern="1200" cap="none" spc="0" normalizeH="0" baseline="0" noProof="0" dirty="0" smtClean="0">
-                <a:ln>
-                  <a:noFill/>
-                </a:ln>
-                <a:solidFill>
-                  <a:schemeClr val="tx1"/>
-                </a:solidFill>
-                <a:effectLst/>
-                <a:uLnTx/>
-                <a:uFillTx/>
-                <a:latin typeface="メイリオ" pitchFamily="50" charset="-128"/>
-                <a:ea typeface="メイリオ" pitchFamily="50" charset="-128"/>
-                <a:cs typeface="メイリオ" pitchFamily="50" charset="-128"/>
-              </a:rPr>
-              <a:t>,000</a:t>
-            </a:r>
-            <a:r>
-              <a:rPr kumimoji="1" lang="ja-JP" altLang="en-US" sz="2800" b="1" i="0" u="none" strike="noStrike" kern="1200" cap="none" spc="0" normalizeH="0" baseline="0" noProof="0" dirty="0" smtClean="0">
-                <a:ln>
-                  <a:noFill/>
-                </a:ln>
-                <a:solidFill>
-                  <a:schemeClr val="tx1"/>
-                </a:solidFill>
-                <a:effectLst/>
-                <a:uLnTx/>
-                <a:uFillTx/>
-                <a:latin typeface="メイリオ" pitchFamily="50" charset="-128"/>
-                <a:ea typeface="メイリオ" pitchFamily="50" charset="-128"/>
-                <a:cs typeface="メイリオ" pitchFamily="50" charset="-128"/>
-              </a:rPr>
-              <a:t>以上の導入が確認されている。</a:t>
-            </a:r>
-            <a:endParaRPr kumimoji="1" lang="en-US" altLang="ja-JP" sz="2800" b="1" i="0" u="none" strike="noStrike" kern="1200" cap="none" spc="0" normalizeH="0" baseline="0" noProof="0" dirty="0" smtClean="0">
-              <a:ln>
-                <a:noFill/>
-              </a:ln>
+              <a:t>&lt;title&gt;Google&lt;/title&gt;</a:t>
+            </a:r>
+            <a:endParaRPr lang="en-US" altLang="ja-JP" u="sng" dirty="0" smtClean="0">
               <a:solidFill>
-                <a:schemeClr val="tx1"/>
+                <a:srgbClr val="FF0000"/>
               </a:solidFill>
-              <a:effectLst/>
-              <a:uLnTx/>
-              <a:uFillTx/>
-              <a:latin typeface="メイリオ" pitchFamily="50" charset="-128"/>
-              <a:ea typeface="メイリオ" pitchFamily="50" charset="-128"/>
-              <a:cs typeface="メイリオ" pitchFamily="50" charset="-128"/>
             </a:endParaRPr>
           </a:p>
-        </p:txBody>
-      </p:sp>
-      <p:sp>
-        <p:nvSpPr>
-          <p:cNvPr id="9" name="コンテンツ プレースホルダ 2"/>
-          <p:cNvSpPr txBox="1">
-            <a:spLocks/>
-          </p:cNvSpPr>
-          <p:nvPr/>
-        </p:nvSpPr>
-        <p:spPr>
-          <a:xfrm>
-            <a:off x="457200" y="4581128"/>
-            <a:ext cx="8229600" cy="2088232"/>
-          </a:xfrm>
-          <a:prstGeom prst="rect">
-            <a:avLst/>
-          </a:prstGeom>
-        </p:spPr>
-        <p:txBody>
-          <a:bodyPr vert="horz" lIns="91440" tIns="45720" rIns="91440" bIns="45720" rtlCol="0">
-            <a:normAutofit/>
-          </a:bodyPr>
-          <a:lstStyle/>
-          <a:p>
-            <a:pPr marL="342900" lvl="0" indent="-342900">
-              <a:spcBef>
-                <a:spcPct val="20000"/>
-              </a:spcBef>
-              <a:buFont typeface="Arial" pitchFamily="34" charset="0"/>
-              <a:buChar char="•"/>
-            </a:pPr>
-            <a:r>
-              <a:rPr kumimoji="1" lang="ja-JP" altLang="en-US" sz="2400" b="1" i="0" u="none" strike="noStrike" kern="1200" cap="none" spc="0" normalizeH="0" baseline="0" noProof="0" dirty="0" smtClean="0">
-                <a:ln>
-                  <a:noFill/>
-                </a:ln>
-                <a:solidFill>
-                  <a:schemeClr val="tx1"/>
-                </a:solidFill>
-                <a:effectLst/>
-                <a:uLnTx/>
-                <a:uFillTx/>
-                <a:latin typeface="メイリオ" pitchFamily="50" charset="-128"/>
-                <a:ea typeface="メイリオ" pitchFamily="50" charset="-128"/>
-                <a:cs typeface="メイリオ" pitchFamily="50" charset="-128"/>
-              </a:rPr>
-              <a:t>売り文句「ワープロやメールを書けるスキル</a:t>
-            </a:r>
-            <a:r>
-              <a:rPr lang="ja-JP" altLang="en-US" sz="2400" b="1" dirty="0" smtClean="0">
-                <a:latin typeface="メイリオ" pitchFamily="50" charset="-128"/>
-                <a:ea typeface="メイリオ" pitchFamily="50" charset="-128"/>
-                <a:cs typeface="メイリオ" pitchFamily="50" charset="-128"/>
-              </a:rPr>
-              <a:t>があればブログ感覚で入力</a:t>
-            </a:r>
-            <a:r>
-              <a:rPr kumimoji="1" lang="ja-JP" altLang="en-US" sz="2400" b="1" i="0" u="none" strike="noStrike" kern="1200" cap="none" spc="0" normalizeH="0" baseline="0" noProof="0" dirty="0" smtClean="0">
-                <a:ln>
-                  <a:noFill/>
-                </a:ln>
-                <a:solidFill>
-                  <a:schemeClr val="tx1"/>
-                </a:solidFill>
-                <a:effectLst/>
-                <a:uLnTx/>
-                <a:uFillTx/>
-                <a:latin typeface="メイリオ" pitchFamily="50" charset="-128"/>
-                <a:ea typeface="メイリオ" pitchFamily="50" charset="-128"/>
-                <a:cs typeface="メイリオ" pitchFamily="50" charset="-128"/>
-              </a:rPr>
-              <a:t>や更新ができる」</a:t>
-            </a:r>
-            <a:endParaRPr kumimoji="1" lang="en-US" altLang="ja-JP" sz="2400" b="1" i="0" u="none" strike="noStrike" kern="1200" cap="none" spc="0" normalizeH="0" baseline="0" noProof="0" dirty="0" smtClean="0">
-              <a:ln>
-                <a:noFill/>
-              </a:ln>
-              <a:solidFill>
-                <a:schemeClr val="tx1"/>
-              </a:solidFill>
-              <a:effectLst/>
-              <a:uLnTx/>
-              <a:uFillTx/>
-              <a:latin typeface="メイリオ" pitchFamily="50" charset="-128"/>
-              <a:ea typeface="メイリオ" pitchFamily="50" charset="-128"/>
-              <a:cs typeface="メイリオ" pitchFamily="50" charset="-128"/>
-            </a:endParaRPr>
-          </a:p>
-          <a:p>
-            <a:pPr marL="342900" lvl="0" indent="-342900">
-              <a:spcBef>
-                <a:spcPct val="20000"/>
-              </a:spcBef>
-              <a:buFont typeface="Arial" pitchFamily="34" charset="0"/>
-              <a:buChar char="•"/>
-            </a:pPr>
-            <a:r>
-              <a:rPr lang="ja-JP" altLang="en-US" sz="2400" b="1" dirty="0" smtClean="0">
-                <a:latin typeface="メイリオ" pitchFamily="50" charset="-128"/>
-                <a:ea typeface="メイリオ" pitchFamily="50" charset="-128"/>
-                <a:cs typeface="メイリオ" pitchFamily="50" charset="-128"/>
-              </a:rPr>
-              <a:t>インストール直後から様々な機能を使える</a:t>
-            </a:r>
-            <a:endParaRPr kumimoji="1" lang="en-US" altLang="ja-JP" sz="2400" b="1" i="0" u="none" strike="noStrike" kern="1200" cap="none" spc="0" normalizeH="0" baseline="0" noProof="0" dirty="0" smtClean="0">
-              <a:ln>
-                <a:noFill/>
-              </a:ln>
-              <a:solidFill>
-                <a:schemeClr val="tx1"/>
-              </a:solidFill>
-              <a:effectLst/>
-              <a:uLnTx/>
-              <a:uFillTx/>
-              <a:latin typeface="メイリオ" pitchFamily="50" charset="-128"/>
-              <a:ea typeface="メイリオ" pitchFamily="50" charset="-128"/>
-              <a:cs typeface="メイリオ" pitchFamily="50" charset="-128"/>
-            </a:endParaRPr>
+          <a:p>
+            <a:r>
+              <a:rPr lang="en-US" altLang="ja-JP" dirty="0" smtClean="0"/>
+              <a:t>    &lt;/head&gt;</a:t>
+            </a:r>
+            <a:endParaRPr lang="en-US" altLang="ja-JP" dirty="0" smtClean="0"/>
+          </a:p>
+          <a:p>
+            <a:r>
+              <a:rPr lang="en-US" altLang="ja-JP" dirty="0" smtClean="0"/>
+              <a:t>    &lt;body&gt;</a:t>
+            </a:r>
+          </a:p>
+          <a:p>
+            <a:r>
+              <a:rPr lang="en-US" altLang="ja-JP" dirty="0" smtClean="0"/>
+              <a:t>        &lt;textarea&gt;&lt;/textarea&gt;</a:t>
+            </a:r>
+            <a:endParaRPr lang="en-US" altLang="ja-JP" dirty="0" smtClean="0"/>
+          </a:p>
+          <a:p>
+            <a:r>
+              <a:rPr lang="en-US" altLang="ja-JP" dirty="0" smtClean="0"/>
+              <a:t>    &lt;/body&gt;</a:t>
+            </a:r>
+          </a:p>
+          <a:p>
+            <a:r>
+              <a:rPr lang="en-US" altLang="ja-JP" dirty="0" smtClean="0"/>
+              <a:t>&lt;/html&gt;</a:t>
+            </a:r>
           </a:p>
         </p:txBody>
       </p:sp>
       <p:sp>
         <p:nvSpPr>
           <p:cNvPr id="10" name="コンテンツ プレースホルダ 2"/>
-          <p:cNvSpPr txBox="1">
-            <a:spLocks/>
+          <p:cNvSpPr>
+            <a:spLocks noGrp="1"/>
           </p:cNvSpPr>
+          <p:nvPr>
+            <p:ph idx="1"/>
+          </p:nvPr>
+        </p:nvSpPr>
+        <p:spPr>
+          <a:xfrm>
+            <a:off x="457200" y="2099989"/>
+            <a:ext cx="8229600" cy="1257003"/>
+          </a:xfrm>
+        </p:spPr>
+        <p:txBody>
+          <a:bodyPr>
+            <a:normAutofit lnSpcReduction="10000"/>
+          </a:bodyPr>
+          <a:lstStyle/>
+          <a:p>
+            <a:r>
+              <a:rPr kumimoji="1" lang="en-US" altLang="ja-JP" sz="2400" dirty="0" smtClean="0"/>
+              <a:t>HTML(HyperText </a:t>
+            </a:r>
+            <a:r>
+              <a:rPr lang="en-US" altLang="ja-JP" sz="2400" dirty="0" smtClean="0"/>
+              <a:t>Ma</a:t>
+            </a:r>
+            <a:r>
+              <a:rPr kumimoji="1" lang="en-US" altLang="ja-JP" sz="2400" dirty="0" smtClean="0"/>
+              <a:t>rkup </a:t>
+            </a:r>
+            <a:r>
+              <a:rPr lang="en-US" altLang="ja-JP" sz="2400" dirty="0" smtClean="0"/>
+              <a:t>L</a:t>
+            </a:r>
+            <a:r>
+              <a:rPr kumimoji="1" lang="en-US" altLang="ja-JP" sz="2400" dirty="0" smtClean="0"/>
+              <a:t>anguage)</a:t>
+            </a:r>
+            <a:r>
+              <a:rPr kumimoji="1" lang="ja-JP" altLang="en-US" sz="2400" dirty="0" smtClean="0"/>
+              <a:t>とは</a:t>
+            </a:r>
+            <a:endParaRPr kumimoji="1" lang="en-US" altLang="ja-JP" sz="2400" dirty="0" smtClean="0"/>
+          </a:p>
+          <a:p>
+            <a:pPr>
+              <a:buNone/>
+            </a:pPr>
+            <a:r>
+              <a:rPr lang="ja-JP" altLang="en-US" sz="2400" dirty="0" smtClean="0"/>
+              <a:t>　</a:t>
+            </a:r>
+            <a:r>
+              <a:rPr lang="en-US" altLang="ja-JP" sz="2400" dirty="0" smtClean="0"/>
+              <a:t>Web</a:t>
+            </a:r>
+            <a:r>
+              <a:rPr lang="ja-JP" altLang="en-US" sz="2400" dirty="0" smtClean="0"/>
+              <a:t>ページを記述するためのマークアップ言語。</a:t>
+            </a:r>
+            <a:endParaRPr lang="en-US" altLang="ja-JP" sz="2400" dirty="0" smtClean="0"/>
+          </a:p>
+          <a:p>
+            <a:pPr>
+              <a:buNone/>
+            </a:pPr>
+            <a:r>
+              <a:rPr kumimoji="1" lang="ja-JP" altLang="en-US" sz="2400" dirty="0" smtClean="0"/>
+              <a:t>　</a:t>
+            </a:r>
+            <a:r>
+              <a:rPr lang="en-US" altLang="ja-JP" sz="2400" dirty="0" smtClean="0"/>
+              <a:t>『</a:t>
+            </a:r>
+            <a:r>
+              <a:rPr kumimoji="1" lang="ja-JP" altLang="en-US" sz="2400" dirty="0" smtClean="0"/>
+              <a:t>ページ</a:t>
+            </a:r>
+            <a:r>
+              <a:rPr lang="ja-JP" altLang="en-US" sz="2400" dirty="0" smtClean="0"/>
+              <a:t>の</a:t>
+            </a:r>
+            <a:r>
+              <a:rPr kumimoji="1" lang="ja-JP" altLang="en-US" sz="2400" dirty="0" smtClean="0"/>
+              <a:t>構成</a:t>
+            </a:r>
+            <a:r>
+              <a:rPr kumimoji="1" lang="en-US" altLang="ja-JP" sz="2400" dirty="0" smtClean="0"/>
+              <a:t>』</a:t>
+            </a:r>
+            <a:endParaRPr kumimoji="1" lang="ja-JP" altLang="en-US" sz="2400" dirty="0"/>
+          </a:p>
+        </p:txBody>
+      </p:sp>
+      <p:sp>
+        <p:nvSpPr>
+          <p:cNvPr id="11" name="フローチャート: 処理 10"/>
+          <p:cNvSpPr/>
           <p:nvPr/>
         </p:nvSpPr>
         <p:spPr>
           <a:xfrm>
-            <a:off x="1619672" y="5949280"/>
-            <a:ext cx="7524328" cy="692696"/>
+            <a:off x="5364088" y="3429000"/>
+            <a:ext cx="3384376" cy="432048"/>
           </a:xfrm>
-          <a:prstGeom prst="rect">
+          <a:prstGeom prst="flowChartProcess">
             <a:avLst/>
           </a:prstGeom>
         </p:spPr>
+        <p:style>
+          <a:lnRef idx="1">
+            <a:schemeClr val="accent3"/>
+          </a:lnRef>
+          <a:fillRef idx="2">
+            <a:schemeClr val="accent3"/>
+          </a:fillRef>
+          <a:effectRef idx="1">
+            <a:schemeClr val="accent3"/>
+          </a:effectRef>
+          <a:fontRef idx="minor">
+            <a:schemeClr val="dk1"/>
+          </a:fontRef>
+        </p:style>
         <p:txBody>
-          <a:bodyPr vert="horz" lIns="91440" tIns="45720" rIns="91440" bIns="45720" rtlCol="0">
-            <a:normAutofit/>
-          </a:bodyPr>
+          <a:bodyPr rtlCol="0" anchor="ctr"/>
           <a:lstStyle/>
           <a:p>
-            <a:pPr marL="342900" marR="0" lvl="0" indent="-342900" algn="l" defTabSz="914400" rtl="0" eaLnBrk="1" fontAlgn="auto" latinLnBrk="0" hangingPunct="1">
-              <a:lnSpc>
-                <a:spcPct val="100000"/>
-              </a:lnSpc>
-              <a:spcBef>
-                <a:spcPct val="20000"/>
-              </a:spcBef>
-              <a:spcAft>
-                <a:spcPts val="0"/>
-              </a:spcAft>
-              <a:buClrTx/>
-              <a:buSzTx/>
-              <a:tabLst/>
-              <a:defRPr/>
-            </a:pPr>
-            <a:r>
-              <a:rPr lang="ja-JP" altLang="en-US" sz="2800" b="1" dirty="0" smtClean="0">
-                <a:latin typeface="メイリオ" pitchFamily="50" charset="-128"/>
-                <a:ea typeface="メイリオ" pitchFamily="50" charset="-128"/>
-                <a:cs typeface="メイリオ" pitchFamily="50" charset="-128"/>
-              </a:rPr>
-              <a:t>⇒　導入のしやすさの分野で選択される</a:t>
-            </a:r>
-            <a:endParaRPr kumimoji="1" lang="en-US" altLang="ja-JP" sz="2800" b="1" i="0" u="none" strike="noStrike" kern="1200" cap="none" spc="0" normalizeH="0" baseline="0" noProof="0" dirty="0" smtClean="0">
-              <a:ln>
-                <a:noFill/>
-              </a:ln>
-              <a:solidFill>
-                <a:schemeClr val="tx1"/>
-              </a:solidFill>
-              <a:effectLst/>
-              <a:uLnTx/>
-              <a:uFillTx/>
-              <a:latin typeface="メイリオ" pitchFamily="50" charset="-128"/>
-              <a:ea typeface="メイリオ" pitchFamily="50" charset="-128"/>
-              <a:cs typeface="メイリオ" pitchFamily="50" charset="-128"/>
-            </a:endParaRPr>
+            <a:pPr algn="ctr"/>
+            <a:r>
+              <a:rPr lang="en-US" altLang="ja-JP" sz="2000" dirty="0" smtClean="0"/>
+              <a:t>Google.html</a:t>
+            </a:r>
+            <a:endParaRPr kumimoji="1" lang="ja-JP" altLang="en-US" sz="2000" dirty="0"/>
           </a:p>
         </p:txBody>
       </p:sp>
@@ -33050,92 +35548,6 @@
       </p:sp>
       <p:sp>
         <p:nvSpPr>
-          <p:cNvPr id="3" name="コンテンツ プレースホルダ 2"/>
-          <p:cNvSpPr>
-            <a:spLocks noGrp="1"/>
-          </p:cNvSpPr>
-          <p:nvPr>
-            <p:ph idx="1"/>
-          </p:nvPr>
-        </p:nvSpPr>
-        <p:spPr>
-          <a:xfrm>
-            <a:off x="457200" y="2132856"/>
-            <a:ext cx="8219256" cy="4176464"/>
-          </a:xfrm>
-        </p:spPr>
-        <p:txBody>
-          <a:bodyPr>
-            <a:normAutofit/>
-          </a:bodyPr>
-          <a:lstStyle/>
-          <a:p>
-            <a:r>
-              <a:rPr lang="ja-JP" altLang="en-US" sz="2400" dirty="0" smtClean="0"/>
-              <a:t>現在リリースされている</a:t>
-            </a:r>
-            <a:r>
-              <a:rPr lang="en-US" altLang="ja-JP" sz="2400" dirty="0" smtClean="0"/>
-              <a:t>NC2</a:t>
-            </a:r>
-            <a:r>
-              <a:rPr lang="ja-JP" altLang="en-US" sz="2400" dirty="0" smtClean="0"/>
-              <a:t>の後継版。</a:t>
-            </a:r>
-            <a:endParaRPr lang="en-US" altLang="ja-JP" sz="2400" dirty="0" smtClean="0"/>
-          </a:p>
-          <a:p>
-            <a:r>
-              <a:rPr kumimoji="1" lang="en-US" altLang="ja-JP" sz="2400" dirty="0" smtClean="0"/>
-              <a:t>NC2</a:t>
-            </a:r>
-            <a:r>
-              <a:rPr kumimoji="1" lang="ja-JP" altLang="en-US" sz="2400" dirty="0" smtClean="0"/>
-              <a:t>同様、ルームやグループ、権限</a:t>
-            </a:r>
-            <a:r>
-              <a:rPr lang="ja-JP" altLang="en-US" sz="2400" dirty="0" smtClean="0"/>
-              <a:t>、といった概念は基本的に変更なし。</a:t>
-            </a:r>
-            <a:endParaRPr lang="en-US" altLang="ja-JP" sz="2400" dirty="0" smtClean="0"/>
-          </a:p>
-          <a:p>
-            <a:r>
-              <a:rPr lang="ja-JP" altLang="en-US" sz="2400" dirty="0" smtClean="0"/>
-              <a:t>開発に使用するソフトウェアやソフトウェアに適用するフレームワーク等の変更があり、中身（ソースコード）や開発方法等は様変わり。</a:t>
-            </a:r>
-            <a:endParaRPr lang="en-US" altLang="ja-JP" sz="2400" dirty="0" smtClean="0"/>
-          </a:p>
-          <a:p>
-            <a:r>
-              <a:rPr lang="ja-JP" altLang="en-US" sz="2400" dirty="0" smtClean="0"/>
-              <a:t>来年</a:t>
-            </a:r>
-            <a:r>
-              <a:rPr lang="en-US" altLang="ja-JP" sz="2400" dirty="0" smtClean="0"/>
-              <a:t>4</a:t>
-            </a:r>
-            <a:r>
-              <a:rPr lang="ja-JP" altLang="en-US" sz="2400" dirty="0" smtClean="0"/>
-              <a:t>月の</a:t>
-            </a:r>
-            <a:r>
-              <a:rPr lang="en-US" altLang="ja-JP" sz="2400" dirty="0" smtClean="0"/>
-              <a:t>α</a:t>
-            </a:r>
-            <a:r>
-              <a:rPr lang="ja-JP" altLang="en-US" sz="2400" dirty="0" smtClean="0"/>
-              <a:t>版リリースに向けて現在開発中。</a:t>
-            </a:r>
-            <a:endParaRPr lang="en-US" altLang="ja-JP" sz="2400" dirty="0" smtClean="0"/>
-          </a:p>
-          <a:p>
-            <a:endParaRPr kumimoji="1" lang="ja-JP" altLang="en-US" sz="2400" dirty="0"/>
-          </a:p>
-        </p:txBody>
-      </p:sp>
-      <p:sp>
-        <p:nvSpPr>
           <p:cNvPr id="4" name="スライド番号プレースホルダ 3"/>
           <p:cNvSpPr>
             <a:spLocks noGrp="1"/>
@@ -33260,7 +35672,7 @@
         <p:spPr>
           <a:xfrm>
             <a:off x="323528" y="1196752"/>
-            <a:ext cx="3744416" cy="648072"/>
+            <a:ext cx="5400600" cy="576064"/>
           </a:xfrm>
           <a:prstGeom prst="roundRect">
             <a:avLst/>
@@ -33300,30 +35712,300 @@
           <a:p>
             <a:pPr algn="ctr"/>
             <a:r>
-              <a:rPr lang="en-US" altLang="ja-JP" sz="3200" b="1" dirty="0" smtClean="0">
+              <a:rPr kumimoji="1" lang="en-US" altLang="ja-JP" sz="2800" b="1" dirty="0" smtClean="0">
                 <a:ea typeface="メイリオ" pitchFamily="50" charset="-128"/>
                 <a:cs typeface="メイリオ" pitchFamily="50" charset="-128"/>
               </a:rPr>
-              <a:t>NetCommons</a:t>
-            </a:r>
-            <a:r>
-              <a:rPr lang="ja-JP" altLang="en-US" sz="3200" b="1" dirty="0" smtClean="0">
+              <a:t>Web</a:t>
+            </a:r>
+            <a:r>
+              <a:rPr kumimoji="1" lang="ja-JP" altLang="en-US" sz="2800" b="1" dirty="0" smtClean="0">
                 <a:ea typeface="メイリオ" pitchFamily="50" charset="-128"/>
                 <a:cs typeface="メイリオ" pitchFamily="50" charset="-128"/>
               </a:rPr>
-              <a:t> </a:t>
-            </a:r>
-            <a:r>
-              <a:rPr lang="en-US" altLang="ja-JP" sz="3200" b="1" dirty="0" smtClean="0">
+              <a:t>ページの簡単な説明</a:t>
+            </a:r>
+            <a:r>
+              <a:rPr kumimoji="1" lang="en-US" altLang="ja-JP" sz="2800" b="1" dirty="0" smtClean="0">
                 <a:ea typeface="メイリオ" pitchFamily="50" charset="-128"/>
                 <a:cs typeface="メイリオ" pitchFamily="50" charset="-128"/>
               </a:rPr>
-              <a:t>3</a:t>
-            </a:r>
-            <a:endParaRPr kumimoji="1" lang="ja-JP" altLang="en-US" sz="3200" b="1" dirty="0">
+              <a:t>(2)</a:t>
+            </a:r>
+            <a:endParaRPr kumimoji="1" lang="ja-JP" altLang="en-US" sz="2800" b="1" dirty="0">
               <a:ea typeface="メイリオ" pitchFamily="50" charset="-128"/>
               <a:cs typeface="メイリオ" pitchFamily="50" charset="-128"/>
             </a:endParaRPr>
+          </a:p>
+        </p:txBody>
+      </p:sp>
+      <p:pic>
+        <p:nvPicPr>
+          <p:cNvPr id="2050" name="Picture 2"/>
+          <p:cNvPicPr>
+            <a:picLocks noChangeAspect="1" noChangeArrowheads="1"/>
+          </p:cNvPicPr>
+          <p:nvPr/>
+        </p:nvPicPr>
+        <p:blipFill>
+          <a:blip r:embed="rId2" cstate="print"/>
+          <a:srcRect/>
+          <a:stretch>
+            <a:fillRect/>
+          </a:stretch>
+        </p:blipFill>
+        <p:spPr bwMode="auto">
+          <a:xfrm>
+            <a:off x="107504" y="3452339"/>
+            <a:ext cx="5760640" cy="3405661"/>
+          </a:xfrm>
+          <a:prstGeom prst="rect">
+            <a:avLst/>
+          </a:prstGeom>
+          <a:noFill/>
+          <a:ln w="9525">
+            <a:noFill/>
+            <a:miter lim="800000"/>
+            <a:headEnd/>
+            <a:tailEnd/>
+          </a:ln>
+        </p:spPr>
+      </p:pic>
+      <p:sp>
+        <p:nvSpPr>
+          <p:cNvPr id="9" name="四角形吹き出し 8"/>
+          <p:cNvSpPr/>
+          <p:nvPr/>
+        </p:nvSpPr>
+        <p:spPr>
+          <a:xfrm>
+            <a:off x="4499992" y="3645024"/>
+            <a:ext cx="4176464" cy="2996952"/>
+          </a:xfrm>
+          <a:prstGeom prst="wedgeRectCallout">
+            <a:avLst>
+              <a:gd name="adj1" fmla="val -60449"/>
+              <a:gd name="adj2" fmla="val 27098"/>
+            </a:avLst>
+          </a:prstGeom>
+        </p:spPr>
+        <p:style>
+          <a:lnRef idx="1">
+            <a:schemeClr val="accent3"/>
+          </a:lnRef>
+          <a:fillRef idx="2">
+            <a:schemeClr val="accent3"/>
+          </a:fillRef>
+          <a:effectRef idx="1">
+            <a:schemeClr val="accent3"/>
+          </a:effectRef>
+          <a:fontRef idx="minor">
+            <a:schemeClr val="dk1"/>
+          </a:fontRef>
+        </p:style>
+        <p:txBody>
+          <a:bodyPr rtlCol="0" anchor="ctr"/>
+          <a:lstStyle/>
+          <a:p>
+            <a:r>
+              <a:rPr lang="en-US" altLang="ja-JP" dirty="0" smtClean="0"/>
+              <a:t>&lt;html lang=“ja”&gt;</a:t>
+            </a:r>
+          </a:p>
+          <a:p>
+            <a:r>
+              <a:rPr lang="ja-JP" altLang="en-US" dirty="0" smtClean="0"/>
+              <a:t>    </a:t>
+            </a:r>
+            <a:r>
+              <a:rPr lang="en-US" altLang="ja-JP" dirty="0" smtClean="0"/>
+              <a:t>&lt;head&gt;</a:t>
+            </a:r>
+          </a:p>
+          <a:p>
+            <a:r>
+              <a:rPr lang="en-US" altLang="ja-JP" dirty="0" smtClean="0"/>
+              <a:t>        &lt;title&gt;Google&lt;/title&gt;</a:t>
+            </a:r>
+            <a:endParaRPr lang="en-US" altLang="ja-JP" dirty="0" smtClean="0"/>
+          </a:p>
+          <a:p>
+            <a:r>
+              <a:rPr lang="en-US" altLang="ja-JP" dirty="0" smtClean="0"/>
+              <a:t>    &lt;/head&gt;</a:t>
+            </a:r>
+            <a:endParaRPr lang="en-US" altLang="ja-JP" dirty="0" smtClean="0"/>
+          </a:p>
+          <a:p>
+            <a:r>
+              <a:rPr lang="en-US" altLang="ja-JP" dirty="0" smtClean="0"/>
+              <a:t>    &lt;body&gt;</a:t>
+            </a:r>
+          </a:p>
+          <a:p>
+            <a:r>
+              <a:rPr lang="en-US" altLang="ja-JP" dirty="0" smtClean="0"/>
+              <a:t>        &lt;textarea</a:t>
+            </a:r>
+            <a:r>
+              <a:rPr lang="ja-JP" altLang="en-US" dirty="0" smtClean="0"/>
+              <a:t> </a:t>
+            </a:r>
+            <a:r>
+              <a:rPr lang="en-US" altLang="ja-JP" u="sng" dirty="0" smtClean="0">
+                <a:solidFill>
+                  <a:srgbClr val="FF0000"/>
+                </a:solidFill>
+              </a:rPr>
+              <a:t>style=“text-align: center;”</a:t>
+            </a:r>
+            <a:r>
+              <a:rPr lang="en-US" altLang="ja-JP" dirty="0" smtClean="0"/>
+              <a:t>&gt;</a:t>
+            </a:r>
+          </a:p>
+          <a:p>
+            <a:r>
+              <a:rPr lang="en-US" altLang="ja-JP" dirty="0" smtClean="0"/>
+              <a:t>        &lt;/textarea&gt;</a:t>
+            </a:r>
+            <a:endParaRPr lang="en-US" altLang="ja-JP" dirty="0" smtClean="0"/>
+          </a:p>
+          <a:p>
+            <a:r>
+              <a:rPr lang="en-US" altLang="ja-JP" dirty="0" smtClean="0"/>
+              <a:t>    &lt;/body&gt;</a:t>
+            </a:r>
+          </a:p>
+          <a:p>
+            <a:r>
+              <a:rPr lang="en-US" altLang="ja-JP" dirty="0" smtClean="0"/>
+              <a:t>&lt;/html&gt;</a:t>
+            </a:r>
+          </a:p>
+        </p:txBody>
+      </p:sp>
+      <p:sp>
+        <p:nvSpPr>
+          <p:cNvPr id="10" name="コンテンツ プレースホルダ 2"/>
+          <p:cNvSpPr>
+            <a:spLocks noGrp="1"/>
+          </p:cNvSpPr>
+          <p:nvPr>
+            <p:ph idx="1"/>
+          </p:nvPr>
+        </p:nvSpPr>
+        <p:spPr>
+          <a:xfrm>
+            <a:off x="457200" y="2099989"/>
+            <a:ext cx="8229600" cy="1617043"/>
+          </a:xfrm>
+        </p:spPr>
+        <p:txBody>
+          <a:bodyPr>
+            <a:normAutofit/>
+          </a:bodyPr>
+          <a:lstStyle/>
+          <a:p>
+            <a:r>
+              <a:rPr kumimoji="1" lang="en-US" altLang="ja-JP" sz="2400" dirty="0" smtClean="0"/>
+              <a:t>CSS(Cascading Style Sheets)</a:t>
+            </a:r>
+            <a:r>
+              <a:rPr kumimoji="1" lang="ja-JP" altLang="en-US" sz="2400" dirty="0" smtClean="0"/>
+              <a:t>とは</a:t>
+            </a:r>
+            <a:endParaRPr kumimoji="1" lang="en-US" altLang="ja-JP" sz="2400" dirty="0" smtClean="0"/>
+          </a:p>
+          <a:p>
+            <a:pPr>
+              <a:buNone/>
+            </a:pPr>
+            <a:r>
+              <a:rPr lang="ja-JP" altLang="en-US" sz="2400" dirty="0" smtClean="0"/>
+              <a:t>　</a:t>
+            </a:r>
+            <a:r>
+              <a:rPr lang="ja-JP" altLang="en-US" sz="2400" dirty="0" smtClean="0"/>
+              <a:t>要素をどのように表示するかを指示する</a:t>
+            </a:r>
+            <a:r>
+              <a:rPr lang="ja-JP" altLang="en-US" sz="2400" dirty="0" smtClean="0"/>
+              <a:t>。</a:t>
+            </a:r>
+            <a:endParaRPr lang="en-US" altLang="ja-JP" sz="2400" dirty="0" smtClean="0"/>
+          </a:p>
+          <a:p>
+            <a:pPr>
+              <a:buNone/>
+            </a:pPr>
+            <a:r>
+              <a:rPr lang="ja-JP" altLang="en-US" sz="2400" dirty="0" smtClean="0"/>
+              <a:t>　</a:t>
+            </a:r>
+            <a:r>
+              <a:rPr lang="en-US" altLang="ja-JP" sz="2400" dirty="0" smtClean="0"/>
+              <a:t>『</a:t>
+            </a:r>
+            <a:r>
+              <a:rPr lang="ja-JP" altLang="en-US" sz="2400" dirty="0" smtClean="0"/>
+              <a:t>見た目</a:t>
+            </a:r>
+            <a:r>
+              <a:rPr lang="en-US" altLang="ja-JP" sz="2400" dirty="0" smtClean="0"/>
+              <a:t>』</a:t>
+            </a:r>
+            <a:endParaRPr kumimoji="1" lang="ja-JP" altLang="en-US" sz="2400" dirty="0"/>
+          </a:p>
+        </p:txBody>
+      </p:sp>
+      <p:sp>
+        <p:nvSpPr>
+          <p:cNvPr id="11" name="フローチャート: 処理 10"/>
+          <p:cNvSpPr/>
+          <p:nvPr/>
+        </p:nvSpPr>
+        <p:spPr>
+          <a:xfrm>
+            <a:off x="4499992" y="3212976"/>
+            <a:ext cx="4176464" cy="432048"/>
+          </a:xfrm>
+          <a:prstGeom prst="flowChartProcess">
+            <a:avLst/>
+          </a:prstGeom>
+        </p:spPr>
+        <p:style>
+          <a:lnRef idx="1">
+            <a:schemeClr val="accent3"/>
+          </a:lnRef>
+          <a:fillRef idx="2">
+            <a:schemeClr val="accent3"/>
+          </a:fillRef>
+          <a:effectRef idx="1">
+            <a:schemeClr val="accent3"/>
+          </a:effectRef>
+          <a:fontRef idx="minor">
+            <a:schemeClr val="dk1"/>
+          </a:fontRef>
+        </p:style>
+        <p:txBody>
+          <a:bodyPr rtlCol="0" anchor="ctr"/>
+          <a:lstStyle/>
+          <a:p>
+            <a:pPr algn="ctr"/>
+            <a:r>
+              <a:rPr lang="ja-JP" altLang="en-US" sz="2000" dirty="0" smtClean="0"/>
+              <a:t>①</a:t>
+            </a:r>
+            <a:r>
+              <a:rPr lang="en-US" altLang="ja-JP" sz="2000" dirty="0" smtClean="0"/>
+              <a:t>style</a:t>
+            </a:r>
+            <a:r>
+              <a:rPr lang="ja-JP" altLang="en-US" sz="2000" dirty="0" smtClean="0"/>
+              <a:t>属性で記述</a:t>
+            </a:r>
+            <a:endParaRPr kumimoji="1" lang="ja-JP" altLang="en-US" sz="2000" dirty="0"/>
           </a:p>
         </p:txBody>
       </p:sp>
@@ -33376,11 +36058,15 @@
           <a:p>
             <a:r>
               <a:rPr kumimoji="1" lang="en-US" altLang="ja-JP" dirty="0" smtClean="0"/>
-              <a:t>1.2 NC2</a:t>
+              <a:t>1.1</a:t>
+            </a:r>
+            <a:r>
+              <a:rPr lang="ja-JP" altLang="en-US" dirty="0" smtClean="0"/>
+              <a:t> </a:t>
             </a:r>
             <a:r>
               <a:rPr kumimoji="1" lang="ja-JP" altLang="en-US" dirty="0" smtClean="0"/>
-              <a:t>との主な相違点</a:t>
+              <a:t>ＣＭＳ</a:t>
             </a:r>
             <a:endParaRPr kumimoji="1" lang="ja-JP" altLang="en-US" dirty="0"/>
           </a:p>
@@ -33511,8 +36197,8 @@
         </p:nvSpPr>
         <p:spPr>
           <a:xfrm>
-            <a:off x="827584" y="1700808"/>
-            <a:ext cx="5112568" cy="720080"/>
+            <a:off x="323528" y="1196752"/>
+            <a:ext cx="5400600" cy="576064"/>
           </a:xfrm>
           <a:prstGeom prst="roundRect">
             <a:avLst/>
@@ -33552,230 +36238,463 @@
           <a:p>
             <a:pPr algn="ctr"/>
             <a:r>
-              <a:rPr lang="en-US" altLang="ja-JP" sz="3200" b="1" dirty="0" smtClean="0">
+              <a:rPr kumimoji="1" lang="en-US" altLang="ja-JP" sz="2800" b="1" dirty="0" smtClean="0">
                 <a:ea typeface="メイリオ" pitchFamily="50" charset="-128"/>
                 <a:cs typeface="メイリオ" pitchFamily="50" charset="-128"/>
               </a:rPr>
-              <a:t>PHP</a:t>
-            </a:r>
-            <a:r>
-              <a:rPr lang="ja-JP" altLang="en-US" sz="3200" b="1" dirty="0" smtClean="0">
+              <a:t>Web</a:t>
+            </a:r>
+            <a:r>
+              <a:rPr kumimoji="1" lang="ja-JP" altLang="en-US" sz="2800" b="1" dirty="0" smtClean="0">
                 <a:ea typeface="メイリオ" pitchFamily="50" charset="-128"/>
                 <a:cs typeface="メイリオ" pitchFamily="50" charset="-128"/>
               </a:rPr>
-              <a:t>フレームワーク変更</a:t>
-            </a:r>
-            <a:endParaRPr kumimoji="1" lang="ja-JP" altLang="en-US" sz="3200" b="1" dirty="0">
+              <a:t>ページの簡単な説明</a:t>
+            </a:r>
+            <a:r>
+              <a:rPr kumimoji="1" lang="en-US" altLang="ja-JP" sz="2800" b="1" dirty="0" smtClean="0">
+                <a:ea typeface="メイリオ" pitchFamily="50" charset="-128"/>
+                <a:cs typeface="メイリオ" pitchFamily="50" charset="-128"/>
+              </a:rPr>
+              <a:t>(2)</a:t>
+            </a:r>
+            <a:endParaRPr kumimoji="1" lang="ja-JP" altLang="en-US" sz="2800" b="1" dirty="0">
               <a:ea typeface="メイリオ" pitchFamily="50" charset="-128"/>
               <a:cs typeface="メイリオ" pitchFamily="50" charset="-128"/>
             </a:endParaRPr>
           </a:p>
         </p:txBody>
       </p:sp>
+      <p:pic>
+        <p:nvPicPr>
+          <p:cNvPr id="2050" name="Picture 2"/>
+          <p:cNvPicPr>
+            <a:picLocks noChangeAspect="1" noChangeArrowheads="1"/>
+          </p:cNvPicPr>
+          <p:nvPr/>
+        </p:nvPicPr>
+        <p:blipFill>
+          <a:blip r:embed="rId2" cstate="print"/>
+          <a:srcRect/>
+          <a:stretch>
+            <a:fillRect/>
+          </a:stretch>
+        </p:blipFill>
+        <p:spPr bwMode="auto">
+          <a:xfrm>
+            <a:off x="107504" y="3452339"/>
+            <a:ext cx="5760640" cy="3405661"/>
+          </a:xfrm>
+          <a:prstGeom prst="rect">
+            <a:avLst/>
+          </a:prstGeom>
+          <a:noFill/>
+          <a:ln w="9525">
+            <a:noFill/>
+            <a:miter lim="800000"/>
+            <a:headEnd/>
+            <a:tailEnd/>
+          </a:ln>
+        </p:spPr>
+      </p:pic>
       <p:sp>
         <p:nvSpPr>
-          <p:cNvPr id="8" name="角丸四角形 7"/>
+          <p:cNvPr id="9" name="四角形吹き出し 8"/>
           <p:cNvSpPr/>
           <p:nvPr/>
         </p:nvSpPr>
         <p:spPr>
           <a:xfrm>
-            <a:off x="2627784" y="2852936"/>
-            <a:ext cx="6048672" cy="792088"/>
+            <a:off x="4067944" y="3573016"/>
+            <a:ext cx="4320480" cy="3140968"/>
           </a:xfrm>
-          <a:prstGeom prst="roundRect">
-            <a:avLst/>
+          <a:prstGeom prst="wedgeRectCallout">
+            <a:avLst>
+              <a:gd name="adj1" fmla="val -63514"/>
+              <a:gd name="adj2" fmla="val 26044"/>
+            </a:avLst>
           </a:prstGeom>
-          <a:effectLst>
-            <a:outerShdw blurRad="50800" dist="38100" dir="5400000" algn="t" rotWithShape="0">
-              <a:prstClr val="black">
-                <a:alpha val="40000"/>
-              </a:prstClr>
-            </a:outerShdw>
-          </a:effectLst>
-          <a:scene3d>
-            <a:camera prst="orthographicFront"/>
-            <a:lightRig rig="threePt" dir="t"/>
-          </a:scene3d>
-          <a:sp3d>
-            <a:bevelT w="139700" prst="cross"/>
-          </a:sp3d>
         </p:spPr>
         <p:style>
           <a:lnRef idx="1">
-            <a:schemeClr val="accent2"/>
+            <a:schemeClr val="accent3"/>
           </a:lnRef>
           <a:fillRef idx="2">
-            <a:schemeClr val="accent2"/>
+            <a:schemeClr val="accent3"/>
           </a:fillRef>
           <a:effectRef idx="1">
-            <a:schemeClr val="accent2"/>
+            <a:schemeClr val="accent3"/>
           </a:effectRef>
           <a:fontRef idx="minor">
             <a:schemeClr val="dk1"/>
           </a:fontRef>
         </p:style>
         <p:txBody>
-          <a:bodyPr rtlCol="0" anchor="b"/>
+          <a:bodyPr rtlCol="0" anchor="ctr"/>
           <a:lstStyle/>
           <a:p>
-            <a:pPr algn="ctr"/>
-            <a:r>
-              <a:rPr lang="en-US" altLang="ja-JP" sz="3200" b="1" dirty="0" smtClean="0">
-                <a:ea typeface="メイリオ" pitchFamily="50" charset="-128"/>
-                <a:cs typeface="メイリオ" pitchFamily="50" charset="-128"/>
+            <a:r>
+              <a:rPr lang="en-US" altLang="ja-JP" dirty="0" smtClean="0"/>
+              <a:t>&lt;html lang=“ja”&gt;</a:t>
+            </a:r>
+          </a:p>
+          <a:p>
+            <a:r>
+              <a:rPr lang="ja-JP" altLang="en-US" dirty="0" smtClean="0"/>
+              <a:t>    </a:t>
+            </a:r>
+            <a:r>
+              <a:rPr lang="en-US" altLang="ja-JP" dirty="0" smtClean="0"/>
+              <a:t>&lt;head&gt;</a:t>
+            </a:r>
+          </a:p>
+          <a:p>
+            <a:r>
+              <a:rPr lang="en-US" altLang="ja-JP" dirty="0" smtClean="0"/>
+              <a:t>        &lt;title&gt;Google&lt;/title&gt;</a:t>
+            </a:r>
+          </a:p>
+          <a:p>
+            <a:r>
+              <a:rPr lang="en-US" altLang="ja-JP" dirty="0" smtClean="0"/>
+              <a:t> </a:t>
+            </a:r>
+            <a:r>
+              <a:rPr lang="en-US" altLang="ja-JP" dirty="0" smtClean="0"/>
+              <a:t>       </a:t>
+            </a:r>
+            <a:r>
+              <a:rPr lang="en-US" altLang="ja-JP" u="sng" dirty="0" smtClean="0">
+                <a:solidFill>
+                  <a:srgbClr val="FF0000"/>
+                </a:solidFill>
               </a:rPr>
-              <a:t>Javascript</a:t>
-            </a:r>
-            <a:r>
-              <a:rPr lang="ja-JP" altLang="en-US" sz="3200" b="1" dirty="0" smtClean="0">
-                <a:ea typeface="メイリオ" pitchFamily="50" charset="-128"/>
-                <a:cs typeface="メイリオ" pitchFamily="50" charset="-128"/>
+              <a:t>&lt;link rel=“stylesheet” type=“text/css”</a:t>
+            </a:r>
+          </a:p>
+          <a:p>
+            <a:r>
+              <a:rPr lang="en-US" altLang="ja-JP" dirty="0" smtClean="0">
+                <a:solidFill>
+                  <a:srgbClr val="FF0000"/>
+                </a:solidFill>
               </a:rPr>
-              <a:t>フレームワーク採用</a:t>
-            </a:r>
-            <a:endParaRPr kumimoji="1" lang="ja-JP" altLang="en-US" sz="3200" b="1" dirty="0">
-              <a:ea typeface="メイリオ" pitchFamily="50" charset="-128"/>
-              <a:cs typeface="メイリオ" pitchFamily="50" charset="-128"/>
+              <a:t> </a:t>
+            </a:r>
+            <a:r>
+              <a:rPr lang="en-US" altLang="ja-JP" dirty="0" smtClean="0">
+                <a:solidFill>
+                  <a:srgbClr val="FF0000"/>
+                </a:solidFill>
+              </a:rPr>
+              <a:t>         </a:t>
+            </a:r>
+            <a:r>
+              <a:rPr lang="en-US" altLang="ja-JP" u="sng" dirty="0" smtClean="0">
+                <a:solidFill>
+                  <a:srgbClr val="FF0000"/>
+                </a:solidFill>
+              </a:rPr>
+              <a:t>href=“Google.css”&gt;&lt;/link&gt;</a:t>
+            </a:r>
+            <a:endParaRPr lang="en-US" altLang="ja-JP" u="sng" dirty="0" smtClean="0">
+              <a:solidFill>
+                <a:srgbClr val="FF0000"/>
+              </a:solidFill>
             </a:endParaRPr>
+          </a:p>
+          <a:p>
+            <a:r>
+              <a:rPr lang="en-US" altLang="ja-JP" dirty="0" smtClean="0"/>
+              <a:t>    &lt;/head&gt;</a:t>
+            </a:r>
+            <a:endParaRPr lang="en-US" altLang="ja-JP" dirty="0" smtClean="0"/>
+          </a:p>
+          <a:p>
+            <a:r>
+              <a:rPr lang="en-US" altLang="ja-JP" dirty="0" smtClean="0"/>
+              <a:t>    &lt;body&gt;</a:t>
+            </a:r>
+          </a:p>
+          <a:p>
+            <a:r>
+              <a:rPr lang="en-US" altLang="ja-JP" dirty="0" smtClean="0"/>
+              <a:t>        &lt;textarea&gt;</a:t>
+            </a:r>
+          </a:p>
+          <a:p>
+            <a:r>
+              <a:rPr lang="en-US" altLang="ja-JP" dirty="0" smtClean="0"/>
+              <a:t>        &lt;/textarea&gt;</a:t>
+            </a:r>
+            <a:endParaRPr lang="en-US" altLang="ja-JP" dirty="0" smtClean="0"/>
+          </a:p>
+          <a:p>
+            <a:r>
+              <a:rPr lang="en-US" altLang="ja-JP" dirty="0" smtClean="0"/>
+              <a:t>    &lt;/body&gt;</a:t>
+            </a:r>
+          </a:p>
+          <a:p>
+            <a:r>
+              <a:rPr lang="en-US" altLang="ja-JP" dirty="0" smtClean="0"/>
+              <a:t>&lt;/html&gt;</a:t>
+            </a:r>
           </a:p>
         </p:txBody>
       </p:sp>
       <p:sp>
         <p:nvSpPr>
-          <p:cNvPr id="9" name="角丸四角形 8"/>
+          <p:cNvPr id="10" name="コンテンツ プレースホルダ 2"/>
+          <p:cNvSpPr>
+            <a:spLocks noGrp="1"/>
+          </p:cNvSpPr>
+          <p:nvPr>
+            <p:ph idx="1"/>
+          </p:nvPr>
+        </p:nvSpPr>
+        <p:spPr>
+          <a:xfrm>
+            <a:off x="457200" y="2099989"/>
+            <a:ext cx="8229600" cy="1545035"/>
+          </a:xfrm>
+        </p:spPr>
+        <p:txBody>
+          <a:bodyPr>
+            <a:normAutofit/>
+          </a:bodyPr>
+          <a:lstStyle/>
+          <a:p>
+            <a:r>
+              <a:rPr kumimoji="1" lang="en-US" altLang="ja-JP" sz="2400" dirty="0" smtClean="0"/>
+              <a:t>CSS(Cascading Style Sheets)</a:t>
+            </a:r>
+            <a:r>
+              <a:rPr kumimoji="1" lang="ja-JP" altLang="en-US" sz="2400" dirty="0" smtClean="0"/>
+              <a:t>とは</a:t>
+            </a:r>
+            <a:endParaRPr kumimoji="1" lang="en-US" altLang="ja-JP" sz="2400" dirty="0" smtClean="0"/>
+          </a:p>
+          <a:p>
+            <a:pPr>
+              <a:buNone/>
+            </a:pPr>
+            <a:r>
+              <a:rPr lang="ja-JP" altLang="en-US" sz="2400" dirty="0" smtClean="0"/>
+              <a:t>　</a:t>
+            </a:r>
+            <a:r>
+              <a:rPr lang="ja-JP" altLang="en-US" sz="2400" dirty="0" smtClean="0"/>
+              <a:t>要素をどのように表示するかを指示する</a:t>
+            </a:r>
+            <a:r>
+              <a:rPr lang="ja-JP" altLang="en-US" sz="2400" dirty="0" smtClean="0"/>
+              <a:t>。</a:t>
+            </a:r>
+            <a:endParaRPr lang="en-US" altLang="ja-JP" sz="2400" dirty="0" smtClean="0"/>
+          </a:p>
+          <a:p>
+            <a:pPr>
+              <a:buNone/>
+            </a:pPr>
+            <a:r>
+              <a:rPr lang="ja-JP" altLang="en-US" sz="2400" dirty="0" smtClean="0"/>
+              <a:t>　</a:t>
+            </a:r>
+            <a:r>
+              <a:rPr lang="en-US" altLang="ja-JP" sz="2400" dirty="0" smtClean="0"/>
+              <a:t>『</a:t>
+            </a:r>
+            <a:r>
+              <a:rPr lang="ja-JP" altLang="en-US" sz="2400" dirty="0" smtClean="0"/>
+              <a:t>見た目</a:t>
+            </a:r>
+            <a:r>
+              <a:rPr lang="en-US" altLang="ja-JP" sz="2400" dirty="0" smtClean="0"/>
+              <a:t>』</a:t>
+            </a:r>
+            <a:endParaRPr lang="ja-JP" altLang="en-US" sz="2400" dirty="0" smtClean="0"/>
+          </a:p>
+          <a:p>
+            <a:pPr>
+              <a:buNone/>
+            </a:pPr>
+            <a:endParaRPr kumimoji="1" lang="ja-JP" altLang="en-US" sz="2400" dirty="0"/>
+          </a:p>
+        </p:txBody>
+      </p:sp>
+      <p:sp>
+        <p:nvSpPr>
+          <p:cNvPr id="11" name="四角形吹き出し 10"/>
           <p:cNvSpPr/>
           <p:nvPr/>
         </p:nvSpPr>
         <p:spPr>
           <a:xfrm>
-            <a:off x="899592" y="4149080"/>
-            <a:ext cx="4896544" cy="792088"/>
+            <a:off x="6300192" y="5589240"/>
+            <a:ext cx="2376264" cy="1052736"/>
           </a:xfrm>
-          <a:prstGeom prst="roundRect">
-            <a:avLst/>
+          <a:prstGeom prst="wedgeRectCallout">
+            <a:avLst>
+              <a:gd name="adj1" fmla="val -79128"/>
+              <a:gd name="adj2" fmla="val -27774"/>
+            </a:avLst>
           </a:prstGeom>
-          <a:effectLst>
-            <a:outerShdw blurRad="50800" dist="38100" dir="5400000" algn="t" rotWithShape="0">
-              <a:prstClr val="black">
-                <a:alpha val="40000"/>
-              </a:prstClr>
-            </a:outerShdw>
-          </a:effectLst>
-          <a:scene3d>
-            <a:camera prst="orthographicFront"/>
-            <a:lightRig rig="threePt" dir="t"/>
-          </a:scene3d>
-          <a:sp3d>
-            <a:bevelT w="139700" prst="cross"/>
-          </a:sp3d>
         </p:spPr>
         <p:style>
           <a:lnRef idx="1">
-            <a:schemeClr val="accent6"/>
+            <a:schemeClr val="accent5"/>
           </a:lnRef>
           <a:fillRef idx="2">
-            <a:schemeClr val="accent6"/>
+            <a:schemeClr val="accent5"/>
           </a:fillRef>
           <a:effectRef idx="1">
-            <a:schemeClr val="accent6"/>
+            <a:schemeClr val="accent5"/>
           </a:effectRef>
           <a:fontRef idx="minor">
             <a:schemeClr val="dk1"/>
           </a:fontRef>
         </p:style>
         <p:txBody>
-          <a:bodyPr rtlCol="0" anchor="b"/>
+          <a:bodyPr rtlCol="0" anchor="ctr"/>
           <a:lstStyle/>
           <a:p>
-            <a:pPr algn="ctr"/>
-            <a:r>
-              <a:rPr lang="en-US" altLang="ja-JP" sz="3200" b="1" dirty="0" smtClean="0">
-                <a:ea typeface="メイリオ" pitchFamily="50" charset="-128"/>
-                <a:cs typeface="メイリオ" pitchFamily="50" charset="-128"/>
+            <a:r>
+              <a:rPr lang="en-US" altLang="ja-JP" dirty="0" smtClean="0">
+                <a:solidFill>
+                  <a:srgbClr val="FF0000"/>
+                </a:solidFill>
               </a:rPr>
-              <a:t>CSS</a:t>
-            </a:r>
-            <a:r>
-              <a:rPr lang="ja-JP" altLang="en-US" sz="3200" b="1" dirty="0" smtClean="0">
-                <a:ea typeface="メイリオ" pitchFamily="50" charset="-128"/>
-                <a:cs typeface="メイリオ" pitchFamily="50" charset="-128"/>
+              <a:t>  </a:t>
+            </a:r>
+            <a:r>
+              <a:rPr lang="en-US" altLang="ja-JP" u="sng" dirty="0" smtClean="0">
+                <a:solidFill>
+                  <a:srgbClr val="FF0000"/>
+                </a:solidFill>
               </a:rPr>
-              <a:t>フレームワーク採用</a:t>
-            </a:r>
-            <a:endParaRPr kumimoji="1" lang="ja-JP" altLang="en-US" sz="3200" b="1" dirty="0">
-              <a:ea typeface="メイリオ" pitchFamily="50" charset="-128"/>
-              <a:cs typeface="メイリオ" pitchFamily="50" charset="-128"/>
-            </a:endParaRPr>
+              <a:t>textarea {</a:t>
+            </a:r>
+          </a:p>
+          <a:p>
+            <a:r>
+              <a:rPr lang="en-US" altLang="ja-JP" dirty="0" smtClean="0">
+                <a:solidFill>
+                  <a:srgbClr val="FF0000"/>
+                </a:solidFill>
+              </a:rPr>
+              <a:t>      </a:t>
+            </a:r>
+            <a:r>
+              <a:rPr lang="en-US" altLang="ja-JP" u="sng" dirty="0" smtClean="0">
+                <a:solidFill>
+                  <a:srgbClr val="FF0000"/>
+                </a:solidFill>
+              </a:rPr>
+              <a:t>text-align: center;</a:t>
+            </a:r>
+          </a:p>
+          <a:p>
+            <a:r>
+              <a:rPr lang="en-US" altLang="ja-JP" dirty="0" smtClean="0">
+                <a:solidFill>
+                  <a:srgbClr val="FF0000"/>
+                </a:solidFill>
+              </a:rPr>
+              <a:t>  </a:t>
+            </a:r>
+            <a:r>
+              <a:rPr lang="en-US" altLang="ja-JP" u="sng" dirty="0" smtClean="0">
+                <a:solidFill>
+                  <a:srgbClr val="FF0000"/>
+                </a:solidFill>
+              </a:rPr>
+              <a:t>}</a:t>
+            </a:r>
           </a:p>
         </p:txBody>
       </p:sp>
       <p:sp>
         <p:nvSpPr>
-          <p:cNvPr id="10" name="角丸四角形 9"/>
+          <p:cNvPr id="12" name="フローチャート: 処理 11"/>
           <p:cNvSpPr/>
           <p:nvPr/>
         </p:nvSpPr>
         <p:spPr>
           <a:xfrm>
-            <a:off x="4355976" y="5301208"/>
-            <a:ext cx="4320480" cy="792088"/>
+            <a:off x="4067944" y="3140968"/>
+            <a:ext cx="4320480" cy="432048"/>
           </a:xfrm>
-          <a:prstGeom prst="roundRect">
+          <a:prstGeom prst="flowChartProcess">
             <a:avLst/>
           </a:prstGeom>
-          <a:effectLst>
-            <a:outerShdw blurRad="50800" dist="38100" dir="5400000" algn="t" rotWithShape="0">
-              <a:prstClr val="black">
-                <a:alpha val="40000"/>
-              </a:prstClr>
-            </a:outerShdw>
-          </a:effectLst>
-          <a:scene3d>
-            <a:camera prst="orthographicFront"/>
-            <a:lightRig rig="threePt" dir="t"/>
-          </a:scene3d>
-          <a:sp3d>
-            <a:bevelT w="139700" prst="cross"/>
-          </a:sp3d>
         </p:spPr>
         <p:style>
           <a:lnRef idx="1">
-            <a:schemeClr val="accent1"/>
+            <a:schemeClr val="accent3"/>
           </a:lnRef>
           <a:fillRef idx="2">
-            <a:schemeClr val="accent1"/>
+            <a:schemeClr val="accent3"/>
           </a:fillRef>
           <a:effectRef idx="1">
-            <a:schemeClr val="accent1"/>
+            <a:schemeClr val="accent3"/>
           </a:effectRef>
           <a:fontRef idx="minor">
             <a:schemeClr val="dk1"/>
           </a:fontRef>
         </p:style>
         <p:txBody>
-          <a:bodyPr rtlCol="0" anchor="b"/>
+          <a:bodyPr rtlCol="0" anchor="ctr"/>
           <a:lstStyle/>
           <a:p>
             <a:pPr algn="ctr"/>
             <a:r>
-              <a:rPr kumimoji="1" lang="en-US" altLang="ja-JP" sz="3200" b="1" dirty="0" smtClean="0">
-                <a:ea typeface="メイリオ" pitchFamily="50" charset="-128"/>
-                <a:cs typeface="メイリオ" pitchFamily="50" charset="-128"/>
-              </a:rPr>
-              <a:t>CI</a:t>
-            </a:r>
-            <a:r>
-              <a:rPr kumimoji="1" lang="ja-JP" altLang="en-US" sz="3200" b="1" dirty="0" smtClean="0">
-                <a:ea typeface="メイリオ" pitchFamily="50" charset="-128"/>
-                <a:cs typeface="メイリオ" pitchFamily="50" charset="-128"/>
-              </a:rPr>
-              <a:t>ツール採用</a:t>
-            </a:r>
-            <a:endParaRPr kumimoji="1" lang="ja-JP" altLang="en-US" sz="3200" b="1" dirty="0">
-              <a:ea typeface="メイリオ" pitchFamily="50" charset="-128"/>
-              <a:cs typeface="メイリオ" pitchFamily="50" charset="-128"/>
-            </a:endParaRPr>
+              <a:rPr lang="ja-JP" altLang="en-US" sz="2000" dirty="0" smtClean="0"/>
+              <a:t>②外部ファイルを読み込む（一般的）</a:t>
+            </a:r>
+            <a:endParaRPr kumimoji="1" lang="ja-JP" altLang="en-US" sz="2000" dirty="0"/>
+          </a:p>
+        </p:txBody>
+      </p:sp>
+      <p:sp>
+        <p:nvSpPr>
+          <p:cNvPr id="13" name="フローチャート: 処理 12"/>
+          <p:cNvSpPr/>
+          <p:nvPr/>
+        </p:nvSpPr>
+        <p:spPr>
+          <a:xfrm>
+            <a:off x="6300192" y="5157192"/>
+            <a:ext cx="2376264" cy="432048"/>
+          </a:xfrm>
+          <a:prstGeom prst="flowChartProcess">
+            <a:avLst/>
+          </a:prstGeom>
+        </p:spPr>
+        <p:style>
+          <a:lnRef idx="1">
+            <a:schemeClr val="accent5"/>
+          </a:lnRef>
+          <a:fillRef idx="2">
+            <a:schemeClr val="accent5"/>
+          </a:fillRef>
+          <a:effectRef idx="1">
+            <a:schemeClr val="accent5"/>
+          </a:effectRef>
+          <a:fontRef idx="minor">
+            <a:schemeClr val="dk1"/>
+          </a:fontRef>
+        </p:style>
+        <p:txBody>
+          <a:bodyPr rtlCol="0" anchor="ctr"/>
+          <a:lstStyle/>
+          <a:p>
+            <a:pPr algn="ctr"/>
+            <a:r>
+              <a:rPr kumimoji="1" lang="en-US" altLang="ja-JP" sz="2000" dirty="0" smtClean="0"/>
+              <a:t>Google.css</a:t>
+            </a:r>
+            <a:endParaRPr kumimoji="1" lang="ja-JP" altLang="en-US" sz="2000" dirty="0"/>
           </a:p>
         </p:txBody>
       </p:sp>
@@ -33828,11 +36747,15 @@
           <a:p>
             <a:r>
               <a:rPr kumimoji="1" lang="en-US" altLang="ja-JP" dirty="0" smtClean="0"/>
-              <a:t>1.2 NC2</a:t>
+              <a:t>1.1</a:t>
+            </a:r>
+            <a:r>
+              <a:rPr lang="ja-JP" altLang="en-US" dirty="0" smtClean="0"/>
+              <a:t> </a:t>
             </a:r>
             <a:r>
               <a:rPr kumimoji="1" lang="ja-JP" altLang="en-US" dirty="0" smtClean="0"/>
-              <a:t>との主な相違点</a:t>
+              <a:t>ＣＭＳ</a:t>
             </a:r>
             <a:endParaRPr kumimoji="1" lang="ja-JP" altLang="en-US" dirty="0"/>
           </a:p>
@@ -33963,8 +36886,8 @@
         </p:nvSpPr>
         <p:spPr>
           <a:xfrm>
-            <a:off x="827584" y="1700808"/>
-            <a:ext cx="5112568" cy="720080"/>
+            <a:off x="323528" y="1196752"/>
+            <a:ext cx="5400600" cy="576064"/>
           </a:xfrm>
           <a:prstGeom prst="roundRect">
             <a:avLst/>
@@ -34004,365 +36927,321 @@
           <a:p>
             <a:pPr algn="ctr"/>
             <a:r>
-              <a:rPr lang="en-US" altLang="ja-JP" sz="3200" b="1" dirty="0" smtClean="0">
+              <a:rPr kumimoji="1" lang="en-US" altLang="ja-JP" sz="2800" b="1" dirty="0" smtClean="0">
                 <a:ea typeface="メイリオ" pitchFamily="50" charset="-128"/>
                 <a:cs typeface="メイリオ" pitchFamily="50" charset="-128"/>
               </a:rPr>
-              <a:t>PHP</a:t>
-            </a:r>
-            <a:r>
-              <a:rPr lang="ja-JP" altLang="en-US" sz="3200" b="1" dirty="0" smtClean="0">
+              <a:t>Web</a:t>
+            </a:r>
+            <a:r>
+              <a:rPr kumimoji="1" lang="ja-JP" altLang="en-US" sz="2800" b="1" dirty="0" smtClean="0">
                 <a:ea typeface="メイリオ" pitchFamily="50" charset="-128"/>
                 <a:cs typeface="メイリオ" pitchFamily="50" charset="-128"/>
               </a:rPr>
-              <a:t>フレームワーク変更</a:t>
-            </a:r>
-            <a:endParaRPr kumimoji="1" lang="ja-JP" altLang="en-US" sz="3200" b="1" dirty="0">
+              <a:t>ページの簡単な説明</a:t>
+            </a:r>
+            <a:r>
+              <a:rPr kumimoji="1" lang="en-US" altLang="ja-JP" sz="2800" b="1" dirty="0" smtClean="0">
+                <a:ea typeface="メイリオ" pitchFamily="50" charset="-128"/>
+                <a:cs typeface="メイリオ" pitchFamily="50" charset="-128"/>
+              </a:rPr>
+              <a:t>(3)</a:t>
+            </a:r>
+            <a:endParaRPr kumimoji="1" lang="ja-JP" altLang="en-US" sz="2800" b="1" dirty="0">
               <a:ea typeface="メイリオ" pitchFamily="50" charset="-128"/>
               <a:cs typeface="メイリオ" pitchFamily="50" charset="-128"/>
             </a:endParaRPr>
           </a:p>
         </p:txBody>
       </p:sp>
+      <p:pic>
+        <p:nvPicPr>
+          <p:cNvPr id="2050" name="Picture 2"/>
+          <p:cNvPicPr>
+            <a:picLocks noChangeAspect="1" noChangeArrowheads="1"/>
+          </p:cNvPicPr>
+          <p:nvPr/>
+        </p:nvPicPr>
+        <p:blipFill>
+          <a:blip r:embed="rId2" cstate="print"/>
+          <a:srcRect/>
+          <a:stretch>
+            <a:fillRect/>
+          </a:stretch>
+        </p:blipFill>
+        <p:spPr bwMode="auto">
+          <a:xfrm>
+            <a:off x="107504" y="3452339"/>
+            <a:ext cx="5760640" cy="3405661"/>
+          </a:xfrm>
+          <a:prstGeom prst="rect">
+            <a:avLst/>
+          </a:prstGeom>
+          <a:noFill/>
+          <a:ln w="9525">
+            <a:noFill/>
+            <a:miter lim="800000"/>
+            <a:headEnd/>
+            <a:tailEnd/>
+          </a:ln>
+        </p:spPr>
+      </p:pic>
       <p:sp>
         <p:nvSpPr>
-          <p:cNvPr id="8" name="角丸四角形 7"/>
+          <p:cNvPr id="9" name="四角形吹き出し 8"/>
           <p:cNvSpPr/>
           <p:nvPr/>
         </p:nvSpPr>
         <p:spPr>
           <a:xfrm>
-            <a:off x="2627784" y="2852936"/>
-            <a:ext cx="6048672" cy="792088"/>
+            <a:off x="4067944" y="3573016"/>
+            <a:ext cx="4320480" cy="3140968"/>
           </a:xfrm>
-          <a:prstGeom prst="roundRect">
-            <a:avLst/>
+          <a:prstGeom prst="wedgeRectCallout">
+            <a:avLst>
+              <a:gd name="adj1" fmla="val -63514"/>
+              <a:gd name="adj2" fmla="val 26044"/>
+            </a:avLst>
           </a:prstGeom>
-          <a:effectLst>
-            <a:outerShdw blurRad="50800" dist="38100" dir="5400000" algn="t" rotWithShape="0">
-              <a:prstClr val="black">
-                <a:alpha val="40000"/>
-              </a:prstClr>
-            </a:outerShdw>
-          </a:effectLst>
-          <a:scene3d>
-            <a:camera prst="orthographicFront"/>
-            <a:lightRig rig="threePt" dir="t"/>
-          </a:scene3d>
-          <a:sp3d>
-            <a:bevelT w="139700" prst="cross"/>
-          </a:sp3d>
         </p:spPr>
         <p:style>
           <a:lnRef idx="1">
-            <a:schemeClr val="accent2"/>
+            <a:schemeClr val="accent3"/>
           </a:lnRef>
           <a:fillRef idx="2">
-            <a:schemeClr val="accent2"/>
+            <a:schemeClr val="accent3"/>
           </a:fillRef>
           <a:effectRef idx="1">
-            <a:schemeClr val="accent2"/>
+            <a:schemeClr val="accent3"/>
           </a:effectRef>
           <a:fontRef idx="minor">
             <a:schemeClr val="dk1"/>
           </a:fontRef>
         </p:style>
         <p:txBody>
-          <a:bodyPr rtlCol="0" anchor="b"/>
+          <a:bodyPr rtlCol="0" anchor="ctr"/>
           <a:lstStyle/>
           <a:p>
-            <a:pPr algn="ctr"/>
-            <a:r>
-              <a:rPr lang="en-US" altLang="ja-JP" sz="3200" b="1" dirty="0" smtClean="0">
-                <a:ea typeface="メイリオ" pitchFamily="50" charset="-128"/>
-                <a:cs typeface="メイリオ" pitchFamily="50" charset="-128"/>
+            <a:r>
+              <a:rPr lang="en-US" altLang="ja-JP" dirty="0" smtClean="0"/>
+              <a:t>&lt;html lang=“ja”&gt;</a:t>
+            </a:r>
+          </a:p>
+          <a:p>
+            <a:r>
+              <a:rPr lang="ja-JP" altLang="en-US" dirty="0" smtClean="0"/>
+              <a:t>    </a:t>
+            </a:r>
+            <a:r>
+              <a:rPr lang="en-US" altLang="ja-JP" dirty="0" smtClean="0"/>
+              <a:t>&lt;head&gt;</a:t>
+            </a:r>
+          </a:p>
+          <a:p>
+            <a:r>
+              <a:rPr lang="en-US" altLang="ja-JP" dirty="0" smtClean="0"/>
+              <a:t>        &lt;title&gt;Google&lt;/title&gt;</a:t>
+            </a:r>
+          </a:p>
+          <a:p>
+            <a:r>
+              <a:rPr lang="ja-JP" altLang="en-US" dirty="0" smtClean="0"/>
+              <a:t> </a:t>
+            </a:r>
+            <a:r>
+              <a:rPr lang="ja-JP" altLang="en-US" dirty="0" smtClean="0"/>
+              <a:t>   </a:t>
+            </a:r>
+            <a:r>
+              <a:rPr lang="en-US" altLang="ja-JP" dirty="0" smtClean="0"/>
+              <a:t>&lt;/head&gt;</a:t>
+            </a:r>
+            <a:endParaRPr lang="en-US" altLang="ja-JP" dirty="0" smtClean="0"/>
+          </a:p>
+          <a:p>
+            <a:r>
+              <a:rPr lang="en-US" altLang="ja-JP" dirty="0" smtClean="0"/>
+              <a:t>    &lt;body&gt;</a:t>
+            </a:r>
+          </a:p>
+          <a:p>
+            <a:r>
+              <a:rPr lang="en-US" altLang="ja-JP" dirty="0" smtClean="0"/>
+              <a:t>        &lt;textarea&gt;</a:t>
+            </a:r>
+          </a:p>
+          <a:p>
+            <a:r>
+              <a:rPr lang="en-US" altLang="ja-JP" dirty="0" smtClean="0"/>
+              <a:t>        &lt;/textarea&gt;</a:t>
+            </a:r>
+            <a:endParaRPr lang="en-US" altLang="ja-JP" dirty="0" smtClean="0"/>
+          </a:p>
+          <a:p>
+            <a:r>
+              <a:rPr lang="en-US" altLang="ja-JP" dirty="0" smtClean="0"/>
+              <a:t>    &lt;/body&gt;</a:t>
+            </a:r>
+          </a:p>
+          <a:p>
+            <a:r>
+              <a:rPr lang="en-US" altLang="ja-JP" dirty="0" smtClean="0"/>
+              <a:t>&lt;/html&gt;</a:t>
+            </a:r>
+          </a:p>
+          <a:p>
+            <a:r>
+              <a:rPr lang="en-US" altLang="ja-JP" u="sng" dirty="0" smtClean="0">
+                <a:solidFill>
+                  <a:srgbClr val="FF0000"/>
+                </a:solidFill>
               </a:rPr>
-              <a:t>Javascript</a:t>
-            </a:r>
-            <a:r>
-              <a:rPr lang="ja-JP" altLang="en-US" sz="3200" b="1" dirty="0" smtClean="0">
-                <a:ea typeface="メイリオ" pitchFamily="50" charset="-128"/>
-                <a:cs typeface="メイリオ" pitchFamily="50" charset="-128"/>
+              <a:t>&lt;script&gt;</a:t>
+            </a:r>
+          </a:p>
+          <a:p>
+            <a:r>
+              <a:rPr lang="en-US" altLang="ja-JP" u="sng" dirty="0" smtClean="0">
+                <a:solidFill>
+                  <a:srgbClr val="FF0000"/>
+                </a:solidFill>
               </a:rPr>
-              <a:t>フレームワーク採用</a:t>
-            </a:r>
-            <a:endParaRPr kumimoji="1" lang="ja-JP" altLang="en-US" sz="3200" b="1" dirty="0">
-              <a:ea typeface="メイリオ" pitchFamily="50" charset="-128"/>
-              <a:cs typeface="メイリオ" pitchFamily="50" charset="-128"/>
-            </a:endParaRPr>
+              <a:t>&lt;/script&gt;</a:t>
+            </a:r>
           </a:p>
         </p:txBody>
       </p:sp>
       <p:sp>
         <p:nvSpPr>
-          <p:cNvPr id="9" name="角丸四角形 8"/>
+          <p:cNvPr id="10" name="コンテンツ プレースホルダ 2"/>
+          <p:cNvSpPr>
+            <a:spLocks noGrp="1"/>
+          </p:cNvSpPr>
+          <p:nvPr>
+            <p:ph idx="1"/>
+          </p:nvPr>
+        </p:nvSpPr>
+        <p:spPr>
+          <a:xfrm>
+            <a:off x="457200" y="2099989"/>
+            <a:ext cx="8229600" cy="1545035"/>
+          </a:xfrm>
+        </p:spPr>
+        <p:txBody>
+          <a:bodyPr>
+            <a:normAutofit/>
+          </a:bodyPr>
+          <a:lstStyle/>
+          <a:p>
+            <a:r>
+              <a:rPr kumimoji="1" lang="en-US" altLang="ja-JP" sz="2400" dirty="0" smtClean="0"/>
+              <a:t>Javascript</a:t>
+            </a:r>
+            <a:r>
+              <a:rPr kumimoji="1" lang="ja-JP" altLang="en-US" sz="2400" dirty="0" smtClean="0"/>
+              <a:t>とは</a:t>
+            </a:r>
+            <a:endParaRPr kumimoji="1" lang="en-US" altLang="ja-JP" sz="2400" dirty="0" smtClean="0"/>
+          </a:p>
+          <a:p>
+            <a:pPr>
+              <a:buNone/>
+            </a:pPr>
+            <a:r>
+              <a:rPr lang="ja-JP" altLang="en-US" sz="2400" dirty="0" smtClean="0"/>
+              <a:t>　</a:t>
+            </a:r>
+            <a:r>
+              <a:rPr lang="en-US" altLang="ja-JP" sz="2400" dirty="0" smtClean="0"/>
+              <a:t>Web</a:t>
+            </a:r>
+            <a:r>
+              <a:rPr lang="ja-JP" altLang="en-US" sz="2400" dirty="0" smtClean="0"/>
+              <a:t>ブラウザで動作するスクリプト言語</a:t>
+            </a:r>
+            <a:r>
+              <a:rPr lang="ja-JP" altLang="en-US" sz="2400" dirty="0" smtClean="0"/>
+              <a:t>。</a:t>
+            </a:r>
+            <a:endParaRPr lang="en-US" altLang="ja-JP" sz="2400" dirty="0" smtClean="0"/>
+          </a:p>
+          <a:p>
+            <a:pPr>
+              <a:buNone/>
+            </a:pPr>
+            <a:r>
+              <a:rPr lang="ja-JP" altLang="en-US" sz="2400" dirty="0" smtClean="0"/>
+              <a:t>　</a:t>
+            </a:r>
+            <a:r>
+              <a:rPr lang="en-US" altLang="ja-JP" sz="2400" dirty="0" smtClean="0"/>
+              <a:t>『</a:t>
+            </a:r>
+            <a:r>
+              <a:rPr lang="ja-JP" altLang="en-US" sz="2400" dirty="0" smtClean="0"/>
+              <a:t>動き</a:t>
+            </a:r>
+            <a:r>
+              <a:rPr lang="en-US" altLang="ja-JP" sz="2400" dirty="0" smtClean="0"/>
+              <a:t>』</a:t>
+            </a:r>
+            <a:endParaRPr lang="ja-JP" altLang="en-US" sz="2400" dirty="0" smtClean="0"/>
+          </a:p>
+          <a:p>
+            <a:pPr>
+              <a:buNone/>
+            </a:pPr>
+            <a:endParaRPr kumimoji="1" lang="ja-JP" altLang="en-US" sz="2400" dirty="0"/>
+          </a:p>
+        </p:txBody>
+      </p:sp>
+      <p:sp>
+        <p:nvSpPr>
+          <p:cNvPr id="12" name="フローチャート: 処理 11"/>
           <p:cNvSpPr/>
           <p:nvPr/>
         </p:nvSpPr>
         <p:spPr>
           <a:xfrm>
-            <a:off x="899592" y="4149080"/>
-            <a:ext cx="4896544" cy="792088"/>
+            <a:off x="4067944" y="3140968"/>
+            <a:ext cx="4320480" cy="432048"/>
           </a:xfrm>
-          <a:prstGeom prst="roundRect">
+          <a:prstGeom prst="flowChartProcess">
             <a:avLst/>
           </a:prstGeom>
-          <a:effectLst>
-            <a:outerShdw blurRad="50800" dist="38100" dir="5400000" algn="t" rotWithShape="0">
-              <a:prstClr val="black">
-                <a:alpha val="40000"/>
-              </a:prstClr>
-            </a:outerShdw>
-          </a:effectLst>
-          <a:scene3d>
-            <a:camera prst="orthographicFront"/>
-            <a:lightRig rig="threePt" dir="t"/>
-          </a:scene3d>
-          <a:sp3d>
-            <a:bevelT w="139700" prst="cross"/>
-          </a:sp3d>
         </p:spPr>
         <p:style>
           <a:lnRef idx="1">
-            <a:schemeClr val="accent6"/>
+            <a:schemeClr val="accent3"/>
           </a:lnRef>
           <a:fillRef idx="2">
-            <a:schemeClr val="accent6"/>
+            <a:schemeClr val="accent3"/>
           </a:fillRef>
           <a:effectRef idx="1">
-            <a:schemeClr val="accent6"/>
+            <a:schemeClr val="accent3"/>
           </a:effectRef>
           <a:fontRef idx="minor">
             <a:schemeClr val="dk1"/>
           </a:fontRef>
         </p:style>
         <p:txBody>
-          <a:bodyPr rtlCol="0" anchor="b"/>
+          <a:bodyPr rtlCol="0" anchor="ctr"/>
           <a:lstStyle/>
           <a:p>
             <a:pPr algn="ctr"/>
             <a:r>
-              <a:rPr lang="en-US" altLang="ja-JP" sz="3200" b="1" dirty="0" smtClean="0">
-                <a:ea typeface="メイリオ" pitchFamily="50" charset="-128"/>
-                <a:cs typeface="メイリオ" pitchFamily="50" charset="-128"/>
-              </a:rPr>
-              <a:t>CSS</a:t>
-            </a:r>
-            <a:r>
-              <a:rPr lang="ja-JP" altLang="en-US" sz="3200" b="1" dirty="0" smtClean="0">
-                <a:ea typeface="メイリオ" pitchFamily="50" charset="-128"/>
-                <a:cs typeface="メイリオ" pitchFamily="50" charset="-128"/>
-              </a:rPr>
-              <a:t>フレームワーク採用</a:t>
-            </a:r>
-            <a:endParaRPr kumimoji="1" lang="ja-JP" altLang="en-US" sz="3200" b="1" dirty="0">
-              <a:ea typeface="メイリオ" pitchFamily="50" charset="-128"/>
-              <a:cs typeface="メイリオ" pitchFamily="50" charset="-128"/>
-            </a:endParaRPr>
-          </a:p>
-        </p:txBody>
-      </p:sp>
-      <p:sp>
-        <p:nvSpPr>
-          <p:cNvPr id="10" name="角丸四角形 9"/>
-          <p:cNvSpPr/>
-          <p:nvPr/>
-        </p:nvSpPr>
-        <p:spPr>
-          <a:xfrm>
-            <a:off x="4355976" y="5301208"/>
-            <a:ext cx="4320480" cy="792088"/>
-          </a:xfrm>
-          <a:prstGeom prst="roundRect">
-            <a:avLst/>
-          </a:prstGeom>
-          <a:effectLst>
-            <a:outerShdw blurRad="50800" dist="38100" dir="5400000" algn="t" rotWithShape="0">
-              <a:prstClr val="black">
-                <a:alpha val="40000"/>
-              </a:prstClr>
-            </a:outerShdw>
-          </a:effectLst>
-          <a:scene3d>
-            <a:camera prst="orthographicFront"/>
-            <a:lightRig rig="threePt" dir="t"/>
-          </a:scene3d>
-          <a:sp3d>
-            <a:bevelT w="139700" prst="cross"/>
-          </a:sp3d>
-        </p:spPr>
-        <p:style>
-          <a:lnRef idx="1">
-            <a:schemeClr val="accent1"/>
-          </a:lnRef>
-          <a:fillRef idx="2">
-            <a:schemeClr val="accent1"/>
-          </a:fillRef>
-          <a:effectRef idx="1">
-            <a:schemeClr val="accent1"/>
-          </a:effectRef>
-          <a:fontRef idx="minor">
-            <a:schemeClr val="dk1"/>
-          </a:fontRef>
-        </p:style>
-        <p:txBody>
-          <a:bodyPr rtlCol="0" anchor="b"/>
-          <a:lstStyle/>
-          <a:p>
-            <a:pPr algn="ctr"/>
-            <a:r>
-              <a:rPr kumimoji="1" lang="en-US" altLang="ja-JP" sz="3200" b="1" dirty="0" smtClean="0">
-                <a:ea typeface="メイリオ" pitchFamily="50" charset="-128"/>
-                <a:cs typeface="メイリオ" pitchFamily="50" charset="-128"/>
-              </a:rPr>
-              <a:t>CI</a:t>
-            </a:r>
-            <a:r>
-              <a:rPr kumimoji="1" lang="ja-JP" altLang="en-US" sz="3200" b="1" dirty="0" smtClean="0">
-                <a:ea typeface="メイリオ" pitchFamily="50" charset="-128"/>
-                <a:cs typeface="メイリオ" pitchFamily="50" charset="-128"/>
-              </a:rPr>
-              <a:t>ツール採用</a:t>
-            </a:r>
-            <a:endParaRPr kumimoji="1" lang="ja-JP" altLang="en-US" sz="3200" b="1" dirty="0">
-              <a:ea typeface="メイリオ" pitchFamily="50" charset="-128"/>
-              <a:cs typeface="メイリオ" pitchFamily="50" charset="-128"/>
-            </a:endParaRPr>
-          </a:p>
-        </p:txBody>
-      </p:sp>
-      <p:sp>
-        <p:nvSpPr>
-          <p:cNvPr id="11" name="角丸四角形吹き出し 10"/>
-          <p:cNvSpPr/>
-          <p:nvPr/>
-        </p:nvSpPr>
-        <p:spPr>
-          <a:xfrm>
-            <a:off x="251520" y="2708920"/>
-            <a:ext cx="8640960" cy="3960440"/>
-          </a:xfrm>
-          <a:prstGeom prst="wedgeRoundRectCallout">
-            <a:avLst>
-              <a:gd name="adj1" fmla="val -21599"/>
-              <a:gd name="adj2" fmla="val -56790"/>
-              <a:gd name="adj3" fmla="val 16667"/>
-            </a:avLst>
-          </a:prstGeom>
-          <a:scene3d>
-            <a:camera prst="orthographicFront"/>
-            <a:lightRig rig="threePt" dir="t"/>
-          </a:scene3d>
-          <a:sp3d>
-            <a:bevelT prst="relaxedInset"/>
-          </a:sp3d>
-        </p:spPr>
-        <p:style>
-          <a:lnRef idx="1">
-            <a:schemeClr val="accent5"/>
-          </a:lnRef>
-          <a:fillRef idx="2">
-            <a:schemeClr val="accent5"/>
-          </a:fillRef>
-          <a:effectRef idx="1">
-            <a:schemeClr val="accent5"/>
-          </a:effectRef>
-          <a:fontRef idx="minor">
-            <a:schemeClr val="dk1"/>
-          </a:fontRef>
-        </p:style>
-        <p:txBody>
-          <a:bodyPr rtlCol="0" anchor="t"/>
-          <a:lstStyle/>
-          <a:p>
-            <a:r>
-              <a:rPr kumimoji="1" lang="en-US" altLang="ja-JP" sz="2800" b="1" dirty="0" smtClean="0"/>
-              <a:t>[NC2</a:t>
-            </a:r>
-            <a:r>
-              <a:rPr lang="ja-JP" altLang="en-US" sz="2800" b="1" dirty="0" smtClean="0"/>
-              <a:t>以前</a:t>
-            </a:r>
-            <a:r>
-              <a:rPr kumimoji="1" lang="en-US" altLang="ja-JP" sz="2800" b="1" dirty="0" smtClean="0"/>
-              <a:t>]</a:t>
-            </a:r>
-          </a:p>
-          <a:p>
-            <a:r>
-              <a:rPr lang="ja-JP" altLang="en-US" sz="2800" b="1" dirty="0" smtClean="0"/>
-              <a:t>　</a:t>
-            </a:r>
-            <a:r>
-              <a:rPr kumimoji="1" lang="en-US" altLang="ja-JP" sz="2800" b="1" dirty="0" smtClean="0"/>
-              <a:t>Maple</a:t>
-            </a:r>
-            <a:r>
-              <a:rPr kumimoji="1" lang="ja-JP" altLang="en-US" sz="2800" b="1" dirty="0" smtClean="0"/>
-              <a:t>　　・開発者が日本人でドキュメントが豊富</a:t>
-            </a:r>
-            <a:endParaRPr kumimoji="1" lang="en-US" altLang="ja-JP" sz="2800" b="1" dirty="0" smtClean="0"/>
-          </a:p>
-          <a:p>
-            <a:r>
-              <a:rPr lang="ja-JP" altLang="en-US" sz="2800" b="1" dirty="0" smtClean="0"/>
-              <a:t>　　　　　　　・開発は終了しており、サポートがない</a:t>
-            </a:r>
-            <a:endParaRPr lang="en-US" altLang="ja-JP" sz="2800" b="1" dirty="0" smtClean="0"/>
-          </a:p>
-          <a:p>
-            <a:r>
-              <a:rPr lang="en-US" altLang="ja-JP" sz="2800" b="1" dirty="0" smtClean="0"/>
-              <a:t>[NC3]</a:t>
-            </a:r>
-          </a:p>
-          <a:p>
-            <a:r>
-              <a:rPr lang="ja-JP" altLang="en-US" sz="2800" b="1" dirty="0" smtClean="0"/>
-              <a:t>　</a:t>
-            </a:r>
-            <a:r>
-              <a:rPr lang="en-US" altLang="ja-JP" sz="2800" b="1" dirty="0" smtClean="0"/>
-              <a:t>CakePHP</a:t>
-            </a:r>
-            <a:r>
-              <a:rPr lang="ja-JP" altLang="en-US" sz="2800" b="1" dirty="0" smtClean="0"/>
-              <a:t>　　  ・日本国内では最も使われている</a:t>
-            </a:r>
-            <a:endParaRPr lang="en-US" altLang="ja-JP" sz="2800" b="1" dirty="0" smtClean="0"/>
-          </a:p>
-          <a:p>
-            <a:r>
-              <a:rPr kumimoji="1" lang="ja-JP" altLang="en-US" sz="2800" b="1" dirty="0" smtClean="0"/>
-              <a:t>　　　　　　　　　・ドキュメントやノウハウが豊富</a:t>
-            </a:r>
-            <a:endParaRPr kumimoji="1" lang="en-US" altLang="ja-JP" sz="2800" b="1" dirty="0" smtClean="0"/>
-          </a:p>
-          <a:p>
-            <a:r>
-              <a:rPr lang="ja-JP" altLang="en-US" sz="2800" b="1" dirty="0" smtClean="0"/>
-              <a:t>　　　　　　　　　・</a:t>
-            </a:r>
-            <a:r>
-              <a:rPr lang="en-US" altLang="ja-JP" sz="2800" b="1" dirty="0" smtClean="0"/>
-              <a:t>MVC</a:t>
-            </a:r>
-            <a:r>
-              <a:rPr lang="ja-JP" altLang="en-US" sz="2800" b="1" dirty="0" smtClean="0"/>
-              <a:t>モデルが採用されている</a:t>
-            </a:r>
-            <a:endParaRPr lang="en-US" altLang="ja-JP" sz="2800" b="1" dirty="0" smtClean="0"/>
-          </a:p>
-          <a:p>
-            <a:r>
-              <a:rPr kumimoji="1" lang="ja-JP" altLang="en-US" sz="2800" b="1" dirty="0" smtClean="0"/>
-              <a:t>　　　　　　　　　・</a:t>
-            </a:r>
-            <a:r>
-              <a:rPr lang="ja-JP" altLang="en-US" sz="2800" b="1" dirty="0" smtClean="0"/>
-              <a:t>現在も盛んに開発が行われている</a:t>
-            </a:r>
-            <a:endParaRPr kumimoji="1" lang="ja-JP" altLang="en-US" sz="2800" b="1" dirty="0"/>
+              <a:rPr lang="ja-JP" altLang="en-US" sz="2000" dirty="0" smtClean="0"/>
+              <a:t>①</a:t>
+            </a:r>
+            <a:r>
+              <a:rPr lang="en-US" altLang="ja-JP" sz="2000" dirty="0" smtClean="0"/>
+              <a:t>script</a:t>
+            </a:r>
+            <a:r>
+              <a:rPr lang="ja-JP" altLang="en-US" sz="2000" dirty="0" smtClean="0"/>
+              <a:t>タグで記述</a:t>
+            </a:r>
+            <a:endParaRPr lang="ja-JP" altLang="en-US" sz="2000" dirty="0" smtClean="0"/>
           </a:p>
         </p:txBody>
       </p:sp>
